--- a/Presentation1.pptx
+++ b/Presentation1.pptx
@@ -4,12 +4,16 @@
   <p:sldMasterIdLst>
     <p:sldMasterId id="2147483648" r:id="rId1"/>
   </p:sldMasterIdLst>
+  <p:notesMasterIdLst>
+    <p:notesMasterId r:id="rId8"/>
+  </p:notesMasterIdLst>
   <p:sldIdLst>
     <p:sldId id="256" r:id="rId2"/>
-    <p:sldId id="258" r:id="rId3"/>
-    <p:sldId id="259" r:id="rId4"/>
-    <p:sldId id="257" r:id="rId5"/>
-    <p:sldId id="260" r:id="rId6"/>
+    <p:sldId id="261" r:id="rId3"/>
+    <p:sldId id="258" r:id="rId4"/>
+    <p:sldId id="260" r:id="rId5"/>
+    <p:sldId id="259" r:id="rId6"/>
+    <p:sldId id="257" r:id="rId7"/>
   </p:sldIdLst>
   <p:sldSz cx="12192000" cy="6858000"/>
   <p:notesSz cx="6858000" cy="9144000"/>
@@ -108,6 +112,11 @@
       </a:defRPr>
     </a:lvl9pPr>
   </p:defaultTextStyle>
+  <p:extLst>
+    <p:ext uri="{EFAFB233-063F-42B5-8137-9DF3F51BA10A}">
+      <p15:sldGuideLst xmlns:p15="http://schemas.microsoft.com/office/powerpoint/2012/main"/>
+    </p:ext>
+  </p:extLst>
 </p:presentation>
 </file>
 
@@ -116,753 +125,6 @@
 </file>
 
 <file path=ppt/diagrams/colors1.xml><?xml version="1.0" encoding="utf-8"?>
-<dgm:colorsDef xmlns:dgm="http://schemas.openxmlformats.org/drawingml/2006/diagram" xmlns:a="http://schemas.openxmlformats.org/drawingml/2006/main" uniqueId="urn:microsoft.com/office/officeart/2005/8/colors/accent1_2">
-  <dgm:title val=""/>
-  <dgm:desc val=""/>
-  <dgm:catLst>
-    <dgm:cat type="accent1" pri="11200"/>
-  </dgm:catLst>
-  <dgm:styleLbl name="node0">
-    <dgm:fillClrLst meth="repeat">
-      <a:schemeClr val="accent1"/>
-    </dgm:fillClrLst>
-    <dgm:linClrLst meth="repeat">
-      <a:schemeClr val="lt1"/>
-    </dgm:linClrLst>
-    <dgm:effectClrLst/>
-    <dgm:txLinClrLst/>
-    <dgm:txFillClrLst/>
-    <dgm:txEffectClrLst/>
-  </dgm:styleLbl>
-  <dgm:styleLbl name="alignNode1">
-    <dgm:fillClrLst meth="repeat">
-      <a:schemeClr val="accent1"/>
-    </dgm:fillClrLst>
-    <dgm:linClrLst meth="repeat">
-      <a:schemeClr val="accent1"/>
-    </dgm:linClrLst>
-    <dgm:effectClrLst/>
-    <dgm:txLinClrLst/>
-    <dgm:txFillClrLst/>
-    <dgm:txEffectClrLst/>
-  </dgm:styleLbl>
-  <dgm:styleLbl name="node1">
-    <dgm:fillClrLst meth="repeat">
-      <a:schemeClr val="accent1"/>
-    </dgm:fillClrLst>
-    <dgm:linClrLst meth="repeat">
-      <a:schemeClr val="lt1"/>
-    </dgm:linClrLst>
-    <dgm:effectClrLst/>
-    <dgm:txLinClrLst/>
-    <dgm:txFillClrLst/>
-    <dgm:txEffectClrLst/>
-  </dgm:styleLbl>
-  <dgm:styleLbl name="lnNode1">
-    <dgm:fillClrLst meth="repeat">
-      <a:schemeClr val="accent1"/>
-    </dgm:fillClrLst>
-    <dgm:linClrLst meth="repeat">
-      <a:schemeClr val="lt1"/>
-    </dgm:linClrLst>
-    <dgm:effectClrLst/>
-    <dgm:txLinClrLst/>
-    <dgm:txFillClrLst/>
-    <dgm:txEffectClrLst/>
-  </dgm:styleLbl>
-  <dgm:styleLbl name="vennNode1">
-    <dgm:fillClrLst meth="repeat">
-      <a:schemeClr val="accent1">
-        <a:alpha val="50000"/>
-      </a:schemeClr>
-    </dgm:fillClrLst>
-    <dgm:linClrLst meth="repeat">
-      <a:schemeClr val="lt1"/>
-    </dgm:linClrLst>
-    <dgm:effectClrLst/>
-    <dgm:txLinClrLst/>
-    <dgm:txFillClrLst/>
-    <dgm:txEffectClrLst/>
-  </dgm:styleLbl>
-  <dgm:styleLbl name="node2">
-    <dgm:fillClrLst meth="repeat">
-      <a:schemeClr val="accent1"/>
-    </dgm:fillClrLst>
-    <dgm:linClrLst meth="repeat">
-      <a:schemeClr val="lt1"/>
-    </dgm:linClrLst>
-    <dgm:effectClrLst/>
-    <dgm:txLinClrLst/>
-    <dgm:txFillClrLst/>
-    <dgm:txEffectClrLst/>
-  </dgm:styleLbl>
-  <dgm:styleLbl name="node3">
-    <dgm:fillClrLst meth="repeat">
-      <a:schemeClr val="accent1"/>
-    </dgm:fillClrLst>
-    <dgm:linClrLst meth="repeat">
-      <a:schemeClr val="lt1"/>
-    </dgm:linClrLst>
-    <dgm:effectClrLst/>
-    <dgm:txLinClrLst/>
-    <dgm:txFillClrLst/>
-    <dgm:txEffectClrLst/>
-  </dgm:styleLbl>
-  <dgm:styleLbl name="node4">
-    <dgm:fillClrLst meth="repeat">
-      <a:schemeClr val="accent1"/>
-    </dgm:fillClrLst>
-    <dgm:linClrLst meth="repeat">
-      <a:schemeClr val="lt1"/>
-    </dgm:linClrLst>
-    <dgm:effectClrLst/>
-    <dgm:txLinClrLst/>
-    <dgm:txFillClrLst/>
-    <dgm:txEffectClrLst/>
-  </dgm:styleLbl>
-  <dgm:styleLbl name="fgImgPlace1">
-    <dgm:fillClrLst meth="repeat">
-      <a:schemeClr val="accent1">
-        <a:tint val="50000"/>
-      </a:schemeClr>
-    </dgm:fillClrLst>
-    <dgm:linClrLst meth="repeat">
-      <a:schemeClr val="lt1"/>
-    </dgm:linClrLst>
-    <dgm:effectClrLst/>
-    <dgm:txLinClrLst/>
-    <dgm:txFillClrLst meth="repeat">
-      <a:schemeClr val="lt1"/>
-    </dgm:txFillClrLst>
-    <dgm:txEffectClrLst/>
-  </dgm:styleLbl>
-  <dgm:styleLbl name="alignImgPlace1">
-    <dgm:fillClrLst meth="repeat">
-      <a:schemeClr val="accent1">
-        <a:tint val="50000"/>
-      </a:schemeClr>
-    </dgm:fillClrLst>
-    <dgm:linClrLst meth="repeat">
-      <a:schemeClr val="lt1"/>
-    </dgm:linClrLst>
-    <dgm:effectClrLst/>
-    <dgm:txLinClrLst/>
-    <dgm:txFillClrLst meth="repeat">
-      <a:schemeClr val="lt1"/>
-    </dgm:txFillClrLst>
-    <dgm:txEffectClrLst/>
-  </dgm:styleLbl>
-  <dgm:styleLbl name="bgImgPlace1">
-    <dgm:fillClrLst meth="repeat">
-      <a:schemeClr val="accent1">
-        <a:tint val="50000"/>
-      </a:schemeClr>
-    </dgm:fillClrLst>
-    <dgm:linClrLst meth="repeat">
-      <a:schemeClr val="lt1"/>
-    </dgm:linClrLst>
-    <dgm:effectClrLst/>
-    <dgm:txLinClrLst/>
-    <dgm:txFillClrLst meth="repeat">
-      <a:schemeClr val="lt1"/>
-    </dgm:txFillClrLst>
-    <dgm:txEffectClrLst/>
-  </dgm:styleLbl>
-  <dgm:styleLbl name="sibTrans2D1">
-    <dgm:fillClrLst meth="repeat">
-      <a:schemeClr val="accent1">
-        <a:tint val="60000"/>
-      </a:schemeClr>
-    </dgm:fillClrLst>
-    <dgm:linClrLst meth="repeat">
-      <a:schemeClr val="accent1">
-        <a:tint val="60000"/>
-      </a:schemeClr>
-    </dgm:linClrLst>
-    <dgm:effectClrLst/>
-    <dgm:txLinClrLst/>
-    <dgm:txFillClrLst/>
-    <dgm:txEffectClrLst/>
-  </dgm:styleLbl>
-  <dgm:styleLbl name="fgSibTrans2D1">
-    <dgm:fillClrLst meth="repeat">
-      <a:schemeClr val="accent1">
-        <a:tint val="60000"/>
-      </a:schemeClr>
-    </dgm:fillClrLst>
-    <dgm:linClrLst meth="repeat">
-      <a:schemeClr val="accent1">
-        <a:tint val="60000"/>
-      </a:schemeClr>
-    </dgm:linClrLst>
-    <dgm:effectClrLst/>
-    <dgm:txLinClrLst/>
-    <dgm:txFillClrLst/>
-    <dgm:txEffectClrLst/>
-  </dgm:styleLbl>
-  <dgm:styleLbl name="bgSibTrans2D1">
-    <dgm:fillClrLst meth="repeat">
-      <a:schemeClr val="accent1">
-        <a:tint val="60000"/>
-      </a:schemeClr>
-    </dgm:fillClrLst>
-    <dgm:linClrLst meth="repeat">
-      <a:schemeClr val="accent1">
-        <a:tint val="60000"/>
-      </a:schemeClr>
-    </dgm:linClrLst>
-    <dgm:effectClrLst/>
-    <dgm:txLinClrLst/>
-    <dgm:txFillClrLst/>
-    <dgm:txEffectClrLst/>
-  </dgm:styleLbl>
-  <dgm:styleLbl name="sibTrans1D1">
-    <dgm:fillClrLst meth="repeat">
-      <a:schemeClr val="accent1"/>
-    </dgm:fillClrLst>
-    <dgm:linClrLst meth="repeat">
-      <a:schemeClr val="accent1"/>
-    </dgm:linClrLst>
-    <dgm:effectClrLst/>
-    <dgm:txLinClrLst/>
-    <dgm:txFillClrLst meth="repeat">
-      <a:schemeClr val="tx1"/>
-    </dgm:txFillClrLst>
-    <dgm:txEffectClrLst/>
-  </dgm:styleLbl>
-  <dgm:styleLbl name="callout">
-    <dgm:fillClrLst meth="repeat">
-      <a:schemeClr val="accent1"/>
-    </dgm:fillClrLst>
-    <dgm:linClrLst meth="repeat">
-      <a:schemeClr val="accent1">
-        <a:tint val="50000"/>
-      </a:schemeClr>
-    </dgm:linClrLst>
-    <dgm:effectClrLst/>
-    <dgm:txLinClrLst/>
-    <dgm:txFillClrLst meth="repeat">
-      <a:schemeClr val="tx1"/>
-    </dgm:txFillClrLst>
-    <dgm:txEffectClrLst/>
-  </dgm:styleLbl>
-  <dgm:styleLbl name="asst0">
-    <dgm:fillClrLst meth="repeat">
-      <a:schemeClr val="accent1"/>
-    </dgm:fillClrLst>
-    <dgm:linClrLst meth="repeat">
-      <a:schemeClr val="lt1"/>
-    </dgm:linClrLst>
-    <dgm:effectClrLst/>
-    <dgm:txLinClrLst/>
-    <dgm:txFillClrLst/>
-    <dgm:txEffectClrLst/>
-  </dgm:styleLbl>
-  <dgm:styleLbl name="asst1">
-    <dgm:fillClrLst meth="repeat">
-      <a:schemeClr val="accent1"/>
-    </dgm:fillClrLst>
-    <dgm:linClrLst meth="repeat">
-      <a:schemeClr val="lt1"/>
-    </dgm:linClrLst>
-    <dgm:effectClrLst/>
-    <dgm:txLinClrLst/>
-    <dgm:txFillClrLst/>
-    <dgm:txEffectClrLst/>
-  </dgm:styleLbl>
-  <dgm:styleLbl name="asst2">
-    <dgm:fillClrLst meth="repeat">
-      <a:schemeClr val="accent1"/>
-    </dgm:fillClrLst>
-    <dgm:linClrLst meth="repeat">
-      <a:schemeClr val="lt1"/>
-    </dgm:linClrLst>
-    <dgm:effectClrLst/>
-    <dgm:txLinClrLst/>
-    <dgm:txFillClrLst/>
-    <dgm:txEffectClrLst/>
-  </dgm:styleLbl>
-  <dgm:styleLbl name="asst3">
-    <dgm:fillClrLst meth="repeat">
-      <a:schemeClr val="accent1"/>
-    </dgm:fillClrLst>
-    <dgm:linClrLst meth="repeat">
-      <a:schemeClr val="lt1"/>
-    </dgm:linClrLst>
-    <dgm:effectClrLst/>
-    <dgm:txLinClrLst/>
-    <dgm:txFillClrLst/>
-    <dgm:txEffectClrLst/>
-  </dgm:styleLbl>
-  <dgm:styleLbl name="asst4">
-    <dgm:fillClrLst meth="repeat">
-      <a:schemeClr val="accent1"/>
-    </dgm:fillClrLst>
-    <dgm:linClrLst meth="repeat">
-      <a:schemeClr val="lt1"/>
-    </dgm:linClrLst>
-    <dgm:effectClrLst/>
-    <dgm:txLinClrLst/>
-    <dgm:txFillClrLst/>
-    <dgm:txEffectClrLst/>
-  </dgm:styleLbl>
-  <dgm:styleLbl name="parChTrans2D1">
-    <dgm:fillClrLst meth="repeat">
-      <a:schemeClr val="accent1">
-        <a:tint val="60000"/>
-      </a:schemeClr>
-    </dgm:fillClrLst>
-    <dgm:linClrLst meth="repeat">
-      <a:schemeClr val="accent1">
-        <a:tint val="60000"/>
-      </a:schemeClr>
-    </dgm:linClrLst>
-    <dgm:effectClrLst/>
-    <dgm:txLinClrLst/>
-    <dgm:txFillClrLst meth="repeat">
-      <a:schemeClr val="lt1"/>
-    </dgm:txFillClrLst>
-    <dgm:txEffectClrLst/>
-  </dgm:styleLbl>
-  <dgm:styleLbl name="parChTrans2D2">
-    <dgm:fillClrLst meth="repeat">
-      <a:schemeClr val="accent1"/>
-    </dgm:fillClrLst>
-    <dgm:linClrLst meth="repeat">
-      <a:schemeClr val="accent1"/>
-    </dgm:linClrLst>
-    <dgm:effectClrLst/>
-    <dgm:txLinClrLst/>
-    <dgm:txFillClrLst meth="repeat">
-      <a:schemeClr val="lt1"/>
-    </dgm:txFillClrLst>
-    <dgm:txEffectClrLst/>
-  </dgm:styleLbl>
-  <dgm:styleLbl name="parChTrans2D3">
-    <dgm:fillClrLst meth="repeat">
-      <a:schemeClr val="accent1"/>
-    </dgm:fillClrLst>
-    <dgm:linClrLst meth="repeat">
-      <a:schemeClr val="accent1"/>
-    </dgm:linClrLst>
-    <dgm:effectClrLst/>
-    <dgm:txLinClrLst/>
-    <dgm:txFillClrLst meth="repeat">
-      <a:schemeClr val="lt1"/>
-    </dgm:txFillClrLst>
-    <dgm:txEffectClrLst/>
-  </dgm:styleLbl>
-  <dgm:styleLbl name="parChTrans2D4">
-    <dgm:fillClrLst meth="repeat">
-      <a:schemeClr val="accent1"/>
-    </dgm:fillClrLst>
-    <dgm:linClrLst meth="repeat">
-      <a:schemeClr val="accent1"/>
-    </dgm:linClrLst>
-    <dgm:effectClrLst/>
-    <dgm:txLinClrLst/>
-    <dgm:txFillClrLst meth="repeat">
-      <a:schemeClr val="lt1"/>
-    </dgm:txFillClrLst>
-    <dgm:txEffectClrLst/>
-  </dgm:styleLbl>
-  <dgm:styleLbl name="parChTrans1D1">
-    <dgm:fillClrLst meth="repeat">
-      <a:schemeClr val="accent1"/>
-    </dgm:fillClrLst>
-    <dgm:linClrLst meth="repeat">
-      <a:schemeClr val="accent1">
-        <a:shade val="60000"/>
-      </a:schemeClr>
-    </dgm:linClrLst>
-    <dgm:effectClrLst/>
-    <dgm:txLinClrLst/>
-    <dgm:txFillClrLst meth="repeat">
-      <a:schemeClr val="tx1"/>
-    </dgm:txFillClrLst>
-    <dgm:txEffectClrLst/>
-  </dgm:styleLbl>
-  <dgm:styleLbl name="parChTrans1D2">
-    <dgm:fillClrLst meth="repeat">
-      <a:schemeClr val="accent1"/>
-    </dgm:fillClrLst>
-    <dgm:linClrLst meth="repeat">
-      <a:schemeClr val="accent1">
-        <a:shade val="60000"/>
-      </a:schemeClr>
-    </dgm:linClrLst>
-    <dgm:effectClrLst/>
-    <dgm:txLinClrLst/>
-    <dgm:txFillClrLst meth="repeat">
-      <a:schemeClr val="tx1"/>
-    </dgm:txFillClrLst>
-    <dgm:txEffectClrLst/>
-  </dgm:styleLbl>
-  <dgm:styleLbl name="parChTrans1D3">
-    <dgm:fillClrLst meth="repeat">
-      <a:schemeClr val="accent1"/>
-    </dgm:fillClrLst>
-    <dgm:linClrLst meth="repeat">
-      <a:schemeClr val="accent1">
-        <a:shade val="80000"/>
-      </a:schemeClr>
-    </dgm:linClrLst>
-    <dgm:effectClrLst/>
-    <dgm:txLinClrLst/>
-    <dgm:txFillClrLst meth="repeat">
-      <a:schemeClr val="tx1"/>
-    </dgm:txFillClrLst>
-    <dgm:txEffectClrLst/>
-  </dgm:styleLbl>
-  <dgm:styleLbl name="parChTrans1D4">
-    <dgm:fillClrLst meth="repeat">
-      <a:schemeClr val="accent1"/>
-    </dgm:fillClrLst>
-    <dgm:linClrLst meth="repeat">
-      <a:schemeClr val="accent1">
-        <a:shade val="80000"/>
-      </a:schemeClr>
-    </dgm:linClrLst>
-    <dgm:effectClrLst/>
-    <dgm:txLinClrLst/>
-    <dgm:txFillClrLst meth="repeat">
-      <a:schemeClr val="tx1"/>
-    </dgm:txFillClrLst>
-    <dgm:txEffectClrLst/>
-  </dgm:styleLbl>
-  <dgm:styleLbl name="fgAcc1">
-    <dgm:fillClrLst meth="repeat">
-      <a:schemeClr val="lt1">
-        <a:alpha val="90000"/>
-      </a:schemeClr>
-    </dgm:fillClrLst>
-    <dgm:linClrLst meth="repeat">
-      <a:schemeClr val="accent1"/>
-    </dgm:linClrLst>
-    <dgm:effectClrLst/>
-    <dgm:txLinClrLst/>
-    <dgm:txFillClrLst meth="repeat">
-      <a:schemeClr val="dk1"/>
-    </dgm:txFillClrLst>
-    <dgm:txEffectClrLst/>
-  </dgm:styleLbl>
-  <dgm:styleLbl name="conFgAcc1">
-    <dgm:fillClrLst meth="repeat">
-      <a:schemeClr val="lt1">
-        <a:alpha val="90000"/>
-      </a:schemeClr>
-    </dgm:fillClrLst>
-    <dgm:linClrLst meth="repeat">
-      <a:schemeClr val="accent1"/>
-    </dgm:linClrLst>
-    <dgm:effectClrLst/>
-    <dgm:txLinClrLst/>
-    <dgm:txFillClrLst meth="repeat">
-      <a:schemeClr val="dk1"/>
-    </dgm:txFillClrLst>
-    <dgm:txEffectClrLst/>
-  </dgm:styleLbl>
-  <dgm:styleLbl name="alignAcc1">
-    <dgm:fillClrLst meth="repeat">
-      <a:schemeClr val="lt1">
-        <a:alpha val="90000"/>
-      </a:schemeClr>
-    </dgm:fillClrLst>
-    <dgm:linClrLst meth="repeat">
-      <a:schemeClr val="accent1"/>
-    </dgm:linClrLst>
-    <dgm:effectClrLst/>
-    <dgm:txLinClrLst/>
-    <dgm:txFillClrLst meth="repeat">
-      <a:schemeClr val="dk1"/>
-    </dgm:txFillClrLst>
-    <dgm:txEffectClrLst/>
-  </dgm:styleLbl>
-  <dgm:styleLbl name="trAlignAcc1">
-    <dgm:fillClrLst meth="repeat">
-      <a:schemeClr val="lt1">
-        <a:alpha val="40000"/>
-      </a:schemeClr>
-    </dgm:fillClrLst>
-    <dgm:linClrLst meth="repeat">
-      <a:schemeClr val="accent1"/>
-    </dgm:linClrLst>
-    <dgm:effectClrLst/>
-    <dgm:txLinClrLst/>
-    <dgm:txFillClrLst meth="repeat">
-      <a:schemeClr val="dk1"/>
-    </dgm:txFillClrLst>
-    <dgm:txEffectClrLst/>
-  </dgm:styleLbl>
-  <dgm:styleLbl name="bgAcc1">
-    <dgm:fillClrLst meth="repeat">
-      <a:schemeClr val="lt1">
-        <a:alpha val="90000"/>
-      </a:schemeClr>
-    </dgm:fillClrLst>
-    <dgm:linClrLst meth="repeat">
-      <a:schemeClr val="accent1"/>
-    </dgm:linClrLst>
-    <dgm:effectClrLst/>
-    <dgm:txLinClrLst/>
-    <dgm:txFillClrLst meth="repeat">
-      <a:schemeClr val="dk1"/>
-    </dgm:txFillClrLst>
-    <dgm:txEffectClrLst/>
-  </dgm:styleLbl>
-  <dgm:styleLbl name="solidFgAcc1">
-    <dgm:fillClrLst meth="repeat">
-      <a:schemeClr val="lt1"/>
-    </dgm:fillClrLst>
-    <dgm:linClrLst meth="repeat">
-      <a:schemeClr val="accent1"/>
-    </dgm:linClrLst>
-    <dgm:effectClrLst/>
-    <dgm:txLinClrLst/>
-    <dgm:txFillClrLst meth="repeat">
-      <a:schemeClr val="dk1"/>
-    </dgm:txFillClrLst>
-    <dgm:txEffectClrLst/>
-  </dgm:styleLbl>
-  <dgm:styleLbl name="solidAlignAcc1">
-    <dgm:fillClrLst meth="repeat">
-      <a:schemeClr val="lt1"/>
-    </dgm:fillClrLst>
-    <dgm:linClrLst meth="repeat">
-      <a:schemeClr val="accent1"/>
-    </dgm:linClrLst>
-    <dgm:effectClrLst/>
-    <dgm:txLinClrLst/>
-    <dgm:txFillClrLst meth="repeat">
-      <a:schemeClr val="dk1"/>
-    </dgm:txFillClrLst>
-    <dgm:txEffectClrLst/>
-  </dgm:styleLbl>
-  <dgm:styleLbl name="solidBgAcc1">
-    <dgm:fillClrLst meth="repeat">
-      <a:schemeClr val="lt1"/>
-    </dgm:fillClrLst>
-    <dgm:linClrLst meth="repeat">
-      <a:schemeClr val="accent1"/>
-    </dgm:linClrLst>
-    <dgm:effectClrLst/>
-    <dgm:txLinClrLst/>
-    <dgm:txFillClrLst meth="repeat">
-      <a:schemeClr val="dk1"/>
-    </dgm:txFillClrLst>
-    <dgm:txEffectClrLst/>
-  </dgm:styleLbl>
-  <dgm:styleLbl name="fgAccFollowNode1">
-    <dgm:fillClrLst meth="repeat">
-      <a:schemeClr val="accent1">
-        <a:alpha val="90000"/>
-        <a:tint val="40000"/>
-      </a:schemeClr>
-    </dgm:fillClrLst>
-    <dgm:linClrLst meth="repeat">
-      <a:schemeClr val="accent1">
-        <a:alpha val="90000"/>
-        <a:tint val="40000"/>
-      </a:schemeClr>
-    </dgm:linClrLst>
-    <dgm:effectClrLst/>
-    <dgm:txLinClrLst/>
-    <dgm:txFillClrLst meth="repeat">
-      <a:schemeClr val="dk1"/>
-    </dgm:txFillClrLst>
-    <dgm:txEffectClrLst/>
-  </dgm:styleLbl>
-  <dgm:styleLbl name="alignAccFollowNode1">
-    <dgm:fillClrLst meth="repeat">
-      <a:schemeClr val="accent1">
-        <a:alpha val="90000"/>
-        <a:tint val="40000"/>
-      </a:schemeClr>
-    </dgm:fillClrLst>
-    <dgm:linClrLst meth="repeat">
-      <a:schemeClr val="accent1">
-        <a:alpha val="90000"/>
-        <a:tint val="40000"/>
-      </a:schemeClr>
-    </dgm:linClrLst>
-    <dgm:effectClrLst/>
-    <dgm:txLinClrLst/>
-    <dgm:txFillClrLst meth="repeat">
-      <a:schemeClr val="dk1"/>
-    </dgm:txFillClrLst>
-    <dgm:txEffectClrLst/>
-  </dgm:styleLbl>
-  <dgm:styleLbl name="bgAccFollowNode1">
-    <dgm:fillClrLst meth="repeat">
-      <a:schemeClr val="accent1">
-        <a:alpha val="90000"/>
-        <a:tint val="40000"/>
-      </a:schemeClr>
-    </dgm:fillClrLst>
-    <dgm:linClrLst meth="repeat">
-      <a:schemeClr val="accent1">
-        <a:alpha val="90000"/>
-        <a:tint val="40000"/>
-      </a:schemeClr>
-    </dgm:linClrLst>
-    <dgm:effectClrLst/>
-    <dgm:txLinClrLst/>
-    <dgm:txFillClrLst meth="repeat">
-      <a:schemeClr val="dk1"/>
-    </dgm:txFillClrLst>
-    <dgm:txEffectClrLst/>
-  </dgm:styleLbl>
-  <dgm:styleLbl name="fgAcc0">
-    <dgm:fillClrLst meth="repeat">
-      <a:schemeClr val="lt1">
-        <a:alpha val="90000"/>
-      </a:schemeClr>
-    </dgm:fillClrLst>
-    <dgm:linClrLst meth="repeat">
-      <a:schemeClr val="accent1"/>
-    </dgm:linClrLst>
-    <dgm:effectClrLst/>
-    <dgm:txLinClrLst/>
-    <dgm:txFillClrLst meth="repeat">
-      <a:schemeClr val="dk1"/>
-    </dgm:txFillClrLst>
-    <dgm:txEffectClrLst/>
-  </dgm:styleLbl>
-  <dgm:styleLbl name="fgAcc2">
-    <dgm:fillClrLst meth="repeat">
-      <a:schemeClr val="lt1">
-        <a:alpha val="90000"/>
-      </a:schemeClr>
-    </dgm:fillClrLst>
-    <dgm:linClrLst meth="repeat">
-      <a:schemeClr val="accent1"/>
-    </dgm:linClrLst>
-    <dgm:effectClrLst/>
-    <dgm:txLinClrLst/>
-    <dgm:txFillClrLst meth="repeat">
-      <a:schemeClr val="dk1"/>
-    </dgm:txFillClrLst>
-    <dgm:txEffectClrLst/>
-  </dgm:styleLbl>
-  <dgm:styleLbl name="fgAcc3">
-    <dgm:fillClrLst meth="repeat">
-      <a:schemeClr val="lt1">
-        <a:alpha val="90000"/>
-      </a:schemeClr>
-    </dgm:fillClrLst>
-    <dgm:linClrLst meth="repeat">
-      <a:schemeClr val="accent1"/>
-    </dgm:linClrLst>
-    <dgm:effectClrLst/>
-    <dgm:txLinClrLst/>
-    <dgm:txFillClrLst meth="repeat">
-      <a:schemeClr val="dk1"/>
-    </dgm:txFillClrLst>
-    <dgm:txEffectClrLst/>
-  </dgm:styleLbl>
-  <dgm:styleLbl name="fgAcc4">
-    <dgm:fillClrLst meth="repeat">
-      <a:schemeClr val="lt1">
-        <a:alpha val="90000"/>
-      </a:schemeClr>
-    </dgm:fillClrLst>
-    <dgm:linClrLst meth="repeat">
-      <a:schemeClr val="accent1"/>
-    </dgm:linClrLst>
-    <dgm:effectClrLst/>
-    <dgm:txLinClrLst/>
-    <dgm:txFillClrLst meth="repeat">
-      <a:schemeClr val="dk1"/>
-    </dgm:txFillClrLst>
-    <dgm:txEffectClrLst/>
-  </dgm:styleLbl>
-  <dgm:styleLbl name="bgShp">
-    <dgm:fillClrLst meth="repeat">
-      <a:schemeClr val="accent1">
-        <a:tint val="40000"/>
-      </a:schemeClr>
-    </dgm:fillClrLst>
-    <dgm:linClrLst meth="repeat">
-      <a:schemeClr val="accent1"/>
-    </dgm:linClrLst>
-    <dgm:effectClrLst/>
-    <dgm:txLinClrLst/>
-    <dgm:txFillClrLst meth="repeat">
-      <a:schemeClr val="dk1"/>
-    </dgm:txFillClrLst>
-    <dgm:txEffectClrLst/>
-  </dgm:styleLbl>
-  <dgm:styleLbl name="dkBgShp">
-    <dgm:fillClrLst meth="repeat">
-      <a:schemeClr val="accent1">
-        <a:shade val="80000"/>
-      </a:schemeClr>
-    </dgm:fillClrLst>
-    <dgm:linClrLst meth="repeat">
-      <a:schemeClr val="accent1"/>
-    </dgm:linClrLst>
-    <dgm:effectClrLst/>
-    <dgm:txLinClrLst/>
-    <dgm:txFillClrLst meth="repeat">
-      <a:schemeClr val="lt1"/>
-    </dgm:txFillClrLst>
-    <dgm:txEffectClrLst/>
-  </dgm:styleLbl>
-  <dgm:styleLbl name="trBgShp">
-    <dgm:fillClrLst meth="repeat">
-      <a:schemeClr val="accent1">
-        <a:tint val="50000"/>
-        <a:alpha val="40000"/>
-      </a:schemeClr>
-    </dgm:fillClrLst>
-    <dgm:linClrLst meth="repeat">
-      <a:schemeClr val="accent1"/>
-    </dgm:linClrLst>
-    <dgm:effectClrLst/>
-    <dgm:txLinClrLst/>
-    <dgm:txFillClrLst meth="repeat">
-      <a:schemeClr val="lt1"/>
-    </dgm:txFillClrLst>
-    <dgm:txEffectClrLst/>
-  </dgm:styleLbl>
-  <dgm:styleLbl name="fgShp">
-    <dgm:fillClrLst meth="repeat">
-      <a:schemeClr val="accent1">
-        <a:tint val="60000"/>
-      </a:schemeClr>
-    </dgm:fillClrLst>
-    <dgm:linClrLst meth="repeat">
-      <a:schemeClr val="lt1"/>
-    </dgm:linClrLst>
-    <dgm:effectClrLst/>
-    <dgm:txLinClrLst/>
-    <dgm:txFillClrLst meth="repeat">
-      <a:schemeClr val="dk1"/>
-    </dgm:txFillClrLst>
-    <dgm:txEffectClrLst/>
-  </dgm:styleLbl>
-  <dgm:styleLbl name="revTx">
-    <dgm:fillClrLst meth="repeat">
-      <a:schemeClr val="lt1">
-        <a:alpha val="0"/>
-      </a:schemeClr>
-    </dgm:fillClrLst>
-    <dgm:linClrLst meth="repeat">
-      <a:schemeClr val="dk1">
-        <a:alpha val="0"/>
-      </a:schemeClr>
-    </dgm:linClrLst>
-    <dgm:effectClrLst/>
-    <dgm:txLinClrLst/>
-    <dgm:txFillClrLst meth="repeat">
-      <a:schemeClr val="tx1"/>
-    </dgm:txFillClrLst>
-    <dgm:txEffectClrLst/>
-  </dgm:styleLbl>
-</dgm:colorsDef>
-</file>
-
-<file path=ppt/diagrams/colors2.xml><?xml version="1.0" encoding="utf-8"?>
 <dgm:colorsDef xmlns:dgm="http://schemas.openxmlformats.org/drawingml/2006/diagram" xmlns:a="http://schemas.openxmlformats.org/drawingml/2006/main" uniqueId="urn:microsoft.com/office/officeart/2005/8/colors/accent1_2">
   <dgm:title val=""/>
   <dgm:desc val=""/>
@@ -2475,468 +1737,6 @@
     <dgm:cxn modelId="{3ACB0F2D-2028-4E8B-93BD-3913DF6C7749}" type="presParOf" srcId="{F2B9C679-E1B9-4150-B0C2-B3A41408CB60}" destId="{F60EE2F1-06F8-4D1C-AF4C-5BEB6DD46FD3}" srcOrd="2" destOrd="0" presId="urn:microsoft.com/office/officeart/2008/layout/NameandTitleOrganizationalChart"/>
     <dgm:cxn modelId="{70001C9C-E2F3-4332-A6A8-044965F617C5}" type="presParOf" srcId="{1A98C2D0-933F-4523-9BA6-FDFA3195E69E}" destId="{90BA8C5D-EE2C-499B-A845-93B32CA36DE9}" srcOrd="1" destOrd="0" presId="urn:microsoft.com/office/officeart/2008/layout/NameandTitleOrganizationalChart"/>
     <dgm:cxn modelId="{05398FE1-E3D9-47EC-8A20-671D0F9F15CE}" type="presParOf" srcId="{1A98C2D0-933F-4523-9BA6-FDFA3195E69E}" destId="{8DB54E3D-4FE1-41E1-ABD0-D21AAC6E5D85}" srcOrd="2" destOrd="0" presId="urn:microsoft.com/office/officeart/2008/layout/NameandTitleOrganizationalChart"/>
-  </dgm:cxnLst>
-  <dgm:bg/>
-  <dgm:whole/>
-  <dgm:extLst>
-    <a:ext uri="http://schemas.microsoft.com/office/drawing/2008/diagram">
-      <dsp:dataModelExt xmlns:dsp="http://schemas.microsoft.com/office/drawing/2008/diagram" relId="rId6" minVer="http://schemas.openxmlformats.org/drawingml/2006/diagram"/>
-    </a:ext>
-  </dgm:extLst>
-</dgm:dataModel>
-</file>
-
-<file path=ppt/diagrams/data2.xml><?xml version="1.0" encoding="utf-8"?>
-<dgm:dataModel xmlns:dgm="http://schemas.openxmlformats.org/drawingml/2006/diagram" xmlns:a="http://schemas.openxmlformats.org/drawingml/2006/main">
-  <dgm:ptLst>
-    <dgm:pt modelId="{BDDD5E72-9E1E-449C-9E5E-8EB513317C40}" type="doc">
-      <dgm:prSet loTypeId="urn:microsoft.com/office/officeart/2005/8/layout/hierarchy4" loCatId="list" qsTypeId="urn:microsoft.com/office/officeart/2005/8/quickstyle/simple1" qsCatId="simple" csTypeId="urn:microsoft.com/office/officeart/2005/8/colors/accent1_2" csCatId="accent1" phldr="1"/>
-      <dgm:spPr/>
-      <dgm:t>
-        <a:bodyPr/>
-        <a:lstStyle/>
-        <a:p>
-          <a:endParaRPr lang="en-US"/>
-        </a:p>
-      </dgm:t>
-    </dgm:pt>
-    <dgm:pt modelId="{49B36160-45DE-448C-86BE-D47406460EDD}">
-      <dgm:prSet phldrT="[Text]" phldr="1"/>
-      <dgm:spPr/>
-      <dgm:t>
-        <a:bodyPr/>
-        <a:lstStyle/>
-        <a:p>
-          <a:endParaRPr lang="en-US" dirty="0"/>
-        </a:p>
-      </dgm:t>
-    </dgm:pt>
-    <dgm:pt modelId="{756FB0BB-EDAB-4C95-9E1F-65B5BC2309F0}" type="parTrans" cxnId="{28DC2635-0F8B-44BD-ABC7-9483D6120820}">
-      <dgm:prSet/>
-      <dgm:spPr/>
-      <dgm:t>
-        <a:bodyPr/>
-        <a:lstStyle/>
-        <a:p>
-          <a:endParaRPr lang="en-US"/>
-        </a:p>
-      </dgm:t>
-    </dgm:pt>
-    <dgm:pt modelId="{72D20977-5916-4365-ADB3-CF752FDA4299}" type="sibTrans" cxnId="{28DC2635-0F8B-44BD-ABC7-9483D6120820}">
-      <dgm:prSet/>
-      <dgm:spPr/>
-      <dgm:t>
-        <a:bodyPr/>
-        <a:lstStyle/>
-        <a:p>
-          <a:endParaRPr lang="en-US"/>
-        </a:p>
-      </dgm:t>
-    </dgm:pt>
-    <dgm:pt modelId="{12C2C49B-9B77-4292-9117-9787F1029541}">
-      <dgm:prSet phldrT="[Text]"/>
-      <dgm:spPr/>
-      <dgm:t>
-        <a:bodyPr/>
-        <a:lstStyle/>
-        <a:p>
-          <a:r>
-            <a:rPr lang="en-US" dirty="0"/>
-            <a:t>Bootstrap</a:t>
-          </a:r>
-        </a:p>
-      </dgm:t>
-    </dgm:pt>
-    <dgm:pt modelId="{726BCE43-8538-45F0-87CA-510BB034425C}" type="parTrans" cxnId="{F7470C07-9D1A-4C59-8DC3-1FFB2929F4DF}">
-      <dgm:prSet/>
-      <dgm:spPr/>
-      <dgm:t>
-        <a:bodyPr/>
-        <a:lstStyle/>
-        <a:p>
-          <a:endParaRPr lang="en-US"/>
-        </a:p>
-      </dgm:t>
-    </dgm:pt>
-    <dgm:pt modelId="{7B7FFB8D-B9F6-4ADB-BC12-FF9820784698}" type="sibTrans" cxnId="{F7470C07-9D1A-4C59-8DC3-1FFB2929F4DF}">
-      <dgm:prSet/>
-      <dgm:spPr/>
-      <dgm:t>
-        <a:bodyPr/>
-        <a:lstStyle/>
-        <a:p>
-          <a:endParaRPr lang="en-US"/>
-        </a:p>
-      </dgm:t>
-    </dgm:pt>
-    <dgm:pt modelId="{B0145713-046B-48AF-B254-60984BBC6894}">
-      <dgm:prSet phldrT="[Text]"/>
-      <dgm:spPr/>
-      <dgm:t>
-        <a:bodyPr/>
-        <a:lstStyle/>
-        <a:p>
-          <a:r>
-            <a:rPr lang="en-US" dirty="0" err="1"/>
-            <a:t>Firbase</a:t>
-          </a:r>
-          <a:endParaRPr lang="en-US" dirty="0"/>
-        </a:p>
-      </dgm:t>
-    </dgm:pt>
-    <dgm:pt modelId="{09EEE519-217A-44A4-A091-36C83A9A5651}" type="parTrans" cxnId="{503DFDF2-6641-409B-B112-D6574B10B96D}">
-      <dgm:prSet/>
-      <dgm:spPr/>
-      <dgm:t>
-        <a:bodyPr/>
-        <a:lstStyle/>
-        <a:p>
-          <a:endParaRPr lang="en-US"/>
-        </a:p>
-      </dgm:t>
-    </dgm:pt>
-    <dgm:pt modelId="{EB91949D-542C-4EA9-B240-4DEBDD0CDA02}" type="sibTrans" cxnId="{503DFDF2-6641-409B-B112-D6574B10B96D}">
-      <dgm:prSet/>
-      <dgm:spPr/>
-      <dgm:t>
-        <a:bodyPr/>
-        <a:lstStyle/>
-        <a:p>
-          <a:endParaRPr lang="en-US"/>
-        </a:p>
-      </dgm:t>
-    </dgm:pt>
-    <dgm:pt modelId="{AF14990F-9566-4A87-8415-FE8771398D4A}">
-      <dgm:prSet phldrT="[Text]" phldr="1"/>
-      <dgm:spPr/>
-      <dgm:t>
-        <a:bodyPr/>
-        <a:lstStyle/>
-        <a:p>
-          <a:endParaRPr lang="en-US" dirty="0"/>
-        </a:p>
-      </dgm:t>
-    </dgm:pt>
-    <dgm:pt modelId="{ECAB05FB-AA63-441B-825B-F9894A34913C}" type="parTrans" cxnId="{050127F7-C887-4318-9E7D-C2BA069E0289}">
-      <dgm:prSet/>
-      <dgm:spPr/>
-      <dgm:t>
-        <a:bodyPr/>
-        <a:lstStyle/>
-        <a:p>
-          <a:endParaRPr lang="en-US"/>
-        </a:p>
-      </dgm:t>
-    </dgm:pt>
-    <dgm:pt modelId="{7AB04DD5-B28D-4FF3-917E-C6FC20B29CEC}" type="sibTrans" cxnId="{050127F7-C887-4318-9E7D-C2BA069E0289}">
-      <dgm:prSet/>
-      <dgm:spPr/>
-      <dgm:t>
-        <a:bodyPr/>
-        <a:lstStyle/>
-        <a:p>
-          <a:endParaRPr lang="en-US"/>
-        </a:p>
-      </dgm:t>
-    </dgm:pt>
-    <dgm:pt modelId="{3C132675-E859-4166-BEC7-7160FB0E6424}">
-      <dgm:prSet phldrT="[Text]"/>
-      <dgm:spPr/>
-      <dgm:t>
-        <a:bodyPr/>
-        <a:lstStyle/>
-        <a:p>
-          <a:r>
-            <a:rPr lang="en-US" dirty="0" err="1"/>
-            <a:t>Css</a:t>
-          </a:r>
-          <a:endParaRPr lang="en-US" dirty="0"/>
-        </a:p>
-      </dgm:t>
-    </dgm:pt>
-    <dgm:pt modelId="{74244006-A67A-47B7-9398-1C2376E721AA}" type="parTrans" cxnId="{07D99057-4BC7-4022-A00C-BC629CD4C230}">
-      <dgm:prSet/>
-      <dgm:spPr/>
-      <dgm:t>
-        <a:bodyPr/>
-        <a:lstStyle/>
-        <a:p>
-          <a:endParaRPr lang="en-US"/>
-        </a:p>
-      </dgm:t>
-    </dgm:pt>
-    <dgm:pt modelId="{59EEA610-F76B-4724-966C-E15DC4ECCC4D}" type="sibTrans" cxnId="{07D99057-4BC7-4022-A00C-BC629CD4C230}">
-      <dgm:prSet/>
-      <dgm:spPr/>
-      <dgm:t>
-        <a:bodyPr/>
-        <a:lstStyle/>
-        <a:p>
-          <a:endParaRPr lang="en-US"/>
-        </a:p>
-      </dgm:t>
-    </dgm:pt>
-    <dgm:pt modelId="{ED99E88B-4548-4C60-9224-0185DBF6CE00}">
-      <dgm:prSet phldrT="[Text]" phldr="1"/>
-      <dgm:spPr/>
-      <dgm:t>
-        <a:bodyPr/>
-        <a:lstStyle/>
-        <a:p>
-          <a:endParaRPr lang="en-US"/>
-        </a:p>
-      </dgm:t>
-    </dgm:pt>
-    <dgm:pt modelId="{F0460A73-1E5C-4351-A8F4-E787B602F64F}" type="parTrans" cxnId="{8E832EB9-5F6F-4F81-AE2B-55570762C0DD}">
-      <dgm:prSet/>
-      <dgm:spPr/>
-      <dgm:t>
-        <a:bodyPr/>
-        <a:lstStyle/>
-        <a:p>
-          <a:endParaRPr lang="en-US"/>
-        </a:p>
-      </dgm:t>
-    </dgm:pt>
-    <dgm:pt modelId="{9CD4F59F-5712-400E-9019-DD6D691B4B0B}" type="sibTrans" cxnId="{8E832EB9-5F6F-4F81-AE2B-55570762C0DD}">
-      <dgm:prSet/>
-      <dgm:spPr/>
-      <dgm:t>
-        <a:bodyPr/>
-        <a:lstStyle/>
-        <a:p>
-          <a:endParaRPr lang="en-US"/>
-        </a:p>
-      </dgm:t>
-    </dgm:pt>
-    <dgm:pt modelId="{DDFB77DA-A132-4BE5-BD65-9CCD7985E895}">
-      <dgm:prSet phldrT="[Text]"/>
-      <dgm:spPr/>
-      <dgm:t>
-        <a:bodyPr/>
-        <a:lstStyle/>
-        <a:p>
-          <a:r>
-            <a:rPr lang="en-US" dirty="0"/>
-            <a:t>html</a:t>
-          </a:r>
-        </a:p>
-      </dgm:t>
-    </dgm:pt>
-    <dgm:pt modelId="{146DA4A6-DA17-4B5F-9F5C-A7DF006E068E}" type="parTrans" cxnId="{9C065052-0F04-4370-95E0-97A6AF395989}">
-      <dgm:prSet/>
-      <dgm:spPr/>
-      <dgm:t>
-        <a:bodyPr/>
-        <a:lstStyle/>
-        <a:p>
-          <a:endParaRPr lang="en-US"/>
-        </a:p>
-      </dgm:t>
-    </dgm:pt>
-    <dgm:pt modelId="{C0F0FD92-0556-433D-8274-F5A4A1FF3FD3}" type="sibTrans" cxnId="{9C065052-0F04-4370-95E0-97A6AF395989}">
-      <dgm:prSet/>
-      <dgm:spPr/>
-      <dgm:t>
-        <a:bodyPr/>
-        <a:lstStyle/>
-        <a:p>
-          <a:endParaRPr lang="en-US"/>
-        </a:p>
-      </dgm:t>
-    </dgm:pt>
-    <dgm:pt modelId="{89E689FB-BA2C-4940-A051-D6C6A39D0EF0}" type="pres">
-      <dgm:prSet presAssocID="{BDDD5E72-9E1E-449C-9E5E-8EB513317C40}" presName="Name0" presStyleCnt="0">
-        <dgm:presLayoutVars>
-          <dgm:chPref val="1"/>
-          <dgm:dir/>
-          <dgm:animOne val="branch"/>
-          <dgm:animLvl val="lvl"/>
-          <dgm:resizeHandles/>
-        </dgm:presLayoutVars>
-      </dgm:prSet>
-      <dgm:spPr/>
-    </dgm:pt>
-    <dgm:pt modelId="{5FA9482F-F7E4-4448-AC2F-0A471A94DF9C}" type="pres">
-      <dgm:prSet presAssocID="{49B36160-45DE-448C-86BE-D47406460EDD}" presName="vertOne" presStyleCnt="0"/>
-      <dgm:spPr/>
-    </dgm:pt>
-    <dgm:pt modelId="{E5AEAA48-C73A-4E76-BD86-9D694D33240A}" type="pres">
-      <dgm:prSet presAssocID="{49B36160-45DE-448C-86BE-D47406460EDD}" presName="txOne" presStyleLbl="node0" presStyleIdx="0" presStyleCnt="2">
-        <dgm:presLayoutVars>
-          <dgm:chPref val="3"/>
-        </dgm:presLayoutVars>
-      </dgm:prSet>
-      <dgm:spPr/>
-    </dgm:pt>
-    <dgm:pt modelId="{27728B42-EC78-4C7A-A211-74F3CBF3A02B}" type="pres">
-      <dgm:prSet presAssocID="{49B36160-45DE-448C-86BE-D47406460EDD}" presName="parTransOne" presStyleCnt="0"/>
-      <dgm:spPr/>
-    </dgm:pt>
-    <dgm:pt modelId="{78EA22B5-B3F3-48CD-8876-5089224007A0}" type="pres">
-      <dgm:prSet presAssocID="{49B36160-45DE-448C-86BE-D47406460EDD}" presName="horzOne" presStyleCnt="0"/>
-      <dgm:spPr/>
-    </dgm:pt>
-    <dgm:pt modelId="{394E7A40-7EA8-454D-95A1-6E44219ED951}" type="pres">
-      <dgm:prSet presAssocID="{12C2C49B-9B77-4292-9117-9787F1029541}" presName="vertTwo" presStyleCnt="0"/>
-      <dgm:spPr/>
-    </dgm:pt>
-    <dgm:pt modelId="{4DF1013E-A257-48E8-B04B-09D1763DA940}" type="pres">
-      <dgm:prSet presAssocID="{12C2C49B-9B77-4292-9117-9787F1029541}" presName="txTwo" presStyleLbl="node2" presStyleIdx="0" presStyleCnt="3">
-        <dgm:presLayoutVars>
-          <dgm:chPref val="3"/>
-        </dgm:presLayoutVars>
-      </dgm:prSet>
-      <dgm:spPr/>
-    </dgm:pt>
-    <dgm:pt modelId="{3C67BE52-E707-456E-8859-6E09A8C9B397}" type="pres">
-      <dgm:prSet presAssocID="{12C2C49B-9B77-4292-9117-9787F1029541}" presName="parTransTwo" presStyleCnt="0"/>
-      <dgm:spPr/>
-    </dgm:pt>
-    <dgm:pt modelId="{1D875C1F-178C-460D-9994-8871B90D4EB5}" type="pres">
-      <dgm:prSet presAssocID="{12C2C49B-9B77-4292-9117-9787F1029541}" presName="horzTwo" presStyleCnt="0"/>
-      <dgm:spPr/>
-    </dgm:pt>
-    <dgm:pt modelId="{06CA79B1-EEED-4ED9-B5EB-66DFBD93590B}" type="pres">
-      <dgm:prSet presAssocID="{B0145713-046B-48AF-B254-60984BBC6894}" presName="vertThree" presStyleCnt="0"/>
-      <dgm:spPr/>
-    </dgm:pt>
-    <dgm:pt modelId="{B8263EEE-D184-4E1A-8B59-78FF14C552B5}" type="pres">
-      <dgm:prSet presAssocID="{B0145713-046B-48AF-B254-60984BBC6894}" presName="txThree" presStyleLbl="node3" presStyleIdx="0" presStyleCnt="2">
-        <dgm:presLayoutVars>
-          <dgm:chPref val="3"/>
-        </dgm:presLayoutVars>
-      </dgm:prSet>
-      <dgm:spPr/>
-    </dgm:pt>
-    <dgm:pt modelId="{C55E3DB2-76B6-49E9-8A79-F3CC3C4033E6}" type="pres">
-      <dgm:prSet presAssocID="{B0145713-046B-48AF-B254-60984BBC6894}" presName="horzThree" presStyleCnt="0"/>
-      <dgm:spPr/>
-    </dgm:pt>
-    <dgm:pt modelId="{1B7DF001-C804-4E33-B10E-D6072B492C90}" type="pres">
-      <dgm:prSet presAssocID="{EB91949D-542C-4EA9-B240-4DEBDD0CDA02}" presName="sibSpaceThree" presStyleCnt="0"/>
-      <dgm:spPr/>
-    </dgm:pt>
-    <dgm:pt modelId="{2EA6C64D-5D05-4DB5-9132-A66CD9FFE5DB}" type="pres">
-      <dgm:prSet presAssocID="{AF14990F-9566-4A87-8415-FE8771398D4A}" presName="vertThree" presStyleCnt="0"/>
-      <dgm:spPr/>
-    </dgm:pt>
-    <dgm:pt modelId="{C31D0FAE-13E5-4E1A-975B-AE4DEC3C711E}" type="pres">
-      <dgm:prSet presAssocID="{AF14990F-9566-4A87-8415-FE8771398D4A}" presName="txThree" presStyleLbl="node3" presStyleIdx="1" presStyleCnt="2">
-        <dgm:presLayoutVars>
-          <dgm:chPref val="3"/>
-        </dgm:presLayoutVars>
-      </dgm:prSet>
-      <dgm:spPr/>
-    </dgm:pt>
-    <dgm:pt modelId="{A70AAA34-419E-4806-AEFB-11B59D8460CF}" type="pres">
-      <dgm:prSet presAssocID="{AF14990F-9566-4A87-8415-FE8771398D4A}" presName="horzThree" presStyleCnt="0"/>
-      <dgm:spPr/>
-    </dgm:pt>
-    <dgm:pt modelId="{06191093-6E57-435F-9B60-2184367F2AB8}" type="pres">
-      <dgm:prSet presAssocID="{7B7FFB8D-B9F6-4ADB-BC12-FF9820784698}" presName="sibSpaceTwo" presStyleCnt="0"/>
-      <dgm:spPr/>
-    </dgm:pt>
-    <dgm:pt modelId="{E9C39D09-604A-481F-A706-94040596223A}" type="pres">
-      <dgm:prSet presAssocID="{3C132675-E859-4166-BEC7-7160FB0E6424}" presName="vertTwo" presStyleCnt="0"/>
-      <dgm:spPr/>
-    </dgm:pt>
-    <dgm:pt modelId="{BF5247B5-9D7D-49C4-99D6-75AB3BC27791}" type="pres">
-      <dgm:prSet presAssocID="{3C132675-E859-4166-BEC7-7160FB0E6424}" presName="txTwo" presStyleLbl="node2" presStyleIdx="1" presStyleCnt="3">
-        <dgm:presLayoutVars>
-          <dgm:chPref val="3"/>
-        </dgm:presLayoutVars>
-      </dgm:prSet>
-      <dgm:spPr/>
-    </dgm:pt>
-    <dgm:pt modelId="{85800531-EE02-4FED-96D1-A828B65E0504}" type="pres">
-      <dgm:prSet presAssocID="{3C132675-E859-4166-BEC7-7160FB0E6424}" presName="horzTwo" presStyleCnt="0"/>
-      <dgm:spPr/>
-    </dgm:pt>
-    <dgm:pt modelId="{CE5EA2C5-0154-4628-AD6E-19470D380406}" type="pres">
-      <dgm:prSet presAssocID="{72D20977-5916-4365-ADB3-CF752FDA4299}" presName="sibSpaceOne" presStyleCnt="0"/>
-      <dgm:spPr/>
-    </dgm:pt>
-    <dgm:pt modelId="{56E84394-E5BA-4866-BF55-7169370B5FA0}" type="pres">
-      <dgm:prSet presAssocID="{DDFB77DA-A132-4BE5-BD65-9CCD7985E895}" presName="vertOne" presStyleCnt="0"/>
-      <dgm:spPr/>
-    </dgm:pt>
-    <dgm:pt modelId="{4E5634D8-C44E-45C8-A49B-230D0E9AAF81}" type="pres">
-      <dgm:prSet presAssocID="{DDFB77DA-A132-4BE5-BD65-9CCD7985E895}" presName="txOne" presStyleLbl="node0" presStyleIdx="1" presStyleCnt="2">
-        <dgm:presLayoutVars>
-          <dgm:chPref val="3"/>
-        </dgm:presLayoutVars>
-      </dgm:prSet>
-      <dgm:spPr/>
-    </dgm:pt>
-    <dgm:pt modelId="{8E997510-6C66-43F1-8575-F7FB7EEF074E}" type="pres">
-      <dgm:prSet presAssocID="{DDFB77DA-A132-4BE5-BD65-9CCD7985E895}" presName="parTransOne" presStyleCnt="0"/>
-      <dgm:spPr/>
-    </dgm:pt>
-    <dgm:pt modelId="{F7B1AEB8-0F41-45F3-B66C-A43D49DB37C7}" type="pres">
-      <dgm:prSet presAssocID="{DDFB77DA-A132-4BE5-BD65-9CCD7985E895}" presName="horzOne" presStyleCnt="0"/>
-      <dgm:spPr/>
-    </dgm:pt>
-    <dgm:pt modelId="{30E5F615-7F16-45FC-904E-8D2EC6904BB3}" type="pres">
-      <dgm:prSet presAssocID="{ED99E88B-4548-4C60-9224-0185DBF6CE00}" presName="vertTwo" presStyleCnt="0"/>
-      <dgm:spPr/>
-    </dgm:pt>
-    <dgm:pt modelId="{482D1D80-1A93-421E-A775-71835672643F}" type="pres">
-      <dgm:prSet presAssocID="{ED99E88B-4548-4C60-9224-0185DBF6CE00}" presName="txTwo" presStyleLbl="node2" presStyleIdx="2" presStyleCnt="3">
-        <dgm:presLayoutVars>
-          <dgm:chPref val="3"/>
-        </dgm:presLayoutVars>
-      </dgm:prSet>
-      <dgm:spPr/>
-    </dgm:pt>
-    <dgm:pt modelId="{4AEA653B-6ADA-4B0C-8C77-27111138320F}" type="pres">
-      <dgm:prSet presAssocID="{ED99E88B-4548-4C60-9224-0185DBF6CE00}" presName="horzTwo" presStyleCnt="0"/>
-      <dgm:spPr/>
-    </dgm:pt>
-  </dgm:ptLst>
-  <dgm:cxnLst>
-    <dgm:cxn modelId="{FD1E9800-D6AC-4E78-8C71-10C2079B5775}" type="presOf" srcId="{B0145713-046B-48AF-B254-60984BBC6894}" destId="{B8263EEE-D184-4E1A-8B59-78FF14C552B5}" srcOrd="0" destOrd="0" presId="urn:microsoft.com/office/officeart/2005/8/layout/hierarchy4"/>
-    <dgm:cxn modelId="{E3E52402-73D0-4B7F-A0E6-70FE3606A834}" type="presOf" srcId="{3C132675-E859-4166-BEC7-7160FB0E6424}" destId="{BF5247B5-9D7D-49C4-99D6-75AB3BC27791}" srcOrd="0" destOrd="0" presId="urn:microsoft.com/office/officeart/2005/8/layout/hierarchy4"/>
-    <dgm:cxn modelId="{F7470C07-9D1A-4C59-8DC3-1FFB2929F4DF}" srcId="{49B36160-45DE-448C-86BE-D47406460EDD}" destId="{12C2C49B-9B77-4292-9117-9787F1029541}" srcOrd="0" destOrd="0" parTransId="{726BCE43-8538-45F0-87CA-510BB034425C}" sibTransId="{7B7FFB8D-B9F6-4ADB-BC12-FF9820784698}"/>
-    <dgm:cxn modelId="{28DC2635-0F8B-44BD-ABC7-9483D6120820}" srcId="{BDDD5E72-9E1E-449C-9E5E-8EB513317C40}" destId="{49B36160-45DE-448C-86BE-D47406460EDD}" srcOrd="0" destOrd="0" parTransId="{756FB0BB-EDAB-4C95-9E1F-65B5BC2309F0}" sibTransId="{72D20977-5916-4365-ADB3-CF752FDA4299}"/>
-    <dgm:cxn modelId="{12D7E26C-52DC-4B07-8057-FEC0B1D0D2C2}" type="presOf" srcId="{DDFB77DA-A132-4BE5-BD65-9CCD7985E895}" destId="{4E5634D8-C44E-45C8-A49B-230D0E9AAF81}" srcOrd="0" destOrd="0" presId="urn:microsoft.com/office/officeart/2005/8/layout/hierarchy4"/>
-    <dgm:cxn modelId="{9C065052-0F04-4370-95E0-97A6AF395989}" srcId="{BDDD5E72-9E1E-449C-9E5E-8EB513317C40}" destId="{DDFB77DA-A132-4BE5-BD65-9CCD7985E895}" srcOrd="1" destOrd="0" parTransId="{146DA4A6-DA17-4B5F-9F5C-A7DF006E068E}" sibTransId="{C0F0FD92-0556-433D-8274-F5A4A1FF3FD3}"/>
-    <dgm:cxn modelId="{07D99057-4BC7-4022-A00C-BC629CD4C230}" srcId="{49B36160-45DE-448C-86BE-D47406460EDD}" destId="{3C132675-E859-4166-BEC7-7160FB0E6424}" srcOrd="1" destOrd="0" parTransId="{74244006-A67A-47B7-9398-1C2376E721AA}" sibTransId="{59EEA610-F76B-4724-966C-E15DC4ECCC4D}"/>
-    <dgm:cxn modelId="{DAF66390-5B17-435E-8BB8-1018944C281A}" type="presOf" srcId="{AF14990F-9566-4A87-8415-FE8771398D4A}" destId="{C31D0FAE-13E5-4E1A-975B-AE4DEC3C711E}" srcOrd="0" destOrd="0" presId="urn:microsoft.com/office/officeart/2005/8/layout/hierarchy4"/>
-    <dgm:cxn modelId="{8E832EB9-5F6F-4F81-AE2B-55570762C0DD}" srcId="{DDFB77DA-A132-4BE5-BD65-9CCD7985E895}" destId="{ED99E88B-4548-4C60-9224-0185DBF6CE00}" srcOrd="0" destOrd="0" parTransId="{F0460A73-1E5C-4351-A8F4-E787B602F64F}" sibTransId="{9CD4F59F-5712-400E-9019-DD6D691B4B0B}"/>
-    <dgm:cxn modelId="{B5B67DCF-8265-40FA-A4E3-62054E6D2547}" type="presOf" srcId="{49B36160-45DE-448C-86BE-D47406460EDD}" destId="{E5AEAA48-C73A-4E76-BD86-9D694D33240A}" srcOrd="0" destOrd="0" presId="urn:microsoft.com/office/officeart/2005/8/layout/hierarchy4"/>
-    <dgm:cxn modelId="{BCCC85E8-DA08-4077-B9EC-495612C8E1AC}" type="presOf" srcId="{12C2C49B-9B77-4292-9117-9787F1029541}" destId="{4DF1013E-A257-48E8-B04B-09D1763DA940}" srcOrd="0" destOrd="0" presId="urn:microsoft.com/office/officeart/2005/8/layout/hierarchy4"/>
-    <dgm:cxn modelId="{5263B5F0-927E-428D-972A-ECE3E4A27210}" type="presOf" srcId="{ED99E88B-4548-4C60-9224-0185DBF6CE00}" destId="{482D1D80-1A93-421E-A775-71835672643F}" srcOrd="0" destOrd="0" presId="urn:microsoft.com/office/officeart/2005/8/layout/hierarchy4"/>
-    <dgm:cxn modelId="{503DFDF2-6641-409B-B112-D6574B10B96D}" srcId="{12C2C49B-9B77-4292-9117-9787F1029541}" destId="{B0145713-046B-48AF-B254-60984BBC6894}" srcOrd="0" destOrd="0" parTransId="{09EEE519-217A-44A4-A091-36C83A9A5651}" sibTransId="{EB91949D-542C-4EA9-B240-4DEBDD0CDA02}"/>
-    <dgm:cxn modelId="{050127F7-C887-4318-9E7D-C2BA069E0289}" srcId="{12C2C49B-9B77-4292-9117-9787F1029541}" destId="{AF14990F-9566-4A87-8415-FE8771398D4A}" srcOrd="1" destOrd="0" parTransId="{ECAB05FB-AA63-441B-825B-F9894A34913C}" sibTransId="{7AB04DD5-B28D-4FF3-917E-C6FC20B29CEC}"/>
-    <dgm:cxn modelId="{22A472F8-75BE-4A27-9BD8-BE76B40FF350}" type="presOf" srcId="{BDDD5E72-9E1E-449C-9E5E-8EB513317C40}" destId="{89E689FB-BA2C-4940-A051-D6C6A39D0EF0}" srcOrd="0" destOrd="0" presId="urn:microsoft.com/office/officeart/2005/8/layout/hierarchy4"/>
-    <dgm:cxn modelId="{EE552372-DD12-4C0E-AF53-53DCB9930F39}" type="presParOf" srcId="{89E689FB-BA2C-4940-A051-D6C6A39D0EF0}" destId="{5FA9482F-F7E4-4448-AC2F-0A471A94DF9C}" srcOrd="0" destOrd="0" presId="urn:microsoft.com/office/officeart/2005/8/layout/hierarchy4"/>
-    <dgm:cxn modelId="{9F9F4F7C-DC1C-49BA-9CDE-87152AA6B810}" type="presParOf" srcId="{5FA9482F-F7E4-4448-AC2F-0A471A94DF9C}" destId="{E5AEAA48-C73A-4E76-BD86-9D694D33240A}" srcOrd="0" destOrd="0" presId="urn:microsoft.com/office/officeart/2005/8/layout/hierarchy4"/>
-    <dgm:cxn modelId="{35F4A9B5-EF33-4B36-ABFF-71DDC8236148}" type="presParOf" srcId="{5FA9482F-F7E4-4448-AC2F-0A471A94DF9C}" destId="{27728B42-EC78-4C7A-A211-74F3CBF3A02B}" srcOrd="1" destOrd="0" presId="urn:microsoft.com/office/officeart/2005/8/layout/hierarchy4"/>
-    <dgm:cxn modelId="{5BBE8755-D30C-4C42-8F90-018C944DBFF8}" type="presParOf" srcId="{5FA9482F-F7E4-4448-AC2F-0A471A94DF9C}" destId="{78EA22B5-B3F3-48CD-8876-5089224007A0}" srcOrd="2" destOrd="0" presId="urn:microsoft.com/office/officeart/2005/8/layout/hierarchy4"/>
-    <dgm:cxn modelId="{7D9F71B7-D94C-4A0F-BAFE-1118D375086C}" type="presParOf" srcId="{78EA22B5-B3F3-48CD-8876-5089224007A0}" destId="{394E7A40-7EA8-454D-95A1-6E44219ED951}" srcOrd="0" destOrd="0" presId="urn:microsoft.com/office/officeart/2005/8/layout/hierarchy4"/>
-    <dgm:cxn modelId="{350490B0-A650-475C-9170-A2ED3CC26A0E}" type="presParOf" srcId="{394E7A40-7EA8-454D-95A1-6E44219ED951}" destId="{4DF1013E-A257-48E8-B04B-09D1763DA940}" srcOrd="0" destOrd="0" presId="urn:microsoft.com/office/officeart/2005/8/layout/hierarchy4"/>
-    <dgm:cxn modelId="{3FE27080-5676-43A2-994D-14840C250991}" type="presParOf" srcId="{394E7A40-7EA8-454D-95A1-6E44219ED951}" destId="{3C67BE52-E707-456E-8859-6E09A8C9B397}" srcOrd="1" destOrd="0" presId="urn:microsoft.com/office/officeart/2005/8/layout/hierarchy4"/>
-    <dgm:cxn modelId="{120E0789-37D8-41F9-8C53-D2BC0ADC9FC1}" type="presParOf" srcId="{394E7A40-7EA8-454D-95A1-6E44219ED951}" destId="{1D875C1F-178C-460D-9994-8871B90D4EB5}" srcOrd="2" destOrd="0" presId="urn:microsoft.com/office/officeart/2005/8/layout/hierarchy4"/>
-    <dgm:cxn modelId="{184480AF-13B8-4511-B2C7-1F01F95D964A}" type="presParOf" srcId="{1D875C1F-178C-460D-9994-8871B90D4EB5}" destId="{06CA79B1-EEED-4ED9-B5EB-66DFBD93590B}" srcOrd="0" destOrd="0" presId="urn:microsoft.com/office/officeart/2005/8/layout/hierarchy4"/>
-    <dgm:cxn modelId="{6F4704EA-64F9-4448-AA35-6DA631DE330C}" type="presParOf" srcId="{06CA79B1-EEED-4ED9-B5EB-66DFBD93590B}" destId="{B8263EEE-D184-4E1A-8B59-78FF14C552B5}" srcOrd="0" destOrd="0" presId="urn:microsoft.com/office/officeart/2005/8/layout/hierarchy4"/>
-    <dgm:cxn modelId="{11A8E774-D577-42E9-8046-6E57447C4189}" type="presParOf" srcId="{06CA79B1-EEED-4ED9-B5EB-66DFBD93590B}" destId="{C55E3DB2-76B6-49E9-8A79-F3CC3C4033E6}" srcOrd="1" destOrd="0" presId="urn:microsoft.com/office/officeart/2005/8/layout/hierarchy4"/>
-    <dgm:cxn modelId="{EDBCF315-A0AD-48A8-A76E-8EB89E2FAEFC}" type="presParOf" srcId="{1D875C1F-178C-460D-9994-8871B90D4EB5}" destId="{1B7DF001-C804-4E33-B10E-D6072B492C90}" srcOrd="1" destOrd="0" presId="urn:microsoft.com/office/officeart/2005/8/layout/hierarchy4"/>
-    <dgm:cxn modelId="{B684218C-E5DE-45AE-B801-FEE71EF97F78}" type="presParOf" srcId="{1D875C1F-178C-460D-9994-8871B90D4EB5}" destId="{2EA6C64D-5D05-4DB5-9132-A66CD9FFE5DB}" srcOrd="2" destOrd="0" presId="urn:microsoft.com/office/officeart/2005/8/layout/hierarchy4"/>
-    <dgm:cxn modelId="{F378E178-1A3A-42B4-BB5E-F0FAC4FE9068}" type="presParOf" srcId="{2EA6C64D-5D05-4DB5-9132-A66CD9FFE5DB}" destId="{C31D0FAE-13E5-4E1A-975B-AE4DEC3C711E}" srcOrd="0" destOrd="0" presId="urn:microsoft.com/office/officeart/2005/8/layout/hierarchy4"/>
-    <dgm:cxn modelId="{4310A688-1097-484F-A27F-E276D640DD27}" type="presParOf" srcId="{2EA6C64D-5D05-4DB5-9132-A66CD9FFE5DB}" destId="{A70AAA34-419E-4806-AEFB-11B59D8460CF}" srcOrd="1" destOrd="0" presId="urn:microsoft.com/office/officeart/2005/8/layout/hierarchy4"/>
-    <dgm:cxn modelId="{DEC1C844-D6C2-4FD0-A0A3-83DF981E9D37}" type="presParOf" srcId="{78EA22B5-B3F3-48CD-8876-5089224007A0}" destId="{06191093-6E57-435F-9B60-2184367F2AB8}" srcOrd="1" destOrd="0" presId="urn:microsoft.com/office/officeart/2005/8/layout/hierarchy4"/>
-    <dgm:cxn modelId="{8209D8E8-107E-421D-8B89-BDB6F2F275A4}" type="presParOf" srcId="{78EA22B5-B3F3-48CD-8876-5089224007A0}" destId="{E9C39D09-604A-481F-A706-94040596223A}" srcOrd="2" destOrd="0" presId="urn:microsoft.com/office/officeart/2005/8/layout/hierarchy4"/>
-    <dgm:cxn modelId="{6A056572-6277-48AC-98FF-D0533FB9D143}" type="presParOf" srcId="{E9C39D09-604A-481F-A706-94040596223A}" destId="{BF5247B5-9D7D-49C4-99D6-75AB3BC27791}" srcOrd="0" destOrd="0" presId="urn:microsoft.com/office/officeart/2005/8/layout/hierarchy4"/>
-    <dgm:cxn modelId="{6B931D91-CEB3-467B-AEC9-0ECB74D59835}" type="presParOf" srcId="{E9C39D09-604A-481F-A706-94040596223A}" destId="{85800531-EE02-4FED-96D1-A828B65E0504}" srcOrd="1" destOrd="0" presId="urn:microsoft.com/office/officeart/2005/8/layout/hierarchy4"/>
-    <dgm:cxn modelId="{96D5ADB7-BAD7-44F6-A432-BD2D338BF2B9}" type="presParOf" srcId="{89E689FB-BA2C-4940-A051-D6C6A39D0EF0}" destId="{CE5EA2C5-0154-4628-AD6E-19470D380406}" srcOrd="1" destOrd="0" presId="urn:microsoft.com/office/officeart/2005/8/layout/hierarchy4"/>
-    <dgm:cxn modelId="{219FB665-A202-4D5B-8486-21E880D5FB6D}" type="presParOf" srcId="{89E689FB-BA2C-4940-A051-D6C6A39D0EF0}" destId="{56E84394-E5BA-4866-BF55-7169370B5FA0}" srcOrd="2" destOrd="0" presId="urn:microsoft.com/office/officeart/2005/8/layout/hierarchy4"/>
-    <dgm:cxn modelId="{A462D317-0500-4BEB-A0D6-0CD353BB58B6}" type="presParOf" srcId="{56E84394-E5BA-4866-BF55-7169370B5FA0}" destId="{4E5634D8-C44E-45C8-A49B-230D0E9AAF81}" srcOrd="0" destOrd="0" presId="urn:microsoft.com/office/officeart/2005/8/layout/hierarchy4"/>
-    <dgm:cxn modelId="{1C45D4A0-0FEF-434D-AC9F-4F76BA26AB18}" type="presParOf" srcId="{56E84394-E5BA-4866-BF55-7169370B5FA0}" destId="{8E997510-6C66-43F1-8575-F7FB7EEF074E}" srcOrd="1" destOrd="0" presId="urn:microsoft.com/office/officeart/2005/8/layout/hierarchy4"/>
-    <dgm:cxn modelId="{9263AB69-E899-4AFB-ABC8-A2849BC17345}" type="presParOf" srcId="{56E84394-E5BA-4866-BF55-7169370B5FA0}" destId="{F7B1AEB8-0F41-45F3-B66C-A43D49DB37C7}" srcOrd="2" destOrd="0" presId="urn:microsoft.com/office/officeart/2005/8/layout/hierarchy4"/>
-    <dgm:cxn modelId="{6EC6D28E-B34D-42A6-B174-0A8307FA37B2}" type="presParOf" srcId="{F7B1AEB8-0F41-45F3-B66C-A43D49DB37C7}" destId="{30E5F615-7F16-45FC-904E-8D2EC6904BB3}" srcOrd="0" destOrd="0" presId="urn:microsoft.com/office/officeart/2005/8/layout/hierarchy4"/>
-    <dgm:cxn modelId="{6E09BCC5-0FF6-4816-B715-1898327E10E7}" type="presParOf" srcId="{30E5F615-7F16-45FC-904E-8D2EC6904BB3}" destId="{482D1D80-1A93-421E-A775-71835672643F}" srcOrd="0" destOrd="0" presId="urn:microsoft.com/office/officeart/2005/8/layout/hierarchy4"/>
-    <dgm:cxn modelId="{1F9FAF65-A978-41E2-BAE6-1E4BF85AC412}" type="presParOf" srcId="{30E5F615-7F16-45FC-904E-8D2EC6904BB3}" destId="{4AEA653B-6ADA-4B0C-8C77-27111138320F}" srcOrd="1" destOrd="0" presId="urn:microsoft.com/office/officeart/2005/8/layout/hierarchy4"/>
   </dgm:cxnLst>
   <dgm:bg/>
   <dgm:whole/>
@@ -4795,571 +3595,6 @@
 </dsp:drawing>
 </file>
 
-<file path=ppt/diagrams/drawing2.xml><?xml version="1.0" encoding="utf-8"?>
-<dsp:drawing xmlns:dgm="http://schemas.openxmlformats.org/drawingml/2006/diagram" xmlns:dsp="http://schemas.microsoft.com/office/drawing/2008/diagram" xmlns:a="http://schemas.openxmlformats.org/drawingml/2006/main">
-  <dsp:spTree>
-    <dsp:nvGrpSpPr>
-      <dsp:cNvPr id="0" name=""/>
-      <dsp:cNvGrpSpPr/>
-    </dsp:nvGrpSpPr>
-    <dsp:grpSpPr/>
-    <dsp:sp modelId="{E5AEAA48-C73A-4E76-BD86-9D694D33240A}">
-      <dsp:nvSpPr>
-        <dsp:cNvPr id="0" name=""/>
-        <dsp:cNvSpPr/>
-      </dsp:nvSpPr>
-      <dsp:spPr>
-        <a:xfrm>
-          <a:off x="4900" y="600"/>
-          <a:ext cx="7648142" cy="1330047"/>
-        </a:xfrm>
-        <a:prstGeom prst="roundRect">
-          <a:avLst>
-            <a:gd name="adj" fmla="val 10000"/>
-          </a:avLst>
-        </a:prstGeom>
-        <a:solidFill>
-          <a:schemeClr val="accent1">
-            <a:hueOff val="0"/>
-            <a:satOff val="0"/>
-            <a:lumOff val="0"/>
-            <a:alphaOff val="0"/>
-          </a:schemeClr>
-        </a:solidFill>
-        <a:ln w="12700" cap="flat" cmpd="sng" algn="ctr">
-          <a:solidFill>
-            <a:schemeClr val="lt1">
-              <a:hueOff val="0"/>
-              <a:satOff val="0"/>
-              <a:lumOff val="0"/>
-              <a:alphaOff val="0"/>
-            </a:schemeClr>
-          </a:solidFill>
-          <a:prstDash val="solid"/>
-          <a:miter lim="800000"/>
-        </a:ln>
-        <a:effectLst/>
-      </dsp:spPr>
-      <dsp:style>
-        <a:lnRef idx="2">
-          <a:scrgbClr r="0" g="0" b="0"/>
-        </a:lnRef>
-        <a:fillRef idx="1">
-          <a:scrgbClr r="0" g="0" b="0"/>
-        </a:fillRef>
-        <a:effectRef idx="0">
-          <a:scrgbClr r="0" g="0" b="0"/>
-        </a:effectRef>
-        <a:fontRef idx="minor">
-          <a:schemeClr val="lt1"/>
-        </a:fontRef>
-      </dsp:style>
-      <dsp:txBody>
-        <a:bodyPr spcFirstLastPara="0" vert="horz" wrap="square" lIns="220980" tIns="220980" rIns="220980" bIns="220980" numCol="1" spcCol="1270" anchor="ctr" anchorCtr="0">
-          <a:noAutofit/>
-        </a:bodyPr>
-        <a:lstStyle/>
-        <a:p>
-          <a:pPr marL="0" lvl="0" indent="0" algn="ctr" defTabSz="2578100">
-            <a:lnSpc>
-              <a:spcPct val="90000"/>
-            </a:lnSpc>
-            <a:spcBef>
-              <a:spcPct val="0"/>
-            </a:spcBef>
-            <a:spcAft>
-              <a:spcPct val="35000"/>
-            </a:spcAft>
-            <a:buNone/>
-          </a:pPr>
-          <a:endParaRPr lang="en-US" sz="5800" kern="1200" dirty="0"/>
-        </a:p>
-      </dsp:txBody>
-      <dsp:txXfrm>
-        <a:off x="43856" y="39556"/>
-        <a:ext cx="7570230" cy="1252135"/>
-      </dsp:txXfrm>
-    </dsp:sp>
-    <dsp:sp modelId="{4DF1013E-A257-48E8-B04B-09D1763DA940}">
-      <dsp:nvSpPr>
-        <dsp:cNvPr id="0" name=""/>
-        <dsp:cNvSpPr/>
-      </dsp:nvSpPr>
-      <dsp:spPr>
-        <a:xfrm>
-          <a:off x="4900" y="1510645"/>
-          <a:ext cx="4996003" cy="1330047"/>
-        </a:xfrm>
-        <a:prstGeom prst="roundRect">
-          <a:avLst>
-            <a:gd name="adj" fmla="val 10000"/>
-          </a:avLst>
-        </a:prstGeom>
-        <a:solidFill>
-          <a:schemeClr val="accent1">
-            <a:hueOff val="0"/>
-            <a:satOff val="0"/>
-            <a:lumOff val="0"/>
-            <a:alphaOff val="0"/>
-          </a:schemeClr>
-        </a:solidFill>
-        <a:ln w="12700" cap="flat" cmpd="sng" algn="ctr">
-          <a:solidFill>
-            <a:schemeClr val="lt1">
-              <a:hueOff val="0"/>
-              <a:satOff val="0"/>
-              <a:lumOff val="0"/>
-              <a:alphaOff val="0"/>
-            </a:schemeClr>
-          </a:solidFill>
-          <a:prstDash val="solid"/>
-          <a:miter lim="800000"/>
-        </a:ln>
-        <a:effectLst/>
-      </dsp:spPr>
-      <dsp:style>
-        <a:lnRef idx="2">
-          <a:scrgbClr r="0" g="0" b="0"/>
-        </a:lnRef>
-        <a:fillRef idx="1">
-          <a:scrgbClr r="0" g="0" b="0"/>
-        </a:fillRef>
-        <a:effectRef idx="0">
-          <a:scrgbClr r="0" g="0" b="0"/>
-        </a:effectRef>
-        <a:fontRef idx="minor">
-          <a:schemeClr val="lt1"/>
-        </a:fontRef>
-      </dsp:style>
-      <dsp:txBody>
-        <a:bodyPr spcFirstLastPara="0" vert="horz" wrap="square" lIns="220980" tIns="220980" rIns="220980" bIns="220980" numCol="1" spcCol="1270" anchor="ctr" anchorCtr="0">
-          <a:noAutofit/>
-        </a:bodyPr>
-        <a:lstStyle/>
-        <a:p>
-          <a:pPr marL="0" lvl="0" indent="0" algn="ctr" defTabSz="2578100">
-            <a:lnSpc>
-              <a:spcPct val="90000"/>
-            </a:lnSpc>
-            <a:spcBef>
-              <a:spcPct val="0"/>
-            </a:spcBef>
-            <a:spcAft>
-              <a:spcPct val="35000"/>
-            </a:spcAft>
-            <a:buNone/>
-          </a:pPr>
-          <a:r>
-            <a:rPr lang="en-US" sz="5800" kern="1200" dirty="0"/>
-            <a:t>Bootstrap</a:t>
-          </a:r>
-        </a:p>
-      </dsp:txBody>
-      <dsp:txXfrm>
-        <a:off x="43856" y="1549601"/>
-        <a:ext cx="4918091" cy="1252135"/>
-      </dsp:txXfrm>
-    </dsp:sp>
-    <dsp:sp modelId="{B8263EEE-D184-4E1A-8B59-78FF14C552B5}">
-      <dsp:nvSpPr>
-        <dsp:cNvPr id="0" name=""/>
-        <dsp:cNvSpPr/>
-      </dsp:nvSpPr>
-      <dsp:spPr>
-        <a:xfrm>
-          <a:off x="4900" y="3020690"/>
-          <a:ext cx="2446622" cy="1330047"/>
-        </a:xfrm>
-        <a:prstGeom prst="roundRect">
-          <a:avLst>
-            <a:gd name="adj" fmla="val 10000"/>
-          </a:avLst>
-        </a:prstGeom>
-        <a:solidFill>
-          <a:schemeClr val="accent1">
-            <a:hueOff val="0"/>
-            <a:satOff val="0"/>
-            <a:lumOff val="0"/>
-            <a:alphaOff val="0"/>
-          </a:schemeClr>
-        </a:solidFill>
-        <a:ln w="12700" cap="flat" cmpd="sng" algn="ctr">
-          <a:solidFill>
-            <a:schemeClr val="lt1">
-              <a:hueOff val="0"/>
-              <a:satOff val="0"/>
-              <a:lumOff val="0"/>
-              <a:alphaOff val="0"/>
-            </a:schemeClr>
-          </a:solidFill>
-          <a:prstDash val="solid"/>
-          <a:miter lim="800000"/>
-        </a:ln>
-        <a:effectLst/>
-      </dsp:spPr>
-      <dsp:style>
-        <a:lnRef idx="2">
-          <a:scrgbClr r="0" g="0" b="0"/>
-        </a:lnRef>
-        <a:fillRef idx="1">
-          <a:scrgbClr r="0" g="0" b="0"/>
-        </a:fillRef>
-        <a:effectRef idx="0">
-          <a:scrgbClr r="0" g="0" b="0"/>
-        </a:effectRef>
-        <a:fontRef idx="minor">
-          <a:schemeClr val="lt1"/>
-        </a:fontRef>
-      </dsp:style>
-      <dsp:txBody>
-        <a:bodyPr spcFirstLastPara="0" vert="horz" wrap="square" lIns="194310" tIns="194310" rIns="194310" bIns="194310" numCol="1" spcCol="1270" anchor="ctr" anchorCtr="0">
-          <a:noAutofit/>
-        </a:bodyPr>
-        <a:lstStyle/>
-        <a:p>
-          <a:pPr marL="0" lvl="0" indent="0" algn="ctr" defTabSz="2266950">
-            <a:lnSpc>
-              <a:spcPct val="90000"/>
-            </a:lnSpc>
-            <a:spcBef>
-              <a:spcPct val="0"/>
-            </a:spcBef>
-            <a:spcAft>
-              <a:spcPct val="35000"/>
-            </a:spcAft>
-            <a:buNone/>
-          </a:pPr>
-          <a:r>
-            <a:rPr lang="en-US" sz="5100" kern="1200" dirty="0" err="1"/>
-            <a:t>Firbase</a:t>
-          </a:r>
-          <a:endParaRPr lang="en-US" sz="5100" kern="1200" dirty="0"/>
-        </a:p>
-      </dsp:txBody>
-      <dsp:txXfrm>
-        <a:off x="43856" y="3059646"/>
-        <a:ext cx="2368710" cy="1252135"/>
-      </dsp:txXfrm>
-    </dsp:sp>
-    <dsp:sp modelId="{C31D0FAE-13E5-4E1A-975B-AE4DEC3C711E}">
-      <dsp:nvSpPr>
-        <dsp:cNvPr id="0" name=""/>
-        <dsp:cNvSpPr/>
-      </dsp:nvSpPr>
-      <dsp:spPr>
-        <a:xfrm>
-          <a:off x="2554281" y="3020690"/>
-          <a:ext cx="2446622" cy="1330047"/>
-        </a:xfrm>
-        <a:prstGeom prst="roundRect">
-          <a:avLst>
-            <a:gd name="adj" fmla="val 10000"/>
-          </a:avLst>
-        </a:prstGeom>
-        <a:solidFill>
-          <a:schemeClr val="accent1">
-            <a:hueOff val="0"/>
-            <a:satOff val="0"/>
-            <a:lumOff val="0"/>
-            <a:alphaOff val="0"/>
-          </a:schemeClr>
-        </a:solidFill>
-        <a:ln w="12700" cap="flat" cmpd="sng" algn="ctr">
-          <a:solidFill>
-            <a:schemeClr val="lt1">
-              <a:hueOff val="0"/>
-              <a:satOff val="0"/>
-              <a:lumOff val="0"/>
-              <a:alphaOff val="0"/>
-            </a:schemeClr>
-          </a:solidFill>
-          <a:prstDash val="solid"/>
-          <a:miter lim="800000"/>
-        </a:ln>
-        <a:effectLst/>
-      </dsp:spPr>
-      <dsp:style>
-        <a:lnRef idx="2">
-          <a:scrgbClr r="0" g="0" b="0"/>
-        </a:lnRef>
-        <a:fillRef idx="1">
-          <a:scrgbClr r="0" g="0" b="0"/>
-        </a:fillRef>
-        <a:effectRef idx="0">
-          <a:scrgbClr r="0" g="0" b="0"/>
-        </a:effectRef>
-        <a:fontRef idx="minor">
-          <a:schemeClr val="lt1"/>
-        </a:fontRef>
-      </dsp:style>
-      <dsp:txBody>
-        <a:bodyPr spcFirstLastPara="0" vert="horz" wrap="square" lIns="194310" tIns="194310" rIns="194310" bIns="194310" numCol="1" spcCol="1270" anchor="ctr" anchorCtr="0">
-          <a:noAutofit/>
-        </a:bodyPr>
-        <a:lstStyle/>
-        <a:p>
-          <a:pPr marL="0" lvl="0" indent="0" algn="ctr" defTabSz="2266950">
-            <a:lnSpc>
-              <a:spcPct val="90000"/>
-            </a:lnSpc>
-            <a:spcBef>
-              <a:spcPct val="0"/>
-            </a:spcBef>
-            <a:spcAft>
-              <a:spcPct val="35000"/>
-            </a:spcAft>
-            <a:buNone/>
-          </a:pPr>
-          <a:endParaRPr lang="en-US" sz="5100" kern="1200" dirty="0"/>
-        </a:p>
-      </dsp:txBody>
-      <dsp:txXfrm>
-        <a:off x="2593237" y="3059646"/>
-        <a:ext cx="2368710" cy="1252135"/>
-      </dsp:txXfrm>
-    </dsp:sp>
-    <dsp:sp modelId="{BF5247B5-9D7D-49C4-99D6-75AB3BC27791}">
-      <dsp:nvSpPr>
-        <dsp:cNvPr id="0" name=""/>
-        <dsp:cNvSpPr/>
-      </dsp:nvSpPr>
-      <dsp:spPr>
-        <a:xfrm>
-          <a:off x="5206420" y="1510645"/>
-          <a:ext cx="2446622" cy="1330047"/>
-        </a:xfrm>
-        <a:prstGeom prst="roundRect">
-          <a:avLst>
-            <a:gd name="adj" fmla="val 10000"/>
-          </a:avLst>
-        </a:prstGeom>
-        <a:solidFill>
-          <a:schemeClr val="accent1">
-            <a:hueOff val="0"/>
-            <a:satOff val="0"/>
-            <a:lumOff val="0"/>
-            <a:alphaOff val="0"/>
-          </a:schemeClr>
-        </a:solidFill>
-        <a:ln w="12700" cap="flat" cmpd="sng" algn="ctr">
-          <a:solidFill>
-            <a:schemeClr val="lt1">
-              <a:hueOff val="0"/>
-              <a:satOff val="0"/>
-              <a:lumOff val="0"/>
-              <a:alphaOff val="0"/>
-            </a:schemeClr>
-          </a:solidFill>
-          <a:prstDash val="solid"/>
-          <a:miter lim="800000"/>
-        </a:ln>
-        <a:effectLst/>
-      </dsp:spPr>
-      <dsp:style>
-        <a:lnRef idx="2">
-          <a:scrgbClr r="0" g="0" b="0"/>
-        </a:lnRef>
-        <a:fillRef idx="1">
-          <a:scrgbClr r="0" g="0" b="0"/>
-        </a:fillRef>
-        <a:effectRef idx="0">
-          <a:scrgbClr r="0" g="0" b="0"/>
-        </a:effectRef>
-        <a:fontRef idx="minor">
-          <a:schemeClr val="lt1"/>
-        </a:fontRef>
-      </dsp:style>
-      <dsp:txBody>
-        <a:bodyPr spcFirstLastPara="0" vert="horz" wrap="square" lIns="220980" tIns="220980" rIns="220980" bIns="220980" numCol="1" spcCol="1270" anchor="ctr" anchorCtr="0">
-          <a:noAutofit/>
-        </a:bodyPr>
-        <a:lstStyle/>
-        <a:p>
-          <a:pPr marL="0" lvl="0" indent="0" algn="ctr" defTabSz="2578100">
-            <a:lnSpc>
-              <a:spcPct val="90000"/>
-            </a:lnSpc>
-            <a:spcBef>
-              <a:spcPct val="0"/>
-            </a:spcBef>
-            <a:spcAft>
-              <a:spcPct val="35000"/>
-            </a:spcAft>
-            <a:buNone/>
-          </a:pPr>
-          <a:r>
-            <a:rPr lang="en-US" sz="5800" kern="1200" dirty="0" err="1"/>
-            <a:t>Css</a:t>
-          </a:r>
-          <a:endParaRPr lang="en-US" sz="5800" kern="1200" dirty="0"/>
-        </a:p>
-      </dsp:txBody>
-      <dsp:txXfrm>
-        <a:off x="5245376" y="1549601"/>
-        <a:ext cx="2368710" cy="1252135"/>
-      </dsp:txXfrm>
-    </dsp:sp>
-    <dsp:sp modelId="{4E5634D8-C44E-45C8-A49B-230D0E9AAF81}">
-      <dsp:nvSpPr>
-        <dsp:cNvPr id="0" name=""/>
-        <dsp:cNvSpPr/>
-      </dsp:nvSpPr>
-      <dsp:spPr>
-        <a:xfrm>
-          <a:off x="8064076" y="600"/>
-          <a:ext cx="2446622" cy="1330047"/>
-        </a:xfrm>
-        <a:prstGeom prst="roundRect">
-          <a:avLst>
-            <a:gd name="adj" fmla="val 10000"/>
-          </a:avLst>
-        </a:prstGeom>
-        <a:solidFill>
-          <a:schemeClr val="accent1">
-            <a:hueOff val="0"/>
-            <a:satOff val="0"/>
-            <a:lumOff val="0"/>
-            <a:alphaOff val="0"/>
-          </a:schemeClr>
-        </a:solidFill>
-        <a:ln w="12700" cap="flat" cmpd="sng" algn="ctr">
-          <a:solidFill>
-            <a:schemeClr val="lt1">
-              <a:hueOff val="0"/>
-              <a:satOff val="0"/>
-              <a:lumOff val="0"/>
-              <a:alphaOff val="0"/>
-            </a:schemeClr>
-          </a:solidFill>
-          <a:prstDash val="solid"/>
-          <a:miter lim="800000"/>
-        </a:ln>
-        <a:effectLst/>
-      </dsp:spPr>
-      <dsp:style>
-        <a:lnRef idx="2">
-          <a:scrgbClr r="0" g="0" b="0"/>
-        </a:lnRef>
-        <a:fillRef idx="1">
-          <a:scrgbClr r="0" g="0" b="0"/>
-        </a:fillRef>
-        <a:effectRef idx="0">
-          <a:scrgbClr r="0" g="0" b="0"/>
-        </a:effectRef>
-        <a:fontRef idx="minor">
-          <a:schemeClr val="lt1"/>
-        </a:fontRef>
-      </dsp:style>
-      <dsp:txBody>
-        <a:bodyPr spcFirstLastPara="0" vert="horz" wrap="square" lIns="220980" tIns="220980" rIns="220980" bIns="220980" numCol="1" spcCol="1270" anchor="ctr" anchorCtr="0">
-          <a:noAutofit/>
-        </a:bodyPr>
-        <a:lstStyle/>
-        <a:p>
-          <a:pPr marL="0" lvl="0" indent="0" algn="ctr" defTabSz="2578100">
-            <a:lnSpc>
-              <a:spcPct val="90000"/>
-            </a:lnSpc>
-            <a:spcBef>
-              <a:spcPct val="0"/>
-            </a:spcBef>
-            <a:spcAft>
-              <a:spcPct val="35000"/>
-            </a:spcAft>
-            <a:buNone/>
-          </a:pPr>
-          <a:r>
-            <a:rPr lang="en-US" sz="5800" kern="1200" dirty="0"/>
-            <a:t>html</a:t>
-          </a:r>
-        </a:p>
-      </dsp:txBody>
-      <dsp:txXfrm>
-        <a:off x="8103032" y="39556"/>
-        <a:ext cx="2368710" cy="1252135"/>
-      </dsp:txXfrm>
-    </dsp:sp>
-    <dsp:sp modelId="{482D1D80-1A93-421E-A775-71835672643F}">
-      <dsp:nvSpPr>
-        <dsp:cNvPr id="0" name=""/>
-        <dsp:cNvSpPr/>
-      </dsp:nvSpPr>
-      <dsp:spPr>
-        <a:xfrm>
-          <a:off x="8064076" y="1510645"/>
-          <a:ext cx="2446622" cy="1330047"/>
-        </a:xfrm>
-        <a:prstGeom prst="roundRect">
-          <a:avLst>
-            <a:gd name="adj" fmla="val 10000"/>
-          </a:avLst>
-        </a:prstGeom>
-        <a:solidFill>
-          <a:schemeClr val="accent1">
-            <a:hueOff val="0"/>
-            <a:satOff val="0"/>
-            <a:lumOff val="0"/>
-            <a:alphaOff val="0"/>
-          </a:schemeClr>
-        </a:solidFill>
-        <a:ln w="12700" cap="flat" cmpd="sng" algn="ctr">
-          <a:solidFill>
-            <a:schemeClr val="lt1">
-              <a:hueOff val="0"/>
-              <a:satOff val="0"/>
-              <a:lumOff val="0"/>
-              <a:alphaOff val="0"/>
-            </a:schemeClr>
-          </a:solidFill>
-          <a:prstDash val="solid"/>
-          <a:miter lim="800000"/>
-        </a:ln>
-        <a:effectLst/>
-      </dsp:spPr>
-      <dsp:style>
-        <a:lnRef idx="2">
-          <a:scrgbClr r="0" g="0" b="0"/>
-        </a:lnRef>
-        <a:fillRef idx="1">
-          <a:scrgbClr r="0" g="0" b="0"/>
-        </a:fillRef>
-        <a:effectRef idx="0">
-          <a:scrgbClr r="0" g="0" b="0"/>
-        </a:effectRef>
-        <a:fontRef idx="minor">
-          <a:schemeClr val="lt1"/>
-        </a:fontRef>
-      </dsp:style>
-      <dsp:txBody>
-        <a:bodyPr spcFirstLastPara="0" vert="horz" wrap="square" lIns="220980" tIns="220980" rIns="220980" bIns="220980" numCol="1" spcCol="1270" anchor="ctr" anchorCtr="0">
-          <a:noAutofit/>
-        </a:bodyPr>
-        <a:lstStyle/>
-        <a:p>
-          <a:pPr marL="0" lvl="0" indent="0" algn="ctr" defTabSz="2578100">
-            <a:lnSpc>
-              <a:spcPct val="90000"/>
-            </a:lnSpc>
-            <a:spcBef>
-              <a:spcPct val="0"/>
-            </a:spcBef>
-            <a:spcAft>
-              <a:spcPct val="35000"/>
-            </a:spcAft>
-            <a:buNone/>
-          </a:pPr>
-          <a:endParaRPr lang="en-US" sz="5800" kern="1200"/>
-        </a:p>
-      </dsp:txBody>
-      <dsp:txXfrm>
-        <a:off x="8103032" y="1549601"/>
-        <a:ext cx="2368710" cy="1252135"/>
-      </dsp:txXfrm>
-    </dsp:sp>
-  </dsp:spTree>
-</dsp:drawing>
-</file>
-
 <file path=ppt/diagrams/layout1.xml><?xml version="1.0" encoding="utf-8"?>
 <dgm:layoutDef xmlns:dgm="http://schemas.openxmlformats.org/drawingml/2006/diagram" xmlns:a="http://schemas.openxmlformats.org/drawingml/2006/main" uniqueId="urn:microsoft.com/office/officeart/2008/layout/NameandTitleOrganizationalChart">
   <dgm:title val=""/>
@@ -6541,528 +4776,6 @@
 </dgm:layoutDef>
 </file>
 
-<file path=ppt/diagrams/layout2.xml><?xml version="1.0" encoding="utf-8"?>
-<dgm:layoutDef xmlns:dgm="http://schemas.openxmlformats.org/drawingml/2006/diagram" xmlns:a="http://schemas.openxmlformats.org/drawingml/2006/main" uniqueId="urn:microsoft.com/office/officeart/2005/8/layout/hierarchy4">
-  <dgm:title val=""/>
-  <dgm:desc val=""/>
-  <dgm:catLst>
-    <dgm:cat type="hierarchy" pri="4000"/>
-    <dgm:cat type="list" pri="24000"/>
-    <dgm:cat type="relationship" pri="10000"/>
-  </dgm:catLst>
-  <dgm:sampData>
-    <dgm:dataModel>
-      <dgm:ptLst>
-        <dgm:pt modelId="0" type="doc"/>
-        <dgm:pt modelId="1">
-          <dgm:prSet phldr="1"/>
-        </dgm:pt>
-        <dgm:pt modelId="2">
-          <dgm:prSet phldr="1"/>
-        </dgm:pt>
-        <dgm:pt modelId="21">
-          <dgm:prSet phldr="1"/>
-        </dgm:pt>
-        <dgm:pt modelId="22">
-          <dgm:prSet phldr="1"/>
-        </dgm:pt>
-        <dgm:pt modelId="3">
-          <dgm:prSet phldr="1"/>
-        </dgm:pt>
-        <dgm:pt modelId="31">
-          <dgm:prSet phldr="1"/>
-        </dgm:pt>
-      </dgm:ptLst>
-      <dgm:cxnLst>
-        <dgm:cxn modelId="4" srcId="0" destId="1" srcOrd="0" destOrd="0"/>
-        <dgm:cxn modelId="5" srcId="1" destId="2" srcOrd="0" destOrd="0"/>
-        <dgm:cxn modelId="6" srcId="1" destId="3" srcOrd="1" destOrd="0"/>
-        <dgm:cxn modelId="23" srcId="2" destId="21" srcOrd="0" destOrd="0"/>
-        <dgm:cxn modelId="24" srcId="2" destId="22" srcOrd="1" destOrd="0"/>
-        <dgm:cxn modelId="33" srcId="3" destId="31" srcOrd="0" destOrd="0"/>
-      </dgm:cxnLst>
-      <dgm:bg/>
-      <dgm:whole/>
-    </dgm:dataModel>
-  </dgm:sampData>
-  <dgm:styleData>
-    <dgm:dataModel>
-      <dgm:ptLst>
-        <dgm:pt modelId="0" type="doc"/>
-        <dgm:pt modelId="1"/>
-        <dgm:pt modelId="11"/>
-        <dgm:pt modelId="12"/>
-      </dgm:ptLst>
-      <dgm:cxnLst>
-        <dgm:cxn modelId="2" srcId="0" destId="1" srcOrd="0" destOrd="0"/>
-        <dgm:cxn modelId="13" srcId="1" destId="11" srcOrd="0" destOrd="0"/>
-        <dgm:cxn modelId="14" srcId="1" destId="12" srcOrd="1" destOrd="0"/>
-      </dgm:cxnLst>
-      <dgm:bg/>
-      <dgm:whole/>
-    </dgm:dataModel>
-  </dgm:styleData>
-  <dgm:clrData>
-    <dgm:dataModel>
-      <dgm:ptLst>
-        <dgm:pt modelId="0" type="doc"/>
-        <dgm:pt modelId="1"/>
-        <dgm:pt modelId="2"/>
-        <dgm:pt modelId="21"/>
-        <dgm:pt modelId="211"/>
-        <dgm:pt modelId="3"/>
-        <dgm:pt modelId="31"/>
-        <dgm:pt modelId="311"/>
-      </dgm:ptLst>
-      <dgm:cxnLst>
-        <dgm:cxn modelId="4" srcId="0" destId="1" srcOrd="0" destOrd="0"/>
-        <dgm:cxn modelId="5" srcId="1" destId="2" srcOrd="0" destOrd="0"/>
-        <dgm:cxn modelId="6" srcId="1" destId="3" srcOrd="1" destOrd="0"/>
-        <dgm:cxn modelId="23" srcId="2" destId="21" srcOrd="0" destOrd="0"/>
-        <dgm:cxn modelId="24" srcId="21" destId="211" srcOrd="0" destOrd="0"/>
-        <dgm:cxn modelId="33" srcId="3" destId="31" srcOrd="0" destOrd="0"/>
-        <dgm:cxn modelId="34" srcId="31" destId="311" srcOrd="0" destOrd="0"/>
-      </dgm:cxnLst>
-      <dgm:bg/>
-      <dgm:whole/>
-    </dgm:dataModel>
-  </dgm:clrData>
-  <dgm:layoutNode name="Name0">
-    <dgm:varLst>
-      <dgm:chPref val="1"/>
-      <dgm:dir/>
-      <dgm:animOne val="branch"/>
-      <dgm:animLvl val="lvl"/>
-      <dgm:resizeHandles/>
-    </dgm:varLst>
-    <dgm:choose name="Name1">
-      <dgm:if name="Name2" func="var" arg="dir" op="equ" val="norm">
-        <dgm:alg type="lin">
-          <dgm:param type="linDir" val="fromL"/>
-          <dgm:param type="nodeVertAlign" val="t"/>
-        </dgm:alg>
-      </dgm:if>
-      <dgm:else name="Name3">
-        <dgm:alg type="lin">
-          <dgm:param type="linDir" val="fromR"/>
-          <dgm:param type="nodeVertAlign" val="t"/>
-        </dgm:alg>
-      </dgm:else>
-    </dgm:choose>
-    <dgm:shape xmlns:r="http://schemas.openxmlformats.org/officeDocument/2006/relationships" r:blip="">
-      <dgm:adjLst/>
-    </dgm:shape>
-    <dgm:presOf/>
-    <dgm:constrLst>
-      <dgm:constr type="w" for="ch" forName="vertOne" refType="w"/>
-      <dgm:constr type="w" for="des" forName="horzOne" refType="w"/>
-      <dgm:constr type="w" for="des" forName="txOne" refType="w"/>
-      <dgm:constr type="w" for="des" forName="vertTwo" refType="w"/>
-      <dgm:constr type="w" for="des" forName="horzTwo" refType="w"/>
-      <dgm:constr type="w" for="des" forName="txTwo" refType="w"/>
-      <dgm:constr type="w" for="des" forName="vertThree" refType="w"/>
-      <dgm:constr type="w" for="des" forName="horzThree" refType="w"/>
-      <dgm:constr type="w" for="des" forName="txThree" refType="w"/>
-      <dgm:constr type="w" for="des" forName="vertFour" refType="w"/>
-      <dgm:constr type="w" for="des" forName="horzFour" refType="w"/>
-      <dgm:constr type="w" for="des" forName="txFour" refType="w"/>
-      <dgm:constr type="h" for="des" ptType="node" op="equ"/>
-      <dgm:constr type="h" for="des" forName="txOne" refType="h"/>
-      <dgm:constr type="userH" for="des" ptType="node" refType="h" refFor="des" refForName="txOne"/>
-      <dgm:constr type="primFontSz" for="des" forName="txOne" val="65"/>
-      <dgm:constr type="primFontSz" for="des" forName="txTwo" val="65"/>
-      <dgm:constr type="primFontSz" for="des" forName="txTwo" refType="primFontSz" refFor="des" refForName="txOne" op="lte"/>
-      <dgm:constr type="primFontSz" for="des" forName="txThree" val="65"/>
-      <dgm:constr type="primFontSz" for="des" forName="txThree" refType="primFontSz" refFor="des" refForName="txOne" op="lte"/>
-      <dgm:constr type="primFontSz" for="des" forName="txThree" refType="primFontSz" refFor="des" refForName="txTwo" op="lte"/>
-      <dgm:constr type="primFontSz" for="des" forName="txFour" val="65"/>
-      <dgm:constr type="primFontSz" for="des" forName="txFour" refType="primFontSz" refFor="des" refForName="txOne" op="lte"/>
-      <dgm:constr type="primFontSz" for="des" forName="txFour" refType="primFontSz" refFor="des" refForName="txTwo" op="lte"/>
-      <dgm:constr type="primFontSz" for="des" forName="txFour" refType="primFontSz" refFor="des" refForName="txThree" op="lte"/>
-      <dgm:constr type="w" for="des" forName="sibSpaceOne" refType="w" fact="0.168"/>
-      <dgm:constr type="w" for="des" forName="sibSpaceTwo" refType="w" refFor="des" refForName="sibSpaceOne" op="equ" fact="0.5"/>
-      <dgm:constr type="w" for="des" forName="sibSpaceThree" refType="w" refFor="des" refForName="sibSpaceTwo" op="equ" fact="0.5"/>
-      <dgm:constr type="w" for="des" forName="sibSpaceFour" refType="w" refFor="des" refForName="sibSpaceThree" op="equ" fact="0.5"/>
-      <dgm:constr type="h" for="des" forName="parTransOne" refType="w" fact="0.056"/>
-      <dgm:constr type="h" for="des" forName="parTransTwo" refType="h" refFor="des" refForName="parTransOne" op="equ"/>
-      <dgm:constr type="h" for="des" forName="parTransThree" refType="h" refFor="des" refForName="parTransTwo" op="equ"/>
-      <dgm:constr type="h" for="des" forName="parTransFour" refType="h" refFor="des" refForName="parTransThree" op="equ"/>
-    </dgm:constrLst>
-    <dgm:ruleLst/>
-    <dgm:forEach name="Name4" axis="ch" ptType="node">
-      <dgm:layoutNode name="vertOne">
-        <dgm:alg type="lin">
-          <dgm:param type="linDir" val="fromT"/>
-        </dgm:alg>
-        <dgm:shape xmlns:r="http://schemas.openxmlformats.org/officeDocument/2006/relationships" r:blip="">
-          <dgm:adjLst/>
-        </dgm:shape>
-        <dgm:presOf/>
-        <dgm:constrLst>
-          <dgm:constr type="w" for="ch" forName="txOne" refType="w" refFor="ch" refForName="horzOne" op="gte"/>
-        </dgm:constrLst>
-        <dgm:ruleLst/>
-        <dgm:layoutNode name="txOne" styleLbl="node0">
-          <dgm:varLst>
-            <dgm:chPref val="3"/>
-          </dgm:varLst>
-          <dgm:alg type="tx"/>
-          <dgm:shape xmlns:r="http://schemas.openxmlformats.org/officeDocument/2006/relationships" type="roundRect" r:blip="">
-            <dgm:adjLst>
-              <dgm:adj idx="1" val="0.1"/>
-            </dgm:adjLst>
-          </dgm:shape>
-          <dgm:presOf axis="self"/>
-          <dgm:constrLst>
-            <dgm:constr type="tMarg" refType="primFontSz" fact="0.3"/>
-            <dgm:constr type="bMarg" refType="primFontSz" fact="0.3"/>
-            <dgm:constr type="lMarg" refType="primFontSz" fact="0.3"/>
-            <dgm:constr type="rMarg" refType="primFontSz" fact="0.3"/>
-          </dgm:constrLst>
-          <dgm:ruleLst>
-            <dgm:rule type="primFontSz" val="5" fact="NaN" max="NaN"/>
-          </dgm:ruleLst>
-        </dgm:layoutNode>
-        <dgm:choose name="Name5">
-          <dgm:if name="Name6" axis="des" ptType="node" func="cnt" op="gt" val="0">
-            <dgm:layoutNode name="parTransOne">
-              <dgm:alg type="sp"/>
-              <dgm:shape xmlns:r="http://schemas.openxmlformats.org/officeDocument/2006/relationships" r:blip="">
-                <dgm:adjLst/>
-              </dgm:shape>
-              <dgm:presOf/>
-              <dgm:constrLst/>
-              <dgm:ruleLst/>
-            </dgm:layoutNode>
-          </dgm:if>
-          <dgm:else name="Name7"/>
-        </dgm:choose>
-        <dgm:layoutNode name="horzOne">
-          <dgm:choose name="Name8">
-            <dgm:if name="Name9" func="var" arg="dir" op="equ" val="norm">
-              <dgm:alg type="lin">
-                <dgm:param type="linDir" val="fromL"/>
-                <dgm:param type="nodeVertAlign" val="t"/>
-              </dgm:alg>
-            </dgm:if>
-            <dgm:else name="Name10">
-              <dgm:alg type="lin">
-                <dgm:param type="linDir" val="fromR"/>
-                <dgm:param type="nodeVertAlign" val="t"/>
-              </dgm:alg>
-            </dgm:else>
-          </dgm:choose>
-          <dgm:shape xmlns:r="http://schemas.openxmlformats.org/officeDocument/2006/relationships" r:blip="">
-            <dgm:adjLst/>
-          </dgm:shape>
-          <dgm:presOf/>
-          <dgm:constrLst/>
-          <dgm:ruleLst>
-            <dgm:rule type="w" val="INF" fact="NaN" max="NaN"/>
-          </dgm:ruleLst>
-          <dgm:forEach name="Name11" axis="ch" ptType="node">
-            <dgm:layoutNode name="vertTwo">
-              <dgm:alg type="lin">
-                <dgm:param type="linDir" val="fromT"/>
-              </dgm:alg>
-              <dgm:shape xmlns:r="http://schemas.openxmlformats.org/officeDocument/2006/relationships" r:blip="">
-                <dgm:adjLst/>
-              </dgm:shape>
-              <dgm:presOf/>
-              <dgm:constrLst>
-                <dgm:constr type="w" for="ch" forName="txTwo" refType="w" refFor="ch" refForName="horzTwo" op="gte"/>
-              </dgm:constrLst>
-              <dgm:ruleLst/>
-              <dgm:layoutNode name="txTwo">
-                <dgm:varLst>
-                  <dgm:chPref val="3"/>
-                </dgm:varLst>
-                <dgm:alg type="tx"/>
-                <dgm:shape xmlns:r="http://schemas.openxmlformats.org/officeDocument/2006/relationships" type="roundRect" r:blip="">
-                  <dgm:adjLst>
-                    <dgm:adj idx="1" val="0.1"/>
-                  </dgm:adjLst>
-                </dgm:shape>
-                <dgm:presOf axis="self"/>
-                <dgm:constrLst>
-                  <dgm:constr type="userH"/>
-                  <dgm:constr type="h" refType="userH"/>
-                  <dgm:constr type="tMarg" refType="primFontSz" fact="0.3"/>
-                  <dgm:constr type="bMarg" refType="primFontSz" fact="0.3"/>
-                  <dgm:constr type="lMarg" refType="primFontSz" fact="0.3"/>
-                  <dgm:constr type="rMarg" refType="primFontSz" fact="0.3"/>
-                </dgm:constrLst>
-                <dgm:ruleLst>
-                  <dgm:rule type="primFontSz" val="5" fact="NaN" max="NaN"/>
-                </dgm:ruleLst>
-              </dgm:layoutNode>
-              <dgm:choose name="Name12">
-                <dgm:if name="Name13" axis="des" ptType="node" func="cnt" op="gt" val="0">
-                  <dgm:layoutNode name="parTransTwo">
-                    <dgm:alg type="sp"/>
-                    <dgm:shape xmlns:r="http://schemas.openxmlformats.org/officeDocument/2006/relationships" r:blip="">
-                      <dgm:adjLst/>
-                    </dgm:shape>
-                    <dgm:presOf/>
-                    <dgm:constrLst/>
-                    <dgm:ruleLst/>
-                  </dgm:layoutNode>
-                </dgm:if>
-                <dgm:else name="Name14"/>
-              </dgm:choose>
-              <dgm:layoutNode name="horzTwo">
-                <dgm:choose name="Name15">
-                  <dgm:if name="Name16" func="var" arg="dir" op="equ" val="norm">
-                    <dgm:alg type="lin">
-                      <dgm:param type="linDir" val="fromL"/>
-                      <dgm:param type="nodeVertAlign" val="t"/>
-                    </dgm:alg>
-                  </dgm:if>
-                  <dgm:else name="Name17">
-                    <dgm:alg type="lin">
-                      <dgm:param type="linDir" val="fromR"/>
-                      <dgm:param type="nodeVertAlign" val="t"/>
-                    </dgm:alg>
-                  </dgm:else>
-                </dgm:choose>
-                <dgm:shape xmlns:r="http://schemas.openxmlformats.org/officeDocument/2006/relationships" r:blip="">
-                  <dgm:adjLst/>
-                </dgm:shape>
-                <dgm:presOf/>
-                <dgm:constrLst/>
-                <dgm:ruleLst>
-                  <dgm:rule type="w" val="INF" fact="NaN" max="NaN"/>
-                </dgm:ruleLst>
-                <dgm:forEach name="Name18" axis="ch" ptType="node">
-                  <dgm:layoutNode name="vertThree">
-                    <dgm:alg type="lin">
-                      <dgm:param type="linDir" val="fromT"/>
-                    </dgm:alg>
-                    <dgm:shape xmlns:r="http://schemas.openxmlformats.org/officeDocument/2006/relationships" r:blip="">
-                      <dgm:adjLst/>
-                    </dgm:shape>
-                    <dgm:presOf/>
-                    <dgm:constrLst>
-                      <dgm:constr type="w" for="ch" forName="txThree" refType="w" refFor="ch" refForName="horzThree" op="gte"/>
-                    </dgm:constrLst>
-                    <dgm:ruleLst/>
-                    <dgm:layoutNode name="txThree">
-                      <dgm:varLst>
-                        <dgm:chPref val="3"/>
-                      </dgm:varLst>
-                      <dgm:alg type="tx"/>
-                      <dgm:shape xmlns:r="http://schemas.openxmlformats.org/officeDocument/2006/relationships" type="roundRect" r:blip="">
-                        <dgm:adjLst>
-                          <dgm:adj idx="1" val="0.1"/>
-                        </dgm:adjLst>
-                      </dgm:shape>
-                      <dgm:presOf axis="self"/>
-                      <dgm:constrLst>
-                        <dgm:constr type="userH"/>
-                        <dgm:constr type="h" refType="userH"/>
-                        <dgm:constr type="tMarg" refType="primFontSz" fact="0.3"/>
-                        <dgm:constr type="bMarg" refType="primFontSz" fact="0.3"/>
-                        <dgm:constr type="lMarg" refType="primFontSz" fact="0.3"/>
-                        <dgm:constr type="rMarg" refType="primFontSz" fact="0.3"/>
-                      </dgm:constrLst>
-                      <dgm:ruleLst>
-                        <dgm:rule type="primFontSz" val="5" fact="NaN" max="NaN"/>
-                      </dgm:ruleLst>
-                    </dgm:layoutNode>
-                    <dgm:choose name="Name19">
-                      <dgm:if name="Name20" axis="des" ptType="node" func="cnt" op="gt" val="0">
-                        <dgm:layoutNode name="parTransThree">
-                          <dgm:alg type="sp"/>
-                          <dgm:shape xmlns:r="http://schemas.openxmlformats.org/officeDocument/2006/relationships" r:blip="">
-                            <dgm:adjLst/>
-                          </dgm:shape>
-                          <dgm:presOf/>
-                          <dgm:constrLst/>
-                          <dgm:ruleLst/>
-                        </dgm:layoutNode>
-                      </dgm:if>
-                      <dgm:else name="Name21"/>
-                    </dgm:choose>
-                    <dgm:layoutNode name="horzThree">
-                      <dgm:choose name="Name22">
-                        <dgm:if name="Name23" func="var" arg="dir" op="equ" val="norm">
-                          <dgm:alg type="lin">
-                            <dgm:param type="linDir" val="fromL"/>
-                            <dgm:param type="nodeVertAlign" val="t"/>
-                          </dgm:alg>
-                        </dgm:if>
-                        <dgm:else name="Name24">
-                          <dgm:alg type="lin">
-                            <dgm:param type="linDir" val="fromR"/>
-                            <dgm:param type="nodeVertAlign" val="t"/>
-                          </dgm:alg>
-                        </dgm:else>
-                      </dgm:choose>
-                      <dgm:shape xmlns:r="http://schemas.openxmlformats.org/officeDocument/2006/relationships" r:blip="">
-                        <dgm:adjLst/>
-                      </dgm:shape>
-                      <dgm:presOf/>
-                      <dgm:constrLst/>
-                      <dgm:ruleLst>
-                        <dgm:rule type="w" val="INF" fact="NaN" max="NaN"/>
-                      </dgm:ruleLst>
-                      <dgm:forEach name="repeat" axis="ch" ptType="node">
-                        <dgm:layoutNode name="vertFour">
-                          <dgm:varLst>
-                            <dgm:chPref val="3"/>
-                          </dgm:varLst>
-                          <dgm:alg type="lin">
-                            <dgm:param type="linDir" val="fromT"/>
-                          </dgm:alg>
-                          <dgm:shape xmlns:r="http://schemas.openxmlformats.org/officeDocument/2006/relationships" r:blip="">
-                            <dgm:adjLst/>
-                          </dgm:shape>
-                          <dgm:presOf/>
-                          <dgm:constrLst>
-                            <dgm:constr type="w" for="ch" forName="txFour" refType="w" refFor="ch" refForName="horzFour" op="gte"/>
-                          </dgm:constrLst>
-                          <dgm:ruleLst/>
-                          <dgm:layoutNode name="txFour">
-                            <dgm:varLst>
-                              <dgm:chPref val="3"/>
-                            </dgm:varLst>
-                            <dgm:alg type="tx"/>
-                            <dgm:shape xmlns:r="http://schemas.openxmlformats.org/officeDocument/2006/relationships" type="roundRect" r:blip="">
-                              <dgm:adjLst>
-                                <dgm:adj idx="1" val="0.1"/>
-                              </dgm:adjLst>
-                            </dgm:shape>
-                            <dgm:presOf axis="self"/>
-                            <dgm:constrLst>
-                              <dgm:constr type="userH"/>
-                              <dgm:constr type="h" refType="userH"/>
-                              <dgm:constr type="tMarg" refType="primFontSz" fact="0.3"/>
-                              <dgm:constr type="bMarg" refType="primFontSz" fact="0.3"/>
-                              <dgm:constr type="lMarg" refType="primFontSz" fact="0.3"/>
-                              <dgm:constr type="rMarg" refType="primFontSz" fact="0.3"/>
-                            </dgm:constrLst>
-                            <dgm:ruleLst>
-                              <dgm:rule type="primFontSz" val="5" fact="NaN" max="NaN"/>
-                            </dgm:ruleLst>
-                          </dgm:layoutNode>
-                          <dgm:choose name="Name25">
-                            <dgm:if name="Name26" axis="des" ptType="node" func="cnt" op="gt" val="0">
-                              <dgm:layoutNode name="parTransFour">
-                                <dgm:alg type="sp"/>
-                                <dgm:shape xmlns:r="http://schemas.openxmlformats.org/officeDocument/2006/relationships" r:blip="">
-                                  <dgm:adjLst/>
-                                </dgm:shape>
-                                <dgm:presOf/>
-                                <dgm:constrLst/>
-                                <dgm:ruleLst/>
-                              </dgm:layoutNode>
-                            </dgm:if>
-                            <dgm:else name="Name27"/>
-                          </dgm:choose>
-                          <dgm:layoutNode name="horzFour">
-                            <dgm:choose name="Name28">
-                              <dgm:if name="Name29" func="var" arg="dir" op="equ" val="norm">
-                                <dgm:alg type="lin">
-                                  <dgm:param type="linDir" val="fromL"/>
-                                  <dgm:param type="nodeVertAlign" val="t"/>
-                                </dgm:alg>
-                              </dgm:if>
-                              <dgm:else name="Name30">
-                                <dgm:alg type="lin">
-                                  <dgm:param type="linDir" val="fromR"/>
-                                  <dgm:param type="nodeVertAlign" val="t"/>
-                                </dgm:alg>
-                              </dgm:else>
-                            </dgm:choose>
-                            <dgm:shape xmlns:r="http://schemas.openxmlformats.org/officeDocument/2006/relationships" r:blip="">
-                              <dgm:adjLst/>
-                            </dgm:shape>
-                            <dgm:presOf/>
-                            <dgm:constrLst/>
-                            <dgm:ruleLst>
-                              <dgm:rule type="w" val="INF" fact="NaN" max="NaN"/>
-                            </dgm:ruleLst>
-                            <dgm:forEach name="Name31" ref="repeat"/>
-                          </dgm:layoutNode>
-                        </dgm:layoutNode>
-                        <dgm:choose name="Name32">
-                          <dgm:if name="Name33" axis="self" ptType="node" func="revPos" op="gte" val="2">
-                            <dgm:forEach name="Name34" axis="followSib" ptType="sibTrans" cnt="1">
-                              <dgm:layoutNode name="sibSpaceFour">
-                                <dgm:alg type="sp"/>
-                                <dgm:shape xmlns:r="http://schemas.openxmlformats.org/officeDocument/2006/relationships" r:blip="">
-                                  <dgm:adjLst/>
-                                </dgm:shape>
-                                <dgm:presOf/>
-                                <dgm:constrLst/>
-                                <dgm:ruleLst/>
-                              </dgm:layoutNode>
-                            </dgm:forEach>
-                          </dgm:if>
-                          <dgm:else name="Name35"/>
-                        </dgm:choose>
-                      </dgm:forEach>
-                    </dgm:layoutNode>
-                  </dgm:layoutNode>
-                  <dgm:choose name="Name36">
-                    <dgm:if name="Name37" axis="self" ptType="node" func="revPos" op="gte" val="2">
-                      <dgm:forEach name="Name38" axis="followSib" ptType="sibTrans" cnt="1">
-                        <dgm:layoutNode name="sibSpaceThree">
-                          <dgm:alg type="sp"/>
-                          <dgm:shape xmlns:r="http://schemas.openxmlformats.org/officeDocument/2006/relationships" r:blip="">
-                            <dgm:adjLst/>
-                          </dgm:shape>
-                          <dgm:presOf/>
-                          <dgm:constrLst/>
-                          <dgm:ruleLst/>
-                        </dgm:layoutNode>
-                      </dgm:forEach>
-                    </dgm:if>
-                    <dgm:else name="Name39"/>
-                  </dgm:choose>
-                </dgm:forEach>
-              </dgm:layoutNode>
-            </dgm:layoutNode>
-            <dgm:choose name="Name40">
-              <dgm:if name="Name41" axis="self" ptType="node" func="revPos" op="gte" val="2">
-                <dgm:forEach name="Name42" axis="followSib" ptType="sibTrans" cnt="1">
-                  <dgm:layoutNode name="sibSpaceTwo">
-                    <dgm:alg type="sp"/>
-                    <dgm:shape xmlns:r="http://schemas.openxmlformats.org/officeDocument/2006/relationships" r:blip="">
-                      <dgm:adjLst/>
-                    </dgm:shape>
-                    <dgm:presOf/>
-                    <dgm:constrLst/>
-                    <dgm:ruleLst/>
-                  </dgm:layoutNode>
-                </dgm:forEach>
-              </dgm:if>
-              <dgm:else name="Name43"/>
-            </dgm:choose>
-          </dgm:forEach>
-        </dgm:layoutNode>
-      </dgm:layoutNode>
-      <dgm:choose name="Name44">
-        <dgm:if name="Name45" axis="self" ptType="node" func="revPos" op="gte" val="2">
-          <dgm:forEach name="Name46" axis="followSib" ptType="sibTrans" cnt="1">
-            <dgm:layoutNode name="sibSpaceOne">
-              <dgm:alg type="sp"/>
-              <dgm:shape xmlns:r="http://schemas.openxmlformats.org/officeDocument/2006/relationships" r:blip="">
-                <dgm:adjLst/>
-              </dgm:shape>
-              <dgm:presOf/>
-              <dgm:constrLst/>
-              <dgm:ruleLst/>
-            </dgm:layoutNode>
-          </dgm:forEach>
-        </dgm:if>
-        <dgm:else name="Name47"/>
-      </dgm:choose>
-    </dgm:forEach>
-  </dgm:layoutNode>
-</dgm:layoutDef>
-</file>
-
 <file path=ppt/diagrams/quickStyle1.xml><?xml version="1.0" encoding="utf-8"?>
 <dgm:styleDef xmlns:dgm="http://schemas.openxmlformats.org/drawingml/2006/diagram" xmlns:a="http://schemas.openxmlformats.org/drawingml/2006/main" uniqueId="urn:microsoft.com/office/officeart/2005/8/quickstyle/simple1">
   <dgm:title val=""/>
@@ -8097,1038 +5810,470 @@
 </dgm:styleDef>
 </file>
 
-<file path=ppt/diagrams/quickStyle2.xml><?xml version="1.0" encoding="utf-8"?>
-<dgm:styleDef xmlns:dgm="http://schemas.openxmlformats.org/drawingml/2006/diagram" xmlns:a="http://schemas.openxmlformats.org/drawingml/2006/main" uniqueId="urn:microsoft.com/office/officeart/2005/8/quickstyle/simple1">
-  <dgm:title val=""/>
-  <dgm:desc val=""/>
-  <dgm:catLst>
-    <dgm:cat type="simple" pri="10100"/>
-  </dgm:catLst>
-  <dgm:scene3d>
-    <a:camera prst="orthographicFront"/>
-    <a:lightRig rig="threePt" dir="t"/>
-  </dgm:scene3d>
-  <dgm:styleLbl name="node0">
-    <dgm:scene3d>
-      <a:camera prst="orthographicFront"/>
-      <a:lightRig rig="threePt" dir="t"/>
-    </dgm:scene3d>
-    <dgm:sp3d/>
-    <dgm:txPr/>
-    <dgm:style>
-      <a:lnRef idx="2">
-        <a:scrgbClr r="0" g="0" b="0"/>
-      </a:lnRef>
-      <a:fillRef idx="1">
-        <a:scrgbClr r="0" g="0" b="0"/>
-      </a:fillRef>
-      <a:effectRef idx="0">
-        <a:scrgbClr r="0" g="0" b="0"/>
-      </a:effectRef>
-      <a:fontRef idx="minor">
-        <a:schemeClr val="lt1"/>
-      </a:fontRef>
-    </dgm:style>
-  </dgm:styleLbl>
-  <dgm:styleLbl name="lnNode1">
-    <dgm:scene3d>
-      <a:camera prst="orthographicFront"/>
-      <a:lightRig rig="threePt" dir="t"/>
-    </dgm:scene3d>
-    <dgm:sp3d/>
-    <dgm:txPr/>
-    <dgm:style>
-      <a:lnRef idx="2">
-        <a:scrgbClr r="0" g="0" b="0"/>
-      </a:lnRef>
-      <a:fillRef idx="1">
-        <a:scrgbClr r="0" g="0" b="0"/>
-      </a:fillRef>
-      <a:effectRef idx="0">
-        <a:scrgbClr r="0" g="0" b="0"/>
-      </a:effectRef>
-      <a:fontRef idx="minor">
-        <a:schemeClr val="lt1"/>
-      </a:fontRef>
-    </dgm:style>
-  </dgm:styleLbl>
-  <dgm:styleLbl name="vennNode1">
-    <dgm:scene3d>
-      <a:camera prst="orthographicFront"/>
-      <a:lightRig rig="threePt" dir="t"/>
-    </dgm:scene3d>
-    <dgm:sp3d/>
-    <dgm:txPr/>
-    <dgm:style>
-      <a:lnRef idx="2">
-        <a:scrgbClr r="0" g="0" b="0"/>
-      </a:lnRef>
-      <a:fillRef idx="1">
-        <a:scrgbClr r="0" g="0" b="0"/>
-      </a:fillRef>
-      <a:effectRef idx="0">
-        <a:scrgbClr r="0" g="0" b="0"/>
-      </a:effectRef>
-      <a:fontRef idx="minor">
-        <a:schemeClr val="tx1"/>
-      </a:fontRef>
-    </dgm:style>
-  </dgm:styleLbl>
-  <dgm:styleLbl name="alignNode1">
-    <dgm:scene3d>
-      <a:camera prst="orthographicFront"/>
-      <a:lightRig rig="threePt" dir="t"/>
-    </dgm:scene3d>
-    <dgm:sp3d/>
-    <dgm:txPr/>
-    <dgm:style>
-      <a:lnRef idx="2">
-        <a:scrgbClr r="0" g="0" b="0"/>
-      </a:lnRef>
-      <a:fillRef idx="1">
-        <a:scrgbClr r="0" g="0" b="0"/>
-      </a:fillRef>
-      <a:effectRef idx="0">
-        <a:scrgbClr r="0" g="0" b="0"/>
-      </a:effectRef>
-      <a:fontRef idx="minor">
-        <a:schemeClr val="lt1"/>
-      </a:fontRef>
-    </dgm:style>
-  </dgm:styleLbl>
-  <dgm:styleLbl name="node1">
-    <dgm:scene3d>
-      <a:camera prst="orthographicFront"/>
-      <a:lightRig rig="threePt" dir="t"/>
-    </dgm:scene3d>
-    <dgm:sp3d/>
-    <dgm:txPr/>
-    <dgm:style>
-      <a:lnRef idx="2">
-        <a:scrgbClr r="0" g="0" b="0"/>
-      </a:lnRef>
-      <a:fillRef idx="1">
-        <a:scrgbClr r="0" g="0" b="0"/>
-      </a:fillRef>
-      <a:effectRef idx="0">
-        <a:scrgbClr r="0" g="0" b="0"/>
-      </a:effectRef>
-      <a:fontRef idx="minor">
-        <a:schemeClr val="lt1"/>
-      </a:fontRef>
-    </dgm:style>
-  </dgm:styleLbl>
-  <dgm:styleLbl name="node2">
-    <dgm:scene3d>
-      <a:camera prst="orthographicFront"/>
-      <a:lightRig rig="threePt" dir="t"/>
-    </dgm:scene3d>
-    <dgm:sp3d/>
-    <dgm:txPr/>
-    <dgm:style>
-      <a:lnRef idx="2">
-        <a:scrgbClr r="0" g="0" b="0"/>
-      </a:lnRef>
-      <a:fillRef idx="1">
-        <a:scrgbClr r="0" g="0" b="0"/>
-      </a:fillRef>
-      <a:effectRef idx="0">
-        <a:scrgbClr r="0" g="0" b="0"/>
-      </a:effectRef>
-      <a:fontRef idx="minor">
-        <a:schemeClr val="lt1"/>
-      </a:fontRef>
-    </dgm:style>
-  </dgm:styleLbl>
-  <dgm:styleLbl name="node3">
-    <dgm:scene3d>
-      <a:camera prst="orthographicFront"/>
-      <a:lightRig rig="threePt" dir="t"/>
-    </dgm:scene3d>
-    <dgm:sp3d/>
-    <dgm:txPr/>
-    <dgm:style>
-      <a:lnRef idx="2">
-        <a:scrgbClr r="0" g="0" b="0"/>
-      </a:lnRef>
-      <a:fillRef idx="1">
-        <a:scrgbClr r="0" g="0" b="0"/>
-      </a:fillRef>
-      <a:effectRef idx="0">
-        <a:scrgbClr r="0" g="0" b="0"/>
-      </a:effectRef>
-      <a:fontRef idx="minor">
-        <a:schemeClr val="lt1"/>
-      </a:fontRef>
-    </dgm:style>
-  </dgm:styleLbl>
-  <dgm:styleLbl name="node4">
-    <dgm:scene3d>
-      <a:camera prst="orthographicFront"/>
-      <a:lightRig rig="threePt" dir="t"/>
-    </dgm:scene3d>
-    <dgm:sp3d/>
-    <dgm:txPr/>
-    <dgm:style>
-      <a:lnRef idx="2">
-        <a:scrgbClr r="0" g="0" b="0"/>
-      </a:lnRef>
-      <a:fillRef idx="1">
-        <a:scrgbClr r="0" g="0" b="0"/>
-      </a:fillRef>
-      <a:effectRef idx="0">
-        <a:scrgbClr r="0" g="0" b="0"/>
-      </a:effectRef>
-      <a:fontRef idx="minor">
-        <a:schemeClr val="lt1"/>
-      </a:fontRef>
-    </dgm:style>
-  </dgm:styleLbl>
-  <dgm:styleLbl name="fgImgPlace1">
-    <dgm:scene3d>
-      <a:camera prst="orthographicFront"/>
-      <a:lightRig rig="threePt" dir="t"/>
-    </dgm:scene3d>
-    <dgm:sp3d/>
-    <dgm:txPr/>
-    <dgm:style>
-      <a:lnRef idx="2">
-        <a:scrgbClr r="0" g="0" b="0"/>
-      </a:lnRef>
-      <a:fillRef idx="1">
-        <a:scrgbClr r="0" g="0" b="0"/>
-      </a:fillRef>
-      <a:effectRef idx="0">
-        <a:scrgbClr r="0" g="0" b="0"/>
-      </a:effectRef>
-      <a:fontRef idx="minor"/>
-    </dgm:style>
-  </dgm:styleLbl>
-  <dgm:styleLbl name="alignImgPlace1">
-    <dgm:scene3d>
-      <a:camera prst="orthographicFront"/>
-      <a:lightRig rig="threePt" dir="t"/>
-    </dgm:scene3d>
-    <dgm:sp3d/>
-    <dgm:txPr/>
-    <dgm:style>
-      <a:lnRef idx="2">
-        <a:scrgbClr r="0" g="0" b="0"/>
-      </a:lnRef>
-      <a:fillRef idx="1">
-        <a:scrgbClr r="0" g="0" b="0"/>
-      </a:fillRef>
-      <a:effectRef idx="0">
-        <a:scrgbClr r="0" g="0" b="0"/>
-      </a:effectRef>
-      <a:fontRef idx="minor"/>
-    </dgm:style>
-  </dgm:styleLbl>
-  <dgm:styleLbl name="bgImgPlace1">
-    <dgm:scene3d>
-      <a:camera prst="orthographicFront"/>
-      <a:lightRig rig="threePt" dir="t"/>
-    </dgm:scene3d>
-    <dgm:sp3d/>
-    <dgm:txPr/>
-    <dgm:style>
-      <a:lnRef idx="2">
-        <a:scrgbClr r="0" g="0" b="0"/>
-      </a:lnRef>
-      <a:fillRef idx="1">
-        <a:scrgbClr r="0" g="0" b="0"/>
-      </a:fillRef>
-      <a:effectRef idx="0">
-        <a:scrgbClr r="0" g="0" b="0"/>
-      </a:effectRef>
-      <a:fontRef idx="minor"/>
-    </dgm:style>
-  </dgm:styleLbl>
-  <dgm:styleLbl name="sibTrans2D1">
-    <dgm:scene3d>
-      <a:camera prst="orthographicFront"/>
-      <a:lightRig rig="threePt" dir="t"/>
-    </dgm:scene3d>
-    <dgm:sp3d/>
-    <dgm:txPr/>
-    <dgm:style>
-      <a:lnRef idx="0">
-        <a:scrgbClr r="0" g="0" b="0"/>
-      </a:lnRef>
-      <a:fillRef idx="1">
-        <a:scrgbClr r="0" g="0" b="0"/>
-      </a:fillRef>
-      <a:effectRef idx="0">
-        <a:scrgbClr r="0" g="0" b="0"/>
-      </a:effectRef>
-      <a:fontRef idx="minor">
-        <a:schemeClr val="lt1"/>
-      </a:fontRef>
-    </dgm:style>
-  </dgm:styleLbl>
-  <dgm:styleLbl name="fgSibTrans2D1">
-    <dgm:scene3d>
-      <a:camera prst="orthographicFront"/>
-      <a:lightRig rig="threePt" dir="t"/>
-    </dgm:scene3d>
-    <dgm:sp3d/>
-    <dgm:txPr/>
-    <dgm:style>
-      <a:lnRef idx="0">
-        <a:scrgbClr r="0" g="0" b="0"/>
-      </a:lnRef>
-      <a:fillRef idx="1">
-        <a:scrgbClr r="0" g="0" b="0"/>
-      </a:fillRef>
-      <a:effectRef idx="0">
-        <a:scrgbClr r="0" g="0" b="0"/>
-      </a:effectRef>
-      <a:fontRef idx="minor">
-        <a:schemeClr val="lt1"/>
-      </a:fontRef>
-    </dgm:style>
-  </dgm:styleLbl>
-  <dgm:styleLbl name="bgSibTrans2D1">
-    <dgm:scene3d>
-      <a:camera prst="orthographicFront"/>
-      <a:lightRig rig="threePt" dir="t"/>
-    </dgm:scene3d>
-    <dgm:sp3d/>
-    <dgm:txPr/>
-    <dgm:style>
-      <a:lnRef idx="0">
-        <a:scrgbClr r="0" g="0" b="0"/>
-      </a:lnRef>
-      <a:fillRef idx="1">
-        <a:scrgbClr r="0" g="0" b="0"/>
-      </a:fillRef>
-      <a:effectRef idx="0">
-        <a:scrgbClr r="0" g="0" b="0"/>
-      </a:effectRef>
-      <a:fontRef idx="minor">
-        <a:schemeClr val="lt1"/>
-      </a:fontRef>
-    </dgm:style>
-  </dgm:styleLbl>
-  <dgm:styleLbl name="sibTrans1D1">
-    <dgm:scene3d>
-      <a:camera prst="orthographicFront"/>
-      <a:lightRig rig="threePt" dir="t"/>
-    </dgm:scene3d>
-    <dgm:sp3d/>
-    <dgm:txPr/>
-    <dgm:style>
-      <a:lnRef idx="1">
-        <a:scrgbClr r="0" g="0" b="0"/>
-      </a:lnRef>
-      <a:fillRef idx="0">
-        <a:scrgbClr r="0" g="0" b="0"/>
-      </a:fillRef>
-      <a:effectRef idx="0">
-        <a:scrgbClr r="0" g="0" b="0"/>
-      </a:effectRef>
-      <a:fontRef idx="minor"/>
-    </dgm:style>
-  </dgm:styleLbl>
-  <dgm:styleLbl name="callout">
-    <dgm:scene3d>
-      <a:camera prst="orthographicFront"/>
-      <a:lightRig rig="threePt" dir="t"/>
-    </dgm:scene3d>
-    <dgm:sp3d/>
-    <dgm:txPr/>
-    <dgm:style>
-      <a:lnRef idx="2">
-        <a:scrgbClr r="0" g="0" b="0"/>
-      </a:lnRef>
-      <a:fillRef idx="1">
-        <a:scrgbClr r="0" g="0" b="0"/>
-      </a:fillRef>
-      <a:effectRef idx="0">
-        <a:scrgbClr r="0" g="0" b="0"/>
-      </a:effectRef>
-      <a:fontRef idx="minor"/>
-    </dgm:style>
-  </dgm:styleLbl>
-  <dgm:styleLbl name="asst0">
-    <dgm:scene3d>
-      <a:camera prst="orthographicFront"/>
-      <a:lightRig rig="threePt" dir="t"/>
-    </dgm:scene3d>
-    <dgm:sp3d/>
-    <dgm:txPr/>
-    <dgm:style>
-      <a:lnRef idx="2">
-        <a:scrgbClr r="0" g="0" b="0"/>
-      </a:lnRef>
-      <a:fillRef idx="1">
-        <a:scrgbClr r="0" g="0" b="0"/>
-      </a:fillRef>
-      <a:effectRef idx="0">
-        <a:scrgbClr r="0" g="0" b="0"/>
-      </a:effectRef>
-      <a:fontRef idx="minor">
-        <a:schemeClr val="lt1"/>
-      </a:fontRef>
-    </dgm:style>
-  </dgm:styleLbl>
-  <dgm:styleLbl name="asst1">
-    <dgm:scene3d>
-      <a:camera prst="orthographicFront"/>
-      <a:lightRig rig="threePt" dir="t"/>
-    </dgm:scene3d>
-    <dgm:sp3d/>
-    <dgm:txPr/>
-    <dgm:style>
-      <a:lnRef idx="2">
-        <a:scrgbClr r="0" g="0" b="0"/>
-      </a:lnRef>
-      <a:fillRef idx="1">
-        <a:scrgbClr r="0" g="0" b="0"/>
-      </a:fillRef>
-      <a:effectRef idx="0">
-        <a:scrgbClr r="0" g="0" b="0"/>
-      </a:effectRef>
-      <a:fontRef idx="minor">
-        <a:schemeClr val="lt1"/>
-      </a:fontRef>
-    </dgm:style>
-  </dgm:styleLbl>
-  <dgm:styleLbl name="asst2">
-    <dgm:scene3d>
-      <a:camera prst="orthographicFront"/>
-      <a:lightRig rig="threePt" dir="t"/>
-    </dgm:scene3d>
-    <dgm:sp3d/>
-    <dgm:txPr/>
-    <dgm:style>
-      <a:lnRef idx="2">
-        <a:scrgbClr r="0" g="0" b="0"/>
-      </a:lnRef>
-      <a:fillRef idx="1">
-        <a:scrgbClr r="0" g="0" b="0"/>
-      </a:fillRef>
-      <a:effectRef idx="0">
-        <a:scrgbClr r="0" g="0" b="0"/>
-      </a:effectRef>
-      <a:fontRef idx="minor">
-        <a:schemeClr val="lt1"/>
-      </a:fontRef>
-    </dgm:style>
-  </dgm:styleLbl>
-  <dgm:styleLbl name="asst3">
-    <dgm:scene3d>
-      <a:camera prst="orthographicFront"/>
-      <a:lightRig rig="threePt" dir="t"/>
-    </dgm:scene3d>
-    <dgm:sp3d/>
-    <dgm:txPr/>
-    <dgm:style>
-      <a:lnRef idx="2">
-        <a:scrgbClr r="0" g="0" b="0"/>
-      </a:lnRef>
-      <a:fillRef idx="1">
-        <a:scrgbClr r="0" g="0" b="0"/>
-      </a:fillRef>
-      <a:effectRef idx="0">
-        <a:scrgbClr r="0" g="0" b="0"/>
-      </a:effectRef>
-      <a:fontRef idx="minor">
-        <a:schemeClr val="lt1"/>
-      </a:fontRef>
-    </dgm:style>
-  </dgm:styleLbl>
-  <dgm:styleLbl name="asst4">
-    <dgm:scene3d>
-      <a:camera prst="orthographicFront"/>
-      <a:lightRig rig="threePt" dir="t"/>
-    </dgm:scene3d>
-    <dgm:sp3d/>
-    <dgm:txPr/>
-    <dgm:style>
-      <a:lnRef idx="2">
-        <a:scrgbClr r="0" g="0" b="0"/>
-      </a:lnRef>
-      <a:fillRef idx="1">
-        <a:scrgbClr r="0" g="0" b="0"/>
-      </a:fillRef>
-      <a:effectRef idx="0">
-        <a:scrgbClr r="0" g="0" b="0"/>
-      </a:effectRef>
-      <a:fontRef idx="minor">
-        <a:schemeClr val="lt1"/>
-      </a:fontRef>
-    </dgm:style>
-  </dgm:styleLbl>
-  <dgm:styleLbl name="parChTrans2D1">
-    <dgm:scene3d>
-      <a:camera prst="orthographicFront"/>
-      <a:lightRig rig="threePt" dir="t"/>
-    </dgm:scene3d>
-    <dgm:sp3d/>
-    <dgm:txPr/>
-    <dgm:style>
-      <a:lnRef idx="2">
-        <a:scrgbClr r="0" g="0" b="0"/>
-      </a:lnRef>
-      <a:fillRef idx="1">
-        <a:scrgbClr r="0" g="0" b="0"/>
-      </a:fillRef>
-      <a:effectRef idx="0">
-        <a:scrgbClr r="0" g="0" b="0"/>
-      </a:effectRef>
-      <a:fontRef idx="minor">
-        <a:schemeClr val="lt1"/>
-      </a:fontRef>
-    </dgm:style>
-  </dgm:styleLbl>
-  <dgm:styleLbl name="parChTrans2D2">
-    <dgm:scene3d>
-      <a:camera prst="orthographicFront"/>
-      <a:lightRig rig="threePt" dir="t"/>
-    </dgm:scene3d>
-    <dgm:sp3d/>
-    <dgm:txPr/>
-    <dgm:style>
-      <a:lnRef idx="2">
-        <a:scrgbClr r="0" g="0" b="0"/>
-      </a:lnRef>
-      <a:fillRef idx="1">
-        <a:scrgbClr r="0" g="0" b="0"/>
-      </a:fillRef>
-      <a:effectRef idx="0">
-        <a:scrgbClr r="0" g="0" b="0"/>
-      </a:effectRef>
-      <a:fontRef idx="minor">
-        <a:schemeClr val="lt1"/>
-      </a:fontRef>
-    </dgm:style>
-  </dgm:styleLbl>
-  <dgm:styleLbl name="parChTrans2D3">
-    <dgm:scene3d>
-      <a:camera prst="orthographicFront"/>
-      <a:lightRig rig="threePt" dir="t"/>
-    </dgm:scene3d>
-    <dgm:sp3d/>
-    <dgm:txPr/>
-    <dgm:style>
-      <a:lnRef idx="2">
-        <a:scrgbClr r="0" g="0" b="0"/>
-      </a:lnRef>
-      <a:fillRef idx="1">
-        <a:scrgbClr r="0" g="0" b="0"/>
-      </a:fillRef>
-      <a:effectRef idx="0">
-        <a:scrgbClr r="0" g="0" b="0"/>
-      </a:effectRef>
-      <a:fontRef idx="minor">
-        <a:schemeClr val="lt1"/>
-      </a:fontRef>
-    </dgm:style>
-  </dgm:styleLbl>
-  <dgm:styleLbl name="parChTrans2D4">
-    <dgm:scene3d>
-      <a:camera prst="orthographicFront"/>
-      <a:lightRig rig="threePt" dir="t"/>
-    </dgm:scene3d>
-    <dgm:sp3d/>
-    <dgm:txPr/>
-    <dgm:style>
-      <a:lnRef idx="2">
-        <a:scrgbClr r="0" g="0" b="0"/>
-      </a:lnRef>
-      <a:fillRef idx="1">
-        <a:scrgbClr r="0" g="0" b="0"/>
-      </a:fillRef>
-      <a:effectRef idx="0">
-        <a:scrgbClr r="0" g="0" b="0"/>
-      </a:effectRef>
-      <a:fontRef idx="minor">
-        <a:schemeClr val="lt1"/>
-      </a:fontRef>
-    </dgm:style>
-  </dgm:styleLbl>
-  <dgm:styleLbl name="parChTrans1D1">
-    <dgm:scene3d>
-      <a:camera prst="orthographicFront"/>
-      <a:lightRig rig="threePt" dir="t"/>
-    </dgm:scene3d>
-    <dgm:sp3d/>
-    <dgm:txPr/>
-    <dgm:style>
-      <a:lnRef idx="2">
-        <a:scrgbClr r="0" g="0" b="0"/>
-      </a:lnRef>
-      <a:fillRef idx="0">
-        <a:scrgbClr r="0" g="0" b="0"/>
-      </a:fillRef>
-      <a:effectRef idx="0">
-        <a:scrgbClr r="0" g="0" b="0"/>
-      </a:effectRef>
-      <a:fontRef idx="minor"/>
-    </dgm:style>
-  </dgm:styleLbl>
-  <dgm:styleLbl name="parChTrans1D2">
-    <dgm:scene3d>
-      <a:camera prst="orthographicFront"/>
-      <a:lightRig rig="threePt" dir="t"/>
-    </dgm:scene3d>
-    <dgm:sp3d/>
-    <dgm:txPr/>
-    <dgm:style>
-      <a:lnRef idx="2">
-        <a:scrgbClr r="0" g="0" b="0"/>
-      </a:lnRef>
-      <a:fillRef idx="0">
-        <a:scrgbClr r="0" g="0" b="0"/>
-      </a:fillRef>
-      <a:effectRef idx="0">
-        <a:scrgbClr r="0" g="0" b="0"/>
-      </a:effectRef>
-      <a:fontRef idx="minor"/>
-    </dgm:style>
-  </dgm:styleLbl>
-  <dgm:styleLbl name="parChTrans1D3">
-    <dgm:scene3d>
-      <a:camera prst="orthographicFront"/>
-      <a:lightRig rig="threePt" dir="t"/>
-    </dgm:scene3d>
-    <dgm:sp3d/>
-    <dgm:txPr/>
-    <dgm:style>
-      <a:lnRef idx="2">
-        <a:scrgbClr r="0" g="0" b="0"/>
-      </a:lnRef>
-      <a:fillRef idx="0">
-        <a:scrgbClr r="0" g="0" b="0"/>
-      </a:fillRef>
-      <a:effectRef idx="0">
-        <a:scrgbClr r="0" g="0" b="0"/>
-      </a:effectRef>
-      <a:fontRef idx="minor"/>
-    </dgm:style>
-  </dgm:styleLbl>
-  <dgm:styleLbl name="parChTrans1D4">
-    <dgm:scene3d>
-      <a:camera prst="orthographicFront"/>
-      <a:lightRig rig="threePt" dir="t"/>
-    </dgm:scene3d>
-    <dgm:sp3d/>
-    <dgm:txPr/>
-    <dgm:style>
-      <a:lnRef idx="2">
-        <a:scrgbClr r="0" g="0" b="0"/>
-      </a:lnRef>
-      <a:fillRef idx="0">
-        <a:scrgbClr r="0" g="0" b="0"/>
-      </a:fillRef>
-      <a:effectRef idx="0">
-        <a:scrgbClr r="0" g="0" b="0"/>
-      </a:effectRef>
-      <a:fontRef idx="minor"/>
-    </dgm:style>
-  </dgm:styleLbl>
-  <dgm:styleLbl name="fgAcc1">
-    <dgm:scene3d>
-      <a:camera prst="orthographicFront"/>
-      <a:lightRig rig="threePt" dir="t"/>
-    </dgm:scene3d>
-    <dgm:sp3d/>
-    <dgm:txPr/>
-    <dgm:style>
-      <a:lnRef idx="2">
-        <a:scrgbClr r="0" g="0" b="0"/>
-      </a:lnRef>
-      <a:fillRef idx="1">
-        <a:scrgbClr r="0" g="0" b="0"/>
-      </a:fillRef>
-      <a:effectRef idx="0">
-        <a:scrgbClr r="0" g="0" b="0"/>
-      </a:effectRef>
-      <a:fontRef idx="minor"/>
-    </dgm:style>
-  </dgm:styleLbl>
-  <dgm:styleLbl name="conFgAcc1">
-    <dgm:scene3d>
-      <a:camera prst="orthographicFront"/>
-      <a:lightRig rig="threePt" dir="t"/>
-    </dgm:scene3d>
-    <dgm:sp3d/>
-    <dgm:txPr/>
-    <dgm:style>
-      <a:lnRef idx="2">
-        <a:scrgbClr r="0" g="0" b="0"/>
-      </a:lnRef>
-      <a:fillRef idx="1">
-        <a:scrgbClr r="0" g="0" b="0"/>
-      </a:fillRef>
-      <a:effectRef idx="0">
-        <a:scrgbClr r="0" g="0" b="0"/>
-      </a:effectRef>
-      <a:fontRef idx="minor"/>
-    </dgm:style>
-  </dgm:styleLbl>
-  <dgm:styleLbl name="alignAcc1">
-    <dgm:scene3d>
-      <a:camera prst="orthographicFront"/>
-      <a:lightRig rig="threePt" dir="t"/>
-    </dgm:scene3d>
-    <dgm:sp3d/>
-    <dgm:txPr/>
-    <dgm:style>
-      <a:lnRef idx="2">
-        <a:scrgbClr r="0" g="0" b="0"/>
-      </a:lnRef>
-      <a:fillRef idx="1">
-        <a:scrgbClr r="0" g="0" b="0"/>
-      </a:fillRef>
-      <a:effectRef idx="0">
-        <a:scrgbClr r="0" g="0" b="0"/>
-      </a:effectRef>
-      <a:fontRef idx="minor"/>
-    </dgm:style>
-  </dgm:styleLbl>
-  <dgm:styleLbl name="trAlignAcc1">
-    <dgm:scene3d>
-      <a:camera prst="orthographicFront"/>
-      <a:lightRig rig="threePt" dir="t"/>
-    </dgm:scene3d>
-    <dgm:sp3d/>
-    <dgm:txPr/>
-    <dgm:style>
-      <a:lnRef idx="1">
-        <a:scrgbClr r="0" g="0" b="0"/>
-      </a:lnRef>
-      <a:fillRef idx="1">
-        <a:scrgbClr r="0" g="0" b="0"/>
-      </a:fillRef>
-      <a:effectRef idx="0">
-        <a:scrgbClr r="0" g="0" b="0"/>
-      </a:effectRef>
-      <a:fontRef idx="minor"/>
-    </dgm:style>
-  </dgm:styleLbl>
-  <dgm:styleLbl name="bgAcc1">
-    <dgm:scene3d>
-      <a:camera prst="orthographicFront"/>
-      <a:lightRig rig="threePt" dir="t"/>
-    </dgm:scene3d>
-    <dgm:sp3d/>
-    <dgm:txPr/>
-    <dgm:style>
-      <a:lnRef idx="2">
-        <a:scrgbClr r="0" g="0" b="0"/>
-      </a:lnRef>
-      <a:fillRef idx="1">
-        <a:scrgbClr r="0" g="0" b="0"/>
-      </a:fillRef>
-      <a:effectRef idx="0">
-        <a:scrgbClr r="0" g="0" b="0"/>
-      </a:effectRef>
-      <a:fontRef idx="minor"/>
-    </dgm:style>
-  </dgm:styleLbl>
-  <dgm:styleLbl name="solidFgAcc1">
-    <dgm:scene3d>
-      <a:camera prst="orthographicFront"/>
-      <a:lightRig rig="threePt" dir="t"/>
-    </dgm:scene3d>
-    <dgm:sp3d/>
-    <dgm:txPr/>
-    <dgm:style>
-      <a:lnRef idx="2">
-        <a:scrgbClr r="0" g="0" b="0"/>
-      </a:lnRef>
-      <a:fillRef idx="1">
-        <a:scrgbClr r="0" g="0" b="0"/>
-      </a:fillRef>
-      <a:effectRef idx="0">
-        <a:scrgbClr r="0" g="0" b="0"/>
-      </a:effectRef>
-      <a:fontRef idx="minor"/>
-    </dgm:style>
-  </dgm:styleLbl>
-  <dgm:styleLbl name="solidAlignAcc1">
-    <dgm:scene3d>
-      <a:camera prst="orthographicFront"/>
-      <a:lightRig rig="threePt" dir="t"/>
-    </dgm:scene3d>
-    <dgm:sp3d/>
-    <dgm:txPr/>
-    <dgm:style>
-      <a:lnRef idx="2">
-        <a:scrgbClr r="0" g="0" b="0"/>
-      </a:lnRef>
-      <a:fillRef idx="1">
-        <a:scrgbClr r="0" g="0" b="0"/>
-      </a:fillRef>
-      <a:effectRef idx="0">
-        <a:scrgbClr r="0" g="0" b="0"/>
-      </a:effectRef>
-      <a:fontRef idx="minor"/>
-    </dgm:style>
-  </dgm:styleLbl>
-  <dgm:styleLbl name="solidBgAcc1">
-    <dgm:scene3d>
-      <a:camera prst="orthographicFront"/>
-      <a:lightRig rig="threePt" dir="t"/>
-    </dgm:scene3d>
-    <dgm:sp3d/>
-    <dgm:txPr/>
-    <dgm:style>
-      <a:lnRef idx="2">
-        <a:scrgbClr r="0" g="0" b="0"/>
-      </a:lnRef>
-      <a:fillRef idx="1">
-        <a:scrgbClr r="0" g="0" b="0"/>
-      </a:fillRef>
-      <a:effectRef idx="0">
-        <a:scrgbClr r="0" g="0" b="0"/>
-      </a:effectRef>
-      <a:fontRef idx="minor"/>
-    </dgm:style>
-  </dgm:styleLbl>
-  <dgm:styleLbl name="fgAccFollowNode1">
-    <dgm:scene3d>
-      <a:camera prst="orthographicFront"/>
-      <a:lightRig rig="threePt" dir="t"/>
-    </dgm:scene3d>
-    <dgm:sp3d/>
-    <dgm:txPr/>
-    <dgm:style>
-      <a:lnRef idx="2">
-        <a:scrgbClr r="0" g="0" b="0"/>
-      </a:lnRef>
-      <a:fillRef idx="1">
-        <a:scrgbClr r="0" g="0" b="0"/>
-      </a:fillRef>
-      <a:effectRef idx="0">
-        <a:scrgbClr r="0" g="0" b="0"/>
-      </a:effectRef>
-      <a:fontRef idx="minor"/>
-    </dgm:style>
-  </dgm:styleLbl>
-  <dgm:styleLbl name="alignAccFollowNode1">
-    <dgm:scene3d>
-      <a:camera prst="orthographicFront"/>
-      <a:lightRig rig="threePt" dir="t"/>
-    </dgm:scene3d>
-    <dgm:sp3d/>
-    <dgm:txPr/>
-    <dgm:style>
-      <a:lnRef idx="2">
-        <a:scrgbClr r="0" g="0" b="0"/>
-      </a:lnRef>
-      <a:fillRef idx="1">
-        <a:scrgbClr r="0" g="0" b="0"/>
-      </a:fillRef>
-      <a:effectRef idx="0">
-        <a:scrgbClr r="0" g="0" b="0"/>
-      </a:effectRef>
-      <a:fontRef idx="minor"/>
-    </dgm:style>
-  </dgm:styleLbl>
-  <dgm:styleLbl name="bgAccFollowNode1">
-    <dgm:scene3d>
-      <a:camera prst="orthographicFront"/>
-      <a:lightRig rig="threePt" dir="t"/>
-    </dgm:scene3d>
-    <dgm:sp3d/>
-    <dgm:txPr/>
-    <dgm:style>
-      <a:lnRef idx="2">
-        <a:scrgbClr r="0" g="0" b="0"/>
-      </a:lnRef>
-      <a:fillRef idx="1">
-        <a:scrgbClr r="0" g="0" b="0"/>
-      </a:fillRef>
-      <a:effectRef idx="0">
-        <a:scrgbClr r="0" g="0" b="0"/>
-      </a:effectRef>
-      <a:fontRef idx="minor"/>
-    </dgm:style>
-  </dgm:styleLbl>
-  <dgm:styleLbl name="fgAcc0">
-    <dgm:scene3d>
-      <a:camera prst="orthographicFront"/>
-      <a:lightRig rig="threePt" dir="t"/>
-    </dgm:scene3d>
-    <dgm:sp3d/>
-    <dgm:txPr/>
-    <dgm:style>
-      <a:lnRef idx="2">
-        <a:scrgbClr r="0" g="0" b="0"/>
-      </a:lnRef>
-      <a:fillRef idx="1">
-        <a:scrgbClr r="0" g="0" b="0"/>
-      </a:fillRef>
-      <a:effectRef idx="0">
-        <a:scrgbClr r="0" g="0" b="0"/>
-      </a:effectRef>
-      <a:fontRef idx="minor"/>
-    </dgm:style>
-  </dgm:styleLbl>
-  <dgm:styleLbl name="fgAcc2">
-    <dgm:scene3d>
-      <a:camera prst="orthographicFront"/>
-      <a:lightRig rig="threePt" dir="t"/>
-    </dgm:scene3d>
-    <dgm:sp3d/>
-    <dgm:txPr/>
-    <dgm:style>
-      <a:lnRef idx="2">
-        <a:scrgbClr r="0" g="0" b="0"/>
-      </a:lnRef>
-      <a:fillRef idx="1">
-        <a:scrgbClr r="0" g="0" b="0"/>
-      </a:fillRef>
-      <a:effectRef idx="0">
-        <a:scrgbClr r="0" g="0" b="0"/>
-      </a:effectRef>
-      <a:fontRef idx="minor"/>
-    </dgm:style>
-  </dgm:styleLbl>
-  <dgm:styleLbl name="fgAcc3">
-    <dgm:scene3d>
-      <a:camera prst="orthographicFront"/>
-      <a:lightRig rig="threePt" dir="t"/>
-    </dgm:scene3d>
-    <dgm:sp3d/>
-    <dgm:txPr/>
-    <dgm:style>
-      <a:lnRef idx="2">
-        <a:scrgbClr r="0" g="0" b="0"/>
-      </a:lnRef>
-      <a:fillRef idx="1">
-        <a:scrgbClr r="0" g="0" b="0"/>
-      </a:fillRef>
-      <a:effectRef idx="0">
-        <a:scrgbClr r="0" g="0" b="0"/>
-      </a:effectRef>
-      <a:fontRef idx="minor"/>
-    </dgm:style>
-  </dgm:styleLbl>
-  <dgm:styleLbl name="fgAcc4">
-    <dgm:scene3d>
-      <a:camera prst="orthographicFront"/>
-      <a:lightRig rig="threePt" dir="t"/>
-    </dgm:scene3d>
-    <dgm:sp3d/>
-    <dgm:txPr/>
-    <dgm:style>
-      <a:lnRef idx="2">
-        <a:scrgbClr r="0" g="0" b="0"/>
-      </a:lnRef>
-      <a:fillRef idx="1">
-        <a:scrgbClr r="0" g="0" b="0"/>
-      </a:fillRef>
-      <a:effectRef idx="0">
-        <a:scrgbClr r="0" g="0" b="0"/>
-      </a:effectRef>
-      <a:fontRef idx="minor"/>
-    </dgm:style>
-  </dgm:styleLbl>
-  <dgm:styleLbl name="bgShp">
-    <dgm:scene3d>
-      <a:camera prst="orthographicFront"/>
-      <a:lightRig rig="threePt" dir="t"/>
-    </dgm:scene3d>
-    <dgm:sp3d/>
-    <dgm:txPr/>
-    <dgm:style>
-      <a:lnRef idx="0">
-        <a:scrgbClr r="0" g="0" b="0"/>
-      </a:lnRef>
-      <a:fillRef idx="1">
-        <a:scrgbClr r="0" g="0" b="0"/>
-      </a:fillRef>
-      <a:effectRef idx="0">
-        <a:scrgbClr r="0" g="0" b="0"/>
-      </a:effectRef>
-      <a:fontRef idx="minor"/>
-    </dgm:style>
-  </dgm:styleLbl>
-  <dgm:styleLbl name="dkBgShp">
-    <dgm:scene3d>
-      <a:camera prst="orthographicFront"/>
-      <a:lightRig rig="threePt" dir="t"/>
-    </dgm:scene3d>
-    <dgm:sp3d/>
-    <dgm:txPr/>
-    <dgm:style>
-      <a:lnRef idx="0">
-        <a:scrgbClr r="0" g="0" b="0"/>
-      </a:lnRef>
-      <a:fillRef idx="1">
-        <a:scrgbClr r="0" g="0" b="0"/>
-      </a:fillRef>
-      <a:effectRef idx="0">
-        <a:scrgbClr r="0" g="0" b="0"/>
-      </a:effectRef>
-      <a:fontRef idx="minor"/>
-    </dgm:style>
-  </dgm:styleLbl>
-  <dgm:styleLbl name="trBgShp">
-    <dgm:scene3d>
-      <a:camera prst="orthographicFront"/>
-      <a:lightRig rig="threePt" dir="t"/>
-    </dgm:scene3d>
-    <dgm:sp3d/>
-    <dgm:txPr/>
-    <dgm:style>
-      <a:lnRef idx="0">
-        <a:scrgbClr r="0" g="0" b="0"/>
-      </a:lnRef>
-      <a:fillRef idx="1">
-        <a:scrgbClr r="0" g="0" b="0"/>
-      </a:fillRef>
-      <a:effectRef idx="0">
-        <a:scrgbClr r="0" g="0" b="0"/>
-      </a:effectRef>
-      <a:fontRef idx="minor"/>
-    </dgm:style>
-  </dgm:styleLbl>
-  <dgm:styleLbl name="fgShp">
-    <dgm:scene3d>
-      <a:camera prst="orthographicFront"/>
-      <a:lightRig rig="threePt" dir="t"/>
-    </dgm:scene3d>
-    <dgm:sp3d/>
-    <dgm:txPr/>
-    <dgm:style>
-      <a:lnRef idx="2">
-        <a:scrgbClr r="0" g="0" b="0"/>
-      </a:lnRef>
-      <a:fillRef idx="1">
-        <a:scrgbClr r="0" g="0" b="0"/>
-      </a:fillRef>
-      <a:effectRef idx="0">
-        <a:scrgbClr r="0" g="0" b="0"/>
-      </a:effectRef>
-      <a:fontRef idx="minor"/>
-    </dgm:style>
-  </dgm:styleLbl>
-  <dgm:styleLbl name="revTx">
-    <dgm:scene3d>
-      <a:camera prst="orthographicFront"/>
-      <a:lightRig rig="threePt" dir="t"/>
-    </dgm:scene3d>
-    <dgm:sp3d/>
-    <dgm:txPr/>
-    <dgm:style>
-      <a:lnRef idx="0">
-        <a:scrgbClr r="0" g="0" b="0"/>
-      </a:lnRef>
-      <a:fillRef idx="0">
-        <a:scrgbClr r="0" g="0" b="0"/>
-      </a:fillRef>
-      <a:effectRef idx="0">
-        <a:scrgbClr r="0" g="0" b="0"/>
-      </a:effectRef>
-      <a:fontRef idx="minor"/>
-    </dgm:style>
-  </dgm:styleLbl>
-</dgm:styleDef>
+<file path=ppt/notesMasters/notesMaster1.xml><?xml version="1.0" encoding="utf-8"?>
+<p:notesMaster xmlns:a="http://schemas.openxmlformats.org/drawingml/2006/main" xmlns:r="http://schemas.openxmlformats.org/officeDocument/2006/relationships" xmlns:p="http://schemas.openxmlformats.org/presentationml/2006/main">
+  <p:cSld>
+    <p:bg>
+      <p:bgRef idx="1001">
+        <a:schemeClr val="bg1"/>
+      </p:bgRef>
+    </p:bg>
+    <p:spTree>
+      <p:nvGrpSpPr>
+        <p:cNvPr id="1" name=""/>
+        <p:cNvGrpSpPr/>
+        <p:nvPr/>
+      </p:nvGrpSpPr>
+      <p:grpSpPr>
+        <a:xfrm>
+          <a:off x="0" y="0"/>
+          <a:ext cx="0" cy="0"/>
+          <a:chOff x="0" y="0"/>
+          <a:chExt cx="0" cy="0"/>
+        </a:xfrm>
+      </p:grpSpPr>
+      <p:sp>
+        <p:nvSpPr>
+          <p:cNvPr id="2" name="Header Placeholder 1"/>
+          <p:cNvSpPr>
+            <a:spLocks noGrp="1"/>
+          </p:cNvSpPr>
+          <p:nvPr>
+            <p:ph type="hdr" sz="quarter"/>
+          </p:nvPr>
+        </p:nvSpPr>
+        <p:spPr>
+          <a:xfrm>
+            <a:off x="0" y="0"/>
+            <a:ext cx="2971800" cy="458788"/>
+          </a:xfrm>
+          <a:prstGeom prst="rect">
+            <a:avLst/>
+          </a:prstGeom>
+        </p:spPr>
+        <p:txBody>
+          <a:bodyPr vert="horz" lIns="91440" tIns="45720" rIns="91440" bIns="45720" rtlCol="0"/>
+          <a:lstStyle>
+            <a:lvl1pPr algn="l">
+              <a:defRPr sz="1200"/>
+            </a:lvl1pPr>
+          </a:lstStyle>
+          <a:p>
+            <a:endParaRPr lang="en-US"/>
+          </a:p>
+        </p:txBody>
+      </p:sp>
+      <p:sp>
+        <p:nvSpPr>
+          <p:cNvPr id="3" name="Date Placeholder 2"/>
+          <p:cNvSpPr>
+            <a:spLocks noGrp="1"/>
+          </p:cNvSpPr>
+          <p:nvPr>
+            <p:ph type="dt" idx="1"/>
+          </p:nvPr>
+        </p:nvSpPr>
+        <p:spPr>
+          <a:xfrm>
+            <a:off x="3884613" y="0"/>
+            <a:ext cx="2971800" cy="458788"/>
+          </a:xfrm>
+          <a:prstGeom prst="rect">
+            <a:avLst/>
+          </a:prstGeom>
+        </p:spPr>
+        <p:txBody>
+          <a:bodyPr vert="horz" lIns="91440" tIns="45720" rIns="91440" bIns="45720" rtlCol="0"/>
+          <a:lstStyle>
+            <a:lvl1pPr algn="r">
+              <a:defRPr sz="1200"/>
+            </a:lvl1pPr>
+          </a:lstStyle>
+          <a:p>
+            <a:fld id="{C2847E39-3363-4701-A48C-E1ED25F21718}" type="datetimeFigureOut">
+              <a:rPr lang="en-US" smtClean="0"/>
+              <a:t>7/2/2017</a:t>
+            </a:fld>
+            <a:endParaRPr lang="en-US"/>
+          </a:p>
+        </p:txBody>
+      </p:sp>
+      <p:sp>
+        <p:nvSpPr>
+          <p:cNvPr id="4" name="Slide Image Placeholder 3"/>
+          <p:cNvSpPr>
+            <a:spLocks noGrp="1" noRot="1" noChangeAspect="1"/>
+          </p:cNvSpPr>
+          <p:nvPr>
+            <p:ph type="sldImg" idx="2"/>
+          </p:nvPr>
+        </p:nvSpPr>
+        <p:spPr>
+          <a:xfrm>
+            <a:off x="685800" y="1143000"/>
+            <a:ext cx="5486400" cy="3086100"/>
+          </a:xfrm>
+          <a:prstGeom prst="rect">
+            <a:avLst/>
+          </a:prstGeom>
+          <a:noFill/>
+          <a:ln w="12700">
+            <a:solidFill>
+              <a:prstClr val="black"/>
+            </a:solidFill>
+          </a:ln>
+        </p:spPr>
+        <p:txBody>
+          <a:bodyPr vert="horz" lIns="91440" tIns="45720" rIns="91440" bIns="45720" rtlCol="0" anchor="ctr"/>
+          <a:lstStyle/>
+          <a:p>
+            <a:endParaRPr lang="en-US"/>
+          </a:p>
+        </p:txBody>
+      </p:sp>
+      <p:sp>
+        <p:nvSpPr>
+          <p:cNvPr id="5" name="Notes Placeholder 4"/>
+          <p:cNvSpPr>
+            <a:spLocks noGrp="1"/>
+          </p:cNvSpPr>
+          <p:nvPr>
+            <p:ph type="body" sz="quarter" idx="3"/>
+          </p:nvPr>
+        </p:nvSpPr>
+        <p:spPr>
+          <a:xfrm>
+            <a:off x="685800" y="4400550"/>
+            <a:ext cx="5486400" cy="3600450"/>
+          </a:xfrm>
+          <a:prstGeom prst="rect">
+            <a:avLst/>
+          </a:prstGeom>
+        </p:spPr>
+        <p:txBody>
+          <a:bodyPr vert="horz" lIns="91440" tIns="45720" rIns="91440" bIns="45720" rtlCol="0"/>
+          <a:lstStyle/>
+          <a:p>
+            <a:pPr lvl="0"/>
+            <a:r>
+              <a:rPr lang="en-US"/>
+              <a:t>Edit Master text styles</a:t>
+            </a:r>
+          </a:p>
+          <a:p>
+            <a:pPr lvl="1"/>
+            <a:r>
+              <a:rPr lang="en-US"/>
+              <a:t>Second level</a:t>
+            </a:r>
+          </a:p>
+          <a:p>
+            <a:pPr lvl="2"/>
+            <a:r>
+              <a:rPr lang="en-US"/>
+              <a:t>Third level</a:t>
+            </a:r>
+          </a:p>
+          <a:p>
+            <a:pPr lvl="3"/>
+            <a:r>
+              <a:rPr lang="en-US"/>
+              <a:t>Fourth level</a:t>
+            </a:r>
+          </a:p>
+          <a:p>
+            <a:pPr lvl="4"/>
+            <a:r>
+              <a:rPr lang="en-US"/>
+              <a:t>Fifth level</a:t>
+            </a:r>
+          </a:p>
+        </p:txBody>
+      </p:sp>
+      <p:sp>
+        <p:nvSpPr>
+          <p:cNvPr id="6" name="Footer Placeholder 5"/>
+          <p:cNvSpPr>
+            <a:spLocks noGrp="1"/>
+          </p:cNvSpPr>
+          <p:nvPr>
+            <p:ph type="ftr" sz="quarter" idx="4"/>
+          </p:nvPr>
+        </p:nvSpPr>
+        <p:spPr>
+          <a:xfrm>
+            <a:off x="0" y="8685213"/>
+            <a:ext cx="2971800" cy="458787"/>
+          </a:xfrm>
+          <a:prstGeom prst="rect">
+            <a:avLst/>
+          </a:prstGeom>
+        </p:spPr>
+        <p:txBody>
+          <a:bodyPr vert="horz" lIns="91440" tIns="45720" rIns="91440" bIns="45720" rtlCol="0" anchor="b"/>
+          <a:lstStyle>
+            <a:lvl1pPr algn="l">
+              <a:defRPr sz="1200"/>
+            </a:lvl1pPr>
+          </a:lstStyle>
+          <a:p>
+            <a:endParaRPr lang="en-US"/>
+          </a:p>
+        </p:txBody>
+      </p:sp>
+      <p:sp>
+        <p:nvSpPr>
+          <p:cNvPr id="7" name="Slide Number Placeholder 6"/>
+          <p:cNvSpPr>
+            <a:spLocks noGrp="1"/>
+          </p:cNvSpPr>
+          <p:nvPr>
+            <p:ph type="sldNum" sz="quarter" idx="5"/>
+          </p:nvPr>
+        </p:nvSpPr>
+        <p:spPr>
+          <a:xfrm>
+            <a:off x="3884613" y="8685213"/>
+            <a:ext cx="2971800" cy="458787"/>
+          </a:xfrm>
+          <a:prstGeom prst="rect">
+            <a:avLst/>
+          </a:prstGeom>
+        </p:spPr>
+        <p:txBody>
+          <a:bodyPr vert="horz" lIns="91440" tIns="45720" rIns="91440" bIns="45720" rtlCol="0" anchor="b"/>
+          <a:lstStyle>
+            <a:lvl1pPr algn="r">
+              <a:defRPr sz="1200"/>
+            </a:lvl1pPr>
+          </a:lstStyle>
+          <a:p>
+            <a:fld id="{030FE3AD-C7C3-4D95-882C-36B067B4059F}" type="slidenum">
+              <a:rPr lang="en-US" smtClean="0"/>
+              <a:t>‹#›</a:t>
+            </a:fld>
+            <a:endParaRPr lang="en-US"/>
+          </a:p>
+        </p:txBody>
+      </p:sp>
+    </p:spTree>
+    <p:extLst>
+      <p:ext uri="{BB962C8B-B14F-4D97-AF65-F5344CB8AC3E}">
+        <p14:creationId xmlns:p14="http://schemas.microsoft.com/office/powerpoint/2010/main" val="3489847216"/>
+      </p:ext>
+    </p:extLst>
+  </p:cSld>
+  <p:clrMap bg1="lt1" tx1="dk1" bg2="lt2" tx2="dk2" accent1="accent1" accent2="accent2" accent3="accent3" accent4="accent4" accent5="accent5" accent6="accent6" hlink="hlink" folHlink="folHlink"/>
+  <p:notesStyle>
+    <a:lvl1pPr marL="0" algn="l" defTabSz="914400" rtl="0" eaLnBrk="1" latinLnBrk="0" hangingPunct="1">
+      <a:defRPr sz="1200" kern="1200">
+        <a:solidFill>
+          <a:schemeClr val="tx1"/>
+        </a:solidFill>
+        <a:latin typeface="+mn-lt"/>
+        <a:ea typeface="+mn-ea"/>
+        <a:cs typeface="+mn-cs"/>
+      </a:defRPr>
+    </a:lvl1pPr>
+    <a:lvl2pPr marL="457200" algn="l" defTabSz="914400" rtl="0" eaLnBrk="1" latinLnBrk="0" hangingPunct="1">
+      <a:defRPr sz="1200" kern="1200">
+        <a:solidFill>
+          <a:schemeClr val="tx1"/>
+        </a:solidFill>
+        <a:latin typeface="+mn-lt"/>
+        <a:ea typeface="+mn-ea"/>
+        <a:cs typeface="+mn-cs"/>
+      </a:defRPr>
+    </a:lvl2pPr>
+    <a:lvl3pPr marL="914400" algn="l" defTabSz="914400" rtl="0" eaLnBrk="1" latinLnBrk="0" hangingPunct="1">
+      <a:defRPr sz="1200" kern="1200">
+        <a:solidFill>
+          <a:schemeClr val="tx1"/>
+        </a:solidFill>
+        <a:latin typeface="+mn-lt"/>
+        <a:ea typeface="+mn-ea"/>
+        <a:cs typeface="+mn-cs"/>
+      </a:defRPr>
+    </a:lvl3pPr>
+    <a:lvl4pPr marL="1371600" algn="l" defTabSz="914400" rtl="0" eaLnBrk="1" latinLnBrk="0" hangingPunct="1">
+      <a:defRPr sz="1200" kern="1200">
+        <a:solidFill>
+          <a:schemeClr val="tx1"/>
+        </a:solidFill>
+        <a:latin typeface="+mn-lt"/>
+        <a:ea typeface="+mn-ea"/>
+        <a:cs typeface="+mn-cs"/>
+      </a:defRPr>
+    </a:lvl4pPr>
+    <a:lvl5pPr marL="1828800" algn="l" defTabSz="914400" rtl="0" eaLnBrk="1" latinLnBrk="0" hangingPunct="1">
+      <a:defRPr sz="1200" kern="1200">
+        <a:solidFill>
+          <a:schemeClr val="tx1"/>
+        </a:solidFill>
+        <a:latin typeface="+mn-lt"/>
+        <a:ea typeface="+mn-ea"/>
+        <a:cs typeface="+mn-cs"/>
+      </a:defRPr>
+    </a:lvl5pPr>
+    <a:lvl6pPr marL="2286000" algn="l" defTabSz="914400" rtl="0" eaLnBrk="1" latinLnBrk="0" hangingPunct="1">
+      <a:defRPr sz="1200" kern="1200">
+        <a:solidFill>
+          <a:schemeClr val="tx1"/>
+        </a:solidFill>
+        <a:latin typeface="+mn-lt"/>
+        <a:ea typeface="+mn-ea"/>
+        <a:cs typeface="+mn-cs"/>
+      </a:defRPr>
+    </a:lvl6pPr>
+    <a:lvl7pPr marL="2743200" algn="l" defTabSz="914400" rtl="0" eaLnBrk="1" latinLnBrk="0" hangingPunct="1">
+      <a:defRPr sz="1200" kern="1200">
+        <a:solidFill>
+          <a:schemeClr val="tx1"/>
+        </a:solidFill>
+        <a:latin typeface="+mn-lt"/>
+        <a:ea typeface="+mn-ea"/>
+        <a:cs typeface="+mn-cs"/>
+      </a:defRPr>
+    </a:lvl7pPr>
+    <a:lvl8pPr marL="3200400" algn="l" defTabSz="914400" rtl="0" eaLnBrk="1" latinLnBrk="0" hangingPunct="1">
+      <a:defRPr sz="1200" kern="1200">
+        <a:solidFill>
+          <a:schemeClr val="tx1"/>
+        </a:solidFill>
+        <a:latin typeface="+mn-lt"/>
+        <a:ea typeface="+mn-ea"/>
+        <a:cs typeface="+mn-cs"/>
+      </a:defRPr>
+    </a:lvl8pPr>
+    <a:lvl9pPr marL="3657600" algn="l" defTabSz="914400" rtl="0" eaLnBrk="1" latinLnBrk="0" hangingPunct="1">
+      <a:defRPr sz="1200" kern="1200">
+        <a:solidFill>
+          <a:schemeClr val="tx1"/>
+        </a:solidFill>
+        <a:latin typeface="+mn-lt"/>
+        <a:ea typeface="+mn-ea"/>
+        <a:cs typeface="+mn-cs"/>
+      </a:defRPr>
+    </a:lvl9pPr>
+  </p:notesStyle>
+</p:notesMaster>
+</file>
+
+<file path=ppt/notesSlides/notesSlide1.xml><?xml version="1.0" encoding="utf-8"?>
+<p:notes xmlns:a="http://schemas.openxmlformats.org/drawingml/2006/main" xmlns:r="http://schemas.openxmlformats.org/officeDocument/2006/relationships" xmlns:p="http://schemas.openxmlformats.org/presentationml/2006/main">
+  <p:cSld>
+    <p:spTree>
+      <p:nvGrpSpPr>
+        <p:cNvPr id="1" name=""/>
+        <p:cNvGrpSpPr/>
+        <p:nvPr/>
+      </p:nvGrpSpPr>
+      <p:grpSpPr>
+        <a:xfrm>
+          <a:off x="0" y="0"/>
+          <a:ext cx="0" cy="0"/>
+          <a:chOff x="0" y="0"/>
+          <a:chExt cx="0" cy="0"/>
+        </a:xfrm>
+      </p:grpSpPr>
+      <p:sp>
+        <p:nvSpPr>
+          <p:cNvPr id="2" name="Slide Image Placeholder 1"/>
+          <p:cNvSpPr>
+            <a:spLocks noGrp="1" noRot="1" noChangeAspect="1"/>
+          </p:cNvSpPr>
+          <p:nvPr>
+            <p:ph type="sldImg"/>
+          </p:nvPr>
+        </p:nvSpPr>
+        <p:spPr/>
+      </p:sp>
+      <p:sp>
+        <p:nvSpPr>
+          <p:cNvPr id="3" name="Notes Placeholder 2"/>
+          <p:cNvSpPr>
+            <a:spLocks noGrp="1"/>
+          </p:cNvSpPr>
+          <p:nvPr>
+            <p:ph type="body" idx="1"/>
+          </p:nvPr>
+        </p:nvSpPr>
+        <p:spPr/>
+        <p:txBody>
+          <a:bodyPr/>
+          <a:lstStyle/>
+          <a:p>
+            <a:pPr marL="171450" indent="-171450">
+              <a:buFont typeface="Arial" panose="020B0604020202020204" pitchFamily="34" charset="0"/>
+              <a:buChar char="•"/>
+            </a:pPr>
+            <a:r>
+              <a:rPr lang="en-US" dirty="0"/>
+              <a:t>Becoming a parent can be exiting and terrifying at the same time.  One of the best ways to navigate this experience is to find other new moms that you can share ideas, challenges, and allow your children to interact. </a:t>
+            </a:r>
+          </a:p>
+          <a:p>
+            <a:pPr marL="171450" marR="0" lvl="0" indent="-171450" algn="l" defTabSz="914400" rtl="0" eaLnBrk="1" fontAlgn="auto" latinLnBrk="0" hangingPunct="1">
+              <a:lnSpc>
+                <a:spcPct val="100000"/>
+              </a:lnSpc>
+              <a:spcBef>
+                <a:spcPts val="0"/>
+              </a:spcBef>
+              <a:spcAft>
+                <a:spcPts val="0"/>
+              </a:spcAft>
+              <a:buClrTx/>
+              <a:buSzTx/>
+              <a:buFont typeface="Arial" panose="020B0604020202020204" pitchFamily="34" charset="0"/>
+              <a:buChar char="•"/>
+              <a:tabLst/>
+              <a:defRPr/>
+            </a:pPr>
+            <a:r>
+              <a:rPr lang="en-US" dirty="0"/>
+              <a:t>Time is the one thing that is of short supply when you are a new parent.  This site will allow you to connect with others that are close to you so that logistics are kept simple.</a:t>
+            </a:r>
+          </a:p>
+          <a:p>
+            <a:endParaRPr lang="en-US" dirty="0"/>
+          </a:p>
+        </p:txBody>
+      </p:sp>
+      <p:sp>
+        <p:nvSpPr>
+          <p:cNvPr id="4" name="Slide Number Placeholder 3"/>
+          <p:cNvSpPr>
+            <a:spLocks noGrp="1"/>
+          </p:cNvSpPr>
+          <p:nvPr>
+            <p:ph type="sldNum" sz="quarter" idx="10"/>
+          </p:nvPr>
+        </p:nvSpPr>
+        <p:spPr/>
+        <p:txBody>
+          <a:bodyPr/>
+          <a:lstStyle/>
+          <a:p>
+            <a:fld id="{030FE3AD-C7C3-4D95-882C-36B067B4059F}" type="slidenum">
+              <a:rPr lang="en-US" smtClean="0"/>
+              <a:t>3</a:t>
+            </a:fld>
+            <a:endParaRPr lang="en-US"/>
+          </a:p>
+        </p:txBody>
+      </p:sp>
+    </p:spTree>
+    <p:extLst>
+      <p:ext uri="{BB962C8B-B14F-4D97-AF65-F5344CB8AC3E}">
+        <p14:creationId xmlns:p14="http://schemas.microsoft.com/office/powerpoint/2010/main" val="413943299"/>
+      </p:ext>
+    </p:extLst>
+  </p:cSld>
+  <p:clrMapOvr>
+    <a:masterClrMapping/>
+  </p:clrMapOvr>
+</p:notes>
 </file>
 
 <file path=ppt/slideLayouts/slideLayout1.xml><?xml version="1.0" encoding="utf-8"?>
@@ -9278,7 +6423,7 @@
           <a:p>
             <a:fld id="{58DD293B-D8D0-431A-BBD3-F7FF1DD91784}" type="datetimeFigureOut">
               <a:rPr lang="en-US" smtClean="0"/>
-              <a:t>6/24/2017</a:t>
+              <a:t>7/2/2017</a:t>
             </a:fld>
             <a:endParaRPr lang="en-US"/>
           </a:p>
@@ -9476,7 +6621,7 @@
           <a:p>
             <a:fld id="{58DD293B-D8D0-431A-BBD3-F7FF1DD91784}" type="datetimeFigureOut">
               <a:rPr lang="en-US" smtClean="0"/>
-              <a:t>6/24/2017</a:t>
+              <a:t>7/2/2017</a:t>
             </a:fld>
             <a:endParaRPr lang="en-US"/>
           </a:p>
@@ -9684,7 +6829,7 @@
           <a:p>
             <a:fld id="{58DD293B-D8D0-431A-BBD3-F7FF1DD91784}" type="datetimeFigureOut">
               <a:rPr lang="en-US" smtClean="0"/>
-              <a:t>6/24/2017</a:t>
+              <a:t>7/2/2017</a:t>
             </a:fld>
             <a:endParaRPr lang="en-US"/>
           </a:p>
@@ -9882,7 +7027,7 @@
           <a:p>
             <a:fld id="{58DD293B-D8D0-431A-BBD3-F7FF1DD91784}" type="datetimeFigureOut">
               <a:rPr lang="en-US" smtClean="0"/>
-              <a:t>6/24/2017</a:t>
+              <a:t>7/2/2017</a:t>
             </a:fld>
             <a:endParaRPr lang="en-US"/>
           </a:p>
@@ -10157,7 +7302,7 @@
           <a:p>
             <a:fld id="{58DD293B-D8D0-431A-BBD3-F7FF1DD91784}" type="datetimeFigureOut">
               <a:rPr lang="en-US" smtClean="0"/>
-              <a:t>6/24/2017</a:t>
+              <a:t>7/2/2017</a:t>
             </a:fld>
             <a:endParaRPr lang="en-US"/>
           </a:p>
@@ -10422,7 +7567,7 @@
           <a:p>
             <a:fld id="{58DD293B-D8D0-431A-BBD3-F7FF1DD91784}" type="datetimeFigureOut">
               <a:rPr lang="en-US" smtClean="0"/>
-              <a:t>6/24/2017</a:t>
+              <a:t>7/2/2017</a:t>
             </a:fld>
             <a:endParaRPr lang="en-US"/>
           </a:p>
@@ -10834,7 +7979,7 @@
           <a:p>
             <a:fld id="{58DD293B-D8D0-431A-BBD3-F7FF1DD91784}" type="datetimeFigureOut">
               <a:rPr lang="en-US" smtClean="0"/>
-              <a:t>6/24/2017</a:t>
+              <a:t>7/2/2017</a:t>
             </a:fld>
             <a:endParaRPr lang="en-US"/>
           </a:p>
@@ -10975,7 +8120,7 @@
           <a:p>
             <a:fld id="{58DD293B-D8D0-431A-BBD3-F7FF1DD91784}" type="datetimeFigureOut">
               <a:rPr lang="en-US" smtClean="0"/>
-              <a:t>6/24/2017</a:t>
+              <a:t>7/2/2017</a:t>
             </a:fld>
             <a:endParaRPr lang="en-US"/>
           </a:p>
@@ -11088,7 +8233,7 @@
           <a:p>
             <a:fld id="{58DD293B-D8D0-431A-BBD3-F7FF1DD91784}" type="datetimeFigureOut">
               <a:rPr lang="en-US" smtClean="0"/>
-              <a:t>6/24/2017</a:t>
+              <a:t>7/2/2017</a:t>
             </a:fld>
             <a:endParaRPr lang="en-US"/>
           </a:p>
@@ -11399,7 +8544,7 @@
           <a:p>
             <a:fld id="{58DD293B-D8D0-431A-BBD3-F7FF1DD91784}" type="datetimeFigureOut">
               <a:rPr lang="en-US" smtClean="0"/>
-              <a:t>6/24/2017</a:t>
+              <a:t>7/2/2017</a:t>
             </a:fld>
             <a:endParaRPr lang="en-US"/>
           </a:p>
@@ -11687,7 +8832,7 @@
           <a:p>
             <a:fld id="{58DD293B-D8D0-431A-BBD3-F7FF1DD91784}" type="datetimeFigureOut">
               <a:rPr lang="en-US" smtClean="0"/>
-              <a:t>6/24/2017</a:t>
+              <a:t>7/2/2017</a:t>
             </a:fld>
             <a:endParaRPr lang="en-US"/>
           </a:p>
@@ -11928,7 +9073,7 @@
           <a:p>
             <a:fld id="{58DD293B-D8D0-431A-BBD3-F7FF1DD91784}" type="datetimeFigureOut">
               <a:rPr lang="en-US" smtClean="0"/>
-              <a:t>6/24/2017</a:t>
+              <a:t>7/2/2017</a:t>
             </a:fld>
             <a:endParaRPr lang="en-US"/>
           </a:p>
@@ -12366,7 +9511,7 @@
           <a:bodyPr/>
           <a:lstStyle/>
           <a:p>
-            <a:endParaRPr lang="en-US"/>
+            <a:endParaRPr lang="en-US" dirty="0"/>
           </a:p>
         </p:txBody>
       </p:sp>
@@ -12430,6 +9575,109 @@
           <p:cNvPr id="2" name="Title 1">
             <a:extLst>
               <a:ext uri="{FF2B5EF4-FFF2-40B4-BE49-F238E27FC236}">
+                <a16:creationId xmlns:a16="http://schemas.microsoft.com/office/drawing/2014/main" id="{8261FB1A-C0AB-48E3-9776-78FBEBFA3279}"/>
+              </a:ext>
+            </a:extLst>
+          </p:cNvPr>
+          <p:cNvSpPr>
+            <a:spLocks noGrp="1"/>
+          </p:cNvSpPr>
+          <p:nvPr>
+            <p:ph type="title"/>
+          </p:nvPr>
+        </p:nvSpPr>
+        <p:spPr/>
+        <p:txBody>
+          <a:bodyPr/>
+          <a:lstStyle/>
+          <a:p>
+            <a:r>
+              <a:rPr lang="en-US" dirty="0"/>
+              <a:t>Team 4 Members</a:t>
+            </a:r>
+          </a:p>
+        </p:txBody>
+      </p:sp>
+      <p:sp>
+        <p:nvSpPr>
+          <p:cNvPr id="3" name="Content Placeholder 2">
+            <a:extLst>
+              <a:ext uri="{FF2B5EF4-FFF2-40B4-BE49-F238E27FC236}">
+                <a16:creationId xmlns:a16="http://schemas.microsoft.com/office/drawing/2014/main" id="{972DF7F2-6300-4BD8-95EB-692BD23F91B4}"/>
+              </a:ext>
+            </a:extLst>
+          </p:cNvPr>
+          <p:cNvSpPr>
+            <a:spLocks noGrp="1"/>
+          </p:cNvSpPr>
+          <p:nvPr>
+            <p:ph idx="1"/>
+          </p:nvPr>
+        </p:nvSpPr>
+        <p:spPr/>
+        <p:txBody>
+          <a:bodyPr/>
+          <a:lstStyle/>
+          <a:p>
+            <a:r>
+              <a:rPr lang="en-US" dirty="0"/>
+              <a:t>Morgan Chastain</a:t>
+            </a:r>
+          </a:p>
+          <a:p>
+            <a:r>
+              <a:rPr lang="en-US" dirty="0"/>
+              <a:t>Michael </a:t>
+            </a:r>
+            <a:r>
+              <a:rPr lang="en-US" dirty="0" err="1"/>
+              <a:t>Megarbane</a:t>
+            </a:r>
+            <a:endParaRPr lang="en-US" dirty="0"/>
+          </a:p>
+          <a:p>
+            <a:r>
+              <a:rPr lang="en-US" dirty="0"/>
+              <a:t>Jason Henry</a:t>
+            </a:r>
+          </a:p>
+        </p:txBody>
+      </p:sp>
+    </p:spTree>
+    <p:extLst>
+      <p:ext uri="{BB962C8B-B14F-4D97-AF65-F5344CB8AC3E}">
+        <p14:creationId xmlns:p14="http://schemas.microsoft.com/office/powerpoint/2010/main" val="554176624"/>
+      </p:ext>
+    </p:extLst>
+  </p:cSld>
+  <p:clrMapOvr>
+    <a:masterClrMapping/>
+  </p:clrMapOvr>
+</p:sld>
+</file>
+
+<file path=ppt/slides/slide3.xml><?xml version="1.0" encoding="utf-8"?>
+<p:sld xmlns:a="http://schemas.openxmlformats.org/drawingml/2006/main" xmlns:r="http://schemas.openxmlformats.org/officeDocument/2006/relationships" xmlns:p="http://schemas.openxmlformats.org/presentationml/2006/main">
+  <p:cSld>
+    <p:spTree>
+      <p:nvGrpSpPr>
+        <p:cNvPr id="1" name=""/>
+        <p:cNvGrpSpPr/>
+        <p:nvPr/>
+      </p:nvGrpSpPr>
+      <p:grpSpPr>
+        <a:xfrm>
+          <a:off x="0" y="0"/>
+          <a:ext cx="0" cy="0"/>
+          <a:chOff x="0" y="0"/>
+          <a:chExt cx="0" cy="0"/>
+        </a:xfrm>
+      </p:grpSpPr>
+      <p:sp>
+        <p:nvSpPr>
+          <p:cNvPr id="2" name="Title 1">
+            <a:extLst>
+              <a:ext uri="{FF2B5EF4-FFF2-40B4-BE49-F238E27FC236}">
                 <a16:creationId xmlns:a16="http://schemas.microsoft.com/office/drawing/2014/main" id="{9DAEA62E-0AA8-4F10-8C64-F554B39D7A84}"/>
               </a:ext>
             </a:extLst>
@@ -12448,7 +9696,7 @@
           <a:p>
             <a:r>
               <a:rPr lang="en-US" dirty="0"/>
-              <a:t>Site Idea/Purpose</a:t>
+              <a:t>Site Concept/Scope</a:t>
             </a:r>
           </a:p>
         </p:txBody>
@@ -12474,7 +9722,37 @@
           <a:bodyPr/>
           <a:lstStyle/>
           <a:p>
-            <a:endParaRPr lang="en-US"/>
+            <a:pPr marL="0" indent="0">
+              <a:buNone/>
+            </a:pPr>
+            <a:r>
+              <a:rPr lang="en-US" dirty="0"/>
+              <a:t>Concept</a:t>
+            </a:r>
+          </a:p>
+          <a:p>
+            <a:r>
+              <a:rPr lang="en-US" dirty="0"/>
+              <a:t>To address a problem many new mothers have….. finding other new moms to connect with.  </a:t>
+            </a:r>
+          </a:p>
+          <a:p>
+            <a:pPr marL="0" indent="0">
+              <a:buNone/>
+            </a:pPr>
+            <a:r>
+              <a:rPr lang="en-US" dirty="0"/>
+              <a:t>Scope</a:t>
+            </a:r>
+          </a:p>
+          <a:p>
+            <a:r>
+              <a:rPr lang="en-US" dirty="0"/>
+              <a:t>The first version of the site will be limited to the Loudoun County, VA region.</a:t>
+            </a:r>
+          </a:p>
+          <a:p>
+            <a:endParaRPr lang="en-US" dirty="0"/>
           </a:p>
         </p:txBody>
       </p:sp>
@@ -12491,7 +9769,169 @@
 </p:sld>
 </file>
 
-<file path=ppt/slides/slide3.xml><?xml version="1.0" encoding="utf-8"?>
+<file path=ppt/slides/slide4.xml><?xml version="1.0" encoding="utf-8"?>
+<p:sld xmlns:a="http://schemas.openxmlformats.org/drawingml/2006/main" xmlns:r="http://schemas.openxmlformats.org/officeDocument/2006/relationships" xmlns:p="http://schemas.openxmlformats.org/presentationml/2006/main">
+  <p:cSld>
+    <p:spTree>
+      <p:nvGrpSpPr>
+        <p:cNvPr id="1" name=""/>
+        <p:cNvGrpSpPr/>
+        <p:nvPr/>
+      </p:nvGrpSpPr>
+      <p:grpSpPr>
+        <a:xfrm>
+          <a:off x="0" y="0"/>
+          <a:ext cx="0" cy="0"/>
+          <a:chOff x="0" y="0"/>
+          <a:chExt cx="0" cy="0"/>
+        </a:xfrm>
+      </p:grpSpPr>
+      <p:sp>
+        <p:nvSpPr>
+          <p:cNvPr id="2" name="Title 1">
+            <a:extLst>
+              <a:ext uri="{FF2B5EF4-FFF2-40B4-BE49-F238E27FC236}">
+                <a16:creationId xmlns:a16="http://schemas.microsoft.com/office/drawing/2014/main" id="{64D1E44F-F2CF-4583-80B8-284F5EF4044F}"/>
+              </a:ext>
+            </a:extLst>
+          </p:cNvPr>
+          <p:cNvSpPr>
+            <a:spLocks noGrp="1"/>
+          </p:cNvSpPr>
+          <p:nvPr>
+            <p:ph type="title"/>
+          </p:nvPr>
+        </p:nvSpPr>
+        <p:spPr/>
+        <p:txBody>
+          <a:bodyPr/>
+          <a:lstStyle/>
+          <a:p>
+            <a:r>
+              <a:rPr lang="en-US" dirty="0"/>
+              <a:t>Technology Stack</a:t>
+            </a:r>
+          </a:p>
+        </p:txBody>
+      </p:sp>
+      <p:sp>
+        <p:nvSpPr>
+          <p:cNvPr id="3" name="Content Placeholder 2">
+            <a:extLst>
+              <a:ext uri="{FF2B5EF4-FFF2-40B4-BE49-F238E27FC236}">
+                <a16:creationId xmlns:a16="http://schemas.microsoft.com/office/drawing/2014/main" id="{70BD9D51-78E8-4100-A50D-2369B8F2C276}"/>
+              </a:ext>
+            </a:extLst>
+          </p:cNvPr>
+          <p:cNvSpPr>
+            <a:spLocks noGrp="1"/>
+          </p:cNvSpPr>
+          <p:nvPr>
+            <p:ph idx="1"/>
+          </p:nvPr>
+        </p:nvSpPr>
+        <p:spPr/>
+        <p:txBody>
+          <a:bodyPr>
+            <a:normAutofit fontScale="92500" lnSpcReduction="10000"/>
+          </a:bodyPr>
+          <a:lstStyle/>
+          <a:p>
+            <a:r>
+              <a:rPr lang="en-US" dirty="0"/>
+              <a:t>Html</a:t>
+            </a:r>
+          </a:p>
+          <a:p>
+            <a:r>
+              <a:rPr lang="en-US" dirty="0" err="1"/>
+              <a:t>Css</a:t>
+            </a:r>
+            <a:endParaRPr lang="en-US" dirty="0"/>
+          </a:p>
+          <a:p>
+            <a:r>
+              <a:rPr lang="en-US" dirty="0"/>
+              <a:t>Bootstrap</a:t>
+            </a:r>
+          </a:p>
+          <a:p>
+            <a:r>
+              <a:rPr lang="en-US" dirty="0" err="1"/>
+              <a:t>Javascript</a:t>
+            </a:r>
+            <a:endParaRPr lang="en-US" dirty="0"/>
+          </a:p>
+          <a:p>
+            <a:r>
+              <a:rPr lang="en-US" dirty="0" err="1"/>
+              <a:t>Jquery</a:t>
+            </a:r>
+            <a:endParaRPr lang="en-US" dirty="0"/>
+          </a:p>
+          <a:p>
+            <a:r>
+              <a:rPr lang="en-US" dirty="0"/>
+              <a:t>Google maps – Geocoding and </a:t>
+            </a:r>
+            <a:r>
+              <a:rPr lang="en-US" dirty="0" err="1"/>
+              <a:t>realtime</a:t>
+            </a:r>
+            <a:r>
+              <a:rPr lang="en-US" dirty="0"/>
+              <a:t> mapping APIs</a:t>
+            </a:r>
+          </a:p>
+          <a:p>
+            <a:r>
+              <a:rPr lang="en-US" dirty="0"/>
+              <a:t>Event site – some text about what this is</a:t>
+            </a:r>
+          </a:p>
+          <a:p>
+            <a:r>
+              <a:rPr lang="en-US" dirty="0"/>
+              <a:t>Firebase – NoSQL Database service</a:t>
+            </a:r>
+          </a:p>
+          <a:p>
+            <a:r>
+              <a:rPr lang="en-US" dirty="0"/>
+              <a:t>Collaboration</a:t>
+            </a:r>
+          </a:p>
+          <a:p>
+            <a:pPr lvl="1"/>
+            <a:r>
+              <a:rPr lang="en-US" dirty="0" err="1"/>
+              <a:t>Github</a:t>
+            </a:r>
+            <a:r>
+              <a:rPr lang="en-US" dirty="0"/>
+              <a:t> – Source code control/repo</a:t>
+            </a:r>
+          </a:p>
+          <a:p>
+            <a:pPr lvl="1"/>
+            <a:endParaRPr lang="en-US" dirty="0"/>
+          </a:p>
+        </p:txBody>
+      </p:sp>
+    </p:spTree>
+    <p:extLst>
+      <p:ext uri="{BB962C8B-B14F-4D97-AF65-F5344CB8AC3E}">
+        <p14:creationId xmlns:p14="http://schemas.microsoft.com/office/powerpoint/2010/main" val="1242047116"/>
+      </p:ext>
+    </p:extLst>
+  </p:cSld>
+  <p:clrMapOvr>
+    <a:masterClrMapping/>
+  </p:clrMapOvr>
+</p:sld>
+</file>
+
+<file path=ppt/slides/slide5.xml><?xml version="1.0" encoding="utf-8"?>
 <p:sld xmlns:a="http://schemas.openxmlformats.org/drawingml/2006/main" xmlns:r="http://schemas.openxmlformats.org/officeDocument/2006/relationships" xmlns:p="http://schemas.openxmlformats.org/presentationml/2006/main">
   <p:cSld>
     <p:spTree>
@@ -12531,7 +9971,7 @@
           <a:p>
             <a:r>
               <a:rPr lang="en-US" dirty="0"/>
-              <a:t>Features and APIs</a:t>
+              <a:t>Features</a:t>
             </a:r>
           </a:p>
         </p:txBody>
@@ -12554,10 +9994,89 @@
         </p:nvSpPr>
         <p:spPr/>
         <p:txBody>
-          <a:bodyPr/>
+          <a:bodyPr>
+            <a:normAutofit fontScale="92500" lnSpcReduction="10000"/>
+          </a:bodyPr>
           <a:lstStyle/>
           <a:p>
-            <a:endParaRPr lang="en-US"/>
+            <a:r>
+              <a:rPr lang="en-US" dirty="0"/>
+              <a:t>User Login</a:t>
+            </a:r>
+          </a:p>
+          <a:p>
+            <a:pPr lvl="1"/>
+            <a:r>
+              <a:rPr lang="en-US" dirty="0"/>
+              <a:t>Validates user information from Firebase data source</a:t>
+            </a:r>
+          </a:p>
+          <a:p>
+            <a:r>
+              <a:rPr lang="en-US" dirty="0"/>
+              <a:t>User Registration</a:t>
+            </a:r>
+          </a:p>
+          <a:p>
+            <a:pPr lvl="1"/>
+            <a:r>
+              <a:rPr lang="en-US" dirty="0"/>
+              <a:t>Validates and saves new member information to Firebase data source</a:t>
+            </a:r>
+          </a:p>
+          <a:p>
+            <a:r>
+              <a:rPr lang="en-US" dirty="0"/>
+              <a:t>View Members</a:t>
+            </a:r>
+          </a:p>
+          <a:p>
+            <a:pPr lvl="1"/>
+            <a:r>
+              <a:rPr lang="en-US" dirty="0"/>
+              <a:t>Pulls Mom’s connect members from </a:t>
+            </a:r>
+            <a:r>
+              <a:rPr lang="en-US" dirty="0" err="1"/>
+              <a:t>Fiebase</a:t>
+            </a:r>
+            <a:r>
+              <a:rPr lang="en-US" dirty="0"/>
+              <a:t> for review</a:t>
+            </a:r>
+          </a:p>
+          <a:p>
+            <a:r>
+              <a:rPr lang="en-US" dirty="0"/>
+              <a:t>Parks listing</a:t>
+            </a:r>
+          </a:p>
+          <a:p>
+            <a:pPr lvl="1"/>
+            <a:r>
+              <a:rPr lang="en-US" dirty="0"/>
+              <a:t>Pulls park information from Firebase</a:t>
+            </a:r>
+          </a:p>
+          <a:p>
+            <a:pPr lvl="1"/>
+            <a:r>
+              <a:rPr lang="en-US" dirty="0"/>
+              <a:t>Calls google maps API to show location based on geocode reference data</a:t>
+            </a:r>
+          </a:p>
+          <a:p>
+            <a:r>
+              <a:rPr lang="en-US" dirty="0"/>
+              <a:t>Local Active Groups</a:t>
+            </a:r>
+          </a:p>
+          <a:p>
+            <a:pPr lvl="1"/>
+            <a:r>
+              <a:rPr lang="en-US" dirty="0"/>
+              <a:t>Pulls local group information from API call to XXXXX</a:t>
+            </a:r>
           </a:p>
         </p:txBody>
       </p:sp>
@@ -12574,7 +10093,7 @@
 </p:sld>
 </file>
 
-<file path=ppt/slides/slide4.xml><?xml version="1.0" encoding="utf-8"?>
+<file path=ppt/slides/slide6.xml><?xml version="1.0" encoding="utf-8"?>
 <p:sld xmlns:a="http://schemas.openxmlformats.org/drawingml/2006/main" xmlns:r="http://schemas.openxmlformats.org/officeDocument/2006/relationships" xmlns:p="http://schemas.openxmlformats.org/presentationml/2006/main">
   <p:cSld>
     <p:spTree>
@@ -12654,95 +10173,6 @@
     <p:extLst>
       <p:ext uri="{BB962C8B-B14F-4D97-AF65-F5344CB8AC3E}">
         <p14:creationId xmlns:p14="http://schemas.microsoft.com/office/powerpoint/2010/main" val="314109675"/>
-      </p:ext>
-    </p:extLst>
-  </p:cSld>
-  <p:clrMapOvr>
-    <a:masterClrMapping/>
-  </p:clrMapOvr>
-</p:sld>
-</file>
-
-<file path=ppt/slides/slide5.xml><?xml version="1.0" encoding="utf-8"?>
-<p:sld xmlns:a="http://schemas.openxmlformats.org/drawingml/2006/main" xmlns:r="http://schemas.openxmlformats.org/officeDocument/2006/relationships" xmlns:p="http://schemas.openxmlformats.org/presentationml/2006/main">
-  <p:cSld>
-    <p:spTree>
-      <p:nvGrpSpPr>
-        <p:cNvPr id="1" name=""/>
-        <p:cNvGrpSpPr/>
-        <p:nvPr/>
-      </p:nvGrpSpPr>
-      <p:grpSpPr>
-        <a:xfrm>
-          <a:off x="0" y="0"/>
-          <a:ext cx="0" cy="0"/>
-          <a:chOff x="0" y="0"/>
-          <a:chExt cx="0" cy="0"/>
-        </a:xfrm>
-      </p:grpSpPr>
-      <p:sp>
-        <p:nvSpPr>
-          <p:cNvPr id="2" name="Title 1">
-            <a:extLst>
-              <a:ext uri="{FF2B5EF4-FFF2-40B4-BE49-F238E27FC236}">
-                <a16:creationId xmlns:a16="http://schemas.microsoft.com/office/drawing/2014/main" id="{64D1E44F-F2CF-4583-80B8-284F5EF4044F}"/>
-              </a:ext>
-            </a:extLst>
-          </p:cNvPr>
-          <p:cNvSpPr>
-            <a:spLocks noGrp="1"/>
-          </p:cNvSpPr>
-          <p:nvPr>
-            <p:ph type="title"/>
-          </p:nvPr>
-        </p:nvSpPr>
-        <p:spPr/>
-        <p:txBody>
-          <a:bodyPr/>
-          <a:lstStyle/>
-          <a:p>
-            <a:r>
-              <a:rPr lang="en-US" dirty="0"/>
-              <a:t>Technology Stack</a:t>
-            </a:r>
-          </a:p>
-        </p:txBody>
-      </p:sp>
-      <p:graphicFrame>
-        <p:nvGraphicFramePr>
-          <p:cNvPr id="4" name="Content Placeholder 3">
-            <a:extLst>
-              <a:ext uri="{FF2B5EF4-FFF2-40B4-BE49-F238E27FC236}">
-                <a16:creationId xmlns:a16="http://schemas.microsoft.com/office/drawing/2014/main" id="{BDB2C774-1B62-4F0B-8F2C-4491DF354858}"/>
-              </a:ext>
-            </a:extLst>
-          </p:cNvPr>
-          <p:cNvGraphicFramePr>
-            <a:graphicFrameLocks noGrp="1"/>
-          </p:cNvGraphicFramePr>
-          <p:nvPr>
-            <p:ph idx="1"/>
-            <p:extLst>
-              <p:ext uri="{D42A27DB-BD31-4B8C-83A1-F6EECF244321}">
-                <p14:modId xmlns:p14="http://schemas.microsoft.com/office/powerpoint/2010/main" val="3847911186"/>
-              </p:ext>
-            </p:extLst>
-          </p:nvPr>
-        </p:nvGraphicFramePr>
-        <p:xfrm>
-          <a:off x="838200" y="1825625"/>
-          <a:ext cx="10515600" cy="4351338"/>
-        </p:xfrm>
-        <a:graphic>
-          <a:graphicData uri="http://schemas.openxmlformats.org/drawingml/2006/diagram">
-            <dgm:relIds xmlns:dgm="http://schemas.openxmlformats.org/drawingml/2006/diagram" xmlns:r="http://schemas.openxmlformats.org/officeDocument/2006/relationships" r:dm="rId2" r:lo="rId3" r:qs="rId4" r:cs="rId5"/>
-          </a:graphicData>
-        </a:graphic>
-      </p:graphicFrame>
-    </p:spTree>
-    <p:extLst>
-      <p:ext uri="{BB962C8B-B14F-4D97-AF65-F5344CB8AC3E}">
-        <p14:creationId xmlns:p14="http://schemas.microsoft.com/office/powerpoint/2010/main" val="1242047116"/>
       </p:ext>
     </p:extLst>
   </p:cSld>
@@ -13045,4 +10475,299 @@
     </a:ext>
   </a:extLst>
 </a:theme>
+</file>
+
+<file path=ppt/theme/theme2.xml><?xml version="1.0" encoding="utf-8"?>
+<a:theme xmlns:a="http://schemas.openxmlformats.org/drawingml/2006/main" name="Office Theme">
+  <a:themeElements>
+    <a:clrScheme name="Office">
+      <a:dk1>
+        <a:sysClr val="windowText" lastClr="000000"/>
+      </a:dk1>
+      <a:lt1>
+        <a:sysClr val="window" lastClr="FFFFFF"/>
+      </a:lt1>
+      <a:dk2>
+        <a:srgbClr val="44546A"/>
+      </a:dk2>
+      <a:lt2>
+        <a:srgbClr val="E7E6E6"/>
+      </a:lt2>
+      <a:accent1>
+        <a:srgbClr val="4472C4"/>
+      </a:accent1>
+      <a:accent2>
+        <a:srgbClr val="ED7D31"/>
+      </a:accent2>
+      <a:accent3>
+        <a:srgbClr val="A5A5A5"/>
+      </a:accent3>
+      <a:accent4>
+        <a:srgbClr val="FFC000"/>
+      </a:accent4>
+      <a:accent5>
+        <a:srgbClr val="5B9BD5"/>
+      </a:accent5>
+      <a:accent6>
+        <a:srgbClr val="70AD47"/>
+      </a:accent6>
+      <a:hlink>
+        <a:srgbClr val="0563C1"/>
+      </a:hlink>
+      <a:folHlink>
+        <a:srgbClr val="954F72"/>
+      </a:folHlink>
+    </a:clrScheme>
+    <a:fontScheme name="Office">
+      <a:majorFont>
+        <a:latin typeface="Calibri Light" panose="020F0302020204030204"/>
+        <a:ea typeface=""/>
+        <a:cs typeface=""/>
+        <a:font script="Jpan" typeface="游ゴシック Light"/>
+        <a:font script="Hang" typeface="맑은 고딕"/>
+        <a:font script="Hans" typeface="等线 Light"/>
+        <a:font script="Hant" typeface="新細明體"/>
+        <a:font script="Arab" typeface="Times New Roman"/>
+        <a:font script="Hebr" typeface="Times New Roman"/>
+        <a:font script="Thai" typeface="Angsana New"/>
+        <a:font script="Ethi" typeface="Nyala"/>
+        <a:font script="Beng" typeface="Vrinda"/>
+        <a:font script="Gujr" typeface="Shruti"/>
+        <a:font script="Khmr" typeface="MoolBoran"/>
+        <a:font script="Knda" typeface="Tunga"/>
+        <a:font script="Guru" typeface="Raavi"/>
+        <a:font script="Cans" typeface="Euphemia"/>
+        <a:font script="Cher" typeface="Plantagenet Cherokee"/>
+        <a:font script="Yiii" typeface="Microsoft Yi Baiti"/>
+        <a:font script="Tibt" typeface="Microsoft Himalaya"/>
+        <a:font script="Thaa" typeface="MV Boli"/>
+        <a:font script="Deva" typeface="Mangal"/>
+        <a:font script="Telu" typeface="Gautami"/>
+        <a:font script="Taml" typeface="Latha"/>
+        <a:font script="Syrc" typeface="Estrangelo Edessa"/>
+        <a:font script="Orya" typeface="Kalinga"/>
+        <a:font script="Mlym" typeface="Kartika"/>
+        <a:font script="Laoo" typeface="DokChampa"/>
+        <a:font script="Sinh" typeface="Iskoola Pota"/>
+        <a:font script="Mong" typeface="Mongolian Baiti"/>
+        <a:font script="Viet" typeface="Times New Roman"/>
+        <a:font script="Uigh" typeface="Microsoft Uighur"/>
+        <a:font script="Geor" typeface="Sylfaen"/>
+        <a:font script="Armn" typeface="Arial"/>
+        <a:font script="Bugi" typeface="Leelawadee UI"/>
+        <a:font script="Bopo" typeface="Microsoft JhengHei"/>
+        <a:font script="Java" typeface="Javanese Text"/>
+        <a:font script="Lisu" typeface="Segoe UI"/>
+        <a:font script="Mymr" typeface="Myanmar Text"/>
+        <a:font script="Nkoo" typeface="Ebrima"/>
+        <a:font script="Olck" typeface="Nirmala UI"/>
+        <a:font script="Osma" typeface="Ebrima"/>
+        <a:font script="Phag" typeface="Phagspa"/>
+        <a:font script="Syrn" typeface="Estrangelo Edessa"/>
+        <a:font script="Syrj" typeface="Estrangelo Edessa"/>
+        <a:font script="Syre" typeface="Estrangelo Edessa"/>
+        <a:font script="Sora" typeface="Nirmala UI"/>
+        <a:font script="Tale" typeface="Microsoft Tai Le"/>
+        <a:font script="Talu" typeface="Microsoft New Tai Lue"/>
+        <a:font script="Tfng" typeface="Ebrima"/>
+      </a:majorFont>
+      <a:minorFont>
+        <a:latin typeface="Calibri" panose="020F0502020204030204"/>
+        <a:ea typeface=""/>
+        <a:cs typeface=""/>
+        <a:font script="Jpan" typeface="游ゴシック"/>
+        <a:font script="Hang" typeface="맑은 고딕"/>
+        <a:font script="Hans" typeface="等线"/>
+        <a:font script="Hant" typeface="新細明體"/>
+        <a:font script="Arab" typeface="Arial"/>
+        <a:font script="Hebr" typeface="Arial"/>
+        <a:font script="Thai" typeface="Cordia New"/>
+        <a:font script="Ethi" typeface="Nyala"/>
+        <a:font script="Beng" typeface="Vrinda"/>
+        <a:font script="Gujr" typeface="Shruti"/>
+        <a:font script="Khmr" typeface="DaunPenh"/>
+        <a:font script="Knda" typeface="Tunga"/>
+        <a:font script="Guru" typeface="Raavi"/>
+        <a:font script="Cans" typeface="Euphemia"/>
+        <a:font script="Cher" typeface="Plantagenet Cherokee"/>
+        <a:font script="Yiii" typeface="Microsoft Yi Baiti"/>
+        <a:font script="Tibt" typeface="Microsoft Himalaya"/>
+        <a:font script="Thaa" typeface="MV Boli"/>
+        <a:font script="Deva" typeface="Mangal"/>
+        <a:font script="Telu" typeface="Gautami"/>
+        <a:font script="Taml" typeface="Latha"/>
+        <a:font script="Syrc" typeface="Estrangelo Edessa"/>
+        <a:font script="Orya" typeface="Kalinga"/>
+        <a:font script="Mlym" typeface="Kartika"/>
+        <a:font script="Laoo" typeface="DokChampa"/>
+        <a:font script="Sinh" typeface="Iskoola Pota"/>
+        <a:font script="Mong" typeface="Mongolian Baiti"/>
+        <a:font script="Viet" typeface="Arial"/>
+        <a:font script="Uigh" typeface="Microsoft Uighur"/>
+        <a:font script="Geor" typeface="Sylfaen"/>
+        <a:font script="Armn" typeface="Arial"/>
+        <a:font script="Bugi" typeface="Leelawadee UI"/>
+        <a:font script="Bopo" typeface="Microsoft JhengHei"/>
+        <a:font script="Java" typeface="Javanese Text"/>
+        <a:font script="Lisu" typeface="Segoe UI"/>
+        <a:font script="Mymr" typeface="Myanmar Text"/>
+        <a:font script="Nkoo" typeface="Ebrima"/>
+        <a:font script="Olck" typeface="Nirmala UI"/>
+        <a:font script="Osma" typeface="Ebrima"/>
+        <a:font script="Phag" typeface="Phagspa"/>
+        <a:font script="Syrn" typeface="Estrangelo Edessa"/>
+        <a:font script="Syrj" typeface="Estrangelo Edessa"/>
+        <a:font script="Syre" typeface="Estrangelo Edessa"/>
+        <a:font script="Sora" typeface="Nirmala UI"/>
+        <a:font script="Tale" typeface="Microsoft Tai Le"/>
+        <a:font script="Talu" typeface="Microsoft New Tai Lue"/>
+        <a:font script="Tfng" typeface="Ebrima"/>
+      </a:minorFont>
+    </a:fontScheme>
+    <a:fmtScheme name="Office">
+      <a:fillStyleLst>
+        <a:solidFill>
+          <a:schemeClr val="phClr"/>
+        </a:solidFill>
+        <a:gradFill rotWithShape="1">
+          <a:gsLst>
+            <a:gs pos="0">
+              <a:schemeClr val="phClr">
+                <a:lumMod val="110000"/>
+                <a:satMod val="105000"/>
+                <a:tint val="67000"/>
+              </a:schemeClr>
+            </a:gs>
+            <a:gs pos="50000">
+              <a:schemeClr val="phClr">
+                <a:lumMod val="105000"/>
+                <a:satMod val="103000"/>
+                <a:tint val="73000"/>
+              </a:schemeClr>
+            </a:gs>
+            <a:gs pos="100000">
+              <a:schemeClr val="phClr">
+                <a:lumMod val="105000"/>
+                <a:satMod val="109000"/>
+                <a:tint val="81000"/>
+              </a:schemeClr>
+            </a:gs>
+          </a:gsLst>
+          <a:lin ang="5400000" scaled="0"/>
+        </a:gradFill>
+        <a:gradFill rotWithShape="1">
+          <a:gsLst>
+            <a:gs pos="0">
+              <a:schemeClr val="phClr">
+                <a:satMod val="103000"/>
+                <a:lumMod val="102000"/>
+                <a:tint val="94000"/>
+              </a:schemeClr>
+            </a:gs>
+            <a:gs pos="50000">
+              <a:schemeClr val="phClr">
+                <a:satMod val="110000"/>
+                <a:lumMod val="100000"/>
+                <a:shade val="100000"/>
+              </a:schemeClr>
+            </a:gs>
+            <a:gs pos="100000">
+              <a:schemeClr val="phClr">
+                <a:lumMod val="99000"/>
+                <a:satMod val="120000"/>
+                <a:shade val="78000"/>
+              </a:schemeClr>
+            </a:gs>
+          </a:gsLst>
+          <a:lin ang="5400000" scaled="0"/>
+        </a:gradFill>
+      </a:fillStyleLst>
+      <a:lnStyleLst>
+        <a:ln w="6350" cap="flat" cmpd="sng" algn="ctr">
+          <a:solidFill>
+            <a:schemeClr val="phClr"/>
+          </a:solidFill>
+          <a:prstDash val="solid"/>
+          <a:miter lim="800000"/>
+        </a:ln>
+        <a:ln w="12700" cap="flat" cmpd="sng" algn="ctr">
+          <a:solidFill>
+            <a:schemeClr val="phClr"/>
+          </a:solidFill>
+          <a:prstDash val="solid"/>
+          <a:miter lim="800000"/>
+        </a:ln>
+        <a:ln w="19050" cap="flat" cmpd="sng" algn="ctr">
+          <a:solidFill>
+            <a:schemeClr val="phClr"/>
+          </a:solidFill>
+          <a:prstDash val="solid"/>
+          <a:miter lim="800000"/>
+        </a:ln>
+      </a:lnStyleLst>
+      <a:effectStyleLst>
+        <a:effectStyle>
+          <a:effectLst/>
+        </a:effectStyle>
+        <a:effectStyle>
+          <a:effectLst/>
+        </a:effectStyle>
+        <a:effectStyle>
+          <a:effectLst>
+            <a:outerShdw blurRad="57150" dist="19050" dir="5400000" algn="ctr" rotWithShape="0">
+              <a:srgbClr val="000000">
+                <a:alpha val="63000"/>
+              </a:srgbClr>
+            </a:outerShdw>
+          </a:effectLst>
+        </a:effectStyle>
+      </a:effectStyleLst>
+      <a:bgFillStyleLst>
+        <a:solidFill>
+          <a:schemeClr val="phClr"/>
+        </a:solidFill>
+        <a:solidFill>
+          <a:schemeClr val="phClr">
+            <a:tint val="95000"/>
+            <a:satMod val="170000"/>
+          </a:schemeClr>
+        </a:solidFill>
+        <a:gradFill rotWithShape="1">
+          <a:gsLst>
+            <a:gs pos="0">
+              <a:schemeClr val="phClr">
+                <a:tint val="93000"/>
+                <a:satMod val="150000"/>
+                <a:shade val="98000"/>
+                <a:lumMod val="102000"/>
+              </a:schemeClr>
+            </a:gs>
+            <a:gs pos="50000">
+              <a:schemeClr val="phClr">
+                <a:tint val="98000"/>
+                <a:satMod val="130000"/>
+                <a:shade val="90000"/>
+                <a:lumMod val="103000"/>
+              </a:schemeClr>
+            </a:gs>
+            <a:gs pos="100000">
+              <a:schemeClr val="phClr">
+                <a:shade val="63000"/>
+                <a:satMod val="120000"/>
+              </a:schemeClr>
+            </a:gs>
+          </a:gsLst>
+          <a:lin ang="5400000" scaled="0"/>
+        </a:gradFill>
+      </a:bgFillStyleLst>
+    </a:fmtScheme>
+  </a:themeElements>
+  <a:objectDefaults/>
+  <a:extraClrSchemeLst/>
+  <a:extLst>
+    <a:ext uri="{05A4C25C-085E-4340-85A3-A5531E510DB2}">
+      <thm15:themeFamily xmlns:thm15="http://schemas.microsoft.com/office/thememl/2012/main" name="Office Theme" id="{62F939B6-93AF-4DB8-9C6B-D6C7DFDC589F}" vid="{4A3C46E8-61CC-4603-A589-7422A47A8E4A}"/>
+    </a:ext>
+  </a:extLst>
+</a:theme>
 </file>
--- a/Presentation1.pptx
+++ b/Presentation1.pptx
@@ -116,6 +116,9 @@
     <p:ext uri="{EFAFB233-063F-42B5-8137-9DF3F51BA10A}">
       <p15:sldGuideLst xmlns:p15="http://schemas.microsoft.com/office/powerpoint/2012/main"/>
     </p:ext>
+    <p:ext uri="{2D200454-40CA-4A62-9FC3-DE9A4176ACB9}">
+      <p15:notesGuideLst xmlns:p15="http://schemas.microsoft.com/office/powerpoint/2012/main"/>
+    </p:ext>
   </p:extLst>
 </p:presentation>
 </file>
@@ -875,7 +878,7 @@
 <dgm:dataModel xmlns:dgm="http://schemas.openxmlformats.org/drawingml/2006/diagram" xmlns:a="http://schemas.openxmlformats.org/drawingml/2006/main">
   <dgm:ptLst>
     <dgm:pt modelId="{1D935358-EA2F-4BB5-B672-F3901DA6C92F}" type="doc">
-      <dgm:prSet loTypeId="urn:microsoft.com/office/officeart/2008/layout/NameandTitleOrganizationalChart" loCatId="hierarchy" qsTypeId="urn:microsoft.com/office/officeart/2005/8/quickstyle/simple1" qsCatId="simple" csTypeId="urn:microsoft.com/office/officeart/2005/8/colors/accent1_2" csCatId="accent1" phldr="1"/>
+      <dgm:prSet loTypeId="urn:microsoft.com/office/officeart/2005/8/layout/hierarchy6" loCatId="hierarchy" qsTypeId="urn:microsoft.com/office/officeart/2005/8/quickstyle/simple1" qsCatId="simple" csTypeId="urn:microsoft.com/office/officeart/2005/8/colors/accent1_2" csCatId="accent1" phldr="1"/>
       <dgm:spPr/>
       <dgm:t>
         <a:bodyPr/>
@@ -911,178 +914,6 @@
       </dgm:t>
     </dgm:pt>
     <dgm:pt modelId="{3C4F18BB-FF2A-4D58-A1C7-ED4E3AAFC1FB}" type="sibTrans" cxnId="{E2CF52D3-1858-4FB1-A9FC-4295CC43F5C4}">
-      <dgm:prSet/>
-      <dgm:spPr/>
-      <dgm:t>
-        <a:bodyPr/>
-        <a:lstStyle/>
-        <a:p>
-          <a:endParaRPr lang="en-US"/>
-        </a:p>
-      </dgm:t>
-    </dgm:pt>
-    <dgm:pt modelId="{5BC05B46-0C29-4999-A747-2413AA95AA1E}" type="asst">
-      <dgm:prSet phldrT="[Text]"/>
-      <dgm:spPr/>
-      <dgm:t>
-        <a:bodyPr/>
-        <a:lstStyle/>
-        <a:p>
-          <a:r>
-            <a:rPr lang="en-US" dirty="0"/>
-            <a:t>Events</a:t>
-          </a:r>
-        </a:p>
-      </dgm:t>
-    </dgm:pt>
-    <dgm:pt modelId="{5C2C8788-6EDB-4B1C-8D92-0157F2241CAB}" type="parTrans" cxnId="{1B424579-96D4-4F44-A567-7797C9683C5A}">
-      <dgm:prSet/>
-      <dgm:spPr/>
-      <dgm:t>
-        <a:bodyPr/>
-        <a:lstStyle/>
-        <a:p>
-          <a:endParaRPr lang="en-US"/>
-        </a:p>
-      </dgm:t>
-    </dgm:pt>
-    <dgm:pt modelId="{6C47FC16-E08D-47D4-ACD0-95004A46C094}" type="sibTrans" cxnId="{1B424579-96D4-4F44-A567-7797C9683C5A}">
-      <dgm:prSet/>
-      <dgm:spPr/>
-      <dgm:t>
-        <a:bodyPr/>
-        <a:lstStyle/>
-        <a:p>
-          <a:endParaRPr lang="en-US"/>
-        </a:p>
-      </dgm:t>
-    </dgm:pt>
-    <dgm:pt modelId="{B3DD6697-12CA-4F69-9ECA-30450B8C8F87}">
-      <dgm:prSet phldrT="[Text]" phldr="1"/>
-      <dgm:spPr/>
-      <dgm:t>
-        <a:bodyPr/>
-        <a:lstStyle/>
-        <a:p>
-          <a:endParaRPr lang="en-US" dirty="0"/>
-        </a:p>
-      </dgm:t>
-    </dgm:pt>
-    <dgm:pt modelId="{2BACDB74-68BC-46B0-9082-4870D3EEDDF7}" type="parTrans" cxnId="{DE9C649D-09F2-4A10-82A4-7979AA366A0D}">
-      <dgm:prSet/>
-      <dgm:spPr/>
-      <dgm:t>
-        <a:bodyPr/>
-        <a:lstStyle/>
-        <a:p>
-          <a:endParaRPr lang="en-US"/>
-        </a:p>
-      </dgm:t>
-    </dgm:pt>
-    <dgm:pt modelId="{A2758F12-CFA1-4AF9-8C0F-F37075F04D02}" type="sibTrans" cxnId="{DE9C649D-09F2-4A10-82A4-7979AA366A0D}">
-      <dgm:prSet/>
-      <dgm:spPr/>
-      <dgm:t>
-        <a:bodyPr/>
-        <a:lstStyle/>
-        <a:p>
-          <a:endParaRPr lang="en-US"/>
-        </a:p>
-      </dgm:t>
-    </dgm:pt>
-    <dgm:pt modelId="{AF04E6C3-481B-4261-BA90-9DFF6F7188D3}">
-      <dgm:prSet phldrT="[Text]" phldr="1"/>
-      <dgm:spPr/>
-      <dgm:t>
-        <a:bodyPr/>
-        <a:lstStyle/>
-        <a:p>
-          <a:endParaRPr lang="en-US"/>
-        </a:p>
-      </dgm:t>
-    </dgm:pt>
-    <dgm:pt modelId="{9F9F8C06-D272-4539-AEF8-30C633A1CCDB}" type="parTrans" cxnId="{DAC0CABD-AA07-4865-B7FF-88F5F729BC02}">
-      <dgm:prSet/>
-      <dgm:spPr/>
-      <dgm:t>
-        <a:bodyPr/>
-        <a:lstStyle/>
-        <a:p>
-          <a:endParaRPr lang="en-US"/>
-        </a:p>
-      </dgm:t>
-    </dgm:pt>
-    <dgm:pt modelId="{E6019557-29F8-4A36-AAD3-06C8D7DCD97A}" type="sibTrans" cxnId="{DAC0CABD-AA07-4865-B7FF-88F5F729BC02}">
-      <dgm:prSet/>
-      <dgm:spPr/>
-      <dgm:t>
-        <a:bodyPr/>
-        <a:lstStyle/>
-        <a:p>
-          <a:endParaRPr lang="en-US"/>
-        </a:p>
-      </dgm:t>
-    </dgm:pt>
-    <dgm:pt modelId="{27F0FE99-366C-41D5-9669-5E0F5BD96B42}">
-      <dgm:prSet phldrT="[Text]" phldr="1"/>
-      <dgm:spPr/>
-      <dgm:t>
-        <a:bodyPr/>
-        <a:lstStyle/>
-        <a:p>
-          <a:endParaRPr lang="en-US"/>
-        </a:p>
-      </dgm:t>
-    </dgm:pt>
-    <dgm:pt modelId="{5F5112E3-A378-4DB5-ACBE-AAF947BD9DF1}" type="parTrans" cxnId="{69129C70-2734-44D5-9A0D-8D58255E1808}">
-      <dgm:prSet/>
-      <dgm:spPr/>
-      <dgm:t>
-        <a:bodyPr/>
-        <a:lstStyle/>
-        <a:p>
-          <a:endParaRPr lang="en-US"/>
-        </a:p>
-      </dgm:t>
-    </dgm:pt>
-    <dgm:pt modelId="{1D45301E-AFFA-41A0-A3BC-E9198A860029}" type="sibTrans" cxnId="{69129C70-2734-44D5-9A0D-8D58255E1808}">
-      <dgm:prSet/>
-      <dgm:spPr/>
-      <dgm:t>
-        <a:bodyPr/>
-        <a:lstStyle/>
-        <a:p>
-          <a:endParaRPr lang="en-US"/>
-        </a:p>
-      </dgm:t>
-    </dgm:pt>
-    <dgm:pt modelId="{3786B665-C0D1-4818-A187-73C0466DDAF0}" type="asst">
-      <dgm:prSet phldrT="[Text]"/>
-      <dgm:spPr/>
-      <dgm:t>
-        <a:bodyPr/>
-        <a:lstStyle/>
-        <a:p>
-          <a:r>
-            <a:rPr lang="en-US" dirty="0" err="1"/>
-            <a:t>MeetUps</a:t>
-          </a:r>
-          <a:endParaRPr lang="en-US" dirty="0"/>
-        </a:p>
-      </dgm:t>
-    </dgm:pt>
-    <dgm:pt modelId="{FFDC85F9-33F6-41B1-9FAE-563F101C4C0A}" type="parTrans" cxnId="{20DB19CE-44FE-43C2-87E5-E2A1BA849874}">
-      <dgm:prSet/>
-      <dgm:spPr/>
-      <dgm:t>
-        <a:bodyPr/>
-        <a:lstStyle/>
-        <a:p>
-          <a:endParaRPr lang="en-US"/>
-        </a:p>
-      </dgm:t>
-    </dgm:pt>
-    <dgm:pt modelId="{2B2FD583-5434-4E03-8D3C-74676C96DC8E}" type="sibTrans" cxnId="{20DB19CE-44FE-43C2-87E5-E2A1BA849874}">
       <dgm:prSet/>
       <dgm:spPr/>
       <dgm:t>
@@ -1129,42 +960,6 @@
         </a:p>
       </dgm:t>
     </dgm:pt>
-    <dgm:pt modelId="{D0B9E4B9-24FD-4BF3-A877-34012B7178F9}" type="asst">
-      <dgm:prSet phldrT="[Text]"/>
-      <dgm:spPr/>
-      <dgm:t>
-        <a:bodyPr/>
-        <a:lstStyle/>
-        <a:p>
-          <a:r>
-            <a:rPr lang="en-US" dirty="0"/>
-            <a:t>Playground Locations</a:t>
-          </a:r>
-        </a:p>
-      </dgm:t>
-    </dgm:pt>
-    <dgm:pt modelId="{4D8DFFA5-D8F1-4364-85A5-855E10B65E61}" type="parTrans" cxnId="{C4CA0DDB-AC9D-40A2-9630-0D0047754310}">
-      <dgm:prSet/>
-      <dgm:spPr/>
-      <dgm:t>
-        <a:bodyPr/>
-        <a:lstStyle/>
-        <a:p>
-          <a:endParaRPr lang="en-US"/>
-        </a:p>
-      </dgm:t>
-    </dgm:pt>
-    <dgm:pt modelId="{94076EB5-61DF-418D-98B4-8247E5F4A0C2}" type="sibTrans" cxnId="{C4CA0DDB-AC9D-40A2-9630-0D0047754310}">
-      <dgm:prSet/>
-      <dgm:spPr/>
-      <dgm:t>
-        <a:bodyPr/>
-        <a:lstStyle/>
-        <a:p>
-          <a:endParaRPr lang="en-US"/>
-        </a:p>
-      </dgm:t>
-    </dgm:pt>
     <dgm:pt modelId="{BE0CB87B-5EA2-4B65-978F-1F3F2606237B}" type="asst">
       <dgm:prSet phldrT="[Text]"/>
       <dgm:spPr/>
@@ -1174,7 +969,7 @@
         <a:p>
           <a:r>
             <a:rPr lang="en-US" dirty="0"/>
-            <a:t>Member Search</a:t>
+            <a:t>Resources</a:t>
           </a:r>
         </a:p>
       </dgm:t>
@@ -1201,542 +996,476 @@
         </a:p>
       </dgm:t>
     </dgm:pt>
-    <dgm:pt modelId="{CA7EC028-924C-4884-A5D8-BC856AC98A33}" type="pres">
-      <dgm:prSet presAssocID="{1D935358-EA2F-4BB5-B672-F3901DA6C92F}" presName="hierChild1" presStyleCnt="0">
+    <dgm:pt modelId="{C24A352F-8489-45E0-9455-7579655FBFBF}">
+      <dgm:prSet/>
+      <dgm:spPr/>
+      <dgm:t>
+        <a:bodyPr/>
+        <a:lstStyle/>
+        <a:p>
+          <a:r>
+            <a:rPr lang="en-US" dirty="0"/>
+            <a:t>View Members</a:t>
+          </a:r>
+        </a:p>
+      </dgm:t>
+    </dgm:pt>
+    <dgm:pt modelId="{3264C905-E5C1-4A9B-9D01-0D70265F6246}" type="parTrans" cxnId="{C2A042B5-EB4B-494A-AD77-F52FA24AF0FC}">
+      <dgm:prSet/>
+      <dgm:spPr/>
+      <dgm:t>
+        <a:bodyPr/>
+        <a:lstStyle/>
+        <a:p>
+          <a:endParaRPr lang="en-US"/>
+        </a:p>
+      </dgm:t>
+    </dgm:pt>
+    <dgm:pt modelId="{DC42C2FF-5A95-42E0-A5E3-4662119E05EF}" type="sibTrans" cxnId="{C2A042B5-EB4B-494A-AD77-F52FA24AF0FC}">
+      <dgm:prSet/>
+      <dgm:spPr/>
+      <dgm:t>
+        <a:bodyPr/>
+        <a:lstStyle/>
+        <a:p>
+          <a:endParaRPr lang="en-US"/>
+        </a:p>
+      </dgm:t>
+    </dgm:pt>
+    <dgm:pt modelId="{AA86BBFB-9BC5-43B5-A534-F28A38AF2423}">
+      <dgm:prSet/>
+      <dgm:spPr/>
+      <dgm:t>
+        <a:bodyPr/>
+        <a:lstStyle/>
+        <a:p>
+          <a:r>
+            <a:rPr lang="en-US" dirty="0"/>
+            <a:t>Local Groups</a:t>
+          </a:r>
+        </a:p>
+      </dgm:t>
+    </dgm:pt>
+    <dgm:pt modelId="{F3D51A4D-6FB5-4504-BFD6-59296C2B7E6D}" type="parTrans" cxnId="{BC493340-6864-411D-8227-C190776E3E9F}">
+      <dgm:prSet/>
+      <dgm:spPr/>
+      <dgm:t>
+        <a:bodyPr/>
+        <a:lstStyle/>
+        <a:p>
+          <a:endParaRPr lang="en-US"/>
+        </a:p>
+      </dgm:t>
+    </dgm:pt>
+    <dgm:pt modelId="{53C3E8FB-F970-4853-8D1A-CDC8D0C5BE7C}" type="sibTrans" cxnId="{BC493340-6864-411D-8227-C190776E3E9F}">
+      <dgm:prSet/>
+      <dgm:spPr/>
+      <dgm:t>
+        <a:bodyPr/>
+        <a:lstStyle/>
+        <a:p>
+          <a:endParaRPr lang="en-US"/>
+        </a:p>
+      </dgm:t>
+    </dgm:pt>
+    <dgm:pt modelId="{FA316560-31BF-4DED-9BC6-EFCB1644CA41}">
+      <dgm:prSet/>
+      <dgm:spPr/>
+      <dgm:t>
+        <a:bodyPr/>
+        <a:lstStyle/>
+        <a:p>
+          <a:r>
+            <a:rPr lang="en-US" dirty="0"/>
+            <a:t>Top Rated Parks</a:t>
+          </a:r>
+        </a:p>
+      </dgm:t>
+    </dgm:pt>
+    <dgm:pt modelId="{BDE52E20-D3F8-4295-96AD-8A7DBDD6926D}" type="parTrans" cxnId="{C36479B7-EB3A-419D-846C-237C675D4630}">
+      <dgm:prSet/>
+      <dgm:spPr/>
+      <dgm:t>
+        <a:bodyPr/>
+        <a:lstStyle/>
+        <a:p>
+          <a:endParaRPr lang="en-US"/>
+        </a:p>
+      </dgm:t>
+    </dgm:pt>
+    <dgm:pt modelId="{B8A35A65-E544-4543-AEE7-183B806A4EA2}" type="sibTrans" cxnId="{C36479B7-EB3A-419D-846C-237C675D4630}">
+      <dgm:prSet/>
+      <dgm:spPr/>
+      <dgm:t>
+        <a:bodyPr/>
+        <a:lstStyle/>
+        <a:p>
+          <a:endParaRPr lang="en-US"/>
+        </a:p>
+      </dgm:t>
+    </dgm:pt>
+    <dgm:pt modelId="{7B45A5DC-3748-4AC5-9C5B-1DB8428C64B3}">
+      <dgm:prSet/>
+      <dgm:spPr/>
+      <dgm:t>
+        <a:bodyPr/>
+        <a:lstStyle/>
+        <a:p>
+          <a:endParaRPr lang="en-US"/>
+        </a:p>
+      </dgm:t>
+    </dgm:pt>
+    <dgm:pt modelId="{ECFBC88A-F10A-42F7-B7F4-E22ED5B24379}" type="parTrans" cxnId="{EC09A6EF-E873-4EF8-A521-0C24448B36C0}">
+      <dgm:prSet/>
+      <dgm:spPr/>
+      <dgm:t>
+        <a:bodyPr/>
+        <a:lstStyle/>
+        <a:p>
+          <a:endParaRPr lang="en-US"/>
+        </a:p>
+      </dgm:t>
+    </dgm:pt>
+    <dgm:pt modelId="{F93320EE-1089-4A34-9E10-249E7BE134E8}" type="sibTrans" cxnId="{EC09A6EF-E873-4EF8-A521-0C24448B36C0}">
+      <dgm:prSet/>
+      <dgm:spPr/>
+      <dgm:t>
+        <a:bodyPr/>
+        <a:lstStyle/>
+        <a:p>
+          <a:endParaRPr lang="en-US"/>
+        </a:p>
+      </dgm:t>
+    </dgm:pt>
+    <dgm:pt modelId="{9F7517E5-072C-41BC-8A7B-78B40CCFE20F}">
+      <dgm:prSet/>
+      <dgm:spPr/>
+      <dgm:t>
+        <a:bodyPr/>
+        <a:lstStyle/>
+        <a:p>
+          <a:endParaRPr lang="en-US"/>
+        </a:p>
+      </dgm:t>
+    </dgm:pt>
+    <dgm:pt modelId="{7E7E0A64-7EE5-4848-B079-72A7FFF4676A}" type="parTrans" cxnId="{CF738F4C-9D59-4FBB-8EF3-CAE92D5C1349}">
+      <dgm:prSet/>
+      <dgm:spPr/>
+      <dgm:t>
+        <a:bodyPr/>
+        <a:lstStyle/>
+        <a:p>
+          <a:endParaRPr lang="en-US"/>
+        </a:p>
+      </dgm:t>
+    </dgm:pt>
+    <dgm:pt modelId="{C6D449B0-2239-4A8F-9C56-A23B1C1DEDB9}" type="sibTrans" cxnId="{CF738F4C-9D59-4FBB-8EF3-CAE92D5C1349}">
+      <dgm:prSet/>
+      <dgm:spPr/>
+      <dgm:t>
+        <a:bodyPr/>
+        <a:lstStyle/>
+        <a:p>
+          <a:endParaRPr lang="en-US"/>
+        </a:p>
+      </dgm:t>
+    </dgm:pt>
+    <dgm:pt modelId="{03072DBA-B260-46EF-B2F9-80BEEF029960}">
+      <dgm:prSet/>
+      <dgm:spPr/>
+      <dgm:t>
+        <a:bodyPr/>
+        <a:lstStyle/>
+        <a:p>
+          <a:endParaRPr lang="en-US"/>
+        </a:p>
+      </dgm:t>
+    </dgm:pt>
+    <dgm:pt modelId="{07BDC7C2-376D-4007-A4FD-90ECE6003A94}" type="parTrans" cxnId="{B432405B-C9B2-417F-9D05-8994D3A37275}">
+      <dgm:prSet/>
+      <dgm:spPr/>
+      <dgm:t>
+        <a:bodyPr/>
+        <a:lstStyle/>
+        <a:p>
+          <a:endParaRPr lang="en-US"/>
+        </a:p>
+      </dgm:t>
+    </dgm:pt>
+    <dgm:pt modelId="{99FE2F72-32AB-4121-91AD-4A924373C561}" type="sibTrans" cxnId="{B432405B-C9B2-417F-9D05-8994D3A37275}">
+      <dgm:prSet/>
+      <dgm:spPr/>
+      <dgm:t>
+        <a:bodyPr/>
+        <a:lstStyle/>
+        <a:p>
+          <a:endParaRPr lang="en-US"/>
+        </a:p>
+      </dgm:t>
+    </dgm:pt>
+    <dgm:pt modelId="{5B3FA25E-7636-40FF-8B40-FDD6A271C5F6}" type="pres">
+      <dgm:prSet presAssocID="{1D935358-EA2F-4BB5-B672-F3901DA6C92F}" presName="mainComposite" presStyleCnt="0">
         <dgm:presLayoutVars>
-          <dgm:orgChart val="1"/>
           <dgm:chPref val="1"/>
           <dgm:dir/>
           <dgm:animOne val="branch"/>
           <dgm:animLvl val="lvl"/>
-          <dgm:resizeHandles/>
+          <dgm:resizeHandles val="exact"/>
         </dgm:presLayoutVars>
       </dgm:prSet>
       <dgm:spPr/>
     </dgm:pt>
-    <dgm:pt modelId="{FBBE2CC4-173D-4362-ADD9-519407899388}" type="pres">
-      <dgm:prSet presAssocID="{6DCAEAD0-0997-4792-B08F-5B64CFA15D64}" presName="hierRoot1" presStyleCnt="0">
+    <dgm:pt modelId="{D3522506-AA8F-46C8-AAD6-D95C2E038575}" type="pres">
+      <dgm:prSet presAssocID="{1D935358-EA2F-4BB5-B672-F3901DA6C92F}" presName="hierFlow" presStyleCnt="0"/>
+      <dgm:spPr/>
+    </dgm:pt>
+    <dgm:pt modelId="{6A4B2638-C3F9-4E7B-8330-F595B38A8AEE}" type="pres">
+      <dgm:prSet presAssocID="{1D935358-EA2F-4BB5-B672-F3901DA6C92F}" presName="firstBuf" presStyleCnt="0"/>
+      <dgm:spPr/>
+    </dgm:pt>
+    <dgm:pt modelId="{9B8B4DBD-B8EE-41EC-ACE5-20B9A0EB70A6}" type="pres">
+      <dgm:prSet presAssocID="{1D935358-EA2F-4BB5-B672-F3901DA6C92F}" presName="hierChild1" presStyleCnt="0">
         <dgm:presLayoutVars>
-          <dgm:hierBranch val="init"/>
+          <dgm:chPref val="1"/>
+          <dgm:animOne val="branch"/>
+          <dgm:animLvl val="lvl"/>
         </dgm:presLayoutVars>
       </dgm:prSet>
       <dgm:spPr/>
     </dgm:pt>
-    <dgm:pt modelId="{A9C13C0C-DF1F-4D90-B820-AE0E39B5BBAF}" type="pres">
-      <dgm:prSet presAssocID="{6DCAEAD0-0997-4792-B08F-5B64CFA15D64}" presName="rootComposite1" presStyleCnt="0"/>
+    <dgm:pt modelId="{C483D252-9426-43E0-8FAB-6712C5B52991}" type="pres">
+      <dgm:prSet presAssocID="{6DCAEAD0-0997-4792-B08F-5B64CFA15D64}" presName="Name14" presStyleCnt="0"/>
       <dgm:spPr/>
     </dgm:pt>
-    <dgm:pt modelId="{0E2F0851-4C4D-4530-93D1-F0F47B358084}" type="pres">
-      <dgm:prSet presAssocID="{6DCAEAD0-0997-4792-B08F-5B64CFA15D64}" presName="rootText1" presStyleLbl="node0" presStyleIdx="0" presStyleCnt="1">
-        <dgm:presLayoutVars>
-          <dgm:chMax/>
-          <dgm:chPref val="3"/>
-        </dgm:presLayoutVars>
-      </dgm:prSet>
-      <dgm:spPr/>
-    </dgm:pt>
-    <dgm:pt modelId="{45F2E63E-3EB4-4AA6-9262-2D4E07AB612D}" type="pres">
-      <dgm:prSet presAssocID="{6DCAEAD0-0997-4792-B08F-5B64CFA15D64}" presName="titleText1" presStyleLbl="fgAcc0" presStyleIdx="0" presStyleCnt="1">
-        <dgm:presLayoutVars>
-          <dgm:chMax val="0"/>
-          <dgm:chPref val="0"/>
-        </dgm:presLayoutVars>
-      </dgm:prSet>
-      <dgm:spPr/>
-    </dgm:pt>
-    <dgm:pt modelId="{D6F87856-DB89-4B07-8E36-FBCCD2682A58}" type="pres">
-      <dgm:prSet presAssocID="{6DCAEAD0-0997-4792-B08F-5B64CFA15D64}" presName="rootConnector1" presStyleLbl="node1" presStyleIdx="0" presStyleCnt="3"/>
-      <dgm:spPr/>
-    </dgm:pt>
-    <dgm:pt modelId="{7CE13014-780E-4A2A-9056-F7B514DFFC56}" type="pres">
-      <dgm:prSet presAssocID="{6DCAEAD0-0997-4792-B08F-5B64CFA15D64}" presName="hierChild2" presStyleCnt="0"/>
-      <dgm:spPr/>
-    </dgm:pt>
-    <dgm:pt modelId="{E1454AD8-92A9-4D75-B1F9-D25FFF23CF55}" type="pres">
-      <dgm:prSet presAssocID="{2BACDB74-68BC-46B0-9082-4870D3EEDDF7}" presName="Name37" presStyleLbl="parChTrans1D2" presStyleIdx="0" presStyleCnt="8"/>
-      <dgm:spPr/>
-    </dgm:pt>
-    <dgm:pt modelId="{6CAE6F28-8153-4065-A7CE-2F677AF38552}" type="pres">
-      <dgm:prSet presAssocID="{B3DD6697-12CA-4F69-9ECA-30450B8C8F87}" presName="hierRoot2" presStyleCnt="0">
-        <dgm:presLayoutVars>
-          <dgm:hierBranch val="init"/>
-        </dgm:presLayoutVars>
-      </dgm:prSet>
-      <dgm:spPr/>
-    </dgm:pt>
-    <dgm:pt modelId="{D3C2FAA7-65F1-4FA2-A30E-716E46016A59}" type="pres">
-      <dgm:prSet presAssocID="{B3DD6697-12CA-4F69-9ECA-30450B8C8F87}" presName="rootComposite" presStyleCnt="0"/>
-      <dgm:spPr/>
-    </dgm:pt>
-    <dgm:pt modelId="{CA178424-5890-4242-A103-23C325743DDD}" type="pres">
-      <dgm:prSet presAssocID="{B3DD6697-12CA-4F69-9ECA-30450B8C8F87}" presName="rootText" presStyleLbl="node1" presStyleIdx="0" presStyleCnt="3">
-        <dgm:presLayoutVars>
-          <dgm:chMax/>
-          <dgm:chPref val="3"/>
-        </dgm:presLayoutVars>
-      </dgm:prSet>
-      <dgm:spPr/>
-    </dgm:pt>
-    <dgm:pt modelId="{D1C69FA8-DF74-4F4B-9D7C-F958FB699CDF}" type="pres">
-      <dgm:prSet presAssocID="{B3DD6697-12CA-4F69-9ECA-30450B8C8F87}" presName="titleText2" presStyleLbl="fgAcc1" presStyleIdx="0" presStyleCnt="3">
-        <dgm:presLayoutVars>
-          <dgm:chMax val="0"/>
-          <dgm:chPref val="0"/>
-        </dgm:presLayoutVars>
-      </dgm:prSet>
-      <dgm:spPr/>
-    </dgm:pt>
-    <dgm:pt modelId="{FF2D7759-F361-4E1C-8453-7D5907060ADA}" type="pres">
-      <dgm:prSet presAssocID="{B3DD6697-12CA-4F69-9ECA-30450B8C8F87}" presName="rootConnector" presStyleLbl="node2" presStyleIdx="0" presStyleCnt="0"/>
-      <dgm:spPr/>
-    </dgm:pt>
-    <dgm:pt modelId="{3F72EC58-F818-4246-B4EE-FD4563900503}" type="pres">
-      <dgm:prSet presAssocID="{B3DD6697-12CA-4F69-9ECA-30450B8C8F87}" presName="hierChild4" presStyleCnt="0"/>
-      <dgm:spPr/>
-    </dgm:pt>
-    <dgm:pt modelId="{4F689891-3550-4C0A-9944-9B6ADA6AA53C}" type="pres">
-      <dgm:prSet presAssocID="{B3DD6697-12CA-4F69-9ECA-30450B8C8F87}" presName="hierChild5" presStyleCnt="0"/>
-      <dgm:spPr/>
-    </dgm:pt>
-    <dgm:pt modelId="{B9DF72DF-4A7C-4757-B5C6-CE8BD368E8DF}" type="pres">
-      <dgm:prSet presAssocID="{9F9F8C06-D272-4539-AEF8-30C633A1CCDB}" presName="Name37" presStyleLbl="parChTrans1D2" presStyleIdx="1" presStyleCnt="8"/>
-      <dgm:spPr/>
-    </dgm:pt>
-    <dgm:pt modelId="{18FB92B0-452E-4988-BA72-08CF5F3624A0}" type="pres">
-      <dgm:prSet presAssocID="{AF04E6C3-481B-4261-BA90-9DFF6F7188D3}" presName="hierRoot2" presStyleCnt="0">
-        <dgm:presLayoutVars>
-          <dgm:hierBranch val="init"/>
-        </dgm:presLayoutVars>
-      </dgm:prSet>
-      <dgm:spPr/>
-    </dgm:pt>
-    <dgm:pt modelId="{0253AC07-40F4-4826-A0CF-B39563808A93}" type="pres">
-      <dgm:prSet presAssocID="{AF04E6C3-481B-4261-BA90-9DFF6F7188D3}" presName="rootComposite" presStyleCnt="0"/>
-      <dgm:spPr/>
-    </dgm:pt>
-    <dgm:pt modelId="{4CB25805-913C-467F-83C6-B08F3AFCFA0F}" type="pres">
-      <dgm:prSet presAssocID="{AF04E6C3-481B-4261-BA90-9DFF6F7188D3}" presName="rootText" presStyleLbl="node1" presStyleIdx="1" presStyleCnt="3">
-        <dgm:presLayoutVars>
-          <dgm:chMax/>
-          <dgm:chPref val="3"/>
-        </dgm:presLayoutVars>
-      </dgm:prSet>
-      <dgm:spPr/>
-    </dgm:pt>
-    <dgm:pt modelId="{261948D4-2FA7-4063-B7A1-EDC8AF65CE54}" type="pres">
-      <dgm:prSet presAssocID="{AF04E6C3-481B-4261-BA90-9DFF6F7188D3}" presName="titleText2" presStyleLbl="fgAcc1" presStyleIdx="1" presStyleCnt="3">
-        <dgm:presLayoutVars>
-          <dgm:chMax val="0"/>
-          <dgm:chPref val="0"/>
-        </dgm:presLayoutVars>
-      </dgm:prSet>
-      <dgm:spPr/>
-    </dgm:pt>
-    <dgm:pt modelId="{CDCA7A2C-026D-4A0C-9E83-8C0BBBB62503}" type="pres">
-      <dgm:prSet presAssocID="{AF04E6C3-481B-4261-BA90-9DFF6F7188D3}" presName="rootConnector" presStyleLbl="node2" presStyleIdx="0" presStyleCnt="0"/>
-      <dgm:spPr/>
-    </dgm:pt>
-    <dgm:pt modelId="{A083279B-47F7-4C45-984A-4A6DC83D2D4E}" type="pres">
-      <dgm:prSet presAssocID="{AF04E6C3-481B-4261-BA90-9DFF6F7188D3}" presName="hierChild4" presStyleCnt="0"/>
-      <dgm:spPr/>
-    </dgm:pt>
-    <dgm:pt modelId="{A3B1AB49-D71F-4472-B580-CB73AD3044F2}" type="pres">
-      <dgm:prSet presAssocID="{AF04E6C3-481B-4261-BA90-9DFF6F7188D3}" presName="hierChild5" presStyleCnt="0"/>
-      <dgm:spPr/>
-    </dgm:pt>
-    <dgm:pt modelId="{F3830243-C9A1-4DF7-8669-B314549186C1}" type="pres">
-      <dgm:prSet presAssocID="{5F5112E3-A378-4DB5-ACBE-AAF947BD9DF1}" presName="Name37" presStyleLbl="parChTrans1D2" presStyleIdx="2" presStyleCnt="8"/>
-      <dgm:spPr/>
-    </dgm:pt>
-    <dgm:pt modelId="{22AD43E7-667A-4BFA-9AF9-A6F7B329E10E}" type="pres">
-      <dgm:prSet presAssocID="{27F0FE99-366C-41D5-9669-5E0F5BD96B42}" presName="hierRoot2" presStyleCnt="0">
-        <dgm:presLayoutVars>
-          <dgm:hierBranch val="init"/>
-        </dgm:presLayoutVars>
-      </dgm:prSet>
-      <dgm:spPr/>
-    </dgm:pt>
-    <dgm:pt modelId="{EA4D9F20-D58A-4A1F-B067-7D911573A3E9}" type="pres">
-      <dgm:prSet presAssocID="{27F0FE99-366C-41D5-9669-5E0F5BD96B42}" presName="rootComposite" presStyleCnt="0"/>
-      <dgm:spPr/>
-    </dgm:pt>
-    <dgm:pt modelId="{9B35FC8C-9186-49B8-A053-DD687917697F}" type="pres">
-      <dgm:prSet presAssocID="{27F0FE99-366C-41D5-9669-5E0F5BD96B42}" presName="rootText" presStyleLbl="node1" presStyleIdx="2" presStyleCnt="3">
-        <dgm:presLayoutVars>
-          <dgm:chMax/>
-          <dgm:chPref val="3"/>
-        </dgm:presLayoutVars>
-      </dgm:prSet>
-      <dgm:spPr/>
-    </dgm:pt>
-    <dgm:pt modelId="{79B36821-8B5C-4E25-9CAE-29F66DCC0474}" type="pres">
-      <dgm:prSet presAssocID="{27F0FE99-366C-41D5-9669-5E0F5BD96B42}" presName="titleText2" presStyleLbl="fgAcc1" presStyleIdx="2" presStyleCnt="3">
-        <dgm:presLayoutVars>
-          <dgm:chMax val="0"/>
-          <dgm:chPref val="0"/>
-        </dgm:presLayoutVars>
-      </dgm:prSet>
-      <dgm:spPr/>
-    </dgm:pt>
-    <dgm:pt modelId="{7F440B4E-5F7D-455A-B718-6B7FA6B4E517}" type="pres">
-      <dgm:prSet presAssocID="{27F0FE99-366C-41D5-9669-5E0F5BD96B42}" presName="rootConnector" presStyleLbl="node2" presStyleIdx="0" presStyleCnt="0"/>
-      <dgm:spPr/>
-    </dgm:pt>
-    <dgm:pt modelId="{D5B530F9-2973-4A54-9ED0-EEB2550C541B}" type="pres">
-      <dgm:prSet presAssocID="{27F0FE99-366C-41D5-9669-5E0F5BD96B42}" presName="hierChild4" presStyleCnt="0"/>
-      <dgm:spPr/>
-    </dgm:pt>
-    <dgm:pt modelId="{E43F2A15-CFC1-4423-9FCC-879CCCB125A4}" type="pres">
-      <dgm:prSet presAssocID="{27F0FE99-366C-41D5-9669-5E0F5BD96B42}" presName="hierChild5" presStyleCnt="0"/>
-      <dgm:spPr/>
-    </dgm:pt>
-    <dgm:pt modelId="{72548364-48B9-48B0-BA21-208469BDEFBF}" type="pres">
-      <dgm:prSet presAssocID="{6DCAEAD0-0997-4792-B08F-5B64CFA15D64}" presName="hierChild3" presStyleCnt="0"/>
-      <dgm:spPr/>
-    </dgm:pt>
-    <dgm:pt modelId="{F7B374D2-923B-4157-A1F7-83B6513409E4}" type="pres">
-      <dgm:prSet presAssocID="{5C2C8788-6EDB-4B1C-8D92-0157F2241CAB}" presName="Name96" presStyleLbl="parChTrans1D2" presStyleIdx="3" presStyleCnt="8"/>
-      <dgm:spPr/>
-    </dgm:pt>
-    <dgm:pt modelId="{63E55325-CA80-4AA4-925E-9743BAB7D383}" type="pres">
-      <dgm:prSet presAssocID="{5BC05B46-0C29-4999-A747-2413AA95AA1E}" presName="hierRoot3" presStyleCnt="0">
-        <dgm:presLayoutVars>
-          <dgm:hierBranch val="init"/>
-        </dgm:presLayoutVars>
-      </dgm:prSet>
-      <dgm:spPr/>
-    </dgm:pt>
-    <dgm:pt modelId="{29F5A972-804D-49D0-B31B-05A1A5F96A5D}" type="pres">
-      <dgm:prSet presAssocID="{5BC05B46-0C29-4999-A747-2413AA95AA1E}" presName="rootComposite3" presStyleCnt="0"/>
-      <dgm:spPr/>
-    </dgm:pt>
-    <dgm:pt modelId="{6241BE42-6B83-43C5-9E4C-7A66D6D9EFA4}" type="pres">
-      <dgm:prSet presAssocID="{5BC05B46-0C29-4999-A747-2413AA95AA1E}" presName="rootText3" presStyleLbl="asst1" presStyleIdx="0" presStyleCnt="5">
+    <dgm:pt modelId="{106846B4-C57C-4B4A-8BDC-EA3A01B8B95F}" type="pres">
+      <dgm:prSet presAssocID="{6DCAEAD0-0997-4792-B08F-5B64CFA15D64}" presName="level1Shape" presStyleLbl="node0" presStyleIdx="0" presStyleCnt="1">
         <dgm:presLayoutVars>
           <dgm:chPref val="3"/>
         </dgm:presLayoutVars>
       </dgm:prSet>
       <dgm:spPr/>
     </dgm:pt>
-    <dgm:pt modelId="{093426B6-CB37-4BFB-A245-2C41D01495F2}" type="pres">
-      <dgm:prSet presAssocID="{5BC05B46-0C29-4999-A747-2413AA95AA1E}" presName="titleText3" presStyleLbl="fgAcc2" presStyleIdx="0" presStyleCnt="5">
+    <dgm:pt modelId="{3079D60D-FF7B-45A3-A68B-3000601A6A14}" type="pres">
+      <dgm:prSet presAssocID="{6DCAEAD0-0997-4792-B08F-5B64CFA15D64}" presName="hierChild2" presStyleCnt="0"/>
+      <dgm:spPr/>
+    </dgm:pt>
+    <dgm:pt modelId="{AFA13D1E-B68F-4E1C-A8A5-C8CBFB686937}" type="pres">
+      <dgm:prSet presAssocID="{B3E0E86C-62E8-4813-BA77-F566ABF5644E}" presName="Name19" presStyleLbl="parChTrans1D2" presStyleIdx="0" presStyleCnt="2"/>
+      <dgm:spPr/>
+    </dgm:pt>
+    <dgm:pt modelId="{DDDE2EF1-5382-4BAD-A8EC-50740DC23D26}" type="pres">
+      <dgm:prSet presAssocID="{975A07FC-54AE-434F-BB42-FF025D12E00D}" presName="Name21" presStyleCnt="0"/>
+      <dgm:spPr/>
+    </dgm:pt>
+    <dgm:pt modelId="{21353F14-EF15-4F1A-AD9C-52082FDC1EDE}" type="pres">
+      <dgm:prSet presAssocID="{975A07FC-54AE-434F-BB42-FF025D12E00D}" presName="level2Shape" presStyleLbl="asst1" presStyleIdx="0" presStyleCnt="2"/>
+      <dgm:spPr/>
+    </dgm:pt>
+    <dgm:pt modelId="{A923347D-2DDF-416C-B9F8-CF7C4B904821}" type="pres">
+      <dgm:prSet presAssocID="{975A07FC-54AE-434F-BB42-FF025D12E00D}" presName="hierChild3" presStyleCnt="0"/>
+      <dgm:spPr/>
+    </dgm:pt>
+    <dgm:pt modelId="{4B4C13B4-BD1C-43B8-96A8-3016EDC34C57}" type="pres">
+      <dgm:prSet presAssocID="{E8F559E0-E518-4C2A-B2F8-4627280A09F4}" presName="Name19" presStyleLbl="parChTrans1D2" presStyleIdx="1" presStyleCnt="2"/>
+      <dgm:spPr/>
+    </dgm:pt>
+    <dgm:pt modelId="{07083BC4-89E6-41D9-B3C6-6249227DD585}" type="pres">
+      <dgm:prSet presAssocID="{BE0CB87B-5EA2-4B65-978F-1F3F2606237B}" presName="Name21" presStyleCnt="0"/>
+      <dgm:spPr/>
+    </dgm:pt>
+    <dgm:pt modelId="{8A4DBA3A-9F9F-428E-A158-D57E8800853A}" type="pres">
+      <dgm:prSet presAssocID="{BE0CB87B-5EA2-4B65-978F-1F3F2606237B}" presName="level2Shape" presStyleLbl="asst1" presStyleIdx="1" presStyleCnt="2"/>
+      <dgm:spPr/>
+    </dgm:pt>
+    <dgm:pt modelId="{AFA980AE-46F6-4705-99D3-BD2F6F19448D}" type="pres">
+      <dgm:prSet presAssocID="{BE0CB87B-5EA2-4B65-978F-1F3F2606237B}" presName="hierChild3" presStyleCnt="0"/>
+      <dgm:spPr/>
+    </dgm:pt>
+    <dgm:pt modelId="{5532AA10-5880-4269-902B-3B7CF5C0D400}" type="pres">
+      <dgm:prSet presAssocID="{3264C905-E5C1-4A9B-9D01-0D70265F6246}" presName="Name19" presStyleLbl="parChTrans1D3" presStyleIdx="0" presStyleCnt="3"/>
+      <dgm:spPr/>
+    </dgm:pt>
+    <dgm:pt modelId="{EECD7F31-5CCC-4501-8E7E-489DDA92DE9D}" type="pres">
+      <dgm:prSet presAssocID="{C24A352F-8489-45E0-9455-7579655FBFBF}" presName="Name21" presStyleCnt="0"/>
+      <dgm:spPr/>
+    </dgm:pt>
+    <dgm:pt modelId="{2C1BBD02-149D-4AEF-8B7C-071D427D6796}" type="pres">
+      <dgm:prSet presAssocID="{C24A352F-8489-45E0-9455-7579655FBFBF}" presName="level2Shape" presStyleLbl="node3" presStyleIdx="0" presStyleCnt="3"/>
+      <dgm:spPr/>
+    </dgm:pt>
+    <dgm:pt modelId="{E194991C-CCA4-43EB-AF06-AC04D062EA54}" type="pres">
+      <dgm:prSet presAssocID="{C24A352F-8489-45E0-9455-7579655FBFBF}" presName="hierChild3" presStyleCnt="0"/>
+      <dgm:spPr/>
+    </dgm:pt>
+    <dgm:pt modelId="{75BA6FCF-B20C-4695-AD33-1AC04E6188EF}" type="pres">
+      <dgm:prSet presAssocID="{F3D51A4D-6FB5-4504-BFD6-59296C2B7E6D}" presName="Name19" presStyleLbl="parChTrans1D3" presStyleIdx="1" presStyleCnt="3"/>
+      <dgm:spPr/>
+    </dgm:pt>
+    <dgm:pt modelId="{A97EAC25-02B1-417B-9BBA-61951002933A}" type="pres">
+      <dgm:prSet presAssocID="{AA86BBFB-9BC5-43B5-A534-F28A38AF2423}" presName="Name21" presStyleCnt="0"/>
+      <dgm:spPr/>
+    </dgm:pt>
+    <dgm:pt modelId="{D8B091A3-A137-49C1-BBB3-FD15C0D8621B}" type="pres">
+      <dgm:prSet presAssocID="{AA86BBFB-9BC5-43B5-A534-F28A38AF2423}" presName="level2Shape" presStyleLbl="node3" presStyleIdx="1" presStyleCnt="3"/>
+      <dgm:spPr/>
+    </dgm:pt>
+    <dgm:pt modelId="{FFD66E22-B15E-4A5E-901C-1B87A3459F36}" type="pres">
+      <dgm:prSet presAssocID="{AA86BBFB-9BC5-43B5-A534-F28A38AF2423}" presName="hierChild3" presStyleCnt="0"/>
+      <dgm:spPr/>
+    </dgm:pt>
+    <dgm:pt modelId="{20187EFF-9F54-440A-8907-93C3BB961C65}" type="pres">
+      <dgm:prSet presAssocID="{BDE52E20-D3F8-4295-96AD-8A7DBDD6926D}" presName="Name19" presStyleLbl="parChTrans1D3" presStyleIdx="2" presStyleCnt="3"/>
+      <dgm:spPr/>
+    </dgm:pt>
+    <dgm:pt modelId="{D751619F-D147-4F00-A707-30FE0EC70839}" type="pres">
+      <dgm:prSet presAssocID="{FA316560-31BF-4DED-9BC6-EFCB1644CA41}" presName="Name21" presStyleCnt="0"/>
+      <dgm:spPr/>
+    </dgm:pt>
+    <dgm:pt modelId="{4037397F-5207-48DC-BDDE-62634F8E7BCC}" type="pres">
+      <dgm:prSet presAssocID="{FA316560-31BF-4DED-9BC6-EFCB1644CA41}" presName="level2Shape" presStyleLbl="node3" presStyleIdx="2" presStyleCnt="3"/>
+      <dgm:spPr/>
+    </dgm:pt>
+    <dgm:pt modelId="{C028401B-73EC-4845-9EE0-542223408AF9}" type="pres">
+      <dgm:prSet presAssocID="{FA316560-31BF-4DED-9BC6-EFCB1644CA41}" presName="hierChild3" presStyleCnt="0"/>
+      <dgm:spPr/>
+    </dgm:pt>
+    <dgm:pt modelId="{C2C2CF53-A957-4B11-9772-199A0BD321DC}" type="pres">
+      <dgm:prSet presAssocID="{1D935358-EA2F-4BB5-B672-F3901DA6C92F}" presName="bgShapesFlow" presStyleCnt="0"/>
+      <dgm:spPr/>
+    </dgm:pt>
+    <dgm:pt modelId="{5E96D95E-94AE-48E2-8736-5E6E8DDB3D36}" type="pres">
+      <dgm:prSet presAssocID="{03072DBA-B260-46EF-B2F9-80BEEF029960}" presName="rectComp" presStyleCnt="0"/>
+      <dgm:spPr/>
+    </dgm:pt>
+    <dgm:pt modelId="{00013FE3-9E03-4ABD-8634-95136BD9B976}" type="pres">
+      <dgm:prSet presAssocID="{03072DBA-B260-46EF-B2F9-80BEEF029960}" presName="bgRect" presStyleLbl="bgShp" presStyleIdx="0" presStyleCnt="3"/>
+      <dgm:spPr/>
+    </dgm:pt>
+    <dgm:pt modelId="{A359CB32-FD74-4851-9450-2FA85503D79A}" type="pres">
+      <dgm:prSet presAssocID="{03072DBA-B260-46EF-B2F9-80BEEF029960}" presName="bgRectTx" presStyleLbl="bgShp" presStyleIdx="0" presStyleCnt="3">
         <dgm:presLayoutVars>
-          <dgm:chMax val="0"/>
-          <dgm:chPref val="0"/>
+          <dgm:bulletEnabled val="1"/>
         </dgm:presLayoutVars>
       </dgm:prSet>
       <dgm:spPr/>
     </dgm:pt>
-    <dgm:pt modelId="{2B5C7799-873D-42EB-A9F8-2A4A5CF12AF9}" type="pres">
-      <dgm:prSet presAssocID="{5BC05B46-0C29-4999-A747-2413AA95AA1E}" presName="rootConnector3" presStyleLbl="asst1" presStyleIdx="0" presStyleCnt="5"/>
+    <dgm:pt modelId="{D278C6F4-0529-4113-B0AF-B779FE828202}" type="pres">
+      <dgm:prSet presAssocID="{03072DBA-B260-46EF-B2F9-80BEEF029960}" presName="spComp" presStyleCnt="0"/>
       <dgm:spPr/>
     </dgm:pt>
-    <dgm:pt modelId="{9184B546-2593-468F-A7D4-BC1490D56B89}" type="pres">
-      <dgm:prSet presAssocID="{5BC05B46-0C29-4999-A747-2413AA95AA1E}" presName="hierChild6" presStyleCnt="0"/>
+    <dgm:pt modelId="{A742DB86-D1C6-4DE1-999C-A77F54CCEF1B}" type="pres">
+      <dgm:prSet presAssocID="{03072DBA-B260-46EF-B2F9-80BEEF029960}" presName="vSp" presStyleCnt="0"/>
       <dgm:spPr/>
     </dgm:pt>
-    <dgm:pt modelId="{E294FB3C-EB78-405E-AA86-748CF26C9F98}" type="pres">
-      <dgm:prSet presAssocID="{5BC05B46-0C29-4999-A747-2413AA95AA1E}" presName="hierChild7" presStyleCnt="0"/>
+    <dgm:pt modelId="{0B10D0FD-0B23-4A63-886B-194C7B76352C}" type="pres">
+      <dgm:prSet presAssocID="{9F7517E5-072C-41BC-8A7B-78B40CCFE20F}" presName="rectComp" presStyleCnt="0"/>
       <dgm:spPr/>
     </dgm:pt>
-    <dgm:pt modelId="{879708FF-C94E-4BC2-B60E-736C0D75B913}" type="pres">
-      <dgm:prSet presAssocID="{FFDC85F9-33F6-41B1-9FAE-563F101C4C0A}" presName="Name96" presStyleLbl="parChTrans1D2" presStyleIdx="4" presStyleCnt="8"/>
+    <dgm:pt modelId="{C61F606F-B47E-4079-B576-6BB6204940A6}" type="pres">
+      <dgm:prSet presAssocID="{9F7517E5-072C-41BC-8A7B-78B40CCFE20F}" presName="bgRect" presStyleLbl="bgShp" presStyleIdx="1" presStyleCnt="3"/>
       <dgm:spPr/>
     </dgm:pt>
-    <dgm:pt modelId="{FDA2DC43-0C30-4992-BD42-DDD769D5A706}" type="pres">
-      <dgm:prSet presAssocID="{3786B665-C0D1-4818-A187-73C0466DDAF0}" presName="hierRoot3" presStyleCnt="0">
+    <dgm:pt modelId="{CF4E21CA-CC73-4165-995C-F0D194F310B6}" type="pres">
+      <dgm:prSet presAssocID="{9F7517E5-072C-41BC-8A7B-78B40CCFE20F}" presName="bgRectTx" presStyleLbl="bgShp" presStyleIdx="1" presStyleCnt="3">
         <dgm:presLayoutVars>
-          <dgm:hierBranch val="init"/>
+          <dgm:bulletEnabled val="1"/>
         </dgm:presLayoutVars>
       </dgm:prSet>
       <dgm:spPr/>
     </dgm:pt>
-    <dgm:pt modelId="{06D11D0A-F4B6-449A-B346-78D4B79D7EEF}" type="pres">
-      <dgm:prSet presAssocID="{3786B665-C0D1-4818-A187-73C0466DDAF0}" presName="rootComposite3" presStyleCnt="0"/>
+    <dgm:pt modelId="{5FD0EB76-D35D-4135-B4C7-B36E65BD82B9}" type="pres">
+      <dgm:prSet presAssocID="{9F7517E5-072C-41BC-8A7B-78B40CCFE20F}" presName="spComp" presStyleCnt="0"/>
       <dgm:spPr/>
     </dgm:pt>
-    <dgm:pt modelId="{00B9D14D-0388-44E4-BC78-EBCAD0B6979C}" type="pres">
-      <dgm:prSet presAssocID="{3786B665-C0D1-4818-A187-73C0466DDAF0}" presName="rootText3" presStyleLbl="asst1" presStyleIdx="1" presStyleCnt="5">
+    <dgm:pt modelId="{5BB3E744-E96A-495C-A6F0-AD1E8D27F6A1}" type="pres">
+      <dgm:prSet presAssocID="{9F7517E5-072C-41BC-8A7B-78B40CCFE20F}" presName="vSp" presStyleCnt="0"/>
+      <dgm:spPr/>
+    </dgm:pt>
+    <dgm:pt modelId="{D1006DEC-B547-4894-9E89-13106678C3BC}" type="pres">
+      <dgm:prSet presAssocID="{7B45A5DC-3748-4AC5-9C5B-1DB8428C64B3}" presName="rectComp" presStyleCnt="0"/>
+      <dgm:spPr/>
+    </dgm:pt>
+    <dgm:pt modelId="{4845A9D5-6564-4487-914B-D1485D7DDD63}" type="pres">
+      <dgm:prSet presAssocID="{7B45A5DC-3748-4AC5-9C5B-1DB8428C64B3}" presName="bgRect" presStyleLbl="bgShp" presStyleIdx="2" presStyleCnt="3"/>
+      <dgm:spPr/>
+    </dgm:pt>
+    <dgm:pt modelId="{33C0EE81-5720-4FA0-ACAD-B89C78FCB4C0}" type="pres">
+      <dgm:prSet presAssocID="{7B45A5DC-3748-4AC5-9C5B-1DB8428C64B3}" presName="bgRectTx" presStyleLbl="bgShp" presStyleIdx="2" presStyleCnt="3">
         <dgm:presLayoutVars>
-          <dgm:chPref val="3"/>
+          <dgm:bulletEnabled val="1"/>
         </dgm:presLayoutVars>
       </dgm:prSet>
       <dgm:spPr/>
     </dgm:pt>
-    <dgm:pt modelId="{CC557E83-DF62-40AD-8846-5E84F3421AB0}" type="pres">
-      <dgm:prSet presAssocID="{3786B665-C0D1-4818-A187-73C0466DDAF0}" presName="titleText3" presStyleLbl="fgAcc2" presStyleIdx="1" presStyleCnt="5">
-        <dgm:presLayoutVars>
-          <dgm:chMax val="0"/>
-          <dgm:chPref val="0"/>
-        </dgm:presLayoutVars>
-      </dgm:prSet>
-      <dgm:spPr/>
-    </dgm:pt>
-    <dgm:pt modelId="{64D84924-42BA-4257-BD89-84914B8CD867}" type="pres">
-      <dgm:prSet presAssocID="{3786B665-C0D1-4818-A187-73C0466DDAF0}" presName="rootConnector3" presStyleLbl="asst1" presStyleIdx="1" presStyleCnt="5"/>
-      <dgm:spPr/>
-    </dgm:pt>
-    <dgm:pt modelId="{9015364E-5286-4807-B97A-53C5495DDDD9}" type="pres">
-      <dgm:prSet presAssocID="{3786B665-C0D1-4818-A187-73C0466DDAF0}" presName="hierChild6" presStyleCnt="0"/>
-      <dgm:spPr/>
-    </dgm:pt>
-    <dgm:pt modelId="{10B49292-CA38-45E8-AC21-51963B450521}" type="pres">
-      <dgm:prSet presAssocID="{3786B665-C0D1-4818-A187-73C0466DDAF0}" presName="hierChild7" presStyleCnt="0"/>
-      <dgm:spPr/>
-    </dgm:pt>
-    <dgm:pt modelId="{C08D4BA8-B80B-44C7-BC19-57306DF9A87F}" type="pres">
-      <dgm:prSet presAssocID="{B3E0E86C-62E8-4813-BA77-F566ABF5644E}" presName="Name96" presStyleLbl="parChTrans1D2" presStyleIdx="5" presStyleCnt="8"/>
-      <dgm:spPr/>
-    </dgm:pt>
-    <dgm:pt modelId="{85F958D1-87F7-41D9-80EB-3A1A5891DAB8}" type="pres">
-      <dgm:prSet presAssocID="{975A07FC-54AE-434F-BB42-FF025D12E00D}" presName="hierRoot3" presStyleCnt="0">
-        <dgm:presLayoutVars>
-          <dgm:hierBranch val="init"/>
-        </dgm:presLayoutVars>
-      </dgm:prSet>
-      <dgm:spPr/>
-    </dgm:pt>
-    <dgm:pt modelId="{23F1C90A-8722-4B26-B37B-E10088B1F37E}" type="pres">
-      <dgm:prSet presAssocID="{975A07FC-54AE-434F-BB42-FF025D12E00D}" presName="rootComposite3" presStyleCnt="0"/>
-      <dgm:spPr/>
-    </dgm:pt>
-    <dgm:pt modelId="{101E76A2-4743-4286-A350-ED12787CB775}" type="pres">
-      <dgm:prSet presAssocID="{975A07FC-54AE-434F-BB42-FF025D12E00D}" presName="rootText3" presStyleLbl="asst1" presStyleIdx="2" presStyleCnt="5">
-        <dgm:presLayoutVars>
-          <dgm:chPref val="3"/>
-        </dgm:presLayoutVars>
-      </dgm:prSet>
-      <dgm:spPr/>
-    </dgm:pt>
-    <dgm:pt modelId="{AB3EC8CC-7AD0-4ADD-8E48-F1FFC2E107B9}" type="pres">
-      <dgm:prSet presAssocID="{975A07FC-54AE-434F-BB42-FF025D12E00D}" presName="titleText3" presStyleLbl="fgAcc2" presStyleIdx="2" presStyleCnt="5">
-        <dgm:presLayoutVars>
-          <dgm:chMax val="0"/>
-          <dgm:chPref val="0"/>
-        </dgm:presLayoutVars>
-      </dgm:prSet>
-      <dgm:spPr/>
-    </dgm:pt>
-    <dgm:pt modelId="{4ECAD660-942D-4104-A853-1C810DA1F24E}" type="pres">
-      <dgm:prSet presAssocID="{975A07FC-54AE-434F-BB42-FF025D12E00D}" presName="rootConnector3" presStyleLbl="asst1" presStyleIdx="2" presStyleCnt="5"/>
-      <dgm:spPr/>
-    </dgm:pt>
-    <dgm:pt modelId="{E714FEB5-3C7A-4E0B-833E-8EA8A7842F88}" type="pres">
-      <dgm:prSet presAssocID="{975A07FC-54AE-434F-BB42-FF025D12E00D}" presName="hierChild6" presStyleCnt="0"/>
-      <dgm:spPr/>
-    </dgm:pt>
-    <dgm:pt modelId="{6970C7AC-54CF-4981-B20A-9C85649C7F22}" type="pres">
-      <dgm:prSet presAssocID="{975A07FC-54AE-434F-BB42-FF025D12E00D}" presName="hierChild7" presStyleCnt="0"/>
-      <dgm:spPr/>
-    </dgm:pt>
-    <dgm:pt modelId="{CF29FFD7-FA45-4B44-B920-5739BBD8395F}" type="pres">
-      <dgm:prSet presAssocID="{E8F559E0-E518-4C2A-B2F8-4627280A09F4}" presName="Name96" presStyleLbl="parChTrans1D2" presStyleIdx="6" presStyleCnt="8"/>
-      <dgm:spPr/>
-    </dgm:pt>
-    <dgm:pt modelId="{F06B246F-9106-4958-8B48-8A5464E6989F}" type="pres">
-      <dgm:prSet presAssocID="{BE0CB87B-5EA2-4B65-978F-1F3F2606237B}" presName="hierRoot3" presStyleCnt="0">
-        <dgm:presLayoutVars>
-          <dgm:hierBranch val="init"/>
-        </dgm:presLayoutVars>
-      </dgm:prSet>
-      <dgm:spPr/>
-    </dgm:pt>
-    <dgm:pt modelId="{8E99FBDF-7CFF-4C88-B35A-E18D6AC93CB9}" type="pres">
-      <dgm:prSet presAssocID="{BE0CB87B-5EA2-4B65-978F-1F3F2606237B}" presName="rootComposite3" presStyleCnt="0"/>
-      <dgm:spPr/>
-    </dgm:pt>
-    <dgm:pt modelId="{B3283E1E-2057-4690-A212-3D2DAFA652BD}" type="pres">
-      <dgm:prSet presAssocID="{BE0CB87B-5EA2-4B65-978F-1F3F2606237B}" presName="rootText3" presStyleLbl="asst1" presStyleIdx="3" presStyleCnt="5">
-        <dgm:presLayoutVars>
-          <dgm:chPref val="3"/>
-        </dgm:presLayoutVars>
-      </dgm:prSet>
-      <dgm:spPr/>
-    </dgm:pt>
-    <dgm:pt modelId="{A0AD7242-ED6A-474D-B059-FB0D1C171505}" type="pres">
-      <dgm:prSet presAssocID="{BE0CB87B-5EA2-4B65-978F-1F3F2606237B}" presName="titleText3" presStyleLbl="fgAcc2" presStyleIdx="3" presStyleCnt="5">
-        <dgm:presLayoutVars>
-          <dgm:chMax val="0"/>
-          <dgm:chPref val="0"/>
-        </dgm:presLayoutVars>
-      </dgm:prSet>
-      <dgm:spPr/>
-    </dgm:pt>
-    <dgm:pt modelId="{1A764CF8-A43E-49B0-A5E6-86652167097B}" type="pres">
-      <dgm:prSet presAssocID="{BE0CB87B-5EA2-4B65-978F-1F3F2606237B}" presName="rootConnector3" presStyleLbl="asst1" presStyleIdx="3" presStyleCnt="5"/>
-      <dgm:spPr/>
-    </dgm:pt>
-    <dgm:pt modelId="{59D76E33-23D8-4DD6-9B87-C3AB72CB9838}" type="pres">
-      <dgm:prSet presAssocID="{BE0CB87B-5EA2-4B65-978F-1F3F2606237B}" presName="hierChild6" presStyleCnt="0"/>
-      <dgm:spPr/>
-    </dgm:pt>
-    <dgm:pt modelId="{FE2B5AAE-CF76-490A-8915-809E55F58895}" type="pres">
-      <dgm:prSet presAssocID="{BE0CB87B-5EA2-4B65-978F-1F3F2606237B}" presName="hierChild7" presStyleCnt="0"/>
-      <dgm:spPr/>
-    </dgm:pt>
-    <dgm:pt modelId="{0A15230D-CEAD-44AB-A9D8-4F1795C0EDC5}" type="pres">
-      <dgm:prSet presAssocID="{4D8DFFA5-D8F1-4364-85A5-855E10B65E61}" presName="Name96" presStyleLbl="parChTrans1D2" presStyleIdx="7" presStyleCnt="8"/>
-      <dgm:spPr/>
-    </dgm:pt>
-    <dgm:pt modelId="{1A98C2D0-933F-4523-9BA6-FDFA3195E69E}" type="pres">
-      <dgm:prSet presAssocID="{D0B9E4B9-24FD-4BF3-A877-34012B7178F9}" presName="hierRoot3" presStyleCnt="0">
-        <dgm:presLayoutVars>
-          <dgm:hierBranch val="init"/>
-        </dgm:presLayoutVars>
-      </dgm:prSet>
-      <dgm:spPr/>
-    </dgm:pt>
-    <dgm:pt modelId="{F2B9C679-E1B9-4150-B0C2-B3A41408CB60}" type="pres">
-      <dgm:prSet presAssocID="{D0B9E4B9-24FD-4BF3-A877-34012B7178F9}" presName="rootComposite3" presStyleCnt="0"/>
-      <dgm:spPr/>
-    </dgm:pt>
-    <dgm:pt modelId="{51DB92DD-B79E-4851-B428-2D6647EE4E80}" type="pres">
-      <dgm:prSet presAssocID="{D0B9E4B9-24FD-4BF3-A877-34012B7178F9}" presName="rootText3" presStyleLbl="asst1" presStyleIdx="4" presStyleCnt="5">
-        <dgm:presLayoutVars>
-          <dgm:chPref val="3"/>
-        </dgm:presLayoutVars>
-      </dgm:prSet>
-      <dgm:spPr/>
-    </dgm:pt>
-    <dgm:pt modelId="{B07D686E-F7BD-47F3-8C9D-E3F4BF1B6336}" type="pres">
-      <dgm:prSet presAssocID="{D0B9E4B9-24FD-4BF3-A877-34012B7178F9}" presName="titleText3" presStyleLbl="fgAcc2" presStyleIdx="4" presStyleCnt="5">
-        <dgm:presLayoutVars>
-          <dgm:chMax val="0"/>
-          <dgm:chPref val="0"/>
-        </dgm:presLayoutVars>
-      </dgm:prSet>
-      <dgm:spPr/>
-    </dgm:pt>
-    <dgm:pt modelId="{F60EE2F1-06F8-4D1C-AF4C-5BEB6DD46FD3}" type="pres">
-      <dgm:prSet presAssocID="{D0B9E4B9-24FD-4BF3-A877-34012B7178F9}" presName="rootConnector3" presStyleLbl="asst1" presStyleIdx="4" presStyleCnt="5"/>
-      <dgm:spPr/>
-    </dgm:pt>
-    <dgm:pt modelId="{90BA8C5D-EE2C-499B-A845-93B32CA36DE9}" type="pres">
-      <dgm:prSet presAssocID="{D0B9E4B9-24FD-4BF3-A877-34012B7178F9}" presName="hierChild6" presStyleCnt="0"/>
-      <dgm:spPr/>
-    </dgm:pt>
-    <dgm:pt modelId="{8DB54E3D-4FE1-41E1-ABD0-D21AAC6E5D85}" type="pres">
-      <dgm:prSet presAssocID="{D0B9E4B9-24FD-4BF3-A877-34012B7178F9}" presName="hierChild7" presStyleCnt="0"/>
-      <dgm:spPr/>
-    </dgm:pt>
   </dgm:ptLst>
   <dgm:cxnLst>
-    <dgm:cxn modelId="{07B30A01-A1BE-4200-90CB-00843D8F6C92}" type="presOf" srcId="{975A07FC-54AE-434F-BB42-FF025D12E00D}" destId="{101E76A2-4743-4286-A350-ED12787CB775}" srcOrd="0" destOrd="0" presId="urn:microsoft.com/office/officeart/2008/layout/NameandTitleOrganizationalChart"/>
-    <dgm:cxn modelId="{4925BE04-01D1-4DBD-8576-D14A0A06D622}" type="presOf" srcId="{2BACDB74-68BC-46B0-9082-4870D3EEDDF7}" destId="{E1454AD8-92A9-4D75-B1F9-D25FFF23CF55}" srcOrd="0" destOrd="0" presId="urn:microsoft.com/office/officeart/2008/layout/NameandTitleOrganizationalChart"/>
-    <dgm:cxn modelId="{806AE408-E0BA-4978-AF8F-290213615660}" type="presOf" srcId="{1D45301E-AFFA-41A0-A3BC-E9198A860029}" destId="{79B36821-8B5C-4E25-9CAE-29F66DCC0474}" srcOrd="0" destOrd="0" presId="urn:microsoft.com/office/officeart/2008/layout/NameandTitleOrganizationalChart"/>
-    <dgm:cxn modelId="{AF16F00D-5B8C-4797-9E50-0D04FA44611E}" type="presOf" srcId="{94076EB5-61DF-418D-98B4-8247E5F4A0C2}" destId="{B07D686E-F7BD-47F3-8C9D-E3F4BF1B6336}" srcOrd="0" destOrd="0" presId="urn:microsoft.com/office/officeart/2008/layout/NameandTitleOrganizationalChart"/>
-    <dgm:cxn modelId="{B7FB9E17-CD97-4023-A78E-28C510CCC442}" type="presOf" srcId="{5C2C8788-6EDB-4B1C-8D92-0157F2241CAB}" destId="{F7B374D2-923B-4157-A1F7-83B6513409E4}" srcOrd="0" destOrd="0" presId="urn:microsoft.com/office/officeart/2008/layout/NameandTitleOrganizationalChart"/>
-    <dgm:cxn modelId="{BD317A1A-1321-41CB-9403-35ED99A7164A}" type="presOf" srcId="{78EA64E7-EC81-4CB2-A6CF-38BA52D353F7}" destId="{A0AD7242-ED6A-474D-B059-FB0D1C171505}" srcOrd="0" destOrd="0" presId="urn:microsoft.com/office/officeart/2008/layout/NameandTitleOrganizationalChart"/>
-    <dgm:cxn modelId="{C2383F20-19E9-4F9A-9E38-0D60BAB94EF5}" type="presOf" srcId="{4D8DFFA5-D8F1-4364-85A5-855E10B65E61}" destId="{0A15230D-CEAD-44AB-A9D8-4F1795C0EDC5}" srcOrd="0" destOrd="0" presId="urn:microsoft.com/office/officeart/2008/layout/NameandTitleOrganizationalChart"/>
-    <dgm:cxn modelId="{01760628-2256-417B-B0A5-0C10FB7D0037}" type="presOf" srcId="{9F9F8C06-D272-4539-AEF8-30C633A1CCDB}" destId="{B9DF72DF-4A7C-4757-B5C6-CE8BD368E8DF}" srcOrd="0" destOrd="0" presId="urn:microsoft.com/office/officeart/2008/layout/NameandTitleOrganizationalChart"/>
-    <dgm:cxn modelId="{BCBAAB2F-B083-4C02-A54B-D2FE5D825D34}" type="presOf" srcId="{FFDC85F9-33F6-41B1-9FAE-563F101C4C0A}" destId="{879708FF-C94E-4BC2-B60E-736C0D75B913}" srcOrd="0" destOrd="0" presId="urn:microsoft.com/office/officeart/2008/layout/NameandTitleOrganizationalChart"/>
-    <dgm:cxn modelId="{E0277230-7F10-41E1-BE7B-0FB699F9EA52}" type="presOf" srcId="{BE0CB87B-5EA2-4B65-978F-1F3F2606237B}" destId="{B3283E1E-2057-4690-A212-3D2DAFA652BD}" srcOrd="0" destOrd="0" presId="urn:microsoft.com/office/officeart/2008/layout/NameandTitleOrganizationalChart"/>
-    <dgm:cxn modelId="{2D669731-758F-4210-8AAD-189C94578138}" type="presOf" srcId="{3C4F18BB-FF2A-4D58-A1C7-ED4E3AAFC1FB}" destId="{45F2E63E-3EB4-4AA6-9262-2D4E07AB612D}" srcOrd="0" destOrd="0" presId="urn:microsoft.com/office/officeart/2008/layout/NameandTitleOrganizationalChart"/>
-    <dgm:cxn modelId="{D77C4E63-E868-4D5F-8877-2A6CEE566B23}" type="presOf" srcId="{B3DD6697-12CA-4F69-9ECA-30450B8C8F87}" destId="{FF2D7759-F361-4E1C-8453-7D5907060ADA}" srcOrd="1" destOrd="0" presId="urn:microsoft.com/office/officeart/2008/layout/NameandTitleOrganizationalChart"/>
-    <dgm:cxn modelId="{DB384F64-E4C8-4899-9B09-B7F58217419F}" type="presOf" srcId="{4AEBD848-8434-4FC9-8569-2AE14B5ACF53}" destId="{AB3EC8CC-7AD0-4ADD-8E48-F1FFC2E107B9}" srcOrd="0" destOrd="0" presId="urn:microsoft.com/office/officeart/2008/layout/NameandTitleOrganizationalChart"/>
-    <dgm:cxn modelId="{0A465F65-E204-4029-B346-78AEED638414}" srcId="{6DCAEAD0-0997-4792-B08F-5B64CFA15D64}" destId="{BE0CB87B-5EA2-4B65-978F-1F3F2606237B}" srcOrd="3" destOrd="0" parTransId="{E8F559E0-E518-4C2A-B2F8-4627280A09F4}" sibTransId="{78EA64E7-EC81-4CB2-A6CF-38BA52D353F7}"/>
-    <dgm:cxn modelId="{F2638165-0790-4C1A-B2C7-5A0C6768D7E0}" type="presOf" srcId="{B3DD6697-12CA-4F69-9ECA-30450B8C8F87}" destId="{CA178424-5890-4242-A103-23C325743DDD}" srcOrd="0" destOrd="0" presId="urn:microsoft.com/office/officeart/2008/layout/NameandTitleOrganizationalChart"/>
-    <dgm:cxn modelId="{7DC71E48-C54F-4409-B274-2A0A224CEF64}" type="presOf" srcId="{6DCAEAD0-0997-4792-B08F-5B64CFA15D64}" destId="{D6F87856-DB89-4B07-8E36-FBCCD2682A58}" srcOrd="1" destOrd="0" presId="urn:microsoft.com/office/officeart/2008/layout/NameandTitleOrganizationalChart"/>
-    <dgm:cxn modelId="{503EF66C-1AEB-4A12-A311-1DAD9D0E1755}" type="presOf" srcId="{6DCAEAD0-0997-4792-B08F-5B64CFA15D64}" destId="{0E2F0851-4C4D-4530-93D1-F0F47B358084}" srcOrd="0" destOrd="0" presId="urn:microsoft.com/office/officeart/2008/layout/NameandTitleOrganizationalChart"/>
-    <dgm:cxn modelId="{10D4AD4E-DE4C-4A31-B891-2FB14972ADAF}" type="presOf" srcId="{5F5112E3-A378-4DB5-ACBE-AAF947BD9DF1}" destId="{F3830243-C9A1-4DF7-8669-B314549186C1}" srcOrd="0" destOrd="0" presId="urn:microsoft.com/office/officeart/2008/layout/NameandTitleOrganizationalChart"/>
-    <dgm:cxn modelId="{69129C70-2734-44D5-9A0D-8D58255E1808}" srcId="{6DCAEAD0-0997-4792-B08F-5B64CFA15D64}" destId="{27F0FE99-366C-41D5-9669-5E0F5BD96B42}" srcOrd="7" destOrd="0" parTransId="{5F5112E3-A378-4DB5-ACBE-AAF947BD9DF1}" sibTransId="{1D45301E-AFFA-41A0-A3BC-E9198A860029}"/>
-    <dgm:cxn modelId="{6A2F6C71-E2D7-48D2-B417-79CB618383D8}" type="presOf" srcId="{D0B9E4B9-24FD-4BF3-A877-34012B7178F9}" destId="{51DB92DD-B79E-4851-B428-2D6647EE4E80}" srcOrd="0" destOrd="0" presId="urn:microsoft.com/office/officeart/2008/layout/NameandTitleOrganizationalChart"/>
-    <dgm:cxn modelId="{CB01E653-7F88-46A2-B228-1502835FB092}" type="presOf" srcId="{E6019557-29F8-4A36-AAD3-06C8D7DCD97A}" destId="{261948D4-2FA7-4063-B7A1-EDC8AF65CE54}" srcOrd="0" destOrd="0" presId="urn:microsoft.com/office/officeart/2008/layout/NameandTitleOrganizationalChart"/>
-    <dgm:cxn modelId="{1B424579-96D4-4F44-A567-7797C9683C5A}" srcId="{6DCAEAD0-0997-4792-B08F-5B64CFA15D64}" destId="{5BC05B46-0C29-4999-A747-2413AA95AA1E}" srcOrd="0" destOrd="0" parTransId="{5C2C8788-6EDB-4B1C-8D92-0157F2241CAB}" sibTransId="{6C47FC16-E08D-47D4-ACD0-95004A46C094}"/>
-    <dgm:cxn modelId="{EA21D781-FFD4-4D44-9134-20BE58BD4308}" type="presOf" srcId="{3786B665-C0D1-4818-A187-73C0466DDAF0}" destId="{64D84924-42BA-4257-BD89-84914B8CD867}" srcOrd="1" destOrd="0" presId="urn:microsoft.com/office/officeart/2008/layout/NameandTitleOrganizationalChart"/>
-    <dgm:cxn modelId="{9D013A8E-BFB0-4B65-9DA8-BA4172DC9C87}" type="presOf" srcId="{2B2FD583-5434-4E03-8D3C-74676C96DC8E}" destId="{CC557E83-DF62-40AD-8846-5E84F3421AB0}" srcOrd="0" destOrd="0" presId="urn:microsoft.com/office/officeart/2008/layout/NameandTitleOrganizationalChart"/>
-    <dgm:cxn modelId="{B8253597-2D57-4988-8AAC-C1701222C5FE}" type="presOf" srcId="{975A07FC-54AE-434F-BB42-FF025D12E00D}" destId="{4ECAD660-942D-4104-A853-1C810DA1F24E}" srcOrd="1" destOrd="0" presId="urn:microsoft.com/office/officeart/2008/layout/NameandTitleOrganizationalChart"/>
-    <dgm:cxn modelId="{7115CA98-ABB5-4EC3-A800-FD3016B0F0AE}" type="presOf" srcId="{AF04E6C3-481B-4261-BA90-9DFF6F7188D3}" destId="{4CB25805-913C-467F-83C6-B08F3AFCFA0F}" srcOrd="0" destOrd="0" presId="urn:microsoft.com/office/officeart/2008/layout/NameandTitleOrganizationalChart"/>
-    <dgm:cxn modelId="{DE9C649D-09F2-4A10-82A4-7979AA366A0D}" srcId="{6DCAEAD0-0997-4792-B08F-5B64CFA15D64}" destId="{B3DD6697-12CA-4F69-9ECA-30450B8C8F87}" srcOrd="5" destOrd="0" parTransId="{2BACDB74-68BC-46B0-9082-4870D3EEDDF7}" sibTransId="{A2758F12-CFA1-4AF9-8C0F-F37075F04D02}"/>
-    <dgm:cxn modelId="{E139CBA0-8705-4959-BBBC-4AF880E70129}" type="presOf" srcId="{B3E0E86C-62E8-4813-BA77-F566ABF5644E}" destId="{C08D4BA8-B80B-44C7-BC19-57306DF9A87F}" srcOrd="0" destOrd="0" presId="urn:microsoft.com/office/officeart/2008/layout/NameandTitleOrganizationalChart"/>
-    <dgm:cxn modelId="{4AF564A2-155C-450C-B45E-258021A3D98B}" type="presOf" srcId="{5BC05B46-0C29-4999-A747-2413AA95AA1E}" destId="{2B5C7799-873D-42EB-A9F8-2A4A5CF12AF9}" srcOrd="1" destOrd="0" presId="urn:microsoft.com/office/officeart/2008/layout/NameandTitleOrganizationalChart"/>
-    <dgm:cxn modelId="{20934AAA-60DB-4D20-9230-6AF7D401FB5A}" type="presOf" srcId="{27F0FE99-366C-41D5-9669-5E0F5BD96B42}" destId="{7F440B4E-5F7D-455A-B718-6B7FA6B4E517}" srcOrd="1" destOrd="0" presId="urn:microsoft.com/office/officeart/2008/layout/NameandTitleOrganizationalChart"/>
-    <dgm:cxn modelId="{61308FAB-75D3-4102-893C-302CBFD70128}" type="presOf" srcId="{27F0FE99-366C-41D5-9669-5E0F5BD96B42}" destId="{9B35FC8C-9186-49B8-A053-DD687917697F}" srcOrd="0" destOrd="0" presId="urn:microsoft.com/office/officeart/2008/layout/NameandTitleOrganizationalChart"/>
-    <dgm:cxn modelId="{D469DCAF-4EC6-43CB-B294-0DA5BB79A9D7}" type="presOf" srcId="{D0B9E4B9-24FD-4BF3-A877-34012B7178F9}" destId="{F60EE2F1-06F8-4D1C-AF4C-5BEB6DD46FD3}" srcOrd="1" destOrd="0" presId="urn:microsoft.com/office/officeart/2008/layout/NameandTitleOrganizationalChart"/>
-    <dgm:cxn modelId="{DAC0CABD-AA07-4865-B7FF-88F5F729BC02}" srcId="{6DCAEAD0-0997-4792-B08F-5B64CFA15D64}" destId="{AF04E6C3-481B-4261-BA90-9DFF6F7188D3}" srcOrd="6" destOrd="0" parTransId="{9F9F8C06-D272-4539-AEF8-30C633A1CCDB}" sibTransId="{E6019557-29F8-4A36-AAD3-06C8D7DCD97A}"/>
-    <dgm:cxn modelId="{0344FDBD-166A-4F47-BA42-B8701B9E2D92}" type="presOf" srcId="{AF04E6C3-481B-4261-BA90-9DFF6F7188D3}" destId="{CDCA7A2C-026D-4A0C-9E83-8C0BBBB62503}" srcOrd="1" destOrd="0" presId="urn:microsoft.com/office/officeart/2008/layout/NameandTitleOrganizationalChart"/>
-    <dgm:cxn modelId="{8FB4B0C7-D5AE-43E9-BFAB-09A28F9AD5D4}" type="presOf" srcId="{3786B665-C0D1-4818-A187-73C0466DDAF0}" destId="{00B9D14D-0388-44E4-BC78-EBCAD0B6979C}" srcOrd="0" destOrd="0" presId="urn:microsoft.com/office/officeart/2008/layout/NameandTitleOrganizationalChart"/>
-    <dgm:cxn modelId="{49596CC8-7C80-42E4-8174-3CB9C8E035FF}" type="presOf" srcId="{1D935358-EA2F-4BB5-B672-F3901DA6C92F}" destId="{CA7EC028-924C-4884-A5D8-BC856AC98A33}" srcOrd="0" destOrd="0" presId="urn:microsoft.com/office/officeart/2008/layout/NameandTitleOrganizationalChart"/>
-    <dgm:cxn modelId="{5FD503CE-E755-4BE3-986B-679717F4EADA}" type="presOf" srcId="{E8F559E0-E518-4C2A-B2F8-4627280A09F4}" destId="{CF29FFD7-FA45-4B44-B920-5739BBD8395F}" srcOrd="0" destOrd="0" presId="urn:microsoft.com/office/officeart/2008/layout/NameandTitleOrganizationalChart"/>
-    <dgm:cxn modelId="{20DB19CE-44FE-43C2-87E5-E2A1BA849874}" srcId="{6DCAEAD0-0997-4792-B08F-5B64CFA15D64}" destId="{3786B665-C0D1-4818-A187-73C0466DDAF0}" srcOrd="1" destOrd="0" parTransId="{FFDC85F9-33F6-41B1-9FAE-563F101C4C0A}" sibTransId="{2B2FD583-5434-4E03-8D3C-74676C96DC8E}"/>
-    <dgm:cxn modelId="{25D48DD0-9FF5-45C1-B5BA-AA6E504D6B41}" srcId="{6DCAEAD0-0997-4792-B08F-5B64CFA15D64}" destId="{975A07FC-54AE-434F-BB42-FF025D12E00D}" srcOrd="2" destOrd="0" parTransId="{B3E0E86C-62E8-4813-BA77-F566ABF5644E}" sibTransId="{4AEBD848-8434-4FC9-8569-2AE14B5ACF53}"/>
+    <dgm:cxn modelId="{5D03C308-97F0-4B37-91E9-306B5DDFC54D}" type="presOf" srcId="{B3E0E86C-62E8-4813-BA77-F566ABF5644E}" destId="{AFA13D1E-B68F-4E1C-A8A5-C8CBFB686937}" srcOrd="0" destOrd="0" presId="urn:microsoft.com/office/officeart/2005/8/layout/hierarchy6"/>
+    <dgm:cxn modelId="{D00FF41E-6F4C-4D9C-B252-B233D667FF7E}" type="presOf" srcId="{03072DBA-B260-46EF-B2F9-80BEEF029960}" destId="{00013FE3-9E03-4ABD-8634-95136BD9B976}" srcOrd="0" destOrd="0" presId="urn:microsoft.com/office/officeart/2005/8/layout/hierarchy6"/>
+    <dgm:cxn modelId="{893DA832-6613-4ECA-B5CD-D6B296081DB4}" type="presOf" srcId="{7B45A5DC-3748-4AC5-9C5B-1DB8428C64B3}" destId="{33C0EE81-5720-4FA0-ACAD-B89C78FCB4C0}" srcOrd="1" destOrd="0" presId="urn:microsoft.com/office/officeart/2005/8/layout/hierarchy6"/>
+    <dgm:cxn modelId="{2FB91933-0D9C-4FCB-A93C-A763A245E23D}" type="presOf" srcId="{F3D51A4D-6FB5-4504-BFD6-59296C2B7E6D}" destId="{75BA6FCF-B20C-4695-AD33-1AC04E6188EF}" srcOrd="0" destOrd="0" presId="urn:microsoft.com/office/officeart/2005/8/layout/hierarchy6"/>
+    <dgm:cxn modelId="{2A380937-9846-4E5D-A97A-6DA395F520A5}" type="presOf" srcId="{1D935358-EA2F-4BB5-B672-F3901DA6C92F}" destId="{5B3FA25E-7636-40FF-8B40-FDD6A271C5F6}" srcOrd="0" destOrd="0" presId="urn:microsoft.com/office/officeart/2005/8/layout/hierarchy6"/>
+    <dgm:cxn modelId="{7C20E43C-D84D-41B0-8E42-E2ED703CFEB2}" type="presOf" srcId="{C24A352F-8489-45E0-9455-7579655FBFBF}" destId="{2C1BBD02-149D-4AEF-8B7C-071D427D6796}" srcOrd="0" destOrd="0" presId="urn:microsoft.com/office/officeart/2005/8/layout/hierarchy6"/>
+    <dgm:cxn modelId="{BC493340-6864-411D-8227-C190776E3E9F}" srcId="{BE0CB87B-5EA2-4B65-978F-1F3F2606237B}" destId="{AA86BBFB-9BC5-43B5-A534-F28A38AF2423}" srcOrd="1" destOrd="0" parTransId="{F3D51A4D-6FB5-4504-BFD6-59296C2B7E6D}" sibTransId="{53C3E8FB-F970-4853-8D1A-CDC8D0C5BE7C}"/>
+    <dgm:cxn modelId="{B432405B-C9B2-417F-9D05-8994D3A37275}" srcId="{1D935358-EA2F-4BB5-B672-F3901DA6C92F}" destId="{03072DBA-B260-46EF-B2F9-80BEEF029960}" srcOrd="1" destOrd="0" parTransId="{07BDC7C2-376D-4007-A4FD-90ECE6003A94}" sibTransId="{99FE2F72-32AB-4121-91AD-4A924373C561}"/>
+    <dgm:cxn modelId="{9A622561-C38B-4DB6-83A0-260923FFD54B}" type="presOf" srcId="{6DCAEAD0-0997-4792-B08F-5B64CFA15D64}" destId="{106846B4-C57C-4B4A-8BDC-EA3A01B8B95F}" srcOrd="0" destOrd="0" presId="urn:microsoft.com/office/officeart/2005/8/layout/hierarchy6"/>
+    <dgm:cxn modelId="{BD6A4543-A51A-4BC1-9A52-E4FE6609056F}" type="presOf" srcId="{AA86BBFB-9BC5-43B5-A534-F28A38AF2423}" destId="{D8B091A3-A137-49C1-BBB3-FD15C0D8621B}" srcOrd="0" destOrd="0" presId="urn:microsoft.com/office/officeart/2005/8/layout/hierarchy6"/>
+    <dgm:cxn modelId="{0A465F65-E204-4029-B346-78AEED638414}" srcId="{6DCAEAD0-0997-4792-B08F-5B64CFA15D64}" destId="{BE0CB87B-5EA2-4B65-978F-1F3F2606237B}" srcOrd="1" destOrd="0" parTransId="{E8F559E0-E518-4C2A-B2F8-4627280A09F4}" sibTransId="{78EA64E7-EC81-4CB2-A6CF-38BA52D353F7}"/>
+    <dgm:cxn modelId="{99EDC148-4438-46D8-9E8D-CF14B021EE10}" type="presOf" srcId="{9F7517E5-072C-41BC-8A7B-78B40CCFE20F}" destId="{CF4E21CA-CC73-4165-995C-F0D194F310B6}" srcOrd="1" destOrd="0" presId="urn:microsoft.com/office/officeart/2005/8/layout/hierarchy6"/>
+    <dgm:cxn modelId="{925BAC4A-C8BC-4616-A094-9390B2B0C117}" type="presOf" srcId="{E8F559E0-E518-4C2A-B2F8-4627280A09F4}" destId="{4B4C13B4-BD1C-43B8-96A8-3016EDC34C57}" srcOrd="0" destOrd="0" presId="urn:microsoft.com/office/officeart/2005/8/layout/hierarchy6"/>
+    <dgm:cxn modelId="{CF738F4C-9D59-4FBB-8EF3-CAE92D5C1349}" srcId="{1D935358-EA2F-4BB5-B672-F3901DA6C92F}" destId="{9F7517E5-072C-41BC-8A7B-78B40CCFE20F}" srcOrd="2" destOrd="0" parTransId="{7E7E0A64-7EE5-4848-B079-72A7FFF4676A}" sibTransId="{C6D449B0-2239-4A8F-9C56-A23B1C1DEDB9}"/>
+    <dgm:cxn modelId="{6EB3928B-146B-4B5C-ADCB-28F277EAD921}" type="presOf" srcId="{975A07FC-54AE-434F-BB42-FF025D12E00D}" destId="{21353F14-EF15-4F1A-AD9C-52082FDC1EDE}" srcOrd="0" destOrd="0" presId="urn:microsoft.com/office/officeart/2005/8/layout/hierarchy6"/>
+    <dgm:cxn modelId="{28EEF68C-B21D-4B06-8EAD-7D95EA0698BD}" type="presOf" srcId="{FA316560-31BF-4DED-9BC6-EFCB1644CA41}" destId="{4037397F-5207-48DC-BDDE-62634F8E7BCC}" srcOrd="0" destOrd="0" presId="urn:microsoft.com/office/officeart/2005/8/layout/hierarchy6"/>
+    <dgm:cxn modelId="{19F5218D-C020-4254-A9D4-14B82EC1F640}" type="presOf" srcId="{9F7517E5-072C-41BC-8A7B-78B40CCFE20F}" destId="{C61F606F-B47E-4079-B576-6BB6204940A6}" srcOrd="0" destOrd="0" presId="urn:microsoft.com/office/officeart/2005/8/layout/hierarchy6"/>
+    <dgm:cxn modelId="{BA37788E-2528-48EE-91CD-3DCA0BCEE4EA}" type="presOf" srcId="{BE0CB87B-5EA2-4B65-978F-1F3F2606237B}" destId="{8A4DBA3A-9F9F-428E-A158-D57E8800853A}" srcOrd="0" destOrd="0" presId="urn:microsoft.com/office/officeart/2005/8/layout/hierarchy6"/>
+    <dgm:cxn modelId="{D598088F-5AC3-4EFE-99DC-F1529DD80D76}" type="presOf" srcId="{03072DBA-B260-46EF-B2F9-80BEEF029960}" destId="{A359CB32-FD74-4851-9450-2FA85503D79A}" srcOrd="1" destOrd="0" presId="urn:microsoft.com/office/officeart/2005/8/layout/hierarchy6"/>
+    <dgm:cxn modelId="{F10D4FA5-987D-4BA3-9D14-C36EA1D4B865}" type="presOf" srcId="{7B45A5DC-3748-4AC5-9C5B-1DB8428C64B3}" destId="{4845A9D5-6564-4487-914B-D1485D7DDD63}" srcOrd="0" destOrd="0" presId="urn:microsoft.com/office/officeart/2005/8/layout/hierarchy6"/>
+    <dgm:cxn modelId="{C2A042B5-EB4B-494A-AD77-F52FA24AF0FC}" srcId="{BE0CB87B-5EA2-4B65-978F-1F3F2606237B}" destId="{C24A352F-8489-45E0-9455-7579655FBFBF}" srcOrd="0" destOrd="0" parTransId="{3264C905-E5C1-4A9B-9D01-0D70265F6246}" sibTransId="{DC42C2FF-5A95-42E0-A5E3-4662119E05EF}"/>
+    <dgm:cxn modelId="{C36479B7-EB3A-419D-846C-237C675D4630}" srcId="{BE0CB87B-5EA2-4B65-978F-1F3F2606237B}" destId="{FA316560-31BF-4DED-9BC6-EFCB1644CA41}" srcOrd="2" destOrd="0" parTransId="{BDE52E20-D3F8-4295-96AD-8A7DBDD6926D}" sibTransId="{B8A35A65-E544-4543-AEE7-183B806A4EA2}"/>
+    <dgm:cxn modelId="{ACFC96BC-F382-4055-AC53-2EFD3D3D4BE2}" type="presOf" srcId="{BDE52E20-D3F8-4295-96AD-8A7DBDD6926D}" destId="{20187EFF-9F54-440A-8907-93C3BB961C65}" srcOrd="0" destOrd="0" presId="urn:microsoft.com/office/officeart/2005/8/layout/hierarchy6"/>
+    <dgm:cxn modelId="{12B180C9-6957-4659-84A0-32C0315178A4}" type="presOf" srcId="{3264C905-E5C1-4A9B-9D01-0D70265F6246}" destId="{5532AA10-5880-4269-902B-3B7CF5C0D400}" srcOrd="0" destOrd="0" presId="urn:microsoft.com/office/officeart/2005/8/layout/hierarchy6"/>
+    <dgm:cxn modelId="{25D48DD0-9FF5-45C1-B5BA-AA6E504D6B41}" srcId="{6DCAEAD0-0997-4792-B08F-5B64CFA15D64}" destId="{975A07FC-54AE-434F-BB42-FF025D12E00D}" srcOrd="0" destOrd="0" parTransId="{B3E0E86C-62E8-4813-BA77-F566ABF5644E}" sibTransId="{4AEBD848-8434-4FC9-8569-2AE14B5ACF53}"/>
     <dgm:cxn modelId="{E2CF52D3-1858-4FB1-A9FC-4295CC43F5C4}" srcId="{1D935358-EA2F-4BB5-B672-F3901DA6C92F}" destId="{6DCAEAD0-0997-4792-B08F-5B64CFA15D64}" srcOrd="0" destOrd="0" parTransId="{D4471057-C71F-476B-AB7A-BB3B514E6833}" sibTransId="{3C4F18BB-FF2A-4D58-A1C7-ED4E3AAFC1FB}"/>
-    <dgm:cxn modelId="{C4CA0DDB-AC9D-40A2-9630-0D0047754310}" srcId="{6DCAEAD0-0997-4792-B08F-5B64CFA15D64}" destId="{D0B9E4B9-24FD-4BF3-A877-34012B7178F9}" srcOrd="4" destOrd="0" parTransId="{4D8DFFA5-D8F1-4364-85A5-855E10B65E61}" sibTransId="{94076EB5-61DF-418D-98B4-8247E5F4A0C2}"/>
-    <dgm:cxn modelId="{26BEC4E9-C78E-4E29-BA16-AC709EE709C6}" type="presOf" srcId="{5BC05B46-0C29-4999-A747-2413AA95AA1E}" destId="{6241BE42-6B83-43C5-9E4C-7A66D6D9EFA4}" srcOrd="0" destOrd="0" presId="urn:microsoft.com/office/officeart/2008/layout/NameandTitleOrganizationalChart"/>
-    <dgm:cxn modelId="{A36984F1-1170-42C3-AD31-BC197ABF0A93}" type="presOf" srcId="{BE0CB87B-5EA2-4B65-978F-1F3F2606237B}" destId="{1A764CF8-A43E-49B0-A5E6-86652167097B}" srcOrd="1" destOrd="0" presId="urn:microsoft.com/office/officeart/2008/layout/NameandTitleOrganizationalChart"/>
-    <dgm:cxn modelId="{A737D0F4-4A5B-48B4-91F4-E37C9EC83439}" type="presOf" srcId="{A2758F12-CFA1-4AF9-8C0F-F37075F04D02}" destId="{D1C69FA8-DF74-4F4B-9D7C-F958FB699CDF}" srcOrd="0" destOrd="0" presId="urn:microsoft.com/office/officeart/2008/layout/NameandTitleOrganizationalChart"/>
-    <dgm:cxn modelId="{7F8D32F9-B147-41C1-A6E3-B3D646E421F5}" type="presOf" srcId="{6C47FC16-E08D-47D4-ACD0-95004A46C094}" destId="{093426B6-CB37-4BFB-A245-2C41D01495F2}" srcOrd="0" destOrd="0" presId="urn:microsoft.com/office/officeart/2008/layout/NameandTitleOrganizationalChart"/>
-    <dgm:cxn modelId="{1E642EC2-D00C-483E-AB47-BE8D4FC2192E}" type="presParOf" srcId="{CA7EC028-924C-4884-A5D8-BC856AC98A33}" destId="{FBBE2CC4-173D-4362-ADD9-519407899388}" srcOrd="0" destOrd="0" presId="urn:microsoft.com/office/officeart/2008/layout/NameandTitleOrganizationalChart"/>
-    <dgm:cxn modelId="{BAF74E09-CCC6-443C-BC19-8942534C8CF5}" type="presParOf" srcId="{FBBE2CC4-173D-4362-ADD9-519407899388}" destId="{A9C13C0C-DF1F-4D90-B820-AE0E39B5BBAF}" srcOrd="0" destOrd="0" presId="urn:microsoft.com/office/officeart/2008/layout/NameandTitleOrganizationalChart"/>
-    <dgm:cxn modelId="{9A94820C-9B79-42BE-A483-3CED7D776C2A}" type="presParOf" srcId="{A9C13C0C-DF1F-4D90-B820-AE0E39B5BBAF}" destId="{0E2F0851-4C4D-4530-93D1-F0F47B358084}" srcOrd="0" destOrd="0" presId="urn:microsoft.com/office/officeart/2008/layout/NameandTitleOrganizationalChart"/>
-    <dgm:cxn modelId="{6C5B7693-A104-4482-A432-AC3016793744}" type="presParOf" srcId="{A9C13C0C-DF1F-4D90-B820-AE0E39B5BBAF}" destId="{45F2E63E-3EB4-4AA6-9262-2D4E07AB612D}" srcOrd="1" destOrd="0" presId="urn:microsoft.com/office/officeart/2008/layout/NameandTitleOrganizationalChart"/>
-    <dgm:cxn modelId="{F098D43D-EED6-4410-9F76-BF3AC73D5F4C}" type="presParOf" srcId="{A9C13C0C-DF1F-4D90-B820-AE0E39B5BBAF}" destId="{D6F87856-DB89-4B07-8E36-FBCCD2682A58}" srcOrd="2" destOrd="0" presId="urn:microsoft.com/office/officeart/2008/layout/NameandTitleOrganizationalChart"/>
-    <dgm:cxn modelId="{97E2656D-8C28-4B96-86E7-008B6D673D58}" type="presParOf" srcId="{FBBE2CC4-173D-4362-ADD9-519407899388}" destId="{7CE13014-780E-4A2A-9056-F7B514DFFC56}" srcOrd="1" destOrd="0" presId="urn:microsoft.com/office/officeart/2008/layout/NameandTitleOrganizationalChart"/>
-    <dgm:cxn modelId="{A35CAAD4-B452-468C-98D6-B7D70DA213DF}" type="presParOf" srcId="{7CE13014-780E-4A2A-9056-F7B514DFFC56}" destId="{E1454AD8-92A9-4D75-B1F9-D25FFF23CF55}" srcOrd="0" destOrd="0" presId="urn:microsoft.com/office/officeart/2008/layout/NameandTitleOrganizationalChart"/>
-    <dgm:cxn modelId="{17BF5C69-E49B-47E0-B5CD-0934EE5FFAC8}" type="presParOf" srcId="{7CE13014-780E-4A2A-9056-F7B514DFFC56}" destId="{6CAE6F28-8153-4065-A7CE-2F677AF38552}" srcOrd="1" destOrd="0" presId="urn:microsoft.com/office/officeart/2008/layout/NameandTitleOrganizationalChart"/>
-    <dgm:cxn modelId="{B764E743-7B2D-4CCB-81FF-947C27A0FB74}" type="presParOf" srcId="{6CAE6F28-8153-4065-A7CE-2F677AF38552}" destId="{D3C2FAA7-65F1-4FA2-A30E-716E46016A59}" srcOrd="0" destOrd="0" presId="urn:microsoft.com/office/officeart/2008/layout/NameandTitleOrganizationalChart"/>
-    <dgm:cxn modelId="{2E2E3F74-564A-4C68-A7A6-6C35F07488E0}" type="presParOf" srcId="{D3C2FAA7-65F1-4FA2-A30E-716E46016A59}" destId="{CA178424-5890-4242-A103-23C325743DDD}" srcOrd="0" destOrd="0" presId="urn:microsoft.com/office/officeart/2008/layout/NameandTitleOrganizationalChart"/>
-    <dgm:cxn modelId="{3193CD7C-C3C7-46EE-ABB9-CB2EF24BC759}" type="presParOf" srcId="{D3C2FAA7-65F1-4FA2-A30E-716E46016A59}" destId="{D1C69FA8-DF74-4F4B-9D7C-F958FB699CDF}" srcOrd="1" destOrd="0" presId="urn:microsoft.com/office/officeart/2008/layout/NameandTitleOrganizationalChart"/>
-    <dgm:cxn modelId="{83230BB0-F580-47A0-AD98-1371DDA9FE82}" type="presParOf" srcId="{D3C2FAA7-65F1-4FA2-A30E-716E46016A59}" destId="{FF2D7759-F361-4E1C-8453-7D5907060ADA}" srcOrd="2" destOrd="0" presId="urn:microsoft.com/office/officeart/2008/layout/NameandTitleOrganizationalChart"/>
-    <dgm:cxn modelId="{6C8F3F08-90FC-44D5-A507-85534E368C77}" type="presParOf" srcId="{6CAE6F28-8153-4065-A7CE-2F677AF38552}" destId="{3F72EC58-F818-4246-B4EE-FD4563900503}" srcOrd="1" destOrd="0" presId="urn:microsoft.com/office/officeart/2008/layout/NameandTitleOrganizationalChart"/>
-    <dgm:cxn modelId="{2963FF5C-3106-4193-BD2C-3761DBD2D53F}" type="presParOf" srcId="{6CAE6F28-8153-4065-A7CE-2F677AF38552}" destId="{4F689891-3550-4C0A-9944-9B6ADA6AA53C}" srcOrd="2" destOrd="0" presId="urn:microsoft.com/office/officeart/2008/layout/NameandTitleOrganizationalChart"/>
-    <dgm:cxn modelId="{F52BFD31-5CD9-4472-8DB4-94CBE0DB8B6E}" type="presParOf" srcId="{7CE13014-780E-4A2A-9056-F7B514DFFC56}" destId="{B9DF72DF-4A7C-4757-B5C6-CE8BD368E8DF}" srcOrd="2" destOrd="0" presId="urn:microsoft.com/office/officeart/2008/layout/NameandTitleOrganizationalChart"/>
-    <dgm:cxn modelId="{7960C17B-7659-42DA-87E8-C5CC0D57DA3B}" type="presParOf" srcId="{7CE13014-780E-4A2A-9056-F7B514DFFC56}" destId="{18FB92B0-452E-4988-BA72-08CF5F3624A0}" srcOrd="3" destOrd="0" presId="urn:microsoft.com/office/officeart/2008/layout/NameandTitleOrganizationalChart"/>
-    <dgm:cxn modelId="{590D36B0-8275-48C2-AB0F-02F8DFAF57A0}" type="presParOf" srcId="{18FB92B0-452E-4988-BA72-08CF5F3624A0}" destId="{0253AC07-40F4-4826-A0CF-B39563808A93}" srcOrd="0" destOrd="0" presId="urn:microsoft.com/office/officeart/2008/layout/NameandTitleOrganizationalChart"/>
-    <dgm:cxn modelId="{30359FCA-C486-4A4A-A548-57CBA42FF802}" type="presParOf" srcId="{0253AC07-40F4-4826-A0CF-B39563808A93}" destId="{4CB25805-913C-467F-83C6-B08F3AFCFA0F}" srcOrd="0" destOrd="0" presId="urn:microsoft.com/office/officeart/2008/layout/NameandTitleOrganizationalChart"/>
-    <dgm:cxn modelId="{9A6A04A6-CFAE-4A41-9DB7-B555EEE6980B}" type="presParOf" srcId="{0253AC07-40F4-4826-A0CF-B39563808A93}" destId="{261948D4-2FA7-4063-B7A1-EDC8AF65CE54}" srcOrd="1" destOrd="0" presId="urn:microsoft.com/office/officeart/2008/layout/NameandTitleOrganizationalChart"/>
-    <dgm:cxn modelId="{9948769B-E4EE-405E-BA94-DFF75DADA49C}" type="presParOf" srcId="{0253AC07-40F4-4826-A0CF-B39563808A93}" destId="{CDCA7A2C-026D-4A0C-9E83-8C0BBBB62503}" srcOrd="2" destOrd="0" presId="urn:microsoft.com/office/officeart/2008/layout/NameandTitleOrganizationalChart"/>
-    <dgm:cxn modelId="{7126E9AA-B548-408C-BE5F-CDB1A23DBF8A}" type="presParOf" srcId="{18FB92B0-452E-4988-BA72-08CF5F3624A0}" destId="{A083279B-47F7-4C45-984A-4A6DC83D2D4E}" srcOrd="1" destOrd="0" presId="urn:microsoft.com/office/officeart/2008/layout/NameandTitleOrganizationalChart"/>
-    <dgm:cxn modelId="{0C063160-492E-4609-8B46-9DC1C5D492C8}" type="presParOf" srcId="{18FB92B0-452E-4988-BA72-08CF5F3624A0}" destId="{A3B1AB49-D71F-4472-B580-CB73AD3044F2}" srcOrd="2" destOrd="0" presId="urn:microsoft.com/office/officeart/2008/layout/NameandTitleOrganizationalChart"/>
-    <dgm:cxn modelId="{9AC8EC92-BE71-4888-8503-97AD52597CF9}" type="presParOf" srcId="{7CE13014-780E-4A2A-9056-F7B514DFFC56}" destId="{F3830243-C9A1-4DF7-8669-B314549186C1}" srcOrd="4" destOrd="0" presId="urn:microsoft.com/office/officeart/2008/layout/NameandTitleOrganizationalChart"/>
-    <dgm:cxn modelId="{4EF2FF23-3478-49BC-B452-F2D359B6542F}" type="presParOf" srcId="{7CE13014-780E-4A2A-9056-F7B514DFFC56}" destId="{22AD43E7-667A-4BFA-9AF9-A6F7B329E10E}" srcOrd="5" destOrd="0" presId="urn:microsoft.com/office/officeart/2008/layout/NameandTitleOrganizationalChart"/>
-    <dgm:cxn modelId="{2E3B93E5-798C-4F5C-8BF2-265071D6C7F1}" type="presParOf" srcId="{22AD43E7-667A-4BFA-9AF9-A6F7B329E10E}" destId="{EA4D9F20-D58A-4A1F-B067-7D911573A3E9}" srcOrd="0" destOrd="0" presId="urn:microsoft.com/office/officeart/2008/layout/NameandTitleOrganizationalChart"/>
-    <dgm:cxn modelId="{0B2896B2-946C-428C-A430-5C9793EEA72F}" type="presParOf" srcId="{EA4D9F20-D58A-4A1F-B067-7D911573A3E9}" destId="{9B35FC8C-9186-49B8-A053-DD687917697F}" srcOrd="0" destOrd="0" presId="urn:microsoft.com/office/officeart/2008/layout/NameandTitleOrganizationalChart"/>
-    <dgm:cxn modelId="{78F08FA5-2FBB-4322-8179-0FDFE6AAA107}" type="presParOf" srcId="{EA4D9F20-D58A-4A1F-B067-7D911573A3E9}" destId="{79B36821-8B5C-4E25-9CAE-29F66DCC0474}" srcOrd="1" destOrd="0" presId="urn:microsoft.com/office/officeart/2008/layout/NameandTitleOrganizationalChart"/>
-    <dgm:cxn modelId="{8C1C39D9-A0AD-4674-81F9-4D5FE3ABA988}" type="presParOf" srcId="{EA4D9F20-D58A-4A1F-B067-7D911573A3E9}" destId="{7F440B4E-5F7D-455A-B718-6B7FA6B4E517}" srcOrd="2" destOrd="0" presId="urn:microsoft.com/office/officeart/2008/layout/NameandTitleOrganizationalChart"/>
-    <dgm:cxn modelId="{48EAD98A-DA66-473E-87C5-291111271AAD}" type="presParOf" srcId="{22AD43E7-667A-4BFA-9AF9-A6F7B329E10E}" destId="{D5B530F9-2973-4A54-9ED0-EEB2550C541B}" srcOrd="1" destOrd="0" presId="urn:microsoft.com/office/officeart/2008/layout/NameandTitleOrganizationalChart"/>
-    <dgm:cxn modelId="{69BB16FA-6AB5-4633-AF56-3D13F3E56B69}" type="presParOf" srcId="{22AD43E7-667A-4BFA-9AF9-A6F7B329E10E}" destId="{E43F2A15-CFC1-4423-9FCC-879CCCB125A4}" srcOrd="2" destOrd="0" presId="urn:microsoft.com/office/officeart/2008/layout/NameandTitleOrganizationalChart"/>
-    <dgm:cxn modelId="{7DFE89DE-A600-4ECB-AE5F-BF3EAAE2BD90}" type="presParOf" srcId="{FBBE2CC4-173D-4362-ADD9-519407899388}" destId="{72548364-48B9-48B0-BA21-208469BDEFBF}" srcOrd="2" destOrd="0" presId="urn:microsoft.com/office/officeart/2008/layout/NameandTitleOrganizationalChart"/>
-    <dgm:cxn modelId="{E4F493BD-9AEE-4AA1-A5E2-8775D4079976}" type="presParOf" srcId="{72548364-48B9-48B0-BA21-208469BDEFBF}" destId="{F7B374D2-923B-4157-A1F7-83B6513409E4}" srcOrd="0" destOrd="0" presId="urn:microsoft.com/office/officeart/2008/layout/NameandTitleOrganizationalChart"/>
-    <dgm:cxn modelId="{72F8A817-709B-4F9E-A55D-A12ED1FE423C}" type="presParOf" srcId="{72548364-48B9-48B0-BA21-208469BDEFBF}" destId="{63E55325-CA80-4AA4-925E-9743BAB7D383}" srcOrd="1" destOrd="0" presId="urn:microsoft.com/office/officeart/2008/layout/NameandTitleOrganizationalChart"/>
-    <dgm:cxn modelId="{1C65CD99-AE27-4949-BF9F-D53EADBC7D6F}" type="presParOf" srcId="{63E55325-CA80-4AA4-925E-9743BAB7D383}" destId="{29F5A972-804D-49D0-B31B-05A1A5F96A5D}" srcOrd="0" destOrd="0" presId="urn:microsoft.com/office/officeart/2008/layout/NameandTitleOrganizationalChart"/>
-    <dgm:cxn modelId="{C538802F-C572-41CE-96F7-0C69E7EF8E98}" type="presParOf" srcId="{29F5A972-804D-49D0-B31B-05A1A5F96A5D}" destId="{6241BE42-6B83-43C5-9E4C-7A66D6D9EFA4}" srcOrd="0" destOrd="0" presId="urn:microsoft.com/office/officeart/2008/layout/NameandTitleOrganizationalChart"/>
-    <dgm:cxn modelId="{89B9466C-B4E1-426C-8DDE-441900BE13E5}" type="presParOf" srcId="{29F5A972-804D-49D0-B31B-05A1A5F96A5D}" destId="{093426B6-CB37-4BFB-A245-2C41D01495F2}" srcOrd="1" destOrd="0" presId="urn:microsoft.com/office/officeart/2008/layout/NameandTitleOrganizationalChart"/>
-    <dgm:cxn modelId="{C1C02E0C-2795-4C76-8A8B-B0D173311198}" type="presParOf" srcId="{29F5A972-804D-49D0-B31B-05A1A5F96A5D}" destId="{2B5C7799-873D-42EB-A9F8-2A4A5CF12AF9}" srcOrd="2" destOrd="0" presId="urn:microsoft.com/office/officeart/2008/layout/NameandTitleOrganizationalChart"/>
-    <dgm:cxn modelId="{68719870-42CB-4AE8-A7B2-607309FF861C}" type="presParOf" srcId="{63E55325-CA80-4AA4-925E-9743BAB7D383}" destId="{9184B546-2593-468F-A7D4-BC1490D56B89}" srcOrd="1" destOrd="0" presId="urn:microsoft.com/office/officeart/2008/layout/NameandTitleOrganizationalChart"/>
-    <dgm:cxn modelId="{CC8C953E-39BF-4DEF-BF0B-71C8A64E9C8A}" type="presParOf" srcId="{63E55325-CA80-4AA4-925E-9743BAB7D383}" destId="{E294FB3C-EB78-405E-AA86-748CF26C9F98}" srcOrd="2" destOrd="0" presId="urn:microsoft.com/office/officeart/2008/layout/NameandTitleOrganizationalChart"/>
-    <dgm:cxn modelId="{E62E7FAE-9FBA-4DA1-9882-6C802BC4CB2F}" type="presParOf" srcId="{72548364-48B9-48B0-BA21-208469BDEFBF}" destId="{879708FF-C94E-4BC2-B60E-736C0D75B913}" srcOrd="2" destOrd="0" presId="urn:microsoft.com/office/officeart/2008/layout/NameandTitleOrganizationalChart"/>
-    <dgm:cxn modelId="{03238798-4BB9-498F-851C-3BEC76BDA065}" type="presParOf" srcId="{72548364-48B9-48B0-BA21-208469BDEFBF}" destId="{FDA2DC43-0C30-4992-BD42-DDD769D5A706}" srcOrd="3" destOrd="0" presId="urn:microsoft.com/office/officeart/2008/layout/NameandTitleOrganizationalChart"/>
-    <dgm:cxn modelId="{CBCFE2A2-9961-418A-9D57-283583C6281C}" type="presParOf" srcId="{FDA2DC43-0C30-4992-BD42-DDD769D5A706}" destId="{06D11D0A-F4B6-449A-B346-78D4B79D7EEF}" srcOrd="0" destOrd="0" presId="urn:microsoft.com/office/officeart/2008/layout/NameandTitleOrganizationalChart"/>
-    <dgm:cxn modelId="{0129E0EA-A7FE-488F-8188-E7B1FB2F55B9}" type="presParOf" srcId="{06D11D0A-F4B6-449A-B346-78D4B79D7EEF}" destId="{00B9D14D-0388-44E4-BC78-EBCAD0B6979C}" srcOrd="0" destOrd="0" presId="urn:microsoft.com/office/officeart/2008/layout/NameandTitleOrganizationalChart"/>
-    <dgm:cxn modelId="{DD7F034B-9221-4A31-A8E7-03F0BA96E0FE}" type="presParOf" srcId="{06D11D0A-F4B6-449A-B346-78D4B79D7EEF}" destId="{CC557E83-DF62-40AD-8846-5E84F3421AB0}" srcOrd="1" destOrd="0" presId="urn:microsoft.com/office/officeart/2008/layout/NameandTitleOrganizationalChart"/>
-    <dgm:cxn modelId="{6A3F2029-E5D9-48D6-8C68-F61612B00632}" type="presParOf" srcId="{06D11D0A-F4B6-449A-B346-78D4B79D7EEF}" destId="{64D84924-42BA-4257-BD89-84914B8CD867}" srcOrd="2" destOrd="0" presId="urn:microsoft.com/office/officeart/2008/layout/NameandTitleOrganizationalChart"/>
-    <dgm:cxn modelId="{1901A802-8D64-466F-9BF8-FFE63B3D73EA}" type="presParOf" srcId="{FDA2DC43-0C30-4992-BD42-DDD769D5A706}" destId="{9015364E-5286-4807-B97A-53C5495DDDD9}" srcOrd="1" destOrd="0" presId="urn:microsoft.com/office/officeart/2008/layout/NameandTitleOrganizationalChart"/>
-    <dgm:cxn modelId="{FC30D20B-4FA2-495B-AA9F-EB3AB57A660B}" type="presParOf" srcId="{FDA2DC43-0C30-4992-BD42-DDD769D5A706}" destId="{10B49292-CA38-45E8-AC21-51963B450521}" srcOrd="2" destOrd="0" presId="urn:microsoft.com/office/officeart/2008/layout/NameandTitleOrganizationalChart"/>
-    <dgm:cxn modelId="{F21AA8DA-D9D2-4F67-9DE5-07EDFAF3A207}" type="presParOf" srcId="{72548364-48B9-48B0-BA21-208469BDEFBF}" destId="{C08D4BA8-B80B-44C7-BC19-57306DF9A87F}" srcOrd="4" destOrd="0" presId="urn:microsoft.com/office/officeart/2008/layout/NameandTitleOrganizationalChart"/>
-    <dgm:cxn modelId="{BF300B41-B2C3-4E65-9242-842CD2E347E2}" type="presParOf" srcId="{72548364-48B9-48B0-BA21-208469BDEFBF}" destId="{85F958D1-87F7-41D9-80EB-3A1A5891DAB8}" srcOrd="5" destOrd="0" presId="urn:microsoft.com/office/officeart/2008/layout/NameandTitleOrganizationalChart"/>
-    <dgm:cxn modelId="{DC91EB0D-8A22-4CAE-BEF1-9659AC9446F2}" type="presParOf" srcId="{85F958D1-87F7-41D9-80EB-3A1A5891DAB8}" destId="{23F1C90A-8722-4B26-B37B-E10088B1F37E}" srcOrd="0" destOrd="0" presId="urn:microsoft.com/office/officeart/2008/layout/NameandTitleOrganizationalChart"/>
-    <dgm:cxn modelId="{F35450E0-34A1-4781-8F5E-2DC57333D22D}" type="presParOf" srcId="{23F1C90A-8722-4B26-B37B-E10088B1F37E}" destId="{101E76A2-4743-4286-A350-ED12787CB775}" srcOrd="0" destOrd="0" presId="urn:microsoft.com/office/officeart/2008/layout/NameandTitleOrganizationalChart"/>
-    <dgm:cxn modelId="{12F3ABC1-BDE5-4BBA-BF31-6F1A8D7ECAD6}" type="presParOf" srcId="{23F1C90A-8722-4B26-B37B-E10088B1F37E}" destId="{AB3EC8CC-7AD0-4ADD-8E48-F1FFC2E107B9}" srcOrd="1" destOrd="0" presId="urn:microsoft.com/office/officeart/2008/layout/NameandTitleOrganizationalChart"/>
-    <dgm:cxn modelId="{1742F8CA-F164-49F6-AA54-E9B5E23C3053}" type="presParOf" srcId="{23F1C90A-8722-4B26-B37B-E10088B1F37E}" destId="{4ECAD660-942D-4104-A853-1C810DA1F24E}" srcOrd="2" destOrd="0" presId="urn:microsoft.com/office/officeart/2008/layout/NameandTitleOrganizationalChart"/>
-    <dgm:cxn modelId="{8A85A3D7-F75A-4EDB-87CD-D9D1248D5721}" type="presParOf" srcId="{85F958D1-87F7-41D9-80EB-3A1A5891DAB8}" destId="{E714FEB5-3C7A-4E0B-833E-8EA8A7842F88}" srcOrd="1" destOrd="0" presId="urn:microsoft.com/office/officeart/2008/layout/NameandTitleOrganizationalChart"/>
-    <dgm:cxn modelId="{A6F740D6-3FA3-4739-B781-7FEAD1262E21}" type="presParOf" srcId="{85F958D1-87F7-41D9-80EB-3A1A5891DAB8}" destId="{6970C7AC-54CF-4981-B20A-9C85649C7F22}" srcOrd="2" destOrd="0" presId="urn:microsoft.com/office/officeart/2008/layout/NameandTitleOrganizationalChart"/>
-    <dgm:cxn modelId="{2183D8C5-B5D7-4ED6-A581-5242EBC97A5C}" type="presParOf" srcId="{72548364-48B9-48B0-BA21-208469BDEFBF}" destId="{CF29FFD7-FA45-4B44-B920-5739BBD8395F}" srcOrd="6" destOrd="0" presId="urn:microsoft.com/office/officeart/2008/layout/NameandTitleOrganizationalChart"/>
-    <dgm:cxn modelId="{480BFD89-CFF8-48DB-AE20-724D44ED5EA9}" type="presParOf" srcId="{72548364-48B9-48B0-BA21-208469BDEFBF}" destId="{F06B246F-9106-4958-8B48-8A5464E6989F}" srcOrd="7" destOrd="0" presId="urn:microsoft.com/office/officeart/2008/layout/NameandTitleOrganizationalChart"/>
-    <dgm:cxn modelId="{679F1821-2321-43D5-9D7A-69530BDB0392}" type="presParOf" srcId="{F06B246F-9106-4958-8B48-8A5464E6989F}" destId="{8E99FBDF-7CFF-4C88-B35A-E18D6AC93CB9}" srcOrd="0" destOrd="0" presId="urn:microsoft.com/office/officeart/2008/layout/NameandTitleOrganizationalChart"/>
-    <dgm:cxn modelId="{C3F818F4-B913-47E9-8CEB-FBF09FF0F013}" type="presParOf" srcId="{8E99FBDF-7CFF-4C88-B35A-E18D6AC93CB9}" destId="{B3283E1E-2057-4690-A212-3D2DAFA652BD}" srcOrd="0" destOrd="0" presId="urn:microsoft.com/office/officeart/2008/layout/NameandTitleOrganizationalChart"/>
-    <dgm:cxn modelId="{38619D92-8C81-4BC1-A484-A45512A22C0C}" type="presParOf" srcId="{8E99FBDF-7CFF-4C88-B35A-E18D6AC93CB9}" destId="{A0AD7242-ED6A-474D-B059-FB0D1C171505}" srcOrd="1" destOrd="0" presId="urn:microsoft.com/office/officeart/2008/layout/NameandTitleOrganizationalChart"/>
-    <dgm:cxn modelId="{C5F6DF49-0AB6-4DD3-AC10-D495AA1807CB}" type="presParOf" srcId="{8E99FBDF-7CFF-4C88-B35A-E18D6AC93CB9}" destId="{1A764CF8-A43E-49B0-A5E6-86652167097B}" srcOrd="2" destOrd="0" presId="urn:microsoft.com/office/officeart/2008/layout/NameandTitleOrganizationalChart"/>
-    <dgm:cxn modelId="{07C28506-D357-431B-831A-6B29C3761216}" type="presParOf" srcId="{F06B246F-9106-4958-8B48-8A5464E6989F}" destId="{59D76E33-23D8-4DD6-9B87-C3AB72CB9838}" srcOrd="1" destOrd="0" presId="urn:microsoft.com/office/officeart/2008/layout/NameandTitleOrganizationalChart"/>
-    <dgm:cxn modelId="{C0A5CC3C-F382-4E5E-847B-21C9DE5A31BC}" type="presParOf" srcId="{F06B246F-9106-4958-8B48-8A5464E6989F}" destId="{FE2B5AAE-CF76-490A-8915-809E55F58895}" srcOrd="2" destOrd="0" presId="urn:microsoft.com/office/officeart/2008/layout/NameandTitleOrganizationalChart"/>
-    <dgm:cxn modelId="{01BE1110-92CC-4EBC-8732-6FC12D12A89C}" type="presParOf" srcId="{72548364-48B9-48B0-BA21-208469BDEFBF}" destId="{0A15230D-CEAD-44AB-A9D8-4F1795C0EDC5}" srcOrd="8" destOrd="0" presId="urn:microsoft.com/office/officeart/2008/layout/NameandTitleOrganizationalChart"/>
-    <dgm:cxn modelId="{6E5DA8C6-BA64-419D-A668-0FBA540CAF7C}" type="presParOf" srcId="{72548364-48B9-48B0-BA21-208469BDEFBF}" destId="{1A98C2D0-933F-4523-9BA6-FDFA3195E69E}" srcOrd="9" destOrd="0" presId="urn:microsoft.com/office/officeart/2008/layout/NameandTitleOrganizationalChart"/>
-    <dgm:cxn modelId="{5536CC93-D6B1-49BD-9061-8BD2FAC1FCB3}" type="presParOf" srcId="{1A98C2D0-933F-4523-9BA6-FDFA3195E69E}" destId="{F2B9C679-E1B9-4150-B0C2-B3A41408CB60}" srcOrd="0" destOrd="0" presId="urn:microsoft.com/office/officeart/2008/layout/NameandTitleOrganizationalChart"/>
-    <dgm:cxn modelId="{845EF4C9-49DA-476F-AA63-FF83AE03F1EA}" type="presParOf" srcId="{F2B9C679-E1B9-4150-B0C2-B3A41408CB60}" destId="{51DB92DD-B79E-4851-B428-2D6647EE4E80}" srcOrd="0" destOrd="0" presId="urn:microsoft.com/office/officeart/2008/layout/NameandTitleOrganizationalChart"/>
-    <dgm:cxn modelId="{D03D5281-302C-41B3-9F44-95A9E0163E36}" type="presParOf" srcId="{F2B9C679-E1B9-4150-B0C2-B3A41408CB60}" destId="{B07D686E-F7BD-47F3-8C9D-E3F4BF1B6336}" srcOrd="1" destOrd="0" presId="urn:microsoft.com/office/officeart/2008/layout/NameandTitleOrganizationalChart"/>
-    <dgm:cxn modelId="{3ACB0F2D-2028-4E8B-93BD-3913DF6C7749}" type="presParOf" srcId="{F2B9C679-E1B9-4150-B0C2-B3A41408CB60}" destId="{F60EE2F1-06F8-4D1C-AF4C-5BEB6DD46FD3}" srcOrd="2" destOrd="0" presId="urn:microsoft.com/office/officeart/2008/layout/NameandTitleOrganizationalChart"/>
-    <dgm:cxn modelId="{70001C9C-E2F3-4332-A6A8-044965F617C5}" type="presParOf" srcId="{1A98C2D0-933F-4523-9BA6-FDFA3195E69E}" destId="{90BA8C5D-EE2C-499B-A845-93B32CA36DE9}" srcOrd="1" destOrd="0" presId="urn:microsoft.com/office/officeart/2008/layout/NameandTitleOrganizationalChart"/>
-    <dgm:cxn modelId="{05398FE1-E3D9-47EC-8A20-671D0F9F15CE}" type="presParOf" srcId="{1A98C2D0-933F-4523-9BA6-FDFA3195E69E}" destId="{8DB54E3D-4FE1-41E1-ABD0-D21AAC6E5D85}" srcOrd="2" destOrd="0" presId="urn:microsoft.com/office/officeart/2008/layout/NameandTitleOrganizationalChart"/>
+    <dgm:cxn modelId="{EC09A6EF-E873-4EF8-A521-0C24448B36C0}" srcId="{1D935358-EA2F-4BB5-B672-F3901DA6C92F}" destId="{7B45A5DC-3748-4AC5-9C5B-1DB8428C64B3}" srcOrd="3" destOrd="0" parTransId="{ECFBC88A-F10A-42F7-B7F4-E22ED5B24379}" sibTransId="{F93320EE-1089-4A34-9E10-249E7BE134E8}"/>
+    <dgm:cxn modelId="{06637C96-F155-4CA0-9CAE-81553BAA447D}" type="presParOf" srcId="{5B3FA25E-7636-40FF-8B40-FDD6A271C5F6}" destId="{D3522506-AA8F-46C8-AAD6-D95C2E038575}" srcOrd="0" destOrd="0" presId="urn:microsoft.com/office/officeart/2005/8/layout/hierarchy6"/>
+    <dgm:cxn modelId="{150D3B6A-3D8A-4061-BA21-CC425F07D7C6}" type="presParOf" srcId="{D3522506-AA8F-46C8-AAD6-D95C2E038575}" destId="{6A4B2638-C3F9-4E7B-8330-F595B38A8AEE}" srcOrd="0" destOrd="0" presId="urn:microsoft.com/office/officeart/2005/8/layout/hierarchy6"/>
+    <dgm:cxn modelId="{04937285-B651-4C65-9CB0-1E09C985BF1B}" type="presParOf" srcId="{D3522506-AA8F-46C8-AAD6-D95C2E038575}" destId="{9B8B4DBD-B8EE-41EC-ACE5-20B9A0EB70A6}" srcOrd="1" destOrd="0" presId="urn:microsoft.com/office/officeart/2005/8/layout/hierarchy6"/>
+    <dgm:cxn modelId="{4BBBF24F-7D30-4062-AD58-DCE0EF3E0D97}" type="presParOf" srcId="{9B8B4DBD-B8EE-41EC-ACE5-20B9A0EB70A6}" destId="{C483D252-9426-43E0-8FAB-6712C5B52991}" srcOrd="0" destOrd="0" presId="urn:microsoft.com/office/officeart/2005/8/layout/hierarchy6"/>
+    <dgm:cxn modelId="{065335A6-E931-4F6D-BE18-E9B57B062E0F}" type="presParOf" srcId="{C483D252-9426-43E0-8FAB-6712C5B52991}" destId="{106846B4-C57C-4B4A-8BDC-EA3A01B8B95F}" srcOrd="0" destOrd="0" presId="urn:microsoft.com/office/officeart/2005/8/layout/hierarchy6"/>
+    <dgm:cxn modelId="{818BC83D-9A5A-445E-AF20-4880287CAE4F}" type="presParOf" srcId="{C483D252-9426-43E0-8FAB-6712C5B52991}" destId="{3079D60D-FF7B-45A3-A68B-3000601A6A14}" srcOrd="1" destOrd="0" presId="urn:microsoft.com/office/officeart/2005/8/layout/hierarchy6"/>
+    <dgm:cxn modelId="{E2F74606-226D-458C-86A1-4BA03932A8B8}" type="presParOf" srcId="{3079D60D-FF7B-45A3-A68B-3000601A6A14}" destId="{AFA13D1E-B68F-4E1C-A8A5-C8CBFB686937}" srcOrd="0" destOrd="0" presId="urn:microsoft.com/office/officeart/2005/8/layout/hierarchy6"/>
+    <dgm:cxn modelId="{ACB3A5BD-0759-497E-A82C-4B80BB26B054}" type="presParOf" srcId="{3079D60D-FF7B-45A3-A68B-3000601A6A14}" destId="{DDDE2EF1-5382-4BAD-A8EC-50740DC23D26}" srcOrd="1" destOrd="0" presId="urn:microsoft.com/office/officeart/2005/8/layout/hierarchy6"/>
+    <dgm:cxn modelId="{4DB6076A-4249-4FAF-B53A-68A02B90D347}" type="presParOf" srcId="{DDDE2EF1-5382-4BAD-A8EC-50740DC23D26}" destId="{21353F14-EF15-4F1A-AD9C-52082FDC1EDE}" srcOrd="0" destOrd="0" presId="urn:microsoft.com/office/officeart/2005/8/layout/hierarchy6"/>
+    <dgm:cxn modelId="{83969186-2D11-49AA-A6BE-DE9F2A884514}" type="presParOf" srcId="{DDDE2EF1-5382-4BAD-A8EC-50740DC23D26}" destId="{A923347D-2DDF-416C-B9F8-CF7C4B904821}" srcOrd="1" destOrd="0" presId="urn:microsoft.com/office/officeart/2005/8/layout/hierarchy6"/>
+    <dgm:cxn modelId="{07A20E23-57D4-4F13-BB32-AA20657FA78C}" type="presParOf" srcId="{3079D60D-FF7B-45A3-A68B-3000601A6A14}" destId="{4B4C13B4-BD1C-43B8-96A8-3016EDC34C57}" srcOrd="2" destOrd="0" presId="urn:microsoft.com/office/officeart/2005/8/layout/hierarchy6"/>
+    <dgm:cxn modelId="{3822AE35-3564-463E-8DE4-E4E1D8D9E592}" type="presParOf" srcId="{3079D60D-FF7B-45A3-A68B-3000601A6A14}" destId="{07083BC4-89E6-41D9-B3C6-6249227DD585}" srcOrd="3" destOrd="0" presId="urn:microsoft.com/office/officeart/2005/8/layout/hierarchy6"/>
+    <dgm:cxn modelId="{F90331A4-D9B4-47C2-A483-86CE0336D80C}" type="presParOf" srcId="{07083BC4-89E6-41D9-B3C6-6249227DD585}" destId="{8A4DBA3A-9F9F-428E-A158-D57E8800853A}" srcOrd="0" destOrd="0" presId="urn:microsoft.com/office/officeart/2005/8/layout/hierarchy6"/>
+    <dgm:cxn modelId="{4BEB4941-C556-4D72-A825-89C9333BD2E5}" type="presParOf" srcId="{07083BC4-89E6-41D9-B3C6-6249227DD585}" destId="{AFA980AE-46F6-4705-99D3-BD2F6F19448D}" srcOrd="1" destOrd="0" presId="urn:microsoft.com/office/officeart/2005/8/layout/hierarchy6"/>
+    <dgm:cxn modelId="{FFC70A2C-D96D-4F36-8C81-74F5606AAF17}" type="presParOf" srcId="{AFA980AE-46F6-4705-99D3-BD2F6F19448D}" destId="{5532AA10-5880-4269-902B-3B7CF5C0D400}" srcOrd="0" destOrd="0" presId="urn:microsoft.com/office/officeart/2005/8/layout/hierarchy6"/>
+    <dgm:cxn modelId="{31D7FE8F-E7F1-474F-B527-1543BB31B04E}" type="presParOf" srcId="{AFA980AE-46F6-4705-99D3-BD2F6F19448D}" destId="{EECD7F31-5CCC-4501-8E7E-489DDA92DE9D}" srcOrd="1" destOrd="0" presId="urn:microsoft.com/office/officeart/2005/8/layout/hierarchy6"/>
+    <dgm:cxn modelId="{AE970BCF-307F-4561-A638-0858F315E35D}" type="presParOf" srcId="{EECD7F31-5CCC-4501-8E7E-489DDA92DE9D}" destId="{2C1BBD02-149D-4AEF-8B7C-071D427D6796}" srcOrd="0" destOrd="0" presId="urn:microsoft.com/office/officeart/2005/8/layout/hierarchy6"/>
+    <dgm:cxn modelId="{5249F5BA-3D79-484D-8BF0-D5CB17C0A2F1}" type="presParOf" srcId="{EECD7F31-5CCC-4501-8E7E-489DDA92DE9D}" destId="{E194991C-CCA4-43EB-AF06-AC04D062EA54}" srcOrd="1" destOrd="0" presId="urn:microsoft.com/office/officeart/2005/8/layout/hierarchy6"/>
+    <dgm:cxn modelId="{51CCAF0C-6047-4944-ACA8-1060DBFFF5FD}" type="presParOf" srcId="{AFA980AE-46F6-4705-99D3-BD2F6F19448D}" destId="{75BA6FCF-B20C-4695-AD33-1AC04E6188EF}" srcOrd="2" destOrd="0" presId="urn:microsoft.com/office/officeart/2005/8/layout/hierarchy6"/>
+    <dgm:cxn modelId="{049181E5-D8A8-4464-B844-9BB1D1BF84DE}" type="presParOf" srcId="{AFA980AE-46F6-4705-99D3-BD2F6F19448D}" destId="{A97EAC25-02B1-417B-9BBA-61951002933A}" srcOrd="3" destOrd="0" presId="urn:microsoft.com/office/officeart/2005/8/layout/hierarchy6"/>
+    <dgm:cxn modelId="{34CE6508-75B9-4274-AA55-B61A45647FD4}" type="presParOf" srcId="{A97EAC25-02B1-417B-9BBA-61951002933A}" destId="{D8B091A3-A137-49C1-BBB3-FD15C0D8621B}" srcOrd="0" destOrd="0" presId="urn:microsoft.com/office/officeart/2005/8/layout/hierarchy6"/>
+    <dgm:cxn modelId="{17F0EE53-DF4D-4C19-A1F3-6C9CD44630B3}" type="presParOf" srcId="{A97EAC25-02B1-417B-9BBA-61951002933A}" destId="{FFD66E22-B15E-4A5E-901C-1B87A3459F36}" srcOrd="1" destOrd="0" presId="urn:microsoft.com/office/officeart/2005/8/layout/hierarchy6"/>
+    <dgm:cxn modelId="{CF85EF48-C975-485C-AEC1-95925E53E429}" type="presParOf" srcId="{AFA980AE-46F6-4705-99D3-BD2F6F19448D}" destId="{20187EFF-9F54-440A-8907-93C3BB961C65}" srcOrd="4" destOrd="0" presId="urn:microsoft.com/office/officeart/2005/8/layout/hierarchy6"/>
+    <dgm:cxn modelId="{886035A9-0B47-4DFC-9C10-C4A91E43999E}" type="presParOf" srcId="{AFA980AE-46F6-4705-99D3-BD2F6F19448D}" destId="{D751619F-D147-4F00-A707-30FE0EC70839}" srcOrd="5" destOrd="0" presId="urn:microsoft.com/office/officeart/2005/8/layout/hierarchy6"/>
+    <dgm:cxn modelId="{3F0F3E6E-477E-4620-AA8C-738215036007}" type="presParOf" srcId="{D751619F-D147-4F00-A707-30FE0EC70839}" destId="{4037397F-5207-48DC-BDDE-62634F8E7BCC}" srcOrd="0" destOrd="0" presId="urn:microsoft.com/office/officeart/2005/8/layout/hierarchy6"/>
+    <dgm:cxn modelId="{F15A9EFF-BA73-4B76-9DDE-CC8C98B231DC}" type="presParOf" srcId="{D751619F-D147-4F00-A707-30FE0EC70839}" destId="{C028401B-73EC-4845-9EE0-542223408AF9}" srcOrd="1" destOrd="0" presId="urn:microsoft.com/office/officeart/2005/8/layout/hierarchy6"/>
+    <dgm:cxn modelId="{932F9749-6887-44CD-8FCE-DC81AE00F5FA}" type="presParOf" srcId="{5B3FA25E-7636-40FF-8B40-FDD6A271C5F6}" destId="{C2C2CF53-A957-4B11-9772-199A0BD321DC}" srcOrd="1" destOrd="0" presId="urn:microsoft.com/office/officeart/2005/8/layout/hierarchy6"/>
+    <dgm:cxn modelId="{E242D5D8-B395-46A5-92AB-616C319E1B9E}" type="presParOf" srcId="{C2C2CF53-A957-4B11-9772-199A0BD321DC}" destId="{5E96D95E-94AE-48E2-8736-5E6E8DDB3D36}" srcOrd="0" destOrd="0" presId="urn:microsoft.com/office/officeart/2005/8/layout/hierarchy6"/>
+    <dgm:cxn modelId="{180314F2-CF45-44D1-9A8B-B8A34B91D910}" type="presParOf" srcId="{5E96D95E-94AE-48E2-8736-5E6E8DDB3D36}" destId="{00013FE3-9E03-4ABD-8634-95136BD9B976}" srcOrd="0" destOrd="0" presId="urn:microsoft.com/office/officeart/2005/8/layout/hierarchy6"/>
+    <dgm:cxn modelId="{46D00993-9257-4A6F-98DC-AEBC816109A0}" type="presParOf" srcId="{5E96D95E-94AE-48E2-8736-5E6E8DDB3D36}" destId="{A359CB32-FD74-4851-9450-2FA85503D79A}" srcOrd="1" destOrd="0" presId="urn:microsoft.com/office/officeart/2005/8/layout/hierarchy6"/>
+    <dgm:cxn modelId="{7A92ECE5-7D86-4252-B104-736608CE958F}" type="presParOf" srcId="{C2C2CF53-A957-4B11-9772-199A0BD321DC}" destId="{D278C6F4-0529-4113-B0AF-B779FE828202}" srcOrd="1" destOrd="0" presId="urn:microsoft.com/office/officeart/2005/8/layout/hierarchy6"/>
+    <dgm:cxn modelId="{625B3FED-4DE5-4DD6-A5C6-C18DDD937BBD}" type="presParOf" srcId="{D278C6F4-0529-4113-B0AF-B779FE828202}" destId="{A742DB86-D1C6-4DE1-999C-A77F54CCEF1B}" srcOrd="0" destOrd="0" presId="urn:microsoft.com/office/officeart/2005/8/layout/hierarchy6"/>
+    <dgm:cxn modelId="{DF201419-5540-42A9-896D-6DA0882D6FE9}" type="presParOf" srcId="{C2C2CF53-A957-4B11-9772-199A0BD321DC}" destId="{0B10D0FD-0B23-4A63-886B-194C7B76352C}" srcOrd="2" destOrd="0" presId="urn:microsoft.com/office/officeart/2005/8/layout/hierarchy6"/>
+    <dgm:cxn modelId="{A0E6C563-DF5F-41B6-B1EB-1F98F380BD46}" type="presParOf" srcId="{0B10D0FD-0B23-4A63-886B-194C7B76352C}" destId="{C61F606F-B47E-4079-B576-6BB6204940A6}" srcOrd="0" destOrd="0" presId="urn:microsoft.com/office/officeart/2005/8/layout/hierarchy6"/>
+    <dgm:cxn modelId="{B98D69A4-829F-43EA-A083-28FEBBD73D8D}" type="presParOf" srcId="{0B10D0FD-0B23-4A63-886B-194C7B76352C}" destId="{CF4E21CA-CC73-4165-995C-F0D194F310B6}" srcOrd="1" destOrd="0" presId="urn:microsoft.com/office/officeart/2005/8/layout/hierarchy6"/>
+    <dgm:cxn modelId="{431A38C3-A79B-4472-9252-9CF065A27CE5}" type="presParOf" srcId="{C2C2CF53-A957-4B11-9772-199A0BD321DC}" destId="{5FD0EB76-D35D-4135-B4C7-B36E65BD82B9}" srcOrd="3" destOrd="0" presId="urn:microsoft.com/office/officeart/2005/8/layout/hierarchy6"/>
+    <dgm:cxn modelId="{6DECD1EF-5171-4128-84E3-30B448B5DF5D}" type="presParOf" srcId="{5FD0EB76-D35D-4135-B4C7-B36E65BD82B9}" destId="{5BB3E744-E96A-495C-A6F0-AD1E8D27F6A1}" srcOrd="0" destOrd="0" presId="urn:microsoft.com/office/officeart/2005/8/layout/hierarchy6"/>
+    <dgm:cxn modelId="{40457547-0EEE-4674-9E71-FE2A691B5000}" type="presParOf" srcId="{C2C2CF53-A957-4B11-9772-199A0BD321DC}" destId="{D1006DEC-B547-4894-9E89-13106678C3BC}" srcOrd="4" destOrd="0" presId="urn:microsoft.com/office/officeart/2005/8/layout/hierarchy6"/>
+    <dgm:cxn modelId="{0293843A-D5A8-4682-AC35-986695F6AF3F}" type="presParOf" srcId="{D1006DEC-B547-4894-9E89-13106678C3BC}" destId="{4845A9D5-6564-4487-914B-D1485D7DDD63}" srcOrd="0" destOrd="0" presId="urn:microsoft.com/office/officeart/2005/8/layout/hierarchy6"/>
+    <dgm:cxn modelId="{AA41E015-8878-4F50-8273-49A6AB98B914}" type="presParOf" srcId="{D1006DEC-B547-4894-9E89-13106678C3BC}" destId="{33C0EE81-5720-4FA0-ACAD-B89C78FCB4C0}" srcOrd="1" destOrd="0" presId="urn:microsoft.com/office/officeart/2005/8/layout/hierarchy6"/>
   </dgm:cxnLst>
   <dgm:bg/>
   <dgm:whole/>
@@ -1756,57 +1485,40 @@
       <dsp:cNvGrpSpPr/>
     </dsp:nvGrpSpPr>
     <dsp:grpSpPr/>
-    <dsp:sp modelId="{0A15230D-CEAD-44AB-A9D8-4F1795C0EDC5}">
+    <dsp:sp modelId="{4845A9D5-6564-4487-914B-D1485D7DDD63}">
       <dsp:nvSpPr>
         <dsp:cNvPr id="0" name=""/>
         <dsp:cNvSpPr/>
       </dsp:nvSpPr>
       <dsp:spPr>
         <a:xfrm>
-          <a:off x="5008064" y="588091"/>
-          <a:ext cx="193185" cy="2478962"/>
+          <a:off x="0" y="3046033"/>
+          <a:ext cx="10515600" cy="1303949"/>
         </a:xfrm>
-        <a:custGeom>
-          <a:avLst/>
-          <a:gdLst/>
-          <a:ahLst/>
-          <a:cxnLst/>
-          <a:rect l="0" t="0" r="0" b="0"/>
-          <a:pathLst>
-            <a:path>
-              <a:moveTo>
-                <a:pt x="193185" y="0"/>
-              </a:moveTo>
-              <a:lnTo>
-                <a:pt x="193185" y="2478962"/>
-              </a:lnTo>
-              <a:lnTo>
-                <a:pt x="0" y="2478962"/>
-              </a:lnTo>
-            </a:path>
-          </a:pathLst>
-        </a:custGeom>
-        <a:noFill/>
-        <a:ln w="12700" cap="flat" cmpd="sng" algn="ctr">
-          <a:solidFill>
-            <a:schemeClr val="accent1">
-              <a:shade val="60000"/>
-              <a:hueOff val="0"/>
-              <a:satOff val="0"/>
-              <a:lumOff val="0"/>
-              <a:alphaOff val="0"/>
-            </a:schemeClr>
-          </a:solidFill>
-          <a:prstDash val="solid"/>
-          <a:miter lim="800000"/>
+        <a:prstGeom prst="roundRect">
+          <a:avLst>
+            <a:gd name="adj" fmla="val 10000"/>
+          </a:avLst>
+        </a:prstGeom>
+        <a:solidFill>
+          <a:schemeClr val="accent1">
+            <a:tint val="40000"/>
+            <a:hueOff val="0"/>
+            <a:satOff val="0"/>
+            <a:lumOff val="0"/>
+            <a:alphaOff val="0"/>
+          </a:schemeClr>
+        </a:solidFill>
+        <a:ln>
+          <a:noFill/>
         </a:ln>
         <a:effectLst/>
       </dsp:spPr>
       <dsp:style>
-        <a:lnRef idx="2">
+        <a:lnRef idx="0">
           <a:scrgbClr r="0" g="0" b="0"/>
         </a:lnRef>
-        <a:fillRef idx="0">
+        <a:fillRef idx="1">
           <a:scrgbClr r="0" g="0" b="0"/>
         </a:fillRef>
         <a:effectRef idx="0">
@@ -1814,58 +1526,66 @@
         </a:effectRef>
         <a:fontRef idx="minor"/>
       </dsp:style>
+      <dsp:txBody>
+        <a:bodyPr spcFirstLastPara="0" vert="horz" wrap="square" lIns="327152" tIns="327152" rIns="327152" bIns="327152" numCol="1" spcCol="1270" anchor="ctr" anchorCtr="0">
+          <a:noAutofit/>
+        </a:bodyPr>
+        <a:lstStyle/>
+        <a:p>
+          <a:pPr marL="0" lvl="0" indent="0" algn="ctr" defTabSz="2044700">
+            <a:lnSpc>
+              <a:spcPct val="90000"/>
+            </a:lnSpc>
+            <a:spcBef>
+              <a:spcPct val="0"/>
+            </a:spcBef>
+            <a:spcAft>
+              <a:spcPct val="35000"/>
+            </a:spcAft>
+            <a:buNone/>
+          </a:pPr>
+          <a:endParaRPr lang="en-US" sz="4600" kern="1200"/>
+        </a:p>
+      </dsp:txBody>
+      <dsp:txXfrm>
+        <a:off x="0" y="3046033"/>
+        <a:ext cx="3154680" cy="1303949"/>
+      </dsp:txXfrm>
     </dsp:sp>
-    <dsp:sp modelId="{CF29FFD7-FA45-4B44-B920-5739BBD8395F}">
+    <dsp:sp modelId="{C61F606F-B47E-4079-B576-6BB6204940A6}">
       <dsp:nvSpPr>
         <dsp:cNvPr id="0" name=""/>
         <dsp:cNvSpPr/>
       </dsp:nvSpPr>
       <dsp:spPr>
         <a:xfrm>
-          <a:off x="5201249" y="588091"/>
-          <a:ext cx="193185" cy="1555044"/>
+          <a:off x="0" y="1523694"/>
+          <a:ext cx="10515600" cy="1303949"/>
         </a:xfrm>
-        <a:custGeom>
-          <a:avLst/>
-          <a:gdLst/>
-          <a:ahLst/>
-          <a:cxnLst/>
-          <a:rect l="0" t="0" r="0" b="0"/>
-          <a:pathLst>
-            <a:path>
-              <a:moveTo>
-                <a:pt x="0" y="0"/>
-              </a:moveTo>
-              <a:lnTo>
-                <a:pt x="0" y="1555044"/>
-              </a:lnTo>
-              <a:lnTo>
-                <a:pt x="193185" y="1555044"/>
-              </a:lnTo>
-            </a:path>
-          </a:pathLst>
-        </a:custGeom>
-        <a:noFill/>
-        <a:ln w="12700" cap="flat" cmpd="sng" algn="ctr">
-          <a:solidFill>
-            <a:schemeClr val="accent1">
-              <a:shade val="60000"/>
-              <a:hueOff val="0"/>
-              <a:satOff val="0"/>
-              <a:lumOff val="0"/>
-              <a:alphaOff val="0"/>
-            </a:schemeClr>
-          </a:solidFill>
-          <a:prstDash val="solid"/>
-          <a:miter lim="800000"/>
+        <a:prstGeom prst="roundRect">
+          <a:avLst>
+            <a:gd name="adj" fmla="val 10000"/>
+          </a:avLst>
+        </a:prstGeom>
+        <a:solidFill>
+          <a:schemeClr val="accent1">
+            <a:tint val="40000"/>
+            <a:hueOff val="0"/>
+            <a:satOff val="0"/>
+            <a:lumOff val="0"/>
+            <a:alphaOff val="0"/>
+          </a:schemeClr>
+        </a:solidFill>
+        <a:ln>
+          <a:noFill/>
         </a:ln>
         <a:effectLst/>
       </dsp:spPr>
       <dsp:style>
-        <a:lnRef idx="2">
+        <a:lnRef idx="0">
           <a:scrgbClr r="0" g="0" b="0"/>
         </a:lnRef>
-        <a:fillRef idx="0">
+        <a:fillRef idx="1">
           <a:scrgbClr r="0" g="0" b="0"/>
         </a:fillRef>
         <a:effectRef idx="0">
@@ -1873,58 +1593,66 @@
         </a:effectRef>
         <a:fontRef idx="minor"/>
       </dsp:style>
+      <dsp:txBody>
+        <a:bodyPr spcFirstLastPara="0" vert="horz" wrap="square" lIns="327152" tIns="327152" rIns="327152" bIns="327152" numCol="1" spcCol="1270" anchor="ctr" anchorCtr="0">
+          <a:noAutofit/>
+        </a:bodyPr>
+        <a:lstStyle/>
+        <a:p>
+          <a:pPr marL="0" lvl="0" indent="0" algn="ctr" defTabSz="2044700">
+            <a:lnSpc>
+              <a:spcPct val="90000"/>
+            </a:lnSpc>
+            <a:spcBef>
+              <a:spcPct val="0"/>
+            </a:spcBef>
+            <a:spcAft>
+              <a:spcPct val="35000"/>
+            </a:spcAft>
+            <a:buNone/>
+          </a:pPr>
+          <a:endParaRPr lang="en-US" sz="4600" kern="1200"/>
+        </a:p>
+      </dsp:txBody>
+      <dsp:txXfrm>
+        <a:off x="0" y="1523694"/>
+        <a:ext cx="3154680" cy="1303949"/>
+      </dsp:txXfrm>
     </dsp:sp>
-    <dsp:sp modelId="{C08D4BA8-B80B-44C7-BC19-57306DF9A87F}">
+    <dsp:sp modelId="{00013FE3-9E03-4ABD-8634-95136BD9B976}">
       <dsp:nvSpPr>
         <dsp:cNvPr id="0" name=""/>
         <dsp:cNvSpPr/>
       </dsp:nvSpPr>
       <dsp:spPr>
         <a:xfrm>
-          <a:off x="5008064" y="588091"/>
-          <a:ext cx="193185" cy="1555044"/>
+          <a:off x="0" y="1354"/>
+          <a:ext cx="10515600" cy="1303949"/>
         </a:xfrm>
-        <a:custGeom>
-          <a:avLst/>
-          <a:gdLst/>
-          <a:ahLst/>
-          <a:cxnLst/>
-          <a:rect l="0" t="0" r="0" b="0"/>
-          <a:pathLst>
-            <a:path>
-              <a:moveTo>
-                <a:pt x="193185" y="0"/>
-              </a:moveTo>
-              <a:lnTo>
-                <a:pt x="193185" y="1555044"/>
-              </a:lnTo>
-              <a:lnTo>
-                <a:pt x="0" y="1555044"/>
-              </a:lnTo>
-            </a:path>
-          </a:pathLst>
-        </a:custGeom>
-        <a:noFill/>
-        <a:ln w="12700" cap="flat" cmpd="sng" algn="ctr">
-          <a:solidFill>
-            <a:schemeClr val="accent1">
-              <a:shade val="60000"/>
-              <a:hueOff val="0"/>
-              <a:satOff val="0"/>
-              <a:lumOff val="0"/>
-              <a:alphaOff val="0"/>
-            </a:schemeClr>
-          </a:solidFill>
-          <a:prstDash val="solid"/>
-          <a:miter lim="800000"/>
+        <a:prstGeom prst="roundRect">
+          <a:avLst>
+            <a:gd name="adj" fmla="val 10000"/>
+          </a:avLst>
+        </a:prstGeom>
+        <a:solidFill>
+          <a:schemeClr val="accent1">
+            <a:tint val="40000"/>
+            <a:hueOff val="0"/>
+            <a:satOff val="0"/>
+            <a:lumOff val="0"/>
+            <a:alphaOff val="0"/>
+          </a:schemeClr>
+        </a:solidFill>
+        <a:ln>
+          <a:noFill/>
         </a:ln>
         <a:effectLst/>
       </dsp:spPr>
       <dsp:style>
-        <a:lnRef idx="2">
+        <a:lnRef idx="0">
           <a:scrgbClr r="0" g="0" b="0"/>
         </a:lnRef>
-        <a:fillRef idx="0">
+        <a:fillRef idx="1">
           <a:scrgbClr r="0" g="0" b="0"/>
         </a:fillRef>
         <a:effectRef idx="0">
@@ -1932,317 +1660,46 @@
         </a:effectRef>
         <a:fontRef idx="minor"/>
       </dsp:style>
+      <dsp:txBody>
+        <a:bodyPr spcFirstLastPara="0" vert="horz" wrap="square" lIns="327152" tIns="327152" rIns="327152" bIns="327152" numCol="1" spcCol="1270" anchor="ctr" anchorCtr="0">
+          <a:noAutofit/>
+        </a:bodyPr>
+        <a:lstStyle/>
+        <a:p>
+          <a:pPr marL="0" lvl="0" indent="0" algn="ctr" defTabSz="2044700">
+            <a:lnSpc>
+              <a:spcPct val="90000"/>
+            </a:lnSpc>
+            <a:spcBef>
+              <a:spcPct val="0"/>
+            </a:spcBef>
+            <a:spcAft>
+              <a:spcPct val="35000"/>
+            </a:spcAft>
+            <a:buNone/>
+          </a:pPr>
+          <a:endParaRPr lang="en-US" sz="4600" kern="1200"/>
+        </a:p>
+      </dsp:txBody>
+      <dsp:txXfrm>
+        <a:off x="0" y="1354"/>
+        <a:ext cx="3154680" cy="1303949"/>
+      </dsp:txXfrm>
     </dsp:sp>
-    <dsp:sp modelId="{879708FF-C94E-4BC2-B60E-736C0D75B913}">
+    <dsp:sp modelId="{106846B4-C57C-4B4A-8BDC-EA3A01B8B95F}">
       <dsp:nvSpPr>
         <dsp:cNvPr id="0" name=""/>
         <dsp:cNvSpPr/>
       </dsp:nvSpPr>
       <dsp:spPr>
         <a:xfrm>
-          <a:off x="5201249" y="588091"/>
-          <a:ext cx="193185" cy="631126"/>
+          <a:off x="4846366" y="110550"/>
+          <a:ext cx="1637927" cy="1091951"/>
         </a:xfrm>
-        <a:custGeom>
-          <a:avLst/>
-          <a:gdLst/>
-          <a:ahLst/>
-          <a:cxnLst/>
-          <a:rect l="0" t="0" r="0" b="0"/>
-          <a:pathLst>
-            <a:path>
-              <a:moveTo>
-                <a:pt x="0" y="0"/>
-              </a:moveTo>
-              <a:lnTo>
-                <a:pt x="0" y="631126"/>
-              </a:lnTo>
-              <a:lnTo>
-                <a:pt x="193185" y="631126"/>
-              </a:lnTo>
-            </a:path>
-          </a:pathLst>
-        </a:custGeom>
-        <a:noFill/>
-        <a:ln w="12700" cap="flat" cmpd="sng" algn="ctr">
-          <a:solidFill>
-            <a:schemeClr val="accent1">
-              <a:shade val="60000"/>
-              <a:hueOff val="0"/>
-              <a:satOff val="0"/>
-              <a:lumOff val="0"/>
-              <a:alphaOff val="0"/>
-            </a:schemeClr>
-          </a:solidFill>
-          <a:prstDash val="solid"/>
-          <a:miter lim="800000"/>
-        </a:ln>
-        <a:effectLst/>
-      </dsp:spPr>
-      <dsp:style>
-        <a:lnRef idx="2">
-          <a:scrgbClr r="0" g="0" b="0"/>
-        </a:lnRef>
-        <a:fillRef idx="0">
-          <a:scrgbClr r="0" g="0" b="0"/>
-        </a:fillRef>
-        <a:effectRef idx="0">
-          <a:scrgbClr r="0" g="0" b="0"/>
-        </a:effectRef>
-        <a:fontRef idx="minor"/>
-      </dsp:style>
-    </dsp:sp>
-    <dsp:sp modelId="{F7B374D2-923B-4157-A1F7-83B6513409E4}">
-      <dsp:nvSpPr>
-        <dsp:cNvPr id="0" name=""/>
-        <dsp:cNvSpPr/>
-      </dsp:nvSpPr>
-      <dsp:spPr>
-        <a:xfrm>
-          <a:off x="5008064" y="588091"/>
-          <a:ext cx="193185" cy="631126"/>
-        </a:xfrm>
-        <a:custGeom>
-          <a:avLst/>
-          <a:gdLst/>
-          <a:ahLst/>
-          <a:cxnLst/>
-          <a:rect l="0" t="0" r="0" b="0"/>
-          <a:pathLst>
-            <a:path>
-              <a:moveTo>
-                <a:pt x="193185" y="0"/>
-              </a:moveTo>
-              <a:lnTo>
-                <a:pt x="193185" y="631126"/>
-              </a:lnTo>
-              <a:lnTo>
-                <a:pt x="0" y="631126"/>
-              </a:lnTo>
-            </a:path>
-          </a:pathLst>
-        </a:custGeom>
-        <a:noFill/>
-        <a:ln w="12700" cap="flat" cmpd="sng" algn="ctr">
-          <a:solidFill>
-            <a:schemeClr val="accent1">
-              <a:shade val="60000"/>
-              <a:hueOff val="0"/>
-              <a:satOff val="0"/>
-              <a:lumOff val="0"/>
-              <a:alphaOff val="0"/>
-            </a:schemeClr>
-          </a:solidFill>
-          <a:prstDash val="solid"/>
-          <a:miter lim="800000"/>
-        </a:ln>
-        <a:effectLst/>
-      </dsp:spPr>
-      <dsp:style>
-        <a:lnRef idx="2">
-          <a:scrgbClr r="0" g="0" b="0"/>
-        </a:lnRef>
-        <a:fillRef idx="0">
-          <a:scrgbClr r="0" g="0" b="0"/>
-        </a:fillRef>
-        <a:effectRef idx="0">
-          <a:scrgbClr r="0" g="0" b="0"/>
-        </a:effectRef>
-        <a:fontRef idx="minor"/>
-      </dsp:style>
-    </dsp:sp>
-    <dsp:sp modelId="{F3830243-C9A1-4DF7-8669-B314549186C1}">
-      <dsp:nvSpPr>
-        <dsp:cNvPr id="0" name=""/>
-        <dsp:cNvSpPr/>
-      </dsp:nvSpPr>
-      <dsp:spPr>
-        <a:xfrm>
-          <a:off x="5201249" y="588091"/>
-          <a:ext cx="1517371" cy="3110089"/>
-        </a:xfrm>
-        <a:custGeom>
-          <a:avLst/>
-          <a:gdLst/>
-          <a:ahLst/>
-          <a:cxnLst/>
-          <a:rect l="0" t="0" r="0" b="0"/>
-          <a:pathLst>
-            <a:path>
-              <a:moveTo>
-                <a:pt x="0" y="0"/>
-              </a:moveTo>
-              <a:lnTo>
-                <a:pt x="0" y="2973453"/>
-              </a:lnTo>
-              <a:lnTo>
-                <a:pt x="1517371" y="2973453"/>
-              </a:lnTo>
-              <a:lnTo>
-                <a:pt x="1517371" y="3110089"/>
-              </a:lnTo>
-            </a:path>
-          </a:pathLst>
-        </a:custGeom>
-        <a:noFill/>
-        <a:ln w="12700" cap="flat" cmpd="sng" algn="ctr">
-          <a:solidFill>
-            <a:schemeClr val="accent1">
-              <a:shade val="60000"/>
-              <a:hueOff val="0"/>
-              <a:satOff val="0"/>
-              <a:lumOff val="0"/>
-              <a:alphaOff val="0"/>
-            </a:schemeClr>
-          </a:solidFill>
-          <a:prstDash val="solid"/>
-          <a:miter lim="800000"/>
-        </a:ln>
-        <a:effectLst/>
-      </dsp:spPr>
-      <dsp:style>
-        <a:lnRef idx="2">
-          <a:scrgbClr r="0" g="0" b="0"/>
-        </a:lnRef>
-        <a:fillRef idx="0">
-          <a:scrgbClr r="0" g="0" b="0"/>
-        </a:fillRef>
-        <a:effectRef idx="0">
-          <a:scrgbClr r="0" g="0" b="0"/>
-        </a:effectRef>
-        <a:fontRef idx="minor"/>
-      </dsp:style>
-    </dsp:sp>
-    <dsp:sp modelId="{B9DF72DF-4A7C-4757-B5C6-CE8BD368E8DF}">
-      <dsp:nvSpPr>
-        <dsp:cNvPr id="0" name=""/>
-        <dsp:cNvSpPr/>
-      </dsp:nvSpPr>
-      <dsp:spPr>
-        <a:xfrm>
-          <a:off x="5155529" y="588091"/>
-          <a:ext cx="91440" cy="3110089"/>
-        </a:xfrm>
-        <a:custGeom>
-          <a:avLst/>
-          <a:gdLst/>
-          <a:ahLst/>
-          <a:cxnLst/>
-          <a:rect l="0" t="0" r="0" b="0"/>
-          <a:pathLst>
-            <a:path>
-              <a:moveTo>
-                <a:pt x="45720" y="0"/>
-              </a:moveTo>
-              <a:lnTo>
-                <a:pt x="45720" y="3110089"/>
-              </a:lnTo>
-            </a:path>
-          </a:pathLst>
-        </a:custGeom>
-        <a:noFill/>
-        <a:ln w="12700" cap="flat" cmpd="sng" algn="ctr">
-          <a:solidFill>
-            <a:schemeClr val="accent1">
-              <a:shade val="60000"/>
-              <a:hueOff val="0"/>
-              <a:satOff val="0"/>
-              <a:lumOff val="0"/>
-              <a:alphaOff val="0"/>
-            </a:schemeClr>
-          </a:solidFill>
-          <a:prstDash val="solid"/>
-          <a:miter lim="800000"/>
-        </a:ln>
-        <a:effectLst/>
-      </dsp:spPr>
-      <dsp:style>
-        <a:lnRef idx="2">
-          <a:scrgbClr r="0" g="0" b="0"/>
-        </a:lnRef>
-        <a:fillRef idx="0">
-          <a:scrgbClr r="0" g="0" b="0"/>
-        </a:fillRef>
-        <a:effectRef idx="0">
-          <a:scrgbClr r="0" g="0" b="0"/>
-        </a:effectRef>
-        <a:fontRef idx="minor"/>
-      </dsp:style>
-    </dsp:sp>
-    <dsp:sp modelId="{E1454AD8-92A9-4D75-B1F9-D25FFF23CF55}">
-      <dsp:nvSpPr>
-        <dsp:cNvPr id="0" name=""/>
-        <dsp:cNvSpPr/>
-      </dsp:nvSpPr>
-      <dsp:spPr>
-        <a:xfrm>
-          <a:off x="3683878" y="588091"/>
-          <a:ext cx="1517371" cy="3110089"/>
-        </a:xfrm>
-        <a:custGeom>
-          <a:avLst/>
-          <a:gdLst/>
-          <a:ahLst/>
-          <a:cxnLst/>
-          <a:rect l="0" t="0" r="0" b="0"/>
-          <a:pathLst>
-            <a:path>
-              <a:moveTo>
-                <a:pt x="1517371" y="0"/>
-              </a:moveTo>
-              <a:lnTo>
-                <a:pt x="1517371" y="2973453"/>
-              </a:lnTo>
-              <a:lnTo>
-                <a:pt x="0" y="2973453"/>
-              </a:lnTo>
-              <a:lnTo>
-                <a:pt x="0" y="3110089"/>
-              </a:lnTo>
-            </a:path>
-          </a:pathLst>
-        </a:custGeom>
-        <a:noFill/>
-        <a:ln w="12700" cap="flat" cmpd="sng" algn="ctr">
-          <a:solidFill>
-            <a:schemeClr val="accent1">
-              <a:shade val="60000"/>
-              <a:hueOff val="0"/>
-              <a:satOff val="0"/>
-              <a:lumOff val="0"/>
-              <a:alphaOff val="0"/>
-            </a:schemeClr>
-          </a:solidFill>
-          <a:prstDash val="solid"/>
-          <a:miter lim="800000"/>
-        </a:ln>
-        <a:effectLst/>
-      </dsp:spPr>
-      <dsp:style>
-        <a:lnRef idx="2">
-          <a:scrgbClr r="0" g="0" b="0"/>
-        </a:lnRef>
-        <a:fillRef idx="0">
-          <a:scrgbClr r="0" g="0" b="0"/>
-        </a:fillRef>
-        <a:effectRef idx="0">
-          <a:scrgbClr r="0" g="0" b="0"/>
-        </a:effectRef>
-        <a:fontRef idx="minor"/>
-      </dsp:style>
-    </dsp:sp>
-    <dsp:sp modelId="{0E2F0851-4C4D-4530-93D1-F0F47B358084}">
-      <dsp:nvSpPr>
-        <dsp:cNvPr id="0" name=""/>
-        <dsp:cNvSpPr/>
-      </dsp:nvSpPr>
-      <dsp:spPr>
-        <a:xfrm>
-          <a:off x="4635749" y="2510"/>
-          <a:ext cx="1131000" cy="585581"/>
-        </a:xfrm>
-        <a:prstGeom prst="rect">
-          <a:avLst/>
+        <a:prstGeom prst="roundRect">
+          <a:avLst>
+            <a:gd name="adj" fmla="val 10000"/>
+          </a:avLst>
         </a:prstGeom>
         <a:solidFill>
           <a:schemeClr val="accent1">
@@ -2281,12 +1738,12 @@
         </a:fontRef>
       </dsp:style>
       <dsp:txBody>
-        <a:bodyPr spcFirstLastPara="0" vert="horz" wrap="square" lIns="10795" tIns="10795" rIns="10795" bIns="82632" numCol="1" spcCol="1270" anchor="ctr" anchorCtr="0">
+        <a:bodyPr spcFirstLastPara="0" vert="horz" wrap="square" lIns="83820" tIns="83820" rIns="83820" bIns="83820" numCol="1" spcCol="1270" anchor="ctr" anchorCtr="0">
           <a:noAutofit/>
         </a:bodyPr>
         <a:lstStyle/>
         <a:p>
-          <a:pPr marL="0" lvl="0" indent="0" algn="ctr" defTabSz="755650">
+          <a:pPr marL="0" lvl="0" indent="0" algn="ctr" defTabSz="977900">
             <a:lnSpc>
               <a:spcPct val="90000"/>
             </a:lnSpc>
@@ -2299,41 +1756,54 @@
             <a:buNone/>
           </a:pPr>
           <a:r>
-            <a:rPr lang="en-US" sz="1700" kern="1200" dirty="0"/>
+            <a:rPr lang="en-US" sz="2200" kern="1200" dirty="0"/>
             <a:t>Home</a:t>
           </a:r>
         </a:p>
       </dsp:txBody>
       <dsp:txXfrm>
-        <a:off x="4635749" y="2510"/>
-        <a:ext cx="1131000" cy="585581"/>
+        <a:off x="4878348" y="142532"/>
+        <a:ext cx="1573963" cy="1027987"/>
       </dsp:txXfrm>
     </dsp:sp>
-    <dsp:sp modelId="{45F2E63E-3EB4-4AA6-9262-2D4E07AB612D}">
+    <dsp:sp modelId="{AFA13D1E-B68F-4E1C-A8A5-C8CBFB686937}">
       <dsp:nvSpPr>
         <dsp:cNvPr id="0" name=""/>
         <dsp:cNvSpPr/>
       </dsp:nvSpPr>
       <dsp:spPr>
         <a:xfrm>
-          <a:off x="4861949" y="457962"/>
-          <a:ext cx="1017900" cy="195193"/>
+          <a:off x="4600677" y="1202501"/>
+          <a:ext cx="1064653" cy="436780"/>
         </a:xfrm>
-        <a:prstGeom prst="rect">
+        <a:custGeom>
           <a:avLst/>
-        </a:prstGeom>
-        <a:solidFill>
-          <a:schemeClr val="lt1">
-            <a:alpha val="90000"/>
-            <a:hueOff val="0"/>
-            <a:satOff val="0"/>
-            <a:lumOff val="0"/>
-            <a:alphaOff val="0"/>
-          </a:schemeClr>
-        </a:solidFill>
+          <a:gdLst/>
+          <a:ahLst/>
+          <a:cxnLst/>
+          <a:rect l="0" t="0" r="0" b="0"/>
+          <a:pathLst>
+            <a:path>
+              <a:moveTo>
+                <a:pt x="1064653" y="0"/>
+              </a:moveTo>
+              <a:lnTo>
+                <a:pt x="1064653" y="218390"/>
+              </a:lnTo>
+              <a:lnTo>
+                <a:pt x="0" y="218390"/>
+              </a:lnTo>
+              <a:lnTo>
+                <a:pt x="0" y="436780"/>
+              </a:lnTo>
+            </a:path>
+          </a:pathLst>
+        </a:custGeom>
+        <a:noFill/>
         <a:ln w="12700" cap="flat" cmpd="sng" algn="ctr">
           <a:solidFill>
             <a:schemeClr val="accent1">
+              <a:shade val="60000"/>
               <a:hueOff val="0"/>
               <a:satOff val="0"/>
               <a:lumOff val="0"/>
@@ -2349,7 +1819,7 @@
         <a:lnRef idx="2">
           <a:scrgbClr r="0" g="0" b="0"/>
         </a:lnRef>
-        <a:fillRef idx="1">
+        <a:fillRef idx="0">
           <a:scrgbClr r="0" g="0" b="0"/>
         </a:fillRef>
         <a:effectRef idx="0">
@@ -2357,44 +1827,21 @@
         </a:effectRef>
         <a:fontRef idx="minor"/>
       </dsp:style>
-      <dsp:txBody>
-        <a:bodyPr spcFirstLastPara="0" vert="horz" wrap="square" lIns="30480" tIns="7620" rIns="30480" bIns="7620" numCol="1" spcCol="1270" anchor="ctr" anchorCtr="0">
-          <a:noAutofit/>
-        </a:bodyPr>
-        <a:lstStyle/>
-        <a:p>
-          <a:pPr marL="0" lvl="0" indent="0" algn="r" defTabSz="533400">
-            <a:lnSpc>
-              <a:spcPct val="90000"/>
-            </a:lnSpc>
-            <a:spcBef>
-              <a:spcPct val="0"/>
-            </a:spcBef>
-            <a:spcAft>
-              <a:spcPct val="35000"/>
-            </a:spcAft>
-            <a:buNone/>
-          </a:pPr>
-          <a:endParaRPr lang="en-US" sz="1200" kern="1200"/>
-        </a:p>
-      </dsp:txBody>
-      <dsp:txXfrm>
-        <a:off x="4861949" y="457962"/>
-        <a:ext cx="1017900" cy="195193"/>
-      </dsp:txXfrm>
     </dsp:sp>
-    <dsp:sp modelId="{CA178424-5890-4242-A103-23C325743DDD}">
+    <dsp:sp modelId="{21353F14-EF15-4F1A-AD9C-52082FDC1EDE}">
       <dsp:nvSpPr>
         <dsp:cNvPr id="0" name=""/>
         <dsp:cNvSpPr/>
       </dsp:nvSpPr>
       <dsp:spPr>
         <a:xfrm>
-          <a:off x="3118378" y="3698181"/>
-          <a:ext cx="1131000" cy="585581"/>
+          <a:off x="3781713" y="1639282"/>
+          <a:ext cx="1637927" cy="1091951"/>
         </a:xfrm>
-        <a:prstGeom prst="rect">
-          <a:avLst/>
+        <a:prstGeom prst="roundRect">
+          <a:avLst>
+            <a:gd name="adj" fmla="val 10000"/>
+          </a:avLst>
         </a:prstGeom>
         <a:solidFill>
           <a:schemeClr val="accent1">
@@ -2433,12 +1880,12 @@
         </a:fontRef>
       </dsp:style>
       <dsp:txBody>
-        <a:bodyPr spcFirstLastPara="0" vert="horz" wrap="square" lIns="10795" tIns="10795" rIns="10795" bIns="82632" numCol="1" spcCol="1270" anchor="ctr" anchorCtr="0">
+        <a:bodyPr spcFirstLastPara="0" vert="horz" wrap="square" lIns="83820" tIns="83820" rIns="83820" bIns="83820" numCol="1" spcCol="1270" anchor="ctr" anchorCtr="0">
           <a:noAutofit/>
         </a:bodyPr>
         <a:lstStyle/>
         <a:p>
-          <a:pPr marL="0" lvl="0" indent="0" algn="ctr" defTabSz="755650">
+          <a:pPr marL="0" lvl="0" indent="0" algn="ctr" defTabSz="977900">
             <a:lnSpc>
               <a:spcPct val="90000"/>
             </a:lnSpc>
@@ -2450,39 +1897,55 @@
             </a:spcAft>
             <a:buNone/>
           </a:pPr>
-          <a:endParaRPr lang="en-US" sz="1700" kern="1200" dirty="0"/>
+          <a:r>
+            <a:rPr lang="en-US" sz="2200" kern="1200" dirty="0"/>
+            <a:t>Registration</a:t>
+          </a:r>
         </a:p>
       </dsp:txBody>
       <dsp:txXfrm>
-        <a:off x="3118378" y="3698181"/>
-        <a:ext cx="1131000" cy="585581"/>
+        <a:off x="3813695" y="1671264"/>
+        <a:ext cx="1573963" cy="1027987"/>
       </dsp:txXfrm>
     </dsp:sp>
-    <dsp:sp modelId="{D1C69FA8-DF74-4F4B-9D7C-F958FB699CDF}">
+    <dsp:sp modelId="{4B4C13B4-BD1C-43B8-96A8-3016EDC34C57}">
       <dsp:nvSpPr>
         <dsp:cNvPr id="0" name=""/>
         <dsp:cNvSpPr/>
       </dsp:nvSpPr>
       <dsp:spPr>
         <a:xfrm>
-          <a:off x="3344578" y="4153633"/>
-          <a:ext cx="1017900" cy="195193"/>
+          <a:off x="5665330" y="1202501"/>
+          <a:ext cx="1064653" cy="436780"/>
         </a:xfrm>
-        <a:prstGeom prst="rect">
+        <a:custGeom>
           <a:avLst/>
-        </a:prstGeom>
-        <a:solidFill>
-          <a:schemeClr val="lt1">
-            <a:alpha val="90000"/>
-            <a:hueOff val="0"/>
-            <a:satOff val="0"/>
-            <a:lumOff val="0"/>
-            <a:alphaOff val="0"/>
-          </a:schemeClr>
-        </a:solidFill>
+          <a:gdLst/>
+          <a:ahLst/>
+          <a:cxnLst/>
+          <a:rect l="0" t="0" r="0" b="0"/>
+          <a:pathLst>
+            <a:path>
+              <a:moveTo>
+                <a:pt x="0" y="0"/>
+              </a:moveTo>
+              <a:lnTo>
+                <a:pt x="0" y="218390"/>
+              </a:lnTo>
+              <a:lnTo>
+                <a:pt x="1064653" y="218390"/>
+              </a:lnTo>
+              <a:lnTo>
+                <a:pt x="1064653" y="436780"/>
+              </a:lnTo>
+            </a:path>
+          </a:pathLst>
+        </a:custGeom>
+        <a:noFill/>
         <a:ln w="12700" cap="flat" cmpd="sng" algn="ctr">
           <a:solidFill>
             <a:schemeClr val="accent1">
+              <a:shade val="60000"/>
               <a:hueOff val="0"/>
               <a:satOff val="0"/>
               <a:lumOff val="0"/>
@@ -2498,7 +1961,7 @@
         <a:lnRef idx="2">
           <a:scrgbClr r="0" g="0" b="0"/>
         </a:lnRef>
-        <a:fillRef idx="1">
+        <a:fillRef idx="0">
           <a:scrgbClr r="0" g="0" b="0"/>
         </a:fillRef>
         <a:effectRef idx="0">
@@ -2506,44 +1969,21 @@
         </a:effectRef>
         <a:fontRef idx="minor"/>
       </dsp:style>
-      <dsp:txBody>
-        <a:bodyPr spcFirstLastPara="0" vert="horz" wrap="square" lIns="30480" tIns="7620" rIns="30480" bIns="7620" numCol="1" spcCol="1270" anchor="ctr" anchorCtr="0">
-          <a:noAutofit/>
-        </a:bodyPr>
-        <a:lstStyle/>
-        <a:p>
-          <a:pPr marL="0" lvl="0" indent="0" algn="r" defTabSz="533400">
-            <a:lnSpc>
-              <a:spcPct val="90000"/>
-            </a:lnSpc>
-            <a:spcBef>
-              <a:spcPct val="0"/>
-            </a:spcBef>
-            <a:spcAft>
-              <a:spcPct val="35000"/>
-            </a:spcAft>
-            <a:buNone/>
-          </a:pPr>
-          <a:endParaRPr lang="en-US" sz="1200" kern="1200"/>
-        </a:p>
-      </dsp:txBody>
-      <dsp:txXfrm>
-        <a:off x="3344578" y="4153633"/>
-        <a:ext cx="1017900" cy="195193"/>
-      </dsp:txXfrm>
     </dsp:sp>
-    <dsp:sp modelId="{4CB25805-913C-467F-83C6-B08F3AFCFA0F}">
+    <dsp:sp modelId="{8A4DBA3A-9F9F-428E-A158-D57E8800853A}">
       <dsp:nvSpPr>
         <dsp:cNvPr id="0" name=""/>
         <dsp:cNvSpPr/>
       </dsp:nvSpPr>
       <dsp:spPr>
         <a:xfrm>
-          <a:off x="4635749" y="3698181"/>
-          <a:ext cx="1131000" cy="585581"/>
+          <a:off x="5911020" y="1639282"/>
+          <a:ext cx="1637927" cy="1091951"/>
         </a:xfrm>
-        <a:prstGeom prst="rect">
-          <a:avLst/>
+        <a:prstGeom prst="roundRect">
+          <a:avLst>
+            <a:gd name="adj" fmla="val 10000"/>
+          </a:avLst>
         </a:prstGeom>
         <a:solidFill>
           <a:schemeClr val="accent1">
@@ -2582,12 +2022,12 @@
         </a:fontRef>
       </dsp:style>
       <dsp:txBody>
-        <a:bodyPr spcFirstLastPara="0" vert="horz" wrap="square" lIns="10795" tIns="10795" rIns="10795" bIns="82632" numCol="1" spcCol="1270" anchor="ctr" anchorCtr="0">
+        <a:bodyPr spcFirstLastPara="0" vert="horz" wrap="square" lIns="83820" tIns="83820" rIns="83820" bIns="83820" numCol="1" spcCol="1270" anchor="ctr" anchorCtr="0">
           <a:noAutofit/>
         </a:bodyPr>
         <a:lstStyle/>
         <a:p>
-          <a:pPr marL="0" lvl="0" indent="0" algn="ctr" defTabSz="755650">
+          <a:pPr marL="0" lvl="0" indent="0" algn="ctr" defTabSz="977900">
             <a:lnSpc>
               <a:spcPct val="90000"/>
             </a:lnSpc>
@@ -2599,39 +2039,55 @@
             </a:spcAft>
             <a:buNone/>
           </a:pPr>
-          <a:endParaRPr lang="en-US" sz="1700" kern="1200"/>
+          <a:r>
+            <a:rPr lang="en-US" sz="2200" kern="1200" dirty="0"/>
+            <a:t>Resources</a:t>
+          </a:r>
         </a:p>
       </dsp:txBody>
       <dsp:txXfrm>
-        <a:off x="4635749" y="3698181"/>
-        <a:ext cx="1131000" cy="585581"/>
+        <a:off x="5943002" y="1671264"/>
+        <a:ext cx="1573963" cy="1027987"/>
       </dsp:txXfrm>
     </dsp:sp>
-    <dsp:sp modelId="{261948D4-2FA7-4063-B7A1-EDC8AF65CE54}">
+    <dsp:sp modelId="{5532AA10-5880-4269-902B-3B7CF5C0D400}">
       <dsp:nvSpPr>
         <dsp:cNvPr id="0" name=""/>
         <dsp:cNvSpPr/>
       </dsp:nvSpPr>
       <dsp:spPr>
         <a:xfrm>
-          <a:off x="4861949" y="4153633"/>
-          <a:ext cx="1017900" cy="195193"/>
+          <a:off x="4600677" y="2731234"/>
+          <a:ext cx="2129306" cy="436780"/>
         </a:xfrm>
-        <a:prstGeom prst="rect">
+        <a:custGeom>
           <a:avLst/>
-        </a:prstGeom>
-        <a:solidFill>
-          <a:schemeClr val="lt1">
-            <a:alpha val="90000"/>
-            <a:hueOff val="0"/>
-            <a:satOff val="0"/>
-            <a:lumOff val="0"/>
-            <a:alphaOff val="0"/>
-          </a:schemeClr>
-        </a:solidFill>
+          <a:gdLst/>
+          <a:ahLst/>
+          <a:cxnLst/>
+          <a:rect l="0" t="0" r="0" b="0"/>
+          <a:pathLst>
+            <a:path>
+              <a:moveTo>
+                <a:pt x="2129306" y="0"/>
+              </a:moveTo>
+              <a:lnTo>
+                <a:pt x="2129306" y="218390"/>
+              </a:lnTo>
+              <a:lnTo>
+                <a:pt x="0" y="218390"/>
+              </a:lnTo>
+              <a:lnTo>
+                <a:pt x="0" y="436780"/>
+              </a:lnTo>
+            </a:path>
+          </a:pathLst>
+        </a:custGeom>
+        <a:noFill/>
         <a:ln w="12700" cap="flat" cmpd="sng" algn="ctr">
           <a:solidFill>
             <a:schemeClr val="accent1">
+              <a:shade val="80000"/>
               <a:hueOff val="0"/>
               <a:satOff val="0"/>
               <a:lumOff val="0"/>
@@ -2647,7 +2103,7 @@
         <a:lnRef idx="2">
           <a:scrgbClr r="0" g="0" b="0"/>
         </a:lnRef>
-        <a:fillRef idx="1">
+        <a:fillRef idx="0">
           <a:scrgbClr r="0" g="0" b="0"/>
         </a:fillRef>
         <a:effectRef idx="0">
@@ -2655,44 +2111,21 @@
         </a:effectRef>
         <a:fontRef idx="minor"/>
       </dsp:style>
-      <dsp:txBody>
-        <a:bodyPr spcFirstLastPara="0" vert="horz" wrap="square" lIns="30480" tIns="7620" rIns="30480" bIns="7620" numCol="1" spcCol="1270" anchor="ctr" anchorCtr="0">
-          <a:noAutofit/>
-        </a:bodyPr>
-        <a:lstStyle/>
-        <a:p>
-          <a:pPr marL="0" lvl="0" indent="0" algn="r" defTabSz="533400">
-            <a:lnSpc>
-              <a:spcPct val="90000"/>
-            </a:lnSpc>
-            <a:spcBef>
-              <a:spcPct val="0"/>
-            </a:spcBef>
-            <a:spcAft>
-              <a:spcPct val="35000"/>
-            </a:spcAft>
-            <a:buNone/>
-          </a:pPr>
-          <a:endParaRPr lang="en-US" sz="1200" kern="1200"/>
-        </a:p>
-      </dsp:txBody>
-      <dsp:txXfrm>
-        <a:off x="4861949" y="4153633"/>
-        <a:ext cx="1017900" cy="195193"/>
-      </dsp:txXfrm>
     </dsp:sp>
-    <dsp:sp modelId="{9B35FC8C-9186-49B8-A053-DD687917697F}">
+    <dsp:sp modelId="{2C1BBD02-149D-4AEF-8B7C-071D427D6796}">
       <dsp:nvSpPr>
         <dsp:cNvPr id="0" name=""/>
         <dsp:cNvSpPr/>
       </dsp:nvSpPr>
       <dsp:spPr>
         <a:xfrm>
-          <a:off x="6153121" y="3698181"/>
-          <a:ext cx="1131000" cy="585581"/>
+          <a:off x="3781713" y="3168015"/>
+          <a:ext cx="1637927" cy="1091951"/>
         </a:xfrm>
-        <a:prstGeom prst="rect">
-          <a:avLst/>
+        <a:prstGeom prst="roundRect">
+          <a:avLst>
+            <a:gd name="adj" fmla="val 10000"/>
+          </a:avLst>
         </a:prstGeom>
         <a:solidFill>
           <a:schemeClr val="accent1">
@@ -2731,12 +2164,12 @@
         </a:fontRef>
       </dsp:style>
       <dsp:txBody>
-        <a:bodyPr spcFirstLastPara="0" vert="horz" wrap="square" lIns="10795" tIns="10795" rIns="10795" bIns="82632" numCol="1" spcCol="1270" anchor="ctr" anchorCtr="0">
+        <a:bodyPr spcFirstLastPara="0" vert="horz" wrap="square" lIns="83820" tIns="83820" rIns="83820" bIns="83820" numCol="1" spcCol="1270" anchor="ctr" anchorCtr="0">
           <a:noAutofit/>
         </a:bodyPr>
         <a:lstStyle/>
         <a:p>
-          <a:pPr marL="0" lvl="0" indent="0" algn="ctr" defTabSz="755650">
+          <a:pPr marL="0" lvl="0" indent="0" algn="ctr" defTabSz="977900">
             <a:lnSpc>
               <a:spcPct val="90000"/>
             </a:lnSpc>
@@ -2748,39 +2181,49 @@
             </a:spcAft>
             <a:buNone/>
           </a:pPr>
-          <a:endParaRPr lang="en-US" sz="1700" kern="1200"/>
+          <a:r>
+            <a:rPr lang="en-US" sz="2200" kern="1200" dirty="0"/>
+            <a:t>View Members</a:t>
+          </a:r>
         </a:p>
       </dsp:txBody>
       <dsp:txXfrm>
-        <a:off x="6153121" y="3698181"/>
-        <a:ext cx="1131000" cy="585581"/>
+        <a:off x="3813695" y="3199997"/>
+        <a:ext cx="1573963" cy="1027987"/>
       </dsp:txXfrm>
     </dsp:sp>
-    <dsp:sp modelId="{79B36821-8B5C-4E25-9CAE-29F66DCC0474}">
+    <dsp:sp modelId="{75BA6FCF-B20C-4695-AD33-1AC04E6188EF}">
       <dsp:nvSpPr>
         <dsp:cNvPr id="0" name=""/>
         <dsp:cNvSpPr/>
       </dsp:nvSpPr>
       <dsp:spPr>
         <a:xfrm>
-          <a:off x="6379321" y="4153633"/>
-          <a:ext cx="1017900" cy="195193"/>
+          <a:off x="6684264" y="2731234"/>
+          <a:ext cx="91440" cy="436780"/>
         </a:xfrm>
-        <a:prstGeom prst="rect">
+        <a:custGeom>
           <a:avLst/>
-        </a:prstGeom>
-        <a:solidFill>
-          <a:schemeClr val="lt1">
-            <a:alpha val="90000"/>
-            <a:hueOff val="0"/>
-            <a:satOff val="0"/>
-            <a:lumOff val="0"/>
-            <a:alphaOff val="0"/>
-          </a:schemeClr>
-        </a:solidFill>
+          <a:gdLst/>
+          <a:ahLst/>
+          <a:cxnLst/>
+          <a:rect l="0" t="0" r="0" b="0"/>
+          <a:pathLst>
+            <a:path>
+              <a:moveTo>
+                <a:pt x="45720" y="0"/>
+              </a:moveTo>
+              <a:lnTo>
+                <a:pt x="45720" y="436780"/>
+              </a:lnTo>
+            </a:path>
+          </a:pathLst>
+        </a:custGeom>
+        <a:noFill/>
         <a:ln w="12700" cap="flat" cmpd="sng" algn="ctr">
           <a:solidFill>
             <a:schemeClr val="accent1">
+              <a:shade val="80000"/>
               <a:hueOff val="0"/>
               <a:satOff val="0"/>
               <a:lumOff val="0"/>
@@ -2796,7 +2239,7 @@
         <a:lnRef idx="2">
           <a:scrgbClr r="0" g="0" b="0"/>
         </a:lnRef>
-        <a:fillRef idx="1">
+        <a:fillRef idx="0">
           <a:scrgbClr r="0" g="0" b="0"/>
         </a:fillRef>
         <a:effectRef idx="0">
@@ -2804,44 +2247,21 @@
         </a:effectRef>
         <a:fontRef idx="minor"/>
       </dsp:style>
-      <dsp:txBody>
-        <a:bodyPr spcFirstLastPara="0" vert="horz" wrap="square" lIns="30480" tIns="7620" rIns="30480" bIns="7620" numCol="1" spcCol="1270" anchor="ctr" anchorCtr="0">
-          <a:noAutofit/>
-        </a:bodyPr>
-        <a:lstStyle/>
-        <a:p>
-          <a:pPr marL="0" lvl="0" indent="0" algn="r" defTabSz="533400">
-            <a:lnSpc>
-              <a:spcPct val="90000"/>
-            </a:lnSpc>
-            <a:spcBef>
-              <a:spcPct val="0"/>
-            </a:spcBef>
-            <a:spcAft>
-              <a:spcPct val="35000"/>
-            </a:spcAft>
-            <a:buNone/>
-          </a:pPr>
-          <a:endParaRPr lang="en-US" sz="1200" kern="1200"/>
-        </a:p>
-      </dsp:txBody>
-      <dsp:txXfrm>
-        <a:off x="6379321" y="4153633"/>
-        <a:ext cx="1017900" cy="195193"/>
-      </dsp:txXfrm>
     </dsp:sp>
-    <dsp:sp modelId="{6241BE42-6B83-43C5-9E4C-7A66D6D9EFA4}">
+    <dsp:sp modelId="{D8B091A3-A137-49C1-BBB3-FD15C0D8621B}">
       <dsp:nvSpPr>
         <dsp:cNvPr id="0" name=""/>
         <dsp:cNvSpPr/>
       </dsp:nvSpPr>
       <dsp:spPr>
         <a:xfrm>
-          <a:off x="3877064" y="926428"/>
-          <a:ext cx="1131000" cy="585581"/>
+          <a:off x="5911020" y="3168015"/>
+          <a:ext cx="1637927" cy="1091951"/>
         </a:xfrm>
-        <a:prstGeom prst="rect">
-          <a:avLst/>
+        <a:prstGeom prst="roundRect">
+          <a:avLst>
+            <a:gd name="adj" fmla="val 10000"/>
+          </a:avLst>
         </a:prstGeom>
         <a:solidFill>
           <a:schemeClr val="accent1">
@@ -2880,12 +2300,12 @@
         </a:fontRef>
       </dsp:style>
       <dsp:txBody>
-        <a:bodyPr spcFirstLastPara="0" vert="horz" wrap="square" lIns="10795" tIns="10795" rIns="10795" bIns="82632" numCol="1" spcCol="1270" anchor="ctr" anchorCtr="0">
+        <a:bodyPr spcFirstLastPara="0" vert="horz" wrap="square" lIns="83820" tIns="83820" rIns="83820" bIns="83820" numCol="1" spcCol="1270" anchor="ctr" anchorCtr="0">
           <a:noAutofit/>
         </a:bodyPr>
         <a:lstStyle/>
         <a:p>
-          <a:pPr marL="0" lvl="0" indent="0" algn="ctr" defTabSz="755650">
+          <a:pPr marL="0" lvl="0" indent="0" algn="ctr" defTabSz="977900">
             <a:lnSpc>
               <a:spcPct val="90000"/>
             </a:lnSpc>
@@ -2898,41 +2318,54 @@
             <a:buNone/>
           </a:pPr>
           <a:r>
-            <a:rPr lang="en-US" sz="1700" kern="1200" dirty="0"/>
-            <a:t>Events</a:t>
+            <a:rPr lang="en-US" sz="2200" kern="1200" dirty="0"/>
+            <a:t>Local Groups</a:t>
           </a:r>
         </a:p>
       </dsp:txBody>
       <dsp:txXfrm>
-        <a:off x="3877064" y="926428"/>
-        <a:ext cx="1131000" cy="585581"/>
+        <a:off x="5943002" y="3199997"/>
+        <a:ext cx="1573963" cy="1027987"/>
       </dsp:txXfrm>
     </dsp:sp>
-    <dsp:sp modelId="{093426B6-CB37-4BFB-A245-2C41D01495F2}">
+    <dsp:sp modelId="{20187EFF-9F54-440A-8907-93C3BB961C65}">
       <dsp:nvSpPr>
         <dsp:cNvPr id="0" name=""/>
         <dsp:cNvSpPr/>
       </dsp:nvSpPr>
       <dsp:spPr>
         <a:xfrm>
-          <a:off x="4103264" y="1381880"/>
-          <a:ext cx="1017900" cy="195193"/>
+          <a:off x="6729984" y="2731234"/>
+          <a:ext cx="2129306" cy="436780"/>
         </a:xfrm>
-        <a:prstGeom prst="rect">
+        <a:custGeom>
           <a:avLst/>
-        </a:prstGeom>
-        <a:solidFill>
-          <a:schemeClr val="lt1">
-            <a:alpha val="90000"/>
-            <a:hueOff val="0"/>
-            <a:satOff val="0"/>
-            <a:lumOff val="0"/>
-            <a:alphaOff val="0"/>
-          </a:schemeClr>
-        </a:solidFill>
+          <a:gdLst/>
+          <a:ahLst/>
+          <a:cxnLst/>
+          <a:rect l="0" t="0" r="0" b="0"/>
+          <a:pathLst>
+            <a:path>
+              <a:moveTo>
+                <a:pt x="0" y="0"/>
+              </a:moveTo>
+              <a:lnTo>
+                <a:pt x="0" y="218390"/>
+              </a:lnTo>
+              <a:lnTo>
+                <a:pt x="2129306" y="218390"/>
+              </a:lnTo>
+              <a:lnTo>
+                <a:pt x="2129306" y="436780"/>
+              </a:lnTo>
+            </a:path>
+          </a:pathLst>
+        </a:custGeom>
+        <a:noFill/>
         <a:ln w="12700" cap="flat" cmpd="sng" algn="ctr">
           <a:solidFill>
             <a:schemeClr val="accent1">
+              <a:shade val="80000"/>
               <a:hueOff val="0"/>
               <a:satOff val="0"/>
               <a:lumOff val="0"/>
@@ -2948,7 +2381,7 @@
         <a:lnRef idx="2">
           <a:scrgbClr r="0" g="0" b="0"/>
         </a:lnRef>
-        <a:fillRef idx="1">
+        <a:fillRef idx="0">
           <a:scrgbClr r="0" g="0" b="0"/>
         </a:fillRef>
         <a:effectRef idx="0">
@@ -2956,44 +2389,21 @@
         </a:effectRef>
         <a:fontRef idx="minor"/>
       </dsp:style>
-      <dsp:txBody>
-        <a:bodyPr spcFirstLastPara="0" vert="horz" wrap="square" lIns="30480" tIns="7620" rIns="30480" bIns="7620" numCol="1" spcCol="1270" anchor="ctr" anchorCtr="0">
-          <a:noAutofit/>
-        </a:bodyPr>
-        <a:lstStyle/>
-        <a:p>
-          <a:pPr marL="0" lvl="0" indent="0" algn="r" defTabSz="533400">
-            <a:lnSpc>
-              <a:spcPct val="90000"/>
-            </a:lnSpc>
-            <a:spcBef>
-              <a:spcPct val="0"/>
-            </a:spcBef>
-            <a:spcAft>
-              <a:spcPct val="35000"/>
-            </a:spcAft>
-            <a:buNone/>
-          </a:pPr>
-          <a:endParaRPr lang="en-US" sz="1200" kern="1200"/>
-        </a:p>
-      </dsp:txBody>
-      <dsp:txXfrm>
-        <a:off x="4103264" y="1381880"/>
-        <a:ext cx="1017900" cy="195193"/>
-      </dsp:txXfrm>
     </dsp:sp>
-    <dsp:sp modelId="{00B9D14D-0388-44E4-BC78-EBCAD0B6979C}">
+    <dsp:sp modelId="{4037397F-5207-48DC-BDDE-62634F8E7BCC}">
       <dsp:nvSpPr>
         <dsp:cNvPr id="0" name=""/>
         <dsp:cNvSpPr/>
       </dsp:nvSpPr>
       <dsp:spPr>
         <a:xfrm>
-          <a:off x="5394435" y="926428"/>
-          <a:ext cx="1131000" cy="585581"/>
+          <a:off x="8040326" y="3168015"/>
+          <a:ext cx="1637927" cy="1091951"/>
         </a:xfrm>
-        <a:prstGeom prst="rect">
-          <a:avLst/>
+        <a:prstGeom prst="roundRect">
+          <a:avLst>
+            <a:gd name="adj" fmla="val 10000"/>
+          </a:avLst>
         </a:prstGeom>
         <a:solidFill>
           <a:schemeClr val="accent1">
@@ -3032,12 +2442,12 @@
         </a:fontRef>
       </dsp:style>
       <dsp:txBody>
-        <a:bodyPr spcFirstLastPara="0" vert="horz" wrap="square" lIns="10795" tIns="10795" rIns="10795" bIns="82632" numCol="1" spcCol="1270" anchor="ctr" anchorCtr="0">
+        <a:bodyPr spcFirstLastPara="0" vert="horz" wrap="square" lIns="83820" tIns="83820" rIns="83820" bIns="83820" numCol="1" spcCol="1270" anchor="ctr" anchorCtr="0">
           <a:noAutofit/>
         </a:bodyPr>
         <a:lstStyle/>
         <a:p>
-          <a:pPr marL="0" lvl="0" indent="0" algn="ctr" defTabSz="755650">
+          <a:pPr marL="0" lvl="0" indent="0" algn="ctr" defTabSz="977900">
             <a:lnSpc>
               <a:spcPct val="90000"/>
             </a:lnSpc>
@@ -3050,545 +2460,14 @@
             <a:buNone/>
           </a:pPr>
           <a:r>
-            <a:rPr lang="en-US" sz="1700" kern="1200" dirty="0" err="1"/>
-            <a:t>MeetUps</a:t>
-          </a:r>
-          <a:endParaRPr lang="en-US" sz="1700" kern="1200" dirty="0"/>
-        </a:p>
-      </dsp:txBody>
-      <dsp:txXfrm>
-        <a:off x="5394435" y="926428"/>
-        <a:ext cx="1131000" cy="585581"/>
-      </dsp:txXfrm>
-    </dsp:sp>
-    <dsp:sp modelId="{CC557E83-DF62-40AD-8846-5E84F3421AB0}">
-      <dsp:nvSpPr>
-        <dsp:cNvPr id="0" name=""/>
-        <dsp:cNvSpPr/>
-      </dsp:nvSpPr>
-      <dsp:spPr>
-        <a:xfrm>
-          <a:off x="5620635" y="1381880"/>
-          <a:ext cx="1017900" cy="195193"/>
-        </a:xfrm>
-        <a:prstGeom prst="rect">
-          <a:avLst/>
-        </a:prstGeom>
-        <a:solidFill>
-          <a:schemeClr val="lt1">
-            <a:alpha val="90000"/>
-            <a:hueOff val="0"/>
-            <a:satOff val="0"/>
-            <a:lumOff val="0"/>
-            <a:alphaOff val="0"/>
-          </a:schemeClr>
-        </a:solidFill>
-        <a:ln w="12700" cap="flat" cmpd="sng" algn="ctr">
-          <a:solidFill>
-            <a:schemeClr val="accent1">
-              <a:hueOff val="0"/>
-              <a:satOff val="0"/>
-              <a:lumOff val="0"/>
-              <a:alphaOff val="0"/>
-            </a:schemeClr>
-          </a:solidFill>
-          <a:prstDash val="solid"/>
-          <a:miter lim="800000"/>
-        </a:ln>
-        <a:effectLst/>
-      </dsp:spPr>
-      <dsp:style>
-        <a:lnRef idx="2">
-          <a:scrgbClr r="0" g="0" b="0"/>
-        </a:lnRef>
-        <a:fillRef idx="1">
-          <a:scrgbClr r="0" g="0" b="0"/>
-        </a:fillRef>
-        <a:effectRef idx="0">
-          <a:scrgbClr r="0" g="0" b="0"/>
-        </a:effectRef>
-        <a:fontRef idx="minor"/>
-      </dsp:style>
-      <dsp:txBody>
-        <a:bodyPr spcFirstLastPara="0" vert="horz" wrap="square" lIns="30480" tIns="7620" rIns="30480" bIns="7620" numCol="1" spcCol="1270" anchor="ctr" anchorCtr="0">
-          <a:noAutofit/>
-        </a:bodyPr>
-        <a:lstStyle/>
-        <a:p>
-          <a:pPr marL="0" lvl="0" indent="0" algn="r" defTabSz="533400">
-            <a:lnSpc>
-              <a:spcPct val="90000"/>
-            </a:lnSpc>
-            <a:spcBef>
-              <a:spcPct val="0"/>
-            </a:spcBef>
-            <a:spcAft>
-              <a:spcPct val="35000"/>
-            </a:spcAft>
-            <a:buNone/>
-          </a:pPr>
-          <a:endParaRPr lang="en-US" sz="1200" kern="1200"/>
-        </a:p>
-      </dsp:txBody>
-      <dsp:txXfrm>
-        <a:off x="5620635" y="1381880"/>
-        <a:ext cx="1017900" cy="195193"/>
-      </dsp:txXfrm>
-    </dsp:sp>
-    <dsp:sp modelId="{101E76A2-4743-4286-A350-ED12787CB775}">
-      <dsp:nvSpPr>
-        <dsp:cNvPr id="0" name=""/>
-        <dsp:cNvSpPr/>
-      </dsp:nvSpPr>
-      <dsp:spPr>
-        <a:xfrm>
-          <a:off x="3877064" y="1850345"/>
-          <a:ext cx="1131000" cy="585581"/>
-        </a:xfrm>
-        <a:prstGeom prst="rect">
-          <a:avLst/>
-        </a:prstGeom>
-        <a:solidFill>
-          <a:schemeClr val="accent1">
-            <a:hueOff val="0"/>
-            <a:satOff val="0"/>
-            <a:lumOff val="0"/>
-            <a:alphaOff val="0"/>
-          </a:schemeClr>
-        </a:solidFill>
-        <a:ln w="12700" cap="flat" cmpd="sng" algn="ctr">
-          <a:solidFill>
-            <a:schemeClr val="lt1">
-              <a:hueOff val="0"/>
-              <a:satOff val="0"/>
-              <a:lumOff val="0"/>
-              <a:alphaOff val="0"/>
-            </a:schemeClr>
-          </a:solidFill>
-          <a:prstDash val="solid"/>
-          <a:miter lim="800000"/>
-        </a:ln>
-        <a:effectLst/>
-      </dsp:spPr>
-      <dsp:style>
-        <a:lnRef idx="2">
-          <a:scrgbClr r="0" g="0" b="0"/>
-        </a:lnRef>
-        <a:fillRef idx="1">
-          <a:scrgbClr r="0" g="0" b="0"/>
-        </a:fillRef>
-        <a:effectRef idx="0">
-          <a:scrgbClr r="0" g="0" b="0"/>
-        </a:effectRef>
-        <a:fontRef idx="minor">
-          <a:schemeClr val="lt1"/>
-        </a:fontRef>
-      </dsp:style>
-      <dsp:txBody>
-        <a:bodyPr spcFirstLastPara="0" vert="horz" wrap="square" lIns="10795" tIns="10795" rIns="10795" bIns="82632" numCol="1" spcCol="1270" anchor="ctr" anchorCtr="0">
-          <a:noAutofit/>
-        </a:bodyPr>
-        <a:lstStyle/>
-        <a:p>
-          <a:pPr marL="0" lvl="0" indent="0" algn="ctr" defTabSz="755650">
-            <a:lnSpc>
-              <a:spcPct val="90000"/>
-            </a:lnSpc>
-            <a:spcBef>
-              <a:spcPct val="0"/>
-            </a:spcBef>
-            <a:spcAft>
-              <a:spcPct val="35000"/>
-            </a:spcAft>
-            <a:buNone/>
-          </a:pPr>
-          <a:r>
-            <a:rPr lang="en-US" sz="1700" kern="1200" dirty="0"/>
-            <a:t>Registration</a:t>
+            <a:rPr lang="en-US" sz="2200" kern="1200" dirty="0"/>
+            <a:t>Top Rated Parks</a:t>
           </a:r>
         </a:p>
       </dsp:txBody>
       <dsp:txXfrm>
-        <a:off x="3877064" y="1850345"/>
-        <a:ext cx="1131000" cy="585581"/>
-      </dsp:txXfrm>
-    </dsp:sp>
-    <dsp:sp modelId="{AB3EC8CC-7AD0-4ADD-8E48-F1FFC2E107B9}">
-      <dsp:nvSpPr>
-        <dsp:cNvPr id="0" name=""/>
-        <dsp:cNvSpPr/>
-      </dsp:nvSpPr>
-      <dsp:spPr>
-        <a:xfrm>
-          <a:off x="4103264" y="2305798"/>
-          <a:ext cx="1017900" cy="195193"/>
-        </a:xfrm>
-        <a:prstGeom prst="rect">
-          <a:avLst/>
-        </a:prstGeom>
-        <a:solidFill>
-          <a:schemeClr val="lt1">
-            <a:alpha val="90000"/>
-            <a:hueOff val="0"/>
-            <a:satOff val="0"/>
-            <a:lumOff val="0"/>
-            <a:alphaOff val="0"/>
-          </a:schemeClr>
-        </a:solidFill>
-        <a:ln w="12700" cap="flat" cmpd="sng" algn="ctr">
-          <a:solidFill>
-            <a:schemeClr val="accent1">
-              <a:hueOff val="0"/>
-              <a:satOff val="0"/>
-              <a:lumOff val="0"/>
-              <a:alphaOff val="0"/>
-            </a:schemeClr>
-          </a:solidFill>
-          <a:prstDash val="solid"/>
-          <a:miter lim="800000"/>
-        </a:ln>
-        <a:effectLst/>
-      </dsp:spPr>
-      <dsp:style>
-        <a:lnRef idx="2">
-          <a:scrgbClr r="0" g="0" b="0"/>
-        </a:lnRef>
-        <a:fillRef idx="1">
-          <a:scrgbClr r="0" g="0" b="0"/>
-        </a:fillRef>
-        <a:effectRef idx="0">
-          <a:scrgbClr r="0" g="0" b="0"/>
-        </a:effectRef>
-        <a:fontRef idx="minor"/>
-      </dsp:style>
-      <dsp:txBody>
-        <a:bodyPr spcFirstLastPara="0" vert="horz" wrap="square" lIns="30480" tIns="7620" rIns="30480" bIns="7620" numCol="1" spcCol="1270" anchor="ctr" anchorCtr="0">
-          <a:noAutofit/>
-        </a:bodyPr>
-        <a:lstStyle/>
-        <a:p>
-          <a:pPr marL="0" lvl="0" indent="0" algn="r" defTabSz="533400">
-            <a:lnSpc>
-              <a:spcPct val="90000"/>
-            </a:lnSpc>
-            <a:spcBef>
-              <a:spcPct val="0"/>
-            </a:spcBef>
-            <a:spcAft>
-              <a:spcPct val="35000"/>
-            </a:spcAft>
-            <a:buNone/>
-          </a:pPr>
-          <a:endParaRPr lang="en-US" sz="1200" kern="1200"/>
-        </a:p>
-      </dsp:txBody>
-      <dsp:txXfrm>
-        <a:off x="4103264" y="2305798"/>
-        <a:ext cx="1017900" cy="195193"/>
-      </dsp:txXfrm>
-    </dsp:sp>
-    <dsp:sp modelId="{B3283E1E-2057-4690-A212-3D2DAFA652BD}">
-      <dsp:nvSpPr>
-        <dsp:cNvPr id="0" name=""/>
-        <dsp:cNvSpPr/>
-      </dsp:nvSpPr>
-      <dsp:spPr>
-        <a:xfrm>
-          <a:off x="5394435" y="1850345"/>
-          <a:ext cx="1131000" cy="585581"/>
-        </a:xfrm>
-        <a:prstGeom prst="rect">
-          <a:avLst/>
-        </a:prstGeom>
-        <a:solidFill>
-          <a:schemeClr val="accent1">
-            <a:hueOff val="0"/>
-            <a:satOff val="0"/>
-            <a:lumOff val="0"/>
-            <a:alphaOff val="0"/>
-          </a:schemeClr>
-        </a:solidFill>
-        <a:ln w="12700" cap="flat" cmpd="sng" algn="ctr">
-          <a:solidFill>
-            <a:schemeClr val="lt1">
-              <a:hueOff val="0"/>
-              <a:satOff val="0"/>
-              <a:lumOff val="0"/>
-              <a:alphaOff val="0"/>
-            </a:schemeClr>
-          </a:solidFill>
-          <a:prstDash val="solid"/>
-          <a:miter lim="800000"/>
-        </a:ln>
-        <a:effectLst/>
-      </dsp:spPr>
-      <dsp:style>
-        <a:lnRef idx="2">
-          <a:scrgbClr r="0" g="0" b="0"/>
-        </a:lnRef>
-        <a:fillRef idx="1">
-          <a:scrgbClr r="0" g="0" b="0"/>
-        </a:fillRef>
-        <a:effectRef idx="0">
-          <a:scrgbClr r="0" g="0" b="0"/>
-        </a:effectRef>
-        <a:fontRef idx="minor">
-          <a:schemeClr val="lt1"/>
-        </a:fontRef>
-      </dsp:style>
-      <dsp:txBody>
-        <a:bodyPr spcFirstLastPara="0" vert="horz" wrap="square" lIns="10795" tIns="10795" rIns="10795" bIns="82632" numCol="1" spcCol="1270" anchor="ctr" anchorCtr="0">
-          <a:noAutofit/>
-        </a:bodyPr>
-        <a:lstStyle/>
-        <a:p>
-          <a:pPr marL="0" lvl="0" indent="0" algn="ctr" defTabSz="755650">
-            <a:lnSpc>
-              <a:spcPct val="90000"/>
-            </a:lnSpc>
-            <a:spcBef>
-              <a:spcPct val="0"/>
-            </a:spcBef>
-            <a:spcAft>
-              <a:spcPct val="35000"/>
-            </a:spcAft>
-            <a:buNone/>
-          </a:pPr>
-          <a:r>
-            <a:rPr lang="en-US" sz="1700" kern="1200" dirty="0"/>
-            <a:t>Member Search</a:t>
-          </a:r>
-        </a:p>
-      </dsp:txBody>
-      <dsp:txXfrm>
-        <a:off x="5394435" y="1850345"/>
-        <a:ext cx="1131000" cy="585581"/>
-      </dsp:txXfrm>
-    </dsp:sp>
-    <dsp:sp modelId="{A0AD7242-ED6A-474D-B059-FB0D1C171505}">
-      <dsp:nvSpPr>
-        <dsp:cNvPr id="0" name=""/>
-        <dsp:cNvSpPr/>
-      </dsp:nvSpPr>
-      <dsp:spPr>
-        <a:xfrm>
-          <a:off x="5620635" y="2305798"/>
-          <a:ext cx="1017900" cy="195193"/>
-        </a:xfrm>
-        <a:prstGeom prst="rect">
-          <a:avLst/>
-        </a:prstGeom>
-        <a:solidFill>
-          <a:schemeClr val="lt1">
-            <a:alpha val="90000"/>
-            <a:hueOff val="0"/>
-            <a:satOff val="0"/>
-            <a:lumOff val="0"/>
-            <a:alphaOff val="0"/>
-          </a:schemeClr>
-        </a:solidFill>
-        <a:ln w="12700" cap="flat" cmpd="sng" algn="ctr">
-          <a:solidFill>
-            <a:schemeClr val="accent1">
-              <a:hueOff val="0"/>
-              <a:satOff val="0"/>
-              <a:lumOff val="0"/>
-              <a:alphaOff val="0"/>
-            </a:schemeClr>
-          </a:solidFill>
-          <a:prstDash val="solid"/>
-          <a:miter lim="800000"/>
-        </a:ln>
-        <a:effectLst/>
-      </dsp:spPr>
-      <dsp:style>
-        <a:lnRef idx="2">
-          <a:scrgbClr r="0" g="0" b="0"/>
-        </a:lnRef>
-        <a:fillRef idx="1">
-          <a:scrgbClr r="0" g="0" b="0"/>
-        </a:fillRef>
-        <a:effectRef idx="0">
-          <a:scrgbClr r="0" g="0" b="0"/>
-        </a:effectRef>
-        <a:fontRef idx="minor"/>
-      </dsp:style>
-      <dsp:txBody>
-        <a:bodyPr spcFirstLastPara="0" vert="horz" wrap="square" lIns="30480" tIns="7620" rIns="30480" bIns="7620" numCol="1" spcCol="1270" anchor="ctr" anchorCtr="0">
-          <a:noAutofit/>
-        </a:bodyPr>
-        <a:lstStyle/>
-        <a:p>
-          <a:pPr marL="0" lvl="0" indent="0" algn="r" defTabSz="533400">
-            <a:lnSpc>
-              <a:spcPct val="90000"/>
-            </a:lnSpc>
-            <a:spcBef>
-              <a:spcPct val="0"/>
-            </a:spcBef>
-            <a:spcAft>
-              <a:spcPct val="35000"/>
-            </a:spcAft>
-            <a:buNone/>
-          </a:pPr>
-          <a:endParaRPr lang="en-US" sz="1200" kern="1200"/>
-        </a:p>
-      </dsp:txBody>
-      <dsp:txXfrm>
-        <a:off x="5620635" y="2305798"/>
-        <a:ext cx="1017900" cy="195193"/>
-      </dsp:txXfrm>
-    </dsp:sp>
-    <dsp:sp modelId="{51DB92DD-B79E-4851-B428-2D6647EE4E80}">
-      <dsp:nvSpPr>
-        <dsp:cNvPr id="0" name=""/>
-        <dsp:cNvSpPr/>
-      </dsp:nvSpPr>
-      <dsp:spPr>
-        <a:xfrm>
-          <a:off x="3877064" y="2774263"/>
-          <a:ext cx="1131000" cy="585581"/>
-        </a:xfrm>
-        <a:prstGeom prst="rect">
-          <a:avLst/>
-        </a:prstGeom>
-        <a:solidFill>
-          <a:schemeClr val="accent1">
-            <a:hueOff val="0"/>
-            <a:satOff val="0"/>
-            <a:lumOff val="0"/>
-            <a:alphaOff val="0"/>
-          </a:schemeClr>
-        </a:solidFill>
-        <a:ln w="12700" cap="flat" cmpd="sng" algn="ctr">
-          <a:solidFill>
-            <a:schemeClr val="lt1">
-              <a:hueOff val="0"/>
-              <a:satOff val="0"/>
-              <a:lumOff val="0"/>
-              <a:alphaOff val="0"/>
-            </a:schemeClr>
-          </a:solidFill>
-          <a:prstDash val="solid"/>
-          <a:miter lim="800000"/>
-        </a:ln>
-        <a:effectLst/>
-      </dsp:spPr>
-      <dsp:style>
-        <a:lnRef idx="2">
-          <a:scrgbClr r="0" g="0" b="0"/>
-        </a:lnRef>
-        <a:fillRef idx="1">
-          <a:scrgbClr r="0" g="0" b="0"/>
-        </a:fillRef>
-        <a:effectRef idx="0">
-          <a:scrgbClr r="0" g="0" b="0"/>
-        </a:effectRef>
-        <a:fontRef idx="minor">
-          <a:schemeClr val="lt1"/>
-        </a:fontRef>
-      </dsp:style>
-      <dsp:txBody>
-        <a:bodyPr spcFirstLastPara="0" vert="horz" wrap="square" lIns="10795" tIns="10795" rIns="10795" bIns="82632" numCol="1" spcCol="1270" anchor="ctr" anchorCtr="0">
-          <a:noAutofit/>
-        </a:bodyPr>
-        <a:lstStyle/>
-        <a:p>
-          <a:pPr marL="0" lvl="0" indent="0" algn="ctr" defTabSz="755650">
-            <a:lnSpc>
-              <a:spcPct val="90000"/>
-            </a:lnSpc>
-            <a:spcBef>
-              <a:spcPct val="0"/>
-            </a:spcBef>
-            <a:spcAft>
-              <a:spcPct val="35000"/>
-            </a:spcAft>
-            <a:buNone/>
-          </a:pPr>
-          <a:r>
-            <a:rPr lang="en-US" sz="1700" kern="1200" dirty="0"/>
-            <a:t>Playground Locations</a:t>
-          </a:r>
-        </a:p>
-      </dsp:txBody>
-      <dsp:txXfrm>
-        <a:off x="3877064" y="2774263"/>
-        <a:ext cx="1131000" cy="585581"/>
-      </dsp:txXfrm>
-    </dsp:sp>
-    <dsp:sp modelId="{B07D686E-F7BD-47F3-8C9D-E3F4BF1B6336}">
-      <dsp:nvSpPr>
-        <dsp:cNvPr id="0" name=""/>
-        <dsp:cNvSpPr/>
-      </dsp:nvSpPr>
-      <dsp:spPr>
-        <a:xfrm>
-          <a:off x="4103264" y="3229716"/>
-          <a:ext cx="1017900" cy="195193"/>
-        </a:xfrm>
-        <a:prstGeom prst="rect">
-          <a:avLst/>
-        </a:prstGeom>
-        <a:solidFill>
-          <a:schemeClr val="lt1">
-            <a:alpha val="90000"/>
-            <a:hueOff val="0"/>
-            <a:satOff val="0"/>
-            <a:lumOff val="0"/>
-            <a:alphaOff val="0"/>
-          </a:schemeClr>
-        </a:solidFill>
-        <a:ln w="12700" cap="flat" cmpd="sng" algn="ctr">
-          <a:solidFill>
-            <a:schemeClr val="accent1">
-              <a:hueOff val="0"/>
-              <a:satOff val="0"/>
-              <a:lumOff val="0"/>
-              <a:alphaOff val="0"/>
-            </a:schemeClr>
-          </a:solidFill>
-          <a:prstDash val="solid"/>
-          <a:miter lim="800000"/>
-        </a:ln>
-        <a:effectLst/>
-      </dsp:spPr>
-      <dsp:style>
-        <a:lnRef idx="2">
-          <a:scrgbClr r="0" g="0" b="0"/>
-        </a:lnRef>
-        <a:fillRef idx="1">
-          <a:scrgbClr r="0" g="0" b="0"/>
-        </a:fillRef>
-        <a:effectRef idx="0">
-          <a:scrgbClr r="0" g="0" b="0"/>
-        </a:effectRef>
-        <a:fontRef idx="minor"/>
-      </dsp:style>
-      <dsp:txBody>
-        <a:bodyPr spcFirstLastPara="0" vert="horz" wrap="square" lIns="30480" tIns="7620" rIns="30480" bIns="7620" numCol="1" spcCol="1270" anchor="ctr" anchorCtr="0">
-          <a:noAutofit/>
-        </a:bodyPr>
-        <a:lstStyle/>
-        <a:p>
-          <a:pPr marL="0" lvl="0" indent="0" algn="r" defTabSz="533400">
-            <a:lnSpc>
-              <a:spcPct val="90000"/>
-            </a:lnSpc>
-            <a:spcBef>
-              <a:spcPct val="0"/>
-            </a:spcBef>
-            <a:spcAft>
-              <a:spcPct val="35000"/>
-            </a:spcAft>
-            <a:buNone/>
-          </a:pPr>
-          <a:endParaRPr lang="en-US" sz="1200" kern="1200"/>
-        </a:p>
-      </dsp:txBody>
-      <dsp:txXfrm>
-        <a:off x="4103264" y="3229716"/>
-        <a:ext cx="1017900" cy="195193"/>
+        <a:off x="8072308" y="3199997"/>
+        <a:ext cx="1573963" cy="1027987"/>
       </dsp:txXfrm>
     </dsp:sp>
   </dsp:spTree>
@@ -3596,11 +2475,11 @@
 </file>
 
 <file path=ppt/diagrams/layout1.xml><?xml version="1.0" encoding="utf-8"?>
-<dgm:layoutDef xmlns:dgm="http://schemas.openxmlformats.org/drawingml/2006/diagram" xmlns:a="http://schemas.openxmlformats.org/drawingml/2006/main" uniqueId="urn:microsoft.com/office/officeart/2008/layout/NameandTitleOrganizationalChart">
+<dgm:layoutDef xmlns:dgm="http://schemas.openxmlformats.org/drawingml/2006/diagram" xmlns:a="http://schemas.openxmlformats.org/drawingml/2006/main" uniqueId="urn:microsoft.com/office/officeart/2005/8/layout/hierarchy6">
   <dgm:title val=""/>
   <dgm:desc val=""/>
   <dgm:catLst>
-    <dgm:cat type="hierarchy" pri="1250"/>
+    <dgm:cat type="hierarchy" pri="3000"/>
   </dgm:catLst>
   <dgm:sampData>
     <dgm:dataModel>
@@ -3609,10 +2488,19 @@
         <dgm:pt modelId="1">
           <dgm:prSet phldr="1"/>
         </dgm:pt>
-        <dgm:pt modelId="2" type="asst">
+        <dgm:pt modelId="2">
+          <dgm:prSet phldr="1"/>
+        </dgm:pt>
+        <dgm:pt modelId="21">
+          <dgm:prSet phldr="1"/>
+        </dgm:pt>
+        <dgm:pt modelId="22">
           <dgm:prSet phldr="1"/>
         </dgm:pt>
         <dgm:pt modelId="3">
+          <dgm:prSet phldr="1"/>
+        </dgm:pt>
+        <dgm:pt modelId="31">
           <dgm:prSet phldr="1"/>
         </dgm:pt>
         <dgm:pt modelId="4">
@@ -3621,13 +2509,20 @@
         <dgm:pt modelId="5">
           <dgm:prSet phldr="1"/>
         </dgm:pt>
+        <dgm:pt modelId="6">
+          <dgm:prSet phldr="1"/>
+        </dgm:pt>
       </dgm:ptLst>
       <dgm:cxnLst>
-        <dgm:cxn modelId="5" srcId="0" destId="1" srcOrd="0" destOrd="0"/>
-        <dgm:cxn modelId="6" srcId="1" destId="2" srcOrd="0" destOrd="0"/>
-        <dgm:cxn modelId="7" srcId="1" destId="3" srcOrd="1" destOrd="0"/>
-        <dgm:cxn modelId="8" srcId="1" destId="4" srcOrd="2" destOrd="0"/>
-        <dgm:cxn modelId="9" srcId="1" destId="5" srcOrd="3" destOrd="0"/>
+        <dgm:cxn modelId="7" srcId="0" destId="1" srcOrd="0" destOrd="0"/>
+        <dgm:cxn modelId="8" srcId="1" destId="2" srcOrd="0" destOrd="0"/>
+        <dgm:cxn modelId="9" srcId="1" destId="3" srcOrd="1" destOrd="0"/>
+        <dgm:cxn modelId="23" srcId="2" destId="21" srcOrd="0" destOrd="0"/>
+        <dgm:cxn modelId="24" srcId="2" destId="22" srcOrd="1" destOrd="0"/>
+        <dgm:cxn modelId="33" srcId="3" destId="31" srcOrd="0" destOrd="0"/>
+        <dgm:cxn modelId="10" srcId="0" destId="4" srcOrd="1" destOrd="0"/>
+        <dgm:cxn modelId="11" srcId="0" destId="5" srcOrd="2" destOrd="0"/>
+        <dgm:cxn modelId="12" srcId="0" destId="6" srcOrd="3" destOrd="0"/>
       </dgm:cxnLst>
       <dgm:bg/>
       <dgm:whole/>
@@ -3638,13 +2533,17 @@
       <dgm:ptLst>
         <dgm:pt modelId="0" type="doc"/>
         <dgm:pt modelId="1"/>
+        <dgm:pt modelId="11"/>
         <dgm:pt modelId="12"/>
-        <dgm:pt modelId="13"/>
+        <dgm:pt modelId="2"/>
+        <dgm:pt modelId="3"/>
       </dgm:ptLst>
       <dgm:cxnLst>
-        <dgm:cxn modelId="2" srcId="0" destId="1" srcOrd="0" destOrd="0"/>
-        <dgm:cxn modelId="16" srcId="1" destId="12" srcOrd="1" destOrd="0"/>
-        <dgm:cxn modelId="17" srcId="1" destId="13" srcOrd="2" destOrd="0"/>
+        <dgm:cxn modelId="4" srcId="0" destId="1" srcOrd="0" destOrd="0"/>
+        <dgm:cxn modelId="13" srcId="1" destId="11" srcOrd="0" destOrd="0"/>
+        <dgm:cxn modelId="14" srcId="1" destId="12" srcOrd="1" destOrd="0"/>
+        <dgm:cxn modelId="5" srcId="0" destId="2" srcOrd="1" destOrd="0"/>
+        <dgm:cxn modelId="6" srcId="0" destId="3" srcOrd="2" destOrd="0"/>
       </dgm:cxnLst>
       <dgm:bg/>
       <dgm:whole/>
@@ -3655,1123 +2554,433 @@
       <dgm:ptLst>
         <dgm:pt modelId="0" type="doc"/>
         <dgm:pt modelId="1"/>
-        <dgm:pt modelId="11" type="asst"/>
-        <dgm:pt modelId="12"/>
-        <dgm:pt modelId="13"/>
-        <dgm:pt modelId="14"/>
+        <dgm:pt modelId="2"/>
+        <dgm:pt modelId="21"/>
+        <dgm:pt modelId="211"/>
+        <dgm:pt modelId="3"/>
+        <dgm:pt modelId="31"/>
+        <dgm:pt modelId="311"/>
+        <dgm:pt modelId="4"/>
+        <dgm:pt modelId="5"/>
+        <dgm:pt modelId="6"/>
+        <dgm:pt modelId="7"/>
       </dgm:ptLst>
       <dgm:cxnLst>
-        <dgm:cxn modelId="2" srcId="0" destId="1" srcOrd="0" destOrd="0"/>
-        <dgm:cxn modelId="15" srcId="1" destId="11" srcOrd="0" destOrd="0"/>
-        <dgm:cxn modelId="16" srcId="1" destId="12" srcOrd="1" destOrd="0"/>
-        <dgm:cxn modelId="17" srcId="1" destId="13" srcOrd="2" destOrd="0"/>
-        <dgm:cxn modelId="18" srcId="1" destId="14" srcOrd="2" destOrd="0"/>
+        <dgm:cxn modelId="8" srcId="0" destId="1" srcOrd="0" destOrd="0"/>
+        <dgm:cxn modelId="9" srcId="1" destId="2" srcOrd="0" destOrd="0"/>
+        <dgm:cxn modelId="10" srcId="1" destId="3" srcOrd="1" destOrd="0"/>
+        <dgm:cxn modelId="23" srcId="2" destId="21" srcOrd="0" destOrd="0"/>
+        <dgm:cxn modelId="24" srcId="21" destId="211" srcOrd="0" destOrd="0"/>
+        <dgm:cxn modelId="33" srcId="3" destId="31" srcOrd="0" destOrd="0"/>
+        <dgm:cxn modelId="34" srcId="31" destId="311" srcOrd="0" destOrd="0"/>
+        <dgm:cxn modelId="11" srcId="0" destId="4" srcOrd="1" destOrd="0"/>
+        <dgm:cxn modelId="12" srcId="0" destId="5" srcOrd="2" destOrd="0"/>
+        <dgm:cxn modelId="13" srcId="0" destId="6" srcOrd="3" destOrd="0"/>
+        <dgm:cxn modelId="14" srcId="0" destId="7" srcOrd="4" destOrd="0"/>
       </dgm:cxnLst>
       <dgm:bg/>
       <dgm:whole/>
     </dgm:dataModel>
   </dgm:clrData>
-  <dgm:layoutNode name="hierChild1">
+  <dgm:layoutNode name="mainComposite">
     <dgm:varLst>
-      <dgm:orgChart val="1"/>
       <dgm:chPref val="1"/>
       <dgm:dir/>
       <dgm:animOne val="branch"/>
       <dgm:animLvl val="lvl"/>
-      <dgm:resizeHandles/>
+      <dgm:resizeHandles val="exact"/>
     </dgm:varLst>
-    <dgm:choose name="Name0">
-      <dgm:if name="Name1" func="var" arg="dir" op="equ" val="norm">
-        <dgm:alg type="hierChild">
-          <dgm:param type="linDir" val="fromL"/>
-        </dgm:alg>
-      </dgm:if>
-      <dgm:else name="Name2">
-        <dgm:alg type="hierChild">
-          <dgm:param type="linDir" val="fromR"/>
-        </dgm:alg>
-      </dgm:else>
-    </dgm:choose>
+    <dgm:alg type="composite">
+      <dgm:param type="vertAlign" val="mid"/>
+      <dgm:param type="horzAlign" val="ctr"/>
+    </dgm:alg>
     <dgm:shape xmlns:r="http://schemas.openxmlformats.org/officeDocument/2006/relationships" r:blip="">
       <dgm:adjLst/>
     </dgm:shape>
     <dgm:presOf/>
-    <dgm:constrLst>
-      <dgm:constr type="w" for="des" forName="rootComposite1" refType="w" fact="10"/>
-      <dgm:constr type="h" for="des" forName="rootComposite1" refType="w" refFor="des" refForName="rootComposite1" fact="0.5"/>
-      <dgm:constr type="w" for="des" forName="rootComposite" refType="w" fact="10"/>
-      <dgm:constr type="h" for="des" forName="rootComposite" refType="w" refFor="des" refForName="rootComposite1" fact="0.5"/>
-      <dgm:constr type="w" for="des" forName="rootComposite3" refType="w" fact="10"/>
-      <dgm:constr type="h" for="des" forName="rootComposite3" refType="w" refFor="des" refForName="rootComposite1" fact="0.5"/>
-      <dgm:constr type="primFontSz" for="des" ptType="node" op="equ"/>
-      <dgm:constr type="sp" for="des" op="equ"/>
-      <dgm:constr type="sp" for="des" forName="hierRoot1" refType="w" refFor="des" refForName="rootComposite1" fact="0.21"/>
-      <dgm:constr type="sp" for="des" forName="hierRoot2" refType="sp" refFor="des" refForName="hierRoot1"/>
-      <dgm:constr type="sp" for="des" forName="hierRoot3" refType="sp" refFor="des" refForName="hierRoot1"/>
-      <dgm:constr type="sibSp" refType="w" refFor="des" refForName="rootComposite1" fact="0.21"/>
-      <dgm:constr type="sibSp" for="des" forName="hierChild2" refType="sibSp"/>
-      <dgm:constr type="sibSp" for="des" forName="hierChild3" refType="sibSp"/>
-      <dgm:constr type="sibSp" for="des" forName="hierChild4" refType="sibSp"/>
-      <dgm:constr type="sibSp" for="des" forName="hierChild5" refType="sibSp"/>
-      <dgm:constr type="sibSp" for="des" forName="hierChild6" refType="sibSp"/>
-      <dgm:constr type="sibSp" for="des" forName="hierChild7" refType="sibSp"/>
-      <dgm:constr type="secSibSp" refType="w" refFor="des" refForName="rootComposite1" fact="0.21"/>
-      <dgm:constr type="secSibSp" for="des" forName="hierChild2" refType="secSibSp"/>
-      <dgm:constr type="secSibSp" for="des" forName="hierChild3" refType="secSibSp"/>
-      <dgm:constr type="secSibSp" for="des" forName="hierChild4" refType="secSibSp"/>
-      <dgm:constr type="secSibSp" for="des" forName="hierChild5" refType="secSibSp"/>
-      <dgm:constr type="secSibSp" for="des" forName="hierChild6" refType="secSibSp"/>
-      <dgm:constr type="secSibSp" for="des" forName="hierChild7" refType="secSibSp"/>
-    </dgm:constrLst>
+    <dgm:choose name="Name0">
+      <dgm:if name="Name1" axis="ch" ptType="node" func="cnt" op="gte" val="2">
+        <dgm:choose name="Name2">
+          <dgm:if name="Name3" func="var" arg="dir" op="equ" val="norm">
+            <dgm:constrLst>
+              <dgm:constr type="l" for="ch" forName="hierFlow" refType="w" fact="0.3"/>
+              <dgm:constr type="t" for="ch" forName="hierFlow"/>
+              <dgm:constr type="r" for="ch" forName="hierFlow" refType="w" fact="0.98"/>
+              <dgm:constr type="b" for="ch" forName="hierFlow" refType="h" fact="0.98"/>
+              <dgm:constr type="l" for="ch" forName="bgShapesFlow"/>
+              <dgm:constr type="t" for="ch" forName="bgShapesFlow"/>
+              <dgm:constr type="r" for="ch" forName="bgShapesFlow" refType="w"/>
+              <dgm:constr type="b" for="ch" forName="bgShapesFlow" refType="h"/>
+              <dgm:constr type="w" for="des" forName="level1Shape" refType="w"/>
+              <dgm:constr type="h" for="des" forName="level1Shape" refType="w" refFor="des" refForName="level1Shape" fact="0.66667"/>
+              <dgm:constr type="w" for="des" forName="level2Shape" refType="w" refFor="des" refForName="level1Shape" op="equ"/>
+              <dgm:constr type="h" for="des" forName="level2Shape" refType="h" refFor="des" refForName="level1Shape" op="equ"/>
+              <dgm:constr type="sp" for="des" refType="h" refFor="des" refForName="level1Shape" op="equ" fact="0.4"/>
+              <dgm:constr type="sibSp" for="des" forName="hierChild1" refType="w" refFor="des" refForName="level1Shape" op="equ" fact="0.3"/>
+              <dgm:constr type="sibSp" for="des" forName="hierChild2" refType="sibSp" refFor="des" refForName="hierChild1" op="equ"/>
+              <dgm:constr type="sibSp" for="des" forName="hierChild3" refType="sibSp" refFor="des" refForName="hierChild1" op="equ"/>
+              <dgm:constr type="userA" for="des" refType="h" refFor="des" refForName="level1Shape" op="equ"/>
+              <dgm:constr type="userB" for="des" refType="sp" refFor="des" op="equ"/>
+              <dgm:constr type="h" for="des" forName="firstBuf" refType="h" refFor="des" refForName="level1Shape" fact="0.1"/>
+            </dgm:constrLst>
+          </dgm:if>
+          <dgm:else name="Name4">
+            <dgm:constrLst>
+              <dgm:constr type="l" for="ch" forName="hierFlow" refType="w" fact="0.02"/>
+              <dgm:constr type="t" for="ch" forName="hierFlow"/>
+              <dgm:constr type="r" for="ch" forName="hierFlow" refType="w" fact="0.7"/>
+              <dgm:constr type="b" for="ch" forName="hierFlow" refType="h" fact="0.98"/>
+              <dgm:constr type="l" for="ch" forName="bgShapesFlow"/>
+              <dgm:constr type="t" for="ch" forName="bgShapesFlow"/>
+              <dgm:constr type="r" for="ch" forName="bgShapesFlow" refType="w"/>
+              <dgm:constr type="b" for="ch" forName="bgShapesFlow" refType="h"/>
+              <dgm:constr type="w" for="des" forName="level1Shape" refType="w"/>
+              <dgm:constr type="h" for="des" forName="level1Shape" refType="w" refFor="des" refForName="level1Shape" fact="0.66667"/>
+              <dgm:constr type="w" for="des" forName="level2Shape" refType="w" refFor="des" refForName="level1Shape" op="equ"/>
+              <dgm:constr type="h" for="des" forName="level2Shape" refType="h" refFor="des" refForName="level1Shape" op="equ"/>
+              <dgm:constr type="sp" for="des" refType="h" refFor="des" refForName="level1Shape" op="equ" fact="0.4"/>
+              <dgm:constr type="sibSp" for="des" forName="hierChild1" refType="w" refFor="des" refForName="level1Shape" op="equ" fact="0.3"/>
+              <dgm:constr type="sibSp" for="des" forName="hierChild2" refType="sibSp" refFor="des" refForName="hierChild1" op="equ"/>
+              <dgm:constr type="sibSp" for="des" forName="hierChild3" refType="sibSp" refFor="des" refForName="hierChild1" op="equ"/>
+              <dgm:constr type="userA" for="des" refType="h" refFor="des" refForName="level1Shape" op="equ"/>
+              <dgm:constr type="userB" for="des" refType="sp" refFor="des" op="equ"/>
+              <dgm:constr type="h" for="des" forName="firstBuf" refType="h" refFor="des" refForName="level1Shape" fact="0.1"/>
+            </dgm:constrLst>
+          </dgm:else>
+        </dgm:choose>
+      </dgm:if>
+      <dgm:else name="Name5">
+        <dgm:constrLst>
+          <dgm:constr type="l" for="ch" forName="hierFlow"/>
+          <dgm:constr type="t" for="ch" forName="hierFlow"/>
+          <dgm:constr type="r" for="ch" forName="hierFlow" refType="w"/>
+          <dgm:constr type="b" for="ch" forName="hierFlow" refType="h"/>
+          <dgm:constr type="l" for="ch" forName="bgShapesFlow"/>
+          <dgm:constr type="t" for="ch" forName="bgShapesFlow"/>
+          <dgm:constr type="r" for="ch" forName="bgShapesFlow" refType="w"/>
+          <dgm:constr type="b" for="ch" forName="bgShapesFlow" refType="h"/>
+          <dgm:constr type="w" for="des" forName="level1Shape" refType="w"/>
+          <dgm:constr type="h" for="des" forName="level1Shape" refType="w" refFor="des" refForName="level1Shape" fact="0.66667"/>
+          <dgm:constr type="w" for="des" forName="level2Shape" refType="w" refFor="des" refForName="level1Shape" op="equ"/>
+          <dgm:constr type="h" for="des" forName="level2Shape" refType="h" refFor="des" refForName="level1Shape" op="equ"/>
+          <dgm:constr type="sp" for="des" refType="h" refFor="des" refForName="level1Shape" op="equ" fact="0.4"/>
+          <dgm:constr type="sibSp" for="des" forName="hierChild1" refType="w" refFor="des" refForName="level1Shape" op="equ" fact="0.3"/>
+          <dgm:constr type="sibSp" for="des" forName="hierChild2" refType="sibSp" refFor="des" refForName="hierChild1" op="equ"/>
+          <dgm:constr type="sibSp" for="des" forName="hierChild3" refType="sibSp" refFor="des" refForName="hierChild1" op="equ"/>
+          <dgm:constr type="userA" for="des" refType="h" refFor="des" refForName="level1Shape" op="equ"/>
+          <dgm:constr type="userB" for="des" refType="sp" refFor="des" op="equ"/>
+          <dgm:constr type="h" for="des" forName="firstBuf" refType="h" refFor="des" refForName="level1Shape" fact="0.1"/>
+        </dgm:constrLst>
+      </dgm:else>
+    </dgm:choose>
     <dgm:ruleLst/>
-    <dgm:forEach name="Name3" axis="ch">
-      <dgm:forEach name="Name4" axis="self" ptType="node">
-        <dgm:layoutNode name="hierRoot1">
-          <dgm:varLst>
-            <dgm:hierBranch val="init"/>
-          </dgm:varLst>
-          <dgm:choose name="Name5">
-            <dgm:if name="Name6" func="var" arg="hierBranch" op="equ" val="l">
-              <dgm:choose name="Name7">
-                <dgm:if name="Name8" axis="ch" ptType="asst" func="cnt" op="gte" val="1">
-                  <dgm:alg type="hierRoot">
-                    <dgm:param type="hierAlign" val="tR"/>
-                  </dgm:alg>
-                  <dgm:constrLst>
-                    <dgm:constr type="alignOff" val="0.65"/>
-                  </dgm:constrLst>
-                </dgm:if>
-                <dgm:else name="Name9">
-                  <dgm:alg type="hierRoot">
-                    <dgm:param type="hierAlign" val="tR"/>
-                  </dgm:alg>
-                  <dgm:constrLst>
-                    <dgm:constr type="alignOff" val="0.25"/>
-                  </dgm:constrLst>
-                </dgm:else>
-              </dgm:choose>
-            </dgm:if>
-            <dgm:if name="Name10" func="var" arg="hierBranch" op="equ" val="r">
-              <dgm:choose name="Name11">
-                <dgm:if name="Name12" axis="ch" ptType="asst" func="cnt" op="gte" val="1">
-                  <dgm:alg type="hierRoot">
-                    <dgm:param type="hierAlign" val="tL"/>
-                  </dgm:alg>
-                  <dgm:constrLst>
-                    <dgm:constr type="alignOff" val="0.65"/>
-                  </dgm:constrLst>
-                </dgm:if>
-                <dgm:else name="Name13">
-                  <dgm:alg type="hierRoot">
-                    <dgm:param type="hierAlign" val="tL"/>
-                  </dgm:alg>
-                  <dgm:constrLst>
-                    <dgm:constr type="alignOff" val="0.25"/>
-                  </dgm:constrLst>
-                </dgm:else>
-              </dgm:choose>
-            </dgm:if>
-            <dgm:if name="Name14" func="var" arg="hierBranch" op="equ" val="hang">
-              <dgm:alg type="hierRoot"/>
-              <dgm:constrLst>
-                <dgm:constr type="alignOff" val="0.65"/>
-              </dgm:constrLst>
-            </dgm:if>
-            <dgm:else name="Name15">
-              <dgm:alg type="hierRoot"/>
-              <dgm:constrLst>
-                <dgm:constr type="alignOff"/>
-                <dgm:constr type="bendDist" for="des" ptType="parTrans" refType="sp" fact="0.5"/>
-              </dgm:constrLst>
-            </dgm:else>
-          </dgm:choose>
-          <dgm:shape xmlns:r="http://schemas.openxmlformats.org/officeDocument/2006/relationships" r:blip="">
-            <dgm:adjLst/>
-          </dgm:shape>
-          <dgm:presOf/>
-          <dgm:ruleLst/>
-          <dgm:layoutNode name="rootComposite1">
-            <dgm:alg type="composite"/>
-            <dgm:shape xmlns:r="http://schemas.openxmlformats.org/officeDocument/2006/relationships" r:blip="">
-              <dgm:adjLst/>
-            </dgm:shape>
-            <dgm:presOf axis="self" ptType="node" cnt="1"/>
-            <dgm:choose name="Name16">
-              <dgm:if name="Name17" func="var" arg="hierBranch" op="equ" val="init">
-                <dgm:constrLst>
-                  <dgm:constr type="l" for="ch" forName="rootText1"/>
-                  <dgm:constr type="t" for="ch" forName="rootText1"/>
-                  <dgm:constr type="w" for="ch" forName="rootText1" refType="w"/>
-                  <dgm:constr type="h" for="ch" forName="rootText1" refType="h" fact="0.9"/>
-                  <dgm:constr type="l" for="ch" forName="titleText1" refType="w" fact="0.2"/>
-                  <dgm:constr type="t" for="ch" forName="titleText1" refType="h" fact="0.7"/>
-                  <dgm:constr type="w" for="ch" forName="titleText1" refType="w" fact="0.9"/>
-                  <dgm:constr type="h" for="ch" forName="titleText1" refType="h" fact="0.3"/>
-                  <dgm:constr type="primFontSz" for="des" forName="titleText1" refType="primFontSz" refFor="des" refForName="rootText1" op="lte"/>
-                  <dgm:constr type="l" for="ch" forName="rootConnector1"/>
-                  <dgm:constr type="t" for="ch" forName="rootConnector1"/>
-                  <dgm:constr type="w" for="ch" forName="rootConnector1" refType="w" refFor="ch" refForName="rootText1" fact="0.2"/>
-                  <dgm:constr type="h" for="ch" forName="rootConnector1" refType="h" refFor="ch" refForName="rootText1"/>
-                </dgm:constrLst>
-              </dgm:if>
-              <dgm:if name="Name18" func="var" arg="hierBranch" op="equ" val="l">
-                <dgm:constrLst>
-                  <dgm:constr type="l" for="ch" forName="rootText1"/>
-                  <dgm:constr type="t" for="ch" forName="rootText1"/>
-                  <dgm:constr type="w" for="ch" forName="rootText1" refType="w"/>
-                  <dgm:constr type="h" for="ch" forName="rootText1" refType="h" fact="0.9"/>
-                  <dgm:constr type="l" for="ch" forName="titleText1" refType="w" fact="0.2"/>
-                  <dgm:constr type="t" for="ch" forName="titleText1" refType="h" fact="0.7"/>
-                  <dgm:constr type="w" for="ch" forName="titleText1" refType="w" fact="0.9"/>
-                  <dgm:constr type="h" for="ch" forName="titleText1" refType="h" fact="0.3"/>
-                  <dgm:constr type="primFontSz" for="des" forName="titleText1" refType="primFontSz" refFor="des" refForName="rootText1" op="lte"/>
-                  <dgm:constr type="r" for="ch" forName="rootConnector1" refType="w"/>
-                  <dgm:constr type="t" for="ch" forName="rootConnector1"/>
-                  <dgm:constr type="w" for="ch" forName="rootConnector1" refType="w" refFor="ch" refForName="rootText1" fact="0.2"/>
-                  <dgm:constr type="h" for="ch" forName="rootConnector1" refType="h" refFor="ch" refForName="rootText1"/>
-                </dgm:constrLst>
-              </dgm:if>
-              <dgm:if name="Name19" func="var" arg="hierBranch" op="equ" val="r">
-                <dgm:constrLst>
-                  <dgm:constr type="l" for="ch" forName="rootText1"/>
-                  <dgm:constr type="t" for="ch" forName="rootText1"/>
-                  <dgm:constr type="w" for="ch" forName="rootText1" refType="w"/>
-                  <dgm:constr type="h" for="ch" forName="rootText1" refType="h" fact="0.9"/>
-                  <dgm:constr type="l" for="ch" forName="titleText1" refType="w" fact="0.2"/>
-                  <dgm:constr type="t" for="ch" forName="titleText1" refType="h" fact="0.7"/>
-                  <dgm:constr type="w" for="ch" forName="titleText1" refType="w" fact="0.9"/>
-                  <dgm:constr type="h" for="ch" forName="titleText1" refType="h" fact="0.3"/>
-                  <dgm:constr type="primFontSz" for="des" forName="titleText1" refType="primFontSz" refFor="des" refForName="rootText1" op="lte"/>
-                  <dgm:constr type="l" for="ch" forName="rootConnector1"/>
-                  <dgm:constr type="t" for="ch" forName="rootConnector1"/>
-                  <dgm:constr type="w" for="ch" forName="rootConnector1" refType="w" refFor="ch" refForName="rootText1" fact="0.2"/>
-                  <dgm:constr type="h" for="ch" forName="rootConnector1" refType="h" refFor="ch" refForName="rootText1"/>
-                </dgm:constrLst>
-              </dgm:if>
-              <dgm:else name="Name20">
-                <dgm:constrLst>
-                  <dgm:constr type="l" for="ch" forName="rootText1"/>
-                  <dgm:constr type="t" for="ch" forName="rootText1"/>
-                  <dgm:constr type="w" for="ch" forName="rootText1" refType="w"/>
-                  <dgm:constr type="h" for="ch" forName="rootText1" refType="h" fact="0.9"/>
-                  <dgm:constr type="l" for="ch" forName="titleText1" refType="w" fact="0.2"/>
-                  <dgm:constr type="t" for="ch" forName="titleText1" refType="h" fact="0.7"/>
-                  <dgm:constr type="w" for="ch" forName="titleText1" refType="w" fact="0.9"/>
-                  <dgm:constr type="h" for="ch" forName="titleText1" refType="h" fact="0.3"/>
-                  <dgm:constr type="primFontSz" for="des" forName="titleText1" refType="primFontSz" refFor="des" refForName="rootText1" op="lte"/>
-                  <dgm:constr type="r" for="ch" forName="rootConnector1" refType="w"/>
-                  <dgm:constr type="t" for="ch" forName="rootConnector1"/>
-                  <dgm:constr type="w" for="ch" forName="rootConnector1" refType="w" refFor="ch" refForName="rootText1" fact="0.2"/>
-                  <dgm:constr type="h" for="ch" forName="rootConnector1" refType="h" refFor="ch" refForName="rootText1"/>
-                </dgm:constrLst>
-              </dgm:else>
-            </dgm:choose>
-            <dgm:ruleLst/>
-            <dgm:layoutNode name="rootText1" styleLbl="node0">
-              <dgm:varLst>
-                <dgm:chMax/>
-                <dgm:chPref val="3"/>
-              </dgm:varLst>
-              <dgm:alg type="tx"/>
-              <dgm:shape xmlns:r="http://schemas.openxmlformats.org/officeDocument/2006/relationships" type="rect" r:blip="">
-                <dgm:adjLst/>
-              </dgm:shape>
-              <dgm:presOf axis="self" ptType="node" cnt="1"/>
-              <dgm:constrLst>
-                <dgm:constr type="primFontSz" val="65"/>
-                <dgm:constr type="lMarg" refType="primFontSz" fact="0.05"/>
-                <dgm:constr type="rMarg" refType="primFontSz" fact="0.05"/>
-                <dgm:constr type="tMarg" refType="primFontSz" fact="0.05"/>
-                <dgm:constr type="bMarg" refType="h" fact="0.4"/>
-              </dgm:constrLst>
-              <dgm:ruleLst>
-                <dgm:rule type="primFontSz" val="5" fact="NaN" max="NaN"/>
-              </dgm:ruleLst>
-            </dgm:layoutNode>
-            <dgm:layoutNode name="titleText1" styleLbl="fgAcc0">
-              <dgm:varLst>
-                <dgm:chMax val="0"/>
-                <dgm:chPref val="0"/>
-              </dgm:varLst>
-              <dgm:alg type="tx">
-                <dgm:param type="parTxLTRAlign" val="r"/>
-              </dgm:alg>
-              <dgm:shape xmlns:r="http://schemas.openxmlformats.org/officeDocument/2006/relationships" type="rect" r:blip="">
-                <dgm:adjLst/>
-              </dgm:shape>
-              <dgm:presOf axis="followSib" ptType="sibTrans" hideLastTrans="0" cnt="1"/>
-              <dgm:constrLst>
-                <dgm:constr type="primFontSz" val="65"/>
-                <dgm:constr type="lMarg" refType="primFontSz" fact="0.2"/>
-                <dgm:constr type="rMarg" refType="primFontSz" fact="0.2"/>
-                <dgm:constr type="tMarg" refType="primFontSz" fact="0.05"/>
-                <dgm:constr type="bMarg" refType="primFontSz" fact="0.05"/>
-              </dgm:constrLst>
-              <dgm:ruleLst>
-                <dgm:rule type="primFontSz" val="5" fact="NaN" max="NaN"/>
-              </dgm:ruleLst>
-            </dgm:layoutNode>
-            <dgm:layoutNode name="rootConnector1" moveWith="rootText1">
-              <dgm:alg type="sp"/>
-              <dgm:shape xmlns:r="http://schemas.openxmlformats.org/officeDocument/2006/relationships" type="rect" r:blip="" hideGeom="1">
-                <dgm:adjLst/>
-              </dgm:shape>
-              <dgm:presOf axis="self" ptType="node" cnt="1"/>
-              <dgm:constrLst/>
-              <dgm:ruleLst/>
-            </dgm:layoutNode>
-          </dgm:layoutNode>
-          <dgm:layoutNode name="hierChild2">
-            <dgm:choose name="Name21">
-              <dgm:if name="Name22" func="var" arg="hierBranch" op="equ" val="l">
-                <dgm:alg type="hierChild">
-                  <dgm:param type="chAlign" val="r"/>
-                  <dgm:param type="linDir" val="fromT"/>
-                </dgm:alg>
-              </dgm:if>
-              <dgm:if name="Name23" func="var" arg="hierBranch" op="equ" val="r">
-                <dgm:alg type="hierChild">
-                  <dgm:param type="chAlign" val="l"/>
-                  <dgm:param type="linDir" val="fromT"/>
-                </dgm:alg>
-              </dgm:if>
-              <dgm:if name="Name24" func="var" arg="hierBranch" op="equ" val="hang">
-                <dgm:choose name="Name25">
-                  <dgm:if name="Name26" func="var" arg="dir" op="equ" val="norm">
-                    <dgm:alg type="hierChild">
-                      <dgm:param type="chAlign" val="l"/>
-                      <dgm:param type="linDir" val="fromL"/>
-                      <dgm:param type="secChAlign" val="t"/>
-                      <dgm:param type="secLinDir" val="fromT"/>
-                    </dgm:alg>
-                  </dgm:if>
-                  <dgm:else name="Name27">
-                    <dgm:alg type="hierChild">
-                      <dgm:param type="chAlign" val="l"/>
-                      <dgm:param type="linDir" val="fromR"/>
-                      <dgm:param type="secChAlign" val="t"/>
-                      <dgm:param type="secLinDir" val="fromT"/>
-                    </dgm:alg>
-                  </dgm:else>
-                </dgm:choose>
-              </dgm:if>
-              <dgm:else name="Name28">
-                <dgm:choose name="Name29">
-                  <dgm:if name="Name30" func="var" arg="dir" op="equ" val="norm">
-                    <dgm:alg type="hierChild"/>
-                  </dgm:if>
-                  <dgm:else name="Name31">
-                    <dgm:alg type="hierChild">
-                      <dgm:param type="linDir" val="fromR"/>
-                    </dgm:alg>
-                  </dgm:else>
-                </dgm:choose>
-              </dgm:else>
-            </dgm:choose>
+    <dgm:layoutNode name="hierFlow">
+      <dgm:alg type="lin">
+        <dgm:param type="linDir" val="fromT"/>
+        <dgm:param type="nodeVertAlign" val="t"/>
+        <dgm:param type="vertAlign" val="t"/>
+        <dgm:param type="nodeHorzAlign" val="ctr"/>
+        <dgm:param type="fallback" val="2D"/>
+      </dgm:alg>
+      <dgm:shape xmlns:r="http://schemas.openxmlformats.org/officeDocument/2006/relationships" r:blip="">
+        <dgm:adjLst/>
+      </dgm:shape>
+      <dgm:presOf/>
+      <dgm:constrLst/>
+      <dgm:ruleLst/>
+      <dgm:choose name="Name6">
+        <dgm:if name="Name7" axis="ch" ptType="node" func="cnt" op="gte" val="2">
+          <dgm:layoutNode name="firstBuf">
+            <dgm:alg type="sp"/>
             <dgm:shape xmlns:r="http://schemas.openxmlformats.org/officeDocument/2006/relationships" r:blip="">
               <dgm:adjLst/>
             </dgm:shape>
             <dgm:presOf/>
             <dgm:constrLst/>
             <dgm:ruleLst/>
-            <dgm:forEach name="rep2a" axis="ch" ptType="nonAsst">
-              <dgm:forEach name="Name32" axis="precedSib" ptType="parTrans" st="-1" cnt="1">
-                <dgm:choose name="Name33">
-                  <dgm:if name="Name34" func="var" arg="hierBranch" op="equ" val="std">
-                    <dgm:layoutNode name="Name35">
+          </dgm:layoutNode>
+        </dgm:if>
+        <dgm:else name="Name8"/>
+      </dgm:choose>
+      <dgm:layoutNode name="hierChild1">
+        <dgm:varLst>
+          <dgm:chPref val="1"/>
+          <dgm:animOne val="branch"/>
+          <dgm:animLvl val="lvl"/>
+        </dgm:varLst>
+        <dgm:choose name="Name9">
+          <dgm:if name="Name10" func="var" arg="dir" op="equ" val="norm">
+            <dgm:alg type="hierChild">
+              <dgm:param type="linDir" val="fromL"/>
+              <dgm:param type="vertAlign" val="t"/>
+            </dgm:alg>
+          </dgm:if>
+          <dgm:else name="Name11">
+            <dgm:alg type="hierChild">
+              <dgm:param type="linDir" val="fromR"/>
+              <dgm:param type="vertAlign" val="t"/>
+            </dgm:alg>
+          </dgm:else>
+        </dgm:choose>
+        <dgm:shape xmlns:r="http://schemas.openxmlformats.org/officeDocument/2006/relationships" r:blip="">
+          <dgm:adjLst/>
+        </dgm:shape>
+        <dgm:presOf/>
+        <dgm:constrLst>
+          <dgm:constr type="primFontSz" for="des" ptType="node" op="equ"/>
+        </dgm:constrLst>
+        <dgm:ruleLst/>
+        <dgm:forEach name="Name12" axis="ch" cnt="3">
+          <dgm:forEach name="Name13" axis="self" ptType="node">
+            <dgm:layoutNode name="Name14">
+              <dgm:alg type="hierRoot"/>
+              <dgm:shape xmlns:r="http://schemas.openxmlformats.org/officeDocument/2006/relationships" r:blip="">
+                <dgm:adjLst/>
+              </dgm:shape>
+              <dgm:presOf/>
+              <dgm:constrLst/>
+              <dgm:ruleLst/>
+              <dgm:layoutNode name="level1Shape" styleLbl="node0">
+                <dgm:varLst>
+                  <dgm:chPref val="3"/>
+                </dgm:varLst>
+                <dgm:alg type="tx"/>
+                <dgm:shape xmlns:r="http://schemas.openxmlformats.org/officeDocument/2006/relationships" type="roundRect" r:blip="">
+                  <dgm:adjLst>
+                    <dgm:adj idx="1" val="0.1"/>
+                  </dgm:adjLst>
+                </dgm:shape>
+                <dgm:presOf axis="self"/>
+                <dgm:constrLst>
+                  <dgm:constr type="primFontSz" val="65"/>
+                  <dgm:constr type="tMarg" refType="primFontSz" fact="0.3"/>
+                  <dgm:constr type="bMarg" refType="primFontSz" fact="0.3"/>
+                  <dgm:constr type="lMarg" refType="primFontSz" fact="0.3"/>
+                  <dgm:constr type="rMarg" refType="primFontSz" fact="0.3"/>
+                </dgm:constrLst>
+                <dgm:ruleLst>
+                  <dgm:rule type="primFontSz" val="5" fact="NaN" max="NaN"/>
+                </dgm:ruleLst>
+              </dgm:layoutNode>
+              <dgm:layoutNode name="hierChild2">
+                <dgm:choose name="Name15">
+                  <dgm:if name="Name16" func="var" arg="dir" op="equ" val="norm">
+                    <dgm:alg type="hierChild">
+                      <dgm:param type="linDir" val="fromL"/>
+                    </dgm:alg>
+                  </dgm:if>
+                  <dgm:else name="Name17">
+                    <dgm:alg type="hierChild">
+                      <dgm:param type="linDir" val="fromR"/>
+                    </dgm:alg>
+                  </dgm:else>
+                </dgm:choose>
+                <dgm:shape xmlns:r="http://schemas.openxmlformats.org/officeDocument/2006/relationships" r:blip="">
+                  <dgm:adjLst/>
+                </dgm:shape>
+                <dgm:presOf/>
+                <dgm:constrLst/>
+                <dgm:ruleLst/>
+                <dgm:forEach name="repeat" axis="ch">
+                  <dgm:forEach name="Name18" axis="self" ptType="parTrans" cnt="1">
+                    <dgm:layoutNode name="Name19">
                       <dgm:alg type="conn">
-                        <dgm:param type="connRout" val="bend"/>
                         <dgm:param type="dim" val="1D"/>
                         <dgm:param type="endSty" val="noArr"/>
+                        <dgm:param type="connRout" val="bend"/>
                         <dgm:param type="begPts" val="bCtr"/>
                         <dgm:param type="endPts" val="tCtr"/>
-                        <dgm:param type="bendPt" val="end"/>
                       </dgm:alg>
-                      <dgm:shape xmlns:r="http://schemas.openxmlformats.org/officeDocument/2006/relationships" type="conn" r:blip="" zOrderOff="-99999">
+                      <dgm:shape xmlns:r="http://schemas.openxmlformats.org/officeDocument/2006/relationships" type="conn" r:blip="">
                         <dgm:adjLst/>
                       </dgm:shape>
                       <dgm:presOf axis="self"/>
                       <dgm:constrLst>
+                        <dgm:constr type="w" val="1"/>
+                        <dgm:constr type="h" val="1"/>
                         <dgm:constr type="begPad"/>
                         <dgm:constr type="endPad"/>
                       </dgm:constrLst>
                       <dgm:ruleLst/>
                     </dgm:layoutNode>
-                  </dgm:if>
-                  <dgm:if name="Name36" func="var" arg="hierBranch" op="equ" val="init">
-                    <dgm:layoutNode name="Name37">
-                      <dgm:choose name="Name38">
-                        <dgm:if name="Name39" axis="self" func="depth" op="lte" val="2">
-                          <dgm:alg type="conn">
-                            <dgm:param type="connRout" val="bend"/>
-                            <dgm:param type="dim" val="1D"/>
-                            <dgm:param type="endSty" val="noArr"/>
-                            <dgm:param type="begPts" val="bCtr"/>
-                            <dgm:param type="endPts" val="tCtr"/>
-                            <dgm:param type="bendPt" val="end"/>
-                          </dgm:alg>
-                        </dgm:if>
-                        <dgm:else name="Name40">
-                          <dgm:alg type="conn">
-                            <dgm:param type="connRout" val="bend"/>
-                            <dgm:param type="dim" val="1D"/>
-                            <dgm:param type="endSty" val="noArr"/>
-                            <dgm:param type="begPts" val="bCtr"/>
-                            <dgm:param type="endPts" val="tCtr"/>
-                            <dgm:param type="bendPt" val="end"/>
-                          </dgm:alg>
-                        </dgm:else>
-                      </dgm:choose>
-                      <dgm:shape xmlns:r="http://schemas.openxmlformats.org/officeDocument/2006/relationships" type="conn" r:blip="" zOrderOff="-99999">
+                  </dgm:forEach>
+                  <dgm:forEach name="Name20" axis="self" ptType="node">
+                    <dgm:layoutNode name="Name21">
+                      <dgm:alg type="hierRoot"/>
+                      <dgm:shape xmlns:r="http://schemas.openxmlformats.org/officeDocument/2006/relationships" r:blip="">
                         <dgm:adjLst/>
                       </dgm:shape>
-                      <dgm:presOf axis="self"/>
-                      <dgm:constrLst>
-                        <dgm:constr type="begPad"/>
-                        <dgm:constr type="endPad"/>
-                      </dgm:constrLst>
+                      <dgm:presOf/>
+                      <dgm:constrLst/>
                       <dgm:ruleLst/>
-                    </dgm:layoutNode>
-                  </dgm:if>
-                  <dgm:if name="Name41" func="var" arg="hierBranch" op="equ" val="hang">
-                    <dgm:layoutNode name="Name42">
-                      <dgm:alg type="conn">
-                        <dgm:param type="connRout" val="bend"/>
-                        <dgm:param type="dim" val="1D"/>
-                        <dgm:param type="endSty" val="noArr"/>
-                        <dgm:param type="begPts" val="bCtr"/>
-                        <dgm:param type="endPts" val="midL midR"/>
-                      </dgm:alg>
-                      <dgm:shape xmlns:r="http://schemas.openxmlformats.org/officeDocument/2006/relationships" type="conn" r:blip="" zOrderOff="-99999">
-                        <dgm:adjLst/>
-                      </dgm:shape>
-                      <dgm:presOf axis="self"/>
-                      <dgm:constrLst>
-                        <dgm:constr type="begPad"/>
-                        <dgm:constr type="endPad"/>
-                      </dgm:constrLst>
-                      <dgm:ruleLst/>
-                    </dgm:layoutNode>
-                  </dgm:if>
-                  <dgm:else name="Name43">
-                    <dgm:layoutNode name="Name44">
-                      <dgm:choose name="Name45">
-                        <dgm:if name="Name46" axis="self" func="depth" op="lte" val="2">
-                          <dgm:choose name="Name47">
-                            <dgm:if name="Name48" axis="par ch" ptType="node asst" func="cnt" op="gte" val="1">
-                              <dgm:alg type="conn">
-                                <dgm:param type="connRout" val="bend"/>
-                                <dgm:param type="dim" val="1D"/>
-                                <dgm:param type="endSty" val="noArr"/>
-                                <dgm:param type="begPts" val="bCtr"/>
-                                <dgm:param type="endPts" val="midL midR"/>
-                              </dgm:alg>
-                            </dgm:if>
-                            <dgm:else name="Name49">
-                              <dgm:alg type="conn">
-                                <dgm:param type="connRout" val="bend"/>
-                                <dgm:param type="dim" val="1D"/>
-                                <dgm:param type="endSty" val="noArr"/>
-                                <dgm:param type="begPts" val="bCtr"/>
-                                <dgm:param type="endPts" val="midL midR"/>
-                                <dgm:param type="srcNode" val="rootConnector1"/>
-                              </dgm:alg>
-                            </dgm:else>
-                          </dgm:choose>
-                        </dgm:if>
-                        <dgm:else name="Name50">
-                          <dgm:choose name="Name51">
-                            <dgm:if name="Name52" axis="par ch" ptType="node asst" func="cnt" op="gte" val="1">
-                              <dgm:alg type="conn">
-                                <dgm:param type="connRout" val="bend"/>
-                                <dgm:param type="dim" val="1D"/>
-                                <dgm:param type="endSty" val="noArr"/>
-                                <dgm:param type="begPts" val="bCtr"/>
-                                <dgm:param type="endPts" val="midL midR"/>
-                              </dgm:alg>
-                            </dgm:if>
-                            <dgm:else name="Name53">
-                              <dgm:alg type="conn">
-                                <dgm:param type="connRout" val="bend"/>
-                                <dgm:param type="dim" val="1D"/>
-                                <dgm:param type="endSty" val="noArr"/>
-                                <dgm:param type="begPts" val="bCtr"/>
-                                <dgm:param type="endPts" val="midL midR"/>
-                                <dgm:param type="srcNode" val="rootConnector"/>
-                              </dgm:alg>
-                            </dgm:else>
-                          </dgm:choose>
-                        </dgm:else>
-                      </dgm:choose>
-                      <dgm:shape xmlns:r="http://schemas.openxmlformats.org/officeDocument/2006/relationships" type="conn" r:blip="" zOrderOff="-99999">
-                        <dgm:adjLst/>
-                      </dgm:shape>
-                      <dgm:presOf axis="self"/>
-                      <dgm:constrLst>
-                        <dgm:constr type="begPad"/>
-                        <dgm:constr type="endPad"/>
-                      </dgm:constrLst>
-                      <dgm:ruleLst/>
-                    </dgm:layoutNode>
-                  </dgm:else>
-                </dgm:choose>
-              </dgm:forEach>
-              <dgm:layoutNode name="hierRoot2">
-                <dgm:varLst>
-                  <dgm:hierBranch val="init"/>
-                </dgm:varLst>
-                <dgm:choose name="Name54">
-                  <dgm:if name="Name55" func="var" arg="hierBranch" op="equ" val="l">
-                    <dgm:choose name="Name56">
-                      <dgm:if name="Name57" axis="ch" ptType="asst" func="cnt" op="gte" val="1">
-                        <dgm:alg type="hierRoot">
-                          <dgm:param type="hierAlign" val="tR"/>
-                        </dgm:alg>
+                      <dgm:layoutNode name="level2Shape">
+                        <dgm:alg type="tx"/>
+                        <dgm:shape xmlns:r="http://schemas.openxmlformats.org/officeDocument/2006/relationships" type="roundRect" r:blip="">
+                          <dgm:adjLst>
+                            <dgm:adj idx="1" val="0.1"/>
+                          </dgm:adjLst>
+                        </dgm:shape>
+                        <dgm:presOf axis="self"/>
+                        <dgm:constrLst>
+                          <dgm:constr type="primFontSz" val="65"/>
+                          <dgm:constr type="tMarg" refType="primFontSz" fact="0.3"/>
+                          <dgm:constr type="bMarg" refType="primFontSz" fact="0.3"/>
+                          <dgm:constr type="lMarg" refType="primFontSz" fact="0.3"/>
+                          <dgm:constr type="rMarg" refType="primFontSz" fact="0.3"/>
+                        </dgm:constrLst>
+                        <dgm:ruleLst>
+                          <dgm:rule type="primFontSz" val="5" fact="NaN" max="NaN"/>
+                        </dgm:ruleLst>
+                      </dgm:layoutNode>
+                      <dgm:layoutNode name="hierChild3">
+                        <dgm:choose name="Name22">
+                          <dgm:if name="Name23" func="var" arg="dir" op="equ" val="norm">
+                            <dgm:alg type="hierChild">
+                              <dgm:param type="linDir" val="fromL"/>
+                            </dgm:alg>
+                          </dgm:if>
+                          <dgm:else name="Name24">
+                            <dgm:alg type="hierChild">
+                              <dgm:param type="linDir" val="fromR"/>
+                            </dgm:alg>
+                          </dgm:else>
+                        </dgm:choose>
                         <dgm:shape xmlns:r="http://schemas.openxmlformats.org/officeDocument/2006/relationships" r:blip="">
                           <dgm:adjLst/>
                         </dgm:shape>
                         <dgm:presOf/>
-                        <dgm:constrLst>
-                          <dgm:constr type="alignOff" val="0.65"/>
-                        </dgm:constrLst>
-                      </dgm:if>
-                      <dgm:else name="Name58">
-                        <dgm:alg type="hierRoot">
-                          <dgm:param type="hierAlign" val="tR"/>
-                        </dgm:alg>
-                        <dgm:shape xmlns:r="http://schemas.openxmlformats.org/officeDocument/2006/relationships" r:blip="">
-                          <dgm:adjLst/>
-                        </dgm:shape>
-                        <dgm:presOf/>
-                        <dgm:constrLst>
-                          <dgm:constr type="alignOff" val="0.25"/>
-                        </dgm:constrLst>
-                      </dgm:else>
-                    </dgm:choose>
-                  </dgm:if>
-                  <dgm:if name="Name59" func="var" arg="hierBranch" op="equ" val="r">
-                    <dgm:choose name="Name60">
-                      <dgm:if name="Name61" axis="ch" ptType="asst" func="cnt" op="gte" val="1">
-                        <dgm:alg type="hierRoot">
-                          <dgm:param type="hierAlign" val="tL"/>
-                        </dgm:alg>
-                        <dgm:shape xmlns:r="http://schemas.openxmlformats.org/officeDocument/2006/relationships" r:blip="">
-                          <dgm:adjLst/>
-                        </dgm:shape>
-                        <dgm:presOf/>
-                        <dgm:constrLst>
-                          <dgm:constr type="alignOff" val="0.65"/>
-                        </dgm:constrLst>
-                      </dgm:if>
-                      <dgm:else name="Name62">
-                        <dgm:alg type="hierRoot">
-                          <dgm:param type="hierAlign" val="tL"/>
-                        </dgm:alg>
-                        <dgm:shape xmlns:r="http://schemas.openxmlformats.org/officeDocument/2006/relationships" r:blip="">
-                          <dgm:adjLst/>
-                        </dgm:shape>
-                        <dgm:presOf/>
-                        <dgm:constrLst>
-                          <dgm:constr type="alignOff" val="0.25"/>
-                        </dgm:constrLst>
-                      </dgm:else>
-                    </dgm:choose>
-                  </dgm:if>
-                  <dgm:if name="Name63" func="var" arg="hierBranch" op="equ" val="std">
-                    <dgm:alg type="hierRoot"/>
-                    <dgm:shape xmlns:r="http://schemas.openxmlformats.org/officeDocument/2006/relationships" r:blip="">
-                      <dgm:adjLst/>
-                    </dgm:shape>
-                    <dgm:presOf/>
-                    <dgm:constrLst>
-                      <dgm:constr type="alignOff"/>
-                      <dgm:constr type="bendDist" for="des" ptType="parTrans" refType="sp" fact="0.5"/>
-                    </dgm:constrLst>
-                  </dgm:if>
-                  <dgm:if name="Name64" func="var" arg="hierBranch" op="equ" val="init">
-                    <dgm:alg type="hierRoot"/>
-                    <dgm:shape xmlns:r="http://schemas.openxmlformats.org/officeDocument/2006/relationships" r:blip="">
-                      <dgm:adjLst/>
-                    </dgm:shape>
-                    <dgm:presOf/>
-                    <dgm:constrLst>
-                      <dgm:constr type="alignOff"/>
-                      <dgm:constr type="bendDist" for="des" ptType="parTrans" refType="sp" fact="0.5"/>
-                    </dgm:constrLst>
-                  </dgm:if>
-                  <dgm:else name="Name65">
-                    <dgm:alg type="hierRoot"/>
-                    <dgm:shape xmlns:r="http://schemas.openxmlformats.org/officeDocument/2006/relationships" r:blip="">
-                      <dgm:adjLst/>
-                    </dgm:shape>
-                    <dgm:presOf/>
-                    <dgm:constrLst>
-                      <dgm:constr type="alignOff" val="0.65"/>
-                    </dgm:constrLst>
-                  </dgm:else>
-                </dgm:choose>
-                <dgm:ruleLst/>
-                <dgm:layoutNode name="rootComposite">
-                  <dgm:alg type="composite"/>
-                  <dgm:shape xmlns:r="http://schemas.openxmlformats.org/officeDocument/2006/relationships" r:blip="">
-                    <dgm:adjLst/>
-                  </dgm:shape>
-                  <dgm:presOf axis="self" ptType="node" cnt="1"/>
-                  <dgm:choose name="Name66">
-                    <dgm:if name="Name67" func="var" arg="hierBranch" op="equ" val="init">
-                      <dgm:constrLst>
-                        <dgm:constr type="l" for="ch" forName="rootText"/>
-                        <dgm:constr type="t" for="ch" forName="rootText"/>
-                        <dgm:constr type="w" for="ch" forName="rootText" refType="w"/>
-                        <dgm:constr type="h" for="ch" forName="rootText" refType="h" fact="0.9"/>
-                        <dgm:constr type="l" for="ch" forName="titleText2" refType="w" fact="0.2"/>
-                        <dgm:constr type="t" for="ch" forName="titleText2" refType="h" fact="0.7"/>
-                        <dgm:constr type="w" for="ch" forName="titleText2" refType="w" fact="0.9"/>
-                        <dgm:constr type="h" for="ch" forName="titleText2" refType="h" fact="0.3"/>
-                        <dgm:constr type="primFontSz" for="des" forName="titleText2" refType="primFontSz" refFor="des" refForName="rootText1" op="lte"/>
-                        <dgm:constr type="l" for="ch" forName="rootConnector"/>
-                        <dgm:constr type="t" for="ch" forName="rootConnector"/>
-                        <dgm:constr type="w" for="ch" forName="rootConnector" refType="w" refFor="ch" refForName="rootText" fact="0.2"/>
-                        <dgm:constr type="h" for="ch" forName="rootConnector" refType="h" refFor="ch" refForName="rootText"/>
-                      </dgm:constrLst>
-                    </dgm:if>
-                    <dgm:if name="Name68" func="var" arg="hierBranch" op="equ" val="l">
-                      <dgm:constrLst>
-                        <dgm:constr type="l" for="ch" forName="rootText"/>
-                        <dgm:constr type="t" for="ch" forName="rootText"/>
-                        <dgm:constr type="w" for="ch" forName="rootText" refType="w"/>
-                        <dgm:constr type="h" for="ch" forName="rootText" refType="h" fact="0.9"/>
-                        <dgm:constr type="l" for="ch" forName="titleText2" refType="w" fact="0.2"/>
-                        <dgm:constr type="t" for="ch" forName="titleText2" refType="h" fact="0.7"/>
-                        <dgm:constr type="w" for="ch" forName="titleText2" refType="w" fact="0.9"/>
-                        <dgm:constr type="h" for="ch" forName="titleText2" refType="h" fact="0.3"/>
-                        <dgm:constr type="primFontSz" for="des" forName="titleText2" refType="primFontSz" refFor="des" refForName="rootText1" op="lte"/>
-                        <dgm:constr type="r" for="ch" forName="rootConnector" refType="w"/>
-                        <dgm:constr type="t" for="ch" forName="rootConnector"/>
-                        <dgm:constr type="w" for="ch" forName="rootConnector" refType="w" refFor="ch" refForName="rootText" fact="0.2"/>
-                        <dgm:constr type="h" for="ch" forName="rootConnector" refType="h" refFor="ch" refForName="rootText"/>
-                      </dgm:constrLst>
-                    </dgm:if>
-                    <dgm:if name="Name69" func="var" arg="hierBranch" op="equ" val="r">
-                      <dgm:constrLst>
-                        <dgm:constr type="l" for="ch" forName="rootText"/>
-                        <dgm:constr type="t" for="ch" forName="rootText"/>
-                        <dgm:constr type="w" for="ch" forName="rootText" refType="w"/>
-                        <dgm:constr type="h" for="ch" forName="rootText" refType="h" fact="0.9"/>
-                        <dgm:constr type="l" for="ch" forName="titleText2" refType="w" fact="0.2"/>
-                        <dgm:constr type="t" for="ch" forName="titleText2" refType="h" fact="0.7"/>
-                        <dgm:constr type="w" for="ch" forName="titleText2" refType="w" fact="0.9"/>
-                        <dgm:constr type="h" for="ch" forName="titleText2" refType="h" fact="0.3"/>
-                        <dgm:constr type="primFontSz" for="des" forName="titleText2" refType="primFontSz" refFor="des" refForName="rootText1" op="lte"/>
-                        <dgm:constr type="l" for="ch" forName="rootConnector"/>
-                        <dgm:constr type="t" for="ch" forName="rootConnector"/>
-                        <dgm:constr type="w" for="ch" forName="rootConnector" refType="w" refFor="ch" refForName="rootText" fact="0.2"/>
-                        <dgm:constr type="h" for="ch" forName="rootConnector" refType="h" refFor="ch" refForName="rootText"/>
-                      </dgm:constrLst>
-                    </dgm:if>
-                    <dgm:else name="Name70">
-                      <dgm:constrLst>
-                        <dgm:constr type="l" for="ch" forName="rootText"/>
-                        <dgm:constr type="t" for="ch" forName="rootText"/>
-                        <dgm:constr type="w" for="ch" forName="rootText" refType="w"/>
-                        <dgm:constr type="h" for="ch" forName="rootText" refType="h" fact="0.9"/>
-                        <dgm:constr type="l" for="ch" forName="titleText2" refType="w" fact="0.2"/>
-                        <dgm:constr type="t" for="ch" forName="titleText2" refType="h" fact="0.7"/>
-                        <dgm:constr type="w" for="ch" forName="titleText2" refType="w" fact="0.9"/>
-                        <dgm:constr type="h" for="ch" forName="titleText2" refType="h" fact="0.3"/>
-                        <dgm:constr type="primFontSz" for="des" forName="titleText2" refType="primFontSz" refFor="des" refForName="rootText1" op="lte"/>
-                        <dgm:constr type="r" for="ch" forName="rootConnector" refType="w"/>
-                        <dgm:constr type="t" for="ch" forName="rootConnector"/>
-                        <dgm:constr type="w" for="ch" forName="rootConnector" refType="w" refFor="ch" refForName="rootText" fact="0.2"/>
-                        <dgm:constr type="h" for="ch" forName="rootConnector" refType="h" refFor="ch" refForName="rootText"/>
-                      </dgm:constrLst>
-                    </dgm:else>
-                  </dgm:choose>
-                  <dgm:ruleLst/>
-                  <dgm:layoutNode name="rootText" styleLbl="node1">
-                    <dgm:varLst>
-                      <dgm:chMax/>
-                      <dgm:chPref val="3"/>
-                    </dgm:varLst>
-                    <dgm:alg type="tx"/>
-                    <dgm:shape xmlns:r="http://schemas.openxmlformats.org/officeDocument/2006/relationships" type="rect" r:blip="">
-                      <dgm:adjLst/>
-                    </dgm:shape>
-                    <dgm:presOf axis="self" ptType="node" cnt="1"/>
-                    <dgm:constrLst>
-                      <dgm:constr type="primFontSz" val="65"/>
-                      <dgm:constr type="lMarg" refType="primFontSz" fact="0.05"/>
-                      <dgm:constr type="rMarg" refType="primFontSz" fact="0.05"/>
-                      <dgm:constr type="tMarg" refType="primFontSz" fact="0.05"/>
-                      <dgm:constr type="bMarg" refType="h" fact="0.4"/>
-                    </dgm:constrLst>
-                    <dgm:ruleLst>
-                      <dgm:rule type="primFontSz" val="5" fact="NaN" max="NaN"/>
-                    </dgm:ruleLst>
-                  </dgm:layoutNode>
-                  <dgm:layoutNode name="titleText2" styleLbl="fgAcc1">
-                    <dgm:varLst>
-                      <dgm:chMax val="0"/>
-                      <dgm:chPref val="0"/>
-                    </dgm:varLst>
-                    <dgm:alg type="tx">
-                      <dgm:param type="parTxLTRAlign" val="r"/>
-                    </dgm:alg>
-                    <dgm:shape xmlns:r="http://schemas.openxmlformats.org/officeDocument/2006/relationships" type="rect" r:blip="">
-                      <dgm:adjLst/>
-                    </dgm:shape>
-                    <dgm:presOf axis="followSib" ptType="sibTrans" hideLastTrans="0" cnt="1"/>
-                    <dgm:constrLst>
-                      <dgm:constr type="primFontSz" val="65"/>
-                      <dgm:constr type="lMarg" refType="primFontSz" fact="0.2"/>
-                      <dgm:constr type="rMarg" refType="primFontSz" fact="0.2"/>
-                      <dgm:constr type="tMarg" refType="primFontSz" fact="0.05"/>
-                      <dgm:constr type="bMarg" refType="primFontSz" fact="0.05"/>
-                    </dgm:constrLst>
-                    <dgm:ruleLst>
-                      <dgm:rule type="primFontSz" val="5" fact="NaN" max="NaN"/>
-                    </dgm:ruleLst>
-                  </dgm:layoutNode>
-                  <dgm:layoutNode name="rootConnector" moveWith="rootText">
-                    <dgm:alg type="sp"/>
-                    <dgm:shape xmlns:r="http://schemas.openxmlformats.org/officeDocument/2006/relationships" type="rect" r:blip="" hideGeom="1">
-                      <dgm:adjLst/>
-                    </dgm:shape>
-                    <dgm:presOf axis="self" ptType="node" cnt="1"/>
-                    <dgm:constrLst/>
-                    <dgm:ruleLst/>
-                  </dgm:layoutNode>
-                </dgm:layoutNode>
-                <dgm:layoutNode name="hierChild4">
-                  <dgm:choose name="Name71">
-                    <dgm:if name="Name72" func="var" arg="hierBranch" op="equ" val="l">
-                      <dgm:alg type="hierChild">
-                        <dgm:param type="chAlign" val="r"/>
-                        <dgm:param type="linDir" val="fromT"/>
-                      </dgm:alg>
-                    </dgm:if>
-                    <dgm:if name="Name73" func="var" arg="hierBranch" op="equ" val="r">
-                      <dgm:alg type="hierChild">
-                        <dgm:param type="chAlign" val="l"/>
-                        <dgm:param type="linDir" val="fromT"/>
-                      </dgm:alg>
-                    </dgm:if>
-                    <dgm:if name="Name74" func="var" arg="hierBranch" op="equ" val="hang">
-                      <dgm:choose name="Name75">
-                        <dgm:if name="Name76" func="var" arg="dir" op="equ" val="norm">
-                          <dgm:alg type="hierChild">
-                            <dgm:param type="chAlign" val="l"/>
-                            <dgm:param type="linDir" val="fromL"/>
-                            <dgm:param type="secChAlign" val="t"/>
-                            <dgm:param type="secLinDir" val="fromT"/>
-                          </dgm:alg>
-                        </dgm:if>
-                        <dgm:else name="Name77">
-                          <dgm:alg type="hierChild">
-                            <dgm:param type="chAlign" val="l"/>
-                            <dgm:param type="linDir" val="fromR"/>
-                            <dgm:param type="secChAlign" val="t"/>
-                            <dgm:param type="secLinDir" val="fromT"/>
-                          </dgm:alg>
-                        </dgm:else>
-                      </dgm:choose>
-                    </dgm:if>
-                    <dgm:if name="Name78" func="var" arg="hierBranch" op="equ" val="std">
-                      <dgm:choose name="Name79">
-                        <dgm:if name="Name80" func="var" arg="dir" op="equ" val="norm">
-                          <dgm:alg type="hierChild"/>
-                        </dgm:if>
-                        <dgm:else name="Name81">
-                          <dgm:alg type="hierChild">
-                            <dgm:param type="linDir" val="fromR"/>
-                          </dgm:alg>
-                        </dgm:else>
-                      </dgm:choose>
-                    </dgm:if>
-                    <dgm:if name="Name82" func="var" arg="hierBranch" op="equ" val="init">
-                      <dgm:choose name="Name83">
-                        <dgm:if name="Name84" func="var" arg="dir" op="equ" val="norm">
-                          <dgm:alg type="hierChild"/>
-                        </dgm:if>
-                        <dgm:else name="Name85">
-                          <dgm:alg type="hierChild">
-                            <dgm:param type="linDir" val="fromR"/>
-                          </dgm:alg>
-                        </dgm:else>
-                      </dgm:choose>
-                    </dgm:if>
-                    <dgm:else name="Name86"/>
-                  </dgm:choose>
-                  <dgm:shape xmlns:r="http://schemas.openxmlformats.org/officeDocument/2006/relationships" r:blip="">
-                    <dgm:adjLst/>
-                  </dgm:shape>
-                  <dgm:presOf/>
-                  <dgm:constrLst/>
-                  <dgm:ruleLst/>
-                  <dgm:forEach name="Name87" ref="rep2a"/>
-                </dgm:layoutNode>
-                <dgm:layoutNode name="hierChild5">
-                  <dgm:choose name="Name88">
-                    <dgm:if name="Name89" func="var" arg="dir" op="equ" val="norm">
-                      <dgm:alg type="hierChild">
-                        <dgm:param type="chAlign" val="l"/>
-                        <dgm:param type="linDir" val="fromL"/>
-                        <dgm:param type="secChAlign" val="t"/>
-                        <dgm:param type="secLinDir" val="fromT"/>
-                      </dgm:alg>
-                    </dgm:if>
-                    <dgm:else name="Name90">
-                      <dgm:alg type="hierChild">
-                        <dgm:param type="chAlign" val="l"/>
-                        <dgm:param type="linDir" val="fromR"/>
-                        <dgm:param type="secChAlign" val="t"/>
-                        <dgm:param type="secLinDir" val="fromT"/>
-                      </dgm:alg>
-                    </dgm:else>
-                  </dgm:choose>
-                  <dgm:shape xmlns:r="http://schemas.openxmlformats.org/officeDocument/2006/relationships" r:blip="">
-                    <dgm:adjLst/>
-                  </dgm:shape>
-                  <dgm:presOf/>
-                  <dgm:constrLst/>
-                  <dgm:ruleLst/>
-                  <dgm:forEach name="Name91" ref="rep2b"/>
-                </dgm:layoutNode>
+                        <dgm:constrLst/>
+                        <dgm:ruleLst/>
+                        <dgm:forEach name="Name25" ref="repeat"/>
+                      </dgm:layoutNode>
+                    </dgm:layoutNode>
+                  </dgm:forEach>
+                </dgm:forEach>
               </dgm:layoutNode>
-            </dgm:forEach>
+            </dgm:layoutNode>
+          </dgm:forEach>
+        </dgm:forEach>
+      </dgm:layoutNode>
+    </dgm:layoutNode>
+    <dgm:layoutNode name="bgShapesFlow">
+      <dgm:alg type="lin">
+        <dgm:param type="linDir" val="fromT"/>
+        <dgm:param type="nodeVertAlign" val="t"/>
+        <dgm:param type="vertAlign" val="t"/>
+        <dgm:param type="nodeHorzAlign" val="ctr"/>
+      </dgm:alg>
+      <dgm:shape xmlns:r="http://schemas.openxmlformats.org/officeDocument/2006/relationships" r:blip="">
+        <dgm:adjLst/>
+      </dgm:shape>
+      <dgm:presOf/>
+      <dgm:constrLst>
+        <dgm:constr type="userB"/>
+        <dgm:constr type="w" for="ch" forName="rectComp" refType="w"/>
+        <dgm:constr type="h" for="ch" forName="rectComp" refType="h"/>
+        <dgm:constr type="w" for="des" forName="bgRect" refType="w"/>
+        <dgm:constr type="primFontSz" for="des" forName="bgRectTx" op="equ"/>
+      </dgm:constrLst>
+      <dgm:ruleLst/>
+      <dgm:forEach name="Name26" axis="ch" ptType="node" st="2">
+        <dgm:layoutNode name="rectComp">
+          <dgm:alg type="composite">
+            <dgm:param type="vertAlign" val="t"/>
+            <dgm:param type="horzAlign" val="ctr"/>
+          </dgm:alg>
+          <dgm:shape xmlns:r="http://schemas.openxmlformats.org/officeDocument/2006/relationships" r:blip="">
+            <dgm:adjLst/>
+          </dgm:shape>
+          <dgm:presOf/>
+          <dgm:choose name="Name27">
+            <dgm:if name="Name28" func="var" arg="dir" op="equ" val="norm">
+              <dgm:constrLst>
+                <dgm:constr type="userA"/>
+                <dgm:constr type="l" for="ch" forName="bgRect"/>
+                <dgm:constr type="t" for="ch" forName="bgRect"/>
+                <dgm:constr type="h" for="ch" forName="bgRect" refType="userA" fact="1.2"/>
+                <dgm:constr type="l" for="ch" forName="bgRectTx"/>
+                <dgm:constr type="t" for="ch" forName="bgRectTx"/>
+                <dgm:constr type="w" for="ch" forName="bgRectTx" refType="w" refFor="ch" refForName="bgRect" fact="0.3"/>
+                <dgm:constr type="h" for="ch" forName="bgRectTx" refType="h" refFor="ch" refForName="bgRect" op="equ"/>
+              </dgm:constrLst>
+            </dgm:if>
+            <dgm:else name="Name29">
+              <dgm:constrLst>
+                <dgm:constr type="userA"/>
+                <dgm:constr type="l" for="ch" forName="bgRect"/>
+                <dgm:constr type="t" for="ch" forName="bgRect"/>
+                <dgm:constr type="h" for="ch" forName="bgRect" refType="userA" fact="1.2"/>
+                <dgm:constr type="r" for="ch" forName="bgRectTx" refType="w"/>
+                <dgm:constr type="t" for="ch" forName="bgRectTx"/>
+                <dgm:constr type="w" for="ch" forName="bgRectTx" refType="w" refFor="ch" refForName="bgRect" fact="0.3"/>
+                <dgm:constr type="h" for="ch" forName="bgRectTx" refType="h" refFor="ch" refForName="bgRect" op="equ"/>
+              </dgm:constrLst>
+            </dgm:else>
+          </dgm:choose>
+          <dgm:ruleLst/>
+          <dgm:layoutNode name="bgRect" styleLbl="bgShp">
+            <dgm:alg type="sp"/>
+            <dgm:shape xmlns:r="http://schemas.openxmlformats.org/officeDocument/2006/relationships" type="roundRect" r:blip="" zOrderOff="-999">
+              <dgm:adjLst>
+                <dgm:adj idx="1" val="0.1"/>
+              </dgm:adjLst>
+            </dgm:shape>
+            <dgm:presOf axis="desOrSelf" ptType="node"/>
+            <dgm:constrLst/>
+            <dgm:ruleLst/>
           </dgm:layoutNode>
-          <dgm:layoutNode name="hierChild3">
-            <dgm:choose name="Name92">
-              <dgm:if name="Name93" func="var" arg="dir" op="equ" val="norm">
-                <dgm:alg type="hierChild">
-                  <dgm:param type="chAlign" val="l"/>
-                  <dgm:param type="linDir" val="fromL"/>
-                  <dgm:param type="secChAlign" val="t"/>
-                  <dgm:param type="secLinDir" val="fromT"/>
-                </dgm:alg>
-              </dgm:if>
-              <dgm:else name="Name94">
-                <dgm:alg type="hierChild">
-                  <dgm:param type="chAlign" val="l"/>
-                  <dgm:param type="linDir" val="fromR"/>
-                  <dgm:param type="secChAlign" val="t"/>
-                  <dgm:param type="secLinDir" val="fromT"/>
-                </dgm:alg>
-              </dgm:else>
-            </dgm:choose>
-            <dgm:shape xmlns:r="http://schemas.openxmlformats.org/officeDocument/2006/relationships" r:blip="">
+          <dgm:layoutNode name="bgRectTx" styleLbl="bgShp">
+            <dgm:varLst>
+              <dgm:bulletEnabled val="1"/>
+            </dgm:varLst>
+            <dgm:alg type="tx"/>
+            <dgm:presOf axis="desOrSelf" ptType="node"/>
+            <dgm:shape xmlns:r="http://schemas.openxmlformats.org/officeDocument/2006/relationships" type="rect" r:blip="" zOrderOff="-999" hideGeom="1">
               <dgm:adjLst/>
             </dgm:shape>
-            <dgm:presOf/>
-            <dgm:constrLst/>
-            <dgm:ruleLst/>
-            <dgm:forEach name="rep2b" axis="ch" ptType="asst">
-              <dgm:forEach name="Name95" axis="precedSib" ptType="parTrans" st="-1" cnt="1">
-                <dgm:layoutNode name="Name96">
-                  <dgm:alg type="conn">
-                    <dgm:param type="connRout" val="bend"/>
-                    <dgm:param type="dim" val="1D"/>
-                    <dgm:param type="endSty" val="noArr"/>
-                    <dgm:param type="begPts" val="bCtr"/>
-                    <dgm:param type="endPts" val="midL midR"/>
-                  </dgm:alg>
-                  <dgm:shape xmlns:r="http://schemas.openxmlformats.org/officeDocument/2006/relationships" type="conn" r:blip="" zOrderOff="-99999">
-                    <dgm:adjLst/>
-                  </dgm:shape>
-                  <dgm:presOf axis="self"/>
-                  <dgm:constrLst>
-                    <dgm:constr type="begPad"/>
-                    <dgm:constr type="endPad"/>
-                  </dgm:constrLst>
-                  <dgm:ruleLst/>
-                </dgm:layoutNode>
-              </dgm:forEach>
-              <dgm:layoutNode name="hierRoot3">
-                <dgm:varLst>
-                  <dgm:hierBranch val="init"/>
-                </dgm:varLst>
-                <dgm:choose name="Name97">
-                  <dgm:if name="Name98" func="var" arg="hierBranch" op="equ" val="l">
-                    <dgm:alg type="hierRoot">
-                      <dgm:param type="hierAlign" val="tR"/>
-                    </dgm:alg>
-                    <dgm:shape xmlns:r="http://schemas.openxmlformats.org/officeDocument/2006/relationships" r:blip="">
-                      <dgm:adjLst/>
-                    </dgm:shape>
-                    <dgm:presOf/>
-                    <dgm:constrLst>
-                      <dgm:constr type="alignOff" val="0.65"/>
-                    </dgm:constrLst>
-                  </dgm:if>
-                  <dgm:if name="Name99" func="var" arg="hierBranch" op="equ" val="r">
-                    <dgm:alg type="hierRoot">
-                      <dgm:param type="hierAlign" val="tL"/>
-                    </dgm:alg>
-                    <dgm:shape xmlns:r="http://schemas.openxmlformats.org/officeDocument/2006/relationships" r:blip="">
-                      <dgm:adjLst/>
-                    </dgm:shape>
-                    <dgm:presOf/>
-                    <dgm:constrLst>
-                      <dgm:constr type="alignOff" val="0.65"/>
-                    </dgm:constrLst>
-                  </dgm:if>
-                  <dgm:if name="Name100" func="var" arg="hierBranch" op="equ" val="hang">
-                    <dgm:alg type="hierRoot"/>
-                    <dgm:shape xmlns:r="http://schemas.openxmlformats.org/officeDocument/2006/relationships" r:blip="">
-                      <dgm:adjLst/>
-                    </dgm:shape>
-                    <dgm:presOf/>
-                    <dgm:constrLst>
-                      <dgm:constr type="alignOff" val="0.65"/>
-                    </dgm:constrLst>
-                  </dgm:if>
-                  <dgm:if name="Name101" func="var" arg="hierBranch" op="equ" val="std">
-                    <dgm:alg type="hierRoot"/>
-                    <dgm:shape xmlns:r="http://schemas.openxmlformats.org/officeDocument/2006/relationships" r:blip="">
-                      <dgm:adjLst/>
-                    </dgm:shape>
-                    <dgm:presOf/>
-                    <dgm:constrLst>
-                      <dgm:constr type="alignOff"/>
-                      <dgm:constr type="bendDist" for="des" ptType="parTrans" refType="sp" fact="0.5"/>
-                    </dgm:constrLst>
-                  </dgm:if>
-                  <dgm:if name="Name102" func="var" arg="hierBranch" op="equ" val="init">
-                    <dgm:alg type="hierRoot"/>
-                    <dgm:shape xmlns:r="http://schemas.openxmlformats.org/officeDocument/2006/relationships" r:blip="">
-                      <dgm:adjLst/>
-                    </dgm:shape>
-                    <dgm:presOf/>
-                    <dgm:constrLst>
-                      <dgm:constr type="alignOff"/>
-                      <dgm:constr type="bendDist" for="des" ptType="parTrans" refType="sp" fact="0.5"/>
-                    </dgm:constrLst>
-                  </dgm:if>
-                  <dgm:else name="Name103"/>
-                </dgm:choose>
-                <dgm:ruleLst/>
-                <dgm:layoutNode name="rootComposite3">
-                  <dgm:alg type="composite"/>
-                  <dgm:shape xmlns:r="http://schemas.openxmlformats.org/officeDocument/2006/relationships" r:blip="">
-                    <dgm:adjLst/>
-                  </dgm:shape>
-                  <dgm:presOf axis="self" ptType="node" cnt="1"/>
-                  <dgm:choose name="Name104">
-                    <dgm:if name="Name105" func="var" arg="hierBranch" op="equ" val="init">
-                      <dgm:constrLst>
-                        <dgm:constr type="l" for="ch" forName="rootText3"/>
-                        <dgm:constr type="t" for="ch" forName="rootText3"/>
-                        <dgm:constr type="w" for="ch" forName="rootText3" refType="w"/>
-                        <dgm:constr type="h" for="ch" forName="rootText3" refType="h" fact="0.9"/>
-                        <dgm:constr type="l" for="ch" forName="titleText3" refType="w" fact="0.2"/>
-                        <dgm:constr type="t" for="ch" forName="titleText3" refType="h" fact="0.7"/>
-                        <dgm:constr type="w" for="ch" forName="titleText3" refType="w" fact="0.9"/>
-                        <dgm:constr type="h" for="ch" forName="titleText3" refType="h" fact="0.3"/>
-                        <dgm:constr type="primFontSz" for="des" forName="titleText3" refType="primFontSz" refFor="des" refForName="rootText3" op="lte"/>
-                        <dgm:constr type="l" for="ch" forName="rootConnector3"/>
-                        <dgm:constr type="t" for="ch" forName="rootConnector3"/>
-                        <dgm:constr type="w" for="ch" forName="rootConnector3" refType="w" refFor="ch" refForName="rootText3" fact="0.2"/>
-                        <dgm:constr type="h" for="ch" forName="rootConnector3" refType="h" refFor="ch" refForName="rootText3"/>
-                      </dgm:constrLst>
-                    </dgm:if>
-                    <dgm:if name="Name106" func="var" arg="hierBranch" op="equ" val="l">
-                      <dgm:constrLst>
-                        <dgm:constr type="l" for="ch" forName="rootText3"/>
-                        <dgm:constr type="t" for="ch" forName="rootText3"/>
-                        <dgm:constr type="w" for="ch" forName="rootText3" refType="w"/>
-                        <dgm:constr type="h" for="ch" forName="rootText3" refType="h" fact="0.9"/>
-                        <dgm:constr type="l" for="ch" forName="titleText3" refType="w" fact="0.2"/>
-                        <dgm:constr type="t" for="ch" forName="titleText3" refType="h" fact="0.7"/>
-                        <dgm:constr type="w" for="ch" forName="titleText3" refType="w" fact="0.9"/>
-                        <dgm:constr type="h" for="ch" forName="titleText3" refType="h" fact="0.3"/>
-                        <dgm:constr type="primFontSz" for="des" forName="titleText3" refType="primFontSz" refFor="des" refForName="rootText3" op="lte"/>
-                        <dgm:constr type="r" for="ch" forName="rootConnector3" refType="w"/>
-                        <dgm:constr type="t" for="ch" forName="rootConnector3"/>
-                        <dgm:constr type="w" for="ch" forName="rootConnector3" refType="w" refFor="ch" refForName="rootText3" fact="0.2"/>
-                        <dgm:constr type="h" for="ch" forName="rootConnector3" refType="h" refFor="ch" refForName="rootText3"/>
-                      </dgm:constrLst>
-                    </dgm:if>
-                    <dgm:if name="Name107" func="var" arg="hierBranch" op="equ" val="r">
-                      <dgm:constrLst>
-                        <dgm:constr type="l" for="ch" forName="rootText3"/>
-                        <dgm:constr type="t" for="ch" forName="rootText3"/>
-                        <dgm:constr type="w" for="ch" forName="rootText3" refType="w"/>
-                        <dgm:constr type="h" for="ch" forName="rootText3" refType="h" fact="0.9"/>
-                        <dgm:constr type="l" for="ch" forName="titleText3" refType="w" fact="0.2"/>
-                        <dgm:constr type="t" for="ch" forName="titleText3" refType="h" fact="0.7"/>
-                        <dgm:constr type="w" for="ch" forName="titleText3" refType="w" fact="0.9"/>
-                        <dgm:constr type="h" for="ch" forName="titleText3" refType="h" fact="0.3"/>
-                        <dgm:constr type="primFontSz" for="des" forName="titleText3" refType="primFontSz" refFor="des" refForName="rootText3" op="lte"/>
-                        <dgm:constr type="l" for="ch" forName="rootConnector3"/>
-                        <dgm:constr type="t" for="ch" forName="rootConnector3"/>
-                        <dgm:constr type="w" for="ch" forName="rootConnector3" refType="w" refFor="ch" refForName="rootText3" fact="0.2"/>
-                        <dgm:constr type="h" for="ch" forName="rootConnector3" refType="h" refFor="ch" refForName="rootText3"/>
-                      </dgm:constrLst>
-                    </dgm:if>
-                    <dgm:else name="Name108">
-                      <dgm:constrLst>
-                        <dgm:constr type="l" for="ch" forName="rootText3"/>
-                        <dgm:constr type="t" for="ch" forName="rootText3"/>
-                        <dgm:constr type="w" for="ch" forName="rootText3" refType="w"/>
-                        <dgm:constr type="h" for="ch" forName="rootText3" refType="h" fact="0.9"/>
-                        <dgm:constr type="l" for="ch" forName="titleText3" refType="w" fact="0.2"/>
-                        <dgm:constr type="t" for="ch" forName="titleText3" refType="h" fact="0.7"/>
-                        <dgm:constr type="w" for="ch" forName="titleText3" refType="w" fact="0.9"/>
-                        <dgm:constr type="h" for="ch" forName="titleText3" refType="h" fact="0.3"/>
-                        <dgm:constr type="primFontSz" for="des" forName="titleText3" refType="primFontSz" refFor="des" refForName="rootText3" op="lte"/>
-                        <dgm:constr type="r" for="ch" forName="rootConnector3" refType="w"/>
-                        <dgm:constr type="t" for="ch" forName="rootConnector3"/>
-                        <dgm:constr type="w" for="ch" forName="rootConnector3" refType="w" refFor="ch" refForName="rootText3" fact="0.2"/>
-                        <dgm:constr type="h" for="ch" forName="rootConnector3" refType="h" refFor="ch" refForName="rootText3"/>
-                      </dgm:constrLst>
-                    </dgm:else>
-                  </dgm:choose>
-                  <dgm:ruleLst/>
-                  <dgm:layoutNode name="rootText3" styleLbl="asst1">
-                    <dgm:varLst>
-                      <dgm:chPref val="3"/>
-                    </dgm:varLst>
-                    <dgm:alg type="tx"/>
-                    <dgm:shape xmlns:r="http://schemas.openxmlformats.org/officeDocument/2006/relationships" type="rect" r:blip="">
-                      <dgm:adjLst/>
-                    </dgm:shape>
-                    <dgm:presOf axis="self" ptType="node" cnt="1"/>
-                    <dgm:constrLst>
-                      <dgm:constr type="primFontSz" val="65"/>
-                      <dgm:constr type="lMarg" refType="primFontSz" fact="0.05"/>
-                      <dgm:constr type="rMarg" refType="primFontSz" fact="0.05"/>
-                      <dgm:constr type="tMarg" refType="primFontSz" fact="0.05"/>
-                      <dgm:constr type="bMarg" refType="h" fact="0.4"/>
-                    </dgm:constrLst>
-                    <dgm:ruleLst>
-                      <dgm:rule type="primFontSz" val="5" fact="NaN" max="NaN"/>
-                    </dgm:ruleLst>
-                  </dgm:layoutNode>
-                  <dgm:layoutNode name="titleText3" styleLbl="fgAcc2">
-                    <dgm:varLst>
-                      <dgm:chMax val="0"/>
-                      <dgm:chPref val="0"/>
-                    </dgm:varLst>
-                    <dgm:alg type="tx">
-                      <dgm:param type="parTxLTRAlign" val="r"/>
-                    </dgm:alg>
-                    <dgm:shape xmlns:r="http://schemas.openxmlformats.org/officeDocument/2006/relationships" type="rect" r:blip="">
-                      <dgm:adjLst/>
-                    </dgm:shape>
-                    <dgm:presOf axis="followSib" ptType="sibTrans" hideLastTrans="0" cnt="1"/>
-                    <dgm:constrLst>
-                      <dgm:constr type="primFontSz" val="65"/>
-                      <dgm:constr type="lMarg" refType="primFontSz" fact="0.2"/>
-                      <dgm:constr type="rMarg" refType="primFontSz" fact="0.2"/>
-                      <dgm:constr type="tMarg" refType="primFontSz" fact="0.05"/>
-                      <dgm:constr type="bMarg" refType="primFontSz" fact="0.05"/>
-                    </dgm:constrLst>
-                    <dgm:ruleLst>
-                      <dgm:rule type="primFontSz" val="5" fact="NaN" max="NaN"/>
-                    </dgm:ruleLst>
-                  </dgm:layoutNode>
-                  <dgm:layoutNode name="rootConnector3" moveWith="rootText1">
-                    <dgm:alg type="sp"/>
-                    <dgm:shape xmlns:r="http://schemas.openxmlformats.org/officeDocument/2006/relationships" type="rect" r:blip="" hideGeom="1">
-                      <dgm:adjLst/>
-                    </dgm:shape>
-                    <dgm:presOf axis="self" ptType="node" cnt="1"/>
-                    <dgm:constrLst/>
-                    <dgm:ruleLst/>
-                  </dgm:layoutNode>
-                </dgm:layoutNode>
-                <dgm:layoutNode name="hierChild6">
-                  <dgm:choose name="Name109">
-                    <dgm:if name="Name110" func="var" arg="hierBranch" op="equ" val="l">
-                      <dgm:alg type="hierChild">
-                        <dgm:param type="chAlign" val="r"/>
-                        <dgm:param type="linDir" val="fromT"/>
-                      </dgm:alg>
-                    </dgm:if>
-                    <dgm:if name="Name111" func="var" arg="hierBranch" op="equ" val="r">
-                      <dgm:alg type="hierChild">
-                        <dgm:param type="chAlign" val="l"/>
-                        <dgm:param type="linDir" val="fromT"/>
-                      </dgm:alg>
-                    </dgm:if>
-                    <dgm:if name="Name112" func="var" arg="hierBranch" op="equ" val="hang">
-                      <dgm:choose name="Name113">
-                        <dgm:if name="Name114" func="var" arg="dir" op="equ" val="norm">
-                          <dgm:alg type="hierChild">
-                            <dgm:param type="chAlign" val="l"/>
-                            <dgm:param type="linDir" val="fromL"/>
-                            <dgm:param type="secChAlign" val="t"/>
-                            <dgm:param type="secLinDir" val="fromT"/>
-                          </dgm:alg>
-                        </dgm:if>
-                        <dgm:else name="Name115">
-                          <dgm:alg type="hierChild">
-                            <dgm:param type="chAlign" val="l"/>
-                            <dgm:param type="linDir" val="fromR"/>
-                            <dgm:param type="secChAlign" val="t"/>
-                            <dgm:param type="secLinDir" val="fromT"/>
-                          </dgm:alg>
-                        </dgm:else>
-                      </dgm:choose>
-                    </dgm:if>
-                    <dgm:if name="Name116" func="var" arg="hierBranch" op="equ" val="std">
-                      <dgm:choose name="Name117">
-                        <dgm:if name="Name118" func="var" arg="dir" op="equ" val="norm">
-                          <dgm:alg type="hierChild"/>
-                        </dgm:if>
-                        <dgm:else name="Name119">
-                          <dgm:alg type="hierChild">
-                            <dgm:param type="linDir" val="fromR"/>
-                          </dgm:alg>
-                        </dgm:else>
-                      </dgm:choose>
-                    </dgm:if>
-                    <dgm:if name="Name120" func="var" arg="hierBranch" op="equ" val="init">
-                      <dgm:alg type="hierChild"/>
-                    </dgm:if>
-                    <dgm:else name="Name121"/>
-                  </dgm:choose>
-                  <dgm:shape xmlns:r="http://schemas.openxmlformats.org/officeDocument/2006/relationships" r:blip="">
-                    <dgm:adjLst/>
-                  </dgm:shape>
-                  <dgm:presOf/>
-                  <dgm:constrLst/>
-                  <dgm:ruleLst/>
-                  <dgm:forEach name="Name122" ref="rep2a"/>
-                </dgm:layoutNode>
-                <dgm:layoutNode name="hierChild7">
-                  <dgm:choose name="Name123">
-                    <dgm:if name="Name124" func="var" arg="dir" op="equ" val="norm">
-                      <dgm:alg type="hierChild">
-                        <dgm:param type="chAlign" val="l"/>
-                        <dgm:param type="linDir" val="fromL"/>
-                        <dgm:param type="secChAlign" val="t"/>
-                        <dgm:param type="secLinDir" val="fromT"/>
-                      </dgm:alg>
-                    </dgm:if>
-                    <dgm:else name="Name125">
-                      <dgm:alg type="hierChild">
-                        <dgm:param type="chAlign" val="l"/>
-                        <dgm:param type="linDir" val="fromR"/>
-                        <dgm:param type="secChAlign" val="t"/>
-                        <dgm:param type="secLinDir" val="fromT"/>
-                      </dgm:alg>
-                    </dgm:else>
-                  </dgm:choose>
-                  <dgm:shape xmlns:r="http://schemas.openxmlformats.org/officeDocument/2006/relationships" r:blip="">
-                    <dgm:adjLst/>
-                  </dgm:shape>
-                  <dgm:presOf/>
-                  <dgm:constrLst/>
-                  <dgm:ruleLst/>
-                  <dgm:forEach name="Name126" ref="rep2b"/>
-                </dgm:layoutNode>
-              </dgm:layoutNode>
-            </dgm:forEach>
+            <dgm:constrLst>
+              <dgm:constr type="primFontSz" val="65"/>
+            </dgm:constrLst>
+            <dgm:ruleLst>
+              <dgm:rule type="primFontSz" val="5" fact="NaN" max="NaN"/>
+            </dgm:ruleLst>
           </dgm:layoutNode>
         </dgm:layoutNode>
+        <dgm:choose name="Name30">
+          <dgm:if name="Name31" axis="self" ptType="node" func="revPos" op="gte" val="2">
+            <dgm:layoutNode name="spComp">
+              <dgm:alg type="composite">
+                <dgm:param type="vertAlign" val="t"/>
+                <dgm:param type="horzAlign" val="ctr"/>
+              </dgm:alg>
+              <dgm:shape xmlns:r="http://schemas.openxmlformats.org/officeDocument/2006/relationships" r:blip="">
+                <dgm:adjLst/>
+              </dgm:shape>
+              <dgm:presOf/>
+              <dgm:constrLst>
+                <dgm:constr type="userA"/>
+                <dgm:constr type="userB"/>
+                <dgm:constr type="l" for="ch" forName="vSp"/>
+                <dgm:constr type="t" for="ch" forName="vSp"/>
+                <dgm:constr type="h" for="ch" forName="vSp" refType="userB"/>
+                <dgm:constr type="hOff" for="ch" forName="vSp" refType="userA" fact="-0.2"/>
+              </dgm:constrLst>
+              <dgm:ruleLst/>
+              <dgm:layoutNode name="vSp">
+                <dgm:alg type="sp"/>
+                <dgm:shape xmlns:r="http://schemas.openxmlformats.org/officeDocument/2006/relationships" r:blip="">
+                  <dgm:adjLst/>
+                </dgm:shape>
+                <dgm:presOf/>
+                <dgm:constrLst/>
+                <dgm:ruleLst/>
+              </dgm:layoutNode>
+            </dgm:layoutNode>
+          </dgm:if>
+          <dgm:else name="Name32"/>
+        </dgm:choose>
       </dgm:forEach>
-    </dgm:forEach>
+    </dgm:layoutNode>
   </dgm:layoutNode>
 </dgm:layoutDef>
 </file>
@@ -5892,7 +4101,7 @@
           <a:p>
             <a:fld id="{C2847E39-3363-4701-A48C-E1ED25F21718}" type="datetimeFigureOut">
               <a:rPr lang="en-US" smtClean="0"/>
-              <a:t>7/2/2017</a:t>
+              <a:t>7/5/2017</a:t>
             </a:fld>
             <a:endParaRPr lang="en-US"/>
           </a:p>
@@ -6423,7 +4632,7 @@
           <a:p>
             <a:fld id="{58DD293B-D8D0-431A-BBD3-F7FF1DD91784}" type="datetimeFigureOut">
               <a:rPr lang="en-US" smtClean="0"/>
-              <a:t>7/2/2017</a:t>
+              <a:t>7/5/2017</a:t>
             </a:fld>
             <a:endParaRPr lang="en-US"/>
           </a:p>
@@ -6621,7 +4830,7 @@
           <a:p>
             <a:fld id="{58DD293B-D8D0-431A-BBD3-F7FF1DD91784}" type="datetimeFigureOut">
               <a:rPr lang="en-US" smtClean="0"/>
-              <a:t>7/2/2017</a:t>
+              <a:t>7/5/2017</a:t>
             </a:fld>
             <a:endParaRPr lang="en-US"/>
           </a:p>
@@ -6829,7 +5038,7 @@
           <a:p>
             <a:fld id="{58DD293B-D8D0-431A-BBD3-F7FF1DD91784}" type="datetimeFigureOut">
               <a:rPr lang="en-US" smtClean="0"/>
-              <a:t>7/2/2017</a:t>
+              <a:t>7/5/2017</a:t>
             </a:fld>
             <a:endParaRPr lang="en-US"/>
           </a:p>
@@ -7027,7 +5236,7 @@
           <a:p>
             <a:fld id="{58DD293B-D8D0-431A-BBD3-F7FF1DD91784}" type="datetimeFigureOut">
               <a:rPr lang="en-US" smtClean="0"/>
-              <a:t>7/2/2017</a:t>
+              <a:t>7/5/2017</a:t>
             </a:fld>
             <a:endParaRPr lang="en-US"/>
           </a:p>
@@ -7302,7 +5511,7 @@
           <a:p>
             <a:fld id="{58DD293B-D8D0-431A-BBD3-F7FF1DD91784}" type="datetimeFigureOut">
               <a:rPr lang="en-US" smtClean="0"/>
-              <a:t>7/2/2017</a:t>
+              <a:t>7/5/2017</a:t>
             </a:fld>
             <a:endParaRPr lang="en-US"/>
           </a:p>
@@ -7567,7 +5776,7 @@
           <a:p>
             <a:fld id="{58DD293B-D8D0-431A-BBD3-F7FF1DD91784}" type="datetimeFigureOut">
               <a:rPr lang="en-US" smtClean="0"/>
-              <a:t>7/2/2017</a:t>
+              <a:t>7/5/2017</a:t>
             </a:fld>
             <a:endParaRPr lang="en-US"/>
           </a:p>
@@ -7979,7 +6188,7 @@
           <a:p>
             <a:fld id="{58DD293B-D8D0-431A-BBD3-F7FF1DD91784}" type="datetimeFigureOut">
               <a:rPr lang="en-US" smtClean="0"/>
-              <a:t>7/2/2017</a:t>
+              <a:t>7/5/2017</a:t>
             </a:fld>
             <a:endParaRPr lang="en-US"/>
           </a:p>
@@ -8120,7 +6329,7 @@
           <a:p>
             <a:fld id="{58DD293B-D8D0-431A-BBD3-F7FF1DD91784}" type="datetimeFigureOut">
               <a:rPr lang="en-US" smtClean="0"/>
-              <a:t>7/2/2017</a:t>
+              <a:t>7/5/2017</a:t>
             </a:fld>
             <a:endParaRPr lang="en-US"/>
           </a:p>
@@ -8233,7 +6442,7 @@
           <a:p>
             <a:fld id="{58DD293B-D8D0-431A-BBD3-F7FF1DD91784}" type="datetimeFigureOut">
               <a:rPr lang="en-US" smtClean="0"/>
-              <a:t>7/2/2017</a:t>
+              <a:t>7/5/2017</a:t>
             </a:fld>
             <a:endParaRPr lang="en-US"/>
           </a:p>
@@ -8544,7 +6753,7 @@
           <a:p>
             <a:fld id="{58DD293B-D8D0-431A-BBD3-F7FF1DD91784}" type="datetimeFigureOut">
               <a:rPr lang="en-US" smtClean="0"/>
-              <a:t>7/2/2017</a:t>
+              <a:t>7/5/2017</a:t>
             </a:fld>
             <a:endParaRPr lang="en-US"/>
           </a:p>
@@ -8832,7 +7041,7 @@
           <a:p>
             <a:fld id="{58DD293B-D8D0-431A-BBD3-F7FF1DD91784}" type="datetimeFigureOut">
               <a:rPr lang="en-US" smtClean="0"/>
-              <a:t>7/2/2017</a:t>
+              <a:t>7/5/2017</a:t>
             </a:fld>
             <a:endParaRPr lang="en-US"/>
           </a:p>
@@ -9073,7 +7282,7 @@
           <a:p>
             <a:fld id="{58DD293B-D8D0-431A-BBD3-F7FF1DD91784}" type="datetimeFigureOut">
               <a:rPr lang="en-US" smtClean="0"/>
-              <a:t>7/2/2017</a:t>
+              <a:t>7/5/2017</a:t>
             </a:fld>
             <a:endParaRPr lang="en-US"/>
           </a:p>
@@ -9995,7 +8204,7 @@
         <p:spPr/>
         <p:txBody>
           <a:bodyPr>
-            <a:normAutofit fontScale="92500" lnSpcReduction="10000"/>
+            <a:normAutofit fontScale="92500" lnSpcReduction="20000"/>
           </a:bodyPr>
           <a:lstStyle/>
           <a:p>
@@ -10034,15 +8243,7 @@
             <a:pPr lvl="1"/>
             <a:r>
               <a:rPr lang="en-US" dirty="0"/>
-              <a:t>Pulls Mom’s connect members from </a:t>
-            </a:r>
-            <a:r>
-              <a:rPr lang="en-US" dirty="0" err="1"/>
-              <a:t>Fiebase</a:t>
-            </a:r>
-            <a:r>
-              <a:rPr lang="en-US" dirty="0"/>
-              <a:t> for review</a:t>
+              <a:t>Pulls Mom’s connect members from Firebase for review</a:t>
             </a:r>
           </a:p>
           <a:p>
@@ -10056,6 +8257,13 @@
             <a:r>
               <a:rPr lang="en-US" dirty="0"/>
               <a:t>Pulls park information from Firebase</a:t>
+            </a:r>
+          </a:p>
+          <a:p>
+            <a:pPr lvl="1"/>
+            <a:r>
+              <a:rPr lang="en-US" dirty="0"/>
+              <a:t>Add new park feature</a:t>
             </a:r>
           </a:p>
           <a:p>
@@ -10133,7 +8341,7 @@
           <a:p>
             <a:r>
               <a:rPr lang="en-US" dirty="0"/>
-              <a:t>Moms Connect Navigation</a:t>
+              <a:t>Mom’s Connect Navigation</a:t>
             </a:r>
           </a:p>
         </p:txBody>
@@ -10154,7 +8362,7 @@
             <p:ph idx="1"/>
             <p:extLst>
               <p:ext uri="{D42A27DB-BD31-4B8C-83A1-F6EECF244321}">
-                <p14:modId xmlns:p14="http://schemas.microsoft.com/office/powerpoint/2010/main" val="3673399842"/>
+                <p14:modId xmlns:p14="http://schemas.microsoft.com/office/powerpoint/2010/main" val="1782644466"/>
               </p:ext>
             </p:extLst>
           </p:nvPr>

--- a/Presentation1.pptx
+++ b/Presentation1.pptx
@@ -5,7 +5,7 @@
     <p:sldMasterId id="2147483648" r:id="rId1"/>
   </p:sldMasterIdLst>
   <p:notesMasterIdLst>
-    <p:notesMasterId r:id="rId8"/>
+    <p:notesMasterId r:id="rId9"/>
   </p:notesMasterIdLst>
   <p:sldIdLst>
     <p:sldId id="256" r:id="rId2"/>
@@ -14,6 +14,7 @@
     <p:sldId id="260" r:id="rId5"/>
     <p:sldId id="259" r:id="rId6"/>
     <p:sldId id="257" r:id="rId7"/>
+    <p:sldId id="262" r:id="rId8"/>
   </p:sldIdLst>
   <p:sldSz cx="12192000" cy="6858000"/>
   <p:notesSz cx="6858000" cy="9144000"/>
@@ -1040,8 +1041,15 @@
         <a:lstStyle/>
         <a:p>
           <a:r>
+            <a:rPr lang="en-US" dirty="0" err="1"/>
+            <a:t>MeetUp</a:t>
+          </a:r>
+          <a:endParaRPr lang="en-US" dirty="0"/>
+        </a:p>
+        <a:p>
+          <a:r>
             <a:rPr lang="en-US" dirty="0"/>
-            <a:t>Local Groups</a:t>
+            <a:t>Groups</a:t>
           </a:r>
         </a:p>
       </dgm:t>
@@ -2318,8 +2326,27 @@
             <a:buNone/>
           </a:pPr>
           <a:r>
+            <a:rPr lang="en-US" sz="2200" kern="1200" dirty="0" err="1"/>
+            <a:t>MeetUp</a:t>
+          </a:r>
+          <a:endParaRPr lang="en-US" sz="2200" kern="1200" dirty="0"/>
+        </a:p>
+        <a:p>
+          <a:pPr marL="0" lvl="0" indent="0" algn="ctr" defTabSz="977900">
+            <a:lnSpc>
+              <a:spcPct val="90000"/>
+            </a:lnSpc>
+            <a:spcBef>
+              <a:spcPct val="0"/>
+            </a:spcBef>
+            <a:spcAft>
+              <a:spcPct val="35000"/>
+            </a:spcAft>
+            <a:buNone/>
+          </a:pPr>
+          <a:r>
             <a:rPr lang="en-US" sz="2200" kern="1200" dirty="0"/>
-            <a:t>Local Groups</a:t>
+            <a:t>Groups</a:t>
           </a:r>
         </a:p>
       </dsp:txBody>
@@ -7720,7 +7747,10 @@
           <a:bodyPr/>
           <a:lstStyle/>
           <a:p>
-            <a:endParaRPr lang="en-US" dirty="0"/>
+            <a:r>
+              <a:rPr lang="en-US" dirty="0"/>
+              <a:t>Mom’s Connection</a:t>
+            </a:r>
           </a:p>
         </p:txBody>
       </p:sp>
@@ -7745,7 +7775,10 @@
           <a:bodyPr/>
           <a:lstStyle/>
           <a:p>
-            <a:endParaRPr lang="en-US"/>
+            <a:r>
+              <a:rPr lang="en-US" dirty="0"/>
+              <a:t>A site for new Mom’s in Loudoun County to Connect</a:t>
+            </a:r>
           </a:p>
         </p:txBody>
       </p:sp>
@@ -8283,8 +8316,13 @@
             <a:pPr lvl="1"/>
             <a:r>
               <a:rPr lang="en-US" dirty="0"/>
-              <a:t>Pulls local group information from API call to XXXXX</a:t>
-            </a:r>
+              <a:t>Pulls local group information from API call to </a:t>
+            </a:r>
+            <a:r>
+              <a:rPr lang="en-US" dirty="0" err="1"/>
+              <a:t>MeetUp</a:t>
+            </a:r>
+            <a:endParaRPr lang="en-US" dirty="0"/>
           </a:p>
         </p:txBody>
       </p:sp>
@@ -8362,7 +8400,7 @@
             <p:ph idx="1"/>
             <p:extLst>
               <p:ext uri="{D42A27DB-BD31-4B8C-83A1-F6EECF244321}">
-                <p14:modId xmlns:p14="http://schemas.microsoft.com/office/powerpoint/2010/main" val="1782644466"/>
+                <p14:modId xmlns:p14="http://schemas.microsoft.com/office/powerpoint/2010/main" val="2291481729"/>
               </p:ext>
             </p:extLst>
           </p:nvPr>
@@ -8381,6 +8419,89 @@
     <p:extLst>
       <p:ext uri="{BB962C8B-B14F-4D97-AF65-F5344CB8AC3E}">
         <p14:creationId xmlns:p14="http://schemas.microsoft.com/office/powerpoint/2010/main" val="314109675"/>
+      </p:ext>
+    </p:extLst>
+  </p:cSld>
+  <p:clrMapOvr>
+    <a:masterClrMapping/>
+  </p:clrMapOvr>
+</p:sld>
+</file>
+
+<file path=ppt/slides/slide7.xml><?xml version="1.0" encoding="utf-8"?>
+<p:sld xmlns:a="http://schemas.openxmlformats.org/drawingml/2006/main" xmlns:r="http://schemas.openxmlformats.org/officeDocument/2006/relationships" xmlns:p="http://schemas.openxmlformats.org/presentationml/2006/main">
+  <p:cSld>
+    <p:spTree>
+      <p:nvGrpSpPr>
+        <p:cNvPr id="1" name=""/>
+        <p:cNvGrpSpPr/>
+        <p:nvPr/>
+      </p:nvGrpSpPr>
+      <p:grpSpPr>
+        <a:xfrm>
+          <a:off x="0" y="0"/>
+          <a:ext cx="0" cy="0"/>
+          <a:chOff x="0" y="0"/>
+          <a:chExt cx="0" cy="0"/>
+        </a:xfrm>
+      </p:grpSpPr>
+      <p:sp>
+        <p:nvSpPr>
+          <p:cNvPr id="2" name="Title 1">
+            <a:extLst>
+              <a:ext uri="{FF2B5EF4-FFF2-40B4-BE49-F238E27FC236}">
+                <a16:creationId xmlns:a16="http://schemas.microsoft.com/office/drawing/2014/main" id="{DDA1A6A9-BABF-4909-943D-80A8D6DC903C}"/>
+              </a:ext>
+            </a:extLst>
+          </p:cNvPr>
+          <p:cNvSpPr>
+            <a:spLocks noGrp="1"/>
+          </p:cNvSpPr>
+          <p:nvPr>
+            <p:ph type="title"/>
+          </p:nvPr>
+        </p:nvSpPr>
+        <p:spPr/>
+        <p:txBody>
+          <a:bodyPr/>
+          <a:lstStyle/>
+          <a:p>
+            <a:r>
+              <a:rPr lang="en-US" dirty="0"/>
+              <a:t>Demonstration</a:t>
+            </a:r>
+          </a:p>
+        </p:txBody>
+      </p:sp>
+      <p:sp>
+        <p:nvSpPr>
+          <p:cNvPr id="3" name="Content Placeholder 2">
+            <a:extLst>
+              <a:ext uri="{FF2B5EF4-FFF2-40B4-BE49-F238E27FC236}">
+                <a16:creationId xmlns:a16="http://schemas.microsoft.com/office/drawing/2014/main" id="{B573CD36-A0CA-4F0F-8F58-BEAA8F173066}"/>
+              </a:ext>
+            </a:extLst>
+          </p:cNvPr>
+          <p:cNvSpPr>
+            <a:spLocks noGrp="1"/>
+          </p:cNvSpPr>
+          <p:nvPr>
+            <p:ph idx="1"/>
+          </p:nvPr>
+        </p:nvSpPr>
+        <p:spPr/>
+        <p:txBody>
+          <a:bodyPr/>
+          <a:lstStyle/>
+          <a:p>
+            <a:endParaRPr lang="en-US"/>
+          </a:p>
+        </p:txBody>
+      </p:sp>
+    </p:spTree>
+    <p:extLst>
+      <p:ext uri="{BB962C8B-B14F-4D97-AF65-F5344CB8AC3E}">
+        <p14:creationId xmlns:p14="http://schemas.microsoft.com/office/powerpoint/2010/main" val="4082786494"/>
       </p:ext>
     </p:extLst>
   </p:cSld>

--- a/Presentation1.pptx
+++ b/Presentation1.pptx
@@ -2,10 +2,10 @@
 <file path=ppt/presentation.xml><?xml version="1.0" encoding="utf-8"?>
 <p:presentation xmlns:a="http://schemas.openxmlformats.org/drawingml/2006/main" xmlns:r="http://schemas.openxmlformats.org/officeDocument/2006/relationships" xmlns:p="http://schemas.openxmlformats.org/presentationml/2006/main" saveSubsetFonts="1">
   <p:sldMasterIdLst>
-    <p:sldMasterId id="2147483648" r:id="rId1"/>
+    <p:sldMasterId id="2147484169" r:id="rId1"/>
   </p:sldMasterIdLst>
   <p:notesMasterIdLst>
-    <p:notesMasterId r:id="rId9"/>
+    <p:notesMasterId r:id="rId10"/>
   </p:notesMasterIdLst>
   <p:sldIdLst>
     <p:sldId id="256" r:id="rId2"/>
@@ -15,6 +15,7 @@
     <p:sldId id="259" r:id="rId6"/>
     <p:sldId id="257" r:id="rId7"/>
     <p:sldId id="262" r:id="rId8"/>
+    <p:sldId id="263" r:id="rId9"/>
   </p:sldIdLst>
   <p:sldSz cx="12192000" cy="6858000"/>
   <p:notesSz cx="6858000" cy="9144000"/>
@@ -115,10 +116,10 @@
   </p:defaultTextStyle>
   <p:extLst>
     <p:ext uri="{EFAFB233-063F-42B5-8137-9DF3F51BA10A}">
-      <p15:sldGuideLst xmlns:p15="http://schemas.microsoft.com/office/powerpoint/2012/main"/>
+      <p15:sldGuideLst xmlns:p15="http://schemas.microsoft.com/office/powerpoint/2012/main" xmlns=""/>
     </p:ext>
     <p:ext uri="{2D200454-40CA-4A62-9FC3-DE9A4176ACB9}">
-      <p15:notesGuideLst xmlns:p15="http://schemas.microsoft.com/office/powerpoint/2012/main"/>
+      <p15:notesGuideLst xmlns:p15="http://schemas.microsoft.com/office/powerpoint/2012/main" xmlns=""/>
     </p:ext>
   </p:extLst>
 </p:presentation>
@@ -897,9 +898,10 @@
         <a:lstStyle/>
         <a:p>
           <a:r>
-            <a:rPr lang="en-US" dirty="0"/>
-            <a:t>Home</a:t>
+            <a:rPr lang="en-US" dirty="0" smtClean="0"/>
+            <a:t>Home/User Login</a:t>
           </a:r>
+          <a:endParaRPr lang="en-US" dirty="0"/>
         </a:p>
       </dgm:t>
     </dgm:pt>
@@ -1085,8 +1087,13 @@
         <a:p>
           <a:r>
             <a:rPr lang="en-US" dirty="0"/>
-            <a:t>Top Rated Parks</a:t>
+            <a:t>Top Rated </a:t>
           </a:r>
+          <a:r>
+            <a:rPr lang="en-US" dirty="0" smtClean="0"/>
+            <a:t>Parks</a:t>
+          </a:r>
+          <a:endParaRPr lang="en-US" dirty="0"/>
         </a:p>
       </dgm:t>
     </dgm:pt>
@@ -1112,105 +1119,6 @@
         </a:p>
       </dgm:t>
     </dgm:pt>
-    <dgm:pt modelId="{7B45A5DC-3748-4AC5-9C5B-1DB8428C64B3}">
-      <dgm:prSet/>
-      <dgm:spPr/>
-      <dgm:t>
-        <a:bodyPr/>
-        <a:lstStyle/>
-        <a:p>
-          <a:endParaRPr lang="en-US"/>
-        </a:p>
-      </dgm:t>
-    </dgm:pt>
-    <dgm:pt modelId="{ECFBC88A-F10A-42F7-B7F4-E22ED5B24379}" type="parTrans" cxnId="{EC09A6EF-E873-4EF8-A521-0C24448B36C0}">
-      <dgm:prSet/>
-      <dgm:spPr/>
-      <dgm:t>
-        <a:bodyPr/>
-        <a:lstStyle/>
-        <a:p>
-          <a:endParaRPr lang="en-US"/>
-        </a:p>
-      </dgm:t>
-    </dgm:pt>
-    <dgm:pt modelId="{F93320EE-1089-4A34-9E10-249E7BE134E8}" type="sibTrans" cxnId="{EC09A6EF-E873-4EF8-A521-0C24448B36C0}">
-      <dgm:prSet/>
-      <dgm:spPr/>
-      <dgm:t>
-        <a:bodyPr/>
-        <a:lstStyle/>
-        <a:p>
-          <a:endParaRPr lang="en-US"/>
-        </a:p>
-      </dgm:t>
-    </dgm:pt>
-    <dgm:pt modelId="{9F7517E5-072C-41BC-8A7B-78B40CCFE20F}">
-      <dgm:prSet/>
-      <dgm:spPr/>
-      <dgm:t>
-        <a:bodyPr/>
-        <a:lstStyle/>
-        <a:p>
-          <a:endParaRPr lang="en-US"/>
-        </a:p>
-      </dgm:t>
-    </dgm:pt>
-    <dgm:pt modelId="{7E7E0A64-7EE5-4848-B079-72A7FFF4676A}" type="parTrans" cxnId="{CF738F4C-9D59-4FBB-8EF3-CAE92D5C1349}">
-      <dgm:prSet/>
-      <dgm:spPr/>
-      <dgm:t>
-        <a:bodyPr/>
-        <a:lstStyle/>
-        <a:p>
-          <a:endParaRPr lang="en-US"/>
-        </a:p>
-      </dgm:t>
-    </dgm:pt>
-    <dgm:pt modelId="{C6D449B0-2239-4A8F-9C56-A23B1C1DEDB9}" type="sibTrans" cxnId="{CF738F4C-9D59-4FBB-8EF3-CAE92D5C1349}">
-      <dgm:prSet/>
-      <dgm:spPr/>
-      <dgm:t>
-        <a:bodyPr/>
-        <a:lstStyle/>
-        <a:p>
-          <a:endParaRPr lang="en-US"/>
-        </a:p>
-      </dgm:t>
-    </dgm:pt>
-    <dgm:pt modelId="{03072DBA-B260-46EF-B2F9-80BEEF029960}">
-      <dgm:prSet/>
-      <dgm:spPr/>
-      <dgm:t>
-        <a:bodyPr/>
-        <a:lstStyle/>
-        <a:p>
-          <a:endParaRPr lang="en-US"/>
-        </a:p>
-      </dgm:t>
-    </dgm:pt>
-    <dgm:pt modelId="{07BDC7C2-376D-4007-A4FD-90ECE6003A94}" type="parTrans" cxnId="{B432405B-C9B2-417F-9D05-8994D3A37275}">
-      <dgm:prSet/>
-      <dgm:spPr/>
-      <dgm:t>
-        <a:bodyPr/>
-        <a:lstStyle/>
-        <a:p>
-          <a:endParaRPr lang="en-US"/>
-        </a:p>
-      </dgm:t>
-    </dgm:pt>
-    <dgm:pt modelId="{99FE2F72-32AB-4121-91AD-4A924373C561}" type="sibTrans" cxnId="{B432405B-C9B2-417F-9D05-8994D3A37275}">
-      <dgm:prSet/>
-      <dgm:spPr/>
-      <dgm:t>
-        <a:bodyPr/>
-        <a:lstStyle/>
-        <a:p>
-          <a:endParaRPr lang="en-US"/>
-        </a:p>
-      </dgm:t>
-    </dgm:pt>
     <dgm:pt modelId="{5B3FA25E-7636-40FF-8B40-FDD6A271C5F6}" type="pres">
       <dgm:prSet presAssocID="{1D935358-EA2F-4BB5-B672-F3901DA6C92F}" presName="mainComposite" presStyleCnt="0">
         <dgm:presLayoutVars>
@@ -1222,13 +1130,16 @@
         </dgm:presLayoutVars>
       </dgm:prSet>
       <dgm:spPr/>
+      <dgm:t>
+        <a:bodyPr/>
+        <a:lstStyle/>
+        <a:p>
+          <a:endParaRPr lang="en-US"/>
+        </a:p>
+      </dgm:t>
     </dgm:pt>
     <dgm:pt modelId="{D3522506-AA8F-46C8-AAD6-D95C2E038575}" type="pres">
       <dgm:prSet presAssocID="{1D935358-EA2F-4BB5-B672-F3901DA6C92F}" presName="hierFlow" presStyleCnt="0"/>
-      <dgm:spPr/>
-    </dgm:pt>
-    <dgm:pt modelId="{6A4B2638-C3F9-4E7B-8330-F595B38A8AEE}" type="pres">
-      <dgm:prSet presAssocID="{1D935358-EA2F-4BB5-B672-F3901DA6C92F}" presName="firstBuf" presStyleCnt="0"/>
       <dgm:spPr/>
     </dgm:pt>
     <dgm:pt modelId="{9B8B4DBD-B8EE-41EC-ACE5-20B9A0EB70A6}" type="pres">
@@ -1246,12 +1157,19 @@
       <dgm:spPr/>
     </dgm:pt>
     <dgm:pt modelId="{106846B4-C57C-4B4A-8BDC-EA3A01B8B95F}" type="pres">
-      <dgm:prSet presAssocID="{6DCAEAD0-0997-4792-B08F-5B64CFA15D64}" presName="level1Shape" presStyleLbl="node0" presStyleIdx="0" presStyleCnt="1">
+      <dgm:prSet presAssocID="{6DCAEAD0-0997-4792-B08F-5B64CFA15D64}" presName="level1Shape" presStyleLbl="node0" presStyleIdx="0" presStyleCnt="1" custLinFactNeighborX="42808" custLinFactNeighborY="1752">
         <dgm:presLayoutVars>
           <dgm:chPref val="3"/>
         </dgm:presLayoutVars>
       </dgm:prSet>
       <dgm:spPr/>
+      <dgm:t>
+        <a:bodyPr/>
+        <a:lstStyle/>
+        <a:p>
+          <a:endParaRPr lang="en-US"/>
+        </a:p>
+      </dgm:t>
     </dgm:pt>
     <dgm:pt modelId="{3079D60D-FF7B-45A3-A68B-3000601A6A14}" type="pres">
       <dgm:prSet presAssocID="{6DCAEAD0-0997-4792-B08F-5B64CFA15D64}" presName="hierChild2" presStyleCnt="0"/>
@@ -1260,14 +1178,28 @@
     <dgm:pt modelId="{AFA13D1E-B68F-4E1C-A8A5-C8CBFB686937}" type="pres">
       <dgm:prSet presAssocID="{B3E0E86C-62E8-4813-BA77-F566ABF5644E}" presName="Name19" presStyleLbl="parChTrans1D2" presStyleIdx="0" presStyleCnt="2"/>
       <dgm:spPr/>
+      <dgm:t>
+        <a:bodyPr/>
+        <a:lstStyle/>
+        <a:p>
+          <a:endParaRPr lang="en-US"/>
+        </a:p>
+      </dgm:t>
     </dgm:pt>
     <dgm:pt modelId="{DDDE2EF1-5382-4BAD-A8EC-50740DC23D26}" type="pres">
       <dgm:prSet presAssocID="{975A07FC-54AE-434F-BB42-FF025D12E00D}" presName="Name21" presStyleCnt="0"/>
       <dgm:spPr/>
     </dgm:pt>
     <dgm:pt modelId="{21353F14-EF15-4F1A-AD9C-52082FDC1EDE}" type="pres">
-      <dgm:prSet presAssocID="{975A07FC-54AE-434F-BB42-FF025D12E00D}" presName="level2Shape" presStyleLbl="asst1" presStyleIdx="0" presStyleCnt="2"/>
+      <dgm:prSet presAssocID="{975A07FC-54AE-434F-BB42-FF025D12E00D}" presName="level2Shape" presStyleLbl="asst1" presStyleIdx="0" presStyleCnt="2" custLinFactNeighborX="-6922" custLinFactNeighborY="-10514"/>
       <dgm:spPr/>
+      <dgm:t>
+        <a:bodyPr/>
+        <a:lstStyle/>
+        <a:p>
+          <a:endParaRPr lang="en-US"/>
+        </a:p>
+      </dgm:t>
     </dgm:pt>
     <dgm:pt modelId="{A923347D-2DDF-416C-B9F8-CF7C4B904821}" type="pres">
       <dgm:prSet presAssocID="{975A07FC-54AE-434F-BB42-FF025D12E00D}" presName="hierChild3" presStyleCnt="0"/>
@@ -1276,14 +1208,28 @@
     <dgm:pt modelId="{4B4C13B4-BD1C-43B8-96A8-3016EDC34C57}" type="pres">
       <dgm:prSet presAssocID="{E8F559E0-E518-4C2A-B2F8-4627280A09F4}" presName="Name19" presStyleLbl="parChTrans1D2" presStyleIdx="1" presStyleCnt="2"/>
       <dgm:spPr/>
+      <dgm:t>
+        <a:bodyPr/>
+        <a:lstStyle/>
+        <a:p>
+          <a:endParaRPr lang="en-US"/>
+        </a:p>
+      </dgm:t>
     </dgm:pt>
     <dgm:pt modelId="{07083BC4-89E6-41D9-B3C6-6249227DD585}" type="pres">
       <dgm:prSet presAssocID="{BE0CB87B-5EA2-4B65-978F-1F3F2606237B}" presName="Name21" presStyleCnt="0"/>
       <dgm:spPr/>
     </dgm:pt>
     <dgm:pt modelId="{8A4DBA3A-9F9F-428E-A158-D57E8800853A}" type="pres">
-      <dgm:prSet presAssocID="{BE0CB87B-5EA2-4B65-978F-1F3F2606237B}" presName="level2Shape" presStyleLbl="asst1" presStyleIdx="1" presStyleCnt="2"/>
+      <dgm:prSet presAssocID="{BE0CB87B-5EA2-4B65-978F-1F3F2606237B}" presName="level2Shape" presStyleLbl="asst1" presStyleIdx="1" presStyleCnt="2" custLinFactNeighborX="94655" custLinFactNeighborY="-8763"/>
       <dgm:spPr/>
+      <dgm:t>
+        <a:bodyPr/>
+        <a:lstStyle/>
+        <a:p>
+          <a:endParaRPr lang="en-US"/>
+        </a:p>
+      </dgm:t>
     </dgm:pt>
     <dgm:pt modelId="{AFA980AE-46F6-4705-99D3-BD2F6F19448D}" type="pres">
       <dgm:prSet presAssocID="{BE0CB87B-5EA2-4B65-978F-1F3F2606237B}" presName="hierChild3" presStyleCnt="0"/>
@@ -1292,6 +1238,13 @@
     <dgm:pt modelId="{5532AA10-5880-4269-902B-3B7CF5C0D400}" type="pres">
       <dgm:prSet presAssocID="{3264C905-E5C1-4A9B-9D01-0D70265F6246}" presName="Name19" presStyleLbl="parChTrans1D3" presStyleIdx="0" presStyleCnt="3"/>
       <dgm:spPr/>
+      <dgm:t>
+        <a:bodyPr/>
+        <a:lstStyle/>
+        <a:p>
+          <a:endParaRPr lang="en-US"/>
+        </a:p>
+      </dgm:t>
     </dgm:pt>
     <dgm:pt modelId="{EECD7F31-5CCC-4501-8E7E-489DDA92DE9D}" type="pres">
       <dgm:prSet presAssocID="{C24A352F-8489-45E0-9455-7579655FBFBF}" presName="Name21" presStyleCnt="0"/>
@@ -1300,6 +1253,13 @@
     <dgm:pt modelId="{2C1BBD02-149D-4AEF-8B7C-071D427D6796}" type="pres">
       <dgm:prSet presAssocID="{C24A352F-8489-45E0-9455-7579655FBFBF}" presName="level2Shape" presStyleLbl="node3" presStyleIdx="0" presStyleCnt="3"/>
       <dgm:spPr/>
+      <dgm:t>
+        <a:bodyPr/>
+        <a:lstStyle/>
+        <a:p>
+          <a:endParaRPr lang="en-US"/>
+        </a:p>
+      </dgm:t>
     </dgm:pt>
     <dgm:pt modelId="{E194991C-CCA4-43EB-AF06-AC04D062EA54}" type="pres">
       <dgm:prSet presAssocID="{C24A352F-8489-45E0-9455-7579655FBFBF}" presName="hierChild3" presStyleCnt="0"/>
@@ -1308,14 +1268,28 @@
     <dgm:pt modelId="{75BA6FCF-B20C-4695-AD33-1AC04E6188EF}" type="pres">
       <dgm:prSet presAssocID="{F3D51A4D-6FB5-4504-BFD6-59296C2B7E6D}" presName="Name19" presStyleLbl="parChTrans1D3" presStyleIdx="1" presStyleCnt="3"/>
       <dgm:spPr/>
+      <dgm:t>
+        <a:bodyPr/>
+        <a:lstStyle/>
+        <a:p>
+          <a:endParaRPr lang="en-US"/>
+        </a:p>
+      </dgm:t>
     </dgm:pt>
     <dgm:pt modelId="{A97EAC25-02B1-417B-9BBA-61951002933A}" type="pres">
       <dgm:prSet presAssocID="{AA86BBFB-9BC5-43B5-A534-F28A38AF2423}" presName="Name21" presStyleCnt="0"/>
       <dgm:spPr/>
     </dgm:pt>
     <dgm:pt modelId="{D8B091A3-A137-49C1-BBB3-FD15C0D8621B}" type="pres">
-      <dgm:prSet presAssocID="{AA86BBFB-9BC5-43B5-A534-F28A38AF2423}" presName="level2Shape" presStyleLbl="node3" presStyleIdx="1" presStyleCnt="3"/>
+      <dgm:prSet presAssocID="{AA86BBFB-9BC5-43B5-A534-F28A38AF2423}" presName="level2Shape" presStyleLbl="node3" presStyleIdx="1" presStyleCnt="3" custLinFactNeighborX="15191"/>
       <dgm:spPr/>
+      <dgm:t>
+        <a:bodyPr/>
+        <a:lstStyle/>
+        <a:p>
+          <a:endParaRPr lang="en-US"/>
+        </a:p>
+      </dgm:t>
     </dgm:pt>
     <dgm:pt modelId="{FFD66E22-B15E-4A5E-901C-1B87A3459F36}" type="pres">
       <dgm:prSet presAssocID="{AA86BBFB-9BC5-43B5-A534-F28A38AF2423}" presName="hierChild3" presStyleCnt="0"/>
@@ -1324,14 +1298,28 @@
     <dgm:pt modelId="{20187EFF-9F54-440A-8907-93C3BB961C65}" type="pres">
       <dgm:prSet presAssocID="{BDE52E20-D3F8-4295-96AD-8A7DBDD6926D}" presName="Name19" presStyleLbl="parChTrans1D3" presStyleIdx="2" presStyleCnt="3"/>
       <dgm:spPr/>
+      <dgm:t>
+        <a:bodyPr/>
+        <a:lstStyle/>
+        <a:p>
+          <a:endParaRPr lang="en-US"/>
+        </a:p>
+      </dgm:t>
     </dgm:pt>
     <dgm:pt modelId="{D751619F-D147-4F00-A707-30FE0EC70839}" type="pres">
       <dgm:prSet presAssocID="{FA316560-31BF-4DED-9BC6-EFCB1644CA41}" presName="Name21" presStyleCnt="0"/>
       <dgm:spPr/>
     </dgm:pt>
     <dgm:pt modelId="{4037397F-5207-48DC-BDDE-62634F8E7BCC}" type="pres">
-      <dgm:prSet presAssocID="{FA316560-31BF-4DED-9BC6-EFCB1644CA41}" presName="level2Shape" presStyleLbl="node3" presStyleIdx="2" presStyleCnt="3"/>
+      <dgm:prSet presAssocID="{FA316560-31BF-4DED-9BC6-EFCB1644CA41}" presName="level2Shape" presStyleLbl="node3" presStyleIdx="2" presStyleCnt="3" custLinFactNeighborX="47911" custLinFactNeighborY="1752"/>
       <dgm:spPr/>
+      <dgm:t>
+        <a:bodyPr/>
+        <a:lstStyle/>
+        <a:p>
+          <a:endParaRPr lang="en-US"/>
+        </a:p>
+      </dgm:t>
     </dgm:pt>
     <dgm:pt modelId="{C028401B-73EC-4845-9EE0-542223408AF9}" type="pres">
       <dgm:prSet presAssocID="{FA316560-31BF-4DED-9BC6-EFCB1644CA41}" presName="hierChild3" presStyleCnt="0"/>
@@ -1341,145 +1329,58 @@
       <dgm:prSet presAssocID="{1D935358-EA2F-4BB5-B672-F3901DA6C92F}" presName="bgShapesFlow" presStyleCnt="0"/>
       <dgm:spPr/>
     </dgm:pt>
-    <dgm:pt modelId="{5E96D95E-94AE-48E2-8736-5E6E8DDB3D36}" type="pres">
-      <dgm:prSet presAssocID="{03072DBA-B260-46EF-B2F9-80BEEF029960}" presName="rectComp" presStyleCnt="0"/>
-      <dgm:spPr/>
-    </dgm:pt>
-    <dgm:pt modelId="{00013FE3-9E03-4ABD-8634-95136BD9B976}" type="pres">
-      <dgm:prSet presAssocID="{03072DBA-B260-46EF-B2F9-80BEEF029960}" presName="bgRect" presStyleLbl="bgShp" presStyleIdx="0" presStyleCnt="3"/>
-      <dgm:spPr/>
-    </dgm:pt>
-    <dgm:pt modelId="{A359CB32-FD74-4851-9450-2FA85503D79A}" type="pres">
-      <dgm:prSet presAssocID="{03072DBA-B260-46EF-B2F9-80BEEF029960}" presName="bgRectTx" presStyleLbl="bgShp" presStyleIdx="0" presStyleCnt="3">
-        <dgm:presLayoutVars>
-          <dgm:bulletEnabled val="1"/>
-        </dgm:presLayoutVars>
-      </dgm:prSet>
-      <dgm:spPr/>
-    </dgm:pt>
-    <dgm:pt modelId="{D278C6F4-0529-4113-B0AF-B779FE828202}" type="pres">
-      <dgm:prSet presAssocID="{03072DBA-B260-46EF-B2F9-80BEEF029960}" presName="spComp" presStyleCnt="0"/>
-      <dgm:spPr/>
-    </dgm:pt>
-    <dgm:pt modelId="{A742DB86-D1C6-4DE1-999C-A77F54CCEF1B}" type="pres">
-      <dgm:prSet presAssocID="{03072DBA-B260-46EF-B2F9-80BEEF029960}" presName="vSp" presStyleCnt="0"/>
-      <dgm:spPr/>
-    </dgm:pt>
-    <dgm:pt modelId="{0B10D0FD-0B23-4A63-886B-194C7B76352C}" type="pres">
-      <dgm:prSet presAssocID="{9F7517E5-072C-41BC-8A7B-78B40CCFE20F}" presName="rectComp" presStyleCnt="0"/>
-      <dgm:spPr/>
-    </dgm:pt>
-    <dgm:pt modelId="{C61F606F-B47E-4079-B576-6BB6204940A6}" type="pres">
-      <dgm:prSet presAssocID="{9F7517E5-072C-41BC-8A7B-78B40CCFE20F}" presName="bgRect" presStyleLbl="bgShp" presStyleIdx="1" presStyleCnt="3"/>
-      <dgm:spPr/>
-    </dgm:pt>
-    <dgm:pt modelId="{CF4E21CA-CC73-4165-995C-F0D194F310B6}" type="pres">
-      <dgm:prSet presAssocID="{9F7517E5-072C-41BC-8A7B-78B40CCFE20F}" presName="bgRectTx" presStyleLbl="bgShp" presStyleIdx="1" presStyleCnt="3">
-        <dgm:presLayoutVars>
-          <dgm:bulletEnabled val="1"/>
-        </dgm:presLayoutVars>
-      </dgm:prSet>
-      <dgm:spPr/>
-    </dgm:pt>
-    <dgm:pt modelId="{5FD0EB76-D35D-4135-B4C7-B36E65BD82B9}" type="pres">
-      <dgm:prSet presAssocID="{9F7517E5-072C-41BC-8A7B-78B40CCFE20F}" presName="spComp" presStyleCnt="0"/>
-      <dgm:spPr/>
-    </dgm:pt>
-    <dgm:pt modelId="{5BB3E744-E96A-495C-A6F0-AD1E8D27F6A1}" type="pres">
-      <dgm:prSet presAssocID="{9F7517E5-072C-41BC-8A7B-78B40CCFE20F}" presName="vSp" presStyleCnt="0"/>
-      <dgm:spPr/>
-    </dgm:pt>
-    <dgm:pt modelId="{D1006DEC-B547-4894-9E89-13106678C3BC}" type="pres">
-      <dgm:prSet presAssocID="{7B45A5DC-3748-4AC5-9C5B-1DB8428C64B3}" presName="rectComp" presStyleCnt="0"/>
-      <dgm:spPr/>
-    </dgm:pt>
-    <dgm:pt modelId="{4845A9D5-6564-4487-914B-D1485D7DDD63}" type="pres">
-      <dgm:prSet presAssocID="{7B45A5DC-3748-4AC5-9C5B-1DB8428C64B3}" presName="bgRect" presStyleLbl="bgShp" presStyleIdx="2" presStyleCnt="3"/>
-      <dgm:spPr/>
-    </dgm:pt>
-    <dgm:pt modelId="{33C0EE81-5720-4FA0-ACAD-B89C78FCB4C0}" type="pres">
-      <dgm:prSet presAssocID="{7B45A5DC-3748-4AC5-9C5B-1DB8428C64B3}" presName="bgRectTx" presStyleLbl="bgShp" presStyleIdx="2" presStyleCnt="3">
-        <dgm:presLayoutVars>
-          <dgm:bulletEnabled val="1"/>
-        </dgm:presLayoutVars>
-      </dgm:prSet>
-      <dgm:spPr/>
-    </dgm:pt>
   </dgm:ptLst>
   <dgm:cxnLst>
-    <dgm:cxn modelId="{5D03C308-97F0-4B37-91E9-306B5DDFC54D}" type="presOf" srcId="{B3E0E86C-62E8-4813-BA77-F566ABF5644E}" destId="{AFA13D1E-B68F-4E1C-A8A5-C8CBFB686937}" srcOrd="0" destOrd="0" presId="urn:microsoft.com/office/officeart/2005/8/layout/hierarchy6"/>
-    <dgm:cxn modelId="{D00FF41E-6F4C-4D9C-B252-B233D667FF7E}" type="presOf" srcId="{03072DBA-B260-46EF-B2F9-80BEEF029960}" destId="{00013FE3-9E03-4ABD-8634-95136BD9B976}" srcOrd="0" destOrd="0" presId="urn:microsoft.com/office/officeart/2005/8/layout/hierarchy6"/>
-    <dgm:cxn modelId="{893DA832-6613-4ECA-B5CD-D6B296081DB4}" type="presOf" srcId="{7B45A5DC-3748-4AC5-9C5B-1DB8428C64B3}" destId="{33C0EE81-5720-4FA0-ACAD-B89C78FCB4C0}" srcOrd="1" destOrd="0" presId="urn:microsoft.com/office/officeart/2005/8/layout/hierarchy6"/>
-    <dgm:cxn modelId="{2FB91933-0D9C-4FCB-A93C-A763A245E23D}" type="presOf" srcId="{F3D51A4D-6FB5-4504-BFD6-59296C2B7E6D}" destId="{75BA6FCF-B20C-4695-AD33-1AC04E6188EF}" srcOrd="0" destOrd="0" presId="urn:microsoft.com/office/officeart/2005/8/layout/hierarchy6"/>
+    <dgm:cxn modelId="{305E9CA2-F900-9E4A-9802-FC39AC082F30}" type="presOf" srcId="{975A07FC-54AE-434F-BB42-FF025D12E00D}" destId="{21353F14-EF15-4F1A-AD9C-52082FDC1EDE}" srcOrd="0" destOrd="0" presId="urn:microsoft.com/office/officeart/2005/8/layout/hierarchy6"/>
+    <dgm:cxn modelId="{F8510364-BD0B-A248-B1E9-3C93EE478906}" type="presOf" srcId="{E8F559E0-E518-4C2A-B2F8-4627280A09F4}" destId="{4B4C13B4-BD1C-43B8-96A8-3016EDC34C57}" srcOrd="0" destOrd="0" presId="urn:microsoft.com/office/officeart/2005/8/layout/hierarchy6"/>
+    <dgm:cxn modelId="{25D48DD0-9FF5-45C1-B5BA-AA6E504D6B41}" srcId="{6DCAEAD0-0997-4792-B08F-5B64CFA15D64}" destId="{975A07FC-54AE-434F-BB42-FF025D12E00D}" srcOrd="0" destOrd="0" parTransId="{B3E0E86C-62E8-4813-BA77-F566ABF5644E}" sibTransId="{4AEBD848-8434-4FC9-8569-2AE14B5ACF53}"/>
+    <dgm:cxn modelId="{B279181F-5A83-D942-8D70-0D24A37C4BD5}" type="presOf" srcId="{F3D51A4D-6FB5-4504-BFD6-59296C2B7E6D}" destId="{75BA6FCF-B20C-4695-AD33-1AC04E6188EF}" srcOrd="0" destOrd="0" presId="urn:microsoft.com/office/officeart/2005/8/layout/hierarchy6"/>
+    <dgm:cxn modelId="{BF532D6C-45CD-4040-BE99-56B85F47EFA8}" type="presOf" srcId="{AA86BBFB-9BC5-43B5-A534-F28A38AF2423}" destId="{D8B091A3-A137-49C1-BBB3-FD15C0D8621B}" srcOrd="0" destOrd="0" presId="urn:microsoft.com/office/officeart/2005/8/layout/hierarchy6"/>
+    <dgm:cxn modelId="{30E7B328-B729-AD47-A86C-C1365160BC23}" type="presOf" srcId="{B3E0E86C-62E8-4813-BA77-F566ABF5644E}" destId="{AFA13D1E-B68F-4E1C-A8A5-C8CBFB686937}" srcOrd="0" destOrd="0" presId="urn:microsoft.com/office/officeart/2005/8/layout/hierarchy6"/>
+    <dgm:cxn modelId="{0A465F65-E204-4029-B346-78AEED638414}" srcId="{6DCAEAD0-0997-4792-B08F-5B64CFA15D64}" destId="{BE0CB87B-5EA2-4B65-978F-1F3F2606237B}" srcOrd="1" destOrd="0" parTransId="{E8F559E0-E518-4C2A-B2F8-4627280A09F4}" sibTransId="{78EA64E7-EC81-4CB2-A6CF-38BA52D353F7}"/>
+    <dgm:cxn modelId="{24E3276E-B389-484B-B5F1-6C33BD5E2146}" type="presOf" srcId="{BE0CB87B-5EA2-4B65-978F-1F3F2606237B}" destId="{8A4DBA3A-9F9F-428E-A158-D57E8800853A}" srcOrd="0" destOrd="0" presId="urn:microsoft.com/office/officeart/2005/8/layout/hierarchy6"/>
+    <dgm:cxn modelId="{BC493340-6864-411D-8227-C190776E3E9F}" srcId="{BE0CB87B-5EA2-4B65-978F-1F3F2606237B}" destId="{AA86BBFB-9BC5-43B5-A534-F28A38AF2423}" srcOrd="1" destOrd="0" parTransId="{F3D51A4D-6FB5-4504-BFD6-59296C2B7E6D}" sibTransId="{53C3E8FB-F970-4853-8D1A-CDC8D0C5BE7C}"/>
+    <dgm:cxn modelId="{C2A042B5-EB4B-494A-AD77-F52FA24AF0FC}" srcId="{BE0CB87B-5EA2-4B65-978F-1F3F2606237B}" destId="{C24A352F-8489-45E0-9455-7579655FBFBF}" srcOrd="0" destOrd="0" parTransId="{3264C905-E5C1-4A9B-9D01-0D70265F6246}" sibTransId="{DC42C2FF-5A95-42E0-A5E3-4662119E05EF}"/>
+    <dgm:cxn modelId="{27E807B6-72A8-B444-8AD2-2E9707BFB23F}" type="presOf" srcId="{FA316560-31BF-4DED-9BC6-EFCB1644CA41}" destId="{4037397F-5207-48DC-BDDE-62634F8E7BCC}" srcOrd="0" destOrd="0" presId="urn:microsoft.com/office/officeart/2005/8/layout/hierarchy6"/>
     <dgm:cxn modelId="{2A380937-9846-4E5D-A97A-6DA395F520A5}" type="presOf" srcId="{1D935358-EA2F-4BB5-B672-F3901DA6C92F}" destId="{5B3FA25E-7636-40FF-8B40-FDD6A271C5F6}" srcOrd="0" destOrd="0" presId="urn:microsoft.com/office/officeart/2005/8/layout/hierarchy6"/>
-    <dgm:cxn modelId="{7C20E43C-D84D-41B0-8E42-E2ED703CFEB2}" type="presOf" srcId="{C24A352F-8489-45E0-9455-7579655FBFBF}" destId="{2C1BBD02-149D-4AEF-8B7C-071D427D6796}" srcOrd="0" destOrd="0" presId="urn:microsoft.com/office/officeart/2005/8/layout/hierarchy6"/>
-    <dgm:cxn modelId="{BC493340-6864-411D-8227-C190776E3E9F}" srcId="{BE0CB87B-5EA2-4B65-978F-1F3F2606237B}" destId="{AA86BBFB-9BC5-43B5-A534-F28A38AF2423}" srcOrd="1" destOrd="0" parTransId="{F3D51A4D-6FB5-4504-BFD6-59296C2B7E6D}" sibTransId="{53C3E8FB-F970-4853-8D1A-CDC8D0C5BE7C}"/>
-    <dgm:cxn modelId="{B432405B-C9B2-417F-9D05-8994D3A37275}" srcId="{1D935358-EA2F-4BB5-B672-F3901DA6C92F}" destId="{03072DBA-B260-46EF-B2F9-80BEEF029960}" srcOrd="1" destOrd="0" parTransId="{07BDC7C2-376D-4007-A4FD-90ECE6003A94}" sibTransId="{99FE2F72-32AB-4121-91AD-4A924373C561}"/>
-    <dgm:cxn modelId="{9A622561-C38B-4DB6-83A0-260923FFD54B}" type="presOf" srcId="{6DCAEAD0-0997-4792-B08F-5B64CFA15D64}" destId="{106846B4-C57C-4B4A-8BDC-EA3A01B8B95F}" srcOrd="0" destOrd="0" presId="urn:microsoft.com/office/officeart/2005/8/layout/hierarchy6"/>
-    <dgm:cxn modelId="{BD6A4543-A51A-4BC1-9A52-E4FE6609056F}" type="presOf" srcId="{AA86BBFB-9BC5-43B5-A534-F28A38AF2423}" destId="{D8B091A3-A137-49C1-BBB3-FD15C0D8621B}" srcOrd="0" destOrd="0" presId="urn:microsoft.com/office/officeart/2005/8/layout/hierarchy6"/>
-    <dgm:cxn modelId="{0A465F65-E204-4029-B346-78AEED638414}" srcId="{6DCAEAD0-0997-4792-B08F-5B64CFA15D64}" destId="{BE0CB87B-5EA2-4B65-978F-1F3F2606237B}" srcOrd="1" destOrd="0" parTransId="{E8F559E0-E518-4C2A-B2F8-4627280A09F4}" sibTransId="{78EA64E7-EC81-4CB2-A6CF-38BA52D353F7}"/>
-    <dgm:cxn modelId="{99EDC148-4438-46D8-9E8D-CF14B021EE10}" type="presOf" srcId="{9F7517E5-072C-41BC-8A7B-78B40CCFE20F}" destId="{CF4E21CA-CC73-4165-995C-F0D194F310B6}" srcOrd="1" destOrd="0" presId="urn:microsoft.com/office/officeart/2005/8/layout/hierarchy6"/>
-    <dgm:cxn modelId="{925BAC4A-C8BC-4616-A094-9390B2B0C117}" type="presOf" srcId="{E8F559E0-E518-4C2A-B2F8-4627280A09F4}" destId="{4B4C13B4-BD1C-43B8-96A8-3016EDC34C57}" srcOrd="0" destOrd="0" presId="urn:microsoft.com/office/officeart/2005/8/layout/hierarchy6"/>
-    <dgm:cxn modelId="{CF738F4C-9D59-4FBB-8EF3-CAE92D5C1349}" srcId="{1D935358-EA2F-4BB5-B672-F3901DA6C92F}" destId="{9F7517E5-072C-41BC-8A7B-78B40CCFE20F}" srcOrd="2" destOrd="0" parTransId="{7E7E0A64-7EE5-4848-B079-72A7FFF4676A}" sibTransId="{C6D449B0-2239-4A8F-9C56-A23B1C1DEDB9}"/>
-    <dgm:cxn modelId="{6EB3928B-146B-4B5C-ADCB-28F277EAD921}" type="presOf" srcId="{975A07FC-54AE-434F-BB42-FF025D12E00D}" destId="{21353F14-EF15-4F1A-AD9C-52082FDC1EDE}" srcOrd="0" destOrd="0" presId="urn:microsoft.com/office/officeart/2005/8/layout/hierarchy6"/>
-    <dgm:cxn modelId="{28EEF68C-B21D-4B06-8EAD-7D95EA0698BD}" type="presOf" srcId="{FA316560-31BF-4DED-9BC6-EFCB1644CA41}" destId="{4037397F-5207-48DC-BDDE-62634F8E7BCC}" srcOrd="0" destOrd="0" presId="urn:microsoft.com/office/officeart/2005/8/layout/hierarchy6"/>
-    <dgm:cxn modelId="{19F5218D-C020-4254-A9D4-14B82EC1F640}" type="presOf" srcId="{9F7517E5-072C-41BC-8A7B-78B40CCFE20F}" destId="{C61F606F-B47E-4079-B576-6BB6204940A6}" srcOrd="0" destOrd="0" presId="urn:microsoft.com/office/officeart/2005/8/layout/hierarchy6"/>
-    <dgm:cxn modelId="{BA37788E-2528-48EE-91CD-3DCA0BCEE4EA}" type="presOf" srcId="{BE0CB87B-5EA2-4B65-978F-1F3F2606237B}" destId="{8A4DBA3A-9F9F-428E-A158-D57E8800853A}" srcOrd="0" destOrd="0" presId="urn:microsoft.com/office/officeart/2005/8/layout/hierarchy6"/>
-    <dgm:cxn modelId="{D598088F-5AC3-4EFE-99DC-F1529DD80D76}" type="presOf" srcId="{03072DBA-B260-46EF-B2F9-80BEEF029960}" destId="{A359CB32-FD74-4851-9450-2FA85503D79A}" srcOrd="1" destOrd="0" presId="urn:microsoft.com/office/officeart/2005/8/layout/hierarchy6"/>
-    <dgm:cxn modelId="{F10D4FA5-987D-4BA3-9D14-C36EA1D4B865}" type="presOf" srcId="{7B45A5DC-3748-4AC5-9C5B-1DB8428C64B3}" destId="{4845A9D5-6564-4487-914B-D1485D7DDD63}" srcOrd="0" destOrd="0" presId="urn:microsoft.com/office/officeart/2005/8/layout/hierarchy6"/>
-    <dgm:cxn modelId="{C2A042B5-EB4B-494A-AD77-F52FA24AF0FC}" srcId="{BE0CB87B-5EA2-4B65-978F-1F3F2606237B}" destId="{C24A352F-8489-45E0-9455-7579655FBFBF}" srcOrd="0" destOrd="0" parTransId="{3264C905-E5C1-4A9B-9D01-0D70265F6246}" sibTransId="{DC42C2FF-5A95-42E0-A5E3-4662119E05EF}"/>
+    <dgm:cxn modelId="{C3A1BA40-D9B7-E44B-8E7D-5B4D55E1A934}" type="presOf" srcId="{6DCAEAD0-0997-4792-B08F-5B64CFA15D64}" destId="{106846B4-C57C-4B4A-8BDC-EA3A01B8B95F}" srcOrd="0" destOrd="0" presId="urn:microsoft.com/office/officeart/2005/8/layout/hierarchy6"/>
+    <dgm:cxn modelId="{1EC00CFC-CE3B-7546-ADEC-69058AACBCBF}" type="presOf" srcId="{C24A352F-8489-45E0-9455-7579655FBFBF}" destId="{2C1BBD02-149D-4AEF-8B7C-071D427D6796}" srcOrd="0" destOrd="0" presId="urn:microsoft.com/office/officeart/2005/8/layout/hierarchy6"/>
     <dgm:cxn modelId="{C36479B7-EB3A-419D-846C-237C675D4630}" srcId="{BE0CB87B-5EA2-4B65-978F-1F3F2606237B}" destId="{FA316560-31BF-4DED-9BC6-EFCB1644CA41}" srcOrd="2" destOrd="0" parTransId="{BDE52E20-D3F8-4295-96AD-8A7DBDD6926D}" sibTransId="{B8A35A65-E544-4543-AEE7-183B806A4EA2}"/>
-    <dgm:cxn modelId="{ACFC96BC-F382-4055-AC53-2EFD3D3D4BE2}" type="presOf" srcId="{BDE52E20-D3F8-4295-96AD-8A7DBDD6926D}" destId="{20187EFF-9F54-440A-8907-93C3BB961C65}" srcOrd="0" destOrd="0" presId="urn:microsoft.com/office/officeart/2005/8/layout/hierarchy6"/>
-    <dgm:cxn modelId="{12B180C9-6957-4659-84A0-32C0315178A4}" type="presOf" srcId="{3264C905-E5C1-4A9B-9D01-0D70265F6246}" destId="{5532AA10-5880-4269-902B-3B7CF5C0D400}" srcOrd="0" destOrd="0" presId="urn:microsoft.com/office/officeart/2005/8/layout/hierarchy6"/>
-    <dgm:cxn modelId="{25D48DD0-9FF5-45C1-B5BA-AA6E504D6B41}" srcId="{6DCAEAD0-0997-4792-B08F-5B64CFA15D64}" destId="{975A07FC-54AE-434F-BB42-FF025D12E00D}" srcOrd="0" destOrd="0" parTransId="{B3E0E86C-62E8-4813-BA77-F566ABF5644E}" sibTransId="{4AEBD848-8434-4FC9-8569-2AE14B5ACF53}"/>
     <dgm:cxn modelId="{E2CF52D3-1858-4FB1-A9FC-4295CC43F5C4}" srcId="{1D935358-EA2F-4BB5-B672-F3901DA6C92F}" destId="{6DCAEAD0-0997-4792-B08F-5B64CFA15D64}" srcOrd="0" destOrd="0" parTransId="{D4471057-C71F-476B-AB7A-BB3B514E6833}" sibTransId="{3C4F18BB-FF2A-4D58-A1C7-ED4E3AAFC1FB}"/>
-    <dgm:cxn modelId="{EC09A6EF-E873-4EF8-A521-0C24448B36C0}" srcId="{1D935358-EA2F-4BB5-B672-F3901DA6C92F}" destId="{7B45A5DC-3748-4AC5-9C5B-1DB8428C64B3}" srcOrd="3" destOrd="0" parTransId="{ECFBC88A-F10A-42F7-B7F4-E22ED5B24379}" sibTransId="{F93320EE-1089-4A34-9E10-249E7BE134E8}"/>
-    <dgm:cxn modelId="{06637C96-F155-4CA0-9CAE-81553BAA447D}" type="presParOf" srcId="{5B3FA25E-7636-40FF-8B40-FDD6A271C5F6}" destId="{D3522506-AA8F-46C8-AAD6-D95C2E038575}" srcOrd="0" destOrd="0" presId="urn:microsoft.com/office/officeart/2005/8/layout/hierarchy6"/>
-    <dgm:cxn modelId="{150D3B6A-3D8A-4061-BA21-CC425F07D7C6}" type="presParOf" srcId="{D3522506-AA8F-46C8-AAD6-D95C2E038575}" destId="{6A4B2638-C3F9-4E7B-8330-F595B38A8AEE}" srcOrd="0" destOrd="0" presId="urn:microsoft.com/office/officeart/2005/8/layout/hierarchy6"/>
-    <dgm:cxn modelId="{04937285-B651-4C65-9CB0-1E09C985BF1B}" type="presParOf" srcId="{D3522506-AA8F-46C8-AAD6-D95C2E038575}" destId="{9B8B4DBD-B8EE-41EC-ACE5-20B9A0EB70A6}" srcOrd="1" destOrd="0" presId="urn:microsoft.com/office/officeart/2005/8/layout/hierarchy6"/>
-    <dgm:cxn modelId="{4BBBF24F-7D30-4062-AD58-DCE0EF3E0D97}" type="presParOf" srcId="{9B8B4DBD-B8EE-41EC-ACE5-20B9A0EB70A6}" destId="{C483D252-9426-43E0-8FAB-6712C5B52991}" srcOrd="0" destOrd="0" presId="urn:microsoft.com/office/officeart/2005/8/layout/hierarchy6"/>
-    <dgm:cxn modelId="{065335A6-E931-4F6D-BE18-E9B57B062E0F}" type="presParOf" srcId="{C483D252-9426-43E0-8FAB-6712C5B52991}" destId="{106846B4-C57C-4B4A-8BDC-EA3A01B8B95F}" srcOrd="0" destOrd="0" presId="urn:microsoft.com/office/officeart/2005/8/layout/hierarchy6"/>
-    <dgm:cxn modelId="{818BC83D-9A5A-445E-AF20-4880287CAE4F}" type="presParOf" srcId="{C483D252-9426-43E0-8FAB-6712C5B52991}" destId="{3079D60D-FF7B-45A3-A68B-3000601A6A14}" srcOrd="1" destOrd="0" presId="urn:microsoft.com/office/officeart/2005/8/layout/hierarchy6"/>
-    <dgm:cxn modelId="{E2F74606-226D-458C-86A1-4BA03932A8B8}" type="presParOf" srcId="{3079D60D-FF7B-45A3-A68B-3000601A6A14}" destId="{AFA13D1E-B68F-4E1C-A8A5-C8CBFB686937}" srcOrd="0" destOrd="0" presId="urn:microsoft.com/office/officeart/2005/8/layout/hierarchy6"/>
-    <dgm:cxn modelId="{ACB3A5BD-0759-497E-A82C-4B80BB26B054}" type="presParOf" srcId="{3079D60D-FF7B-45A3-A68B-3000601A6A14}" destId="{DDDE2EF1-5382-4BAD-A8EC-50740DC23D26}" srcOrd="1" destOrd="0" presId="urn:microsoft.com/office/officeart/2005/8/layout/hierarchy6"/>
-    <dgm:cxn modelId="{4DB6076A-4249-4FAF-B53A-68A02B90D347}" type="presParOf" srcId="{DDDE2EF1-5382-4BAD-A8EC-50740DC23D26}" destId="{21353F14-EF15-4F1A-AD9C-52082FDC1EDE}" srcOrd="0" destOrd="0" presId="urn:microsoft.com/office/officeart/2005/8/layout/hierarchy6"/>
-    <dgm:cxn modelId="{83969186-2D11-49AA-A6BE-DE9F2A884514}" type="presParOf" srcId="{DDDE2EF1-5382-4BAD-A8EC-50740DC23D26}" destId="{A923347D-2DDF-416C-B9F8-CF7C4B904821}" srcOrd="1" destOrd="0" presId="urn:microsoft.com/office/officeart/2005/8/layout/hierarchy6"/>
-    <dgm:cxn modelId="{07A20E23-57D4-4F13-BB32-AA20657FA78C}" type="presParOf" srcId="{3079D60D-FF7B-45A3-A68B-3000601A6A14}" destId="{4B4C13B4-BD1C-43B8-96A8-3016EDC34C57}" srcOrd="2" destOrd="0" presId="urn:microsoft.com/office/officeart/2005/8/layout/hierarchy6"/>
-    <dgm:cxn modelId="{3822AE35-3564-463E-8DE4-E4E1D8D9E592}" type="presParOf" srcId="{3079D60D-FF7B-45A3-A68B-3000601A6A14}" destId="{07083BC4-89E6-41D9-B3C6-6249227DD585}" srcOrd="3" destOrd="0" presId="urn:microsoft.com/office/officeart/2005/8/layout/hierarchy6"/>
-    <dgm:cxn modelId="{F90331A4-D9B4-47C2-A483-86CE0336D80C}" type="presParOf" srcId="{07083BC4-89E6-41D9-B3C6-6249227DD585}" destId="{8A4DBA3A-9F9F-428E-A158-D57E8800853A}" srcOrd="0" destOrd="0" presId="urn:microsoft.com/office/officeart/2005/8/layout/hierarchy6"/>
-    <dgm:cxn modelId="{4BEB4941-C556-4D72-A825-89C9333BD2E5}" type="presParOf" srcId="{07083BC4-89E6-41D9-B3C6-6249227DD585}" destId="{AFA980AE-46F6-4705-99D3-BD2F6F19448D}" srcOrd="1" destOrd="0" presId="urn:microsoft.com/office/officeart/2005/8/layout/hierarchy6"/>
-    <dgm:cxn modelId="{FFC70A2C-D96D-4F36-8C81-74F5606AAF17}" type="presParOf" srcId="{AFA980AE-46F6-4705-99D3-BD2F6F19448D}" destId="{5532AA10-5880-4269-902B-3B7CF5C0D400}" srcOrd="0" destOrd="0" presId="urn:microsoft.com/office/officeart/2005/8/layout/hierarchy6"/>
-    <dgm:cxn modelId="{31D7FE8F-E7F1-474F-B527-1543BB31B04E}" type="presParOf" srcId="{AFA980AE-46F6-4705-99D3-BD2F6F19448D}" destId="{EECD7F31-5CCC-4501-8E7E-489DDA92DE9D}" srcOrd="1" destOrd="0" presId="urn:microsoft.com/office/officeart/2005/8/layout/hierarchy6"/>
-    <dgm:cxn modelId="{AE970BCF-307F-4561-A638-0858F315E35D}" type="presParOf" srcId="{EECD7F31-5CCC-4501-8E7E-489DDA92DE9D}" destId="{2C1BBD02-149D-4AEF-8B7C-071D427D6796}" srcOrd="0" destOrd="0" presId="urn:microsoft.com/office/officeart/2005/8/layout/hierarchy6"/>
-    <dgm:cxn modelId="{5249F5BA-3D79-484D-8BF0-D5CB17C0A2F1}" type="presParOf" srcId="{EECD7F31-5CCC-4501-8E7E-489DDA92DE9D}" destId="{E194991C-CCA4-43EB-AF06-AC04D062EA54}" srcOrd="1" destOrd="0" presId="urn:microsoft.com/office/officeart/2005/8/layout/hierarchy6"/>
-    <dgm:cxn modelId="{51CCAF0C-6047-4944-ACA8-1060DBFFF5FD}" type="presParOf" srcId="{AFA980AE-46F6-4705-99D3-BD2F6F19448D}" destId="{75BA6FCF-B20C-4695-AD33-1AC04E6188EF}" srcOrd="2" destOrd="0" presId="urn:microsoft.com/office/officeart/2005/8/layout/hierarchy6"/>
-    <dgm:cxn modelId="{049181E5-D8A8-4464-B844-9BB1D1BF84DE}" type="presParOf" srcId="{AFA980AE-46F6-4705-99D3-BD2F6F19448D}" destId="{A97EAC25-02B1-417B-9BBA-61951002933A}" srcOrd="3" destOrd="0" presId="urn:microsoft.com/office/officeart/2005/8/layout/hierarchy6"/>
-    <dgm:cxn modelId="{34CE6508-75B9-4274-AA55-B61A45647FD4}" type="presParOf" srcId="{A97EAC25-02B1-417B-9BBA-61951002933A}" destId="{D8B091A3-A137-49C1-BBB3-FD15C0D8621B}" srcOrd="0" destOrd="0" presId="urn:microsoft.com/office/officeart/2005/8/layout/hierarchy6"/>
-    <dgm:cxn modelId="{17F0EE53-DF4D-4C19-A1F3-6C9CD44630B3}" type="presParOf" srcId="{A97EAC25-02B1-417B-9BBA-61951002933A}" destId="{FFD66E22-B15E-4A5E-901C-1B87A3459F36}" srcOrd="1" destOrd="0" presId="urn:microsoft.com/office/officeart/2005/8/layout/hierarchy6"/>
-    <dgm:cxn modelId="{CF85EF48-C975-485C-AEC1-95925E53E429}" type="presParOf" srcId="{AFA980AE-46F6-4705-99D3-BD2F6F19448D}" destId="{20187EFF-9F54-440A-8907-93C3BB961C65}" srcOrd="4" destOrd="0" presId="urn:microsoft.com/office/officeart/2005/8/layout/hierarchy6"/>
-    <dgm:cxn modelId="{886035A9-0B47-4DFC-9C10-C4A91E43999E}" type="presParOf" srcId="{AFA980AE-46F6-4705-99D3-BD2F6F19448D}" destId="{D751619F-D147-4F00-A707-30FE0EC70839}" srcOrd="5" destOrd="0" presId="urn:microsoft.com/office/officeart/2005/8/layout/hierarchy6"/>
-    <dgm:cxn modelId="{3F0F3E6E-477E-4620-AA8C-738215036007}" type="presParOf" srcId="{D751619F-D147-4F00-A707-30FE0EC70839}" destId="{4037397F-5207-48DC-BDDE-62634F8E7BCC}" srcOrd="0" destOrd="0" presId="urn:microsoft.com/office/officeart/2005/8/layout/hierarchy6"/>
-    <dgm:cxn modelId="{F15A9EFF-BA73-4B76-9DDE-CC8C98B231DC}" type="presParOf" srcId="{D751619F-D147-4F00-A707-30FE0EC70839}" destId="{C028401B-73EC-4845-9EE0-542223408AF9}" srcOrd="1" destOrd="0" presId="urn:microsoft.com/office/officeart/2005/8/layout/hierarchy6"/>
-    <dgm:cxn modelId="{932F9749-6887-44CD-8FCE-DC81AE00F5FA}" type="presParOf" srcId="{5B3FA25E-7636-40FF-8B40-FDD6A271C5F6}" destId="{C2C2CF53-A957-4B11-9772-199A0BD321DC}" srcOrd="1" destOrd="0" presId="urn:microsoft.com/office/officeart/2005/8/layout/hierarchy6"/>
-    <dgm:cxn modelId="{E242D5D8-B395-46A5-92AB-616C319E1B9E}" type="presParOf" srcId="{C2C2CF53-A957-4B11-9772-199A0BD321DC}" destId="{5E96D95E-94AE-48E2-8736-5E6E8DDB3D36}" srcOrd="0" destOrd="0" presId="urn:microsoft.com/office/officeart/2005/8/layout/hierarchy6"/>
-    <dgm:cxn modelId="{180314F2-CF45-44D1-9A8B-B8A34B91D910}" type="presParOf" srcId="{5E96D95E-94AE-48E2-8736-5E6E8DDB3D36}" destId="{00013FE3-9E03-4ABD-8634-95136BD9B976}" srcOrd="0" destOrd="0" presId="urn:microsoft.com/office/officeart/2005/8/layout/hierarchy6"/>
-    <dgm:cxn modelId="{46D00993-9257-4A6F-98DC-AEBC816109A0}" type="presParOf" srcId="{5E96D95E-94AE-48E2-8736-5E6E8DDB3D36}" destId="{A359CB32-FD74-4851-9450-2FA85503D79A}" srcOrd="1" destOrd="0" presId="urn:microsoft.com/office/officeart/2005/8/layout/hierarchy6"/>
-    <dgm:cxn modelId="{7A92ECE5-7D86-4252-B104-736608CE958F}" type="presParOf" srcId="{C2C2CF53-A957-4B11-9772-199A0BD321DC}" destId="{D278C6F4-0529-4113-B0AF-B779FE828202}" srcOrd="1" destOrd="0" presId="urn:microsoft.com/office/officeart/2005/8/layout/hierarchy6"/>
-    <dgm:cxn modelId="{625B3FED-4DE5-4DD6-A5C6-C18DDD937BBD}" type="presParOf" srcId="{D278C6F4-0529-4113-B0AF-B779FE828202}" destId="{A742DB86-D1C6-4DE1-999C-A77F54CCEF1B}" srcOrd="0" destOrd="0" presId="urn:microsoft.com/office/officeart/2005/8/layout/hierarchy6"/>
-    <dgm:cxn modelId="{DF201419-5540-42A9-896D-6DA0882D6FE9}" type="presParOf" srcId="{C2C2CF53-A957-4B11-9772-199A0BD321DC}" destId="{0B10D0FD-0B23-4A63-886B-194C7B76352C}" srcOrd="2" destOrd="0" presId="urn:microsoft.com/office/officeart/2005/8/layout/hierarchy6"/>
-    <dgm:cxn modelId="{A0E6C563-DF5F-41B6-B1EB-1F98F380BD46}" type="presParOf" srcId="{0B10D0FD-0B23-4A63-886B-194C7B76352C}" destId="{C61F606F-B47E-4079-B576-6BB6204940A6}" srcOrd="0" destOrd="0" presId="urn:microsoft.com/office/officeart/2005/8/layout/hierarchy6"/>
-    <dgm:cxn modelId="{B98D69A4-829F-43EA-A083-28FEBBD73D8D}" type="presParOf" srcId="{0B10D0FD-0B23-4A63-886B-194C7B76352C}" destId="{CF4E21CA-CC73-4165-995C-F0D194F310B6}" srcOrd="1" destOrd="0" presId="urn:microsoft.com/office/officeart/2005/8/layout/hierarchy6"/>
-    <dgm:cxn modelId="{431A38C3-A79B-4472-9252-9CF065A27CE5}" type="presParOf" srcId="{C2C2CF53-A957-4B11-9772-199A0BD321DC}" destId="{5FD0EB76-D35D-4135-B4C7-B36E65BD82B9}" srcOrd="3" destOrd="0" presId="urn:microsoft.com/office/officeart/2005/8/layout/hierarchy6"/>
-    <dgm:cxn modelId="{6DECD1EF-5171-4128-84E3-30B448B5DF5D}" type="presParOf" srcId="{5FD0EB76-D35D-4135-B4C7-B36E65BD82B9}" destId="{5BB3E744-E96A-495C-A6F0-AD1E8D27F6A1}" srcOrd="0" destOrd="0" presId="urn:microsoft.com/office/officeart/2005/8/layout/hierarchy6"/>
-    <dgm:cxn modelId="{40457547-0EEE-4674-9E71-FE2A691B5000}" type="presParOf" srcId="{C2C2CF53-A957-4B11-9772-199A0BD321DC}" destId="{D1006DEC-B547-4894-9E89-13106678C3BC}" srcOrd="4" destOrd="0" presId="urn:microsoft.com/office/officeart/2005/8/layout/hierarchy6"/>
-    <dgm:cxn modelId="{0293843A-D5A8-4682-AC35-986695F6AF3F}" type="presParOf" srcId="{D1006DEC-B547-4894-9E89-13106678C3BC}" destId="{4845A9D5-6564-4487-914B-D1485D7DDD63}" srcOrd="0" destOrd="0" presId="urn:microsoft.com/office/officeart/2005/8/layout/hierarchy6"/>
-    <dgm:cxn modelId="{AA41E015-8878-4F50-8273-49A6AB98B914}" type="presParOf" srcId="{D1006DEC-B547-4894-9E89-13106678C3BC}" destId="{33C0EE81-5720-4FA0-ACAD-B89C78FCB4C0}" srcOrd="1" destOrd="0" presId="urn:microsoft.com/office/officeart/2005/8/layout/hierarchy6"/>
+    <dgm:cxn modelId="{42CEC619-CB39-F348-8FE9-413B931B2C75}" type="presOf" srcId="{3264C905-E5C1-4A9B-9D01-0D70265F6246}" destId="{5532AA10-5880-4269-902B-3B7CF5C0D400}" srcOrd="0" destOrd="0" presId="urn:microsoft.com/office/officeart/2005/8/layout/hierarchy6"/>
+    <dgm:cxn modelId="{855CAFE8-85B9-664B-8A58-6D5A55547E3D}" type="presOf" srcId="{BDE52E20-D3F8-4295-96AD-8A7DBDD6926D}" destId="{20187EFF-9F54-440A-8907-93C3BB961C65}" srcOrd="0" destOrd="0" presId="urn:microsoft.com/office/officeart/2005/8/layout/hierarchy6"/>
+    <dgm:cxn modelId="{A1B1CBFB-EAF1-1F47-B643-0DB67C42159E}" type="presParOf" srcId="{5B3FA25E-7636-40FF-8B40-FDD6A271C5F6}" destId="{D3522506-AA8F-46C8-AAD6-D95C2E038575}" srcOrd="0" destOrd="0" presId="urn:microsoft.com/office/officeart/2005/8/layout/hierarchy6"/>
+    <dgm:cxn modelId="{E3F84EB2-CE99-B049-A87B-E8F9966FB7A3}" type="presParOf" srcId="{D3522506-AA8F-46C8-AAD6-D95C2E038575}" destId="{9B8B4DBD-B8EE-41EC-ACE5-20B9A0EB70A6}" srcOrd="0" destOrd="0" presId="urn:microsoft.com/office/officeart/2005/8/layout/hierarchy6"/>
+    <dgm:cxn modelId="{B36F1A75-869C-0242-BD72-4DC8A106E45E}" type="presParOf" srcId="{9B8B4DBD-B8EE-41EC-ACE5-20B9A0EB70A6}" destId="{C483D252-9426-43E0-8FAB-6712C5B52991}" srcOrd="0" destOrd="0" presId="urn:microsoft.com/office/officeart/2005/8/layout/hierarchy6"/>
+    <dgm:cxn modelId="{8DC4D524-DAC6-8546-A522-608CCDDF99BD}" type="presParOf" srcId="{C483D252-9426-43E0-8FAB-6712C5B52991}" destId="{106846B4-C57C-4B4A-8BDC-EA3A01B8B95F}" srcOrd="0" destOrd="0" presId="urn:microsoft.com/office/officeart/2005/8/layout/hierarchy6"/>
+    <dgm:cxn modelId="{01E179AB-4FE3-DD4F-8EDB-C9B29E03525F}" type="presParOf" srcId="{C483D252-9426-43E0-8FAB-6712C5B52991}" destId="{3079D60D-FF7B-45A3-A68B-3000601A6A14}" srcOrd="1" destOrd="0" presId="urn:microsoft.com/office/officeart/2005/8/layout/hierarchy6"/>
+    <dgm:cxn modelId="{00DC9CFA-63D8-D740-B31F-44D55C9F99C0}" type="presParOf" srcId="{3079D60D-FF7B-45A3-A68B-3000601A6A14}" destId="{AFA13D1E-B68F-4E1C-A8A5-C8CBFB686937}" srcOrd="0" destOrd="0" presId="urn:microsoft.com/office/officeart/2005/8/layout/hierarchy6"/>
+    <dgm:cxn modelId="{9D49AA72-ACA0-8E4F-A6CD-A6EE0D31B6F9}" type="presParOf" srcId="{3079D60D-FF7B-45A3-A68B-3000601A6A14}" destId="{DDDE2EF1-5382-4BAD-A8EC-50740DC23D26}" srcOrd="1" destOrd="0" presId="urn:microsoft.com/office/officeart/2005/8/layout/hierarchy6"/>
+    <dgm:cxn modelId="{35CD4D1A-4751-4A42-BD4A-CBBE96AD8BAE}" type="presParOf" srcId="{DDDE2EF1-5382-4BAD-A8EC-50740DC23D26}" destId="{21353F14-EF15-4F1A-AD9C-52082FDC1EDE}" srcOrd="0" destOrd="0" presId="urn:microsoft.com/office/officeart/2005/8/layout/hierarchy6"/>
+    <dgm:cxn modelId="{3B520808-3924-4A4B-8C4C-42B885D64251}" type="presParOf" srcId="{DDDE2EF1-5382-4BAD-A8EC-50740DC23D26}" destId="{A923347D-2DDF-416C-B9F8-CF7C4B904821}" srcOrd="1" destOrd="0" presId="urn:microsoft.com/office/officeart/2005/8/layout/hierarchy6"/>
+    <dgm:cxn modelId="{59904355-2A71-074B-A4F3-3782F57319E3}" type="presParOf" srcId="{3079D60D-FF7B-45A3-A68B-3000601A6A14}" destId="{4B4C13B4-BD1C-43B8-96A8-3016EDC34C57}" srcOrd="2" destOrd="0" presId="urn:microsoft.com/office/officeart/2005/8/layout/hierarchy6"/>
+    <dgm:cxn modelId="{4249E6A4-CC29-0E42-A47C-6B46FB05B01F}" type="presParOf" srcId="{3079D60D-FF7B-45A3-A68B-3000601A6A14}" destId="{07083BC4-89E6-41D9-B3C6-6249227DD585}" srcOrd="3" destOrd="0" presId="urn:microsoft.com/office/officeart/2005/8/layout/hierarchy6"/>
+    <dgm:cxn modelId="{A9E7FB74-0DDE-B249-9E6D-3E6839DCD3CE}" type="presParOf" srcId="{07083BC4-89E6-41D9-B3C6-6249227DD585}" destId="{8A4DBA3A-9F9F-428E-A158-D57E8800853A}" srcOrd="0" destOrd="0" presId="urn:microsoft.com/office/officeart/2005/8/layout/hierarchy6"/>
+    <dgm:cxn modelId="{FFCA7122-C530-8447-8B5D-841C151F75C5}" type="presParOf" srcId="{07083BC4-89E6-41D9-B3C6-6249227DD585}" destId="{AFA980AE-46F6-4705-99D3-BD2F6F19448D}" srcOrd="1" destOrd="0" presId="urn:microsoft.com/office/officeart/2005/8/layout/hierarchy6"/>
+    <dgm:cxn modelId="{3B208872-E327-DA41-B358-EC3975A98D00}" type="presParOf" srcId="{AFA980AE-46F6-4705-99D3-BD2F6F19448D}" destId="{5532AA10-5880-4269-902B-3B7CF5C0D400}" srcOrd="0" destOrd="0" presId="urn:microsoft.com/office/officeart/2005/8/layout/hierarchy6"/>
+    <dgm:cxn modelId="{730B77EF-800A-9147-922A-536D4877988C}" type="presParOf" srcId="{AFA980AE-46F6-4705-99D3-BD2F6F19448D}" destId="{EECD7F31-5CCC-4501-8E7E-489DDA92DE9D}" srcOrd="1" destOrd="0" presId="urn:microsoft.com/office/officeart/2005/8/layout/hierarchy6"/>
+    <dgm:cxn modelId="{87BC6055-B9AF-8440-BF1B-070B903FCBB6}" type="presParOf" srcId="{EECD7F31-5CCC-4501-8E7E-489DDA92DE9D}" destId="{2C1BBD02-149D-4AEF-8B7C-071D427D6796}" srcOrd="0" destOrd="0" presId="urn:microsoft.com/office/officeart/2005/8/layout/hierarchy6"/>
+    <dgm:cxn modelId="{C2D2AFE4-273D-E743-8E82-541BA944A29D}" type="presParOf" srcId="{EECD7F31-5CCC-4501-8E7E-489DDA92DE9D}" destId="{E194991C-CCA4-43EB-AF06-AC04D062EA54}" srcOrd="1" destOrd="0" presId="urn:microsoft.com/office/officeart/2005/8/layout/hierarchy6"/>
+    <dgm:cxn modelId="{F7601F3E-14C8-384C-9544-A5D4197A8EE1}" type="presParOf" srcId="{AFA980AE-46F6-4705-99D3-BD2F6F19448D}" destId="{75BA6FCF-B20C-4695-AD33-1AC04E6188EF}" srcOrd="2" destOrd="0" presId="urn:microsoft.com/office/officeart/2005/8/layout/hierarchy6"/>
+    <dgm:cxn modelId="{DFC4C641-0538-A349-989D-2CA76C893E66}" type="presParOf" srcId="{AFA980AE-46F6-4705-99D3-BD2F6F19448D}" destId="{A97EAC25-02B1-417B-9BBA-61951002933A}" srcOrd="3" destOrd="0" presId="urn:microsoft.com/office/officeart/2005/8/layout/hierarchy6"/>
+    <dgm:cxn modelId="{5471286D-014F-E14C-95A1-8AE06AAC587E}" type="presParOf" srcId="{A97EAC25-02B1-417B-9BBA-61951002933A}" destId="{D8B091A3-A137-49C1-BBB3-FD15C0D8621B}" srcOrd="0" destOrd="0" presId="urn:microsoft.com/office/officeart/2005/8/layout/hierarchy6"/>
+    <dgm:cxn modelId="{1056AA7B-75BA-5A49-8C2A-0C62BCA211BC}" type="presParOf" srcId="{A97EAC25-02B1-417B-9BBA-61951002933A}" destId="{FFD66E22-B15E-4A5E-901C-1B87A3459F36}" srcOrd="1" destOrd="0" presId="urn:microsoft.com/office/officeart/2005/8/layout/hierarchy6"/>
+    <dgm:cxn modelId="{9F28F2F9-101E-8B4F-AF62-5DF4EF65DD62}" type="presParOf" srcId="{AFA980AE-46F6-4705-99D3-BD2F6F19448D}" destId="{20187EFF-9F54-440A-8907-93C3BB961C65}" srcOrd="4" destOrd="0" presId="urn:microsoft.com/office/officeart/2005/8/layout/hierarchy6"/>
+    <dgm:cxn modelId="{F05CD2DD-BA38-6B45-BC5B-2748F4BED7C2}" type="presParOf" srcId="{AFA980AE-46F6-4705-99D3-BD2F6F19448D}" destId="{D751619F-D147-4F00-A707-30FE0EC70839}" srcOrd="5" destOrd="0" presId="urn:microsoft.com/office/officeart/2005/8/layout/hierarchy6"/>
+    <dgm:cxn modelId="{EBB43909-AF37-DA4C-84DD-25249E9E00A0}" type="presParOf" srcId="{D751619F-D147-4F00-A707-30FE0EC70839}" destId="{4037397F-5207-48DC-BDDE-62634F8E7BCC}" srcOrd="0" destOrd="0" presId="urn:microsoft.com/office/officeart/2005/8/layout/hierarchy6"/>
+    <dgm:cxn modelId="{7ABFFDDA-3967-D948-B04F-D259DAE8F262}" type="presParOf" srcId="{D751619F-D147-4F00-A707-30FE0EC70839}" destId="{C028401B-73EC-4845-9EE0-542223408AF9}" srcOrd="1" destOrd="0" presId="urn:microsoft.com/office/officeart/2005/8/layout/hierarchy6"/>
+    <dgm:cxn modelId="{BF6B7275-5E11-9442-82EC-D08F232B6427}" type="presParOf" srcId="{5B3FA25E-7636-40FF-8B40-FDD6A271C5F6}" destId="{C2C2CF53-A957-4B11-9772-199A0BD321DC}" srcOrd="1" destOrd="0" presId="urn:microsoft.com/office/officeart/2005/8/layout/hierarchy6"/>
   </dgm:cxnLst>
   <dgm:bg/>
   <dgm:whole/>
   <dgm:extLst>
     <a:ext uri="http://schemas.microsoft.com/office/drawing/2008/diagram">
-      <dsp:dataModelExt xmlns:dsp="http://schemas.microsoft.com/office/drawing/2008/diagram" relId="rId6" minVer="http://schemas.openxmlformats.org/drawingml/2006/diagram"/>
+      <dsp:dataModelExt xmlns:dsp="http://schemas.microsoft.com/office/drawing/2008/diagram" relId="rId7" minVer="http://schemas.openxmlformats.org/drawingml/2006/diagram"/>
     </a:ext>
   </dgm:extLst>
 </dgm:dataModel>
@@ -1493,207 +1394,6 @@
       <dsp:cNvGrpSpPr/>
     </dsp:nvGrpSpPr>
     <dsp:grpSpPr/>
-    <dsp:sp modelId="{4845A9D5-6564-4487-914B-D1485D7DDD63}">
-      <dsp:nvSpPr>
-        <dsp:cNvPr id="0" name=""/>
-        <dsp:cNvSpPr/>
-      </dsp:nvSpPr>
-      <dsp:spPr>
-        <a:xfrm>
-          <a:off x="0" y="3046033"/>
-          <a:ext cx="10515600" cy="1303949"/>
-        </a:xfrm>
-        <a:prstGeom prst="roundRect">
-          <a:avLst>
-            <a:gd name="adj" fmla="val 10000"/>
-          </a:avLst>
-        </a:prstGeom>
-        <a:solidFill>
-          <a:schemeClr val="accent1">
-            <a:tint val="40000"/>
-            <a:hueOff val="0"/>
-            <a:satOff val="0"/>
-            <a:lumOff val="0"/>
-            <a:alphaOff val="0"/>
-          </a:schemeClr>
-        </a:solidFill>
-        <a:ln>
-          <a:noFill/>
-        </a:ln>
-        <a:effectLst/>
-      </dsp:spPr>
-      <dsp:style>
-        <a:lnRef idx="0">
-          <a:scrgbClr r="0" g="0" b="0"/>
-        </a:lnRef>
-        <a:fillRef idx="1">
-          <a:scrgbClr r="0" g="0" b="0"/>
-        </a:fillRef>
-        <a:effectRef idx="0">
-          <a:scrgbClr r="0" g="0" b="0"/>
-        </a:effectRef>
-        <a:fontRef idx="minor"/>
-      </dsp:style>
-      <dsp:txBody>
-        <a:bodyPr spcFirstLastPara="0" vert="horz" wrap="square" lIns="327152" tIns="327152" rIns="327152" bIns="327152" numCol="1" spcCol="1270" anchor="ctr" anchorCtr="0">
-          <a:noAutofit/>
-        </a:bodyPr>
-        <a:lstStyle/>
-        <a:p>
-          <a:pPr marL="0" lvl="0" indent="0" algn="ctr" defTabSz="2044700">
-            <a:lnSpc>
-              <a:spcPct val="90000"/>
-            </a:lnSpc>
-            <a:spcBef>
-              <a:spcPct val="0"/>
-            </a:spcBef>
-            <a:spcAft>
-              <a:spcPct val="35000"/>
-            </a:spcAft>
-            <a:buNone/>
-          </a:pPr>
-          <a:endParaRPr lang="en-US" sz="4600" kern="1200"/>
-        </a:p>
-      </dsp:txBody>
-      <dsp:txXfrm>
-        <a:off x="0" y="3046033"/>
-        <a:ext cx="3154680" cy="1303949"/>
-      </dsp:txXfrm>
-    </dsp:sp>
-    <dsp:sp modelId="{C61F606F-B47E-4079-B576-6BB6204940A6}">
-      <dsp:nvSpPr>
-        <dsp:cNvPr id="0" name=""/>
-        <dsp:cNvSpPr/>
-      </dsp:nvSpPr>
-      <dsp:spPr>
-        <a:xfrm>
-          <a:off x="0" y="1523694"/>
-          <a:ext cx="10515600" cy="1303949"/>
-        </a:xfrm>
-        <a:prstGeom prst="roundRect">
-          <a:avLst>
-            <a:gd name="adj" fmla="val 10000"/>
-          </a:avLst>
-        </a:prstGeom>
-        <a:solidFill>
-          <a:schemeClr val="accent1">
-            <a:tint val="40000"/>
-            <a:hueOff val="0"/>
-            <a:satOff val="0"/>
-            <a:lumOff val="0"/>
-            <a:alphaOff val="0"/>
-          </a:schemeClr>
-        </a:solidFill>
-        <a:ln>
-          <a:noFill/>
-        </a:ln>
-        <a:effectLst/>
-      </dsp:spPr>
-      <dsp:style>
-        <a:lnRef idx="0">
-          <a:scrgbClr r="0" g="0" b="0"/>
-        </a:lnRef>
-        <a:fillRef idx="1">
-          <a:scrgbClr r="0" g="0" b="0"/>
-        </a:fillRef>
-        <a:effectRef idx="0">
-          <a:scrgbClr r="0" g="0" b="0"/>
-        </a:effectRef>
-        <a:fontRef idx="minor"/>
-      </dsp:style>
-      <dsp:txBody>
-        <a:bodyPr spcFirstLastPara="0" vert="horz" wrap="square" lIns="327152" tIns="327152" rIns="327152" bIns="327152" numCol="1" spcCol="1270" anchor="ctr" anchorCtr="0">
-          <a:noAutofit/>
-        </a:bodyPr>
-        <a:lstStyle/>
-        <a:p>
-          <a:pPr marL="0" lvl="0" indent="0" algn="ctr" defTabSz="2044700">
-            <a:lnSpc>
-              <a:spcPct val="90000"/>
-            </a:lnSpc>
-            <a:spcBef>
-              <a:spcPct val="0"/>
-            </a:spcBef>
-            <a:spcAft>
-              <a:spcPct val="35000"/>
-            </a:spcAft>
-            <a:buNone/>
-          </a:pPr>
-          <a:endParaRPr lang="en-US" sz="4600" kern="1200"/>
-        </a:p>
-      </dsp:txBody>
-      <dsp:txXfrm>
-        <a:off x="0" y="1523694"/>
-        <a:ext cx="3154680" cy="1303949"/>
-      </dsp:txXfrm>
-    </dsp:sp>
-    <dsp:sp modelId="{00013FE3-9E03-4ABD-8634-95136BD9B976}">
-      <dsp:nvSpPr>
-        <dsp:cNvPr id="0" name=""/>
-        <dsp:cNvSpPr/>
-      </dsp:nvSpPr>
-      <dsp:spPr>
-        <a:xfrm>
-          <a:off x="0" y="1354"/>
-          <a:ext cx="10515600" cy="1303949"/>
-        </a:xfrm>
-        <a:prstGeom prst="roundRect">
-          <a:avLst>
-            <a:gd name="adj" fmla="val 10000"/>
-          </a:avLst>
-        </a:prstGeom>
-        <a:solidFill>
-          <a:schemeClr val="accent1">
-            <a:tint val="40000"/>
-            <a:hueOff val="0"/>
-            <a:satOff val="0"/>
-            <a:lumOff val="0"/>
-            <a:alphaOff val="0"/>
-          </a:schemeClr>
-        </a:solidFill>
-        <a:ln>
-          <a:noFill/>
-        </a:ln>
-        <a:effectLst/>
-      </dsp:spPr>
-      <dsp:style>
-        <a:lnRef idx="0">
-          <a:scrgbClr r="0" g="0" b="0"/>
-        </a:lnRef>
-        <a:fillRef idx="1">
-          <a:scrgbClr r="0" g="0" b="0"/>
-        </a:fillRef>
-        <a:effectRef idx="0">
-          <a:scrgbClr r="0" g="0" b="0"/>
-        </a:effectRef>
-        <a:fontRef idx="minor"/>
-      </dsp:style>
-      <dsp:txBody>
-        <a:bodyPr spcFirstLastPara="0" vert="horz" wrap="square" lIns="327152" tIns="327152" rIns="327152" bIns="327152" numCol="1" spcCol="1270" anchor="ctr" anchorCtr="0">
-          <a:noAutofit/>
-        </a:bodyPr>
-        <a:lstStyle/>
-        <a:p>
-          <a:pPr marL="0" lvl="0" indent="0" algn="ctr" defTabSz="2044700">
-            <a:lnSpc>
-              <a:spcPct val="90000"/>
-            </a:lnSpc>
-            <a:spcBef>
-              <a:spcPct val="0"/>
-            </a:spcBef>
-            <a:spcAft>
-              <a:spcPct val="35000"/>
-            </a:spcAft>
-            <a:buNone/>
-          </a:pPr>
-          <a:endParaRPr lang="en-US" sz="4600" kern="1200"/>
-        </a:p>
-      </dsp:txBody>
-      <dsp:txXfrm>
-        <a:off x="0" y="1354"/>
-        <a:ext cx="3154680" cy="1303949"/>
-      </dsp:txXfrm>
-    </dsp:sp>
     <dsp:sp modelId="{106846B4-C57C-4B4A-8BDC-EA3A01B8B95F}">
       <dsp:nvSpPr>
         <dsp:cNvPr id="0" name=""/>
@@ -1701,8 +1401,8 @@
       </dsp:nvSpPr>
       <dsp:spPr>
         <a:xfrm>
-          <a:off x="4846366" y="110550"/>
-          <a:ext cx="1637927" cy="1091951"/>
+          <a:off x="4240932" y="21658"/>
+          <a:ext cx="1725215" cy="1150143"/>
         </a:xfrm>
         <a:prstGeom prst="roundRect">
           <a:avLst>
@@ -1717,7 +1417,7 @@
             <a:alphaOff val="0"/>
           </a:schemeClr>
         </a:solidFill>
-        <a:ln w="12700" cap="flat" cmpd="sng" algn="ctr">
+        <a:ln w="25400" cap="flat" cmpd="sng" algn="ctr">
           <a:solidFill>
             <a:schemeClr val="lt1">
               <a:hueOff val="0"/>
@@ -1727,7 +1427,6 @@
             </a:schemeClr>
           </a:solidFill>
           <a:prstDash val="solid"/>
-          <a:miter lim="800000"/>
         </a:ln>
         <a:effectLst/>
       </dsp:spPr>
@@ -1746,12 +1445,12 @@
         </a:fontRef>
       </dsp:style>
       <dsp:txBody>
-        <a:bodyPr spcFirstLastPara="0" vert="horz" wrap="square" lIns="83820" tIns="83820" rIns="83820" bIns="83820" numCol="1" spcCol="1270" anchor="ctr" anchorCtr="0">
+        <a:bodyPr spcFirstLastPara="0" vert="horz" wrap="square" lIns="76200" tIns="76200" rIns="76200" bIns="76200" numCol="1" spcCol="1270" anchor="ctr" anchorCtr="0">
           <a:noAutofit/>
         </a:bodyPr>
         <a:lstStyle/>
         <a:p>
-          <a:pPr marL="0" lvl="0" indent="0" algn="ctr" defTabSz="977900">
+          <a:pPr lvl="0" algn="ctr" defTabSz="889000">
             <a:lnSpc>
               <a:spcPct val="90000"/>
             </a:lnSpc>
@@ -1761,17 +1460,17 @@
             <a:spcAft>
               <a:spcPct val="35000"/>
             </a:spcAft>
-            <a:buNone/>
           </a:pPr>
           <a:r>
-            <a:rPr lang="en-US" sz="2200" kern="1200" dirty="0"/>
-            <a:t>Home</a:t>
+            <a:rPr lang="en-US" sz="2000" kern="1200" dirty="0" smtClean="0"/>
+            <a:t>Home/User Login</a:t>
           </a:r>
+          <a:endParaRPr lang="en-US" sz="2000" kern="1200" dirty="0"/>
         </a:p>
       </dsp:txBody>
       <dsp:txXfrm>
-        <a:off x="4878348" y="142532"/>
-        <a:ext cx="1573963" cy="1027987"/>
+        <a:off x="4274619" y="55345"/>
+        <a:ext cx="1657841" cy="1082769"/>
       </dsp:txXfrm>
     </dsp:sp>
     <dsp:sp modelId="{AFA13D1E-B68F-4E1C-A8A5-C8CBFB686937}">
@@ -1781,8 +1480,8 @@
       </dsp:nvSpPr>
       <dsp:spPr>
         <a:xfrm>
-          <a:off x="4600677" y="1202501"/>
-          <a:ext cx="1064653" cy="436780"/>
+          <a:off x="3124200" y="1171802"/>
+          <a:ext cx="1979339" cy="318980"/>
         </a:xfrm>
         <a:custGeom>
           <a:avLst/>
@@ -1793,22 +1492,22 @@
           <a:pathLst>
             <a:path>
               <a:moveTo>
-                <a:pt x="1064653" y="0"/>
+                <a:pt x="1979339" y="0"/>
               </a:moveTo>
               <a:lnTo>
-                <a:pt x="1064653" y="218390"/>
+                <a:pt x="1979339" y="159490"/>
               </a:lnTo>
               <a:lnTo>
-                <a:pt x="0" y="218390"/>
+                <a:pt x="0" y="159490"/>
               </a:lnTo>
               <a:lnTo>
-                <a:pt x="0" y="436780"/>
+                <a:pt x="0" y="318980"/>
               </a:lnTo>
             </a:path>
           </a:pathLst>
         </a:custGeom>
         <a:noFill/>
-        <a:ln w="12700" cap="flat" cmpd="sng" algn="ctr">
+        <a:ln w="25400" cap="flat" cmpd="sng" algn="ctr">
           <a:solidFill>
             <a:schemeClr val="accent1">
               <a:shade val="60000"/>
@@ -1819,7 +1518,6 @@
             </a:schemeClr>
           </a:solidFill>
           <a:prstDash val="solid"/>
-          <a:miter lim="800000"/>
         </a:ln>
         <a:effectLst/>
       </dsp:spPr>
@@ -1843,8 +1541,8 @@
       </dsp:nvSpPr>
       <dsp:spPr>
         <a:xfrm>
-          <a:off x="3781713" y="1639282"/>
-          <a:ext cx="1637927" cy="1091951"/>
+          <a:off x="2261592" y="1490783"/>
+          <a:ext cx="1725215" cy="1150143"/>
         </a:xfrm>
         <a:prstGeom prst="roundRect">
           <a:avLst>
@@ -1859,7 +1557,7 @@
             <a:alphaOff val="0"/>
           </a:schemeClr>
         </a:solidFill>
-        <a:ln w="12700" cap="flat" cmpd="sng" algn="ctr">
+        <a:ln w="25400" cap="flat" cmpd="sng" algn="ctr">
           <a:solidFill>
             <a:schemeClr val="lt1">
               <a:hueOff val="0"/>
@@ -1869,7 +1567,6 @@
             </a:schemeClr>
           </a:solidFill>
           <a:prstDash val="solid"/>
-          <a:miter lim="800000"/>
         </a:ln>
         <a:effectLst/>
       </dsp:spPr>
@@ -1888,12 +1585,12 @@
         </a:fontRef>
       </dsp:style>
       <dsp:txBody>
-        <a:bodyPr spcFirstLastPara="0" vert="horz" wrap="square" lIns="83820" tIns="83820" rIns="83820" bIns="83820" numCol="1" spcCol="1270" anchor="ctr" anchorCtr="0">
+        <a:bodyPr spcFirstLastPara="0" vert="horz" wrap="square" lIns="76200" tIns="76200" rIns="76200" bIns="76200" numCol="1" spcCol="1270" anchor="ctr" anchorCtr="0">
           <a:noAutofit/>
         </a:bodyPr>
         <a:lstStyle/>
         <a:p>
-          <a:pPr marL="0" lvl="0" indent="0" algn="ctr" defTabSz="977900">
+          <a:pPr lvl="0" algn="ctr" defTabSz="889000">
             <a:lnSpc>
               <a:spcPct val="90000"/>
             </a:lnSpc>
@@ -1903,17 +1600,16 @@
             <a:spcAft>
               <a:spcPct val="35000"/>
             </a:spcAft>
-            <a:buNone/>
           </a:pPr>
           <a:r>
-            <a:rPr lang="en-US" sz="2200" kern="1200" dirty="0"/>
+            <a:rPr lang="en-US" sz="2000" kern="1200" dirty="0"/>
             <a:t>Registration</a:t>
           </a:r>
         </a:p>
       </dsp:txBody>
       <dsp:txXfrm>
-        <a:off x="3813695" y="1671264"/>
-        <a:ext cx="1573963" cy="1027987"/>
+        <a:off x="2295279" y="1524470"/>
+        <a:ext cx="1657841" cy="1082769"/>
       </dsp:txXfrm>
     </dsp:sp>
     <dsp:sp modelId="{4B4C13B4-BD1C-43B8-96A8-3016EDC34C57}">
@@ -1923,8 +1619,8 @@
       </dsp:nvSpPr>
       <dsp:spPr>
         <a:xfrm>
-          <a:off x="5665330" y="1202501"/>
-          <a:ext cx="1064653" cy="436780"/>
+          <a:off x="5103540" y="1171802"/>
+          <a:ext cx="2015862" cy="339119"/>
         </a:xfrm>
         <a:custGeom>
           <a:avLst/>
@@ -1938,19 +1634,19 @@
                 <a:pt x="0" y="0"/>
               </a:moveTo>
               <a:lnTo>
-                <a:pt x="0" y="218390"/>
+                <a:pt x="0" y="169559"/>
               </a:lnTo>
               <a:lnTo>
-                <a:pt x="1064653" y="218390"/>
+                <a:pt x="2015862" y="169559"/>
               </a:lnTo>
               <a:lnTo>
-                <a:pt x="1064653" y="436780"/>
+                <a:pt x="2015862" y="339119"/>
               </a:lnTo>
             </a:path>
           </a:pathLst>
         </a:custGeom>
         <a:noFill/>
-        <a:ln w="12700" cap="flat" cmpd="sng" algn="ctr">
+        <a:ln w="25400" cap="flat" cmpd="sng" algn="ctr">
           <a:solidFill>
             <a:schemeClr val="accent1">
               <a:shade val="60000"/>
@@ -1961,7 +1657,6 @@
             </a:schemeClr>
           </a:solidFill>
           <a:prstDash val="solid"/>
-          <a:miter lim="800000"/>
         </a:ln>
         <a:effectLst/>
       </dsp:spPr>
@@ -1985,8 +1680,8 @@
       </dsp:nvSpPr>
       <dsp:spPr>
         <a:xfrm>
-          <a:off x="5911020" y="1639282"/>
-          <a:ext cx="1637927" cy="1091951"/>
+          <a:off x="6256795" y="1510922"/>
+          <a:ext cx="1725215" cy="1150143"/>
         </a:xfrm>
         <a:prstGeom prst="roundRect">
           <a:avLst>
@@ -2001,7 +1696,7 @@
             <a:alphaOff val="0"/>
           </a:schemeClr>
         </a:solidFill>
-        <a:ln w="12700" cap="flat" cmpd="sng" algn="ctr">
+        <a:ln w="25400" cap="flat" cmpd="sng" algn="ctr">
           <a:solidFill>
             <a:schemeClr val="lt1">
               <a:hueOff val="0"/>
@@ -2011,7 +1706,6 @@
             </a:schemeClr>
           </a:solidFill>
           <a:prstDash val="solid"/>
-          <a:miter lim="800000"/>
         </a:ln>
         <a:effectLst/>
       </dsp:spPr>
@@ -2030,12 +1724,12 @@
         </a:fontRef>
       </dsp:style>
       <dsp:txBody>
-        <a:bodyPr spcFirstLastPara="0" vert="horz" wrap="square" lIns="83820" tIns="83820" rIns="83820" bIns="83820" numCol="1" spcCol="1270" anchor="ctr" anchorCtr="0">
+        <a:bodyPr spcFirstLastPara="0" vert="horz" wrap="square" lIns="76200" tIns="76200" rIns="76200" bIns="76200" numCol="1" spcCol="1270" anchor="ctr" anchorCtr="0">
           <a:noAutofit/>
         </a:bodyPr>
         <a:lstStyle/>
         <a:p>
-          <a:pPr marL="0" lvl="0" indent="0" algn="ctr" defTabSz="977900">
+          <a:pPr lvl="0" algn="ctr" defTabSz="889000">
             <a:lnSpc>
               <a:spcPct val="90000"/>
             </a:lnSpc>
@@ -2045,17 +1739,16 @@
             <a:spcAft>
               <a:spcPct val="35000"/>
             </a:spcAft>
-            <a:buNone/>
           </a:pPr>
           <a:r>
-            <a:rPr lang="en-US" sz="2200" kern="1200" dirty="0"/>
+            <a:rPr lang="en-US" sz="2000" kern="1200" dirty="0"/>
             <a:t>Resources</a:t>
           </a:r>
         </a:p>
       </dsp:txBody>
       <dsp:txXfrm>
-        <a:off x="5943002" y="1671264"/>
-        <a:ext cx="1573963" cy="1027987"/>
+        <a:off x="6290482" y="1544609"/>
+        <a:ext cx="1657841" cy="1082769"/>
       </dsp:txXfrm>
     </dsp:sp>
     <dsp:sp modelId="{5532AA10-5880-4269-902B-3B7CF5C0D400}">
@@ -2065,8 +1758,8 @@
       </dsp:nvSpPr>
       <dsp:spPr>
         <a:xfrm>
-          <a:off x="4600677" y="2731234"/>
-          <a:ext cx="2129306" cy="436780"/>
+          <a:off x="3243619" y="2661066"/>
+          <a:ext cx="3875783" cy="560844"/>
         </a:xfrm>
         <a:custGeom>
           <a:avLst/>
@@ -2077,22 +1770,22 @@
           <a:pathLst>
             <a:path>
               <a:moveTo>
-                <a:pt x="2129306" y="0"/>
+                <a:pt x="3875783" y="0"/>
               </a:moveTo>
               <a:lnTo>
-                <a:pt x="2129306" y="218390"/>
+                <a:pt x="3875783" y="280422"/>
               </a:lnTo>
               <a:lnTo>
-                <a:pt x="0" y="218390"/>
+                <a:pt x="0" y="280422"/>
               </a:lnTo>
               <a:lnTo>
-                <a:pt x="0" y="436780"/>
+                <a:pt x="0" y="560844"/>
               </a:lnTo>
             </a:path>
           </a:pathLst>
         </a:custGeom>
         <a:noFill/>
-        <a:ln w="12700" cap="flat" cmpd="sng" algn="ctr">
+        <a:ln w="25400" cap="flat" cmpd="sng" algn="ctr">
           <a:solidFill>
             <a:schemeClr val="accent1">
               <a:shade val="80000"/>
@@ -2103,7 +1796,6 @@
             </a:schemeClr>
           </a:solidFill>
           <a:prstDash val="solid"/>
-          <a:miter lim="800000"/>
         </a:ln>
         <a:effectLst/>
       </dsp:spPr>
@@ -2127,8 +1819,8 @@
       </dsp:nvSpPr>
       <dsp:spPr>
         <a:xfrm>
-          <a:off x="3781713" y="3168015"/>
-          <a:ext cx="1637927" cy="1091951"/>
+          <a:off x="2381011" y="3221910"/>
+          <a:ext cx="1725215" cy="1150143"/>
         </a:xfrm>
         <a:prstGeom prst="roundRect">
           <a:avLst>
@@ -2143,7 +1835,7 @@
             <a:alphaOff val="0"/>
           </a:schemeClr>
         </a:solidFill>
-        <a:ln w="12700" cap="flat" cmpd="sng" algn="ctr">
+        <a:ln w="25400" cap="flat" cmpd="sng" algn="ctr">
           <a:solidFill>
             <a:schemeClr val="lt1">
               <a:hueOff val="0"/>
@@ -2153,7 +1845,6 @@
             </a:schemeClr>
           </a:solidFill>
           <a:prstDash val="solid"/>
-          <a:miter lim="800000"/>
         </a:ln>
         <a:effectLst/>
       </dsp:spPr>
@@ -2172,12 +1863,12 @@
         </a:fontRef>
       </dsp:style>
       <dsp:txBody>
-        <a:bodyPr spcFirstLastPara="0" vert="horz" wrap="square" lIns="83820" tIns="83820" rIns="83820" bIns="83820" numCol="1" spcCol="1270" anchor="ctr" anchorCtr="0">
+        <a:bodyPr spcFirstLastPara="0" vert="horz" wrap="square" lIns="76200" tIns="76200" rIns="76200" bIns="76200" numCol="1" spcCol="1270" anchor="ctr" anchorCtr="0">
           <a:noAutofit/>
         </a:bodyPr>
         <a:lstStyle/>
         <a:p>
-          <a:pPr marL="0" lvl="0" indent="0" algn="ctr" defTabSz="977900">
+          <a:pPr lvl="0" algn="ctr" defTabSz="889000">
             <a:lnSpc>
               <a:spcPct val="90000"/>
             </a:lnSpc>
@@ -2187,17 +1878,16 @@
             <a:spcAft>
               <a:spcPct val="35000"/>
             </a:spcAft>
-            <a:buNone/>
           </a:pPr>
           <a:r>
-            <a:rPr lang="en-US" sz="2200" kern="1200" dirty="0"/>
+            <a:rPr lang="en-US" sz="2000" kern="1200" dirty="0"/>
             <a:t>View Members</a:t>
           </a:r>
         </a:p>
       </dsp:txBody>
       <dsp:txXfrm>
-        <a:off x="3813695" y="3199997"/>
-        <a:ext cx="1573963" cy="1027987"/>
+        <a:off x="2414698" y="3255597"/>
+        <a:ext cx="1657841" cy="1082769"/>
       </dsp:txXfrm>
     </dsp:sp>
     <dsp:sp modelId="{75BA6FCF-B20C-4695-AD33-1AC04E6188EF}">
@@ -2207,8 +1897,8 @@
       </dsp:nvSpPr>
       <dsp:spPr>
         <a:xfrm>
-          <a:off x="6684264" y="2731234"/>
-          <a:ext cx="91440" cy="436780"/>
+          <a:off x="5748477" y="2661066"/>
+          <a:ext cx="1370925" cy="560844"/>
         </a:xfrm>
         <a:custGeom>
           <a:avLst/>
@@ -2219,16 +1909,22 @@
           <a:pathLst>
             <a:path>
               <a:moveTo>
-                <a:pt x="45720" y="0"/>
+                <a:pt x="1370925" y="0"/>
               </a:moveTo>
               <a:lnTo>
-                <a:pt x="45720" y="436780"/>
+                <a:pt x="1370925" y="280422"/>
+              </a:lnTo>
+              <a:lnTo>
+                <a:pt x="0" y="280422"/>
+              </a:lnTo>
+              <a:lnTo>
+                <a:pt x="0" y="560844"/>
               </a:lnTo>
             </a:path>
           </a:pathLst>
         </a:custGeom>
         <a:noFill/>
-        <a:ln w="12700" cap="flat" cmpd="sng" algn="ctr">
+        <a:ln w="25400" cap="flat" cmpd="sng" algn="ctr">
           <a:solidFill>
             <a:schemeClr val="accent1">
               <a:shade val="80000"/>
@@ -2239,7 +1935,6 @@
             </a:schemeClr>
           </a:solidFill>
           <a:prstDash val="solid"/>
-          <a:miter lim="800000"/>
         </a:ln>
         <a:effectLst/>
       </dsp:spPr>
@@ -2263,8 +1958,8 @@
       </dsp:nvSpPr>
       <dsp:spPr>
         <a:xfrm>
-          <a:off x="5911020" y="3168015"/>
-          <a:ext cx="1637927" cy="1091951"/>
+          <a:off x="4885869" y="3221910"/>
+          <a:ext cx="1725215" cy="1150143"/>
         </a:xfrm>
         <a:prstGeom prst="roundRect">
           <a:avLst>
@@ -2279,7 +1974,7 @@
             <a:alphaOff val="0"/>
           </a:schemeClr>
         </a:solidFill>
-        <a:ln w="12700" cap="flat" cmpd="sng" algn="ctr">
+        <a:ln w="25400" cap="flat" cmpd="sng" algn="ctr">
           <a:solidFill>
             <a:schemeClr val="lt1">
               <a:hueOff val="0"/>
@@ -2289,7 +1984,6 @@
             </a:schemeClr>
           </a:solidFill>
           <a:prstDash val="solid"/>
-          <a:miter lim="800000"/>
         </a:ln>
         <a:effectLst/>
       </dsp:spPr>
@@ -2308,12 +2002,12 @@
         </a:fontRef>
       </dsp:style>
       <dsp:txBody>
-        <a:bodyPr spcFirstLastPara="0" vert="horz" wrap="square" lIns="83820" tIns="83820" rIns="83820" bIns="83820" numCol="1" spcCol="1270" anchor="ctr" anchorCtr="0">
+        <a:bodyPr spcFirstLastPara="0" vert="horz" wrap="square" lIns="76200" tIns="76200" rIns="76200" bIns="76200" numCol="1" spcCol="1270" anchor="ctr" anchorCtr="0">
           <a:noAutofit/>
         </a:bodyPr>
         <a:lstStyle/>
         <a:p>
-          <a:pPr marL="0" lvl="0" indent="0" algn="ctr" defTabSz="977900">
+          <a:pPr lvl="0" algn="ctr" defTabSz="889000">
             <a:lnSpc>
               <a:spcPct val="90000"/>
             </a:lnSpc>
@@ -2323,16 +2017,15 @@
             <a:spcAft>
               <a:spcPct val="35000"/>
             </a:spcAft>
-            <a:buNone/>
           </a:pPr>
           <a:r>
-            <a:rPr lang="en-US" sz="2200" kern="1200" dirty="0" err="1"/>
+            <a:rPr lang="en-US" sz="2000" kern="1200" dirty="0" err="1"/>
             <a:t>MeetUp</a:t>
           </a:r>
-          <a:endParaRPr lang="en-US" sz="2200" kern="1200" dirty="0"/>
+          <a:endParaRPr lang="en-US" sz="2000" kern="1200" dirty="0"/>
         </a:p>
         <a:p>
-          <a:pPr marL="0" lvl="0" indent="0" algn="ctr" defTabSz="977900">
+          <a:pPr lvl="0" algn="ctr" defTabSz="889000">
             <a:lnSpc>
               <a:spcPct val="90000"/>
             </a:lnSpc>
@@ -2342,17 +2035,16 @@
             <a:spcAft>
               <a:spcPct val="35000"/>
             </a:spcAft>
-            <a:buNone/>
           </a:pPr>
           <a:r>
-            <a:rPr lang="en-US" sz="2200" kern="1200" dirty="0"/>
+            <a:rPr lang="en-US" sz="2000" kern="1200" dirty="0"/>
             <a:t>Groups</a:t>
           </a:r>
         </a:p>
       </dsp:txBody>
       <dsp:txXfrm>
-        <a:off x="5943002" y="3199997"/>
-        <a:ext cx="1573963" cy="1027987"/>
+        <a:off x="4919556" y="3255597"/>
+        <a:ext cx="1657841" cy="1082769"/>
       </dsp:txXfrm>
     </dsp:sp>
     <dsp:sp modelId="{20187EFF-9F54-440A-8907-93C3BB961C65}">
@@ -2362,8 +2054,8 @@
       </dsp:nvSpPr>
       <dsp:spPr>
         <a:xfrm>
-          <a:off x="6729984" y="2731234"/>
-          <a:ext cx="2129306" cy="436780"/>
+          <a:off x="7119402" y="2661066"/>
+          <a:ext cx="1436345" cy="562352"/>
         </a:xfrm>
         <a:custGeom>
           <a:avLst/>
@@ -2377,19 +2069,19 @@
                 <a:pt x="0" y="0"/>
               </a:moveTo>
               <a:lnTo>
-                <a:pt x="0" y="218390"/>
+                <a:pt x="0" y="281176"/>
               </a:lnTo>
               <a:lnTo>
-                <a:pt x="2129306" y="218390"/>
+                <a:pt x="1436345" y="281176"/>
               </a:lnTo>
               <a:lnTo>
-                <a:pt x="2129306" y="436780"/>
+                <a:pt x="1436345" y="562352"/>
               </a:lnTo>
             </a:path>
           </a:pathLst>
         </a:custGeom>
         <a:noFill/>
-        <a:ln w="12700" cap="flat" cmpd="sng" algn="ctr">
+        <a:ln w="25400" cap="flat" cmpd="sng" algn="ctr">
           <a:solidFill>
             <a:schemeClr val="accent1">
               <a:shade val="80000"/>
@@ -2400,7 +2092,6 @@
             </a:schemeClr>
           </a:solidFill>
           <a:prstDash val="solid"/>
-          <a:miter lim="800000"/>
         </a:ln>
         <a:effectLst/>
       </dsp:spPr>
@@ -2424,8 +2115,8 @@
       </dsp:nvSpPr>
       <dsp:spPr>
         <a:xfrm>
-          <a:off x="8040326" y="3168015"/>
-          <a:ext cx="1637927" cy="1091951"/>
+          <a:off x="7693140" y="3223419"/>
+          <a:ext cx="1725215" cy="1150143"/>
         </a:xfrm>
         <a:prstGeom prst="roundRect">
           <a:avLst>
@@ -2440,7 +2131,7 @@
             <a:alphaOff val="0"/>
           </a:schemeClr>
         </a:solidFill>
-        <a:ln w="12700" cap="flat" cmpd="sng" algn="ctr">
+        <a:ln w="25400" cap="flat" cmpd="sng" algn="ctr">
           <a:solidFill>
             <a:schemeClr val="lt1">
               <a:hueOff val="0"/>
@@ -2450,7 +2141,6 @@
             </a:schemeClr>
           </a:solidFill>
           <a:prstDash val="solid"/>
-          <a:miter lim="800000"/>
         </a:ln>
         <a:effectLst/>
       </dsp:spPr>
@@ -2469,12 +2159,12 @@
         </a:fontRef>
       </dsp:style>
       <dsp:txBody>
-        <a:bodyPr spcFirstLastPara="0" vert="horz" wrap="square" lIns="83820" tIns="83820" rIns="83820" bIns="83820" numCol="1" spcCol="1270" anchor="ctr" anchorCtr="0">
+        <a:bodyPr spcFirstLastPara="0" vert="horz" wrap="square" lIns="76200" tIns="76200" rIns="76200" bIns="76200" numCol="1" spcCol="1270" anchor="ctr" anchorCtr="0">
           <a:noAutofit/>
         </a:bodyPr>
         <a:lstStyle/>
         <a:p>
-          <a:pPr marL="0" lvl="0" indent="0" algn="ctr" defTabSz="977900">
+          <a:pPr lvl="0" algn="ctr" defTabSz="889000">
             <a:lnSpc>
               <a:spcPct val="90000"/>
             </a:lnSpc>
@@ -2484,17 +2174,21 @@
             <a:spcAft>
               <a:spcPct val="35000"/>
             </a:spcAft>
-            <a:buNone/>
           </a:pPr>
           <a:r>
-            <a:rPr lang="en-US" sz="2200" kern="1200" dirty="0"/>
-            <a:t>Top Rated Parks</a:t>
+            <a:rPr lang="en-US" sz="2000" kern="1200" dirty="0"/>
+            <a:t>Top Rated </a:t>
           </a:r>
+          <a:r>
+            <a:rPr lang="en-US" sz="2000" kern="1200" dirty="0" smtClean="0"/>
+            <a:t>Parks</a:t>
+          </a:r>
+          <a:endParaRPr lang="en-US" sz="2000" kern="1200" dirty="0"/>
         </a:p>
       </dsp:txBody>
       <dsp:txXfrm>
-        <a:off x="8072308" y="3199997"/>
-        <a:ext cx="1573963" cy="1027987"/>
+        <a:off x="7726827" y="3257106"/>
+        <a:ext cx="1657841" cy="1082769"/>
       </dsp:txXfrm>
     </dsp:sp>
   </dsp:spTree>
@@ -4128,7 +3822,7 @@
           <a:p>
             <a:fld id="{C2847E39-3363-4701-A48C-E1ED25F21718}" type="datetimeFigureOut">
               <a:rPr lang="en-US" smtClean="0"/>
-              <a:t>7/5/2017</a:t>
+              <a:t>7/6/17</a:t>
             </a:fld>
             <a:endParaRPr lang="en-US"/>
           </a:p>
@@ -4439,39 +4133,6 @@
           <a:bodyPr/>
           <a:lstStyle/>
           <a:p>
-            <a:pPr marL="171450" indent="-171450">
-              <a:buFont typeface="Arial" panose="020B0604020202020204" pitchFamily="34" charset="0"/>
-              <a:buChar char="•"/>
-            </a:pPr>
-            <a:r>
-              <a:rPr lang="en-US" dirty="0"/>
-              <a:t>Becoming a parent can be exiting and terrifying at the same time.  One of the best ways to navigate this experience is to find other new moms that you can share ideas, challenges, and allow your children to interact. </a:t>
-            </a:r>
-          </a:p>
-          <a:p>
-            <a:pPr marL="171450" marR="0" lvl="0" indent="-171450" algn="l" defTabSz="914400" rtl="0" eaLnBrk="1" fontAlgn="auto" latinLnBrk="0" hangingPunct="1">
-              <a:lnSpc>
-                <a:spcPct val="100000"/>
-              </a:lnSpc>
-              <a:spcBef>
-                <a:spcPts val="0"/>
-              </a:spcBef>
-              <a:spcAft>
-                <a:spcPts val="0"/>
-              </a:spcAft>
-              <a:buClrTx/>
-              <a:buSzTx/>
-              <a:buFont typeface="Arial" panose="020B0604020202020204" pitchFamily="34" charset="0"/>
-              <a:buChar char="•"/>
-              <a:tabLst/>
-              <a:defRPr/>
-            </a:pPr>
-            <a:r>
-              <a:rPr lang="en-US" dirty="0"/>
-              <a:t>Time is the one thing that is of short supply when you are a new parent.  This site will allow you to connect with others that are close to you so that logistics are kept simple.</a:t>
-            </a:r>
-          </a:p>
-          <a:p>
             <a:endParaRPr lang="en-US" dirty="0"/>
           </a:p>
         </p:txBody>
@@ -4512,8 +4173,264 @@
 </p:notes>
 </file>
 
+<file path=ppt/notesSlides/notesSlide2.xml><?xml version="1.0" encoding="utf-8"?>
+<p:notes xmlns:a="http://schemas.openxmlformats.org/drawingml/2006/main" xmlns:r="http://schemas.openxmlformats.org/officeDocument/2006/relationships" xmlns:p="http://schemas.openxmlformats.org/presentationml/2006/main">
+  <p:cSld>
+    <p:spTree>
+      <p:nvGrpSpPr>
+        <p:cNvPr id="1" name=""/>
+        <p:cNvGrpSpPr/>
+        <p:nvPr/>
+      </p:nvGrpSpPr>
+      <p:grpSpPr>
+        <a:xfrm>
+          <a:off x="0" y="0"/>
+          <a:ext cx="0" cy="0"/>
+          <a:chOff x="0" y="0"/>
+          <a:chExt cx="0" cy="0"/>
+        </a:xfrm>
+      </p:grpSpPr>
+      <p:sp>
+        <p:nvSpPr>
+          <p:cNvPr id="2" name="Slide Image Placeholder 1"/>
+          <p:cNvSpPr>
+            <a:spLocks noGrp="1" noRot="1" noChangeAspect="1"/>
+          </p:cNvSpPr>
+          <p:nvPr>
+            <p:ph type="sldImg"/>
+          </p:nvPr>
+        </p:nvSpPr>
+        <p:spPr/>
+      </p:sp>
+      <p:sp>
+        <p:nvSpPr>
+          <p:cNvPr id="3" name="Notes Placeholder 2"/>
+          <p:cNvSpPr>
+            <a:spLocks noGrp="1"/>
+          </p:cNvSpPr>
+          <p:nvPr>
+            <p:ph type="body" idx="1"/>
+          </p:nvPr>
+        </p:nvSpPr>
+        <p:spPr/>
+        <p:txBody>
+          <a:bodyPr/>
+          <a:lstStyle/>
+          <a:p>
+            <a:endParaRPr lang="en-US" dirty="0"/>
+          </a:p>
+        </p:txBody>
+      </p:sp>
+      <p:sp>
+        <p:nvSpPr>
+          <p:cNvPr id="4" name="Slide Number Placeholder 3"/>
+          <p:cNvSpPr>
+            <a:spLocks noGrp="1"/>
+          </p:cNvSpPr>
+          <p:nvPr>
+            <p:ph type="sldNum" sz="quarter" idx="10"/>
+          </p:nvPr>
+        </p:nvSpPr>
+        <p:spPr/>
+        <p:txBody>
+          <a:bodyPr/>
+          <a:lstStyle/>
+          <a:p>
+            <a:fld id="{030FE3AD-C7C3-4D95-882C-36B067B4059F}" type="slidenum">
+              <a:rPr lang="en-US" smtClean="0"/>
+              <a:t>5</a:t>
+            </a:fld>
+            <a:endParaRPr lang="en-US"/>
+          </a:p>
+        </p:txBody>
+      </p:sp>
+    </p:spTree>
+    <p:extLst>
+      <p:ext uri="{BB962C8B-B14F-4D97-AF65-F5344CB8AC3E}">
+        <p14:creationId xmlns:p14="http://schemas.microsoft.com/office/powerpoint/2010/main" val="1384318176"/>
+      </p:ext>
+    </p:extLst>
+  </p:cSld>
+  <p:clrMapOvr>
+    <a:masterClrMapping/>
+  </p:clrMapOvr>
+</p:notes>
+</file>
+
+<file path=ppt/notesSlides/notesSlide3.xml><?xml version="1.0" encoding="utf-8"?>
+<p:notes xmlns:a="http://schemas.openxmlformats.org/drawingml/2006/main" xmlns:r="http://schemas.openxmlformats.org/officeDocument/2006/relationships" xmlns:p="http://schemas.openxmlformats.org/presentationml/2006/main">
+  <p:cSld>
+    <p:spTree>
+      <p:nvGrpSpPr>
+        <p:cNvPr id="1" name=""/>
+        <p:cNvGrpSpPr/>
+        <p:nvPr/>
+      </p:nvGrpSpPr>
+      <p:grpSpPr>
+        <a:xfrm>
+          <a:off x="0" y="0"/>
+          <a:ext cx="0" cy="0"/>
+          <a:chOff x="0" y="0"/>
+          <a:chExt cx="0" cy="0"/>
+        </a:xfrm>
+      </p:grpSpPr>
+      <p:sp>
+        <p:nvSpPr>
+          <p:cNvPr id="2" name="Slide Image Placeholder 1"/>
+          <p:cNvSpPr>
+            <a:spLocks noGrp="1" noRot="1" noChangeAspect="1"/>
+          </p:cNvSpPr>
+          <p:nvPr>
+            <p:ph type="sldImg"/>
+          </p:nvPr>
+        </p:nvSpPr>
+        <p:spPr/>
+      </p:sp>
+      <p:sp>
+        <p:nvSpPr>
+          <p:cNvPr id="3" name="Notes Placeholder 2"/>
+          <p:cNvSpPr>
+            <a:spLocks noGrp="1"/>
+          </p:cNvSpPr>
+          <p:nvPr>
+            <p:ph type="body" idx="1"/>
+          </p:nvPr>
+        </p:nvSpPr>
+        <p:spPr/>
+        <p:txBody>
+          <a:bodyPr/>
+          <a:lstStyle/>
+          <a:p>
+            <a:endParaRPr lang="en-US" dirty="0"/>
+          </a:p>
+        </p:txBody>
+      </p:sp>
+      <p:sp>
+        <p:nvSpPr>
+          <p:cNvPr id="4" name="Slide Number Placeholder 3"/>
+          <p:cNvSpPr>
+            <a:spLocks noGrp="1"/>
+          </p:cNvSpPr>
+          <p:nvPr>
+            <p:ph type="sldNum" sz="quarter" idx="10"/>
+          </p:nvPr>
+        </p:nvSpPr>
+        <p:spPr/>
+        <p:txBody>
+          <a:bodyPr/>
+          <a:lstStyle/>
+          <a:p>
+            <a:fld id="{030FE3AD-C7C3-4D95-882C-36B067B4059F}" type="slidenum">
+              <a:rPr lang="en-US" smtClean="0"/>
+              <a:t>6</a:t>
+            </a:fld>
+            <a:endParaRPr lang="en-US"/>
+          </a:p>
+        </p:txBody>
+      </p:sp>
+    </p:spTree>
+    <p:extLst>
+      <p:ext uri="{BB962C8B-B14F-4D97-AF65-F5344CB8AC3E}">
+        <p14:creationId xmlns:p14="http://schemas.microsoft.com/office/powerpoint/2010/main" val="3226898146"/>
+      </p:ext>
+    </p:extLst>
+  </p:cSld>
+  <p:clrMapOvr>
+    <a:masterClrMapping/>
+  </p:clrMapOvr>
+</p:notes>
+</file>
+
+<file path=ppt/notesSlides/notesSlide4.xml><?xml version="1.0" encoding="utf-8"?>
+<p:notes xmlns:a="http://schemas.openxmlformats.org/drawingml/2006/main" xmlns:r="http://schemas.openxmlformats.org/officeDocument/2006/relationships" xmlns:p="http://schemas.openxmlformats.org/presentationml/2006/main">
+  <p:cSld>
+    <p:spTree>
+      <p:nvGrpSpPr>
+        <p:cNvPr id="1" name=""/>
+        <p:cNvGrpSpPr/>
+        <p:nvPr/>
+      </p:nvGrpSpPr>
+      <p:grpSpPr>
+        <a:xfrm>
+          <a:off x="0" y="0"/>
+          <a:ext cx="0" cy="0"/>
+          <a:chOff x="0" y="0"/>
+          <a:chExt cx="0" cy="0"/>
+        </a:xfrm>
+      </p:grpSpPr>
+      <p:sp>
+        <p:nvSpPr>
+          <p:cNvPr id="2" name="Slide Image Placeholder 1"/>
+          <p:cNvSpPr>
+            <a:spLocks noGrp="1" noRot="1" noChangeAspect="1"/>
+          </p:cNvSpPr>
+          <p:nvPr>
+            <p:ph type="sldImg"/>
+          </p:nvPr>
+        </p:nvSpPr>
+        <p:spPr/>
+      </p:sp>
+      <p:sp>
+        <p:nvSpPr>
+          <p:cNvPr id="3" name="Notes Placeholder 2"/>
+          <p:cNvSpPr>
+            <a:spLocks noGrp="1"/>
+          </p:cNvSpPr>
+          <p:nvPr>
+            <p:ph type="body" idx="1"/>
+          </p:nvPr>
+        </p:nvSpPr>
+        <p:spPr/>
+        <p:txBody>
+          <a:bodyPr/>
+          <a:lstStyle/>
+          <a:p>
+            <a:r>
+              <a:rPr lang="en-US" dirty="0" smtClean="0"/>
+              <a:t>Link to site: </a:t>
+            </a:r>
+            <a:endParaRPr lang="en-US" dirty="0"/>
+          </a:p>
+        </p:txBody>
+      </p:sp>
+      <p:sp>
+        <p:nvSpPr>
+          <p:cNvPr id="4" name="Slide Number Placeholder 3"/>
+          <p:cNvSpPr>
+            <a:spLocks noGrp="1"/>
+          </p:cNvSpPr>
+          <p:nvPr>
+            <p:ph type="sldNum" sz="quarter" idx="10"/>
+          </p:nvPr>
+        </p:nvSpPr>
+        <p:spPr/>
+        <p:txBody>
+          <a:bodyPr/>
+          <a:lstStyle/>
+          <a:p>
+            <a:fld id="{030FE3AD-C7C3-4D95-882C-36B067B4059F}" type="slidenum">
+              <a:rPr lang="en-US" smtClean="0"/>
+              <a:t>7</a:t>
+            </a:fld>
+            <a:endParaRPr lang="en-US"/>
+          </a:p>
+        </p:txBody>
+      </p:sp>
+    </p:spTree>
+    <p:extLst>
+      <p:ext uri="{BB962C8B-B14F-4D97-AF65-F5344CB8AC3E}">
+        <p14:creationId xmlns:p14="http://schemas.microsoft.com/office/powerpoint/2010/main" val="2340897019"/>
+      </p:ext>
+    </p:extLst>
+  </p:cSld>
+  <p:clrMapOvr>
+    <a:masterClrMapping/>
+  </p:clrMapOvr>
+</p:notes>
+</file>
+
 <file path=ppt/slideLayouts/slideLayout1.xml><?xml version="1.0" encoding="utf-8"?>
-<p:sldLayout xmlns:a="http://schemas.openxmlformats.org/drawingml/2006/main" xmlns:r="http://schemas.openxmlformats.org/officeDocument/2006/relationships" xmlns:p="http://schemas.openxmlformats.org/presentationml/2006/main" type="title" preserve="1">
+<p:sldLayout xmlns:a="http://schemas.openxmlformats.org/drawingml/2006/main" xmlns:r="http://schemas.openxmlformats.org/officeDocument/2006/relationships" xmlns:p="http://schemas.openxmlformats.org/presentationml/2006/main" showMasterSp="0" type="title" preserve="1">
   <p:cSld name="Title Slide">
     <p:spTree>
       <p:nvGrpSpPr>
@@ -4531,13 +4448,592 @@
       </p:grpSpPr>
       <p:sp>
         <p:nvSpPr>
-          <p:cNvPr id="2" name="Title 1">
-            <a:extLst>
-              <a:ext uri="{FF2B5EF4-FFF2-40B4-BE49-F238E27FC236}">
-                <a16:creationId xmlns:a16="http://schemas.microsoft.com/office/drawing/2014/main" id="{D219A9BD-E382-4796-A93E-61733FC7DD24}"/>
-              </a:ext>
-            </a:extLst>
-          </p:cNvPr>
+          <p:cNvPr id="7" name="Rectangle 6"/>
+          <p:cNvSpPr/>
+          <p:nvPr/>
+        </p:nvSpPr>
+        <p:spPr>
+          <a:xfrm>
+            <a:off x="0" y="0"/>
+            <a:ext cx="12192000" cy="6858000"/>
+          </a:xfrm>
+          <a:prstGeom prst="rect">
+            <a:avLst/>
+          </a:prstGeom>
+          <a:solidFill>
+            <a:srgbClr val="FFFFFF"/>
+          </a:solidFill>
+          <a:ln>
+            <a:noFill/>
+          </a:ln>
+        </p:spPr>
+        <p:style>
+          <a:lnRef idx="2">
+            <a:schemeClr val="accent1">
+              <a:shade val="50000"/>
+            </a:schemeClr>
+          </a:lnRef>
+          <a:fillRef idx="1">
+            <a:schemeClr val="accent1"/>
+          </a:fillRef>
+          <a:effectRef idx="0">
+            <a:schemeClr val="accent1"/>
+          </a:effectRef>
+          <a:fontRef idx="minor">
+            <a:schemeClr val="lt1"/>
+          </a:fontRef>
+        </p:style>
+        <p:txBody>
+          <a:bodyPr rtlCol="0" anchor="ctr"/>
+          <a:lstStyle/>
+          <a:p>
+            <a:pPr algn="ctr"/>
+            <a:endParaRPr lang="en-US"/>
+          </a:p>
+        </p:txBody>
+      </p:sp>
+      <p:sp useBgFill="1">
+        <p:nvSpPr>
+          <p:cNvPr id="8" name="Rounded Rectangle 7"/>
+          <p:cNvSpPr/>
+          <p:nvPr/>
+        </p:nvSpPr>
+        <p:spPr>
+          <a:xfrm>
+            <a:off x="121920" y="101600"/>
+            <a:ext cx="11948160" cy="6664960"/>
+          </a:xfrm>
+          <a:prstGeom prst="roundRect">
+            <a:avLst>
+              <a:gd name="adj" fmla="val 1735"/>
+            </a:avLst>
+          </a:prstGeom>
+          <a:ln w="12700" cmpd="sng">
+            <a:noFill/>
+          </a:ln>
+        </p:spPr>
+        <p:style>
+          <a:lnRef idx="2">
+            <a:schemeClr val="accent1">
+              <a:shade val="50000"/>
+            </a:schemeClr>
+          </a:lnRef>
+          <a:fillRef idx="1">
+            <a:schemeClr val="accent1"/>
+          </a:fillRef>
+          <a:effectRef idx="0">
+            <a:schemeClr val="accent1"/>
+          </a:effectRef>
+          <a:fontRef idx="minor">
+            <a:schemeClr val="lt1"/>
+          </a:fontRef>
+        </p:style>
+        <p:txBody>
+          <a:bodyPr rtlCol="0" anchor="ctr"/>
+          <a:lstStyle/>
+          <a:p>
+            <a:pPr algn="ctr"/>
+            <a:endParaRPr lang="en-US"/>
+          </a:p>
+        </p:txBody>
+      </p:sp>
+      <p:sp>
+        <p:nvSpPr>
+          <p:cNvPr id="4" name="Date Placeholder 3"/>
+          <p:cNvSpPr>
+            <a:spLocks noGrp="1"/>
+          </p:cNvSpPr>
+          <p:nvPr>
+            <p:ph type="dt" sz="half" idx="10"/>
+          </p:nvPr>
+        </p:nvSpPr>
+        <p:spPr/>
+        <p:txBody>
+          <a:bodyPr/>
+          <a:lstStyle/>
+          <a:p>
+            <a:fld id="{9EB5ECD5-515E-4817-8A06-1D2ED2C83850}" type="datetime4">
+              <a:rPr lang="en-US" smtClean="0"/>
+              <a:pPr/>
+              <a:t>July 6, 2017</a:t>
+            </a:fld>
+            <a:endParaRPr lang="en-US"/>
+          </a:p>
+        </p:txBody>
+      </p:sp>
+      <p:sp>
+        <p:nvSpPr>
+          <p:cNvPr id="5" name="Footer Placeholder 4"/>
+          <p:cNvSpPr>
+            <a:spLocks noGrp="1"/>
+          </p:cNvSpPr>
+          <p:nvPr>
+            <p:ph type="ftr" sz="quarter" idx="11"/>
+          </p:nvPr>
+        </p:nvSpPr>
+        <p:spPr/>
+        <p:txBody>
+          <a:bodyPr/>
+          <a:lstStyle/>
+          <a:p>
+            <a:endParaRPr lang="en-US"/>
+          </a:p>
+        </p:txBody>
+      </p:sp>
+      <p:sp>
+        <p:nvSpPr>
+          <p:cNvPr id="9" name="Rectangle 8"/>
+          <p:cNvSpPr/>
+          <p:nvPr/>
+        </p:nvSpPr>
+        <p:spPr>
+          <a:xfrm>
+            <a:off x="460587" y="2942602"/>
+            <a:ext cx="9530575" cy="2463800"/>
+          </a:xfrm>
+          <a:prstGeom prst="rect">
+            <a:avLst/>
+          </a:prstGeom>
+          <a:solidFill>
+            <a:srgbClr val="FFFFFF">
+              <a:alpha val="83000"/>
+            </a:srgbClr>
+          </a:solidFill>
+          <a:ln>
+            <a:noFill/>
+          </a:ln>
+          <a:effectLst>
+            <a:softEdge rad="12700"/>
+          </a:effectLst>
+        </p:spPr>
+        <p:style>
+          <a:lnRef idx="2">
+            <a:schemeClr val="accent1">
+              <a:shade val="50000"/>
+            </a:schemeClr>
+          </a:lnRef>
+          <a:fillRef idx="1">
+            <a:schemeClr val="accent1"/>
+          </a:fillRef>
+          <a:effectRef idx="0">
+            <a:schemeClr val="accent1"/>
+          </a:effectRef>
+          <a:fontRef idx="minor">
+            <a:schemeClr val="lt1"/>
+          </a:fontRef>
+        </p:style>
+        <p:txBody>
+          <a:bodyPr rtlCol="0" anchor="ctr"/>
+          <a:lstStyle/>
+          <a:p>
+            <a:pPr algn="ctr"/>
+            <a:endParaRPr lang="en-US"/>
+          </a:p>
+        </p:txBody>
+      </p:sp>
+      <p:sp>
+        <p:nvSpPr>
+          <p:cNvPr id="12" name="Rectangle 11"/>
+          <p:cNvSpPr/>
+          <p:nvPr/>
+        </p:nvSpPr>
+        <p:spPr>
+          <a:xfrm>
+            <a:off x="10096869" y="2944634"/>
+            <a:ext cx="1587131" cy="2459736"/>
+          </a:xfrm>
+          <a:prstGeom prst="rect">
+            <a:avLst/>
+          </a:prstGeom>
+          <a:solidFill>
+            <a:srgbClr val="FFFFFF">
+              <a:alpha val="83000"/>
+            </a:srgbClr>
+          </a:solidFill>
+          <a:ln>
+            <a:noFill/>
+          </a:ln>
+          <a:effectLst>
+            <a:softEdge rad="12700"/>
+          </a:effectLst>
+        </p:spPr>
+        <p:style>
+          <a:lnRef idx="2">
+            <a:schemeClr val="accent1">
+              <a:shade val="50000"/>
+            </a:schemeClr>
+          </a:lnRef>
+          <a:fillRef idx="1">
+            <a:schemeClr val="accent1"/>
+          </a:fillRef>
+          <a:effectRef idx="0">
+            <a:schemeClr val="accent1"/>
+          </a:effectRef>
+          <a:fontRef idx="minor">
+            <a:schemeClr val="lt1"/>
+          </a:fontRef>
+        </p:style>
+        <p:txBody>
+          <a:bodyPr rtlCol="0" anchor="ctr"/>
+          <a:lstStyle/>
+          <a:p>
+            <a:pPr algn="ctr"/>
+            <a:endParaRPr lang="en-US"/>
+          </a:p>
+        </p:txBody>
+      </p:sp>
+      <p:sp>
+        <p:nvSpPr>
+          <p:cNvPr id="13" name="Rectangle 12"/>
+          <p:cNvSpPr/>
+          <p:nvPr/>
+        </p:nvSpPr>
+        <p:spPr>
+          <a:xfrm>
+            <a:off x="10283619" y="3136658"/>
+            <a:ext cx="1213632" cy="2075688"/>
+          </a:xfrm>
+          <a:prstGeom prst="rect">
+            <a:avLst/>
+          </a:prstGeom>
+          <a:solidFill>
+            <a:schemeClr val="accent3">
+              <a:alpha val="70000"/>
+            </a:schemeClr>
+          </a:solidFill>
+          <a:ln w="6350">
+            <a:solidFill>
+              <a:schemeClr val="accent1">
+                <a:lumMod val="75000"/>
+              </a:schemeClr>
+            </a:solidFill>
+          </a:ln>
+        </p:spPr>
+        <p:style>
+          <a:lnRef idx="2">
+            <a:schemeClr val="accent1">
+              <a:shade val="50000"/>
+            </a:schemeClr>
+          </a:lnRef>
+          <a:fillRef idx="1">
+            <a:schemeClr val="accent1"/>
+          </a:fillRef>
+          <a:effectRef idx="0">
+            <a:schemeClr val="accent1"/>
+          </a:effectRef>
+          <a:fontRef idx="minor">
+            <a:schemeClr val="lt1"/>
+          </a:fontRef>
+        </p:style>
+        <p:txBody>
+          <a:bodyPr rtlCol="0" anchor="ctr"/>
+          <a:lstStyle/>
+          <a:p>
+            <a:pPr algn="ctr"/>
+            <a:endParaRPr lang="en-US"/>
+          </a:p>
+        </p:txBody>
+      </p:sp>
+      <p:sp>
+        <p:nvSpPr>
+          <p:cNvPr id="14" name="Rectangle 13"/>
+          <p:cNvSpPr/>
+          <p:nvPr/>
+        </p:nvSpPr>
+        <p:spPr>
+          <a:xfrm>
+            <a:off x="593978" y="3055622"/>
+            <a:ext cx="9263793" cy="2245359"/>
+          </a:xfrm>
+          <a:prstGeom prst="rect">
+            <a:avLst/>
+          </a:prstGeom>
+          <a:solidFill>
+            <a:srgbClr val="FFFFFF"/>
+          </a:solidFill>
+          <a:ln w="6350" cmpd="dbl">
+            <a:noFill/>
+          </a:ln>
+        </p:spPr>
+        <p:style>
+          <a:lnRef idx="2">
+            <a:schemeClr val="accent1">
+              <a:shade val="50000"/>
+            </a:schemeClr>
+          </a:lnRef>
+          <a:fillRef idx="1">
+            <a:schemeClr val="accent1"/>
+          </a:fillRef>
+          <a:effectRef idx="0">
+            <a:schemeClr val="accent1"/>
+          </a:effectRef>
+          <a:fontRef idx="minor">
+            <a:schemeClr val="lt1"/>
+          </a:fontRef>
+        </p:style>
+        <p:txBody>
+          <a:bodyPr rtlCol="0" anchor="ctr"/>
+          <a:lstStyle/>
+          <a:p>
+            <a:pPr algn="ctr"/>
+            <a:endParaRPr lang="en-US"/>
+          </a:p>
+        </p:txBody>
+      </p:sp>
+      <p:sp>
+        <p:nvSpPr>
+          <p:cNvPr id="6" name="Slide Number Placeholder 5"/>
+          <p:cNvSpPr>
+            <a:spLocks noGrp="1"/>
+          </p:cNvSpPr>
+          <p:nvPr>
+            <p:ph type="sldNum" sz="quarter" idx="12"/>
+          </p:nvPr>
+        </p:nvSpPr>
+        <p:spPr>
+          <a:xfrm>
+            <a:off x="10382435" y="4625268"/>
+            <a:ext cx="1016000" cy="457200"/>
+          </a:xfrm>
+        </p:spPr>
+        <p:txBody>
+          <a:bodyPr/>
+          <a:lstStyle>
+            <a:lvl1pPr algn="ctr">
+              <a:defRPr sz="2800">
+                <a:solidFill>
+                  <a:schemeClr val="accent1">
+                    <a:lumMod val="50000"/>
+                  </a:schemeClr>
+                </a:solidFill>
+              </a:defRPr>
+            </a:lvl1pPr>
+          </a:lstStyle>
+          <a:p>
+            <a:fld id="{3A5436FF-98AA-2D48-967D-14B7E1C560CD}" type="slidenum">
+              <a:rPr lang="en-US" smtClean="0"/>
+              <a:t>‹#›</a:t>
+            </a:fld>
+            <a:endParaRPr lang="en-US"/>
+          </a:p>
+        </p:txBody>
+      </p:sp>
+      <p:sp>
+        <p:nvSpPr>
+          <p:cNvPr id="11" name="Rectangle 10"/>
+          <p:cNvSpPr/>
+          <p:nvPr/>
+        </p:nvSpPr>
+        <p:spPr>
+          <a:xfrm>
+            <a:off x="722429" y="4559277"/>
+            <a:ext cx="9006888" cy="664367"/>
+          </a:xfrm>
+          <a:prstGeom prst="rect">
+            <a:avLst/>
+          </a:prstGeom>
+          <a:solidFill>
+            <a:schemeClr val="accent1"/>
+          </a:solidFill>
+          <a:ln w="6350">
+            <a:noFill/>
+          </a:ln>
+        </p:spPr>
+        <p:style>
+          <a:lnRef idx="2">
+            <a:schemeClr val="accent1">
+              <a:shade val="50000"/>
+            </a:schemeClr>
+          </a:lnRef>
+          <a:fillRef idx="1">
+            <a:schemeClr val="accent1"/>
+          </a:fillRef>
+          <a:effectRef idx="0">
+            <a:schemeClr val="accent1"/>
+          </a:effectRef>
+          <a:fontRef idx="minor">
+            <a:schemeClr val="lt1"/>
+          </a:fontRef>
+        </p:style>
+        <p:txBody>
+          <a:bodyPr rtlCol="0" anchor="ctr"/>
+          <a:lstStyle/>
+          <a:p>
+            <a:pPr algn="ctr"/>
+            <a:endParaRPr lang="en-US"/>
+          </a:p>
+        </p:txBody>
+      </p:sp>
+      <p:sp>
+        <p:nvSpPr>
+          <p:cNvPr id="10" name="Rectangle 9"/>
+          <p:cNvSpPr/>
+          <p:nvPr/>
+        </p:nvSpPr>
+        <p:spPr>
+          <a:xfrm>
+            <a:off x="718628" y="3139440"/>
+            <a:ext cx="9014491" cy="2077720"/>
+          </a:xfrm>
+          <a:prstGeom prst="rect">
+            <a:avLst/>
+          </a:prstGeom>
+          <a:noFill/>
+          <a:ln w="6350" cmpd="dbl">
+            <a:solidFill>
+              <a:schemeClr val="accent1">
+                <a:lumMod val="75000"/>
+              </a:schemeClr>
+            </a:solidFill>
+          </a:ln>
+        </p:spPr>
+        <p:style>
+          <a:lnRef idx="2">
+            <a:schemeClr val="accent1">
+              <a:shade val="50000"/>
+            </a:schemeClr>
+          </a:lnRef>
+          <a:fillRef idx="1">
+            <a:schemeClr val="accent1"/>
+          </a:fillRef>
+          <a:effectRef idx="0">
+            <a:schemeClr val="accent1"/>
+          </a:effectRef>
+          <a:fontRef idx="minor">
+            <a:schemeClr val="lt1"/>
+          </a:fontRef>
+        </p:style>
+        <p:txBody>
+          <a:bodyPr rtlCol="0" anchor="ctr"/>
+          <a:lstStyle/>
+          <a:p>
+            <a:pPr algn="ctr"/>
+            <a:endParaRPr lang="en-US"/>
+          </a:p>
+        </p:txBody>
+      </p:sp>
+      <p:sp>
+        <p:nvSpPr>
+          <p:cNvPr id="3" name="Subtitle 2"/>
+          <p:cNvSpPr>
+            <a:spLocks noGrp="1"/>
+          </p:cNvSpPr>
+          <p:nvPr>
+            <p:ph type="subTitle" idx="1"/>
+          </p:nvPr>
+        </p:nvSpPr>
+        <p:spPr>
+          <a:xfrm>
+            <a:off x="857073" y="4648200"/>
+            <a:ext cx="8737600" cy="457200"/>
+          </a:xfrm>
+        </p:spPr>
+        <p:txBody>
+          <a:bodyPr>
+            <a:normAutofit/>
+          </a:bodyPr>
+          <a:lstStyle>
+            <a:lvl1pPr marL="0" indent="0" algn="ctr">
+              <a:buNone/>
+              <a:defRPr sz="1800" cap="all" spc="300" baseline="0">
+                <a:solidFill>
+                  <a:srgbClr val="FFFFFF"/>
+                </a:solidFill>
+              </a:defRPr>
+            </a:lvl1pPr>
+            <a:lvl2pPr marL="457200" indent="0" algn="ctr">
+              <a:buNone/>
+              <a:defRPr>
+                <a:solidFill>
+                  <a:schemeClr val="tx1">
+                    <a:tint val="75000"/>
+                  </a:schemeClr>
+                </a:solidFill>
+              </a:defRPr>
+            </a:lvl2pPr>
+            <a:lvl3pPr marL="914400" indent="0" algn="ctr">
+              <a:buNone/>
+              <a:defRPr>
+                <a:solidFill>
+                  <a:schemeClr val="tx1">
+                    <a:tint val="75000"/>
+                  </a:schemeClr>
+                </a:solidFill>
+              </a:defRPr>
+            </a:lvl3pPr>
+            <a:lvl4pPr marL="1371600" indent="0" algn="ctr">
+              <a:buNone/>
+              <a:defRPr>
+                <a:solidFill>
+                  <a:schemeClr val="tx1">
+                    <a:tint val="75000"/>
+                  </a:schemeClr>
+                </a:solidFill>
+              </a:defRPr>
+            </a:lvl4pPr>
+            <a:lvl5pPr marL="1828800" indent="0" algn="ctr">
+              <a:buNone/>
+              <a:defRPr>
+                <a:solidFill>
+                  <a:schemeClr val="tx1">
+                    <a:tint val="75000"/>
+                  </a:schemeClr>
+                </a:solidFill>
+              </a:defRPr>
+            </a:lvl5pPr>
+            <a:lvl6pPr marL="2286000" indent="0" algn="ctr">
+              <a:buNone/>
+              <a:defRPr>
+                <a:solidFill>
+                  <a:schemeClr val="tx1">
+                    <a:tint val="75000"/>
+                  </a:schemeClr>
+                </a:solidFill>
+              </a:defRPr>
+            </a:lvl6pPr>
+            <a:lvl7pPr marL="2743200" indent="0" algn="ctr">
+              <a:buNone/>
+              <a:defRPr>
+                <a:solidFill>
+                  <a:schemeClr val="tx1">
+                    <a:tint val="75000"/>
+                  </a:schemeClr>
+                </a:solidFill>
+              </a:defRPr>
+            </a:lvl7pPr>
+            <a:lvl8pPr marL="3200400" indent="0" algn="ctr">
+              <a:buNone/>
+              <a:defRPr>
+                <a:solidFill>
+                  <a:schemeClr val="tx1">
+                    <a:tint val="75000"/>
+                  </a:schemeClr>
+                </a:solidFill>
+              </a:defRPr>
+            </a:lvl8pPr>
+            <a:lvl9pPr marL="3657600" indent="0" algn="ctr">
+              <a:buNone/>
+              <a:defRPr>
+                <a:solidFill>
+                  <a:schemeClr val="tx1">
+                    <a:tint val="75000"/>
+                  </a:schemeClr>
+                </a:solidFill>
+              </a:defRPr>
+            </a:lvl9pPr>
+          </a:lstStyle>
+          <a:p>
+            <a:r>
+              <a:rPr lang="en-US" smtClean="0"/>
+              <a:t>Click to edit Master subtitle style</a:t>
+            </a:r>
+            <a:endParaRPr lang="en-US" dirty="0"/>
+          </a:p>
+        </p:txBody>
+      </p:sp>
+      <p:sp>
+        <p:nvSpPr>
+          <p:cNvPr id="2" name="Title 1"/>
           <p:cNvSpPr>
             <a:spLocks noGrp="1"/>
           </p:cNvSpPr>
@@ -4547,184 +5043,35 @@
         </p:nvSpPr>
         <p:spPr>
           <a:xfrm>
-            <a:off x="1524000" y="1122363"/>
-            <a:ext cx="9144000" cy="2387600"/>
+            <a:off x="806273" y="3227034"/>
+            <a:ext cx="8839200" cy="1219201"/>
           </a:xfrm>
         </p:spPr>
         <p:txBody>
-          <a:bodyPr anchor="b"/>
+          <a:bodyPr anchor="b" anchorCtr="0">
+            <a:noAutofit/>
+          </a:bodyPr>
           <a:lstStyle>
-            <a:lvl1pPr algn="ctr">
-              <a:defRPr sz="6000"/>
+            <a:lvl1pPr>
+              <a:defRPr sz="4000">
+                <a:solidFill>
+                  <a:schemeClr val="accent1">
+                    <a:lumMod val="50000"/>
+                  </a:schemeClr>
+                </a:solidFill>
+              </a:defRPr>
             </a:lvl1pPr>
           </a:lstStyle>
           <a:p>
             <a:r>
-              <a:rPr lang="en-US"/>
+              <a:rPr lang="en-US" smtClean="0"/>
               <a:t>Click to edit Master title style</a:t>
             </a:r>
-          </a:p>
-        </p:txBody>
-      </p:sp>
-      <p:sp>
-        <p:nvSpPr>
-          <p:cNvPr id="3" name="Subtitle 2">
-            <a:extLst>
-              <a:ext uri="{FF2B5EF4-FFF2-40B4-BE49-F238E27FC236}">
-                <a16:creationId xmlns:a16="http://schemas.microsoft.com/office/drawing/2014/main" id="{C0EC805D-B668-4DEA-9311-16CA28199876}"/>
-              </a:ext>
-            </a:extLst>
-          </p:cNvPr>
-          <p:cNvSpPr>
-            <a:spLocks noGrp="1"/>
-          </p:cNvSpPr>
-          <p:nvPr>
-            <p:ph type="subTitle" idx="1"/>
-          </p:nvPr>
-        </p:nvSpPr>
-        <p:spPr>
-          <a:xfrm>
-            <a:off x="1524000" y="3602038"/>
-            <a:ext cx="9144000" cy="1655762"/>
-          </a:xfrm>
-        </p:spPr>
-        <p:txBody>
-          <a:bodyPr/>
-          <a:lstStyle>
-            <a:lvl1pPr marL="0" indent="0" algn="ctr">
-              <a:buNone/>
-              <a:defRPr sz="2400"/>
-            </a:lvl1pPr>
-            <a:lvl2pPr marL="457200" indent="0" algn="ctr">
-              <a:buNone/>
-              <a:defRPr sz="2000"/>
-            </a:lvl2pPr>
-            <a:lvl3pPr marL="914400" indent="0" algn="ctr">
-              <a:buNone/>
-              <a:defRPr sz="1800"/>
-            </a:lvl3pPr>
-            <a:lvl4pPr marL="1371600" indent="0" algn="ctr">
-              <a:buNone/>
-              <a:defRPr sz="1600"/>
-            </a:lvl4pPr>
-            <a:lvl5pPr marL="1828800" indent="0" algn="ctr">
-              <a:buNone/>
-              <a:defRPr sz="1600"/>
-            </a:lvl5pPr>
-            <a:lvl6pPr marL="2286000" indent="0" algn="ctr">
-              <a:buNone/>
-              <a:defRPr sz="1600"/>
-            </a:lvl6pPr>
-            <a:lvl7pPr marL="2743200" indent="0" algn="ctr">
-              <a:buNone/>
-              <a:defRPr sz="1600"/>
-            </a:lvl7pPr>
-            <a:lvl8pPr marL="3200400" indent="0" algn="ctr">
-              <a:buNone/>
-              <a:defRPr sz="1600"/>
-            </a:lvl8pPr>
-            <a:lvl9pPr marL="3657600" indent="0" algn="ctr">
-              <a:buNone/>
-              <a:defRPr sz="1600"/>
-            </a:lvl9pPr>
-          </a:lstStyle>
-          <a:p>
-            <a:r>
-              <a:rPr lang="en-US"/>
-              <a:t>Click to edit Master subtitle style</a:t>
-            </a:r>
-          </a:p>
-        </p:txBody>
-      </p:sp>
-      <p:sp>
-        <p:nvSpPr>
-          <p:cNvPr id="4" name="Date Placeholder 3">
-            <a:extLst>
-              <a:ext uri="{FF2B5EF4-FFF2-40B4-BE49-F238E27FC236}">
-                <a16:creationId xmlns:a16="http://schemas.microsoft.com/office/drawing/2014/main" id="{B0843B92-1789-4EC9-8B3B-3F52AA2BAEB1}"/>
-              </a:ext>
-            </a:extLst>
-          </p:cNvPr>
-          <p:cNvSpPr>
-            <a:spLocks noGrp="1"/>
-          </p:cNvSpPr>
-          <p:nvPr>
-            <p:ph type="dt" sz="half" idx="10"/>
-          </p:nvPr>
-        </p:nvSpPr>
-        <p:spPr/>
-        <p:txBody>
-          <a:bodyPr/>
-          <a:lstStyle/>
-          <a:p>
-            <a:fld id="{58DD293B-D8D0-431A-BBD3-F7FF1DD91784}" type="datetimeFigureOut">
-              <a:rPr lang="en-US" smtClean="0"/>
-              <a:t>7/5/2017</a:t>
-            </a:fld>
-            <a:endParaRPr lang="en-US"/>
-          </a:p>
-        </p:txBody>
-      </p:sp>
-      <p:sp>
-        <p:nvSpPr>
-          <p:cNvPr id="5" name="Footer Placeholder 4">
-            <a:extLst>
-              <a:ext uri="{FF2B5EF4-FFF2-40B4-BE49-F238E27FC236}">
-                <a16:creationId xmlns:a16="http://schemas.microsoft.com/office/drawing/2014/main" id="{D40E4DAB-2B99-4EF4-B61E-CA10C2EBE4E6}"/>
-              </a:ext>
-            </a:extLst>
-          </p:cNvPr>
-          <p:cNvSpPr>
-            <a:spLocks noGrp="1"/>
-          </p:cNvSpPr>
-          <p:nvPr>
-            <p:ph type="ftr" sz="quarter" idx="11"/>
-          </p:nvPr>
-        </p:nvSpPr>
-        <p:spPr/>
-        <p:txBody>
-          <a:bodyPr/>
-          <a:lstStyle/>
-          <a:p>
-            <a:endParaRPr lang="en-US"/>
-          </a:p>
-        </p:txBody>
-      </p:sp>
-      <p:sp>
-        <p:nvSpPr>
-          <p:cNvPr id="6" name="Slide Number Placeholder 5">
-            <a:extLst>
-              <a:ext uri="{FF2B5EF4-FFF2-40B4-BE49-F238E27FC236}">
-                <a16:creationId xmlns:a16="http://schemas.microsoft.com/office/drawing/2014/main" id="{AED8FD3F-F9AD-43BF-857E-3A35F44D473E}"/>
-              </a:ext>
-            </a:extLst>
-          </p:cNvPr>
-          <p:cNvSpPr>
-            <a:spLocks noGrp="1"/>
-          </p:cNvSpPr>
-          <p:nvPr>
-            <p:ph type="sldNum" sz="quarter" idx="12"/>
-          </p:nvPr>
-        </p:nvSpPr>
-        <p:spPr/>
-        <p:txBody>
-          <a:bodyPr/>
-          <a:lstStyle/>
-          <a:p>
-            <a:fld id="{2DCCC896-0300-4576-ADB3-6A10FD79B701}" type="slidenum">
-              <a:rPr lang="en-US" smtClean="0"/>
-              <a:t>‹#›</a:t>
-            </a:fld>
-            <a:endParaRPr lang="en-US"/>
+            <a:endParaRPr lang="en-US" dirty="0"/>
           </a:p>
         </p:txBody>
       </p:sp>
     </p:spTree>
-    <p:extLst>
-      <p:ext uri="{BB962C8B-B14F-4D97-AF65-F5344CB8AC3E}">
-        <p14:creationId xmlns:p14="http://schemas.microsoft.com/office/powerpoint/2010/main" val="1443120757"/>
-      </p:ext>
-    </p:extLst>
   </p:cSld>
   <p:clrMapOvr>
     <a:masterClrMapping/>
@@ -4751,13 +5098,7 @@
       </p:grpSpPr>
       <p:sp>
         <p:nvSpPr>
-          <p:cNvPr id="2" name="Title 1">
-            <a:extLst>
-              <a:ext uri="{FF2B5EF4-FFF2-40B4-BE49-F238E27FC236}">
-                <a16:creationId xmlns:a16="http://schemas.microsoft.com/office/drawing/2014/main" id="{02DF7B02-E0E6-46CD-8B00-9F59426CC15D}"/>
-              </a:ext>
-            </a:extLst>
-          </p:cNvPr>
+          <p:cNvPr id="2" name="Title 1"/>
           <p:cNvSpPr>
             <a:spLocks noGrp="1"/>
           </p:cNvSpPr>
@@ -4771,21 +5112,16 @@
           <a:lstStyle/>
           <a:p>
             <a:r>
-              <a:rPr lang="en-US"/>
+              <a:rPr lang="en-US" smtClean="0"/>
               <a:t>Click to edit Master title style</a:t>
             </a:r>
-          </a:p>
-        </p:txBody>
-      </p:sp>
-      <p:sp>
-        <p:nvSpPr>
-          <p:cNvPr id="3" name="Vertical Text Placeholder 2">
-            <a:extLst>
-              <a:ext uri="{FF2B5EF4-FFF2-40B4-BE49-F238E27FC236}">
-                <a16:creationId xmlns:a16="http://schemas.microsoft.com/office/drawing/2014/main" id="{71A1EA3D-1DE6-4E63-8D5E-3EE4D6103AD1}"/>
-              </a:ext>
-            </a:extLst>
-          </p:cNvPr>
+            <a:endParaRPr lang="en-US"/>
+          </a:p>
+        </p:txBody>
+      </p:sp>
+      <p:sp>
+        <p:nvSpPr>
+          <p:cNvPr id="3" name="Vertical Text Placeholder 2"/>
           <p:cNvSpPr>
             <a:spLocks noGrp="1"/>
           </p:cNvSpPr>
@@ -4800,49 +5136,44 @@
           <a:p>
             <a:pPr lvl="0"/>
             <a:r>
-              <a:rPr lang="en-US"/>
-              <a:t>Edit Master text styles</a:t>
+              <a:rPr lang="en-US" smtClean="0"/>
+              <a:t>Click to edit Master text styles</a:t>
             </a:r>
           </a:p>
           <a:p>
             <a:pPr lvl="1"/>
             <a:r>
-              <a:rPr lang="en-US"/>
+              <a:rPr lang="en-US" smtClean="0"/>
               <a:t>Second level</a:t>
             </a:r>
           </a:p>
           <a:p>
             <a:pPr lvl="2"/>
             <a:r>
-              <a:rPr lang="en-US"/>
+              <a:rPr lang="en-US" smtClean="0"/>
               <a:t>Third level</a:t>
             </a:r>
           </a:p>
           <a:p>
             <a:pPr lvl="3"/>
             <a:r>
-              <a:rPr lang="en-US"/>
+              <a:rPr lang="en-US" smtClean="0"/>
               <a:t>Fourth level</a:t>
             </a:r>
           </a:p>
           <a:p>
             <a:pPr lvl="4"/>
             <a:r>
-              <a:rPr lang="en-US"/>
+              <a:rPr lang="en-US" smtClean="0"/>
               <a:t>Fifth level</a:t>
             </a:r>
-          </a:p>
-        </p:txBody>
-      </p:sp>
-      <p:sp>
-        <p:nvSpPr>
-          <p:cNvPr id="4" name="Date Placeholder 3">
-            <a:extLst>
-              <a:ext uri="{FF2B5EF4-FFF2-40B4-BE49-F238E27FC236}">
-                <a16:creationId xmlns:a16="http://schemas.microsoft.com/office/drawing/2014/main" id="{383048F0-D05F-42EC-8A0E-668328C0D010}"/>
-              </a:ext>
-            </a:extLst>
-          </p:cNvPr>
+            <a:endParaRPr lang="en-US"/>
+          </a:p>
+        </p:txBody>
+      </p:sp>
+      <p:sp>
+        <p:nvSpPr>
+          <p:cNvPr id="4" name="Date Placeholder 3"/>
           <p:cNvSpPr>
             <a:spLocks noGrp="1"/>
           </p:cNvSpPr>
@@ -4857,7 +5188,7 @@
           <a:p>
             <a:fld id="{58DD293B-D8D0-431A-BBD3-F7FF1DD91784}" type="datetimeFigureOut">
               <a:rPr lang="en-US" smtClean="0"/>
-              <a:t>7/5/2017</a:t>
+              <a:t>7/6/17</a:t>
             </a:fld>
             <a:endParaRPr lang="en-US"/>
           </a:p>
@@ -4865,13 +5196,7 @@
       </p:sp>
       <p:sp>
         <p:nvSpPr>
-          <p:cNvPr id="5" name="Footer Placeholder 4">
-            <a:extLst>
-              <a:ext uri="{FF2B5EF4-FFF2-40B4-BE49-F238E27FC236}">
-                <a16:creationId xmlns:a16="http://schemas.microsoft.com/office/drawing/2014/main" id="{CE87BEF8-DA63-4B95-B6B8-1C3914A6BB01}"/>
-              </a:ext>
-            </a:extLst>
-          </p:cNvPr>
+          <p:cNvPr id="5" name="Footer Placeholder 4"/>
           <p:cNvSpPr>
             <a:spLocks noGrp="1"/>
           </p:cNvSpPr>
@@ -4890,13 +5215,7 @@
       </p:sp>
       <p:sp>
         <p:nvSpPr>
-          <p:cNvPr id="6" name="Slide Number Placeholder 5">
-            <a:extLst>
-              <a:ext uri="{FF2B5EF4-FFF2-40B4-BE49-F238E27FC236}">
-                <a16:creationId xmlns:a16="http://schemas.microsoft.com/office/drawing/2014/main" id="{B9E91152-79A1-45DF-96DE-5AAE6EB39177}"/>
-              </a:ext>
-            </a:extLst>
-          </p:cNvPr>
+          <p:cNvPr id="6" name="Slide Number Placeholder 5"/>
           <p:cNvSpPr>
             <a:spLocks noGrp="1"/>
           </p:cNvSpPr>
@@ -4918,11 +5237,6 @@
         </p:txBody>
       </p:sp>
     </p:spTree>
-    <p:extLst>
-      <p:ext uri="{BB962C8B-B14F-4D97-AF65-F5344CB8AC3E}">
-        <p14:creationId xmlns:p14="http://schemas.microsoft.com/office/powerpoint/2010/main" val="4072679396"/>
-      </p:ext>
-    </p:extLst>
   </p:cSld>
   <p:clrMapOvr>
     <a:masterClrMapping/>
@@ -4931,7 +5245,7 @@
 </file>
 
 <file path=ppt/slideLayouts/slideLayout11.xml><?xml version="1.0" encoding="utf-8"?>
-<p:sldLayout xmlns:a="http://schemas.openxmlformats.org/drawingml/2006/main" xmlns:r="http://schemas.openxmlformats.org/officeDocument/2006/relationships" xmlns:p="http://schemas.openxmlformats.org/presentationml/2006/main" type="vertTitleAndTx" preserve="1">
+<p:sldLayout xmlns:a="http://schemas.openxmlformats.org/drawingml/2006/main" xmlns:r="http://schemas.openxmlformats.org/officeDocument/2006/relationships" xmlns:p="http://schemas.openxmlformats.org/presentationml/2006/main" showMasterSp="0" type="vertTitleAndTx" preserve="1">
   <p:cSld name="Vertical Title and Text">
     <p:spTree>
       <p:nvGrpSpPr>
@@ -4949,13 +5263,109 @@
       </p:grpSpPr>
       <p:sp>
         <p:nvSpPr>
-          <p:cNvPr id="2" name="Vertical Title 1">
-            <a:extLst>
-              <a:ext uri="{FF2B5EF4-FFF2-40B4-BE49-F238E27FC236}">
-                <a16:creationId xmlns:a16="http://schemas.microsoft.com/office/drawing/2014/main" id="{33D058D4-0A66-4D7B-AB8C-953603A507F3}"/>
-              </a:ext>
-            </a:extLst>
-          </p:cNvPr>
+          <p:cNvPr id="7" name="Rectangle 6"/>
+          <p:cNvSpPr/>
+          <p:nvPr/>
+        </p:nvSpPr>
+        <p:spPr>
+          <a:xfrm>
+            <a:off x="9148936" y="228600"/>
+            <a:ext cx="2479040" cy="6122634"/>
+          </a:xfrm>
+          <a:prstGeom prst="rect">
+            <a:avLst/>
+          </a:prstGeom>
+          <a:solidFill>
+            <a:srgbClr val="FFFFFF">
+              <a:alpha val="85000"/>
+            </a:srgbClr>
+          </a:solidFill>
+          <a:ln>
+            <a:noFill/>
+          </a:ln>
+          <a:effectLst/>
+        </p:spPr>
+        <p:style>
+          <a:lnRef idx="2">
+            <a:schemeClr val="accent1">
+              <a:shade val="50000"/>
+            </a:schemeClr>
+          </a:lnRef>
+          <a:fillRef idx="1">
+            <a:schemeClr val="accent1"/>
+          </a:fillRef>
+          <a:effectRef idx="0">
+            <a:schemeClr val="accent1"/>
+          </a:effectRef>
+          <a:fontRef idx="minor">
+            <a:schemeClr val="lt1"/>
+          </a:fontRef>
+        </p:style>
+        <p:txBody>
+          <a:bodyPr rtlCol="0" anchor="ctr"/>
+          <a:lstStyle/>
+          <a:p>
+            <a:pPr marL="0" algn="ctr" defTabSz="914400" rtl="0" eaLnBrk="1" latinLnBrk="0" hangingPunct="1"/>
+            <a:endParaRPr lang="en-US" sz="1800" kern="1200">
+              <a:solidFill>
+                <a:schemeClr val="lt1"/>
+              </a:solidFill>
+              <a:latin typeface="+mn-lt"/>
+              <a:ea typeface="+mn-ea"/>
+              <a:cs typeface="+mn-cs"/>
+            </a:endParaRPr>
+          </a:p>
+        </p:txBody>
+      </p:sp>
+      <p:sp>
+        <p:nvSpPr>
+          <p:cNvPr id="8" name="Rectangle 7"/>
+          <p:cNvSpPr/>
+          <p:nvPr/>
+        </p:nvSpPr>
+        <p:spPr>
+          <a:xfrm>
+            <a:off x="9273634" y="351410"/>
+            <a:ext cx="2229647" cy="5877017"/>
+          </a:xfrm>
+          <a:prstGeom prst="rect">
+            <a:avLst/>
+          </a:prstGeom>
+          <a:solidFill>
+            <a:srgbClr val="FFFFFF"/>
+          </a:solidFill>
+          <a:ln w="6350">
+            <a:noFill/>
+          </a:ln>
+        </p:spPr>
+        <p:style>
+          <a:lnRef idx="2">
+            <a:schemeClr val="accent1">
+              <a:shade val="50000"/>
+            </a:schemeClr>
+          </a:lnRef>
+          <a:fillRef idx="1">
+            <a:schemeClr val="accent1"/>
+          </a:fillRef>
+          <a:effectRef idx="0">
+            <a:schemeClr val="accent1"/>
+          </a:effectRef>
+          <a:fontRef idx="minor">
+            <a:schemeClr val="lt1"/>
+          </a:fontRef>
+        </p:style>
+        <p:txBody>
+          <a:bodyPr rtlCol="0" anchor="ctr"/>
+          <a:lstStyle/>
+          <a:p>
+            <a:pPr algn="ctr"/>
+            <a:endParaRPr lang="en-US"/>
+          </a:p>
+        </p:txBody>
+      </p:sp>
+      <p:sp>
+        <p:nvSpPr>
+          <p:cNvPr id="2" name="Vertical Title 1"/>
           <p:cNvSpPr>
             <a:spLocks noGrp="1"/>
           </p:cNvSpPr>
@@ -4965,8 +5375,8 @@
         </p:nvSpPr>
         <p:spPr>
           <a:xfrm>
-            <a:off x="8724900" y="365125"/>
-            <a:ext cx="2628900" cy="5811838"/>
+            <a:off x="9398103" y="395428"/>
+            <a:ext cx="1980708" cy="5788981"/>
           </a:xfrm>
         </p:spPr>
         <p:txBody>
@@ -4974,21 +5384,16 @@
           <a:lstStyle/>
           <a:p>
             <a:r>
-              <a:rPr lang="en-US"/>
+              <a:rPr lang="en-US" smtClean="0"/>
               <a:t>Click to edit Master title style</a:t>
             </a:r>
-          </a:p>
-        </p:txBody>
-      </p:sp>
-      <p:sp>
-        <p:nvSpPr>
-          <p:cNvPr id="3" name="Vertical Text Placeholder 2">
-            <a:extLst>
-              <a:ext uri="{FF2B5EF4-FFF2-40B4-BE49-F238E27FC236}">
-                <a16:creationId xmlns:a16="http://schemas.microsoft.com/office/drawing/2014/main" id="{1CAC9659-EACA-46A2-8903-28E4BF14FC23}"/>
-              </a:ext>
-            </a:extLst>
-          </p:cNvPr>
+            <a:endParaRPr lang="en-US" dirty="0"/>
+          </a:p>
+        </p:txBody>
+      </p:sp>
+      <p:sp>
+        <p:nvSpPr>
+          <p:cNvPr id="3" name="Vertical Text Placeholder 2"/>
           <p:cNvSpPr>
             <a:spLocks noGrp="1"/>
           </p:cNvSpPr>
@@ -4998,8 +5403,8 @@
         </p:nvSpPr>
         <p:spPr>
           <a:xfrm>
-            <a:off x="838200" y="365125"/>
-            <a:ext cx="7734300" cy="5811838"/>
+            <a:off x="609600" y="381000"/>
+            <a:ext cx="8229600" cy="5791201"/>
           </a:xfrm>
         </p:spPr>
         <p:txBody>
@@ -5008,49 +5413,44 @@
           <a:p>
             <a:pPr lvl="0"/>
             <a:r>
-              <a:rPr lang="en-US"/>
-              <a:t>Edit Master text styles</a:t>
+              <a:rPr lang="en-US" smtClean="0"/>
+              <a:t>Click to edit Master text styles</a:t>
             </a:r>
           </a:p>
           <a:p>
             <a:pPr lvl="1"/>
             <a:r>
-              <a:rPr lang="en-US"/>
+              <a:rPr lang="en-US" smtClean="0"/>
               <a:t>Second level</a:t>
             </a:r>
           </a:p>
           <a:p>
             <a:pPr lvl="2"/>
             <a:r>
-              <a:rPr lang="en-US"/>
+              <a:rPr lang="en-US" smtClean="0"/>
               <a:t>Third level</a:t>
             </a:r>
           </a:p>
           <a:p>
             <a:pPr lvl="3"/>
             <a:r>
-              <a:rPr lang="en-US"/>
+              <a:rPr lang="en-US" smtClean="0"/>
               <a:t>Fourth level</a:t>
             </a:r>
           </a:p>
           <a:p>
             <a:pPr lvl="4"/>
             <a:r>
-              <a:rPr lang="en-US"/>
+              <a:rPr lang="en-US" smtClean="0"/>
               <a:t>Fifth level</a:t>
             </a:r>
-          </a:p>
-        </p:txBody>
-      </p:sp>
-      <p:sp>
-        <p:nvSpPr>
-          <p:cNvPr id="4" name="Date Placeholder 3">
-            <a:extLst>
-              <a:ext uri="{FF2B5EF4-FFF2-40B4-BE49-F238E27FC236}">
-                <a16:creationId xmlns:a16="http://schemas.microsoft.com/office/drawing/2014/main" id="{0FFF1B04-F819-432E-89C4-EDBAE770DDFD}"/>
-              </a:ext>
-            </a:extLst>
-          </p:cNvPr>
+            <a:endParaRPr lang="en-US" dirty="0"/>
+          </a:p>
+        </p:txBody>
+      </p:sp>
+      <p:sp>
+        <p:nvSpPr>
+          <p:cNvPr id="4" name="Date Placeholder 3"/>
           <p:cNvSpPr>
             <a:spLocks noGrp="1"/>
           </p:cNvSpPr>
@@ -5065,7 +5465,7 @@
           <a:p>
             <a:fld id="{58DD293B-D8D0-431A-BBD3-F7FF1DD91784}" type="datetimeFigureOut">
               <a:rPr lang="en-US" smtClean="0"/>
-              <a:t>7/5/2017</a:t>
+              <a:t>7/6/17</a:t>
             </a:fld>
             <a:endParaRPr lang="en-US"/>
           </a:p>
@@ -5073,13 +5473,7 @@
       </p:sp>
       <p:sp>
         <p:nvSpPr>
-          <p:cNvPr id="5" name="Footer Placeholder 4">
-            <a:extLst>
-              <a:ext uri="{FF2B5EF4-FFF2-40B4-BE49-F238E27FC236}">
-                <a16:creationId xmlns:a16="http://schemas.microsoft.com/office/drawing/2014/main" id="{C7494EE7-EAA1-4D4C-9AD7-E353AE315D63}"/>
-              </a:ext>
-            </a:extLst>
-          </p:cNvPr>
+          <p:cNvPr id="5" name="Footer Placeholder 4"/>
           <p:cNvSpPr>
             <a:spLocks noGrp="1"/>
           </p:cNvSpPr>
@@ -5098,13 +5492,7 @@
       </p:sp>
       <p:sp>
         <p:nvSpPr>
-          <p:cNvPr id="6" name="Slide Number Placeholder 5">
-            <a:extLst>
-              <a:ext uri="{FF2B5EF4-FFF2-40B4-BE49-F238E27FC236}">
-                <a16:creationId xmlns:a16="http://schemas.microsoft.com/office/drawing/2014/main" id="{5AEFEA3A-17DF-40B2-839F-86D69D99E16E}"/>
-              </a:ext>
-            </a:extLst>
-          </p:cNvPr>
+          <p:cNvPr id="6" name="Slide Number Placeholder 5"/>
           <p:cNvSpPr>
             <a:spLocks noGrp="1"/>
           </p:cNvSpPr>
@@ -5126,11 +5514,6 @@
         </p:txBody>
       </p:sp>
     </p:spTree>
-    <p:extLst>
-      <p:ext uri="{BB962C8B-B14F-4D97-AF65-F5344CB8AC3E}">
-        <p14:creationId xmlns:p14="http://schemas.microsoft.com/office/powerpoint/2010/main" val="2996010965"/>
-      </p:ext>
-    </p:extLst>
   </p:cSld>
   <p:clrMapOvr>
     <a:masterClrMapping/>
@@ -5157,13 +5540,7 @@
       </p:grpSpPr>
       <p:sp>
         <p:nvSpPr>
-          <p:cNvPr id="2" name="Title 1">
-            <a:extLst>
-              <a:ext uri="{FF2B5EF4-FFF2-40B4-BE49-F238E27FC236}">
-                <a16:creationId xmlns:a16="http://schemas.microsoft.com/office/drawing/2014/main" id="{F9D7AA6F-0E20-49D4-82CE-4EF848216781}"/>
-              </a:ext>
-            </a:extLst>
-          </p:cNvPr>
+          <p:cNvPr id="2" name="Title 1"/>
           <p:cNvSpPr>
             <a:spLocks noGrp="1"/>
           </p:cNvSpPr>
@@ -5177,21 +5554,16 @@
           <a:lstStyle/>
           <a:p>
             <a:r>
-              <a:rPr lang="en-US"/>
+              <a:rPr lang="en-US" smtClean="0"/>
               <a:t>Click to edit Master title style</a:t>
             </a:r>
-          </a:p>
-        </p:txBody>
-      </p:sp>
-      <p:sp>
-        <p:nvSpPr>
-          <p:cNvPr id="3" name="Content Placeholder 2">
-            <a:extLst>
-              <a:ext uri="{FF2B5EF4-FFF2-40B4-BE49-F238E27FC236}">
-                <a16:creationId xmlns:a16="http://schemas.microsoft.com/office/drawing/2014/main" id="{004333BB-46C5-4218-9402-658E2D413DE9}"/>
-              </a:ext>
-            </a:extLst>
-          </p:cNvPr>
+            <a:endParaRPr lang="en-US"/>
+          </a:p>
+        </p:txBody>
+      </p:sp>
+      <p:sp>
+        <p:nvSpPr>
+          <p:cNvPr id="3" name="Content Placeholder 2"/>
           <p:cNvSpPr>
             <a:spLocks noGrp="1"/>
           </p:cNvSpPr>
@@ -5206,49 +5578,44 @@
           <a:p>
             <a:pPr lvl="0"/>
             <a:r>
-              <a:rPr lang="en-US"/>
-              <a:t>Edit Master text styles</a:t>
+              <a:rPr lang="en-US" smtClean="0"/>
+              <a:t>Click to edit Master text styles</a:t>
             </a:r>
           </a:p>
           <a:p>
             <a:pPr lvl="1"/>
             <a:r>
-              <a:rPr lang="en-US"/>
+              <a:rPr lang="en-US" smtClean="0"/>
               <a:t>Second level</a:t>
             </a:r>
           </a:p>
           <a:p>
             <a:pPr lvl="2"/>
             <a:r>
-              <a:rPr lang="en-US"/>
+              <a:rPr lang="en-US" smtClean="0"/>
               <a:t>Third level</a:t>
             </a:r>
           </a:p>
           <a:p>
             <a:pPr lvl="3"/>
             <a:r>
-              <a:rPr lang="en-US"/>
+              <a:rPr lang="en-US" smtClean="0"/>
               <a:t>Fourth level</a:t>
             </a:r>
           </a:p>
           <a:p>
             <a:pPr lvl="4"/>
             <a:r>
-              <a:rPr lang="en-US"/>
+              <a:rPr lang="en-US" smtClean="0"/>
               <a:t>Fifth level</a:t>
             </a:r>
-          </a:p>
-        </p:txBody>
-      </p:sp>
-      <p:sp>
-        <p:nvSpPr>
-          <p:cNvPr id="4" name="Date Placeholder 3">
-            <a:extLst>
-              <a:ext uri="{FF2B5EF4-FFF2-40B4-BE49-F238E27FC236}">
-                <a16:creationId xmlns:a16="http://schemas.microsoft.com/office/drawing/2014/main" id="{F1822EA5-79EB-4F8A-9988-11524D9B453D}"/>
-              </a:ext>
-            </a:extLst>
-          </p:cNvPr>
+            <a:endParaRPr lang="en-US"/>
+          </a:p>
+        </p:txBody>
+      </p:sp>
+      <p:sp>
+        <p:nvSpPr>
+          <p:cNvPr id="4" name="Date Placeholder 3"/>
           <p:cNvSpPr>
             <a:spLocks noGrp="1"/>
           </p:cNvSpPr>
@@ -5263,7 +5630,7 @@
           <a:p>
             <a:fld id="{58DD293B-D8D0-431A-BBD3-F7FF1DD91784}" type="datetimeFigureOut">
               <a:rPr lang="en-US" smtClean="0"/>
-              <a:t>7/5/2017</a:t>
+              <a:t>7/6/17</a:t>
             </a:fld>
             <a:endParaRPr lang="en-US"/>
           </a:p>
@@ -5271,13 +5638,7 @@
       </p:sp>
       <p:sp>
         <p:nvSpPr>
-          <p:cNvPr id="5" name="Footer Placeholder 4">
-            <a:extLst>
-              <a:ext uri="{FF2B5EF4-FFF2-40B4-BE49-F238E27FC236}">
-                <a16:creationId xmlns:a16="http://schemas.microsoft.com/office/drawing/2014/main" id="{D49BCCBF-76C5-4965-B48B-73B1D8BB2D24}"/>
-              </a:ext>
-            </a:extLst>
-          </p:cNvPr>
+          <p:cNvPr id="5" name="Footer Placeholder 4"/>
           <p:cNvSpPr>
             <a:spLocks noGrp="1"/>
           </p:cNvSpPr>
@@ -5296,13 +5657,7 @@
       </p:sp>
       <p:sp>
         <p:nvSpPr>
-          <p:cNvPr id="6" name="Slide Number Placeholder 5">
-            <a:extLst>
-              <a:ext uri="{FF2B5EF4-FFF2-40B4-BE49-F238E27FC236}">
-                <a16:creationId xmlns:a16="http://schemas.microsoft.com/office/drawing/2014/main" id="{E1916D5C-5648-425B-9D13-1CFC1BAC75C0}"/>
-              </a:ext>
-            </a:extLst>
-          </p:cNvPr>
+          <p:cNvPr id="6" name="Slide Number Placeholder 5"/>
           <p:cNvSpPr>
             <a:spLocks noGrp="1"/>
           </p:cNvSpPr>
@@ -5324,11 +5679,6 @@
         </p:txBody>
       </p:sp>
     </p:spTree>
-    <p:extLst>
-      <p:ext uri="{BB962C8B-B14F-4D97-AF65-F5344CB8AC3E}">
-        <p14:creationId xmlns:p14="http://schemas.microsoft.com/office/powerpoint/2010/main" val="374916280"/>
-      </p:ext>
-    </p:extLst>
   </p:cSld>
   <p:clrMapOvr>
     <a:masterClrMapping/>
@@ -5337,7 +5687,7 @@
 </file>
 
 <file path=ppt/slideLayouts/slideLayout3.xml><?xml version="1.0" encoding="utf-8"?>
-<p:sldLayout xmlns:a="http://schemas.openxmlformats.org/drawingml/2006/main" xmlns:r="http://schemas.openxmlformats.org/officeDocument/2006/relationships" xmlns:p="http://schemas.openxmlformats.org/presentationml/2006/main" type="secHead" preserve="1">
+<p:sldLayout xmlns:a="http://schemas.openxmlformats.org/drawingml/2006/main" xmlns:r="http://schemas.openxmlformats.org/officeDocument/2006/relationships" xmlns:p="http://schemas.openxmlformats.org/presentationml/2006/main" showMasterSp="0" type="secHead" preserve="1">
   <p:cSld name="Section Header">
     <p:spTree>
       <p:nvGrpSpPr>
@@ -5355,13 +5705,261 @@
       </p:grpSpPr>
       <p:sp>
         <p:nvSpPr>
-          <p:cNvPr id="2" name="Title 1">
-            <a:extLst>
-              <a:ext uri="{FF2B5EF4-FFF2-40B4-BE49-F238E27FC236}">
-                <a16:creationId xmlns:a16="http://schemas.microsoft.com/office/drawing/2014/main" id="{D527EB60-B59D-41BD-B965-907A02A0FEC1}"/>
-              </a:ext>
-            </a:extLst>
-          </p:cNvPr>
+          <p:cNvPr id="7" name="Rectangle 6"/>
+          <p:cNvSpPr/>
+          <p:nvPr/>
+        </p:nvSpPr>
+        <p:spPr>
+          <a:xfrm>
+            <a:off x="0" y="0"/>
+            <a:ext cx="12192000" cy="6858000"/>
+          </a:xfrm>
+          <a:prstGeom prst="rect">
+            <a:avLst/>
+          </a:prstGeom>
+          <a:solidFill>
+            <a:srgbClr val="FFFFFF"/>
+          </a:solidFill>
+          <a:ln>
+            <a:noFill/>
+          </a:ln>
+        </p:spPr>
+        <p:style>
+          <a:lnRef idx="2">
+            <a:schemeClr val="accent1">
+              <a:shade val="50000"/>
+            </a:schemeClr>
+          </a:lnRef>
+          <a:fillRef idx="1">
+            <a:schemeClr val="accent1"/>
+          </a:fillRef>
+          <a:effectRef idx="0">
+            <a:schemeClr val="accent1"/>
+          </a:effectRef>
+          <a:fontRef idx="minor">
+            <a:schemeClr val="lt1"/>
+          </a:fontRef>
+        </p:style>
+        <p:txBody>
+          <a:bodyPr rtlCol="0" anchor="ctr"/>
+          <a:lstStyle/>
+          <a:p>
+            <a:pPr algn="ctr"/>
+            <a:endParaRPr lang="en-US"/>
+          </a:p>
+        </p:txBody>
+      </p:sp>
+      <p:sp useBgFill="1">
+        <p:nvSpPr>
+          <p:cNvPr id="8" name="Rounded Rectangle 7"/>
+          <p:cNvSpPr/>
+          <p:nvPr/>
+        </p:nvSpPr>
+        <p:spPr>
+          <a:xfrm>
+            <a:off x="121920" y="101600"/>
+            <a:ext cx="11948160" cy="6664960"/>
+          </a:xfrm>
+          <a:prstGeom prst="roundRect">
+            <a:avLst>
+              <a:gd name="adj" fmla="val 1735"/>
+            </a:avLst>
+          </a:prstGeom>
+          <a:ln w="12700" cmpd="sng">
+            <a:noFill/>
+          </a:ln>
+        </p:spPr>
+        <p:style>
+          <a:lnRef idx="2">
+            <a:schemeClr val="accent1">
+              <a:shade val="50000"/>
+            </a:schemeClr>
+          </a:lnRef>
+          <a:fillRef idx="1">
+            <a:schemeClr val="accent1"/>
+          </a:fillRef>
+          <a:effectRef idx="0">
+            <a:schemeClr val="accent1"/>
+          </a:effectRef>
+          <a:fontRef idx="minor">
+            <a:schemeClr val="lt1"/>
+          </a:fontRef>
+        </p:style>
+        <p:txBody>
+          <a:bodyPr rtlCol="0" anchor="ctr"/>
+          <a:lstStyle/>
+          <a:p>
+            <a:pPr algn="ctr"/>
+            <a:endParaRPr lang="en-US"/>
+          </a:p>
+        </p:txBody>
+      </p:sp>
+      <p:sp>
+        <p:nvSpPr>
+          <p:cNvPr id="4" name="Date Placeholder 3"/>
+          <p:cNvSpPr>
+            <a:spLocks noGrp="1"/>
+          </p:cNvSpPr>
+          <p:nvPr>
+            <p:ph type="dt" sz="half" idx="10"/>
+          </p:nvPr>
+        </p:nvSpPr>
+        <p:spPr/>
+        <p:txBody>
+          <a:bodyPr/>
+          <a:lstStyle/>
+          <a:p>
+            <a:fld id="{BAD22427-B1DD-49E6-9F05-DE0F1467D7DC}" type="datetime4">
+              <a:rPr lang="en-US" smtClean="0"/>
+              <a:pPr/>
+              <a:t>July 6, 2017</a:t>
+            </a:fld>
+            <a:endParaRPr lang="en-US"/>
+          </a:p>
+        </p:txBody>
+      </p:sp>
+      <p:sp>
+        <p:nvSpPr>
+          <p:cNvPr id="13" name="Rectangle 12"/>
+          <p:cNvSpPr/>
+          <p:nvPr/>
+        </p:nvSpPr>
+        <p:spPr>
+          <a:xfrm>
+            <a:off x="602635" y="2946400"/>
+            <a:ext cx="11020213" cy="2463800"/>
+          </a:xfrm>
+          <a:prstGeom prst="rect">
+            <a:avLst/>
+          </a:prstGeom>
+          <a:solidFill>
+            <a:srgbClr val="FFFFFF">
+              <a:alpha val="83000"/>
+            </a:srgbClr>
+          </a:solidFill>
+          <a:ln>
+            <a:noFill/>
+          </a:ln>
+          <a:effectLst>
+            <a:softEdge rad="12700"/>
+          </a:effectLst>
+        </p:spPr>
+        <p:style>
+          <a:lnRef idx="2">
+            <a:schemeClr val="accent1">
+              <a:shade val="50000"/>
+            </a:schemeClr>
+          </a:lnRef>
+          <a:fillRef idx="1">
+            <a:schemeClr val="accent1"/>
+          </a:fillRef>
+          <a:effectRef idx="0">
+            <a:schemeClr val="accent1"/>
+          </a:effectRef>
+          <a:fontRef idx="minor">
+            <a:schemeClr val="lt1"/>
+          </a:fontRef>
+        </p:style>
+        <p:txBody>
+          <a:bodyPr rtlCol="0" anchor="ctr"/>
+          <a:lstStyle/>
+          <a:p>
+            <a:pPr algn="ctr"/>
+            <a:endParaRPr lang="en-US"/>
+          </a:p>
+        </p:txBody>
+      </p:sp>
+      <p:sp>
+        <p:nvSpPr>
+          <p:cNvPr id="16" name="Rectangle 15"/>
+          <p:cNvSpPr/>
+          <p:nvPr/>
+        </p:nvSpPr>
+        <p:spPr>
+          <a:xfrm>
+            <a:off x="756875" y="3048000"/>
+            <a:ext cx="10711733" cy="2245359"/>
+          </a:xfrm>
+          <a:prstGeom prst="rect">
+            <a:avLst/>
+          </a:prstGeom>
+          <a:solidFill>
+            <a:srgbClr val="FFFFFF"/>
+          </a:solidFill>
+          <a:ln w="6350" cmpd="dbl">
+            <a:noFill/>
+          </a:ln>
+        </p:spPr>
+        <p:style>
+          <a:lnRef idx="2">
+            <a:schemeClr val="accent1">
+              <a:shade val="50000"/>
+            </a:schemeClr>
+          </a:lnRef>
+          <a:fillRef idx="1">
+            <a:schemeClr val="accent1"/>
+          </a:fillRef>
+          <a:effectRef idx="0">
+            <a:schemeClr val="accent1"/>
+          </a:effectRef>
+          <a:fontRef idx="minor">
+            <a:schemeClr val="lt1"/>
+          </a:fontRef>
+        </p:style>
+        <p:txBody>
+          <a:bodyPr rtlCol="0" anchor="ctr"/>
+          <a:lstStyle/>
+          <a:p>
+            <a:pPr algn="ctr"/>
+            <a:endParaRPr lang="en-US"/>
+          </a:p>
+        </p:txBody>
+      </p:sp>
+      <p:sp>
+        <p:nvSpPr>
+          <p:cNvPr id="5" name="Footer Placeholder 4"/>
+          <p:cNvSpPr>
+            <a:spLocks noGrp="1"/>
+          </p:cNvSpPr>
+          <p:nvPr>
+            <p:ph type="ftr" sz="quarter" idx="11"/>
+          </p:nvPr>
+        </p:nvSpPr>
+        <p:spPr/>
+        <p:txBody>
+          <a:bodyPr/>
+          <a:lstStyle/>
+          <a:p>
+            <a:endParaRPr lang="en-US"/>
+          </a:p>
+        </p:txBody>
+      </p:sp>
+      <p:sp>
+        <p:nvSpPr>
+          <p:cNvPr id="6" name="Slide Number Placeholder 5"/>
+          <p:cNvSpPr>
+            <a:spLocks noGrp="1"/>
+          </p:cNvSpPr>
+          <p:nvPr>
+            <p:ph type="sldNum" sz="quarter" idx="12"/>
+          </p:nvPr>
+        </p:nvSpPr>
+        <p:spPr/>
+        <p:txBody>
+          <a:bodyPr/>
+          <a:lstStyle/>
+          <a:p>
+            <a:fld id="{4A822907-8A9D-4F6B-98F6-913902AD56B5}" type="slidenum">
+              <a:rPr lang="en-US" smtClean="0"/>
+              <a:t>‹#›</a:t>
+            </a:fld>
+            <a:endParaRPr lang="en-US"/>
+          </a:p>
+        </p:txBody>
+      </p:sp>
+      <p:sp>
+        <p:nvSpPr>
+          <p:cNvPr id="2" name="Title 1"/>
           <p:cNvSpPr>
             <a:spLocks noGrp="1"/>
           </p:cNvSpPr>
@@ -5371,34 +5969,90 @@
         </p:nvSpPr>
         <p:spPr>
           <a:xfrm>
-            <a:off x="831850" y="1709738"/>
-            <a:ext cx="10515600" cy="2852737"/>
+            <a:off x="981941" y="3200400"/>
+            <a:ext cx="10261600" cy="1295401"/>
           </a:xfrm>
         </p:spPr>
         <p:txBody>
-          <a:bodyPr anchor="b"/>
+          <a:bodyPr anchor="b" anchorCtr="0">
+            <a:noAutofit/>
+          </a:bodyPr>
           <a:lstStyle>
-            <a:lvl1pPr>
-              <a:defRPr sz="6000"/>
+            <a:lvl1pPr algn="ctr" defTabSz="914400" rtl="0" eaLnBrk="1" latinLnBrk="0" hangingPunct="1">
+              <a:spcBef>
+                <a:spcPct val="0"/>
+              </a:spcBef>
+              <a:buNone/>
+              <a:defRPr lang="en-US" sz="4000" kern="1200" cap="all" baseline="0" dirty="0">
+                <a:solidFill>
+                  <a:schemeClr val="accent1">
+                    <a:lumMod val="50000"/>
+                  </a:schemeClr>
+                </a:solidFill>
+                <a:latin typeface="+mj-lt"/>
+                <a:ea typeface="+mj-ea"/>
+                <a:cs typeface="+mj-cs"/>
+              </a:defRPr>
             </a:lvl1pPr>
           </a:lstStyle>
           <a:p>
             <a:r>
-              <a:rPr lang="en-US"/>
+              <a:rPr lang="en-US" smtClean="0"/>
               <a:t>Click to edit Master title style</a:t>
             </a:r>
-          </a:p>
-        </p:txBody>
-      </p:sp>
-      <p:sp>
-        <p:nvSpPr>
-          <p:cNvPr id="3" name="Text Placeholder 2">
-            <a:extLst>
-              <a:ext uri="{FF2B5EF4-FFF2-40B4-BE49-F238E27FC236}">
-                <a16:creationId xmlns:a16="http://schemas.microsoft.com/office/drawing/2014/main" id="{29E78B69-3019-4E1D-B67E-24773DC749B5}"/>
-              </a:ext>
-            </a:extLst>
-          </p:cNvPr>
+            <a:endParaRPr lang="en-US" dirty="0"/>
+          </a:p>
+        </p:txBody>
+      </p:sp>
+      <p:sp>
+        <p:nvSpPr>
+          <p:cNvPr id="15" name="Rectangle 14"/>
+          <p:cNvSpPr/>
+          <p:nvPr/>
+        </p:nvSpPr>
+        <p:spPr>
+          <a:xfrm>
+            <a:off x="900661" y="4541521"/>
+            <a:ext cx="10424160" cy="664367"/>
+          </a:xfrm>
+          <a:prstGeom prst="rect">
+            <a:avLst/>
+          </a:prstGeom>
+          <a:solidFill>
+            <a:schemeClr val="accent1"/>
+          </a:solidFill>
+          <a:ln w="6350">
+            <a:noFill/>
+          </a:ln>
+        </p:spPr>
+        <p:style>
+          <a:lnRef idx="2">
+            <a:schemeClr val="accent1">
+              <a:shade val="50000"/>
+            </a:schemeClr>
+          </a:lnRef>
+          <a:fillRef idx="1">
+            <a:schemeClr val="accent1"/>
+          </a:fillRef>
+          <a:effectRef idx="0">
+            <a:schemeClr val="accent1"/>
+          </a:effectRef>
+          <a:fontRef idx="minor">
+            <a:schemeClr val="lt1"/>
+          </a:fontRef>
+        </p:style>
+        <p:txBody>
+          <a:bodyPr rtlCol="0" anchor="ctr"/>
+          <a:lstStyle/>
+          <a:p>
+            <a:pPr algn="ctr"/>
+            <a:endParaRPr lang="en-US"/>
+          </a:p>
+        </p:txBody>
+      </p:sp>
+      <p:sp>
+        <p:nvSpPr>
+          <p:cNvPr id="3" name="Text Placeholder 2"/>
           <p:cNvSpPr>
             <a:spLocks noGrp="1"/>
           </p:cNvSpPr>
@@ -5408,26 +6062,26 @@
         </p:nvSpPr>
         <p:spPr>
           <a:xfrm>
-            <a:off x="831850" y="4589463"/>
-            <a:ext cx="10515600" cy="1500187"/>
+            <a:off x="981941" y="4607511"/>
+            <a:ext cx="10261600" cy="523783"/>
           </a:xfrm>
         </p:spPr>
         <p:txBody>
-          <a:bodyPr/>
+          <a:bodyPr anchor="ctr">
+            <a:normAutofit/>
+          </a:bodyPr>
           <a:lstStyle>
-            <a:lvl1pPr marL="0" indent="0">
+            <a:lvl1pPr marL="0" indent="0" algn="ctr">
               <a:buNone/>
-              <a:defRPr sz="2400">
+              <a:defRPr sz="2000" cap="all" spc="250" baseline="0">
                 <a:solidFill>
-                  <a:schemeClr val="tx1">
-                    <a:tint val="75000"/>
-                  </a:schemeClr>
+                  <a:srgbClr val="FFFFFF"/>
                 </a:solidFill>
               </a:defRPr>
             </a:lvl1pPr>
             <a:lvl2pPr marL="457200" indent="0">
               <a:buNone/>
-              <a:defRPr sz="2000">
+              <a:defRPr sz="1800">
                 <a:solidFill>
                   <a:schemeClr val="tx1">
                     <a:tint val="75000"/>
@@ -5437,7 +6091,7 @@
             </a:lvl2pPr>
             <a:lvl3pPr marL="914400" indent="0">
               <a:buNone/>
-              <a:defRPr sz="1800">
+              <a:defRPr sz="1600">
                 <a:solidFill>
                   <a:schemeClr val="tx1">
                     <a:tint val="75000"/>
@@ -5447,7 +6101,7 @@
             </a:lvl3pPr>
             <a:lvl4pPr marL="1371600" indent="0">
               <a:buNone/>
-              <a:defRPr sz="1600">
+              <a:defRPr sz="1400">
                 <a:solidFill>
                   <a:schemeClr val="tx1">
                     <a:tint val="75000"/>
@@ -5457,7 +6111,7 @@
             </a:lvl4pPr>
             <a:lvl5pPr marL="1828800" indent="0">
               <a:buNone/>
-              <a:defRPr sz="1600">
+              <a:defRPr sz="1400">
                 <a:solidFill>
                   <a:schemeClr val="tx1">
                     <a:tint val="75000"/>
@@ -5467,7 +6121,7 @@
             </a:lvl5pPr>
             <a:lvl6pPr marL="2286000" indent="0">
               <a:buNone/>
-              <a:defRPr sz="1600">
+              <a:defRPr sz="1400">
                 <a:solidFill>
                   <a:schemeClr val="tx1">
                     <a:tint val="75000"/>
@@ -5477,7 +6131,7 @@
             </a:lvl6pPr>
             <a:lvl7pPr marL="2743200" indent="0">
               <a:buNone/>
-              <a:defRPr sz="1600">
+              <a:defRPr sz="1400">
                 <a:solidFill>
                   <a:schemeClr val="tx1">
                     <a:tint val="75000"/>
@@ -5487,7 +6141,7 @@
             </a:lvl7pPr>
             <a:lvl8pPr marL="3200400" indent="0">
               <a:buNone/>
-              <a:defRPr sz="1600">
+              <a:defRPr sz="1400">
                 <a:solidFill>
                   <a:schemeClr val="tx1">
                     <a:tint val="75000"/>
@@ -5497,7 +6151,7 @@
             </a:lvl8pPr>
             <a:lvl9pPr marL="3657600" indent="0">
               <a:buNone/>
-              <a:defRPr sz="1600">
+              <a:defRPr sz="1400">
                 <a:solidFill>
                   <a:schemeClr val="tx1">
                     <a:tint val="75000"/>
@@ -5509,101 +6163,61 @@
           <a:p>
             <a:pPr lvl="0"/>
             <a:r>
-              <a:rPr lang="en-US"/>
-              <a:t>Edit Master text styles</a:t>
-            </a:r>
-          </a:p>
-        </p:txBody>
-      </p:sp>
-      <p:sp>
-        <p:nvSpPr>
-          <p:cNvPr id="4" name="Date Placeholder 3">
-            <a:extLst>
-              <a:ext uri="{FF2B5EF4-FFF2-40B4-BE49-F238E27FC236}">
-                <a16:creationId xmlns:a16="http://schemas.microsoft.com/office/drawing/2014/main" id="{B81884BD-E819-4A01-BAF4-8EF3E02BBC75}"/>
-              </a:ext>
-            </a:extLst>
-          </p:cNvPr>
-          <p:cNvSpPr>
-            <a:spLocks noGrp="1"/>
-          </p:cNvSpPr>
-          <p:nvPr>
-            <p:ph type="dt" sz="half" idx="10"/>
-          </p:nvPr>
-        </p:nvSpPr>
-        <p:spPr/>
-        <p:txBody>
-          <a:bodyPr/>
+              <a:rPr lang="en-US" smtClean="0"/>
+              <a:t>Click to edit Master text styles</a:t>
+            </a:r>
+          </a:p>
+        </p:txBody>
+      </p:sp>
+      <p:sp>
+        <p:nvSpPr>
+          <p:cNvPr id="14" name="Rectangle 13"/>
+          <p:cNvSpPr/>
+          <p:nvPr/>
+        </p:nvSpPr>
+        <p:spPr>
+          <a:xfrm>
+            <a:off x="901010" y="3124200"/>
+            <a:ext cx="10423465" cy="2077720"/>
+          </a:xfrm>
+          <a:prstGeom prst="rect">
+            <a:avLst/>
+          </a:prstGeom>
+          <a:noFill/>
+          <a:ln w="6350" cmpd="dbl">
+            <a:solidFill>
+              <a:schemeClr val="accent1">
+                <a:lumMod val="75000"/>
+              </a:schemeClr>
+            </a:solidFill>
+          </a:ln>
+        </p:spPr>
+        <p:style>
+          <a:lnRef idx="2">
+            <a:schemeClr val="accent1">
+              <a:shade val="50000"/>
+            </a:schemeClr>
+          </a:lnRef>
+          <a:fillRef idx="1">
+            <a:schemeClr val="accent1"/>
+          </a:fillRef>
+          <a:effectRef idx="0">
+            <a:schemeClr val="accent1"/>
+          </a:effectRef>
+          <a:fontRef idx="minor">
+            <a:schemeClr val="lt1"/>
+          </a:fontRef>
+        </p:style>
+        <p:txBody>
+          <a:bodyPr rtlCol="0" anchor="ctr"/>
           <a:lstStyle/>
           <a:p>
-            <a:fld id="{58DD293B-D8D0-431A-BBD3-F7FF1DD91784}" type="datetimeFigureOut">
-              <a:rPr lang="en-US" smtClean="0"/>
-              <a:t>7/5/2017</a:t>
-            </a:fld>
+            <a:pPr algn="ctr"/>
             <a:endParaRPr lang="en-US"/>
           </a:p>
         </p:txBody>
       </p:sp>
-      <p:sp>
-        <p:nvSpPr>
-          <p:cNvPr id="5" name="Footer Placeholder 4">
-            <a:extLst>
-              <a:ext uri="{FF2B5EF4-FFF2-40B4-BE49-F238E27FC236}">
-                <a16:creationId xmlns:a16="http://schemas.microsoft.com/office/drawing/2014/main" id="{E6573670-40B0-4A6C-8347-05AF6084FCE7}"/>
-              </a:ext>
-            </a:extLst>
-          </p:cNvPr>
-          <p:cNvSpPr>
-            <a:spLocks noGrp="1"/>
-          </p:cNvSpPr>
-          <p:nvPr>
-            <p:ph type="ftr" sz="quarter" idx="11"/>
-          </p:nvPr>
-        </p:nvSpPr>
-        <p:spPr/>
-        <p:txBody>
-          <a:bodyPr/>
-          <a:lstStyle/>
-          <a:p>
-            <a:endParaRPr lang="en-US"/>
-          </a:p>
-        </p:txBody>
-      </p:sp>
-      <p:sp>
-        <p:nvSpPr>
-          <p:cNvPr id="6" name="Slide Number Placeholder 5">
-            <a:extLst>
-              <a:ext uri="{FF2B5EF4-FFF2-40B4-BE49-F238E27FC236}">
-                <a16:creationId xmlns:a16="http://schemas.microsoft.com/office/drawing/2014/main" id="{370156E3-3AD2-44B1-8E73-6C361E162849}"/>
-              </a:ext>
-            </a:extLst>
-          </p:cNvPr>
-          <p:cNvSpPr>
-            <a:spLocks noGrp="1"/>
-          </p:cNvSpPr>
-          <p:nvPr>
-            <p:ph type="sldNum" sz="quarter" idx="12"/>
-          </p:nvPr>
-        </p:nvSpPr>
-        <p:spPr/>
-        <p:txBody>
-          <a:bodyPr/>
-          <a:lstStyle/>
-          <a:p>
-            <a:fld id="{2DCCC896-0300-4576-ADB3-6A10FD79B701}" type="slidenum">
-              <a:rPr lang="en-US" smtClean="0"/>
-              <a:t>‹#›</a:t>
-            </a:fld>
-            <a:endParaRPr lang="en-US"/>
-          </a:p>
-        </p:txBody>
-      </p:sp>
     </p:spTree>
-    <p:extLst>
-      <p:ext uri="{BB962C8B-B14F-4D97-AF65-F5344CB8AC3E}">
-        <p14:creationId xmlns:p14="http://schemas.microsoft.com/office/powerpoint/2010/main" val="2943510621"/>
-      </p:ext>
-    </p:extLst>
   </p:cSld>
   <p:clrMapOvr>
     <a:masterClrMapping/>
@@ -5630,13 +6244,7 @@
       </p:grpSpPr>
       <p:sp>
         <p:nvSpPr>
-          <p:cNvPr id="2" name="Title 1">
-            <a:extLst>
-              <a:ext uri="{FF2B5EF4-FFF2-40B4-BE49-F238E27FC236}">
-                <a16:creationId xmlns:a16="http://schemas.microsoft.com/office/drawing/2014/main" id="{9DE7800A-4938-4BF6-A69D-26070803DDD1}"/>
-              </a:ext>
-            </a:extLst>
-          </p:cNvPr>
+          <p:cNvPr id="2" name="Title 1"/>
           <p:cNvSpPr>
             <a:spLocks noGrp="1"/>
           </p:cNvSpPr>
@@ -5644,27 +6252,27 @@
             <p:ph type="title"/>
           </p:nvPr>
         </p:nvSpPr>
-        <p:spPr/>
+        <p:spPr>
+          <a:xfrm>
+            <a:off x="568171" y="408373"/>
+            <a:ext cx="11014229" cy="1039427"/>
+          </a:xfrm>
+        </p:spPr>
         <p:txBody>
           <a:bodyPr/>
           <a:lstStyle/>
           <a:p>
             <a:r>
-              <a:rPr lang="en-US"/>
+              <a:rPr lang="en-US" smtClean="0"/>
               <a:t>Click to edit Master title style</a:t>
             </a:r>
-          </a:p>
-        </p:txBody>
-      </p:sp>
-      <p:sp>
-        <p:nvSpPr>
-          <p:cNvPr id="3" name="Content Placeholder 2">
-            <a:extLst>
-              <a:ext uri="{FF2B5EF4-FFF2-40B4-BE49-F238E27FC236}">
-                <a16:creationId xmlns:a16="http://schemas.microsoft.com/office/drawing/2014/main" id="{BEB0D8AB-6941-41B1-B6CB-89404F31542F}"/>
-              </a:ext>
-            </a:extLst>
-          </p:cNvPr>
+            <a:endParaRPr lang="en-US"/>
+          </a:p>
+        </p:txBody>
+      </p:sp>
+      <p:sp>
+        <p:nvSpPr>
+          <p:cNvPr id="3" name="Content Placeholder 2"/>
           <p:cNvSpPr>
             <a:spLocks noGrp="1"/>
           </p:cNvSpPr>
@@ -5674,59 +6282,82 @@
         </p:nvSpPr>
         <p:spPr>
           <a:xfrm>
-            <a:off x="838200" y="1825625"/>
-            <a:ext cx="5181600" cy="4351338"/>
+            <a:off x="568171" y="1719071"/>
+            <a:ext cx="5384800" cy="4407408"/>
           </a:xfrm>
         </p:spPr>
         <p:txBody>
           <a:bodyPr/>
-          <a:lstStyle/>
+          <a:lstStyle>
+            <a:lvl1pPr>
+              <a:defRPr sz="2800"/>
+            </a:lvl1pPr>
+            <a:lvl2pPr>
+              <a:defRPr sz="2400"/>
+            </a:lvl2pPr>
+            <a:lvl3pPr>
+              <a:defRPr sz="2000"/>
+            </a:lvl3pPr>
+            <a:lvl4pPr>
+              <a:defRPr sz="1800"/>
+            </a:lvl4pPr>
+            <a:lvl5pPr>
+              <a:defRPr sz="1800"/>
+            </a:lvl5pPr>
+            <a:lvl6pPr>
+              <a:defRPr sz="1800"/>
+            </a:lvl6pPr>
+            <a:lvl7pPr>
+              <a:defRPr sz="1800"/>
+            </a:lvl7pPr>
+            <a:lvl8pPr>
+              <a:defRPr sz="1800"/>
+            </a:lvl8pPr>
+            <a:lvl9pPr>
+              <a:defRPr sz="1800"/>
+            </a:lvl9pPr>
+          </a:lstStyle>
           <a:p>
             <a:pPr lvl="0"/>
             <a:r>
-              <a:rPr lang="en-US"/>
-              <a:t>Edit Master text styles</a:t>
+              <a:rPr lang="en-US" smtClean="0"/>
+              <a:t>Click to edit Master text styles</a:t>
             </a:r>
           </a:p>
           <a:p>
             <a:pPr lvl="1"/>
             <a:r>
-              <a:rPr lang="en-US"/>
+              <a:rPr lang="en-US" smtClean="0"/>
               <a:t>Second level</a:t>
             </a:r>
           </a:p>
           <a:p>
             <a:pPr lvl="2"/>
             <a:r>
-              <a:rPr lang="en-US"/>
+              <a:rPr lang="en-US" smtClean="0"/>
               <a:t>Third level</a:t>
             </a:r>
           </a:p>
           <a:p>
             <a:pPr lvl="3"/>
             <a:r>
-              <a:rPr lang="en-US"/>
+              <a:rPr lang="en-US" smtClean="0"/>
               <a:t>Fourth level</a:t>
             </a:r>
           </a:p>
           <a:p>
             <a:pPr lvl="4"/>
             <a:r>
-              <a:rPr lang="en-US"/>
+              <a:rPr lang="en-US" smtClean="0"/>
               <a:t>Fifth level</a:t>
             </a:r>
-          </a:p>
-        </p:txBody>
-      </p:sp>
-      <p:sp>
-        <p:nvSpPr>
-          <p:cNvPr id="4" name="Content Placeholder 3">
-            <a:extLst>
-              <a:ext uri="{FF2B5EF4-FFF2-40B4-BE49-F238E27FC236}">
-                <a16:creationId xmlns:a16="http://schemas.microsoft.com/office/drawing/2014/main" id="{3DCB2139-4F8F-41B3-B169-6E033B982B67}"/>
-              </a:ext>
-            </a:extLst>
-          </p:cNvPr>
+            <a:endParaRPr lang="en-US" dirty="0"/>
+          </a:p>
+        </p:txBody>
+      </p:sp>
+      <p:sp>
+        <p:nvSpPr>
+          <p:cNvPr id="4" name="Content Placeholder 3"/>
           <p:cNvSpPr>
             <a:spLocks noGrp="1"/>
           </p:cNvSpPr>
@@ -5736,59 +6367,82 @@
         </p:nvSpPr>
         <p:spPr>
           <a:xfrm>
-            <a:off x="6172200" y="1825625"/>
-            <a:ext cx="5181600" cy="4351338"/>
+            <a:off x="6197600" y="1719071"/>
+            <a:ext cx="5384800" cy="4407408"/>
           </a:xfrm>
         </p:spPr>
         <p:txBody>
           <a:bodyPr/>
-          <a:lstStyle/>
+          <a:lstStyle>
+            <a:lvl1pPr>
+              <a:defRPr sz="2800"/>
+            </a:lvl1pPr>
+            <a:lvl2pPr>
+              <a:defRPr sz="2400"/>
+            </a:lvl2pPr>
+            <a:lvl3pPr>
+              <a:defRPr sz="2000"/>
+            </a:lvl3pPr>
+            <a:lvl4pPr>
+              <a:defRPr sz="1800"/>
+            </a:lvl4pPr>
+            <a:lvl5pPr>
+              <a:defRPr sz="1800"/>
+            </a:lvl5pPr>
+            <a:lvl6pPr>
+              <a:defRPr sz="1800"/>
+            </a:lvl6pPr>
+            <a:lvl7pPr>
+              <a:defRPr sz="1800"/>
+            </a:lvl7pPr>
+            <a:lvl8pPr>
+              <a:defRPr sz="1800"/>
+            </a:lvl8pPr>
+            <a:lvl9pPr>
+              <a:defRPr sz="1800"/>
+            </a:lvl9pPr>
+          </a:lstStyle>
           <a:p>
             <a:pPr lvl="0"/>
             <a:r>
-              <a:rPr lang="en-US"/>
-              <a:t>Edit Master text styles</a:t>
+              <a:rPr lang="en-US" smtClean="0"/>
+              <a:t>Click to edit Master text styles</a:t>
             </a:r>
           </a:p>
           <a:p>
             <a:pPr lvl="1"/>
             <a:r>
-              <a:rPr lang="en-US"/>
+              <a:rPr lang="en-US" smtClean="0"/>
               <a:t>Second level</a:t>
             </a:r>
           </a:p>
           <a:p>
             <a:pPr lvl="2"/>
             <a:r>
-              <a:rPr lang="en-US"/>
+              <a:rPr lang="en-US" smtClean="0"/>
               <a:t>Third level</a:t>
             </a:r>
           </a:p>
           <a:p>
             <a:pPr lvl="3"/>
             <a:r>
-              <a:rPr lang="en-US"/>
+              <a:rPr lang="en-US" smtClean="0"/>
               <a:t>Fourth level</a:t>
             </a:r>
           </a:p>
           <a:p>
             <a:pPr lvl="4"/>
             <a:r>
-              <a:rPr lang="en-US"/>
+              <a:rPr lang="en-US" smtClean="0"/>
               <a:t>Fifth level</a:t>
             </a:r>
-          </a:p>
-        </p:txBody>
-      </p:sp>
-      <p:sp>
-        <p:nvSpPr>
-          <p:cNvPr id="5" name="Date Placeholder 4">
-            <a:extLst>
-              <a:ext uri="{FF2B5EF4-FFF2-40B4-BE49-F238E27FC236}">
-                <a16:creationId xmlns:a16="http://schemas.microsoft.com/office/drawing/2014/main" id="{21B85EAE-FEE3-40FF-AA83-95514A528C7C}"/>
-              </a:ext>
-            </a:extLst>
-          </p:cNvPr>
+            <a:endParaRPr lang="en-US" dirty="0"/>
+          </a:p>
+        </p:txBody>
+      </p:sp>
+      <p:sp>
+        <p:nvSpPr>
+          <p:cNvPr id="5" name="Date Placeholder 4"/>
           <p:cNvSpPr>
             <a:spLocks noGrp="1"/>
           </p:cNvSpPr>
@@ -5803,7 +6457,7 @@
           <a:p>
             <a:fld id="{58DD293B-D8D0-431A-BBD3-F7FF1DD91784}" type="datetimeFigureOut">
               <a:rPr lang="en-US" smtClean="0"/>
-              <a:t>7/5/2017</a:t>
+              <a:t>7/6/17</a:t>
             </a:fld>
             <a:endParaRPr lang="en-US"/>
           </a:p>
@@ -5811,13 +6465,7 @@
       </p:sp>
       <p:sp>
         <p:nvSpPr>
-          <p:cNvPr id="6" name="Footer Placeholder 5">
-            <a:extLst>
-              <a:ext uri="{FF2B5EF4-FFF2-40B4-BE49-F238E27FC236}">
-                <a16:creationId xmlns:a16="http://schemas.microsoft.com/office/drawing/2014/main" id="{9D57528E-F859-49F0-BB53-F5BB1D86E43F}"/>
-              </a:ext>
-            </a:extLst>
-          </p:cNvPr>
+          <p:cNvPr id="6" name="Footer Placeholder 5"/>
           <p:cNvSpPr>
             <a:spLocks noGrp="1"/>
           </p:cNvSpPr>
@@ -5836,13 +6484,7 @@
       </p:sp>
       <p:sp>
         <p:nvSpPr>
-          <p:cNvPr id="7" name="Slide Number Placeholder 6">
-            <a:extLst>
-              <a:ext uri="{FF2B5EF4-FFF2-40B4-BE49-F238E27FC236}">
-                <a16:creationId xmlns:a16="http://schemas.microsoft.com/office/drawing/2014/main" id="{FEBB1873-F68D-48D3-87DA-BAA1FB726405}"/>
-              </a:ext>
-            </a:extLst>
-          </p:cNvPr>
+          <p:cNvPr id="7" name="Slide Number Placeholder 6"/>
           <p:cNvSpPr>
             <a:spLocks noGrp="1"/>
           </p:cNvSpPr>
@@ -5864,11 +6506,6 @@
         </p:txBody>
       </p:sp>
     </p:spTree>
-    <p:extLst>
-      <p:ext uri="{BB962C8B-B14F-4D97-AF65-F5344CB8AC3E}">
-        <p14:creationId xmlns:p14="http://schemas.microsoft.com/office/powerpoint/2010/main" val="1220831102"/>
-      </p:ext>
-    </p:extLst>
   </p:cSld>
   <p:clrMapOvr>
     <a:masterClrMapping/>
@@ -5895,13 +6532,7 @@
       </p:grpSpPr>
       <p:sp>
         <p:nvSpPr>
-          <p:cNvPr id="2" name="Title 1">
-            <a:extLst>
-              <a:ext uri="{FF2B5EF4-FFF2-40B4-BE49-F238E27FC236}">
-                <a16:creationId xmlns:a16="http://schemas.microsoft.com/office/drawing/2014/main" id="{15B09C07-6BC5-40B8-A3CA-19B04C8D16D0}"/>
-              </a:ext>
-            </a:extLst>
-          </p:cNvPr>
+          <p:cNvPr id="2" name="Title 1"/>
           <p:cNvSpPr>
             <a:spLocks noGrp="1"/>
           </p:cNvSpPr>
@@ -5911,30 +6542,29 @@
         </p:nvSpPr>
         <p:spPr>
           <a:xfrm>
-            <a:off x="839788" y="365125"/>
-            <a:ext cx="10515600" cy="1325563"/>
+            <a:off x="568171" y="408373"/>
+            <a:ext cx="11014229" cy="1039427"/>
           </a:xfrm>
         </p:spPr>
         <p:txBody>
           <a:bodyPr/>
-          <a:lstStyle/>
-          <a:p>
-            <a:r>
-              <a:rPr lang="en-US"/>
+          <a:lstStyle>
+            <a:lvl1pPr>
+              <a:defRPr/>
+            </a:lvl1pPr>
+          </a:lstStyle>
+          <a:p>
+            <a:r>
+              <a:rPr lang="en-US" smtClean="0"/>
               <a:t>Click to edit Master title style</a:t>
             </a:r>
-          </a:p>
-        </p:txBody>
-      </p:sp>
-      <p:sp>
-        <p:nvSpPr>
-          <p:cNvPr id="3" name="Text Placeholder 2">
-            <a:extLst>
-              <a:ext uri="{FF2B5EF4-FFF2-40B4-BE49-F238E27FC236}">
-                <a16:creationId xmlns:a16="http://schemas.microsoft.com/office/drawing/2014/main" id="{369547EE-2DA5-4454-99D5-8B1C54CA484A}"/>
-              </a:ext>
-            </a:extLst>
-          </p:cNvPr>
+            <a:endParaRPr lang="en-US"/>
+          </a:p>
+        </p:txBody>
+      </p:sp>
+      <p:sp>
+        <p:nvSpPr>
+          <p:cNvPr id="3" name="Text Placeholder 2"/>
           <p:cNvSpPr>
             <a:spLocks noGrp="1"/>
           </p:cNvSpPr>
@@ -5944,16 +6574,18 @@
         </p:nvSpPr>
         <p:spPr>
           <a:xfrm>
-            <a:off x="839788" y="1681163"/>
-            <a:ext cx="5157787" cy="823912"/>
+            <a:off x="568171" y="1722438"/>
+            <a:ext cx="5386917" cy="639762"/>
           </a:xfrm>
         </p:spPr>
         <p:txBody>
-          <a:bodyPr anchor="b"/>
+          <a:bodyPr anchor="b">
+            <a:noAutofit/>
+          </a:bodyPr>
           <a:lstStyle>
-            <a:lvl1pPr marL="0" indent="0">
+            <a:lvl1pPr marL="0" indent="0" algn="ctr">
               <a:buNone/>
-              <a:defRPr sz="2400" b="1"/>
+              <a:defRPr sz="2200" b="1"/>
             </a:lvl1pPr>
             <a:lvl2pPr marL="457200" indent="0">
               <a:buNone/>
@@ -5991,21 +6623,15 @@
           <a:p>
             <a:pPr lvl="0"/>
             <a:r>
-              <a:rPr lang="en-US"/>
-              <a:t>Edit Master text styles</a:t>
-            </a:r>
-          </a:p>
-        </p:txBody>
-      </p:sp>
-      <p:sp>
-        <p:nvSpPr>
-          <p:cNvPr id="4" name="Content Placeholder 3">
-            <a:extLst>
-              <a:ext uri="{FF2B5EF4-FFF2-40B4-BE49-F238E27FC236}">
-                <a16:creationId xmlns:a16="http://schemas.microsoft.com/office/drawing/2014/main" id="{795FC7E3-806A-427A-81FE-AF318529F1FF}"/>
-              </a:ext>
-            </a:extLst>
-          </p:cNvPr>
+              <a:rPr lang="en-US" smtClean="0"/>
+              <a:t>Click to edit Master text styles</a:t>
+            </a:r>
+          </a:p>
+        </p:txBody>
+      </p:sp>
+      <p:sp>
+        <p:nvSpPr>
+          <p:cNvPr id="4" name="Content Placeholder 3"/>
           <p:cNvSpPr>
             <a:spLocks noGrp="1"/>
           </p:cNvSpPr>
@@ -6015,59 +6641,82 @@
         </p:nvSpPr>
         <p:spPr>
           <a:xfrm>
-            <a:off x="839788" y="2505075"/>
-            <a:ext cx="5157787" cy="3684588"/>
+            <a:off x="568171" y="2438400"/>
+            <a:ext cx="5386917" cy="3687762"/>
           </a:xfrm>
         </p:spPr>
         <p:txBody>
           <a:bodyPr/>
-          <a:lstStyle/>
+          <a:lstStyle>
+            <a:lvl1pPr>
+              <a:defRPr sz="2400"/>
+            </a:lvl1pPr>
+            <a:lvl2pPr>
+              <a:defRPr sz="2000"/>
+            </a:lvl2pPr>
+            <a:lvl3pPr>
+              <a:defRPr sz="1800"/>
+            </a:lvl3pPr>
+            <a:lvl4pPr>
+              <a:defRPr sz="1600"/>
+            </a:lvl4pPr>
+            <a:lvl5pPr>
+              <a:defRPr sz="1600"/>
+            </a:lvl5pPr>
+            <a:lvl6pPr>
+              <a:defRPr sz="1600"/>
+            </a:lvl6pPr>
+            <a:lvl7pPr>
+              <a:defRPr sz="1600"/>
+            </a:lvl7pPr>
+            <a:lvl8pPr>
+              <a:defRPr sz="1600"/>
+            </a:lvl8pPr>
+            <a:lvl9pPr>
+              <a:defRPr sz="1600"/>
+            </a:lvl9pPr>
+          </a:lstStyle>
           <a:p>
             <a:pPr lvl="0"/>
             <a:r>
-              <a:rPr lang="en-US"/>
-              <a:t>Edit Master text styles</a:t>
+              <a:rPr lang="en-US" smtClean="0"/>
+              <a:t>Click to edit Master text styles</a:t>
             </a:r>
           </a:p>
           <a:p>
             <a:pPr lvl="1"/>
             <a:r>
-              <a:rPr lang="en-US"/>
+              <a:rPr lang="en-US" smtClean="0"/>
               <a:t>Second level</a:t>
             </a:r>
           </a:p>
           <a:p>
             <a:pPr lvl="2"/>
             <a:r>
-              <a:rPr lang="en-US"/>
+              <a:rPr lang="en-US" smtClean="0"/>
               <a:t>Third level</a:t>
             </a:r>
           </a:p>
           <a:p>
             <a:pPr lvl="3"/>
             <a:r>
-              <a:rPr lang="en-US"/>
+              <a:rPr lang="en-US" smtClean="0"/>
               <a:t>Fourth level</a:t>
             </a:r>
           </a:p>
           <a:p>
             <a:pPr lvl="4"/>
             <a:r>
-              <a:rPr lang="en-US"/>
+              <a:rPr lang="en-US" smtClean="0"/>
               <a:t>Fifth level</a:t>
             </a:r>
-          </a:p>
-        </p:txBody>
-      </p:sp>
-      <p:sp>
-        <p:nvSpPr>
-          <p:cNvPr id="5" name="Text Placeholder 4">
-            <a:extLst>
-              <a:ext uri="{FF2B5EF4-FFF2-40B4-BE49-F238E27FC236}">
-                <a16:creationId xmlns:a16="http://schemas.microsoft.com/office/drawing/2014/main" id="{540E602A-C6C6-4FE0-93BD-CF9F7930C263}"/>
-              </a:ext>
-            </a:extLst>
-          </p:cNvPr>
+            <a:endParaRPr lang="en-US" dirty="0"/>
+          </a:p>
+        </p:txBody>
+      </p:sp>
+      <p:sp>
+        <p:nvSpPr>
+          <p:cNvPr id="5" name="Text Placeholder 4"/>
           <p:cNvSpPr>
             <a:spLocks noGrp="1"/>
           </p:cNvSpPr>
@@ -6077,16 +6726,18 @@
         </p:nvSpPr>
         <p:spPr>
           <a:xfrm>
-            <a:off x="6172200" y="1681163"/>
-            <a:ext cx="5183188" cy="823912"/>
+            <a:off x="6193368" y="1722438"/>
+            <a:ext cx="5389033" cy="639762"/>
           </a:xfrm>
         </p:spPr>
         <p:txBody>
-          <a:bodyPr anchor="b"/>
+          <a:bodyPr anchor="b">
+            <a:noAutofit/>
+          </a:bodyPr>
           <a:lstStyle>
-            <a:lvl1pPr marL="0" indent="0">
+            <a:lvl1pPr marL="0" indent="0" algn="ctr">
               <a:buNone/>
-              <a:defRPr sz="2400" b="1"/>
+              <a:defRPr sz="2200" b="1"/>
             </a:lvl1pPr>
             <a:lvl2pPr marL="457200" indent="0">
               <a:buNone/>
@@ -6124,21 +6775,15 @@
           <a:p>
             <a:pPr lvl="0"/>
             <a:r>
-              <a:rPr lang="en-US"/>
-              <a:t>Edit Master text styles</a:t>
-            </a:r>
-          </a:p>
-        </p:txBody>
-      </p:sp>
-      <p:sp>
-        <p:nvSpPr>
-          <p:cNvPr id="6" name="Content Placeholder 5">
-            <a:extLst>
-              <a:ext uri="{FF2B5EF4-FFF2-40B4-BE49-F238E27FC236}">
-                <a16:creationId xmlns:a16="http://schemas.microsoft.com/office/drawing/2014/main" id="{B51B0000-FF70-473C-81AE-FBCD2548AA3B}"/>
-              </a:ext>
-            </a:extLst>
-          </p:cNvPr>
+              <a:rPr lang="en-US" smtClean="0"/>
+              <a:t>Click to edit Master text styles</a:t>
+            </a:r>
+          </a:p>
+        </p:txBody>
+      </p:sp>
+      <p:sp>
+        <p:nvSpPr>
+          <p:cNvPr id="6" name="Content Placeholder 5"/>
           <p:cNvSpPr>
             <a:spLocks noGrp="1"/>
           </p:cNvSpPr>
@@ -6148,59 +6793,82 @@
         </p:nvSpPr>
         <p:spPr>
           <a:xfrm>
-            <a:off x="6172200" y="2505075"/>
-            <a:ext cx="5183188" cy="3684588"/>
+            <a:off x="6193368" y="2438400"/>
+            <a:ext cx="5389033" cy="3687762"/>
           </a:xfrm>
         </p:spPr>
         <p:txBody>
           <a:bodyPr/>
-          <a:lstStyle/>
+          <a:lstStyle>
+            <a:lvl1pPr>
+              <a:defRPr sz="2400"/>
+            </a:lvl1pPr>
+            <a:lvl2pPr>
+              <a:defRPr sz="2000"/>
+            </a:lvl2pPr>
+            <a:lvl3pPr>
+              <a:defRPr sz="1800"/>
+            </a:lvl3pPr>
+            <a:lvl4pPr>
+              <a:defRPr sz="1600"/>
+            </a:lvl4pPr>
+            <a:lvl5pPr>
+              <a:defRPr sz="1600"/>
+            </a:lvl5pPr>
+            <a:lvl6pPr>
+              <a:defRPr sz="1600"/>
+            </a:lvl6pPr>
+            <a:lvl7pPr>
+              <a:defRPr sz="1600"/>
+            </a:lvl7pPr>
+            <a:lvl8pPr>
+              <a:defRPr sz="1600"/>
+            </a:lvl8pPr>
+            <a:lvl9pPr>
+              <a:defRPr sz="1600"/>
+            </a:lvl9pPr>
+          </a:lstStyle>
           <a:p>
             <a:pPr lvl="0"/>
             <a:r>
-              <a:rPr lang="en-US"/>
-              <a:t>Edit Master text styles</a:t>
+              <a:rPr lang="en-US" smtClean="0"/>
+              <a:t>Click to edit Master text styles</a:t>
             </a:r>
           </a:p>
           <a:p>
             <a:pPr lvl="1"/>
             <a:r>
-              <a:rPr lang="en-US"/>
+              <a:rPr lang="en-US" smtClean="0"/>
               <a:t>Second level</a:t>
             </a:r>
           </a:p>
           <a:p>
             <a:pPr lvl="2"/>
             <a:r>
-              <a:rPr lang="en-US"/>
+              <a:rPr lang="en-US" smtClean="0"/>
               <a:t>Third level</a:t>
             </a:r>
           </a:p>
           <a:p>
             <a:pPr lvl="3"/>
             <a:r>
-              <a:rPr lang="en-US"/>
+              <a:rPr lang="en-US" smtClean="0"/>
               <a:t>Fourth level</a:t>
             </a:r>
           </a:p>
           <a:p>
             <a:pPr lvl="4"/>
             <a:r>
-              <a:rPr lang="en-US"/>
+              <a:rPr lang="en-US" smtClean="0"/>
               <a:t>Fifth level</a:t>
             </a:r>
-          </a:p>
-        </p:txBody>
-      </p:sp>
-      <p:sp>
-        <p:nvSpPr>
-          <p:cNvPr id="7" name="Date Placeholder 6">
-            <a:extLst>
-              <a:ext uri="{FF2B5EF4-FFF2-40B4-BE49-F238E27FC236}">
-                <a16:creationId xmlns:a16="http://schemas.microsoft.com/office/drawing/2014/main" id="{66C81ADE-7E7B-49A2-9C8F-22EC0F5F0EEB}"/>
-              </a:ext>
-            </a:extLst>
-          </p:cNvPr>
+            <a:endParaRPr lang="en-US" dirty="0"/>
+          </a:p>
+        </p:txBody>
+      </p:sp>
+      <p:sp>
+        <p:nvSpPr>
+          <p:cNvPr id="7" name="Date Placeholder 6"/>
           <p:cNvSpPr>
             <a:spLocks noGrp="1"/>
           </p:cNvSpPr>
@@ -6215,7 +6883,7 @@
           <a:p>
             <a:fld id="{58DD293B-D8D0-431A-BBD3-F7FF1DD91784}" type="datetimeFigureOut">
               <a:rPr lang="en-US" smtClean="0"/>
-              <a:t>7/5/2017</a:t>
+              <a:t>7/6/17</a:t>
             </a:fld>
             <a:endParaRPr lang="en-US"/>
           </a:p>
@@ -6223,13 +6891,7 @@
       </p:sp>
       <p:sp>
         <p:nvSpPr>
-          <p:cNvPr id="8" name="Footer Placeholder 7">
-            <a:extLst>
-              <a:ext uri="{FF2B5EF4-FFF2-40B4-BE49-F238E27FC236}">
-                <a16:creationId xmlns:a16="http://schemas.microsoft.com/office/drawing/2014/main" id="{F3BAB9DA-466A-4757-8154-FE316C9B3EBC}"/>
-              </a:ext>
-            </a:extLst>
-          </p:cNvPr>
+          <p:cNvPr id="8" name="Footer Placeholder 7"/>
           <p:cNvSpPr>
             <a:spLocks noGrp="1"/>
           </p:cNvSpPr>
@@ -6248,13 +6910,7 @@
       </p:sp>
       <p:sp>
         <p:nvSpPr>
-          <p:cNvPr id="9" name="Slide Number Placeholder 8">
-            <a:extLst>
-              <a:ext uri="{FF2B5EF4-FFF2-40B4-BE49-F238E27FC236}">
-                <a16:creationId xmlns:a16="http://schemas.microsoft.com/office/drawing/2014/main" id="{0630BD98-8F1E-41B0-A622-8C5E95DA2BC4}"/>
-              </a:ext>
-            </a:extLst>
-          </p:cNvPr>
+          <p:cNvPr id="9" name="Slide Number Placeholder 8"/>
           <p:cNvSpPr>
             <a:spLocks noGrp="1"/>
           </p:cNvSpPr>
@@ -6276,11 +6932,6 @@
         </p:txBody>
       </p:sp>
     </p:spTree>
-    <p:extLst>
-      <p:ext uri="{BB962C8B-B14F-4D97-AF65-F5344CB8AC3E}">
-        <p14:creationId xmlns:p14="http://schemas.microsoft.com/office/powerpoint/2010/main" val="2473316882"/>
-      </p:ext>
-    </p:extLst>
   </p:cSld>
   <p:clrMapOvr>
     <a:masterClrMapping/>
@@ -6307,13 +6958,7 @@
       </p:grpSpPr>
       <p:sp>
         <p:nvSpPr>
-          <p:cNvPr id="2" name="Title 1">
-            <a:extLst>
-              <a:ext uri="{FF2B5EF4-FFF2-40B4-BE49-F238E27FC236}">
-                <a16:creationId xmlns:a16="http://schemas.microsoft.com/office/drawing/2014/main" id="{777F6480-3416-4D00-BE92-5285CC4512DF}"/>
-              </a:ext>
-            </a:extLst>
-          </p:cNvPr>
+          <p:cNvPr id="2" name="Title 1"/>
           <p:cNvSpPr>
             <a:spLocks noGrp="1"/>
           </p:cNvSpPr>
@@ -6327,21 +6972,16 @@
           <a:lstStyle/>
           <a:p>
             <a:r>
-              <a:rPr lang="en-US"/>
+              <a:rPr lang="en-US" smtClean="0"/>
               <a:t>Click to edit Master title style</a:t>
             </a:r>
-          </a:p>
-        </p:txBody>
-      </p:sp>
-      <p:sp>
-        <p:nvSpPr>
-          <p:cNvPr id="3" name="Date Placeholder 2">
-            <a:extLst>
-              <a:ext uri="{FF2B5EF4-FFF2-40B4-BE49-F238E27FC236}">
-                <a16:creationId xmlns:a16="http://schemas.microsoft.com/office/drawing/2014/main" id="{F39DF488-F653-4CFB-A1C6-C11A0CFAC098}"/>
-              </a:ext>
-            </a:extLst>
-          </p:cNvPr>
+            <a:endParaRPr lang="en-US"/>
+          </a:p>
+        </p:txBody>
+      </p:sp>
+      <p:sp>
+        <p:nvSpPr>
+          <p:cNvPr id="3" name="Date Placeholder 2"/>
           <p:cNvSpPr>
             <a:spLocks noGrp="1"/>
           </p:cNvSpPr>
@@ -6356,7 +6996,7 @@
           <a:p>
             <a:fld id="{58DD293B-D8D0-431A-BBD3-F7FF1DD91784}" type="datetimeFigureOut">
               <a:rPr lang="en-US" smtClean="0"/>
-              <a:t>7/5/2017</a:t>
+              <a:t>7/6/17</a:t>
             </a:fld>
             <a:endParaRPr lang="en-US"/>
           </a:p>
@@ -6364,13 +7004,7 @@
       </p:sp>
       <p:sp>
         <p:nvSpPr>
-          <p:cNvPr id="4" name="Footer Placeholder 3">
-            <a:extLst>
-              <a:ext uri="{FF2B5EF4-FFF2-40B4-BE49-F238E27FC236}">
-                <a16:creationId xmlns:a16="http://schemas.microsoft.com/office/drawing/2014/main" id="{604BE6EA-E569-4EA8-838F-36C9906FE25C}"/>
-              </a:ext>
-            </a:extLst>
-          </p:cNvPr>
+          <p:cNvPr id="4" name="Footer Placeholder 3"/>
           <p:cNvSpPr>
             <a:spLocks noGrp="1"/>
           </p:cNvSpPr>
@@ -6389,13 +7023,7 @@
       </p:sp>
       <p:sp>
         <p:nvSpPr>
-          <p:cNvPr id="5" name="Slide Number Placeholder 4">
-            <a:extLst>
-              <a:ext uri="{FF2B5EF4-FFF2-40B4-BE49-F238E27FC236}">
-                <a16:creationId xmlns:a16="http://schemas.microsoft.com/office/drawing/2014/main" id="{ABB1D694-7449-4C16-A3A4-7F38F46D351C}"/>
-              </a:ext>
-            </a:extLst>
-          </p:cNvPr>
+          <p:cNvPr id="5" name="Slide Number Placeholder 4"/>
           <p:cNvSpPr>
             <a:spLocks noGrp="1"/>
           </p:cNvSpPr>
@@ -6417,11 +7045,6 @@
         </p:txBody>
       </p:sp>
     </p:spTree>
-    <p:extLst>
-      <p:ext uri="{BB962C8B-B14F-4D97-AF65-F5344CB8AC3E}">
-        <p14:creationId xmlns:p14="http://schemas.microsoft.com/office/powerpoint/2010/main" val="37393240"/>
-      </p:ext>
-    </p:extLst>
   </p:cSld>
   <p:clrMapOvr>
     <a:masterClrMapping/>
@@ -6430,7 +7053,7 @@
 </file>
 
 <file path=ppt/slideLayouts/slideLayout7.xml><?xml version="1.0" encoding="utf-8"?>
-<p:sldLayout xmlns:a="http://schemas.openxmlformats.org/drawingml/2006/main" xmlns:r="http://schemas.openxmlformats.org/officeDocument/2006/relationships" xmlns:p="http://schemas.openxmlformats.org/presentationml/2006/main" type="blank" preserve="1">
+<p:sldLayout xmlns:a="http://schemas.openxmlformats.org/drawingml/2006/main" xmlns:r="http://schemas.openxmlformats.org/officeDocument/2006/relationships" xmlns:p="http://schemas.openxmlformats.org/presentationml/2006/main" showMasterSp="0" type="blank" preserve="1">
   <p:cSld name="Blank">
     <p:spTree>
       <p:nvGrpSpPr>
@@ -6448,13 +7071,98 @@
       </p:grpSpPr>
       <p:sp>
         <p:nvSpPr>
-          <p:cNvPr id="2" name="Date Placeholder 1">
-            <a:extLst>
-              <a:ext uri="{FF2B5EF4-FFF2-40B4-BE49-F238E27FC236}">
-                <a16:creationId xmlns:a16="http://schemas.microsoft.com/office/drawing/2014/main" id="{908B84B4-BEF6-453C-9765-47ED27D31CA0}"/>
-              </a:ext>
-            </a:extLst>
-          </p:cNvPr>
+          <p:cNvPr id="5" name="Rectangle 4"/>
+          <p:cNvSpPr/>
+          <p:nvPr/>
+        </p:nvSpPr>
+        <p:spPr>
+          <a:xfrm>
+            <a:off x="0" y="0"/>
+            <a:ext cx="12192000" cy="6858000"/>
+          </a:xfrm>
+          <a:prstGeom prst="rect">
+            <a:avLst/>
+          </a:prstGeom>
+          <a:solidFill>
+            <a:srgbClr val="FFFFFF"/>
+          </a:solidFill>
+          <a:ln>
+            <a:noFill/>
+          </a:ln>
+        </p:spPr>
+        <p:style>
+          <a:lnRef idx="2">
+            <a:schemeClr val="accent1">
+              <a:shade val="50000"/>
+            </a:schemeClr>
+          </a:lnRef>
+          <a:fillRef idx="1">
+            <a:schemeClr val="accent1"/>
+          </a:fillRef>
+          <a:effectRef idx="0">
+            <a:schemeClr val="accent1"/>
+          </a:effectRef>
+          <a:fontRef idx="minor">
+            <a:schemeClr val="lt1"/>
+          </a:fontRef>
+        </p:style>
+        <p:txBody>
+          <a:bodyPr rtlCol="0" anchor="ctr"/>
+          <a:lstStyle/>
+          <a:p>
+            <a:pPr algn="ctr"/>
+            <a:endParaRPr lang="en-US"/>
+          </a:p>
+        </p:txBody>
+      </p:sp>
+      <p:sp useBgFill="1">
+        <p:nvSpPr>
+          <p:cNvPr id="11" name="Rounded Rectangle 10"/>
+          <p:cNvSpPr/>
+          <p:nvPr/>
+        </p:nvSpPr>
+        <p:spPr>
+          <a:xfrm>
+            <a:off x="121920" y="101600"/>
+            <a:ext cx="11948160" cy="6664960"/>
+          </a:xfrm>
+          <a:prstGeom prst="roundRect">
+            <a:avLst>
+              <a:gd name="adj" fmla="val 1735"/>
+            </a:avLst>
+          </a:prstGeom>
+          <a:ln w="12700" cmpd="sng">
+            <a:noFill/>
+          </a:ln>
+        </p:spPr>
+        <p:style>
+          <a:lnRef idx="2">
+            <a:schemeClr val="accent1">
+              <a:shade val="50000"/>
+            </a:schemeClr>
+          </a:lnRef>
+          <a:fillRef idx="1">
+            <a:schemeClr val="accent1"/>
+          </a:fillRef>
+          <a:effectRef idx="0">
+            <a:schemeClr val="accent1"/>
+          </a:effectRef>
+          <a:fontRef idx="minor">
+            <a:schemeClr val="lt1"/>
+          </a:fontRef>
+        </p:style>
+        <p:txBody>
+          <a:bodyPr rtlCol="0" anchor="ctr"/>
+          <a:lstStyle/>
+          <a:p>
+            <a:pPr algn="ctr"/>
+            <a:endParaRPr lang="en-US"/>
+          </a:p>
+        </p:txBody>
+      </p:sp>
+      <p:sp>
+        <p:nvSpPr>
+          <p:cNvPr id="2" name="Date Placeholder 1"/>
           <p:cNvSpPr>
             <a:spLocks noGrp="1"/>
           </p:cNvSpPr>
@@ -6469,7 +7177,7 @@
           <a:p>
             <a:fld id="{58DD293B-D8D0-431A-BBD3-F7FF1DD91784}" type="datetimeFigureOut">
               <a:rPr lang="en-US" smtClean="0"/>
-              <a:t>7/5/2017</a:t>
+              <a:t>7/6/17</a:t>
             </a:fld>
             <a:endParaRPr lang="en-US"/>
           </a:p>
@@ -6477,13 +7185,7 @@
       </p:sp>
       <p:sp>
         <p:nvSpPr>
-          <p:cNvPr id="3" name="Footer Placeholder 2">
-            <a:extLst>
-              <a:ext uri="{FF2B5EF4-FFF2-40B4-BE49-F238E27FC236}">
-                <a16:creationId xmlns:a16="http://schemas.microsoft.com/office/drawing/2014/main" id="{B8161375-B28E-44F1-88B8-00D505F99575}"/>
-              </a:ext>
-            </a:extLst>
-          </p:cNvPr>
+          <p:cNvPr id="3" name="Footer Placeholder 2"/>
           <p:cNvSpPr>
             <a:spLocks noGrp="1"/>
           </p:cNvSpPr>
@@ -6502,13 +7204,7 @@
       </p:sp>
       <p:sp>
         <p:nvSpPr>
-          <p:cNvPr id="4" name="Slide Number Placeholder 3">
-            <a:extLst>
-              <a:ext uri="{FF2B5EF4-FFF2-40B4-BE49-F238E27FC236}">
-                <a16:creationId xmlns:a16="http://schemas.microsoft.com/office/drawing/2014/main" id="{620DC2BD-18A1-4CAA-9985-74CEDDDC4D24}"/>
-              </a:ext>
-            </a:extLst>
-          </p:cNvPr>
+          <p:cNvPr id="4" name="Slide Number Placeholder 3"/>
           <p:cNvSpPr>
             <a:spLocks noGrp="1"/>
           </p:cNvSpPr>
@@ -6530,11 +7226,6 @@
         </p:txBody>
       </p:sp>
     </p:spTree>
-    <p:extLst>
-      <p:ext uri="{BB962C8B-B14F-4D97-AF65-F5344CB8AC3E}">
-        <p14:creationId xmlns:p14="http://schemas.microsoft.com/office/powerpoint/2010/main" val="1283796880"/>
-      </p:ext>
-    </p:extLst>
   </p:cSld>
   <p:clrMapOvr>
     <a:masterClrMapping/>
@@ -6543,7 +7234,7 @@
 </file>
 
 <file path=ppt/slideLayouts/slideLayout8.xml><?xml version="1.0" encoding="utf-8"?>
-<p:sldLayout xmlns:a="http://schemas.openxmlformats.org/drawingml/2006/main" xmlns:r="http://schemas.openxmlformats.org/officeDocument/2006/relationships" xmlns:p="http://schemas.openxmlformats.org/presentationml/2006/main" type="objTx" preserve="1">
+<p:sldLayout xmlns:a="http://schemas.openxmlformats.org/drawingml/2006/main" xmlns:r="http://schemas.openxmlformats.org/officeDocument/2006/relationships" xmlns:p="http://schemas.openxmlformats.org/presentationml/2006/main" showMasterSp="0" type="objTx" preserve="1">
   <p:cSld name="Content with Caption">
     <p:spTree>
       <p:nvGrpSpPr>
@@ -6561,50 +7252,98 @@
       </p:grpSpPr>
       <p:sp>
         <p:nvSpPr>
-          <p:cNvPr id="2" name="Title 1">
-            <a:extLst>
-              <a:ext uri="{FF2B5EF4-FFF2-40B4-BE49-F238E27FC236}">
-                <a16:creationId xmlns:a16="http://schemas.microsoft.com/office/drawing/2014/main" id="{2FCCE870-9BFE-495D-9814-9FA7A13A9752}"/>
-              </a:ext>
-            </a:extLst>
-          </p:cNvPr>
-          <p:cNvSpPr>
-            <a:spLocks noGrp="1"/>
-          </p:cNvSpPr>
-          <p:nvPr>
-            <p:ph type="title"/>
-          </p:nvPr>
+          <p:cNvPr id="11" name="Rectangle 10"/>
+          <p:cNvSpPr/>
+          <p:nvPr/>
         </p:nvSpPr>
         <p:spPr>
           <a:xfrm>
-            <a:off x="839788" y="457200"/>
-            <a:ext cx="3932237" cy="1600200"/>
+            <a:off x="0" y="0"/>
+            <a:ext cx="12192000" cy="6858000"/>
           </a:xfrm>
+          <a:prstGeom prst="rect">
+            <a:avLst/>
+          </a:prstGeom>
+          <a:solidFill>
+            <a:srgbClr val="FFFFFF"/>
+          </a:solidFill>
+          <a:ln>
+            <a:noFill/>
+          </a:ln>
         </p:spPr>
-        <p:txBody>
-          <a:bodyPr anchor="b"/>
-          <a:lstStyle>
-            <a:lvl1pPr>
-              <a:defRPr sz="3200"/>
-            </a:lvl1pPr>
-          </a:lstStyle>
-          <a:p>
-            <a:r>
-              <a:rPr lang="en-US"/>
-              <a:t>Click to edit Master title style</a:t>
-            </a:r>
-          </a:p>
-        </p:txBody>
-      </p:sp>
-      <p:sp>
-        <p:nvSpPr>
-          <p:cNvPr id="3" name="Content Placeholder 2">
-            <a:extLst>
-              <a:ext uri="{FF2B5EF4-FFF2-40B4-BE49-F238E27FC236}">
-                <a16:creationId xmlns:a16="http://schemas.microsoft.com/office/drawing/2014/main" id="{92815B22-4714-4DE0-9631-86C0D0443331}"/>
-              </a:ext>
-            </a:extLst>
-          </p:cNvPr>
+        <p:style>
+          <a:lnRef idx="2">
+            <a:schemeClr val="accent1">
+              <a:shade val="50000"/>
+            </a:schemeClr>
+          </a:lnRef>
+          <a:fillRef idx="1">
+            <a:schemeClr val="accent1"/>
+          </a:fillRef>
+          <a:effectRef idx="0">
+            <a:schemeClr val="accent1"/>
+          </a:effectRef>
+          <a:fontRef idx="minor">
+            <a:schemeClr val="lt1"/>
+          </a:fontRef>
+        </p:style>
+        <p:txBody>
+          <a:bodyPr rtlCol="0" anchor="ctr"/>
+          <a:lstStyle/>
+          <a:p>
+            <a:pPr algn="ctr"/>
+            <a:endParaRPr lang="en-US"/>
+          </a:p>
+        </p:txBody>
+      </p:sp>
+      <p:sp useBgFill="1">
+        <p:nvSpPr>
+          <p:cNvPr id="12" name="Rounded Rectangle 11"/>
+          <p:cNvSpPr/>
+          <p:nvPr/>
+        </p:nvSpPr>
+        <p:spPr>
+          <a:xfrm>
+            <a:off x="121920" y="101600"/>
+            <a:ext cx="11948160" cy="6664960"/>
+          </a:xfrm>
+          <a:prstGeom prst="roundRect">
+            <a:avLst>
+              <a:gd name="adj" fmla="val 1735"/>
+            </a:avLst>
+          </a:prstGeom>
+          <a:ln w="12700" cmpd="sng">
+            <a:noFill/>
+          </a:ln>
+        </p:spPr>
+        <p:style>
+          <a:lnRef idx="2">
+            <a:schemeClr val="accent1">
+              <a:shade val="50000"/>
+            </a:schemeClr>
+          </a:lnRef>
+          <a:fillRef idx="1">
+            <a:schemeClr val="accent1"/>
+          </a:fillRef>
+          <a:effectRef idx="0">
+            <a:schemeClr val="accent1"/>
+          </a:effectRef>
+          <a:fontRef idx="minor">
+            <a:schemeClr val="lt1"/>
+          </a:fontRef>
+        </p:style>
+        <p:txBody>
+          <a:bodyPr rtlCol="0" anchor="ctr"/>
+          <a:lstStyle/>
+          <a:p>
+            <a:pPr algn="ctr"/>
+            <a:endParaRPr lang="en-US"/>
+          </a:p>
+        </p:txBody>
+      </p:sp>
+      <p:sp>
+        <p:nvSpPr>
+          <p:cNvPr id="3" name="Content Placeholder 2"/>
           <p:cNvSpPr>
             <a:spLocks noGrp="1"/>
           </p:cNvSpPr>
@@ -6614,8 +7353,8 @@
         </p:nvSpPr>
         <p:spPr>
           <a:xfrm>
-            <a:off x="5183188" y="987425"/>
-            <a:ext cx="6172200" cy="4873625"/>
+            <a:off x="5181600" y="685800"/>
+            <a:ext cx="6096000" cy="5257802"/>
           </a:xfrm>
         </p:spPr>
         <p:txBody>
@@ -6652,49 +7391,210 @@
           <a:p>
             <a:pPr lvl="0"/>
             <a:r>
-              <a:rPr lang="en-US"/>
-              <a:t>Edit Master text styles</a:t>
+              <a:rPr lang="en-US" smtClean="0"/>
+              <a:t>Click to edit Master text styles</a:t>
             </a:r>
           </a:p>
           <a:p>
             <a:pPr lvl="1"/>
             <a:r>
-              <a:rPr lang="en-US"/>
+              <a:rPr lang="en-US" smtClean="0"/>
               <a:t>Second level</a:t>
             </a:r>
           </a:p>
           <a:p>
             <a:pPr lvl="2"/>
             <a:r>
-              <a:rPr lang="en-US"/>
+              <a:rPr lang="en-US" smtClean="0"/>
               <a:t>Third level</a:t>
             </a:r>
           </a:p>
           <a:p>
             <a:pPr lvl="3"/>
             <a:r>
-              <a:rPr lang="en-US"/>
+              <a:rPr lang="en-US" smtClean="0"/>
               <a:t>Fourth level</a:t>
             </a:r>
           </a:p>
           <a:p>
             <a:pPr lvl="4"/>
             <a:r>
-              <a:rPr lang="en-US"/>
+              <a:rPr lang="en-US" smtClean="0"/>
               <a:t>Fifth level</a:t>
             </a:r>
-          </a:p>
-        </p:txBody>
-      </p:sp>
-      <p:sp>
-        <p:nvSpPr>
-          <p:cNvPr id="4" name="Text Placeholder 3">
-            <a:extLst>
-              <a:ext uri="{FF2B5EF4-FFF2-40B4-BE49-F238E27FC236}">
-                <a16:creationId xmlns:a16="http://schemas.microsoft.com/office/drawing/2014/main" id="{5B97C446-F0CC-4672-863A-41FBB6A2B445}"/>
-              </a:ext>
-            </a:extLst>
-          </p:cNvPr>
+            <a:endParaRPr lang="en-US" dirty="0"/>
+          </a:p>
+        </p:txBody>
+      </p:sp>
+      <p:sp>
+        <p:nvSpPr>
+          <p:cNvPr id="5" name="Date Placeholder 4"/>
+          <p:cNvSpPr>
+            <a:spLocks noGrp="1"/>
+          </p:cNvSpPr>
+          <p:nvPr>
+            <p:ph type="dt" sz="half" idx="10"/>
+          </p:nvPr>
+        </p:nvSpPr>
+        <p:spPr/>
+        <p:txBody>
+          <a:bodyPr/>
+          <a:lstStyle/>
+          <a:p>
+            <a:fld id="{58DD293B-D8D0-431A-BBD3-F7FF1DD91784}" type="datetimeFigureOut">
+              <a:rPr lang="en-US" smtClean="0"/>
+              <a:t>7/6/17</a:t>
+            </a:fld>
+            <a:endParaRPr lang="en-US"/>
+          </a:p>
+        </p:txBody>
+      </p:sp>
+      <p:sp>
+        <p:nvSpPr>
+          <p:cNvPr id="6" name="Footer Placeholder 5"/>
+          <p:cNvSpPr>
+            <a:spLocks noGrp="1"/>
+          </p:cNvSpPr>
+          <p:nvPr>
+            <p:ph type="ftr" sz="quarter" idx="11"/>
+          </p:nvPr>
+        </p:nvSpPr>
+        <p:spPr/>
+        <p:txBody>
+          <a:bodyPr/>
+          <a:lstStyle/>
+          <a:p>
+            <a:endParaRPr lang="en-US"/>
+          </a:p>
+        </p:txBody>
+      </p:sp>
+      <p:sp>
+        <p:nvSpPr>
+          <p:cNvPr id="7" name="Slide Number Placeholder 6"/>
+          <p:cNvSpPr>
+            <a:spLocks noGrp="1"/>
+          </p:cNvSpPr>
+          <p:nvPr>
+            <p:ph type="sldNum" sz="quarter" idx="12"/>
+          </p:nvPr>
+        </p:nvSpPr>
+        <p:spPr/>
+        <p:txBody>
+          <a:bodyPr/>
+          <a:lstStyle/>
+          <a:p>
+            <a:fld id="{3A5436FF-98AA-2D48-967D-14B7E1C560CD}" type="slidenum">
+              <a:rPr lang="en-US" smtClean="0"/>
+              <a:t>‹#›</a:t>
+            </a:fld>
+            <a:endParaRPr lang="en-US"/>
+          </a:p>
+        </p:txBody>
+      </p:sp>
+      <p:sp>
+        <p:nvSpPr>
+          <p:cNvPr id="8" name="Rectangle 7"/>
+          <p:cNvSpPr/>
+          <p:nvPr/>
+        </p:nvSpPr>
+        <p:spPr>
+          <a:xfrm>
+            <a:off x="746712" y="1505712"/>
+            <a:ext cx="3622088" cy="3523488"/>
+          </a:xfrm>
+          <a:prstGeom prst="rect">
+            <a:avLst/>
+          </a:prstGeom>
+          <a:solidFill>
+            <a:srgbClr val="FFFFFF">
+              <a:alpha val="83000"/>
+            </a:srgbClr>
+          </a:solidFill>
+          <a:ln>
+            <a:noFill/>
+          </a:ln>
+          <a:effectLst>
+            <a:softEdge rad="12700"/>
+          </a:effectLst>
+        </p:spPr>
+        <p:style>
+          <a:lnRef idx="2">
+            <a:schemeClr val="accent1">
+              <a:shade val="50000"/>
+            </a:schemeClr>
+          </a:lnRef>
+          <a:fillRef idx="1">
+            <a:schemeClr val="accent1"/>
+          </a:fillRef>
+          <a:effectRef idx="0">
+            <a:schemeClr val="accent1"/>
+          </a:effectRef>
+          <a:fontRef idx="minor">
+            <a:schemeClr val="lt1"/>
+          </a:fontRef>
+        </p:style>
+        <p:txBody>
+          <a:bodyPr rtlCol="0" anchor="ctr"/>
+          <a:lstStyle/>
+          <a:p>
+            <a:pPr algn="ctr"/>
+            <a:endParaRPr lang="en-US"/>
+          </a:p>
+        </p:txBody>
+      </p:sp>
+      <p:sp>
+        <p:nvSpPr>
+          <p:cNvPr id="10" name="Rectangle 9"/>
+          <p:cNvSpPr/>
+          <p:nvPr/>
+        </p:nvSpPr>
+        <p:spPr>
+          <a:xfrm>
+            <a:off x="902254" y="1642472"/>
+            <a:ext cx="3311005" cy="3234328"/>
+          </a:xfrm>
+          <a:prstGeom prst="rect">
+            <a:avLst/>
+          </a:prstGeom>
+          <a:solidFill>
+            <a:srgbClr val="FFFFFF"/>
+          </a:solidFill>
+          <a:ln w="6350" cmpd="dbl">
+            <a:solidFill>
+              <a:schemeClr val="accent1">
+                <a:lumMod val="75000"/>
+              </a:schemeClr>
+            </a:solidFill>
+          </a:ln>
+        </p:spPr>
+        <p:style>
+          <a:lnRef idx="2">
+            <a:schemeClr val="accent1">
+              <a:shade val="50000"/>
+            </a:schemeClr>
+          </a:lnRef>
+          <a:fillRef idx="1">
+            <a:schemeClr val="accent1"/>
+          </a:fillRef>
+          <a:effectRef idx="0">
+            <a:schemeClr val="accent1"/>
+          </a:effectRef>
+          <a:fontRef idx="minor">
+            <a:schemeClr val="lt1"/>
+          </a:fontRef>
+        </p:style>
+        <p:txBody>
+          <a:bodyPr rtlCol="0" anchor="ctr"/>
+          <a:lstStyle/>
+          <a:p>
+            <a:pPr algn="ctr"/>
+            <a:endParaRPr lang="en-US"/>
+          </a:p>
+        </p:txBody>
+      </p:sp>
+      <p:sp>
+        <p:nvSpPr>
+          <p:cNvPr id="4" name="Text Placeholder 3"/>
           <p:cNvSpPr>
             <a:spLocks noGrp="1"/>
           </p:cNvSpPr>
@@ -6704,148 +7604,109 @@
         </p:nvSpPr>
         <p:spPr>
           <a:xfrm>
-            <a:off x="839788" y="2057400"/>
-            <a:ext cx="3932237" cy="3811588"/>
+            <a:off x="1025334" y="2971800"/>
+            <a:ext cx="3064845" cy="1752600"/>
           </a:xfrm>
         </p:spPr>
         <p:txBody>
           <a:bodyPr/>
           <a:lstStyle>
             <a:lvl1pPr marL="0" indent="0">
+              <a:spcBef>
+                <a:spcPts val="400"/>
+              </a:spcBef>
               <a:buNone/>
-              <a:defRPr sz="1600"/>
+              <a:defRPr sz="1400">
+                <a:solidFill>
+                  <a:schemeClr val="accent1">
+                    <a:lumMod val="50000"/>
+                  </a:schemeClr>
+                </a:solidFill>
+              </a:defRPr>
             </a:lvl1pPr>
             <a:lvl2pPr marL="457200" indent="0">
               <a:buNone/>
-              <a:defRPr sz="1400"/>
+              <a:defRPr sz="1200"/>
             </a:lvl2pPr>
             <a:lvl3pPr marL="914400" indent="0">
               <a:buNone/>
-              <a:defRPr sz="1200"/>
+              <a:defRPr sz="1000"/>
             </a:lvl3pPr>
             <a:lvl4pPr marL="1371600" indent="0">
               <a:buNone/>
-              <a:defRPr sz="1000"/>
+              <a:defRPr sz="900"/>
             </a:lvl4pPr>
             <a:lvl5pPr marL="1828800" indent="0">
               <a:buNone/>
-              <a:defRPr sz="1000"/>
+              <a:defRPr sz="900"/>
             </a:lvl5pPr>
             <a:lvl6pPr marL="2286000" indent="0">
               <a:buNone/>
-              <a:defRPr sz="1000"/>
+              <a:defRPr sz="900"/>
             </a:lvl6pPr>
             <a:lvl7pPr marL="2743200" indent="0">
               <a:buNone/>
-              <a:defRPr sz="1000"/>
+              <a:defRPr sz="900"/>
             </a:lvl7pPr>
             <a:lvl8pPr marL="3200400" indent="0">
               <a:buNone/>
-              <a:defRPr sz="1000"/>
+              <a:defRPr sz="900"/>
             </a:lvl8pPr>
             <a:lvl9pPr marL="3657600" indent="0">
               <a:buNone/>
-              <a:defRPr sz="1000"/>
+              <a:defRPr sz="900"/>
             </a:lvl9pPr>
           </a:lstStyle>
           <a:p>
             <a:pPr lvl="0"/>
             <a:r>
-              <a:rPr lang="en-US"/>
-              <a:t>Edit Master text styles</a:t>
-            </a:r>
-          </a:p>
-        </p:txBody>
-      </p:sp>
-      <p:sp>
-        <p:nvSpPr>
-          <p:cNvPr id="5" name="Date Placeholder 4">
-            <a:extLst>
-              <a:ext uri="{FF2B5EF4-FFF2-40B4-BE49-F238E27FC236}">
-                <a16:creationId xmlns:a16="http://schemas.microsoft.com/office/drawing/2014/main" id="{B9327034-DACB-4CA9-B0C2-24C9A359432A}"/>
-              </a:ext>
-            </a:extLst>
-          </p:cNvPr>
+              <a:rPr lang="en-US" smtClean="0"/>
+              <a:t>Click to edit Master text styles</a:t>
+            </a:r>
+          </a:p>
+        </p:txBody>
+      </p:sp>
+      <p:sp>
+        <p:nvSpPr>
+          <p:cNvPr id="2" name="Title 1"/>
           <p:cNvSpPr>
             <a:spLocks noGrp="1"/>
           </p:cNvSpPr>
           <p:nvPr>
-            <p:ph type="dt" sz="half" idx="10"/>
+            <p:ph type="title"/>
           </p:nvPr>
         </p:nvSpPr>
-        <p:spPr/>
-        <p:txBody>
-          <a:bodyPr/>
-          <a:lstStyle/>
-          <a:p>
-            <a:fld id="{58DD293B-D8D0-431A-BBD3-F7FF1DD91784}" type="datetimeFigureOut">
+        <p:spPr>
+          <a:xfrm>
+            <a:off x="1025334" y="1734312"/>
+            <a:ext cx="3064845" cy="1191620"/>
+          </a:xfrm>
+        </p:spPr>
+        <p:txBody>
+          <a:bodyPr anchor="b">
+            <a:normAutofit/>
+          </a:bodyPr>
+          <a:lstStyle>
+            <a:lvl1pPr algn="l">
+              <a:defRPr sz="2000" b="0">
+                <a:solidFill>
+                  <a:schemeClr val="accent1">
+                    <a:lumMod val="75000"/>
+                  </a:schemeClr>
+                </a:solidFill>
+              </a:defRPr>
+            </a:lvl1pPr>
+          </a:lstStyle>
+          <a:p>
+            <a:r>
               <a:rPr lang="en-US" smtClean="0"/>
-              <a:t>7/5/2017</a:t>
-            </a:fld>
-            <a:endParaRPr lang="en-US"/>
-          </a:p>
-        </p:txBody>
-      </p:sp>
-      <p:sp>
-        <p:nvSpPr>
-          <p:cNvPr id="6" name="Footer Placeholder 5">
-            <a:extLst>
-              <a:ext uri="{FF2B5EF4-FFF2-40B4-BE49-F238E27FC236}">
-                <a16:creationId xmlns:a16="http://schemas.microsoft.com/office/drawing/2014/main" id="{190E97DA-365D-4A84-B462-87DAFABEBC0B}"/>
-              </a:ext>
-            </a:extLst>
-          </p:cNvPr>
-          <p:cNvSpPr>
-            <a:spLocks noGrp="1"/>
-          </p:cNvSpPr>
-          <p:nvPr>
-            <p:ph type="ftr" sz="quarter" idx="11"/>
-          </p:nvPr>
-        </p:nvSpPr>
-        <p:spPr/>
-        <p:txBody>
-          <a:bodyPr/>
-          <a:lstStyle/>
-          <a:p>
-            <a:endParaRPr lang="en-US"/>
-          </a:p>
-        </p:txBody>
-      </p:sp>
-      <p:sp>
-        <p:nvSpPr>
-          <p:cNvPr id="7" name="Slide Number Placeholder 6">
-            <a:extLst>
-              <a:ext uri="{FF2B5EF4-FFF2-40B4-BE49-F238E27FC236}">
-                <a16:creationId xmlns:a16="http://schemas.microsoft.com/office/drawing/2014/main" id="{67067835-A657-413D-9791-7BD5A1F76817}"/>
-              </a:ext>
-            </a:extLst>
-          </p:cNvPr>
-          <p:cNvSpPr>
-            <a:spLocks noGrp="1"/>
-          </p:cNvSpPr>
-          <p:nvPr>
-            <p:ph type="sldNum" sz="quarter" idx="12"/>
-          </p:nvPr>
-        </p:nvSpPr>
-        <p:spPr/>
-        <p:txBody>
-          <a:bodyPr/>
-          <a:lstStyle/>
-          <a:p>
-            <a:fld id="{2DCCC896-0300-4576-ADB3-6A10FD79B701}" type="slidenum">
-              <a:rPr lang="en-US" smtClean="0"/>
-              <a:t>‹#›</a:t>
-            </a:fld>
-            <a:endParaRPr lang="en-US"/>
+              <a:t>Click to edit Master title style</a:t>
+            </a:r>
+            <a:endParaRPr lang="en-US" dirty="0"/>
           </a:p>
         </p:txBody>
       </p:sp>
     </p:spTree>
-    <p:extLst>
-      <p:ext uri="{BB962C8B-B14F-4D97-AF65-F5344CB8AC3E}">
-        <p14:creationId xmlns:p14="http://schemas.microsoft.com/office/powerpoint/2010/main" val="2229569774"/>
-      </p:ext>
-    </p:extLst>
   </p:cSld>
   <p:clrMapOvr>
     <a:masterClrMapping/>
@@ -6854,7 +7715,7 @@
 </file>
 
 <file path=ppt/slideLayouts/slideLayout9.xml><?xml version="1.0" encoding="utf-8"?>
-<p:sldLayout xmlns:a="http://schemas.openxmlformats.org/drawingml/2006/main" xmlns:r="http://schemas.openxmlformats.org/officeDocument/2006/relationships" xmlns:p="http://schemas.openxmlformats.org/presentationml/2006/main" type="picTx" preserve="1">
+<p:sldLayout xmlns:a="http://schemas.openxmlformats.org/drawingml/2006/main" xmlns:r="http://schemas.openxmlformats.org/officeDocument/2006/relationships" xmlns:p="http://schemas.openxmlformats.org/presentationml/2006/main" showMasterSp="0" type="picTx" preserve="1">
   <p:cSld name="Picture with Caption">
     <p:spTree>
       <p:nvGrpSpPr>
@@ -6872,50 +7733,98 @@
       </p:grpSpPr>
       <p:sp>
         <p:nvSpPr>
-          <p:cNvPr id="2" name="Title 1">
-            <a:extLst>
-              <a:ext uri="{FF2B5EF4-FFF2-40B4-BE49-F238E27FC236}">
-                <a16:creationId xmlns:a16="http://schemas.microsoft.com/office/drawing/2014/main" id="{430638E4-A6FD-4283-95D8-D99B7A788BAF}"/>
-              </a:ext>
-            </a:extLst>
-          </p:cNvPr>
-          <p:cNvSpPr>
-            <a:spLocks noGrp="1"/>
-          </p:cNvSpPr>
-          <p:nvPr>
-            <p:ph type="title"/>
-          </p:nvPr>
+          <p:cNvPr id="8" name="Rectangle 7"/>
+          <p:cNvSpPr/>
+          <p:nvPr/>
         </p:nvSpPr>
         <p:spPr>
           <a:xfrm>
-            <a:off x="839788" y="457200"/>
-            <a:ext cx="3932237" cy="1600200"/>
+            <a:off x="0" y="0"/>
+            <a:ext cx="12192000" cy="6858000"/>
           </a:xfrm>
+          <a:prstGeom prst="rect">
+            <a:avLst/>
+          </a:prstGeom>
+          <a:solidFill>
+            <a:srgbClr val="FFFFFF"/>
+          </a:solidFill>
+          <a:ln>
+            <a:noFill/>
+          </a:ln>
         </p:spPr>
-        <p:txBody>
-          <a:bodyPr anchor="b"/>
-          <a:lstStyle>
-            <a:lvl1pPr>
-              <a:defRPr sz="3200"/>
-            </a:lvl1pPr>
-          </a:lstStyle>
-          <a:p>
-            <a:r>
-              <a:rPr lang="en-US"/>
-              <a:t>Click to edit Master title style</a:t>
-            </a:r>
-          </a:p>
-        </p:txBody>
-      </p:sp>
-      <p:sp>
-        <p:nvSpPr>
-          <p:cNvPr id="3" name="Picture Placeholder 2">
-            <a:extLst>
-              <a:ext uri="{FF2B5EF4-FFF2-40B4-BE49-F238E27FC236}">
-                <a16:creationId xmlns:a16="http://schemas.microsoft.com/office/drawing/2014/main" id="{CA354D9C-B24E-4D4F-85D0-72A35043EFBD}"/>
-              </a:ext>
-            </a:extLst>
-          </p:cNvPr>
+        <p:style>
+          <a:lnRef idx="2">
+            <a:schemeClr val="accent1">
+              <a:shade val="50000"/>
+            </a:schemeClr>
+          </a:lnRef>
+          <a:fillRef idx="1">
+            <a:schemeClr val="accent1"/>
+          </a:fillRef>
+          <a:effectRef idx="0">
+            <a:schemeClr val="accent1"/>
+          </a:effectRef>
+          <a:fontRef idx="minor">
+            <a:schemeClr val="lt1"/>
+          </a:fontRef>
+        </p:style>
+        <p:txBody>
+          <a:bodyPr rtlCol="0" anchor="ctr"/>
+          <a:lstStyle/>
+          <a:p>
+            <a:pPr algn="ctr"/>
+            <a:endParaRPr lang="en-US"/>
+          </a:p>
+        </p:txBody>
+      </p:sp>
+      <p:sp useBgFill="1">
+        <p:nvSpPr>
+          <p:cNvPr id="9" name="Rounded Rectangle 8"/>
+          <p:cNvSpPr/>
+          <p:nvPr/>
+        </p:nvSpPr>
+        <p:spPr>
+          <a:xfrm>
+            <a:off x="121920" y="101600"/>
+            <a:ext cx="11948160" cy="6664960"/>
+          </a:xfrm>
+          <a:prstGeom prst="roundRect">
+            <a:avLst>
+              <a:gd name="adj" fmla="val 1735"/>
+            </a:avLst>
+          </a:prstGeom>
+          <a:ln w="12700" cmpd="sng">
+            <a:noFill/>
+          </a:ln>
+        </p:spPr>
+        <p:style>
+          <a:lnRef idx="2">
+            <a:schemeClr val="accent1">
+              <a:shade val="50000"/>
+            </a:schemeClr>
+          </a:lnRef>
+          <a:fillRef idx="1">
+            <a:schemeClr val="accent1"/>
+          </a:fillRef>
+          <a:effectRef idx="0">
+            <a:schemeClr val="accent1"/>
+          </a:effectRef>
+          <a:fontRef idx="minor">
+            <a:schemeClr val="lt1"/>
+          </a:fontRef>
+        </p:style>
+        <p:txBody>
+          <a:bodyPr rtlCol="0" anchor="ctr"/>
+          <a:lstStyle/>
+          <a:p>
+            <a:pPr algn="ctr"/>
+            <a:endParaRPr lang="en-US"/>
+          </a:p>
+        </p:txBody>
+      </p:sp>
+      <p:sp>
+        <p:nvSpPr>
+          <p:cNvPr id="3" name="Picture Placeholder 2"/>
           <p:cNvSpPr>
             <a:spLocks noGrp="1"/>
           </p:cNvSpPr>
@@ -6925,9 +7834,18 @@
         </p:nvSpPr>
         <p:spPr>
           <a:xfrm>
-            <a:off x="5183188" y="987425"/>
-            <a:ext cx="6172200" cy="4873625"/>
+            <a:off x="914400" y="621437"/>
+            <a:ext cx="10363200" cy="4331564"/>
           </a:xfrm>
+          <a:solidFill>
+            <a:schemeClr val="bg2"/>
+          </a:solidFill>
+          <a:ln>
+            <a:noFill/>
+          </a:ln>
+          <a:effectLst>
+            <a:softEdge rad="12700"/>
+          </a:effectLst>
         </p:spPr>
         <p:txBody>
           <a:bodyPr/>
@@ -6970,19 +7888,269 @@
             </a:lvl9pPr>
           </a:lstStyle>
           <a:p>
+            <a:r>
+              <a:rPr lang="en-US" smtClean="0"/>
+              <a:t>Drag picture to placeholder or click icon to add</a:t>
+            </a:r>
+            <a:endParaRPr lang="en-US" dirty="0"/>
+          </a:p>
+        </p:txBody>
+      </p:sp>
+      <p:sp>
+        <p:nvSpPr>
+          <p:cNvPr id="5" name="Date Placeholder 4"/>
+          <p:cNvSpPr>
+            <a:spLocks noGrp="1"/>
+          </p:cNvSpPr>
+          <p:nvPr>
+            <p:ph type="dt" sz="half" idx="10"/>
+          </p:nvPr>
+        </p:nvSpPr>
+        <p:spPr/>
+        <p:txBody>
+          <a:bodyPr/>
+          <a:lstStyle/>
+          <a:p>
+            <a:fld id="{58DD293B-D8D0-431A-BBD3-F7FF1DD91784}" type="datetimeFigureOut">
+              <a:rPr lang="en-US" smtClean="0"/>
+              <a:t>7/6/17</a:t>
+            </a:fld>
             <a:endParaRPr lang="en-US"/>
           </a:p>
         </p:txBody>
       </p:sp>
       <p:sp>
         <p:nvSpPr>
-          <p:cNvPr id="4" name="Text Placeholder 3">
-            <a:extLst>
-              <a:ext uri="{FF2B5EF4-FFF2-40B4-BE49-F238E27FC236}">
-                <a16:creationId xmlns:a16="http://schemas.microsoft.com/office/drawing/2014/main" id="{1014199C-4110-47AA-B48F-5F934A8EC1E1}"/>
-              </a:ext>
-            </a:extLst>
-          </p:cNvPr>
+          <p:cNvPr id="7" name="Slide Number Placeholder 6"/>
+          <p:cNvSpPr>
+            <a:spLocks noGrp="1"/>
+          </p:cNvSpPr>
+          <p:nvPr>
+            <p:ph type="sldNum" sz="quarter" idx="12"/>
+          </p:nvPr>
+        </p:nvSpPr>
+        <p:spPr/>
+        <p:txBody>
+          <a:bodyPr/>
+          <a:lstStyle/>
+          <a:p>
+            <a:fld id="{2DCCC896-0300-4576-ADB3-6A10FD79B701}" type="slidenum">
+              <a:rPr lang="en-US" smtClean="0"/>
+              <a:t>‹#›</a:t>
+            </a:fld>
+            <a:endParaRPr lang="en-US"/>
+          </a:p>
+        </p:txBody>
+      </p:sp>
+      <p:sp>
+        <p:nvSpPr>
+          <p:cNvPr id="10" name="Rectangle 9"/>
+          <p:cNvSpPr/>
+          <p:nvPr/>
+        </p:nvSpPr>
+        <p:spPr>
+          <a:xfrm>
+            <a:off x="914400" y="4953000"/>
+            <a:ext cx="10363200" cy="1371600"/>
+          </a:xfrm>
+          <a:prstGeom prst="rect">
+            <a:avLst/>
+          </a:prstGeom>
+          <a:solidFill>
+            <a:srgbClr val="FFFFFF">
+              <a:alpha val="83000"/>
+            </a:srgbClr>
+          </a:solidFill>
+          <a:ln>
+            <a:noFill/>
+          </a:ln>
+          <a:effectLst>
+            <a:softEdge rad="12700"/>
+          </a:effectLst>
+        </p:spPr>
+        <p:style>
+          <a:lnRef idx="2">
+            <a:schemeClr val="accent1">
+              <a:shade val="50000"/>
+            </a:schemeClr>
+          </a:lnRef>
+          <a:fillRef idx="1">
+            <a:schemeClr val="accent1"/>
+          </a:fillRef>
+          <a:effectRef idx="0">
+            <a:schemeClr val="accent1"/>
+          </a:effectRef>
+          <a:fontRef idx="minor">
+            <a:schemeClr val="lt1"/>
+          </a:fontRef>
+        </p:style>
+        <p:txBody>
+          <a:bodyPr rtlCol="0" anchor="ctr"/>
+          <a:lstStyle/>
+          <a:p>
+            <a:pPr algn="ctr"/>
+            <a:endParaRPr lang="en-US"/>
+          </a:p>
+        </p:txBody>
+      </p:sp>
+      <p:sp>
+        <p:nvSpPr>
+          <p:cNvPr id="12" name="Rectangle 11"/>
+          <p:cNvSpPr/>
+          <p:nvPr/>
+        </p:nvSpPr>
+        <p:spPr>
+          <a:xfrm>
+            <a:off x="1016000" y="5029200"/>
+            <a:ext cx="10134353" cy="1202924"/>
+          </a:xfrm>
+          <a:prstGeom prst="rect">
+            <a:avLst/>
+          </a:prstGeom>
+          <a:solidFill>
+            <a:srgbClr val="FFFFFF"/>
+          </a:solidFill>
+          <a:ln w="6350" cmpd="dbl">
+            <a:noFill/>
+          </a:ln>
+        </p:spPr>
+        <p:style>
+          <a:lnRef idx="2">
+            <a:schemeClr val="accent1">
+              <a:shade val="50000"/>
+            </a:schemeClr>
+          </a:lnRef>
+          <a:fillRef idx="1">
+            <a:schemeClr val="accent1"/>
+          </a:fillRef>
+          <a:effectRef idx="0">
+            <a:schemeClr val="accent1"/>
+          </a:effectRef>
+          <a:fontRef idx="minor">
+            <a:schemeClr val="lt1"/>
+          </a:fontRef>
+        </p:style>
+        <p:txBody>
+          <a:bodyPr rtlCol="0" anchor="ctr"/>
+          <a:lstStyle/>
+          <a:p>
+            <a:pPr algn="ctr"/>
+            <a:endParaRPr lang="en-US"/>
+          </a:p>
+        </p:txBody>
+      </p:sp>
+      <p:sp>
+        <p:nvSpPr>
+          <p:cNvPr id="6" name="Footer Placeholder 5"/>
+          <p:cNvSpPr>
+            <a:spLocks noGrp="1"/>
+          </p:cNvSpPr>
+          <p:nvPr>
+            <p:ph type="ftr" sz="quarter" idx="11"/>
+          </p:nvPr>
+        </p:nvSpPr>
+        <p:spPr/>
+        <p:txBody>
+          <a:bodyPr/>
+          <a:lstStyle/>
+          <a:p>
+            <a:endParaRPr lang="en-US"/>
+          </a:p>
+        </p:txBody>
+      </p:sp>
+      <p:sp>
+        <p:nvSpPr>
+          <p:cNvPr id="13" name="Rectangle 12"/>
+          <p:cNvSpPr/>
+          <p:nvPr/>
+        </p:nvSpPr>
+        <p:spPr>
+          <a:xfrm>
+            <a:off x="1219200" y="5638800"/>
+            <a:ext cx="9771352" cy="451696"/>
+          </a:xfrm>
+          <a:prstGeom prst="rect">
+            <a:avLst/>
+          </a:prstGeom>
+          <a:solidFill>
+            <a:schemeClr val="accent1"/>
+          </a:solidFill>
+          <a:ln w="6350" cmpd="dbl">
+            <a:noFill/>
+          </a:ln>
+        </p:spPr>
+        <p:style>
+          <a:lnRef idx="2">
+            <a:schemeClr val="accent1">
+              <a:shade val="50000"/>
+            </a:schemeClr>
+          </a:lnRef>
+          <a:fillRef idx="1">
+            <a:schemeClr val="accent1"/>
+          </a:fillRef>
+          <a:effectRef idx="0">
+            <a:schemeClr val="accent1"/>
+          </a:effectRef>
+          <a:fontRef idx="minor">
+            <a:schemeClr val="lt1"/>
+          </a:fontRef>
+        </p:style>
+        <p:txBody>
+          <a:bodyPr rtlCol="0" anchor="ctr"/>
+          <a:lstStyle/>
+          <a:p>
+            <a:pPr algn="ctr"/>
+            <a:endParaRPr lang="en-US"/>
+          </a:p>
+        </p:txBody>
+      </p:sp>
+      <p:sp>
+        <p:nvSpPr>
+          <p:cNvPr id="11" name="Rectangle 10"/>
+          <p:cNvSpPr/>
+          <p:nvPr/>
+        </p:nvSpPr>
+        <p:spPr>
+          <a:xfrm>
+            <a:off x="807452" y="5074920"/>
+            <a:ext cx="10594848" cy="1097280"/>
+          </a:xfrm>
+          <a:prstGeom prst="rect">
+            <a:avLst/>
+          </a:prstGeom>
+          <a:noFill/>
+          <a:ln w="6350" cmpd="dbl">
+            <a:noFill/>
+          </a:ln>
+        </p:spPr>
+        <p:style>
+          <a:lnRef idx="2">
+            <a:schemeClr val="accent1">
+              <a:shade val="50000"/>
+            </a:schemeClr>
+          </a:lnRef>
+          <a:fillRef idx="1">
+            <a:schemeClr val="accent1"/>
+          </a:fillRef>
+          <a:effectRef idx="0">
+            <a:schemeClr val="accent1"/>
+          </a:effectRef>
+          <a:fontRef idx="minor">
+            <a:schemeClr val="lt1"/>
+          </a:fontRef>
+        </p:style>
+        <p:txBody>
+          <a:bodyPr rtlCol="0" anchor="ctr"/>
+          <a:lstStyle/>
+          <a:p>
+            <a:pPr algn="ctr"/>
+            <a:endParaRPr lang="en-US"/>
+          </a:p>
+        </p:txBody>
+      </p:sp>
+      <p:sp>
+        <p:nvSpPr>
+          <p:cNvPr id="4" name="Text Placeholder 3"/>
           <p:cNvSpPr>
             <a:spLocks noGrp="1"/>
           </p:cNvSpPr>
@@ -6992,148 +8160,104 @@
         </p:nvSpPr>
         <p:spPr>
           <a:xfrm>
-            <a:off x="839788" y="2057400"/>
-            <a:ext cx="3932237" cy="3811588"/>
+            <a:off x="1275052" y="5656557"/>
+            <a:ext cx="9659648" cy="401715"/>
           </a:xfrm>
         </p:spPr>
         <p:txBody>
-          <a:bodyPr/>
+          <a:bodyPr anchor="ctr">
+            <a:normAutofit/>
+          </a:bodyPr>
           <a:lstStyle>
-            <a:lvl1pPr marL="0" indent="0">
+            <a:lvl1pPr marL="0" indent="0" algn="ctr">
               <a:buNone/>
-              <a:defRPr sz="1600"/>
+              <a:defRPr sz="1500" cap="all" spc="250" baseline="0">
+                <a:solidFill>
+                  <a:srgbClr val="FFFFFF"/>
+                </a:solidFill>
+              </a:defRPr>
             </a:lvl1pPr>
             <a:lvl2pPr marL="457200" indent="0">
               <a:buNone/>
-              <a:defRPr sz="1400"/>
+              <a:defRPr sz="1200"/>
             </a:lvl2pPr>
             <a:lvl3pPr marL="914400" indent="0">
               <a:buNone/>
-              <a:defRPr sz="1200"/>
+              <a:defRPr sz="1000"/>
             </a:lvl3pPr>
             <a:lvl4pPr marL="1371600" indent="0">
               <a:buNone/>
-              <a:defRPr sz="1000"/>
+              <a:defRPr sz="900"/>
             </a:lvl4pPr>
             <a:lvl5pPr marL="1828800" indent="0">
               <a:buNone/>
-              <a:defRPr sz="1000"/>
+              <a:defRPr sz="900"/>
             </a:lvl5pPr>
             <a:lvl6pPr marL="2286000" indent="0">
               <a:buNone/>
-              <a:defRPr sz="1000"/>
+              <a:defRPr sz="900"/>
             </a:lvl6pPr>
             <a:lvl7pPr marL="2743200" indent="0">
               <a:buNone/>
-              <a:defRPr sz="1000"/>
+              <a:defRPr sz="900"/>
             </a:lvl7pPr>
             <a:lvl8pPr marL="3200400" indent="0">
               <a:buNone/>
-              <a:defRPr sz="1000"/>
+              <a:defRPr sz="900"/>
             </a:lvl8pPr>
             <a:lvl9pPr marL="3657600" indent="0">
               <a:buNone/>
-              <a:defRPr sz="1000"/>
+              <a:defRPr sz="900"/>
             </a:lvl9pPr>
           </a:lstStyle>
           <a:p>
             <a:pPr lvl="0"/>
             <a:r>
-              <a:rPr lang="en-US"/>
-              <a:t>Edit Master text styles</a:t>
-            </a:r>
-          </a:p>
-        </p:txBody>
-      </p:sp>
-      <p:sp>
-        <p:nvSpPr>
-          <p:cNvPr id="5" name="Date Placeholder 4">
-            <a:extLst>
-              <a:ext uri="{FF2B5EF4-FFF2-40B4-BE49-F238E27FC236}">
-                <a16:creationId xmlns:a16="http://schemas.microsoft.com/office/drawing/2014/main" id="{02CA9836-8481-49E1-AC0F-C6A0B5C18250}"/>
-              </a:ext>
-            </a:extLst>
-          </p:cNvPr>
+              <a:rPr lang="en-US" smtClean="0"/>
+              <a:t>Click to edit Master text styles</a:t>
+            </a:r>
+          </a:p>
+        </p:txBody>
+      </p:sp>
+      <p:sp>
+        <p:nvSpPr>
+          <p:cNvPr id="2" name="Title 1"/>
           <p:cNvSpPr>
             <a:spLocks noGrp="1"/>
           </p:cNvSpPr>
           <p:nvPr>
-            <p:ph type="dt" sz="half" idx="10"/>
+            <p:ph type="title"/>
           </p:nvPr>
         </p:nvSpPr>
-        <p:spPr/>
-        <p:txBody>
-          <a:bodyPr/>
-          <a:lstStyle/>
-          <a:p>
-            <a:fld id="{58DD293B-D8D0-431A-BBD3-F7FF1DD91784}" type="datetimeFigureOut">
+        <p:spPr>
+          <a:xfrm>
+            <a:off x="1219200" y="5105401"/>
+            <a:ext cx="9771352" cy="523043"/>
+          </a:xfrm>
+        </p:spPr>
+        <p:txBody>
+          <a:bodyPr anchor="ctr" anchorCtr="0"/>
+          <a:lstStyle>
+            <a:lvl1pPr algn="ctr">
+              <a:defRPr sz="2000" b="0">
+                <a:solidFill>
+                  <a:schemeClr val="accent1">
+                    <a:lumMod val="75000"/>
+                  </a:schemeClr>
+                </a:solidFill>
+              </a:defRPr>
+            </a:lvl1pPr>
+          </a:lstStyle>
+          <a:p>
+            <a:r>
               <a:rPr lang="en-US" smtClean="0"/>
-              <a:t>7/5/2017</a:t>
-            </a:fld>
-            <a:endParaRPr lang="en-US"/>
-          </a:p>
-        </p:txBody>
-      </p:sp>
-      <p:sp>
-        <p:nvSpPr>
-          <p:cNvPr id="6" name="Footer Placeholder 5">
-            <a:extLst>
-              <a:ext uri="{FF2B5EF4-FFF2-40B4-BE49-F238E27FC236}">
-                <a16:creationId xmlns:a16="http://schemas.microsoft.com/office/drawing/2014/main" id="{A9AFE4F1-1D4E-43FC-A14F-9D3F09CBB55B}"/>
-              </a:ext>
-            </a:extLst>
-          </p:cNvPr>
-          <p:cNvSpPr>
-            <a:spLocks noGrp="1"/>
-          </p:cNvSpPr>
-          <p:nvPr>
-            <p:ph type="ftr" sz="quarter" idx="11"/>
-          </p:nvPr>
-        </p:nvSpPr>
-        <p:spPr/>
-        <p:txBody>
-          <a:bodyPr/>
-          <a:lstStyle/>
-          <a:p>
-            <a:endParaRPr lang="en-US"/>
-          </a:p>
-        </p:txBody>
-      </p:sp>
-      <p:sp>
-        <p:nvSpPr>
-          <p:cNvPr id="7" name="Slide Number Placeholder 6">
-            <a:extLst>
-              <a:ext uri="{FF2B5EF4-FFF2-40B4-BE49-F238E27FC236}">
-                <a16:creationId xmlns:a16="http://schemas.microsoft.com/office/drawing/2014/main" id="{F1D2FB0E-2109-4A04-BACC-64BB8CA8FE30}"/>
-              </a:ext>
-            </a:extLst>
-          </p:cNvPr>
-          <p:cNvSpPr>
-            <a:spLocks noGrp="1"/>
-          </p:cNvSpPr>
-          <p:nvPr>
-            <p:ph type="sldNum" sz="quarter" idx="12"/>
-          </p:nvPr>
-        </p:nvSpPr>
-        <p:spPr/>
-        <p:txBody>
-          <a:bodyPr/>
-          <a:lstStyle/>
-          <a:p>
-            <a:fld id="{2DCCC896-0300-4576-ADB3-6A10FD79B701}" type="slidenum">
-              <a:rPr lang="en-US" smtClean="0"/>
-              <a:t>‹#›</a:t>
-            </a:fld>
-            <a:endParaRPr lang="en-US"/>
+              <a:t>Click to edit Master title style</a:t>
+            </a:r>
+            <a:endParaRPr lang="en-US" dirty="0"/>
           </a:p>
         </p:txBody>
       </p:sp>
     </p:spTree>
-    <p:extLst>
-      <p:ext uri="{BB962C8B-B14F-4D97-AF65-F5344CB8AC3E}">
-        <p14:creationId xmlns:p14="http://schemas.microsoft.com/office/powerpoint/2010/main" val="863437251"/>
-      </p:ext>
-    </p:extLst>
   </p:cSld>
   <p:clrMapOvr>
     <a:masterClrMapping/>
@@ -7145,7 +8269,7 @@
 <p:sldMaster xmlns:a="http://schemas.openxmlformats.org/drawingml/2006/main" xmlns:r="http://schemas.openxmlformats.org/officeDocument/2006/relationships" xmlns:p="http://schemas.openxmlformats.org/presentationml/2006/main">
   <p:cSld>
     <p:bg>
-      <p:bgRef idx="1001">
+      <p:bgRef idx="1003">
         <a:schemeClr val="bg1"/>
       </p:bgRef>
     </p:bg>
@@ -7165,13 +8289,377 @@
       </p:grpSpPr>
       <p:sp>
         <p:nvSpPr>
-          <p:cNvPr id="2" name="Title Placeholder 1">
-            <a:extLst>
-              <a:ext uri="{FF2B5EF4-FFF2-40B4-BE49-F238E27FC236}">
-                <a16:creationId xmlns:a16="http://schemas.microsoft.com/office/drawing/2014/main" id="{952E25B1-FF68-4BDA-87DD-1E4618824C9C}"/>
-              </a:ext>
-            </a:extLst>
-          </p:cNvPr>
+          <p:cNvPr id="8" name="Rectangle 7"/>
+          <p:cNvSpPr/>
+          <p:nvPr/>
+        </p:nvSpPr>
+        <p:spPr>
+          <a:xfrm>
+            <a:off x="0" y="0"/>
+            <a:ext cx="12192000" cy="6858000"/>
+          </a:xfrm>
+          <a:prstGeom prst="rect">
+            <a:avLst/>
+          </a:prstGeom>
+          <a:solidFill>
+            <a:srgbClr val="FFFFFF"/>
+          </a:solidFill>
+          <a:ln>
+            <a:noFill/>
+          </a:ln>
+        </p:spPr>
+        <p:style>
+          <a:lnRef idx="2">
+            <a:schemeClr val="accent1">
+              <a:shade val="50000"/>
+            </a:schemeClr>
+          </a:lnRef>
+          <a:fillRef idx="1">
+            <a:schemeClr val="accent1"/>
+          </a:fillRef>
+          <a:effectRef idx="0">
+            <a:schemeClr val="accent1"/>
+          </a:effectRef>
+          <a:fontRef idx="minor">
+            <a:schemeClr val="lt1"/>
+          </a:fontRef>
+        </p:style>
+        <p:txBody>
+          <a:bodyPr rtlCol="0" anchor="ctr"/>
+          <a:lstStyle/>
+          <a:p>
+            <a:pPr algn="ctr"/>
+            <a:endParaRPr lang="en-US"/>
+          </a:p>
+        </p:txBody>
+      </p:sp>
+      <p:sp useBgFill="1">
+        <p:nvSpPr>
+          <p:cNvPr id="7" name="Rounded Rectangle 6"/>
+          <p:cNvSpPr/>
+          <p:nvPr/>
+        </p:nvSpPr>
+        <p:spPr>
+          <a:xfrm>
+            <a:off x="121920" y="101600"/>
+            <a:ext cx="11948160" cy="6664960"/>
+          </a:xfrm>
+          <a:prstGeom prst="roundRect">
+            <a:avLst>
+              <a:gd name="adj" fmla="val 1735"/>
+            </a:avLst>
+          </a:prstGeom>
+          <a:ln w="12700" cmpd="sng">
+            <a:noFill/>
+          </a:ln>
+        </p:spPr>
+        <p:style>
+          <a:lnRef idx="2">
+            <a:schemeClr val="accent1">
+              <a:shade val="50000"/>
+            </a:schemeClr>
+          </a:lnRef>
+          <a:fillRef idx="1">
+            <a:schemeClr val="accent1"/>
+          </a:fillRef>
+          <a:effectRef idx="0">
+            <a:schemeClr val="accent1"/>
+          </a:effectRef>
+          <a:fontRef idx="minor">
+            <a:schemeClr val="lt1"/>
+          </a:fontRef>
+        </p:style>
+        <p:txBody>
+          <a:bodyPr rtlCol="0" anchor="ctr"/>
+          <a:lstStyle/>
+          <a:p>
+            <a:pPr algn="ctr"/>
+            <a:endParaRPr lang="en-US"/>
+          </a:p>
+        </p:txBody>
+      </p:sp>
+      <p:sp>
+        <p:nvSpPr>
+          <p:cNvPr id="3" name="Text Placeholder 2"/>
+          <p:cNvSpPr>
+            <a:spLocks noGrp="1"/>
+          </p:cNvSpPr>
+          <p:nvPr>
+            <p:ph type="body" idx="1"/>
+          </p:nvPr>
+        </p:nvSpPr>
+        <p:spPr>
+          <a:xfrm>
+            <a:off x="609600" y="1752601"/>
+            <a:ext cx="10972800" cy="4373563"/>
+          </a:xfrm>
+          <a:prstGeom prst="rect">
+            <a:avLst/>
+          </a:prstGeom>
+        </p:spPr>
+        <p:txBody>
+          <a:bodyPr vert="horz" lIns="91440" tIns="45720" rIns="91440" bIns="45720" rtlCol="0">
+            <a:normAutofit/>
+          </a:bodyPr>
+          <a:lstStyle/>
+          <a:p>
+            <a:pPr lvl="0"/>
+            <a:r>
+              <a:rPr lang="en-US" smtClean="0"/>
+              <a:t>Click to edit Master text styles</a:t>
+            </a:r>
+          </a:p>
+          <a:p>
+            <a:pPr lvl="1"/>
+            <a:r>
+              <a:rPr lang="en-US" smtClean="0"/>
+              <a:t>Second level</a:t>
+            </a:r>
+          </a:p>
+          <a:p>
+            <a:pPr lvl="2"/>
+            <a:r>
+              <a:rPr lang="en-US" smtClean="0"/>
+              <a:t>Third level</a:t>
+            </a:r>
+          </a:p>
+          <a:p>
+            <a:pPr lvl="3"/>
+            <a:r>
+              <a:rPr lang="en-US" smtClean="0"/>
+              <a:t>Fourth level</a:t>
+            </a:r>
+          </a:p>
+          <a:p>
+            <a:pPr lvl="4"/>
+            <a:r>
+              <a:rPr lang="en-US" smtClean="0"/>
+              <a:t>Fifth level</a:t>
+            </a:r>
+            <a:endParaRPr lang="en-US" dirty="0"/>
+          </a:p>
+        </p:txBody>
+      </p:sp>
+      <p:sp>
+        <p:nvSpPr>
+          <p:cNvPr id="4" name="Date Placeholder 3"/>
+          <p:cNvSpPr>
+            <a:spLocks noGrp="1"/>
+          </p:cNvSpPr>
+          <p:nvPr>
+            <p:ph type="dt" sz="half" idx="2"/>
+          </p:nvPr>
+        </p:nvSpPr>
+        <p:spPr>
+          <a:xfrm>
+            <a:off x="609600" y="6356351"/>
+            <a:ext cx="2844800" cy="365125"/>
+          </a:xfrm>
+          <a:prstGeom prst="rect">
+            <a:avLst/>
+          </a:prstGeom>
+        </p:spPr>
+        <p:txBody>
+          <a:bodyPr vert="horz" lIns="91440" tIns="45720" rIns="91440" bIns="45720" rtlCol="0" anchor="ctr"/>
+          <a:lstStyle>
+            <a:lvl1pPr algn="l">
+              <a:defRPr sz="1200">
+                <a:solidFill>
+                  <a:schemeClr val="tx2"/>
+                </a:solidFill>
+              </a:defRPr>
+            </a:lvl1pPr>
+          </a:lstStyle>
+          <a:p>
+            <a:fld id="{58DD293B-D8D0-431A-BBD3-F7FF1DD91784}" type="datetimeFigureOut">
+              <a:rPr lang="en-US" smtClean="0"/>
+              <a:t>7/6/17</a:t>
+            </a:fld>
+            <a:endParaRPr lang="en-US"/>
+          </a:p>
+        </p:txBody>
+      </p:sp>
+      <p:sp>
+        <p:nvSpPr>
+          <p:cNvPr id="5" name="Footer Placeholder 4"/>
+          <p:cNvSpPr>
+            <a:spLocks noGrp="1"/>
+          </p:cNvSpPr>
+          <p:nvPr>
+            <p:ph type="ftr" sz="quarter" idx="3"/>
+          </p:nvPr>
+        </p:nvSpPr>
+        <p:spPr>
+          <a:xfrm>
+            <a:off x="4165600" y="6356351"/>
+            <a:ext cx="3860800" cy="365125"/>
+          </a:xfrm>
+          <a:prstGeom prst="rect">
+            <a:avLst/>
+          </a:prstGeom>
+        </p:spPr>
+        <p:txBody>
+          <a:bodyPr vert="horz" lIns="91440" tIns="45720" rIns="91440" bIns="45720" rtlCol="0" anchor="ctr"/>
+          <a:lstStyle>
+            <a:lvl1pPr algn="ctr">
+              <a:defRPr sz="1200">
+                <a:solidFill>
+                  <a:schemeClr val="tx2"/>
+                </a:solidFill>
+              </a:defRPr>
+            </a:lvl1pPr>
+          </a:lstStyle>
+          <a:p>
+            <a:endParaRPr lang="en-US"/>
+          </a:p>
+        </p:txBody>
+      </p:sp>
+      <p:sp>
+        <p:nvSpPr>
+          <p:cNvPr id="6" name="Slide Number Placeholder 5"/>
+          <p:cNvSpPr>
+            <a:spLocks noGrp="1"/>
+          </p:cNvSpPr>
+          <p:nvPr>
+            <p:ph type="sldNum" sz="quarter" idx="4"/>
+          </p:nvPr>
+        </p:nvSpPr>
+        <p:spPr>
+          <a:xfrm>
+            <a:off x="8737600" y="6356351"/>
+            <a:ext cx="2844800" cy="365125"/>
+          </a:xfrm>
+          <a:prstGeom prst="rect">
+            <a:avLst/>
+          </a:prstGeom>
+        </p:spPr>
+        <p:txBody>
+          <a:bodyPr vert="horz" lIns="91440" tIns="45720" rIns="91440" bIns="45720" rtlCol="0" anchor="ctr"/>
+          <a:lstStyle>
+            <a:lvl1pPr algn="r">
+              <a:defRPr sz="1200">
+                <a:solidFill>
+                  <a:schemeClr val="tx2"/>
+                </a:solidFill>
+              </a:defRPr>
+            </a:lvl1pPr>
+          </a:lstStyle>
+          <a:p>
+            <a:fld id="{2DCCC896-0300-4576-ADB3-6A10FD79B701}" type="slidenum">
+              <a:rPr lang="en-US" smtClean="0"/>
+              <a:t>‹#›</a:t>
+            </a:fld>
+            <a:endParaRPr lang="en-US"/>
+          </a:p>
+        </p:txBody>
+      </p:sp>
+      <p:sp>
+        <p:nvSpPr>
+          <p:cNvPr id="9" name="Rectangle 8"/>
+          <p:cNvSpPr/>
+          <p:nvPr/>
+        </p:nvSpPr>
+        <p:spPr>
+          <a:xfrm>
+            <a:off x="365760" y="278166"/>
+            <a:ext cx="11460480" cy="1325880"/>
+          </a:xfrm>
+          <a:prstGeom prst="rect">
+            <a:avLst/>
+          </a:prstGeom>
+          <a:solidFill>
+            <a:srgbClr val="FFFFFF">
+              <a:alpha val="83000"/>
+            </a:srgbClr>
+          </a:solidFill>
+          <a:ln>
+            <a:noFill/>
+          </a:ln>
+          <a:effectLst>
+            <a:softEdge rad="12700"/>
+          </a:effectLst>
+        </p:spPr>
+        <p:style>
+          <a:lnRef idx="2">
+            <a:schemeClr val="accent1">
+              <a:shade val="50000"/>
+            </a:schemeClr>
+          </a:lnRef>
+          <a:fillRef idx="1">
+            <a:schemeClr val="accent1"/>
+          </a:fillRef>
+          <a:effectRef idx="0">
+            <a:schemeClr val="accent1"/>
+          </a:effectRef>
+          <a:fontRef idx="minor">
+            <a:schemeClr val="lt1"/>
+          </a:fontRef>
+        </p:style>
+        <p:txBody>
+          <a:bodyPr rtlCol="0" anchor="ctr"/>
+          <a:lstStyle/>
+          <a:p>
+            <a:pPr marL="0" algn="ctr" defTabSz="914400" rtl="0" eaLnBrk="1" latinLnBrk="0" hangingPunct="1"/>
+            <a:endParaRPr lang="en-US" sz="1800" kern="1200">
+              <a:solidFill>
+                <a:schemeClr val="lt1"/>
+              </a:solidFill>
+              <a:latin typeface="+mn-lt"/>
+              <a:ea typeface="+mn-ea"/>
+              <a:cs typeface="+mn-cs"/>
+            </a:endParaRPr>
+          </a:p>
+        </p:txBody>
+      </p:sp>
+      <p:sp>
+        <p:nvSpPr>
+          <p:cNvPr id="10" name="Rectangle 9"/>
+          <p:cNvSpPr/>
+          <p:nvPr/>
+        </p:nvSpPr>
+        <p:spPr>
+          <a:xfrm>
+            <a:off x="497151" y="372862"/>
+            <a:ext cx="11174027" cy="1118587"/>
+          </a:xfrm>
+          <a:prstGeom prst="rect">
+            <a:avLst/>
+          </a:prstGeom>
+          <a:solidFill>
+            <a:srgbClr val="FFFFFF"/>
+          </a:solidFill>
+          <a:ln w="6350">
+            <a:noFill/>
+          </a:ln>
+        </p:spPr>
+        <p:style>
+          <a:lnRef idx="2">
+            <a:schemeClr val="accent1">
+              <a:shade val="50000"/>
+            </a:schemeClr>
+          </a:lnRef>
+          <a:fillRef idx="1">
+            <a:schemeClr val="accent1"/>
+          </a:fillRef>
+          <a:effectRef idx="0">
+            <a:schemeClr val="accent1"/>
+          </a:effectRef>
+          <a:fontRef idx="minor">
+            <a:schemeClr val="lt1"/>
+          </a:fontRef>
+        </p:style>
+        <p:txBody>
+          <a:bodyPr rtlCol="0" anchor="ctr"/>
+          <a:lstStyle/>
+          <a:p>
+            <a:pPr algn="ctr"/>
+            <a:endParaRPr lang="en-US"/>
+          </a:p>
+        </p:txBody>
+      </p:sp>
+      <p:sp>
+        <p:nvSpPr>
+          <p:cNvPr id="2" name="Title Placeholder 1"/>
           <p:cNvSpPr>
             <a:spLocks noGrp="1"/>
           </p:cNvSpPr>
@@ -7181,8 +8669,8 @@
         </p:nvSpPr>
         <p:spPr>
           <a:xfrm>
-            <a:off x="838200" y="365125"/>
-            <a:ext cx="10515600" cy="1325563"/>
+            <a:off x="568171" y="408373"/>
+            <a:ext cx="11014229" cy="1039427"/>
           </a:xfrm>
           <a:prstGeom prst="rect">
             <a:avLst/>
@@ -7195,250 +8683,41 @@
           <a:lstStyle/>
           <a:p>
             <a:r>
-              <a:rPr lang="en-US"/>
+              <a:rPr lang="en-US" smtClean="0"/>
               <a:t>Click to edit Master title style</a:t>
             </a:r>
-          </a:p>
-        </p:txBody>
-      </p:sp>
-      <p:sp>
-        <p:nvSpPr>
-          <p:cNvPr id="3" name="Text Placeholder 2">
-            <a:extLst>
-              <a:ext uri="{FF2B5EF4-FFF2-40B4-BE49-F238E27FC236}">
-                <a16:creationId xmlns:a16="http://schemas.microsoft.com/office/drawing/2014/main" id="{5A93B452-F257-4E6A-9783-F91C7F32CE43}"/>
-              </a:ext>
-            </a:extLst>
-          </p:cNvPr>
-          <p:cNvSpPr>
-            <a:spLocks noGrp="1"/>
-          </p:cNvSpPr>
-          <p:nvPr>
-            <p:ph type="body" idx="1"/>
-          </p:nvPr>
-        </p:nvSpPr>
-        <p:spPr>
-          <a:xfrm>
-            <a:off x="838200" y="1825625"/>
-            <a:ext cx="10515600" cy="4351338"/>
-          </a:xfrm>
-          <a:prstGeom prst="rect">
-            <a:avLst/>
-          </a:prstGeom>
-        </p:spPr>
-        <p:txBody>
-          <a:bodyPr vert="horz" lIns="91440" tIns="45720" rIns="91440" bIns="45720" rtlCol="0">
-            <a:normAutofit/>
-          </a:bodyPr>
-          <a:lstStyle/>
-          <a:p>
-            <a:pPr lvl="0"/>
-            <a:r>
-              <a:rPr lang="en-US"/>
-              <a:t>Edit Master text styles</a:t>
-            </a:r>
-          </a:p>
-          <a:p>
-            <a:pPr lvl="1"/>
-            <a:r>
-              <a:rPr lang="en-US"/>
-              <a:t>Second level</a:t>
-            </a:r>
-          </a:p>
-          <a:p>
-            <a:pPr lvl="2"/>
-            <a:r>
-              <a:rPr lang="en-US"/>
-              <a:t>Third level</a:t>
-            </a:r>
-          </a:p>
-          <a:p>
-            <a:pPr lvl="3"/>
-            <a:r>
-              <a:rPr lang="en-US"/>
-              <a:t>Fourth level</a:t>
-            </a:r>
-          </a:p>
-          <a:p>
-            <a:pPr lvl="4"/>
-            <a:r>
-              <a:rPr lang="en-US"/>
-              <a:t>Fifth level</a:t>
-            </a:r>
-          </a:p>
-        </p:txBody>
-      </p:sp>
-      <p:sp>
-        <p:nvSpPr>
-          <p:cNvPr id="4" name="Date Placeholder 3">
-            <a:extLst>
-              <a:ext uri="{FF2B5EF4-FFF2-40B4-BE49-F238E27FC236}">
-                <a16:creationId xmlns:a16="http://schemas.microsoft.com/office/drawing/2014/main" id="{26CE98D4-5A75-4F19-8E49-2B656260558D}"/>
-              </a:ext>
-            </a:extLst>
-          </p:cNvPr>
-          <p:cNvSpPr>
-            <a:spLocks noGrp="1"/>
-          </p:cNvSpPr>
-          <p:nvPr>
-            <p:ph type="dt" sz="half" idx="2"/>
-          </p:nvPr>
-        </p:nvSpPr>
-        <p:spPr>
-          <a:xfrm>
-            <a:off x="838200" y="6356350"/>
-            <a:ext cx="2743200" cy="365125"/>
-          </a:xfrm>
-          <a:prstGeom prst="rect">
-            <a:avLst/>
-          </a:prstGeom>
-        </p:spPr>
-        <p:txBody>
-          <a:bodyPr vert="horz" lIns="91440" tIns="45720" rIns="91440" bIns="45720" rtlCol="0" anchor="ctr"/>
-          <a:lstStyle>
-            <a:lvl1pPr algn="l">
-              <a:defRPr sz="1200">
-                <a:solidFill>
-                  <a:schemeClr val="tx1">
-                    <a:tint val="75000"/>
-                  </a:schemeClr>
-                </a:solidFill>
-              </a:defRPr>
-            </a:lvl1pPr>
-          </a:lstStyle>
-          <a:p>
-            <a:fld id="{58DD293B-D8D0-431A-BBD3-F7FF1DD91784}" type="datetimeFigureOut">
-              <a:rPr lang="en-US" smtClean="0"/>
-              <a:t>7/5/2017</a:t>
-            </a:fld>
-            <a:endParaRPr lang="en-US"/>
-          </a:p>
-        </p:txBody>
-      </p:sp>
-      <p:sp>
-        <p:nvSpPr>
-          <p:cNvPr id="5" name="Footer Placeholder 4">
-            <a:extLst>
-              <a:ext uri="{FF2B5EF4-FFF2-40B4-BE49-F238E27FC236}">
-                <a16:creationId xmlns:a16="http://schemas.microsoft.com/office/drawing/2014/main" id="{5A005F58-856F-436F-BA57-D903F122586E}"/>
-              </a:ext>
-            </a:extLst>
-          </p:cNvPr>
-          <p:cNvSpPr>
-            <a:spLocks noGrp="1"/>
-          </p:cNvSpPr>
-          <p:nvPr>
-            <p:ph type="ftr" sz="quarter" idx="3"/>
-          </p:nvPr>
-        </p:nvSpPr>
-        <p:spPr>
-          <a:xfrm>
-            <a:off x="4038600" y="6356350"/>
-            <a:ext cx="4114800" cy="365125"/>
-          </a:xfrm>
-          <a:prstGeom prst="rect">
-            <a:avLst/>
-          </a:prstGeom>
-        </p:spPr>
-        <p:txBody>
-          <a:bodyPr vert="horz" lIns="91440" tIns="45720" rIns="91440" bIns="45720" rtlCol="0" anchor="ctr"/>
-          <a:lstStyle>
-            <a:lvl1pPr algn="ctr">
-              <a:defRPr sz="1200">
-                <a:solidFill>
-                  <a:schemeClr val="tx1">
-                    <a:tint val="75000"/>
-                  </a:schemeClr>
-                </a:solidFill>
-              </a:defRPr>
-            </a:lvl1pPr>
-          </a:lstStyle>
-          <a:p>
-            <a:endParaRPr lang="en-US"/>
-          </a:p>
-        </p:txBody>
-      </p:sp>
-      <p:sp>
-        <p:nvSpPr>
-          <p:cNvPr id="6" name="Slide Number Placeholder 5">
-            <a:extLst>
-              <a:ext uri="{FF2B5EF4-FFF2-40B4-BE49-F238E27FC236}">
-                <a16:creationId xmlns:a16="http://schemas.microsoft.com/office/drawing/2014/main" id="{B6C0B5EA-B21E-40F9-ADDA-3A84F8187259}"/>
-              </a:ext>
-            </a:extLst>
-          </p:cNvPr>
-          <p:cNvSpPr>
-            <a:spLocks noGrp="1"/>
-          </p:cNvSpPr>
-          <p:nvPr>
-            <p:ph type="sldNum" sz="quarter" idx="4"/>
-          </p:nvPr>
-        </p:nvSpPr>
-        <p:spPr>
-          <a:xfrm>
-            <a:off x="8610600" y="6356350"/>
-            <a:ext cx="2743200" cy="365125"/>
-          </a:xfrm>
-          <a:prstGeom prst="rect">
-            <a:avLst/>
-          </a:prstGeom>
-        </p:spPr>
-        <p:txBody>
-          <a:bodyPr vert="horz" lIns="91440" tIns="45720" rIns="91440" bIns="45720" rtlCol="0" anchor="ctr"/>
-          <a:lstStyle>
-            <a:lvl1pPr algn="r">
-              <a:defRPr sz="1200">
-                <a:solidFill>
-                  <a:schemeClr val="tx1">
-                    <a:tint val="75000"/>
-                  </a:schemeClr>
-                </a:solidFill>
-              </a:defRPr>
-            </a:lvl1pPr>
-          </a:lstStyle>
-          <a:p>
-            <a:fld id="{2DCCC896-0300-4576-ADB3-6A10FD79B701}" type="slidenum">
-              <a:rPr lang="en-US" smtClean="0"/>
-              <a:t>‹#›</a:t>
-            </a:fld>
-            <a:endParaRPr lang="en-US"/>
+            <a:endParaRPr lang="en-US" dirty="0"/>
           </a:p>
         </p:txBody>
       </p:sp>
     </p:spTree>
-    <p:extLst>
-      <p:ext uri="{BB962C8B-B14F-4D97-AF65-F5344CB8AC3E}">
-        <p14:creationId xmlns:p14="http://schemas.microsoft.com/office/powerpoint/2010/main" val="685975331"/>
-      </p:ext>
-    </p:extLst>
   </p:cSld>
   <p:clrMap bg1="lt1" tx1="dk1" bg2="lt2" tx2="dk2" accent1="accent1" accent2="accent2" accent3="accent3" accent4="accent4" accent5="accent5" accent6="accent6" hlink="hlink" folHlink="folHlink"/>
   <p:sldLayoutIdLst>
-    <p:sldLayoutId id="2147483649" r:id="rId1"/>
-    <p:sldLayoutId id="2147483650" r:id="rId2"/>
-    <p:sldLayoutId id="2147483651" r:id="rId3"/>
-    <p:sldLayoutId id="2147483652" r:id="rId4"/>
-    <p:sldLayoutId id="2147483653" r:id="rId5"/>
-    <p:sldLayoutId id="2147483654" r:id="rId6"/>
-    <p:sldLayoutId id="2147483655" r:id="rId7"/>
-    <p:sldLayoutId id="2147483656" r:id="rId8"/>
-    <p:sldLayoutId id="2147483657" r:id="rId9"/>
-    <p:sldLayoutId id="2147483658" r:id="rId10"/>
-    <p:sldLayoutId id="2147483659" r:id="rId11"/>
+    <p:sldLayoutId id="2147484170" r:id="rId1"/>
+    <p:sldLayoutId id="2147484171" r:id="rId2"/>
+    <p:sldLayoutId id="2147484172" r:id="rId3"/>
+    <p:sldLayoutId id="2147484173" r:id="rId4"/>
+    <p:sldLayoutId id="2147484174" r:id="rId5"/>
+    <p:sldLayoutId id="2147484175" r:id="rId6"/>
+    <p:sldLayoutId id="2147484176" r:id="rId7"/>
+    <p:sldLayoutId id="2147484177" r:id="rId8"/>
+    <p:sldLayoutId id="2147484178" r:id="rId9"/>
+    <p:sldLayoutId id="2147484179" r:id="rId10"/>
+    <p:sldLayoutId id="2147484180" r:id="rId11"/>
   </p:sldLayoutIdLst>
   <p:txStyles>
     <p:titleStyle>
-      <a:lvl1pPr algn="l" defTabSz="914400" rtl="0" eaLnBrk="1" latinLnBrk="0" hangingPunct="1">
-        <a:lnSpc>
-          <a:spcPct val="90000"/>
-        </a:lnSpc>
+      <a:lvl1pPr algn="ctr" defTabSz="914400" rtl="0" eaLnBrk="1" latinLnBrk="0" hangingPunct="1">
         <a:spcBef>
           <a:spcPct val="0"/>
         </a:spcBef>
         <a:buNone/>
-        <a:defRPr sz="4400" kern="1200">
+        <a:defRPr sz="3500" kern="1200" cap="all" baseline="0">
           <a:solidFill>
-            <a:schemeClr val="tx1"/>
+            <a:schemeClr val="accent1">
+              <a:lumMod val="75000"/>
+            </a:schemeClr>
           </a:solidFill>
           <a:latin typeface="+mj-lt"/>
           <a:ea typeface="+mj-ea"/>
@@ -7447,162 +8726,162 @@
       </a:lvl1pPr>
     </p:titleStyle>
     <p:bodyStyle>
-      <a:lvl1pPr marL="228600" indent="-228600" algn="l" defTabSz="914400" rtl="0" eaLnBrk="1" latinLnBrk="0" hangingPunct="1">
-        <a:lnSpc>
-          <a:spcPct val="90000"/>
-        </a:lnSpc>
+      <a:lvl1pPr marL="342900" indent="-228600" algn="l" defTabSz="914400" rtl="0" eaLnBrk="1" latinLnBrk="0" hangingPunct="1">
         <a:spcBef>
-          <a:spcPts val="1000"/>
+          <a:spcPct val="20000"/>
         </a:spcBef>
-        <a:buFont typeface="Arial" panose="020B0604020202020204" pitchFamily="34" charset="0"/>
+        <a:buClr>
+          <a:schemeClr val="accent1"/>
+        </a:buClr>
+        <a:buFont typeface="Arial" pitchFamily="34" charset="0"/>
         <a:buChar char="•"/>
-        <a:defRPr sz="2800" kern="1200">
+        <a:defRPr sz="2400" kern="1200">
           <a:solidFill>
-            <a:schemeClr val="tx1"/>
+            <a:schemeClr val="tx2"/>
           </a:solidFill>
           <a:latin typeface="+mn-lt"/>
           <a:ea typeface="+mn-ea"/>
           <a:cs typeface="+mn-cs"/>
         </a:defRPr>
       </a:lvl1pPr>
-      <a:lvl2pPr marL="685800" indent="-228600" algn="l" defTabSz="914400" rtl="0" eaLnBrk="1" latinLnBrk="0" hangingPunct="1">
-        <a:lnSpc>
-          <a:spcPct val="90000"/>
-        </a:lnSpc>
+      <a:lvl2pPr marL="640080" indent="-228600" algn="l" defTabSz="914400" rtl="0" eaLnBrk="1" latinLnBrk="0" hangingPunct="1">
         <a:spcBef>
-          <a:spcPts val="500"/>
+          <a:spcPct val="20000"/>
         </a:spcBef>
-        <a:buFont typeface="Arial" panose="020B0604020202020204" pitchFamily="34" charset="0"/>
+        <a:buClr>
+          <a:schemeClr val="accent2"/>
+        </a:buClr>
+        <a:buFont typeface="Arial" pitchFamily="34" charset="0"/>
         <a:buChar char="•"/>
-        <a:defRPr sz="2400" kern="1200">
+        <a:defRPr sz="2000" kern="1200">
           <a:solidFill>
-            <a:schemeClr val="tx1"/>
+            <a:schemeClr val="tx2"/>
           </a:solidFill>
           <a:latin typeface="+mn-lt"/>
           <a:ea typeface="+mn-ea"/>
           <a:cs typeface="+mn-cs"/>
         </a:defRPr>
       </a:lvl2pPr>
-      <a:lvl3pPr marL="1143000" indent="-228600" algn="l" defTabSz="914400" rtl="0" eaLnBrk="1" latinLnBrk="0" hangingPunct="1">
-        <a:lnSpc>
-          <a:spcPct val="90000"/>
-        </a:lnSpc>
+      <a:lvl3pPr marL="914400" indent="-228600" algn="l" defTabSz="914400" rtl="0" eaLnBrk="1" latinLnBrk="0" hangingPunct="1">
         <a:spcBef>
-          <a:spcPts val="500"/>
+          <a:spcPct val="20000"/>
         </a:spcBef>
-        <a:buFont typeface="Arial" panose="020B0604020202020204" pitchFamily="34" charset="0"/>
+        <a:buClr>
+          <a:schemeClr val="accent3"/>
+        </a:buClr>
+        <a:buFont typeface="Arial" pitchFamily="34" charset="0"/>
         <a:buChar char="•"/>
-        <a:defRPr sz="2000" kern="1200">
+        <a:defRPr sz="1800" kern="1200">
           <a:solidFill>
-            <a:schemeClr val="tx1"/>
+            <a:schemeClr val="tx2"/>
           </a:solidFill>
           <a:latin typeface="+mn-lt"/>
           <a:ea typeface="+mn-ea"/>
           <a:cs typeface="+mn-cs"/>
         </a:defRPr>
       </a:lvl3pPr>
-      <a:lvl4pPr marL="1600200" indent="-228600" algn="l" defTabSz="914400" rtl="0" eaLnBrk="1" latinLnBrk="0" hangingPunct="1">
-        <a:lnSpc>
-          <a:spcPct val="90000"/>
-        </a:lnSpc>
+      <a:lvl4pPr marL="1280160" indent="-228600" algn="l" defTabSz="914400" rtl="0" eaLnBrk="1" latinLnBrk="0" hangingPunct="1">
         <a:spcBef>
-          <a:spcPts val="500"/>
+          <a:spcPct val="20000"/>
         </a:spcBef>
-        <a:buFont typeface="Arial" panose="020B0604020202020204" pitchFamily="34" charset="0"/>
+        <a:buClr>
+          <a:schemeClr val="accent4"/>
+        </a:buClr>
+        <a:buFont typeface="Arial" pitchFamily="34" charset="0"/>
         <a:buChar char="•"/>
-        <a:defRPr sz="1800" kern="1200">
+        <a:defRPr sz="1600" kern="1200">
           <a:solidFill>
-            <a:schemeClr val="tx1"/>
+            <a:schemeClr val="tx2"/>
           </a:solidFill>
           <a:latin typeface="+mn-lt"/>
           <a:ea typeface="+mn-ea"/>
           <a:cs typeface="+mn-cs"/>
         </a:defRPr>
       </a:lvl4pPr>
-      <a:lvl5pPr marL="2057400" indent="-228600" algn="l" defTabSz="914400" rtl="0" eaLnBrk="1" latinLnBrk="0" hangingPunct="1">
-        <a:lnSpc>
-          <a:spcPct val="90000"/>
-        </a:lnSpc>
+      <a:lvl5pPr marL="1554480" indent="-228600" algn="l" defTabSz="914400" rtl="0" eaLnBrk="1" latinLnBrk="0" hangingPunct="1">
         <a:spcBef>
-          <a:spcPts val="500"/>
+          <a:spcPct val="20000"/>
         </a:spcBef>
-        <a:buFont typeface="Arial" panose="020B0604020202020204" pitchFamily="34" charset="0"/>
+        <a:buClr>
+          <a:schemeClr val="accent5"/>
+        </a:buClr>
+        <a:buFont typeface="Arial" pitchFamily="34" charset="0"/>
         <a:buChar char="•"/>
-        <a:defRPr sz="1800" kern="1200">
+        <a:defRPr sz="1600" kern="1200" baseline="0">
           <a:solidFill>
-            <a:schemeClr val="tx1"/>
+            <a:schemeClr val="tx2"/>
           </a:solidFill>
           <a:latin typeface="+mn-lt"/>
           <a:ea typeface="+mn-ea"/>
           <a:cs typeface="+mn-cs"/>
         </a:defRPr>
       </a:lvl5pPr>
-      <a:lvl6pPr marL="2514600" indent="-228600" algn="l" defTabSz="914400" rtl="0" eaLnBrk="1" latinLnBrk="0" hangingPunct="1">
-        <a:lnSpc>
-          <a:spcPct val="90000"/>
-        </a:lnSpc>
+      <a:lvl6pPr marL="1737360" indent="-182880" algn="l" defTabSz="914400" rtl="0" eaLnBrk="1" latinLnBrk="0" hangingPunct="1">
         <a:spcBef>
-          <a:spcPts val="500"/>
+          <a:spcPct val="20000"/>
         </a:spcBef>
-        <a:buFont typeface="Arial" panose="020B0604020202020204" pitchFamily="34" charset="0"/>
+        <a:buClr>
+          <a:schemeClr val="accent1"/>
+        </a:buClr>
+        <a:buFont typeface="Arial" pitchFamily="34" charset="0"/>
         <a:buChar char="•"/>
-        <a:defRPr sz="1800" kern="1200">
+        <a:defRPr sz="1400" kern="1200">
           <a:solidFill>
-            <a:schemeClr val="tx1"/>
+            <a:schemeClr val="tx2"/>
           </a:solidFill>
           <a:latin typeface="+mn-lt"/>
           <a:ea typeface="+mn-ea"/>
           <a:cs typeface="+mn-cs"/>
         </a:defRPr>
       </a:lvl6pPr>
-      <a:lvl7pPr marL="2971800" indent="-228600" algn="l" defTabSz="914400" rtl="0" eaLnBrk="1" latinLnBrk="0" hangingPunct="1">
-        <a:lnSpc>
-          <a:spcPct val="90000"/>
-        </a:lnSpc>
+      <a:lvl7pPr marL="2011680" indent="-182880" algn="l" defTabSz="914400" rtl="0" eaLnBrk="1" latinLnBrk="0" hangingPunct="1">
         <a:spcBef>
-          <a:spcPts val="500"/>
+          <a:spcPct val="20000"/>
         </a:spcBef>
-        <a:buFont typeface="Arial" panose="020B0604020202020204" pitchFamily="34" charset="0"/>
+        <a:buClr>
+          <a:schemeClr val="accent2"/>
+        </a:buClr>
+        <a:buFont typeface="Arial" pitchFamily="34" charset="0"/>
         <a:buChar char="•"/>
-        <a:defRPr sz="1800" kern="1200">
+        <a:defRPr sz="1400" kern="1200">
           <a:solidFill>
-            <a:schemeClr val="tx1"/>
+            <a:schemeClr val="tx2"/>
           </a:solidFill>
           <a:latin typeface="+mn-lt"/>
           <a:ea typeface="+mn-ea"/>
           <a:cs typeface="+mn-cs"/>
         </a:defRPr>
       </a:lvl7pPr>
-      <a:lvl8pPr marL="3429000" indent="-228600" algn="l" defTabSz="914400" rtl="0" eaLnBrk="1" latinLnBrk="0" hangingPunct="1">
-        <a:lnSpc>
-          <a:spcPct val="90000"/>
-        </a:lnSpc>
+      <a:lvl8pPr marL="2194560" indent="-182880" algn="l" defTabSz="914400" rtl="0" eaLnBrk="1" latinLnBrk="0" hangingPunct="1">
         <a:spcBef>
-          <a:spcPts val="500"/>
+          <a:spcPct val="20000"/>
         </a:spcBef>
-        <a:buFont typeface="Arial" panose="020B0604020202020204" pitchFamily="34" charset="0"/>
+        <a:buClr>
+          <a:schemeClr val="accent3"/>
+        </a:buClr>
+        <a:buFont typeface="Arial" pitchFamily="34" charset="0"/>
         <a:buChar char="•"/>
-        <a:defRPr sz="1800" kern="1200">
+        <a:defRPr sz="1400" kern="1200">
           <a:solidFill>
-            <a:schemeClr val="tx1"/>
+            <a:schemeClr val="tx2"/>
           </a:solidFill>
           <a:latin typeface="+mn-lt"/>
           <a:ea typeface="+mn-ea"/>
           <a:cs typeface="+mn-cs"/>
         </a:defRPr>
       </a:lvl8pPr>
-      <a:lvl9pPr marL="3886200" indent="-228600" algn="l" defTabSz="914400" rtl="0" eaLnBrk="1" latinLnBrk="0" hangingPunct="1">
-        <a:lnSpc>
-          <a:spcPct val="90000"/>
-        </a:lnSpc>
+      <a:lvl9pPr marL="2377440" indent="-182880" algn="l" defTabSz="914400" rtl="0" eaLnBrk="1" latinLnBrk="0" hangingPunct="1">
         <a:spcBef>
-          <a:spcPts val="500"/>
+          <a:spcPct val="20000"/>
         </a:spcBef>
-        <a:buFont typeface="Arial" panose="020B0604020202020204" pitchFamily="34" charset="0"/>
+        <a:buClr>
+          <a:schemeClr val="accent4"/>
+        </a:buClr>
+        <a:buFont typeface="Arial" pitchFamily="34" charset="0"/>
         <a:buChar char="•"/>
-        <a:defRPr sz="1800" kern="1200">
+        <a:defRPr sz="1400" kern="1200">
           <a:solidFill>
-            <a:schemeClr val="tx1"/>
+            <a:schemeClr val="tx2"/>
           </a:solidFill>
           <a:latin typeface="+mn-lt"/>
           <a:ea typeface="+mn-ea"/>
@@ -7728,10 +9007,48 @@
       </p:grpSpPr>
       <p:sp>
         <p:nvSpPr>
+          <p:cNvPr id="3" name="Subtitle 2">
+            <a:extLst>
+              <a:ext uri="{FF2B5EF4-FFF2-40B4-BE49-F238E27FC236}">
+                <a16:creationId xmlns:a16="http://schemas.microsoft.com/office/drawing/2014/main" xmlns="" id="{F9E2EB59-5F60-4AEF-8B17-A621124EF268}"/>
+              </a:ext>
+            </a:extLst>
+          </p:cNvPr>
+          <p:cNvSpPr>
+            <a:spLocks noGrp="1"/>
+          </p:cNvSpPr>
+          <p:nvPr>
+            <p:ph type="subTitle" idx="1"/>
+          </p:nvPr>
+        </p:nvSpPr>
+        <p:spPr/>
+        <p:txBody>
+          <a:bodyPr>
+            <a:normAutofit fontScale="85000" lnSpcReduction="10000"/>
+          </a:bodyPr>
+          <a:lstStyle/>
+          <a:p>
+            <a:r>
+              <a:rPr lang="en-US" dirty="0"/>
+              <a:t>A site for new Mom’s in Loudoun </a:t>
+            </a:r>
+            <a:r>
+              <a:rPr lang="en-US" dirty="0" smtClean="0"/>
+              <a:t>County, VA </a:t>
+            </a:r>
+            <a:r>
+              <a:rPr lang="en-US" dirty="0"/>
+              <a:t>to Connect</a:t>
+            </a:r>
+          </a:p>
+        </p:txBody>
+      </p:sp>
+      <p:sp>
+        <p:nvSpPr>
           <p:cNvPr id="2" name="Title 1">
             <a:extLst>
               <a:ext uri="{FF2B5EF4-FFF2-40B4-BE49-F238E27FC236}">
-                <a16:creationId xmlns:a16="http://schemas.microsoft.com/office/drawing/2014/main" id="{CCE54435-4469-40B2-8D48-D31D89CB2C23}"/>
+                <a16:creationId xmlns:a16="http://schemas.microsoft.com/office/drawing/2014/main" xmlns="" id="{CCE54435-4469-40B2-8D48-D31D89CB2C23}"/>
               </a:ext>
             </a:extLst>
           </p:cNvPr>
@@ -7749,39 +9066,46 @@
           <a:p>
             <a:r>
               <a:rPr lang="en-US" dirty="0"/>
-              <a:t>Mom’s Connection</a:t>
-            </a:r>
-          </a:p>
-        </p:txBody>
-      </p:sp>
-      <p:sp>
-        <p:nvSpPr>
-          <p:cNvPr id="3" name="Subtitle 2">
+              <a:t>Mom’s </a:t>
+            </a:r>
+            <a:r>
+              <a:rPr lang="en-US" dirty="0" err="1" smtClean="0"/>
+              <a:t>ConnecT</a:t>
+            </a:r>
+            <a:endParaRPr lang="en-US" dirty="0"/>
+          </a:p>
+        </p:txBody>
+      </p:sp>
+      <p:pic>
+        <p:nvPicPr>
+          <p:cNvPr id="7" name="Picture 6" descr="images.png"/>
+          <p:cNvPicPr>
+            <a:picLocks noChangeAspect="1"/>
+          </p:cNvPicPr>
+          <p:nvPr/>
+        </p:nvPicPr>
+        <p:blipFill>
+          <a:blip r:embed="rId2">
             <a:extLst>
-              <a:ext uri="{FF2B5EF4-FFF2-40B4-BE49-F238E27FC236}">
-                <a16:creationId xmlns:a16="http://schemas.microsoft.com/office/drawing/2014/main" id="{F9E2EB59-5F60-4AEF-8B17-A621124EF268}"/>
+              <a:ext uri="{28A0092B-C50C-407E-A947-70E740481C1C}">
+                <a14:useLocalDpi xmlns:a14="http://schemas.microsoft.com/office/drawing/2010/main" val="0"/>
               </a:ext>
             </a:extLst>
-          </p:cNvPr>
-          <p:cNvSpPr>
-            <a:spLocks noGrp="1"/>
-          </p:cNvSpPr>
-          <p:nvPr>
-            <p:ph type="subTitle" idx="1"/>
-          </p:nvPr>
-        </p:nvSpPr>
-        <p:spPr/>
-        <p:txBody>
-          <a:bodyPr/>
-          <a:lstStyle/>
-          <a:p>
-            <a:r>
-              <a:rPr lang="en-US" dirty="0"/>
-              <a:t>A site for new Mom’s in Loudoun County to Connect</a:t>
-            </a:r>
-          </a:p>
-        </p:txBody>
-      </p:sp>
+          </a:blip>
+          <a:stretch>
+            <a:fillRect/>
+          </a:stretch>
+        </p:blipFill>
+        <p:spPr>
+          <a:xfrm>
+            <a:off x="2520050" y="3245078"/>
+            <a:ext cx="5038293" cy="1289969"/>
+          </a:xfrm>
+          <a:prstGeom prst="rect">
+            <a:avLst/>
+          </a:prstGeom>
+        </p:spPr>
+      </p:pic>
     </p:spTree>
     <p:extLst>
       <p:ext uri="{BB962C8B-B14F-4D97-AF65-F5344CB8AC3E}">
@@ -7792,6 +9116,21 @@
   <p:clrMapOvr>
     <a:masterClrMapping/>
   </p:clrMapOvr>
+  <mc:AlternateContent xmlns:mc="http://schemas.openxmlformats.org/markup-compatibility/2006">
+    <mc:Choice xmlns:p14="http://schemas.microsoft.com/office/powerpoint/2010/main" Requires="p14">
+      <p:transition spd="slow" p14:dur="2000"/>
+    </mc:Choice>
+    <mc:Fallback>
+      <p:transition xmlns:p14="http://schemas.microsoft.com/office/powerpoint/2010/main" spd="slow"/>
+    </mc:Fallback>
+  </mc:AlternateContent>
+  <p:timing>
+    <p:tnLst>
+      <p:par>
+        <p:cTn xmlns:p14="http://schemas.microsoft.com/office/powerpoint/2010/main" id="1" dur="indefinite" restart="never" nodeType="tmRoot"/>
+      </p:par>
+    </p:tnLst>
+  </p:timing>
 </p:sld>
 </file>
 
@@ -7817,7 +9156,7 @@
           <p:cNvPr id="2" name="Title 1">
             <a:extLst>
               <a:ext uri="{FF2B5EF4-FFF2-40B4-BE49-F238E27FC236}">
-                <a16:creationId xmlns:a16="http://schemas.microsoft.com/office/drawing/2014/main" id="{8261FB1A-C0AB-48E3-9776-78FBEBFA3279}"/>
+                <a16:creationId xmlns:a16="http://schemas.microsoft.com/office/drawing/2014/main" xmlns="" id="{8261FB1A-C0AB-48E3-9776-78FBEBFA3279}"/>
               </a:ext>
             </a:extLst>
           </p:cNvPr>
@@ -7834,9 +9173,10 @@
           <a:lstStyle/>
           <a:p>
             <a:r>
-              <a:rPr lang="en-US" dirty="0"/>
-              <a:t>Team 4 Members</a:t>
-            </a:r>
+              <a:rPr lang="en-US" dirty="0" smtClean="0"/>
+              <a:t>Team Members</a:t>
+            </a:r>
+            <a:endParaRPr lang="en-US" dirty="0"/>
           </a:p>
         </p:txBody>
       </p:sp>
@@ -7845,7 +9185,7 @@
           <p:cNvPr id="3" name="Content Placeholder 2">
             <a:extLst>
               <a:ext uri="{FF2B5EF4-FFF2-40B4-BE49-F238E27FC236}">
-                <a16:creationId xmlns:a16="http://schemas.microsoft.com/office/drawing/2014/main" id="{972DF7F2-6300-4BD8-95EB-692BD23F91B4}"/>
+                <a16:creationId xmlns:a16="http://schemas.microsoft.com/office/drawing/2014/main" xmlns="" id="{972DF7F2-6300-4BD8-95EB-692BD23F91B4}"/>
               </a:ext>
             </a:extLst>
           </p:cNvPr>
@@ -7895,6 +9235,14 @@
   <p:clrMapOvr>
     <a:masterClrMapping/>
   </p:clrMapOvr>
+  <mc:AlternateContent xmlns:mc="http://schemas.openxmlformats.org/markup-compatibility/2006">
+    <mc:Choice xmlns:p14="http://schemas.microsoft.com/office/powerpoint/2010/main" Requires="p14">
+      <p:transition spd="slow" p14:dur="2000"/>
+    </mc:Choice>
+    <mc:Fallback>
+      <p:transition xmlns:p14="http://schemas.microsoft.com/office/powerpoint/2010/main" spd="slow"/>
+    </mc:Fallback>
+  </mc:AlternateContent>
 </p:sld>
 </file>
 
@@ -7920,7 +9268,7 @@
           <p:cNvPr id="2" name="Title 1">
             <a:extLst>
               <a:ext uri="{FF2B5EF4-FFF2-40B4-BE49-F238E27FC236}">
-                <a16:creationId xmlns:a16="http://schemas.microsoft.com/office/drawing/2014/main" id="{9DAEA62E-0AA8-4F10-8C64-F554B39D7A84}"/>
+                <a16:creationId xmlns:a16="http://schemas.microsoft.com/office/drawing/2014/main" xmlns="" id="{9DAEA62E-0AA8-4F10-8C64-F554B39D7A84}"/>
               </a:ext>
             </a:extLst>
           </p:cNvPr>
@@ -7937,9 +9285,10 @@
           <a:lstStyle/>
           <a:p>
             <a:r>
-              <a:rPr lang="en-US" dirty="0"/>
-              <a:t>Site Concept/Scope</a:t>
-            </a:r>
+              <a:rPr lang="en-US" dirty="0" smtClean="0"/>
+              <a:t>Site concept/scope</a:t>
+            </a:r>
+            <a:endParaRPr lang="en-US" dirty="0"/>
           </a:p>
         </p:txBody>
       </p:sp>
@@ -7948,7 +9297,7 @@
           <p:cNvPr id="3" name="Content Placeholder 2">
             <a:extLst>
               <a:ext uri="{FF2B5EF4-FFF2-40B4-BE49-F238E27FC236}">
-                <a16:creationId xmlns:a16="http://schemas.microsoft.com/office/drawing/2014/main" id="{4BCBB2E2-ACE7-433E-A20D-C9C38EBFC7E5}"/>
+                <a16:creationId xmlns:a16="http://schemas.microsoft.com/office/drawing/2014/main" xmlns="" id="{4BCBB2E2-ACE7-433E-A20D-C9C38EBFC7E5}"/>
               </a:ext>
             </a:extLst>
           </p:cNvPr>
@@ -7961,37 +9310,101 @@
         </p:nvSpPr>
         <p:spPr/>
         <p:txBody>
-          <a:bodyPr/>
+          <a:bodyPr>
+            <a:normAutofit fontScale="92500" lnSpcReduction="20000"/>
+          </a:bodyPr>
           <a:lstStyle/>
           <a:p>
             <a:pPr marL="0" indent="0">
               <a:buNone/>
             </a:pPr>
             <a:r>
+              <a:rPr lang="en-US" b="1" dirty="0" smtClean="0"/>
+              <a:t>Concept:</a:t>
+            </a:r>
+            <a:endParaRPr lang="en-US" b="1" dirty="0"/>
+          </a:p>
+          <a:p>
+            <a:pPr indent="-342900"/>
+            <a:r>
+              <a:rPr lang="en-US" dirty="0" smtClean="0"/>
+              <a:t>To </a:t>
+            </a:r>
+            <a:r>
               <a:rPr lang="en-US" dirty="0"/>
-              <a:t>Concept</a:t>
-            </a:r>
-          </a:p>
-          <a:p>
+              <a:t>address a problem many new mothers </a:t>
+            </a:r>
+            <a:r>
+              <a:rPr lang="en-US" dirty="0" smtClean="0"/>
+              <a:t>face, </a:t>
+            </a:r>
+            <a:r>
+              <a:rPr lang="en-US" dirty="0" smtClean="0"/>
+              <a:t>finding </a:t>
+            </a:r>
             <a:r>
               <a:rPr lang="en-US" dirty="0"/>
-              <a:t>To address a problem many new mothers have….. finding other new moms to connect with.  </a:t>
-            </a:r>
+              <a:t>other new moms to connect with.  </a:t>
+            </a:r>
+            <a:endParaRPr lang="en-US" dirty="0"/>
+          </a:p>
+          <a:p>
+            <a:pPr indent="-342900"/>
+            <a:r>
+              <a:rPr lang="en-US" dirty="0" smtClean="0"/>
+              <a:t>Becoming </a:t>
+            </a:r>
+            <a:r>
+              <a:rPr lang="en-US" dirty="0"/>
+              <a:t>a parent can be exiting and terrifying at the same time.  One of the best ways to navigate this experience is to find other new moms that you can share ideas, challenges, and allow your children to interact. </a:t>
+            </a:r>
+            <a:endParaRPr lang="en-US" dirty="0" smtClean="0"/>
+          </a:p>
+          <a:p>
+            <a:pPr indent="-342900"/>
+            <a:r>
+              <a:rPr lang="en-US" dirty="0" smtClean="0"/>
+              <a:t>Time </a:t>
+            </a:r>
+            <a:r>
+              <a:rPr lang="en-US" dirty="0"/>
+              <a:t>is the one thing that is of short supply when you are a new parent.  This site will allow you to connect with others that are close to you so that logistics are kept simple</a:t>
+            </a:r>
+            <a:r>
+              <a:rPr lang="en-US" dirty="0" smtClean="0"/>
+              <a:t>.</a:t>
+            </a:r>
+            <a:endParaRPr lang="en-US" dirty="0"/>
           </a:p>
           <a:p>
             <a:pPr marL="0" indent="0">
               <a:buNone/>
             </a:pPr>
             <a:r>
+              <a:rPr lang="en-US" b="1" dirty="0" smtClean="0"/>
+              <a:t>Scope:</a:t>
+            </a:r>
+            <a:endParaRPr lang="en-US" b="1" dirty="0"/>
+          </a:p>
+          <a:p>
+            <a:r>
               <a:rPr lang="en-US" dirty="0"/>
-              <a:t>Scope</a:t>
-            </a:r>
-          </a:p>
-          <a:p>
-            <a:r>
-              <a:rPr lang="en-US" dirty="0"/>
-              <a:t>The first version of the site will be limited to the Loudoun County, VA region.</a:t>
-            </a:r>
+              <a:t>The first version of the site will be limited to the Loudoun County, VA region</a:t>
+            </a:r>
+            <a:r>
+              <a:rPr lang="en-US" dirty="0" smtClean="0"/>
+              <a:t>.</a:t>
+            </a:r>
+          </a:p>
+          <a:p>
+            <a:r>
+              <a:rPr lang="en-US" dirty="0" smtClean="0"/>
+              <a:t>Future versions of the site will include the Northern Virginia area and then expanding even further to the DC metro area.</a:t>
+            </a:r>
+            <a:endParaRPr lang="en-US" dirty="0" smtClean="0"/>
+          </a:p>
+          <a:p>
+            <a:endParaRPr lang="en-US" dirty="0"/>
           </a:p>
           <a:p>
             <a:endParaRPr lang="en-US" dirty="0"/>
@@ -8008,6 +9421,14 @@
   <p:clrMapOvr>
     <a:masterClrMapping/>
   </p:clrMapOvr>
+  <mc:AlternateContent xmlns:mc="http://schemas.openxmlformats.org/markup-compatibility/2006">
+    <mc:Choice xmlns:p14="http://schemas.microsoft.com/office/powerpoint/2010/main" Requires="p14">
+      <p:transition spd="slow" p14:dur="2000"/>
+    </mc:Choice>
+    <mc:Fallback>
+      <p:transition xmlns:p14="http://schemas.microsoft.com/office/powerpoint/2010/main" spd="slow"/>
+    </mc:Fallback>
+  </mc:AlternateContent>
 </p:sld>
 </file>
 
@@ -8033,7 +9454,7 @@
           <p:cNvPr id="2" name="Title 1">
             <a:extLst>
               <a:ext uri="{FF2B5EF4-FFF2-40B4-BE49-F238E27FC236}">
-                <a16:creationId xmlns:a16="http://schemas.microsoft.com/office/drawing/2014/main" id="{64D1E44F-F2CF-4583-80B8-284F5EF4044F}"/>
+                <a16:creationId xmlns:a16="http://schemas.microsoft.com/office/drawing/2014/main" xmlns="" id="{64D1E44F-F2CF-4583-80B8-284F5EF4044F}"/>
               </a:ext>
             </a:extLst>
           </p:cNvPr>
@@ -8050,9 +9471,10 @@
           <a:lstStyle/>
           <a:p>
             <a:r>
-              <a:rPr lang="en-US" dirty="0"/>
-              <a:t>Technology Stack</a:t>
-            </a:r>
+              <a:rPr lang="en-US" dirty="0" smtClean="0"/>
+              <a:t>Technology </a:t>
+            </a:r>
+            <a:endParaRPr lang="en-US" dirty="0"/>
           </a:p>
         </p:txBody>
       </p:sp>
@@ -8061,7 +9483,7 @@
           <p:cNvPr id="3" name="Content Placeholder 2">
             <a:extLst>
               <a:ext uri="{FF2B5EF4-FFF2-40B4-BE49-F238E27FC236}">
-                <a16:creationId xmlns:a16="http://schemas.microsoft.com/office/drawing/2014/main" id="{70BD9D51-78E8-4100-A50D-2369B8F2C276}"/>
+                <a16:creationId xmlns:a16="http://schemas.microsoft.com/office/drawing/2014/main" xmlns="" id="{70BD9D51-78E8-4100-A50D-2369B8F2C276}"/>
               </a:ext>
             </a:extLst>
           </p:cNvPr>
@@ -8075,88 +9497,151 @@
         <p:spPr/>
         <p:txBody>
           <a:bodyPr>
-            <a:normAutofit fontScale="92500" lnSpcReduction="10000"/>
+            <a:normAutofit/>
           </a:bodyPr>
           <a:lstStyle/>
           <a:p>
             <a:r>
+              <a:rPr lang="en-US" b="1" dirty="0" smtClean="0"/>
+              <a:t>HTML</a:t>
+            </a:r>
+            <a:endParaRPr lang="en-US" b="1" dirty="0"/>
+          </a:p>
+          <a:p>
+            <a:r>
+              <a:rPr lang="en-US" b="1" dirty="0" smtClean="0"/>
+              <a:t>CSS</a:t>
+            </a:r>
+            <a:endParaRPr lang="en-US" b="1" dirty="0"/>
+          </a:p>
+          <a:p>
+            <a:r>
+              <a:rPr lang="en-US" b="1" dirty="0" err="1" smtClean="0"/>
+              <a:t>Bootsrap</a:t>
+            </a:r>
+            <a:endParaRPr lang="en-US" b="1" dirty="0" smtClean="0"/>
+          </a:p>
+          <a:p>
+            <a:r>
+              <a:rPr lang="en-US" b="1" dirty="0" err="1" smtClean="0"/>
+              <a:t>Javascript</a:t>
+            </a:r>
+            <a:r>
+              <a:rPr lang="en-US" b="1" dirty="0" smtClean="0"/>
+              <a:t>/</a:t>
+            </a:r>
+            <a:r>
+              <a:rPr lang="en-US" b="1" dirty="0" err="1" smtClean="0"/>
+              <a:t>JQuery</a:t>
+            </a:r>
+            <a:endParaRPr lang="en-US" b="1" dirty="0"/>
+          </a:p>
+          <a:p>
+            <a:r>
+              <a:rPr lang="en-US" b="1" dirty="0" smtClean="0"/>
+              <a:t>Google </a:t>
+            </a:r>
+            <a:r>
+              <a:rPr lang="en-US" b="1" dirty="0"/>
+              <a:t>M</a:t>
+            </a:r>
+            <a:r>
+              <a:rPr lang="en-US" b="1" dirty="0" smtClean="0"/>
+              <a:t>aps </a:t>
+            </a:r>
+            <a:r>
               <a:rPr lang="en-US" dirty="0"/>
-              <a:t>Html</a:t>
-            </a:r>
-          </a:p>
-          <a:p>
+              <a:t>– Geocoding and </a:t>
+            </a:r>
+            <a:r>
+              <a:rPr lang="en-US" dirty="0" smtClean="0"/>
+              <a:t>real time </a:t>
+            </a:r>
+            <a:r>
+              <a:rPr lang="en-US" dirty="0"/>
+              <a:t>mapping </a:t>
+            </a:r>
+            <a:r>
+              <a:rPr lang="en-US" dirty="0" smtClean="0"/>
+              <a:t>using an API</a:t>
+            </a:r>
+            <a:endParaRPr lang="en-US" dirty="0"/>
+          </a:p>
+          <a:p>
+            <a:r>
+              <a:rPr lang="en-US" b="1" dirty="0" err="1" smtClean="0"/>
+              <a:t>Meetup</a:t>
+            </a:r>
+            <a:r>
+              <a:rPr lang="en-US" dirty="0" smtClean="0"/>
+              <a:t>- API call to </a:t>
+            </a:r>
+            <a:r>
+              <a:rPr lang="en-US" dirty="0" err="1" smtClean="0"/>
+              <a:t>Meetup</a:t>
+            </a:r>
+            <a:r>
+              <a:rPr lang="en-US" dirty="0" smtClean="0"/>
+              <a:t> site</a:t>
+            </a:r>
+          </a:p>
+          <a:p>
+            <a:r>
+              <a:rPr lang="en-US" b="1" dirty="0" smtClean="0"/>
+              <a:t>Firebase</a:t>
+            </a:r>
+            <a:r>
+              <a:rPr lang="en-US" dirty="0" smtClean="0"/>
+              <a:t> </a:t>
+            </a:r>
+            <a:r>
+              <a:rPr lang="en-US" dirty="0"/>
+              <a:t>– </a:t>
+            </a:r>
             <a:r>
               <a:rPr lang="en-US" dirty="0" err="1"/>
-              <a:t>Css</a:t>
-            </a:r>
-            <a:endParaRPr lang="en-US" dirty="0"/>
-          </a:p>
-          <a:p>
+              <a:t>NoSQL</a:t>
+            </a:r>
             <a:r>
               <a:rPr lang="en-US" dirty="0"/>
-              <a:t>Bootstrap</a:t>
-            </a:r>
-          </a:p>
-          <a:p>
-            <a:r>
-              <a:rPr lang="en-US" dirty="0" err="1"/>
-              <a:t>Javascript</a:t>
-            </a:r>
-            <a:endParaRPr lang="en-US" dirty="0"/>
-          </a:p>
-          <a:p>
-            <a:r>
-              <a:rPr lang="en-US" dirty="0" err="1"/>
-              <a:t>Jquery</a:t>
-            </a:r>
-            <a:endParaRPr lang="en-US" dirty="0"/>
-          </a:p>
-          <a:p>
+              <a:t> </a:t>
+            </a:r>
+            <a:r>
+              <a:rPr lang="en-US" dirty="0" smtClean="0"/>
+              <a:t>database service</a:t>
+            </a:r>
+          </a:p>
+          <a:p>
+            <a:r>
+              <a:rPr lang="en-US" b="1" dirty="0" smtClean="0"/>
+              <a:t>Cookies</a:t>
+            </a:r>
+            <a:endParaRPr lang="en-US" b="1" dirty="0"/>
+          </a:p>
+          <a:p>
+            <a:r>
+              <a:rPr lang="en-US" b="1" dirty="0" smtClean="0"/>
+              <a:t>Collaboration</a:t>
+            </a:r>
+            <a:r>
+              <a:rPr lang="en-US" dirty="0" smtClean="0"/>
+              <a:t>:</a:t>
+            </a:r>
+          </a:p>
+          <a:p>
+            <a:pPr lvl="1"/>
+            <a:r>
+              <a:rPr lang="en-US" dirty="0" err="1" smtClean="0"/>
+              <a:t>Github</a:t>
+            </a:r>
             <a:r>
               <a:rPr lang="en-US" dirty="0"/>
-              <a:t>Google maps – Geocoding and </a:t>
-            </a:r>
-            <a:r>
-              <a:rPr lang="en-US" dirty="0" err="1"/>
-              <a:t>realtime</a:t>
-            </a:r>
-            <a:r>
-              <a:rPr lang="en-US" dirty="0"/>
-              <a:t> mapping APIs</a:t>
-            </a:r>
-          </a:p>
-          <a:p>
-            <a:r>
-              <a:rPr lang="en-US" dirty="0"/>
-              <a:t>Event site – some text about what this is</a:t>
-            </a:r>
-          </a:p>
-          <a:p>
-            <a:r>
-              <a:rPr lang="en-US" dirty="0"/>
-              <a:t>Firebase – NoSQL Database service</a:t>
-            </a:r>
-          </a:p>
-          <a:p>
-            <a:r>
-              <a:rPr lang="en-US" dirty="0"/>
-              <a:t>Collaboration</a:t>
-            </a:r>
-          </a:p>
-          <a:p>
-            <a:pPr lvl="1"/>
-            <a:r>
-              <a:rPr lang="en-US" dirty="0" err="1"/>
-              <a:t>Github</a:t>
-            </a:r>
-            <a:r>
-              <a:rPr lang="en-US" dirty="0"/>
-              <a:t> – Source code control/repo</a:t>
-            </a:r>
-          </a:p>
-          <a:p>
-            <a:pPr lvl="1"/>
-            <a:endParaRPr lang="en-US" dirty="0"/>
+              <a:t>-</a:t>
+            </a:r>
+            <a:r>
+              <a:rPr lang="en-US" dirty="0" smtClean="0"/>
+              <a:t>Repository </a:t>
+            </a:r>
           </a:p>
         </p:txBody>
       </p:sp>
@@ -8170,6 +9655,14 @@
   <p:clrMapOvr>
     <a:masterClrMapping/>
   </p:clrMapOvr>
+  <mc:AlternateContent xmlns:mc="http://schemas.openxmlformats.org/markup-compatibility/2006">
+    <mc:Choice xmlns:p14="http://schemas.microsoft.com/office/powerpoint/2010/main" Requires="p14">
+      <p:transition spd="slow" p14:dur="2000"/>
+    </mc:Choice>
+    <mc:Fallback>
+      <p:transition xmlns:p14="http://schemas.microsoft.com/office/powerpoint/2010/main" spd="slow"/>
+    </mc:Fallback>
+  </mc:AlternateContent>
 </p:sld>
 </file>
 
@@ -8195,7 +9688,7 @@
           <p:cNvPr id="2" name="Title 1">
             <a:extLst>
               <a:ext uri="{FF2B5EF4-FFF2-40B4-BE49-F238E27FC236}">
-                <a16:creationId xmlns:a16="http://schemas.microsoft.com/office/drawing/2014/main" id="{8D5919E6-0BF8-4421-B485-159BDAE87565}"/>
+                <a16:creationId xmlns:a16="http://schemas.microsoft.com/office/drawing/2014/main" xmlns="" id="{8D5919E6-0BF8-4421-B485-159BDAE87565}"/>
               </a:ext>
             </a:extLst>
           </p:cNvPr>
@@ -8212,9 +9705,10 @@
           <a:lstStyle/>
           <a:p>
             <a:r>
-              <a:rPr lang="en-US" dirty="0"/>
-              <a:t>Features</a:t>
-            </a:r>
+              <a:rPr lang="en-US" dirty="0" smtClean="0"/>
+              <a:t>Features of the site</a:t>
+            </a:r>
+            <a:endParaRPr lang="en-US" dirty="0"/>
           </a:p>
         </p:txBody>
       </p:sp>
@@ -8223,7 +9717,7 @@
           <p:cNvPr id="3" name="Content Placeholder 2">
             <a:extLst>
               <a:ext uri="{FF2B5EF4-FFF2-40B4-BE49-F238E27FC236}">
-                <a16:creationId xmlns:a16="http://schemas.microsoft.com/office/drawing/2014/main" id="{59BB8BE1-7858-4662-ACC6-05E9DD89DAEE}"/>
+                <a16:creationId xmlns:a16="http://schemas.microsoft.com/office/drawing/2014/main" xmlns="" id="{59BB8BE1-7858-4662-ACC6-05E9DD89DAEE}"/>
               </a:ext>
             </a:extLst>
           </p:cNvPr>
@@ -8242,74 +9736,142 @@
           <a:lstStyle/>
           <a:p>
             <a:r>
+              <a:rPr lang="en-US" b="1" dirty="0" smtClean="0"/>
+              <a:t>User Login </a:t>
+            </a:r>
+            <a:endParaRPr lang="en-US" b="1" dirty="0"/>
+          </a:p>
+          <a:p>
+            <a:pPr lvl="1"/>
+            <a:r>
+              <a:rPr lang="en-US" dirty="0" smtClean="0"/>
+              <a:t>Validates and stores user information to Firebase data source.</a:t>
+            </a:r>
+          </a:p>
+          <a:p>
+            <a:pPr lvl="1"/>
+            <a:r>
+              <a:rPr lang="en-US" dirty="0" smtClean="0"/>
+              <a:t>User stays logged in throughout the site visit.</a:t>
+            </a:r>
+            <a:endParaRPr lang="en-US" dirty="0"/>
+          </a:p>
+          <a:p>
+            <a:r>
+              <a:rPr lang="en-US" b="1" dirty="0" smtClean="0"/>
+              <a:t>User Registration</a:t>
+            </a:r>
+            <a:endParaRPr lang="en-US" b="1" dirty="0"/>
+          </a:p>
+          <a:p>
+            <a:pPr lvl="1"/>
+            <a:r>
               <a:rPr lang="en-US" dirty="0"/>
-              <a:t>User Login</a:t>
-            </a:r>
+              <a:t>Validates and saves new member information to Firebase data </a:t>
+            </a:r>
+            <a:r>
+              <a:rPr lang="en-US" dirty="0" smtClean="0"/>
+              <a:t>source.</a:t>
+            </a:r>
+            <a:endParaRPr lang="en-US" dirty="0"/>
+          </a:p>
+          <a:p>
+            <a:r>
+              <a:rPr lang="en-US" b="1" dirty="0" smtClean="0"/>
+              <a:t>View </a:t>
+            </a:r>
+            <a:r>
+              <a:rPr lang="en-US" b="1" dirty="0" smtClean="0"/>
+              <a:t>Members</a:t>
+            </a:r>
+            <a:endParaRPr lang="en-US" b="1" dirty="0" smtClean="0"/>
           </a:p>
           <a:p>
             <a:pPr lvl="1"/>
             <a:r>
+              <a:rPr lang="en-US" dirty="0" smtClean="0"/>
+              <a:t>Pulls </a:t>
+            </a:r>
+            <a:r>
               <a:rPr lang="en-US" dirty="0"/>
-              <a:t>Validates user information from Firebase data source</a:t>
-            </a:r>
-          </a:p>
-          <a:p>
+              <a:t>Mom’s connect members from Firebase for </a:t>
+            </a:r>
+            <a:r>
+              <a:rPr lang="en-US" dirty="0" smtClean="0"/>
+              <a:t>review.</a:t>
+            </a:r>
+            <a:endParaRPr lang="en-US" dirty="0"/>
+          </a:p>
+          <a:p>
+            <a:r>
+              <a:rPr lang="en-US" b="1" dirty="0"/>
+              <a:t>Parks </a:t>
+            </a:r>
+            <a:r>
+              <a:rPr lang="en-US" b="1" dirty="0" smtClean="0"/>
+              <a:t>listing</a:t>
+            </a:r>
+          </a:p>
+          <a:p>
+            <a:pPr lvl="1"/>
+            <a:r>
+              <a:rPr lang="en-US" dirty="0" smtClean="0"/>
+              <a:t>Pulls </a:t>
+            </a:r>
             <a:r>
               <a:rPr lang="en-US" dirty="0"/>
-              <a:t>User Registration</a:t>
-            </a:r>
+              <a:t>park information from </a:t>
+            </a:r>
+            <a:r>
+              <a:rPr lang="en-US" dirty="0" smtClean="0"/>
+              <a:t>Firebase.</a:t>
+            </a:r>
+            <a:endParaRPr lang="en-US" dirty="0"/>
           </a:p>
           <a:p>
             <a:pPr lvl="1"/>
             <a:r>
+              <a:rPr lang="en-US" dirty="0" smtClean="0"/>
+              <a:t>Add a </a:t>
+            </a:r>
+            <a:r>
               <a:rPr lang="en-US" dirty="0"/>
-              <a:t>Validates and saves new member information to Firebase data source</a:t>
-            </a:r>
-          </a:p>
-          <a:p>
+              <a:t>new park </a:t>
+            </a:r>
+            <a:r>
+              <a:rPr lang="en-US" dirty="0" smtClean="0"/>
+              <a:t>feature.</a:t>
+            </a:r>
+            <a:endParaRPr lang="en-US" dirty="0"/>
+          </a:p>
+          <a:p>
+            <a:pPr lvl="1"/>
             <a:r>
               <a:rPr lang="en-US" dirty="0"/>
-              <a:t>View Members</a:t>
-            </a:r>
-          </a:p>
-          <a:p>
-            <a:pPr lvl="1"/>
-            <a:r>
-              <a:rPr lang="en-US" dirty="0"/>
-              <a:t>Pulls Mom’s connect members from Firebase for review</a:t>
-            </a:r>
-          </a:p>
-          <a:p>
-            <a:r>
-              <a:rPr lang="en-US" dirty="0"/>
-              <a:t>Parks listing</a:t>
-            </a:r>
-          </a:p>
-          <a:p>
-            <a:pPr lvl="1"/>
-            <a:r>
-              <a:rPr lang="en-US" dirty="0"/>
-              <a:t>Pulls park information from Firebase</a:t>
-            </a:r>
-          </a:p>
-          <a:p>
-            <a:pPr lvl="1"/>
-            <a:r>
-              <a:rPr lang="en-US" dirty="0"/>
-              <a:t>Add new park feature</a:t>
-            </a:r>
-          </a:p>
-          <a:p>
-            <a:pPr lvl="1"/>
-            <a:r>
-              <a:rPr lang="en-US" dirty="0"/>
-              <a:t>Calls google maps API to show location based on geocode reference data</a:t>
-            </a:r>
-          </a:p>
-          <a:p>
-            <a:r>
-              <a:rPr lang="en-US" dirty="0"/>
-              <a:t>Local Active Groups</a:t>
+              <a:t>Calls google maps API to show location based on geocode reference </a:t>
+            </a:r>
+            <a:r>
+              <a:rPr lang="en-US" dirty="0" smtClean="0"/>
+              <a:t>data.</a:t>
+            </a:r>
+            <a:endParaRPr lang="en-US" dirty="0"/>
+          </a:p>
+          <a:p>
+            <a:r>
+              <a:rPr lang="en-US" b="1" dirty="0"/>
+              <a:t>Local </a:t>
+            </a:r>
+            <a:r>
+              <a:rPr lang="en-US" b="1" dirty="0" err="1" smtClean="0"/>
+              <a:t>Meetup</a:t>
+            </a:r>
+            <a:r>
+              <a:rPr lang="en-US" b="1" dirty="0" smtClean="0"/>
+              <a:t> </a:t>
+            </a:r>
+            <a:r>
+              <a:rPr lang="en-US" b="1" dirty="0"/>
+              <a:t>Groups</a:t>
             </a:r>
           </a:p>
           <a:p>
@@ -8319,8 +9881,12 @@
               <a:t>Pulls local group information from API call to </a:t>
             </a:r>
             <a:r>
-              <a:rPr lang="en-US" dirty="0" err="1"/>
+              <a:rPr lang="en-US" dirty="0" err="1" smtClean="0"/>
               <a:t>MeetUp</a:t>
+            </a:r>
+            <a:r>
+              <a:rPr lang="en-US" dirty="0" smtClean="0"/>
+              <a:t>.</a:t>
             </a:r>
             <a:endParaRPr lang="en-US" dirty="0"/>
           </a:p>
@@ -8336,6 +9902,14 @@
   <p:clrMapOvr>
     <a:masterClrMapping/>
   </p:clrMapOvr>
+  <mc:AlternateContent xmlns:mc="http://schemas.openxmlformats.org/markup-compatibility/2006">
+    <mc:Choice xmlns:p14="http://schemas.microsoft.com/office/powerpoint/2010/main" Requires="p14">
+      <p:transition spd="slow" p14:dur="2000"/>
+    </mc:Choice>
+    <mc:Fallback>
+      <p:transition xmlns:p14="http://schemas.microsoft.com/office/powerpoint/2010/main" spd="slow"/>
+    </mc:Fallback>
+  </mc:AlternateContent>
 </p:sld>
 </file>
 
@@ -8361,7 +9935,7 @@
           <p:cNvPr id="2" name="Title 1">
             <a:extLst>
               <a:ext uri="{FF2B5EF4-FFF2-40B4-BE49-F238E27FC236}">
-                <a16:creationId xmlns:a16="http://schemas.microsoft.com/office/drawing/2014/main" id="{5756AE5B-564F-4B77-A4AE-048DBFFF8BA9}"/>
+                <a16:creationId xmlns:a16="http://schemas.microsoft.com/office/drawing/2014/main" xmlns="" id="{5756AE5B-564F-4B77-A4AE-048DBFFF8BA9}"/>
               </a:ext>
             </a:extLst>
           </p:cNvPr>
@@ -8378,9 +9952,10 @@
           <a:lstStyle/>
           <a:p>
             <a:r>
-              <a:rPr lang="en-US" dirty="0"/>
-              <a:t>Mom’s Connect Navigation</a:t>
-            </a:r>
+              <a:rPr lang="en-US" dirty="0" smtClean="0"/>
+              <a:t>Mom’s connect navigation</a:t>
+            </a:r>
+            <a:endParaRPr lang="en-US" dirty="0"/>
           </a:p>
         </p:txBody>
       </p:sp>
@@ -8389,7 +9964,7 @@
           <p:cNvPr id="4" name="Content Placeholder 3">
             <a:extLst>
               <a:ext uri="{FF2B5EF4-FFF2-40B4-BE49-F238E27FC236}">
-                <a16:creationId xmlns:a16="http://schemas.microsoft.com/office/drawing/2014/main" id="{10B88FCF-57F7-4386-977D-9EC33CD1EB8A}"/>
+                <a16:creationId xmlns:a16="http://schemas.microsoft.com/office/drawing/2014/main" xmlns="" id="{10B88FCF-57F7-4386-977D-9EC33CD1EB8A}"/>
               </a:ext>
             </a:extLst>
           </p:cNvPr>
@@ -8400,18 +9975,18 @@
             <p:ph idx="1"/>
             <p:extLst>
               <p:ext uri="{D42A27DB-BD31-4B8C-83A1-F6EECF244321}">
-                <p14:modId xmlns:p14="http://schemas.microsoft.com/office/powerpoint/2010/main" val="2291481729"/>
+                <p14:modId xmlns:p14="http://schemas.microsoft.com/office/powerpoint/2010/main" val="2440313143"/>
               </p:ext>
             </p:extLst>
           </p:nvPr>
         </p:nvGraphicFramePr>
         <p:xfrm>
-          <a:off x="838200" y="1825625"/>
-          <a:ext cx="10515600" cy="4351338"/>
+          <a:off x="609600" y="1752600"/>
+          <a:ext cx="10972800" cy="4373563"/>
         </p:xfrm>
         <a:graphic>
           <a:graphicData uri="http://schemas.openxmlformats.org/drawingml/2006/diagram">
-            <dgm:relIds xmlns:dgm="http://schemas.openxmlformats.org/drawingml/2006/diagram" xmlns:r="http://schemas.openxmlformats.org/officeDocument/2006/relationships" r:dm="rId2" r:lo="rId3" r:qs="rId4" r:cs="rId5"/>
+            <dgm:relIds xmlns:dgm="http://schemas.openxmlformats.org/drawingml/2006/diagram" xmlns:r="http://schemas.openxmlformats.org/officeDocument/2006/relationships" r:dm="rId3" r:lo="rId4" r:qs="rId5" r:cs="rId6"/>
           </a:graphicData>
         </a:graphic>
       </p:graphicFrame>
@@ -8425,6 +10000,14 @@
   <p:clrMapOvr>
     <a:masterClrMapping/>
   </p:clrMapOvr>
+  <mc:AlternateContent xmlns:mc="http://schemas.openxmlformats.org/markup-compatibility/2006">
+    <mc:Choice xmlns:p14="http://schemas.microsoft.com/office/powerpoint/2010/main" Requires="p14">
+      <p:transition spd="slow" p14:dur="2000"/>
+    </mc:Choice>
+    <mc:Fallback>
+      <p:transition xmlns:p14="http://schemas.microsoft.com/office/powerpoint/2010/main" spd="slow"/>
+    </mc:Fallback>
+  </mc:AlternateContent>
 </p:sld>
 </file>
 
@@ -8450,7 +10033,7 @@
           <p:cNvPr id="2" name="Title 1">
             <a:extLst>
               <a:ext uri="{FF2B5EF4-FFF2-40B4-BE49-F238E27FC236}">
-                <a16:creationId xmlns:a16="http://schemas.microsoft.com/office/drawing/2014/main" id="{DDA1A6A9-BABF-4909-943D-80A8D6DC903C}"/>
+                <a16:creationId xmlns:a16="http://schemas.microsoft.com/office/drawing/2014/main" xmlns="" id="{DDA1A6A9-BABF-4909-943D-80A8D6DC903C}"/>
               </a:ext>
             </a:extLst>
           </p:cNvPr>
@@ -8467,37 +10050,43 @@
           <a:lstStyle/>
           <a:p>
             <a:r>
-              <a:rPr lang="en-US" dirty="0"/>
-              <a:t>Demonstration</a:t>
-            </a:r>
-          </a:p>
-        </p:txBody>
-      </p:sp>
-      <p:sp>
-        <p:nvSpPr>
-          <p:cNvPr id="3" name="Content Placeholder 2">
-            <a:extLst>
-              <a:ext uri="{FF2B5EF4-FFF2-40B4-BE49-F238E27FC236}">
-                <a16:creationId xmlns:a16="http://schemas.microsoft.com/office/drawing/2014/main" id="{B573CD36-A0CA-4F0F-8F58-BEAA8F173066}"/>
-              </a:ext>
-            </a:extLst>
-          </p:cNvPr>
-          <p:cNvSpPr>
-            <a:spLocks noGrp="1"/>
-          </p:cNvSpPr>
+              <a:rPr lang="en-US" dirty="0" smtClean="0"/>
+              <a:t>Demo</a:t>
+            </a:r>
+            <a:endParaRPr lang="en-US" dirty="0"/>
+          </a:p>
+        </p:txBody>
+      </p:sp>
+      <p:pic>
+        <p:nvPicPr>
+          <p:cNvPr id="14" name="Content Placeholder 13" descr="Screen Shot 2017-07-06 at 8.52.35 PM.png"/>
+          <p:cNvPicPr>
+            <a:picLocks noGrp="1" noChangeAspect="1"/>
+          </p:cNvPicPr>
           <p:nvPr>
             <p:ph idx="1"/>
           </p:nvPr>
-        </p:nvSpPr>
-        <p:spPr/>
-        <p:txBody>
-          <a:bodyPr/>
-          <a:lstStyle/>
-          <a:p>
-            <a:endParaRPr lang="en-US"/>
-          </a:p>
-        </p:txBody>
-      </p:sp>
+        </p:nvPicPr>
+        <p:blipFill>
+          <a:blip r:embed="rId3">
+            <a:extLst>
+              <a:ext uri="{28A0092B-C50C-407E-A947-70E740481C1C}">
+                <a14:useLocalDpi xmlns:a14="http://schemas.microsoft.com/office/drawing/2010/main" val="0"/>
+              </a:ext>
+            </a:extLst>
+          </a:blip>
+          <a:srcRect t="17146" b="17146"/>
+          <a:stretch>
+            <a:fillRect/>
+          </a:stretch>
+        </p:blipFill>
+        <p:spPr>
+          <a:xfrm>
+            <a:off x="1476497" y="1752601"/>
+            <a:ext cx="9268994" cy="4373563"/>
+          </a:xfrm>
+        </p:spPr>
+      </p:pic>
     </p:spTree>
     <p:extLst>
       <p:ext uri="{BB962C8B-B14F-4D97-AF65-F5344CB8AC3E}">
@@ -8508,10 +10097,389 @@
   <p:clrMapOvr>
     <a:masterClrMapping/>
   </p:clrMapOvr>
+  <mc:AlternateContent xmlns:mc="http://schemas.openxmlformats.org/markup-compatibility/2006">
+    <mc:Choice xmlns:p14="http://schemas.microsoft.com/office/powerpoint/2010/main" Requires="p14">
+      <p:transition spd="slow" p14:dur="2000"/>
+    </mc:Choice>
+    <mc:Fallback>
+      <p:transition xmlns:p14="http://schemas.microsoft.com/office/powerpoint/2010/main" spd="slow"/>
+    </mc:Fallback>
+  </mc:AlternateContent>
+</p:sld>
+</file>
+
+<file path=ppt/slides/slide8.xml><?xml version="1.0" encoding="utf-8"?>
+<p:sld xmlns:a="http://schemas.openxmlformats.org/drawingml/2006/main" xmlns:r="http://schemas.openxmlformats.org/officeDocument/2006/relationships" xmlns:p="http://schemas.openxmlformats.org/presentationml/2006/main">
+  <p:cSld>
+    <p:spTree>
+      <p:nvGrpSpPr>
+        <p:cNvPr id="1" name=""/>
+        <p:cNvGrpSpPr/>
+        <p:nvPr/>
+      </p:nvGrpSpPr>
+      <p:grpSpPr>
+        <a:xfrm>
+          <a:off x="0" y="0"/>
+          <a:ext cx="0" cy="0"/>
+          <a:chOff x="0" y="0"/>
+          <a:chExt cx="0" cy="0"/>
+        </a:xfrm>
+      </p:grpSpPr>
+      <p:sp>
+        <p:nvSpPr>
+          <p:cNvPr id="2" name="Title 1"/>
+          <p:cNvSpPr>
+            <a:spLocks noGrp="1"/>
+          </p:cNvSpPr>
+          <p:nvPr>
+            <p:ph type="title"/>
+          </p:nvPr>
+        </p:nvSpPr>
+        <p:spPr/>
+        <p:txBody>
+          <a:bodyPr/>
+          <a:lstStyle/>
+          <a:p>
+            <a:r>
+              <a:rPr lang="en-US" dirty="0" smtClean="0"/>
+              <a:t>Questions???</a:t>
+            </a:r>
+            <a:endParaRPr lang="en-US" dirty="0"/>
+          </a:p>
+        </p:txBody>
+      </p:sp>
+    </p:spTree>
+    <p:extLst>
+      <p:ext uri="{BB962C8B-B14F-4D97-AF65-F5344CB8AC3E}">
+        <p14:creationId xmlns:p14="http://schemas.microsoft.com/office/powerpoint/2010/main" val="2834026004"/>
+      </p:ext>
+    </p:extLst>
+  </p:cSld>
+  <p:clrMapOvr>
+    <a:masterClrMapping/>
+  </p:clrMapOvr>
 </p:sld>
 </file>
 
 <file path=ppt/theme/theme1.xml><?xml version="1.0" encoding="utf-8"?>
+<a:theme xmlns:a="http://schemas.openxmlformats.org/drawingml/2006/main" name="Apothecary">
+  <a:themeElements>
+    <a:clrScheme name="Infusion">
+      <a:dk1>
+        <a:sysClr val="windowText" lastClr="000000"/>
+      </a:dk1>
+      <a:lt1>
+        <a:sysClr val="window" lastClr="FFFFFF"/>
+      </a:lt1>
+      <a:dk2>
+        <a:srgbClr val="2F1F58"/>
+      </a:dk2>
+      <a:lt2>
+        <a:srgbClr val="B7A9E0"/>
+      </a:lt2>
+      <a:accent1>
+        <a:srgbClr val="8C73D0"/>
+      </a:accent1>
+      <a:accent2>
+        <a:srgbClr val="C2E8C4"/>
+      </a:accent2>
+      <a:accent3>
+        <a:srgbClr val="C5A6E8"/>
+      </a:accent3>
+      <a:accent4>
+        <a:srgbClr val="B45EC7"/>
+      </a:accent4>
+      <a:accent5>
+        <a:srgbClr val="9FDAFB"/>
+      </a:accent5>
+      <a:accent6>
+        <a:srgbClr val="95C5B0"/>
+      </a:accent6>
+      <a:hlink>
+        <a:srgbClr val="744AE0"/>
+      </a:hlink>
+      <a:folHlink>
+        <a:srgbClr val="8D8AD1"/>
+      </a:folHlink>
+    </a:clrScheme>
+    <a:fontScheme name="Apothecary">
+      <a:majorFont>
+        <a:latin typeface="Book Antiqua"/>
+        <a:ea typeface=""/>
+        <a:cs typeface=""/>
+        <a:font script="Jpan" typeface="ＭＳ Ｐ明朝"/>
+        <a:font script="Hang" typeface="HY견명조"/>
+        <a:font script="Hans" typeface="宋体"/>
+        <a:font script="Hant" typeface="新細明體"/>
+        <a:font script="Arab" typeface="Times New Roman"/>
+        <a:font script="Hebr" typeface="David"/>
+        <a:font script="Thai" typeface="EucrosiaUPC"/>
+        <a:font script="Ethi" typeface="Nyala"/>
+        <a:font script="Beng" typeface="Vrinda"/>
+        <a:font script="Gujr" typeface="Shruti"/>
+        <a:font script="Khmr" typeface="MoolBoran"/>
+        <a:font script="Knda" typeface="Tunga"/>
+        <a:font script="Guru" typeface="Raavi"/>
+        <a:font script="Cans" typeface="Euphemia"/>
+        <a:font script="Cher" typeface="Plantagenet Cherokee"/>
+        <a:font script="Yiii" typeface="Microsoft Yi Baiti"/>
+        <a:font script="Tibt" typeface="Microsoft Himalaya"/>
+        <a:font script="Thaa" typeface="MV Boli"/>
+        <a:font script="Deva" typeface="Mangal"/>
+        <a:font script="Telu" typeface="Gautami"/>
+        <a:font script="Taml" typeface="Latha"/>
+        <a:font script="Syrc" typeface="Estrangelo Edessa"/>
+        <a:font script="Orya" typeface="Kalinga"/>
+        <a:font script="Mlym" typeface="Kartika"/>
+        <a:font script="Laoo" typeface="DokChampa"/>
+        <a:font script="Sinh" typeface="Iskoola Pota"/>
+        <a:font script="Mong" typeface="Mongolian Baiti"/>
+        <a:font script="Viet" typeface="Times New Roman"/>
+        <a:font script="Uigh" typeface="Microsoft Uighur"/>
+        <a:font script="Geor" typeface="Sylfaen"/>
+      </a:majorFont>
+      <a:minorFont>
+        <a:latin typeface="Century Gothic"/>
+        <a:ea typeface=""/>
+        <a:cs typeface=""/>
+        <a:font script="Jpan" typeface="ＭＳ ゴシック"/>
+        <a:font script="Hang" typeface="HY견명조"/>
+        <a:font script="Hans" typeface="微软雅黑"/>
+        <a:font script="Hant" typeface="微軟正黑體"/>
+        <a:font script="Arab" typeface="Tahoma"/>
+        <a:font script="Hebr" typeface="Gisha"/>
+        <a:font script="Thai" typeface="DilleniaUPC"/>
+        <a:font script="Ethi" typeface="Nyala"/>
+        <a:font script="Beng" typeface="Vrinda"/>
+        <a:font script="Gujr" typeface="Shruti"/>
+        <a:font script="Khmr" typeface="DaunPenh"/>
+        <a:font script="Knda" typeface="Tunga"/>
+        <a:font script="Guru" typeface="Raavi"/>
+        <a:font script="Cans" typeface="Euphemia"/>
+        <a:font script="Cher" typeface="Plantagenet Cherokee"/>
+        <a:font script="Yiii" typeface="Microsoft Yi Baiti"/>
+        <a:font script="Tibt" typeface="Microsoft Himalaya"/>
+        <a:font script="Thaa" typeface="MV Boli"/>
+        <a:font script="Deva" typeface="Mangal"/>
+        <a:font script="Telu" typeface="Gautami"/>
+        <a:font script="Taml" typeface="Latha"/>
+        <a:font script="Syrc" typeface="Estrangelo Edessa"/>
+        <a:font script="Orya" typeface="Kalinga"/>
+        <a:font script="Mlym" typeface="Kartika"/>
+        <a:font script="Laoo" typeface="DokChampa"/>
+        <a:font script="Sinh" typeface="Iskoola Pota"/>
+        <a:font script="Mong" typeface="Mongolian Baiti"/>
+        <a:font script="Viet" typeface="Verdana"/>
+        <a:font script="Uigh" typeface="Microsoft Uighur"/>
+        <a:font script="Geor" typeface="Sylfaen"/>
+      </a:minorFont>
+    </a:fontScheme>
+    <a:fmtScheme name="Apothecary">
+      <a:fillStyleLst>
+        <a:solidFill>
+          <a:schemeClr val="phClr"/>
+        </a:solidFill>
+        <a:gradFill rotWithShape="1">
+          <a:gsLst>
+            <a:gs pos="0">
+              <a:schemeClr val="phClr">
+                <a:tint val="1000"/>
+                <a:satMod val="100000"/>
+              </a:schemeClr>
+            </a:gs>
+            <a:gs pos="68000">
+              <a:schemeClr val="phClr">
+                <a:tint val="77000"/>
+                <a:satMod val="100000"/>
+              </a:schemeClr>
+            </a:gs>
+            <a:gs pos="81000">
+              <a:schemeClr val="phClr">
+                <a:tint val="79000"/>
+                <a:satMod val="100000"/>
+              </a:schemeClr>
+            </a:gs>
+            <a:gs pos="86000">
+              <a:schemeClr val="phClr">
+                <a:tint val="73000"/>
+                <a:satMod val="100000"/>
+              </a:schemeClr>
+            </a:gs>
+            <a:gs pos="100000">
+              <a:schemeClr val="phClr">
+                <a:tint val="35000"/>
+                <a:satMod val="100000"/>
+              </a:schemeClr>
+            </a:gs>
+          </a:gsLst>
+          <a:lin ang="5400000" scaled="0"/>
+        </a:gradFill>
+        <a:gradFill rotWithShape="1">
+          <a:gsLst>
+            <a:gs pos="0">
+              <a:schemeClr val="phClr">
+                <a:tint val="73000"/>
+                <a:shade val="100000"/>
+                <a:satMod val="150000"/>
+              </a:schemeClr>
+            </a:gs>
+            <a:gs pos="25000">
+              <a:schemeClr val="phClr">
+                <a:tint val="96000"/>
+                <a:shade val="80000"/>
+                <a:satMod val="105000"/>
+              </a:schemeClr>
+            </a:gs>
+            <a:gs pos="38000">
+              <a:schemeClr val="phClr">
+                <a:tint val="96000"/>
+                <a:shade val="59000"/>
+                <a:satMod val="120000"/>
+              </a:schemeClr>
+            </a:gs>
+            <a:gs pos="55000">
+              <a:schemeClr val="phClr">
+                <a:tint val="100000"/>
+                <a:shade val="57000"/>
+                <a:satMod val="120000"/>
+              </a:schemeClr>
+            </a:gs>
+            <a:gs pos="80000">
+              <a:schemeClr val="phClr">
+                <a:tint val="100000"/>
+                <a:shade val="56000"/>
+                <a:satMod val="145000"/>
+              </a:schemeClr>
+            </a:gs>
+            <a:gs pos="88000">
+              <a:schemeClr val="phClr">
+                <a:tint val="100000"/>
+                <a:shade val="63000"/>
+                <a:satMod val="160000"/>
+              </a:schemeClr>
+            </a:gs>
+            <a:gs pos="100000">
+              <a:schemeClr val="phClr">
+                <a:tint val="99000"/>
+                <a:shade val="100000"/>
+                <a:satMod val="155000"/>
+              </a:schemeClr>
+            </a:gs>
+          </a:gsLst>
+          <a:lin ang="5400000" scaled="0"/>
+        </a:gradFill>
+      </a:fillStyleLst>
+      <a:lnStyleLst>
+        <a:ln w="9525" cap="flat" cmpd="sng" algn="ctr">
+          <a:solidFill>
+            <a:schemeClr val="phClr">
+              <a:shade val="95000"/>
+              <a:satMod val="105000"/>
+            </a:schemeClr>
+          </a:solidFill>
+          <a:prstDash val="solid"/>
+        </a:ln>
+        <a:ln w="25400" cap="flat" cmpd="sng" algn="ctr">
+          <a:solidFill>
+            <a:schemeClr val="phClr"/>
+          </a:solidFill>
+          <a:prstDash val="solid"/>
+        </a:ln>
+        <a:ln w="38100" cap="flat" cmpd="sng" algn="ctr">
+          <a:solidFill>
+            <a:schemeClr val="phClr"/>
+          </a:solidFill>
+          <a:prstDash val="solid"/>
+        </a:ln>
+      </a:lnStyleLst>
+      <a:effectStyleLst>
+        <a:effectStyle>
+          <a:effectLst/>
+        </a:effectStyle>
+        <a:effectStyle>
+          <a:effectLst/>
+          <a:scene3d>
+            <a:camera prst="orthographicFront">
+              <a:rot lat="0" lon="0" rev="0"/>
+            </a:camera>
+            <a:lightRig rig="glow" dir="tl">
+              <a:rot lat="0" lon="0" rev="1800000"/>
+            </a:lightRig>
+          </a:scene3d>
+          <a:sp3d contourW="10160" prstMaterial="dkEdge">
+            <a:bevelT w="0" h="0" prst="angle"/>
+            <a:contourClr>
+              <a:schemeClr val="phClr">
+                <a:shade val="30000"/>
+                <a:satMod val="150000"/>
+              </a:schemeClr>
+            </a:contourClr>
+          </a:sp3d>
+        </a:effectStyle>
+        <a:effectStyle>
+          <a:effectLst>
+            <a:glow rad="50800">
+              <a:schemeClr val="phClr">
+                <a:tint val="68000"/>
+                <a:shade val="93000"/>
+                <a:alpha val="37000"/>
+                <a:satMod val="250000"/>
+              </a:schemeClr>
+            </a:glow>
+          </a:effectLst>
+          <a:scene3d>
+            <a:camera prst="orthographicFront">
+              <a:rot lat="0" lon="0" rev="0"/>
+            </a:camera>
+            <a:lightRig rig="glow" dir="t">
+              <a:rot lat="0" lon="0" rev="1800000"/>
+            </a:lightRig>
+          </a:scene3d>
+          <a:sp3d contourW="10160" prstMaterial="dkEdge">
+            <a:bevelT w="20320" h="19050" prst="angle"/>
+            <a:contourClr>
+              <a:schemeClr val="phClr">
+                <a:shade val="30000"/>
+                <a:satMod val="150000"/>
+              </a:schemeClr>
+            </a:contourClr>
+          </a:sp3d>
+        </a:effectStyle>
+      </a:effectStyleLst>
+      <a:bgFillStyleLst>
+        <a:solidFill>
+          <a:schemeClr val="phClr"/>
+        </a:solidFill>
+        <a:solidFill>
+          <a:schemeClr val="phClr">
+            <a:tint val="93000"/>
+            <a:satMod val="140000"/>
+          </a:schemeClr>
+        </a:solidFill>
+        <a:blipFill rotWithShape="1">
+          <a:blip xmlns:r="http://schemas.openxmlformats.org/officeDocument/2006/relationships" r:embed="rId1">
+            <a:duotone>
+              <a:schemeClr val="phClr">
+                <a:tint val="70000"/>
+                <a:satMod val="170000"/>
+              </a:schemeClr>
+              <a:schemeClr val="phClr">
+                <a:shade val="70000"/>
+                <a:satMod val="130000"/>
+              </a:schemeClr>
+            </a:duotone>
+          </a:blip>
+          <a:tile tx="0" ty="0" sx="100000" sy="100000" flip="none" algn="tl"/>
+        </a:blipFill>
+      </a:bgFillStyleLst>
+    </a:fmtScheme>
+  </a:themeElements>
+  <a:objectDefaults/>
+  <a:extraClrSchemeLst/>
+</a:theme>
+</file>
+
+<file path=ppt/theme/theme2.xml><?xml version="1.0" encoding="utf-8"?>
 <a:theme xmlns:a="http://schemas.openxmlformats.org/drawingml/2006/main" name="Office Theme">
   <a:themeElements>
     <a:clrScheme name="Office">
@@ -8554,7 +10522,7 @@
     </a:clrScheme>
     <a:fontScheme name="Office">
       <a:majorFont>
-        <a:latin typeface="Calibri Light" panose="020F0302020204030204"/>
+        <a:latin typeface="Calibri Light"/>
         <a:ea typeface=""/>
         <a:cs typeface=""/>
         <a:font script="Jpan" typeface="游ゴシック Light"/>
@@ -8606,7 +10574,7 @@
         <a:font script="Tfng" typeface="Ebrima"/>
       </a:majorFont>
       <a:minorFont>
-        <a:latin typeface="Calibri" panose="020F0502020204030204"/>
+        <a:latin typeface="Calibri"/>
         <a:ea typeface=""/>
         <a:cs typeface=""/>
         <a:font script="Jpan" typeface="游ゴシック"/>
@@ -8800,302 +10768,7 @@
   <a:extraClrSchemeLst/>
   <a:extLst>
     <a:ext uri="{05A4C25C-085E-4340-85A3-A5531E510DB2}">
-      <thm15:themeFamily xmlns:thm15="http://schemas.microsoft.com/office/thememl/2012/main" name="Office Theme" id="{62F939B6-93AF-4DB8-9C6B-D6C7DFDC589F}" vid="{4A3C46E8-61CC-4603-A589-7422A47A8E4A}"/>
-    </a:ext>
-  </a:extLst>
-</a:theme>
-</file>
-
-<file path=ppt/theme/theme2.xml><?xml version="1.0" encoding="utf-8"?>
-<a:theme xmlns:a="http://schemas.openxmlformats.org/drawingml/2006/main" name="Office Theme">
-  <a:themeElements>
-    <a:clrScheme name="Office">
-      <a:dk1>
-        <a:sysClr val="windowText" lastClr="000000"/>
-      </a:dk1>
-      <a:lt1>
-        <a:sysClr val="window" lastClr="FFFFFF"/>
-      </a:lt1>
-      <a:dk2>
-        <a:srgbClr val="44546A"/>
-      </a:dk2>
-      <a:lt2>
-        <a:srgbClr val="E7E6E6"/>
-      </a:lt2>
-      <a:accent1>
-        <a:srgbClr val="4472C4"/>
-      </a:accent1>
-      <a:accent2>
-        <a:srgbClr val="ED7D31"/>
-      </a:accent2>
-      <a:accent3>
-        <a:srgbClr val="A5A5A5"/>
-      </a:accent3>
-      <a:accent4>
-        <a:srgbClr val="FFC000"/>
-      </a:accent4>
-      <a:accent5>
-        <a:srgbClr val="5B9BD5"/>
-      </a:accent5>
-      <a:accent6>
-        <a:srgbClr val="70AD47"/>
-      </a:accent6>
-      <a:hlink>
-        <a:srgbClr val="0563C1"/>
-      </a:hlink>
-      <a:folHlink>
-        <a:srgbClr val="954F72"/>
-      </a:folHlink>
-    </a:clrScheme>
-    <a:fontScheme name="Office">
-      <a:majorFont>
-        <a:latin typeface="Calibri Light" panose="020F0302020204030204"/>
-        <a:ea typeface=""/>
-        <a:cs typeface=""/>
-        <a:font script="Jpan" typeface="游ゴシック Light"/>
-        <a:font script="Hang" typeface="맑은 고딕"/>
-        <a:font script="Hans" typeface="等线 Light"/>
-        <a:font script="Hant" typeface="新細明體"/>
-        <a:font script="Arab" typeface="Times New Roman"/>
-        <a:font script="Hebr" typeface="Times New Roman"/>
-        <a:font script="Thai" typeface="Angsana New"/>
-        <a:font script="Ethi" typeface="Nyala"/>
-        <a:font script="Beng" typeface="Vrinda"/>
-        <a:font script="Gujr" typeface="Shruti"/>
-        <a:font script="Khmr" typeface="MoolBoran"/>
-        <a:font script="Knda" typeface="Tunga"/>
-        <a:font script="Guru" typeface="Raavi"/>
-        <a:font script="Cans" typeface="Euphemia"/>
-        <a:font script="Cher" typeface="Plantagenet Cherokee"/>
-        <a:font script="Yiii" typeface="Microsoft Yi Baiti"/>
-        <a:font script="Tibt" typeface="Microsoft Himalaya"/>
-        <a:font script="Thaa" typeface="MV Boli"/>
-        <a:font script="Deva" typeface="Mangal"/>
-        <a:font script="Telu" typeface="Gautami"/>
-        <a:font script="Taml" typeface="Latha"/>
-        <a:font script="Syrc" typeface="Estrangelo Edessa"/>
-        <a:font script="Orya" typeface="Kalinga"/>
-        <a:font script="Mlym" typeface="Kartika"/>
-        <a:font script="Laoo" typeface="DokChampa"/>
-        <a:font script="Sinh" typeface="Iskoola Pota"/>
-        <a:font script="Mong" typeface="Mongolian Baiti"/>
-        <a:font script="Viet" typeface="Times New Roman"/>
-        <a:font script="Uigh" typeface="Microsoft Uighur"/>
-        <a:font script="Geor" typeface="Sylfaen"/>
-        <a:font script="Armn" typeface="Arial"/>
-        <a:font script="Bugi" typeface="Leelawadee UI"/>
-        <a:font script="Bopo" typeface="Microsoft JhengHei"/>
-        <a:font script="Java" typeface="Javanese Text"/>
-        <a:font script="Lisu" typeface="Segoe UI"/>
-        <a:font script="Mymr" typeface="Myanmar Text"/>
-        <a:font script="Nkoo" typeface="Ebrima"/>
-        <a:font script="Olck" typeface="Nirmala UI"/>
-        <a:font script="Osma" typeface="Ebrima"/>
-        <a:font script="Phag" typeface="Phagspa"/>
-        <a:font script="Syrn" typeface="Estrangelo Edessa"/>
-        <a:font script="Syrj" typeface="Estrangelo Edessa"/>
-        <a:font script="Syre" typeface="Estrangelo Edessa"/>
-        <a:font script="Sora" typeface="Nirmala UI"/>
-        <a:font script="Tale" typeface="Microsoft Tai Le"/>
-        <a:font script="Talu" typeface="Microsoft New Tai Lue"/>
-        <a:font script="Tfng" typeface="Ebrima"/>
-      </a:majorFont>
-      <a:minorFont>
-        <a:latin typeface="Calibri" panose="020F0502020204030204"/>
-        <a:ea typeface=""/>
-        <a:cs typeface=""/>
-        <a:font script="Jpan" typeface="游ゴシック"/>
-        <a:font script="Hang" typeface="맑은 고딕"/>
-        <a:font script="Hans" typeface="等线"/>
-        <a:font script="Hant" typeface="新細明體"/>
-        <a:font script="Arab" typeface="Arial"/>
-        <a:font script="Hebr" typeface="Arial"/>
-        <a:font script="Thai" typeface="Cordia New"/>
-        <a:font script="Ethi" typeface="Nyala"/>
-        <a:font script="Beng" typeface="Vrinda"/>
-        <a:font script="Gujr" typeface="Shruti"/>
-        <a:font script="Khmr" typeface="DaunPenh"/>
-        <a:font script="Knda" typeface="Tunga"/>
-        <a:font script="Guru" typeface="Raavi"/>
-        <a:font script="Cans" typeface="Euphemia"/>
-        <a:font script="Cher" typeface="Plantagenet Cherokee"/>
-        <a:font script="Yiii" typeface="Microsoft Yi Baiti"/>
-        <a:font script="Tibt" typeface="Microsoft Himalaya"/>
-        <a:font script="Thaa" typeface="MV Boli"/>
-        <a:font script="Deva" typeface="Mangal"/>
-        <a:font script="Telu" typeface="Gautami"/>
-        <a:font script="Taml" typeface="Latha"/>
-        <a:font script="Syrc" typeface="Estrangelo Edessa"/>
-        <a:font script="Orya" typeface="Kalinga"/>
-        <a:font script="Mlym" typeface="Kartika"/>
-        <a:font script="Laoo" typeface="DokChampa"/>
-        <a:font script="Sinh" typeface="Iskoola Pota"/>
-        <a:font script="Mong" typeface="Mongolian Baiti"/>
-        <a:font script="Viet" typeface="Arial"/>
-        <a:font script="Uigh" typeface="Microsoft Uighur"/>
-        <a:font script="Geor" typeface="Sylfaen"/>
-        <a:font script="Armn" typeface="Arial"/>
-        <a:font script="Bugi" typeface="Leelawadee UI"/>
-        <a:font script="Bopo" typeface="Microsoft JhengHei"/>
-        <a:font script="Java" typeface="Javanese Text"/>
-        <a:font script="Lisu" typeface="Segoe UI"/>
-        <a:font script="Mymr" typeface="Myanmar Text"/>
-        <a:font script="Nkoo" typeface="Ebrima"/>
-        <a:font script="Olck" typeface="Nirmala UI"/>
-        <a:font script="Osma" typeface="Ebrima"/>
-        <a:font script="Phag" typeface="Phagspa"/>
-        <a:font script="Syrn" typeface="Estrangelo Edessa"/>
-        <a:font script="Syrj" typeface="Estrangelo Edessa"/>
-        <a:font script="Syre" typeface="Estrangelo Edessa"/>
-        <a:font script="Sora" typeface="Nirmala UI"/>
-        <a:font script="Tale" typeface="Microsoft Tai Le"/>
-        <a:font script="Talu" typeface="Microsoft New Tai Lue"/>
-        <a:font script="Tfng" typeface="Ebrima"/>
-      </a:minorFont>
-    </a:fontScheme>
-    <a:fmtScheme name="Office">
-      <a:fillStyleLst>
-        <a:solidFill>
-          <a:schemeClr val="phClr"/>
-        </a:solidFill>
-        <a:gradFill rotWithShape="1">
-          <a:gsLst>
-            <a:gs pos="0">
-              <a:schemeClr val="phClr">
-                <a:lumMod val="110000"/>
-                <a:satMod val="105000"/>
-                <a:tint val="67000"/>
-              </a:schemeClr>
-            </a:gs>
-            <a:gs pos="50000">
-              <a:schemeClr val="phClr">
-                <a:lumMod val="105000"/>
-                <a:satMod val="103000"/>
-                <a:tint val="73000"/>
-              </a:schemeClr>
-            </a:gs>
-            <a:gs pos="100000">
-              <a:schemeClr val="phClr">
-                <a:lumMod val="105000"/>
-                <a:satMod val="109000"/>
-                <a:tint val="81000"/>
-              </a:schemeClr>
-            </a:gs>
-          </a:gsLst>
-          <a:lin ang="5400000" scaled="0"/>
-        </a:gradFill>
-        <a:gradFill rotWithShape="1">
-          <a:gsLst>
-            <a:gs pos="0">
-              <a:schemeClr val="phClr">
-                <a:satMod val="103000"/>
-                <a:lumMod val="102000"/>
-                <a:tint val="94000"/>
-              </a:schemeClr>
-            </a:gs>
-            <a:gs pos="50000">
-              <a:schemeClr val="phClr">
-                <a:satMod val="110000"/>
-                <a:lumMod val="100000"/>
-                <a:shade val="100000"/>
-              </a:schemeClr>
-            </a:gs>
-            <a:gs pos="100000">
-              <a:schemeClr val="phClr">
-                <a:lumMod val="99000"/>
-                <a:satMod val="120000"/>
-                <a:shade val="78000"/>
-              </a:schemeClr>
-            </a:gs>
-          </a:gsLst>
-          <a:lin ang="5400000" scaled="0"/>
-        </a:gradFill>
-      </a:fillStyleLst>
-      <a:lnStyleLst>
-        <a:ln w="6350" cap="flat" cmpd="sng" algn="ctr">
-          <a:solidFill>
-            <a:schemeClr val="phClr"/>
-          </a:solidFill>
-          <a:prstDash val="solid"/>
-          <a:miter lim="800000"/>
-        </a:ln>
-        <a:ln w="12700" cap="flat" cmpd="sng" algn="ctr">
-          <a:solidFill>
-            <a:schemeClr val="phClr"/>
-          </a:solidFill>
-          <a:prstDash val="solid"/>
-          <a:miter lim="800000"/>
-        </a:ln>
-        <a:ln w="19050" cap="flat" cmpd="sng" algn="ctr">
-          <a:solidFill>
-            <a:schemeClr val="phClr"/>
-          </a:solidFill>
-          <a:prstDash val="solid"/>
-          <a:miter lim="800000"/>
-        </a:ln>
-      </a:lnStyleLst>
-      <a:effectStyleLst>
-        <a:effectStyle>
-          <a:effectLst/>
-        </a:effectStyle>
-        <a:effectStyle>
-          <a:effectLst/>
-        </a:effectStyle>
-        <a:effectStyle>
-          <a:effectLst>
-            <a:outerShdw blurRad="57150" dist="19050" dir="5400000" algn="ctr" rotWithShape="0">
-              <a:srgbClr val="000000">
-                <a:alpha val="63000"/>
-              </a:srgbClr>
-            </a:outerShdw>
-          </a:effectLst>
-        </a:effectStyle>
-      </a:effectStyleLst>
-      <a:bgFillStyleLst>
-        <a:solidFill>
-          <a:schemeClr val="phClr"/>
-        </a:solidFill>
-        <a:solidFill>
-          <a:schemeClr val="phClr">
-            <a:tint val="95000"/>
-            <a:satMod val="170000"/>
-          </a:schemeClr>
-        </a:solidFill>
-        <a:gradFill rotWithShape="1">
-          <a:gsLst>
-            <a:gs pos="0">
-              <a:schemeClr val="phClr">
-                <a:tint val="93000"/>
-                <a:satMod val="150000"/>
-                <a:shade val="98000"/>
-                <a:lumMod val="102000"/>
-              </a:schemeClr>
-            </a:gs>
-            <a:gs pos="50000">
-              <a:schemeClr val="phClr">
-                <a:tint val="98000"/>
-                <a:satMod val="130000"/>
-                <a:shade val="90000"/>
-                <a:lumMod val="103000"/>
-              </a:schemeClr>
-            </a:gs>
-            <a:gs pos="100000">
-              <a:schemeClr val="phClr">
-                <a:shade val="63000"/>
-                <a:satMod val="120000"/>
-              </a:schemeClr>
-            </a:gs>
-          </a:gsLst>
-          <a:lin ang="5400000" scaled="0"/>
-        </a:gradFill>
-      </a:bgFillStyleLst>
-    </a:fmtScheme>
-  </a:themeElements>
-  <a:objectDefaults/>
-  <a:extraClrSchemeLst/>
-  <a:extLst>
-    <a:ext uri="{05A4C25C-085E-4340-85A3-A5531E510DB2}">
-      <thm15:themeFamily xmlns:thm15="http://schemas.microsoft.com/office/thememl/2012/main" name="Office Theme" id="{62F939B6-93AF-4DB8-9C6B-D6C7DFDC589F}" vid="{4A3C46E8-61CC-4603-A589-7422A47A8E4A}"/>
+      <thm15:themeFamily xmlns:thm15="http://schemas.microsoft.com/office/thememl/2012/main" xmlns="" name="Office Theme" id="{62F939B6-93AF-4DB8-9C6B-D6C7DFDC589F}" vid="{4A3C46E8-61CC-4603-A589-7422A47A8E4A}"/>
     </a:ext>
   </a:extLst>
 </a:theme>
